--- a/presentations/9_uncert_validation/9. Uncertainty_and_Validation_Beaudette.pptx
+++ b/presentations/9_uncert_validation/9. Uncertainty_and_Validation_Beaudette.pptx
@@ -5,7 +5,7 @@
     <p:sldMasterId id="2147483660" r:id="rId1"/>
   </p:sldMasterIdLst>
   <p:notesMasterIdLst>
-    <p:notesMasterId r:id="rId37"/>
+    <p:notesMasterId r:id="rId36"/>
   </p:notesMasterIdLst>
   <p:sldIdLst>
     <p:sldId id="257" r:id="rId2"/>
@@ -20,29 +20,28 @@
     <p:sldId id="336" r:id="rId11"/>
     <p:sldId id="338" r:id="rId12"/>
     <p:sldId id="340" r:id="rId13"/>
-    <p:sldId id="348" r:id="rId14"/>
-    <p:sldId id="337" r:id="rId15"/>
-    <p:sldId id="351" r:id="rId16"/>
-    <p:sldId id="353" r:id="rId17"/>
-    <p:sldId id="350" r:id="rId18"/>
-    <p:sldId id="352" r:id="rId19"/>
-    <p:sldId id="346" r:id="rId20"/>
-    <p:sldId id="356" r:id="rId21"/>
-    <p:sldId id="354" r:id="rId22"/>
-    <p:sldId id="334" r:id="rId23"/>
-    <p:sldId id="366" r:id="rId24"/>
-    <p:sldId id="343" r:id="rId25"/>
-    <p:sldId id="357" r:id="rId26"/>
-    <p:sldId id="358" r:id="rId27"/>
-    <p:sldId id="364" r:id="rId28"/>
-    <p:sldId id="365" r:id="rId29"/>
-    <p:sldId id="355" r:id="rId30"/>
-    <p:sldId id="362" r:id="rId31"/>
-    <p:sldId id="360" r:id="rId32"/>
-    <p:sldId id="363" r:id="rId33"/>
-    <p:sldId id="361" r:id="rId34"/>
-    <p:sldId id="317" r:id="rId35"/>
-    <p:sldId id="323" r:id="rId36"/>
+    <p:sldId id="337" r:id="rId14"/>
+    <p:sldId id="351" r:id="rId15"/>
+    <p:sldId id="353" r:id="rId16"/>
+    <p:sldId id="350" r:id="rId17"/>
+    <p:sldId id="352" r:id="rId18"/>
+    <p:sldId id="346" r:id="rId19"/>
+    <p:sldId id="356" r:id="rId20"/>
+    <p:sldId id="354" r:id="rId21"/>
+    <p:sldId id="334" r:id="rId22"/>
+    <p:sldId id="366" r:id="rId23"/>
+    <p:sldId id="343" r:id="rId24"/>
+    <p:sldId id="357" r:id="rId25"/>
+    <p:sldId id="358" r:id="rId26"/>
+    <p:sldId id="364" r:id="rId27"/>
+    <p:sldId id="365" r:id="rId28"/>
+    <p:sldId id="355" r:id="rId29"/>
+    <p:sldId id="362" r:id="rId30"/>
+    <p:sldId id="360" r:id="rId31"/>
+    <p:sldId id="363" r:id="rId32"/>
+    <p:sldId id="361" r:id="rId33"/>
+    <p:sldId id="317" r:id="rId34"/>
+    <p:sldId id="323" r:id="rId35"/>
   </p:sldIdLst>
   <p:sldSz cx="9144000" cy="6858000" type="screen4x3"/>
   <p:notesSz cx="6858000" cy="9144000"/>
@@ -901,273 +900,6 @@
           <a:bodyPr/>
           <a:lstStyle/>
           <a:p>
-            <a:r>
-              <a:rPr lang="en-US" dirty="0"/>
-              <a:t>heteroscedasticity (also spelled heteroskedasticity) refers to the circumstance in which the variability of a variable is unequal across the range of values of a second variable that predicts it.</a:t>
-            </a:r>
-          </a:p>
-          <a:p>
-            <a:endParaRPr lang="en-US" dirty="0"/>
-          </a:p>
-          <a:p>
-            <a:pPr rtl="0"/>
-            <a:r>
-              <a:rPr lang="en-US" dirty="0">
-                <a:effectLst/>
-              </a:rPr>
-              <a:t>In </a:t>
-            </a:r>
-            <a:r>
-              <a:rPr lang="en-US" dirty="0">
-                <a:effectLst/>
-                <a:hlinkClick r:id="rId3" tooltip="Statistics"/>
-              </a:rPr>
-              <a:t>statistics</a:t>
-            </a:r>
-            <a:r>
-              <a:rPr lang="en-US" dirty="0">
-                <a:effectLst/>
-              </a:rPr>
-              <a:t>, a collection of </a:t>
-            </a:r>
-            <a:r>
-              <a:rPr lang="en-US" dirty="0">
-                <a:effectLst/>
-                <a:hlinkClick r:id="rId4" tooltip="Random variable"/>
-              </a:rPr>
-              <a:t>random variables</a:t>
-            </a:r>
-            <a:r>
-              <a:rPr lang="en-US" dirty="0">
-                <a:effectLst/>
-              </a:rPr>
-              <a:t> is </a:t>
-            </a:r>
-            <a:r>
-              <a:rPr lang="en-US" b="1" dirty="0">
-                <a:effectLst/>
-              </a:rPr>
-              <a:t>heteroscedastic</a:t>
-            </a:r>
-            <a:r>
-              <a:rPr lang="en-US" dirty="0">
-                <a:effectLst/>
-              </a:rPr>
-              <a:t> (or </a:t>
-            </a:r>
-            <a:r>
-              <a:rPr lang="en-US" b="1" dirty="0">
-                <a:effectLst/>
-              </a:rPr>
-              <a:t>heteroskedastic</a:t>
-            </a:r>
-            <a:r>
-              <a:rPr lang="en-US" dirty="0">
-                <a:effectLst/>
-              </a:rPr>
-              <a:t>;</a:t>
-            </a:r>
-            <a:r>
-              <a:rPr lang="en-US" baseline="30000" dirty="0">
-                <a:effectLst/>
-                <a:hlinkClick r:id="rId5"/>
-              </a:rPr>
-              <a:t>[notes 1]</a:t>
-            </a:r>
-            <a:r>
-              <a:rPr lang="en-US" dirty="0">
-                <a:effectLst/>
-              </a:rPr>
-              <a:t> from </a:t>
-            </a:r>
-            <a:r>
-              <a:rPr lang="en-US" dirty="0">
-                <a:effectLst/>
-                <a:hlinkClick r:id="rId6" tooltip="Ancient Greek"/>
-              </a:rPr>
-              <a:t>Ancient Greek</a:t>
-            </a:r>
-            <a:r>
-              <a:rPr lang="en-US" dirty="0">
-                <a:effectLst/>
-              </a:rPr>
-              <a:t> </a:t>
-            </a:r>
-            <a:r>
-              <a:rPr lang="en-US" i="1" dirty="0">
-                <a:effectLst/>
-              </a:rPr>
-              <a:t>hetero</a:t>
-            </a:r>
-            <a:r>
-              <a:rPr lang="en-US" dirty="0">
-                <a:effectLst/>
-              </a:rPr>
-              <a:t> “different” and </a:t>
-            </a:r>
-            <a:r>
-              <a:rPr lang="en-US" i="1" dirty="0" err="1">
-                <a:effectLst/>
-              </a:rPr>
-              <a:t>skedasis</a:t>
-            </a:r>
-            <a:r>
-              <a:rPr lang="en-US" dirty="0">
-                <a:effectLst/>
-              </a:rPr>
-              <a:t> “dispersion”) if there are sub-populations that have different variabilities from others. Here "variability" could be quantified by the </a:t>
-            </a:r>
-            <a:r>
-              <a:rPr lang="en-US" dirty="0">
-                <a:effectLst/>
-                <a:hlinkClick r:id="rId7" tooltip="Variance"/>
-              </a:rPr>
-              <a:t>variance</a:t>
-            </a:r>
-            <a:r>
-              <a:rPr lang="en-US" dirty="0">
-                <a:effectLst/>
-              </a:rPr>
-              <a:t> or any other measure of </a:t>
-            </a:r>
-            <a:r>
-              <a:rPr lang="en-US" dirty="0">
-                <a:effectLst/>
-                <a:hlinkClick r:id="rId8" tooltip="Statistical dispersion"/>
-              </a:rPr>
-              <a:t>statistical dispersion</a:t>
-            </a:r>
-            <a:r>
-              <a:rPr lang="en-US" dirty="0">
-                <a:effectLst/>
-              </a:rPr>
-              <a:t>. Thus heteroscedasticity is the absence of </a:t>
-            </a:r>
-            <a:r>
-              <a:rPr lang="en-US" dirty="0">
-                <a:effectLst/>
-                <a:hlinkClick r:id="rId9" tooltip="Homoscedasticity"/>
-              </a:rPr>
-              <a:t>homoscedasticity</a:t>
-            </a:r>
-            <a:r>
-              <a:rPr lang="en-US" dirty="0">
-                <a:effectLst/>
-              </a:rPr>
-              <a:t>.</a:t>
-            </a:r>
-          </a:p>
-          <a:p>
-            <a:pPr rtl="0"/>
-            <a:r>
-              <a:rPr lang="en-US" dirty="0">
-                <a:effectLst/>
-              </a:rPr>
-              <a:t>The existence of heteroscedasticity is a major concern in the application of </a:t>
-            </a:r>
-            <a:r>
-              <a:rPr lang="en-US" dirty="0">
-                <a:effectLst/>
-                <a:hlinkClick r:id="rId10" tooltip="Regression analysis"/>
-              </a:rPr>
-              <a:t>regression analysis</a:t>
-            </a:r>
-            <a:r>
-              <a:rPr lang="en-US" dirty="0">
-                <a:effectLst/>
-              </a:rPr>
-              <a:t>, including the </a:t>
-            </a:r>
-            <a:r>
-              <a:rPr lang="en-US" dirty="0">
-                <a:effectLst/>
-                <a:hlinkClick r:id="rId11" tooltip="Analysis of variance"/>
-              </a:rPr>
-              <a:t>analysis of variance</a:t>
-            </a:r>
-            <a:r>
-              <a:rPr lang="en-US" dirty="0">
-                <a:effectLst/>
-              </a:rPr>
-              <a:t>, as it can invalidate </a:t>
-            </a:r>
-            <a:r>
-              <a:rPr lang="en-US" dirty="0">
-                <a:effectLst/>
-                <a:hlinkClick r:id="rId12" tooltip="Statistical hypothesis testing"/>
-              </a:rPr>
-              <a:t>statistical tests of significance</a:t>
-            </a:r>
-            <a:r>
-              <a:rPr lang="en-US" dirty="0">
-                <a:effectLst/>
-              </a:rPr>
-              <a:t> that assume that the </a:t>
-            </a:r>
-            <a:r>
-              <a:rPr lang="en-US" dirty="0">
-                <a:effectLst/>
-                <a:hlinkClick r:id="rId13" tooltip="Errors and residuals in statistics"/>
-              </a:rPr>
-              <a:t>modelling errors</a:t>
-            </a:r>
-            <a:r>
-              <a:rPr lang="en-US" dirty="0">
-                <a:effectLst/>
-              </a:rPr>
-              <a:t> are uncorrelated and uniform—hence that their variances do not vary with the effects being modeled. For instance, while the </a:t>
-            </a:r>
-            <a:r>
-              <a:rPr lang="en-US" dirty="0">
-                <a:effectLst/>
-                <a:hlinkClick r:id="rId14" tooltip="Ordinary least squares"/>
-              </a:rPr>
-              <a:t>ordinary least squares</a:t>
-            </a:r>
-            <a:r>
-              <a:rPr lang="en-US" dirty="0">
-                <a:effectLst/>
-              </a:rPr>
-              <a:t> estimator is still unbiased in the presence of heteroscedasticity, it is inefficient because the true variance and covariance are underestimated.</a:t>
-            </a:r>
-            <a:r>
-              <a:rPr lang="en-US" baseline="30000" dirty="0">
-                <a:effectLst/>
-                <a:hlinkClick r:id="rId15"/>
-              </a:rPr>
-              <a:t>[1]</a:t>
-            </a:r>
-            <a:r>
-              <a:rPr lang="en-US" baseline="30000" dirty="0">
-                <a:effectLst/>
-                <a:hlinkClick r:id="rId16"/>
-              </a:rPr>
-              <a:t>[2]</a:t>
-            </a:r>
-            <a:r>
-              <a:rPr lang="en-US" dirty="0">
-                <a:effectLst/>
-              </a:rPr>
-              <a:t> Similarly, in testing for differences between sub-populations using a </a:t>
-            </a:r>
-            <a:r>
-              <a:rPr lang="en-US" dirty="0">
-                <a:effectLst/>
-                <a:hlinkClick r:id="rId17" tooltip="Location test"/>
-              </a:rPr>
-              <a:t>location test</a:t>
-            </a:r>
-            <a:r>
-              <a:rPr lang="en-US" dirty="0">
-                <a:effectLst/>
-              </a:rPr>
-              <a:t>, some standard tests assume that variances within groups are equal.</a:t>
-            </a:r>
-          </a:p>
-          <a:p>
-            <a:endParaRPr lang="en-US" dirty="0"/>
-          </a:p>
-          <a:p>
             <a:endParaRPr lang="en-US" dirty="0"/>
           </a:p>
         </p:txBody>
@@ -1198,7 +930,7 @@
     </p:spTree>
     <p:extLst>
       <p:ext uri="{BB962C8B-B14F-4D97-AF65-F5344CB8AC3E}">
-        <p14:creationId xmlns:p14="http://schemas.microsoft.com/office/powerpoint/2010/main" val="1793497983"/>
+        <p14:creationId xmlns:p14="http://schemas.microsoft.com/office/powerpoint/2010/main" val="3119576366"/>
       </p:ext>
     </p:extLst>
   </p:cSld>
@@ -1282,7 +1014,7 @@
     </p:spTree>
     <p:extLst>
       <p:ext uri="{BB962C8B-B14F-4D97-AF65-F5344CB8AC3E}">
-        <p14:creationId xmlns:p14="http://schemas.microsoft.com/office/powerpoint/2010/main" val="3119576366"/>
+        <p14:creationId xmlns:p14="http://schemas.microsoft.com/office/powerpoint/2010/main" val="1117246393"/>
       </p:ext>
     </p:extLst>
   </p:cSld>
@@ -1366,7 +1098,7 @@
     </p:spTree>
     <p:extLst>
       <p:ext uri="{BB962C8B-B14F-4D97-AF65-F5344CB8AC3E}">
-        <p14:creationId xmlns:p14="http://schemas.microsoft.com/office/powerpoint/2010/main" val="1117246393"/>
+        <p14:creationId xmlns:p14="http://schemas.microsoft.com/office/powerpoint/2010/main" val="522285589"/>
       </p:ext>
     </p:extLst>
   </p:cSld>
@@ -1450,7 +1182,7 @@
     </p:spTree>
     <p:extLst>
       <p:ext uri="{BB962C8B-B14F-4D97-AF65-F5344CB8AC3E}">
-        <p14:creationId xmlns:p14="http://schemas.microsoft.com/office/powerpoint/2010/main" val="522285589"/>
+        <p14:creationId xmlns:p14="http://schemas.microsoft.com/office/powerpoint/2010/main" val="4105102242"/>
       </p:ext>
     </p:extLst>
   </p:cSld>
@@ -1534,7 +1266,7 @@
     </p:spTree>
     <p:extLst>
       <p:ext uri="{BB962C8B-B14F-4D97-AF65-F5344CB8AC3E}">
-        <p14:creationId xmlns:p14="http://schemas.microsoft.com/office/powerpoint/2010/main" val="4105102242"/>
+        <p14:creationId xmlns:p14="http://schemas.microsoft.com/office/powerpoint/2010/main" val="1869342958"/>
       </p:ext>
     </p:extLst>
   </p:cSld>
@@ -1618,7 +1350,7 @@
     </p:spTree>
     <p:extLst>
       <p:ext uri="{BB962C8B-B14F-4D97-AF65-F5344CB8AC3E}">
-        <p14:creationId xmlns:p14="http://schemas.microsoft.com/office/powerpoint/2010/main" val="1869342958"/>
+        <p14:creationId xmlns:p14="http://schemas.microsoft.com/office/powerpoint/2010/main" val="3985200639"/>
       </p:ext>
     </p:extLst>
   </p:cSld>
@@ -1702,7 +1434,7 @@
     </p:spTree>
     <p:extLst>
       <p:ext uri="{BB962C8B-B14F-4D97-AF65-F5344CB8AC3E}">
-        <p14:creationId xmlns:p14="http://schemas.microsoft.com/office/powerpoint/2010/main" val="3985200639"/>
+        <p14:creationId xmlns:p14="http://schemas.microsoft.com/office/powerpoint/2010/main" val="2566962196"/>
       </p:ext>
     </p:extLst>
   </p:cSld>
@@ -1870,7 +1602,7 @@
     </p:spTree>
     <p:extLst>
       <p:ext uri="{BB962C8B-B14F-4D97-AF65-F5344CB8AC3E}">
-        <p14:creationId xmlns:p14="http://schemas.microsoft.com/office/powerpoint/2010/main" val="2566962196"/>
+        <p14:creationId xmlns:p14="http://schemas.microsoft.com/office/powerpoint/2010/main" val="317085200"/>
       </p:ext>
     </p:extLst>
   </p:cSld>
@@ -1954,7 +1686,7 @@
     </p:spTree>
     <p:extLst>
       <p:ext uri="{BB962C8B-B14F-4D97-AF65-F5344CB8AC3E}">
-        <p14:creationId xmlns:p14="http://schemas.microsoft.com/office/powerpoint/2010/main" val="317085200"/>
+        <p14:creationId xmlns:p14="http://schemas.microsoft.com/office/powerpoint/2010/main" val="2536461624"/>
       </p:ext>
     </p:extLst>
   </p:cSld>
@@ -2008,7 +1740,10 @@
           <a:bodyPr/>
           <a:lstStyle/>
           <a:p>
-            <a:endParaRPr lang="en-US" dirty="0"/>
+            <a:r>
+              <a:rPr lang="en-US" dirty="0"/>
+              <a:t>related, but not the same</a:t>
+            </a:r>
           </a:p>
         </p:txBody>
       </p:sp>
@@ -2038,7 +1773,7 @@
     </p:spTree>
     <p:extLst>
       <p:ext uri="{BB962C8B-B14F-4D97-AF65-F5344CB8AC3E}">
-        <p14:creationId xmlns:p14="http://schemas.microsoft.com/office/powerpoint/2010/main" val="2536461624"/>
+        <p14:creationId xmlns:p14="http://schemas.microsoft.com/office/powerpoint/2010/main" val="1124252021"/>
       </p:ext>
     </p:extLst>
   </p:cSld>
@@ -2092,10 +1827,7 @@
           <a:bodyPr/>
           <a:lstStyle/>
           <a:p>
-            <a:r>
-              <a:rPr lang="en-US" dirty="0"/>
-              <a:t>related, but not the same</a:t>
-            </a:r>
+            <a:endParaRPr lang="en-US" dirty="0"/>
           </a:p>
         </p:txBody>
       </p:sp>
@@ -2125,7 +1857,7 @@
     </p:spTree>
     <p:extLst>
       <p:ext uri="{BB962C8B-B14F-4D97-AF65-F5344CB8AC3E}">
-        <p14:creationId xmlns:p14="http://schemas.microsoft.com/office/powerpoint/2010/main" val="1124252021"/>
+        <p14:creationId xmlns:p14="http://schemas.microsoft.com/office/powerpoint/2010/main" val="2698843015"/>
       </p:ext>
     </p:extLst>
   </p:cSld>
@@ -2209,7 +1941,7 @@
     </p:spTree>
     <p:extLst>
       <p:ext uri="{BB962C8B-B14F-4D97-AF65-F5344CB8AC3E}">
-        <p14:creationId xmlns:p14="http://schemas.microsoft.com/office/powerpoint/2010/main" val="2698843015"/>
+        <p14:creationId xmlns:p14="http://schemas.microsoft.com/office/powerpoint/2010/main" val="215829746"/>
       </p:ext>
     </p:extLst>
   </p:cSld>
@@ -2293,7 +2025,7 @@
     </p:spTree>
     <p:extLst>
       <p:ext uri="{BB962C8B-B14F-4D97-AF65-F5344CB8AC3E}">
-        <p14:creationId xmlns:p14="http://schemas.microsoft.com/office/powerpoint/2010/main" val="215829746"/>
+        <p14:creationId xmlns:p14="http://schemas.microsoft.com/office/powerpoint/2010/main" val="1415862704"/>
       </p:ext>
     </p:extLst>
   </p:cSld>
@@ -2377,7 +2109,7 @@
     </p:spTree>
     <p:extLst>
       <p:ext uri="{BB962C8B-B14F-4D97-AF65-F5344CB8AC3E}">
-        <p14:creationId xmlns:p14="http://schemas.microsoft.com/office/powerpoint/2010/main" val="1415862704"/>
+        <p14:creationId xmlns:p14="http://schemas.microsoft.com/office/powerpoint/2010/main" val="1499160887"/>
       </p:ext>
     </p:extLst>
   </p:cSld>
@@ -2461,7 +2193,7 @@
     </p:spTree>
     <p:extLst>
       <p:ext uri="{BB962C8B-B14F-4D97-AF65-F5344CB8AC3E}">
-        <p14:creationId xmlns:p14="http://schemas.microsoft.com/office/powerpoint/2010/main" val="1499160887"/>
+        <p14:creationId xmlns:p14="http://schemas.microsoft.com/office/powerpoint/2010/main" val="1426037521"/>
       </p:ext>
     </p:extLst>
   </p:cSld>
@@ -2545,7 +2277,7 @@
     </p:spTree>
     <p:extLst>
       <p:ext uri="{BB962C8B-B14F-4D97-AF65-F5344CB8AC3E}">
-        <p14:creationId xmlns:p14="http://schemas.microsoft.com/office/powerpoint/2010/main" val="1426037521"/>
+        <p14:creationId xmlns:p14="http://schemas.microsoft.com/office/powerpoint/2010/main" val="3494189358"/>
       </p:ext>
     </p:extLst>
   </p:cSld>
@@ -2629,7 +2361,7 @@
     </p:spTree>
     <p:extLst>
       <p:ext uri="{BB962C8B-B14F-4D97-AF65-F5344CB8AC3E}">
-        <p14:creationId xmlns:p14="http://schemas.microsoft.com/office/powerpoint/2010/main" val="3494189358"/>
+        <p14:creationId xmlns:p14="http://schemas.microsoft.com/office/powerpoint/2010/main" val="2394130383"/>
       </p:ext>
     </p:extLst>
   </p:cSld>
@@ -2799,7 +2531,14 @@
           <a:bodyPr/>
           <a:lstStyle/>
           <a:p>
-            <a:endParaRPr lang="en-US" dirty="0"/>
+            <a:r>
+              <a:rPr lang="en-US" dirty="0" err="1"/>
+              <a:t>DSMorph</a:t>
+            </a:r>
+            <a:r>
+              <a:rPr lang="en-US" dirty="0"/>
+              <a:t> Book chapter 18</a:t>
+            </a:r>
           </a:p>
         </p:txBody>
       </p:sp>
@@ -2829,7 +2568,7 @@
     </p:spTree>
     <p:extLst>
       <p:ext uri="{BB962C8B-B14F-4D97-AF65-F5344CB8AC3E}">
-        <p14:creationId xmlns:p14="http://schemas.microsoft.com/office/powerpoint/2010/main" val="2394130383"/>
+        <p14:creationId xmlns:p14="http://schemas.microsoft.com/office/powerpoint/2010/main" val="4268769645"/>
       </p:ext>
     </p:extLst>
   </p:cSld>
@@ -2884,12 +2623,8 @@
           <a:lstStyle/>
           <a:p>
             <a:r>
-              <a:rPr lang="en-US" dirty="0" err="1"/>
-              <a:t>DSMorph</a:t>
-            </a:r>
-            <a:r>
               <a:rPr lang="en-US" dirty="0"/>
-              <a:t> Book chapter 18</a:t>
+              <a:t>https://acsess.onlinelibrary.wiley.com/doi/10.1002/saj2.20219</a:t>
             </a:r>
           </a:p>
         </p:txBody>
@@ -2920,7 +2655,7 @@
     </p:spTree>
     <p:extLst>
       <p:ext uri="{BB962C8B-B14F-4D97-AF65-F5344CB8AC3E}">
-        <p14:creationId xmlns:p14="http://schemas.microsoft.com/office/powerpoint/2010/main" val="4268769645"/>
+        <p14:creationId xmlns:p14="http://schemas.microsoft.com/office/powerpoint/2010/main" val="1356851544"/>
       </p:ext>
     </p:extLst>
   </p:cSld>
@@ -2974,10 +2709,7 @@
           <a:bodyPr/>
           <a:lstStyle/>
           <a:p>
-            <a:r>
-              <a:rPr lang="en-US" dirty="0"/>
-              <a:t>https://acsess.onlinelibrary.wiley.com/doi/10.1002/saj2.20219</a:t>
-            </a:r>
+            <a:endParaRPr lang="en-US" dirty="0"/>
           </a:p>
         </p:txBody>
       </p:sp>
@@ -3007,7 +2739,7 @@
     </p:spTree>
     <p:extLst>
       <p:ext uri="{BB962C8B-B14F-4D97-AF65-F5344CB8AC3E}">
-        <p14:creationId xmlns:p14="http://schemas.microsoft.com/office/powerpoint/2010/main" val="1356851544"/>
+        <p14:creationId xmlns:p14="http://schemas.microsoft.com/office/powerpoint/2010/main" val="3508908563"/>
       </p:ext>
     </p:extLst>
   </p:cSld>
@@ -3091,7 +2823,7 @@
     </p:spTree>
     <p:extLst>
       <p:ext uri="{BB962C8B-B14F-4D97-AF65-F5344CB8AC3E}">
-        <p14:creationId xmlns:p14="http://schemas.microsoft.com/office/powerpoint/2010/main" val="3508908563"/>
+        <p14:creationId xmlns:p14="http://schemas.microsoft.com/office/powerpoint/2010/main" val="157695685"/>
       </p:ext>
     </p:extLst>
   </p:cSld>
@@ -3167,90 +2899,6 @@
             <a:fld id="{459BFACE-0DFB-44A8-9511-CBB7B0A920B6}" type="slidenum">
               <a:rPr lang="en-US" smtClean="0"/>
               <a:t>34</a:t>
-            </a:fld>
-            <a:endParaRPr lang="en-US"/>
-          </a:p>
-        </p:txBody>
-      </p:sp>
-    </p:spTree>
-    <p:extLst>
-      <p:ext uri="{BB962C8B-B14F-4D97-AF65-F5344CB8AC3E}">
-        <p14:creationId xmlns:p14="http://schemas.microsoft.com/office/powerpoint/2010/main" val="157695685"/>
-      </p:ext>
-    </p:extLst>
-  </p:cSld>
-  <p:clrMapOvr>
-    <a:masterClrMapping/>
-  </p:clrMapOvr>
-</p:notes>
-</file>
-
-<file path=ppt/notesSlides/notesSlide35.xml><?xml version="1.0" encoding="utf-8"?>
-<p:notes xmlns:a="http://schemas.openxmlformats.org/drawingml/2006/main" xmlns:r="http://schemas.openxmlformats.org/officeDocument/2006/relationships" xmlns:p="http://schemas.openxmlformats.org/presentationml/2006/main">
-  <p:cSld>
-    <p:spTree>
-      <p:nvGrpSpPr>
-        <p:cNvPr id="1" name=""/>
-        <p:cNvGrpSpPr/>
-        <p:nvPr/>
-      </p:nvGrpSpPr>
-      <p:grpSpPr>
-        <a:xfrm>
-          <a:off x="0" y="0"/>
-          <a:ext cx="0" cy="0"/>
-          <a:chOff x="0" y="0"/>
-          <a:chExt cx="0" cy="0"/>
-        </a:xfrm>
-      </p:grpSpPr>
-      <p:sp>
-        <p:nvSpPr>
-          <p:cNvPr id="2" name="Slide Image Placeholder 1"/>
-          <p:cNvSpPr>
-            <a:spLocks noGrp="1" noRot="1" noChangeAspect="1"/>
-          </p:cNvSpPr>
-          <p:nvPr>
-            <p:ph type="sldImg"/>
-          </p:nvPr>
-        </p:nvSpPr>
-        <p:spPr/>
-      </p:sp>
-      <p:sp>
-        <p:nvSpPr>
-          <p:cNvPr id="3" name="Notes Placeholder 2"/>
-          <p:cNvSpPr>
-            <a:spLocks noGrp="1"/>
-          </p:cNvSpPr>
-          <p:nvPr>
-            <p:ph type="body" idx="1"/>
-          </p:nvPr>
-        </p:nvSpPr>
-        <p:spPr/>
-        <p:txBody>
-          <a:bodyPr/>
-          <a:lstStyle/>
-          <a:p>
-            <a:endParaRPr lang="en-US" dirty="0"/>
-          </a:p>
-        </p:txBody>
-      </p:sp>
-      <p:sp>
-        <p:nvSpPr>
-          <p:cNvPr id="4" name="Slide Number Placeholder 3"/>
-          <p:cNvSpPr>
-            <a:spLocks noGrp="1"/>
-          </p:cNvSpPr>
-          <p:nvPr>
-            <p:ph type="sldNum" sz="quarter" idx="10"/>
-          </p:nvPr>
-        </p:nvSpPr>
-        <p:spPr/>
-        <p:txBody>
-          <a:bodyPr/>
-          <a:lstStyle/>
-          <a:p>
-            <a:fld id="{459BFACE-0DFB-44A8-9511-CBB7B0A920B6}" type="slidenum">
-              <a:rPr lang="en-US" smtClean="0"/>
-              <a:t>35</a:t>
             </a:fld>
             <a:endParaRPr lang="en-US"/>
           </a:p>
@@ -8372,2236 +8020,6 @@
         <p:spPr>
           <a:xfrm>
             <a:off x="9525" y="-38784"/>
-            <a:ext cx="3868367" cy="646331"/>
-          </a:xfrm>
-          <a:prstGeom prst="rect">
-            <a:avLst/>
-          </a:prstGeom>
-          <a:noFill/>
-        </p:spPr>
-        <p:txBody>
-          <a:bodyPr wrap="none" rtlCol="0">
-            <a:spAutoFit/>
-          </a:bodyPr>
-          <a:lstStyle/>
-          <a:p>
-            <a:r>
-              <a:rPr lang="en-US" sz="3600" b="1" dirty="0">
-                <a:solidFill>
-                  <a:schemeClr val="bg1"/>
-                </a:solidFill>
-                <a:latin typeface="Candara" panose="020E0502030303020204" pitchFamily="34" charset="0"/>
-              </a:rPr>
-              <a:t>Heteroscedasticity</a:t>
-            </a:r>
-          </a:p>
-        </p:txBody>
-      </p:sp>
-      <p:grpSp>
-        <p:nvGrpSpPr>
-          <p:cNvPr id="7" name="Group 6">
-            <a:extLst>
-              <a:ext uri="{FF2B5EF4-FFF2-40B4-BE49-F238E27FC236}">
-                <a16:creationId xmlns:a16="http://schemas.microsoft.com/office/drawing/2014/main" id="{0FD69D4E-D7B3-46E7-A669-25F9DC22D092}"/>
-              </a:ext>
-            </a:extLst>
-          </p:cNvPr>
-          <p:cNvGrpSpPr>
-            <a:grpSpLocks noChangeAspect="1"/>
-          </p:cNvGrpSpPr>
-          <p:nvPr/>
-        </p:nvGrpSpPr>
-        <p:grpSpPr>
-          <a:xfrm>
-            <a:off x="482489" y="1152100"/>
-            <a:ext cx="3839275" cy="2611579"/>
-            <a:chOff x="86702" y="900472"/>
-            <a:chExt cx="4253548" cy="2893378"/>
-          </a:xfrm>
-        </p:grpSpPr>
-        <p:sp>
-          <p:nvSpPr>
-            <p:cNvPr id="8" name="Rectangle 7">
-              <a:extLst>
-                <a:ext uri="{FF2B5EF4-FFF2-40B4-BE49-F238E27FC236}">
-                  <a16:creationId xmlns:a16="http://schemas.microsoft.com/office/drawing/2014/main" id="{97494B4D-CCB9-45CD-A1BE-2B77A3A930D2}"/>
-                </a:ext>
-              </a:extLst>
-            </p:cNvPr>
-            <p:cNvSpPr/>
-            <p:nvPr/>
-          </p:nvSpPr>
-          <p:spPr>
-            <a:xfrm>
-              <a:off x="499770" y="957262"/>
-              <a:ext cx="3840480" cy="2471738"/>
-            </a:xfrm>
-            <a:prstGeom prst="rect">
-              <a:avLst/>
-            </a:prstGeom>
-            <a:solidFill>
-              <a:schemeClr val="tx1"/>
-            </a:solidFill>
-            <a:ln w="19050">
-              <a:solidFill>
-                <a:schemeClr val="bg1"/>
-              </a:solidFill>
-            </a:ln>
-          </p:spPr>
-          <p:style>
-            <a:lnRef idx="2">
-              <a:schemeClr val="accent1">
-                <a:shade val="50000"/>
-              </a:schemeClr>
-            </a:lnRef>
-            <a:fillRef idx="1">
-              <a:schemeClr val="accent1"/>
-            </a:fillRef>
-            <a:effectRef idx="0">
-              <a:schemeClr val="accent1"/>
-            </a:effectRef>
-            <a:fontRef idx="minor">
-              <a:schemeClr val="lt1"/>
-            </a:fontRef>
-          </p:style>
-          <p:txBody>
-            <a:bodyPr rtlCol="0" anchor="ctr"/>
-            <a:lstStyle/>
-            <a:p>
-              <a:pPr algn="ctr"/>
-              <a:endParaRPr lang="en-US"/>
-            </a:p>
-          </p:txBody>
-        </p:sp>
-        <p:cxnSp>
-          <p:nvCxnSpPr>
-            <p:cNvPr id="10" name="Straight Connector 9">
-              <a:extLst>
-                <a:ext uri="{FF2B5EF4-FFF2-40B4-BE49-F238E27FC236}">
-                  <a16:creationId xmlns:a16="http://schemas.microsoft.com/office/drawing/2014/main" id="{C00782E8-A58C-4794-AB2C-3B00DCAB41E6}"/>
-                </a:ext>
-              </a:extLst>
-            </p:cNvPr>
-            <p:cNvCxnSpPr>
-              <a:stCxn id="8" idx="1"/>
-              <a:endCxn id="8" idx="3"/>
-            </p:cNvCxnSpPr>
-            <p:nvPr/>
-          </p:nvCxnSpPr>
-          <p:spPr>
-            <a:xfrm>
-              <a:off x="499770" y="2193131"/>
-              <a:ext cx="3840480" cy="0"/>
-            </a:xfrm>
-            <a:prstGeom prst="line">
-              <a:avLst/>
-            </a:prstGeom>
-            <a:ln w="19050">
-              <a:solidFill>
-                <a:schemeClr val="bg1"/>
-              </a:solidFill>
-            </a:ln>
-          </p:spPr>
-          <p:style>
-            <a:lnRef idx="1">
-              <a:schemeClr val="accent1"/>
-            </a:lnRef>
-            <a:fillRef idx="0">
-              <a:schemeClr val="accent1"/>
-            </a:fillRef>
-            <a:effectRef idx="0">
-              <a:schemeClr val="accent1"/>
-            </a:effectRef>
-            <a:fontRef idx="minor">
-              <a:schemeClr val="tx1"/>
-            </a:fontRef>
-          </p:style>
-        </p:cxnSp>
-        <p:sp>
-          <p:nvSpPr>
-            <p:cNvPr id="12" name="TextBox 11">
-              <a:extLst>
-                <a:ext uri="{FF2B5EF4-FFF2-40B4-BE49-F238E27FC236}">
-                  <a16:creationId xmlns:a16="http://schemas.microsoft.com/office/drawing/2014/main" id="{1949BB6A-031B-4799-9BE2-9A82E5830286}"/>
-                </a:ext>
-              </a:extLst>
-            </p:cNvPr>
-            <p:cNvSpPr txBox="1"/>
-            <p:nvPr/>
-          </p:nvSpPr>
-          <p:spPr>
-            <a:xfrm>
-              <a:off x="1695157" y="3424518"/>
-              <a:ext cx="1237134" cy="369332"/>
-            </a:xfrm>
-            <a:prstGeom prst="rect">
-              <a:avLst/>
-            </a:prstGeom>
-            <a:noFill/>
-          </p:spPr>
-          <p:txBody>
-            <a:bodyPr wrap="none" rtlCol="0">
-              <a:spAutoFit/>
-            </a:bodyPr>
-            <a:lstStyle/>
-            <a:p>
-              <a:r>
-                <a:rPr lang="en-US" dirty="0">
-                  <a:solidFill>
-                    <a:srgbClr val="FFC000"/>
-                  </a:solidFill>
-                </a:rPr>
-                <a:t>Predicted y</a:t>
-              </a:r>
-            </a:p>
-          </p:txBody>
-        </p:sp>
-        <p:sp>
-          <p:nvSpPr>
-            <p:cNvPr id="13" name="TextBox 12">
-              <a:extLst>
-                <a:ext uri="{FF2B5EF4-FFF2-40B4-BE49-F238E27FC236}">
-                  <a16:creationId xmlns:a16="http://schemas.microsoft.com/office/drawing/2014/main" id="{FE6A3E58-529C-468D-A610-59411D54F831}"/>
-                </a:ext>
-              </a:extLst>
-            </p:cNvPr>
-            <p:cNvSpPr txBox="1"/>
-            <p:nvPr/>
-          </p:nvSpPr>
-          <p:spPr>
-            <a:xfrm rot="16200000">
-              <a:off x="-1001366" y="1988540"/>
-              <a:ext cx="2585320" cy="409184"/>
-            </a:xfrm>
-            <a:prstGeom prst="rect">
-              <a:avLst/>
-            </a:prstGeom>
-            <a:noFill/>
-          </p:spPr>
-          <p:txBody>
-            <a:bodyPr wrap="none" rtlCol="0">
-              <a:spAutoFit/>
-            </a:bodyPr>
-            <a:lstStyle/>
-            <a:p>
-              <a:pPr algn="ctr"/>
-              <a:r>
-                <a:rPr lang="en-US" dirty="0">
-                  <a:solidFill>
-                    <a:srgbClr val="FFC000"/>
-                  </a:solidFill>
-                </a:rPr>
-                <a:t>Standardized Residuals</a:t>
-              </a:r>
-            </a:p>
-          </p:txBody>
-        </p:sp>
-        <p:sp>
-          <p:nvSpPr>
-            <p:cNvPr id="14" name="Rectangle 13">
-              <a:extLst>
-                <a:ext uri="{FF2B5EF4-FFF2-40B4-BE49-F238E27FC236}">
-                  <a16:creationId xmlns:a16="http://schemas.microsoft.com/office/drawing/2014/main" id="{A5F43B34-5C36-48F3-82D5-35AD290BB828}"/>
-                </a:ext>
-              </a:extLst>
-            </p:cNvPr>
-            <p:cNvSpPr/>
-            <p:nvPr/>
-          </p:nvSpPr>
-          <p:spPr>
-            <a:xfrm>
-              <a:off x="609600" y="1612105"/>
-              <a:ext cx="3657600" cy="1143000"/>
-            </a:xfrm>
-            <a:prstGeom prst="rect">
-              <a:avLst/>
-            </a:prstGeom>
-            <a:solidFill>
-              <a:schemeClr val="accent1">
-                <a:alpha val="50000"/>
-              </a:schemeClr>
-            </a:solidFill>
-            <a:ln>
-              <a:noFill/>
-            </a:ln>
-          </p:spPr>
-          <p:style>
-            <a:lnRef idx="2">
-              <a:schemeClr val="accent1">
-                <a:shade val="50000"/>
-              </a:schemeClr>
-            </a:lnRef>
-            <a:fillRef idx="1">
-              <a:schemeClr val="accent1"/>
-            </a:fillRef>
-            <a:effectRef idx="0">
-              <a:schemeClr val="accent1"/>
-            </a:effectRef>
-            <a:fontRef idx="minor">
-              <a:schemeClr val="lt1"/>
-            </a:fontRef>
-          </p:style>
-          <p:txBody>
-            <a:bodyPr rtlCol="0" anchor="ctr"/>
-            <a:lstStyle/>
-            <a:p>
-              <a:pPr algn="ctr"/>
-              <a:endParaRPr lang="en-US"/>
-            </a:p>
-          </p:txBody>
-        </p:sp>
-      </p:grpSp>
-      <p:grpSp>
-        <p:nvGrpSpPr>
-          <p:cNvPr id="15" name="Group 14">
-            <a:extLst>
-              <a:ext uri="{FF2B5EF4-FFF2-40B4-BE49-F238E27FC236}">
-                <a16:creationId xmlns:a16="http://schemas.microsoft.com/office/drawing/2014/main" id="{33EA58A6-E5B8-4D6E-99FC-975D8C4DE5EB}"/>
-              </a:ext>
-            </a:extLst>
-          </p:cNvPr>
-          <p:cNvGrpSpPr>
-            <a:grpSpLocks noChangeAspect="1"/>
-          </p:cNvGrpSpPr>
-          <p:nvPr/>
-        </p:nvGrpSpPr>
-        <p:grpSpPr>
-          <a:xfrm>
-            <a:off x="482489" y="3914702"/>
-            <a:ext cx="3839275" cy="2611579"/>
-            <a:chOff x="67945" y="3860367"/>
-            <a:chExt cx="4253548" cy="2893378"/>
-          </a:xfrm>
-        </p:grpSpPr>
-        <p:sp>
-          <p:nvSpPr>
-            <p:cNvPr id="16" name="Rectangle 15">
-              <a:extLst>
-                <a:ext uri="{FF2B5EF4-FFF2-40B4-BE49-F238E27FC236}">
-                  <a16:creationId xmlns:a16="http://schemas.microsoft.com/office/drawing/2014/main" id="{7D01A93C-2624-422D-B53D-92442DE49B5B}"/>
-                </a:ext>
-              </a:extLst>
-            </p:cNvPr>
-            <p:cNvSpPr/>
-            <p:nvPr/>
-          </p:nvSpPr>
-          <p:spPr>
-            <a:xfrm>
-              <a:off x="481013" y="3917157"/>
-              <a:ext cx="3840480" cy="2471738"/>
-            </a:xfrm>
-            <a:prstGeom prst="rect">
-              <a:avLst/>
-            </a:prstGeom>
-            <a:solidFill>
-              <a:schemeClr val="tx1"/>
-            </a:solidFill>
-            <a:ln w="19050">
-              <a:solidFill>
-                <a:schemeClr val="bg1"/>
-              </a:solidFill>
-            </a:ln>
-          </p:spPr>
-          <p:style>
-            <a:lnRef idx="2">
-              <a:schemeClr val="accent1">
-                <a:shade val="50000"/>
-              </a:schemeClr>
-            </a:lnRef>
-            <a:fillRef idx="1">
-              <a:schemeClr val="accent1"/>
-            </a:fillRef>
-            <a:effectRef idx="0">
-              <a:schemeClr val="accent1"/>
-            </a:effectRef>
-            <a:fontRef idx="minor">
-              <a:schemeClr val="lt1"/>
-            </a:fontRef>
-          </p:style>
-          <p:txBody>
-            <a:bodyPr rtlCol="0" anchor="ctr"/>
-            <a:lstStyle/>
-            <a:p>
-              <a:pPr algn="ctr"/>
-              <a:endParaRPr lang="en-US"/>
-            </a:p>
-          </p:txBody>
-        </p:sp>
-        <p:cxnSp>
-          <p:nvCxnSpPr>
-            <p:cNvPr id="17" name="Straight Connector 16">
-              <a:extLst>
-                <a:ext uri="{FF2B5EF4-FFF2-40B4-BE49-F238E27FC236}">
-                  <a16:creationId xmlns:a16="http://schemas.microsoft.com/office/drawing/2014/main" id="{D18BE3EE-9FE3-4FC8-B3A4-4A07981DCCFB}"/>
-                </a:ext>
-              </a:extLst>
-            </p:cNvPr>
-            <p:cNvCxnSpPr>
-              <a:stCxn id="16" idx="1"/>
-              <a:endCxn id="16" idx="3"/>
-            </p:cNvCxnSpPr>
-            <p:nvPr/>
-          </p:nvCxnSpPr>
-          <p:spPr>
-            <a:xfrm>
-              <a:off x="481013" y="5153026"/>
-              <a:ext cx="3840480" cy="0"/>
-            </a:xfrm>
-            <a:prstGeom prst="line">
-              <a:avLst/>
-            </a:prstGeom>
-            <a:ln w="19050">
-              <a:solidFill>
-                <a:schemeClr val="bg1"/>
-              </a:solidFill>
-            </a:ln>
-          </p:spPr>
-          <p:style>
-            <a:lnRef idx="1">
-              <a:schemeClr val="accent1"/>
-            </a:lnRef>
-            <a:fillRef idx="0">
-              <a:schemeClr val="accent1"/>
-            </a:fillRef>
-            <a:effectRef idx="0">
-              <a:schemeClr val="accent1"/>
-            </a:effectRef>
-            <a:fontRef idx="minor">
-              <a:schemeClr val="tx1"/>
-            </a:fontRef>
-          </p:style>
-        </p:cxnSp>
-        <p:sp>
-          <p:nvSpPr>
-            <p:cNvPr id="18" name="TextBox 17">
-              <a:extLst>
-                <a:ext uri="{FF2B5EF4-FFF2-40B4-BE49-F238E27FC236}">
-                  <a16:creationId xmlns:a16="http://schemas.microsoft.com/office/drawing/2014/main" id="{F3FB4C90-B481-4010-B77C-DABBB93272ED}"/>
-                </a:ext>
-              </a:extLst>
-            </p:cNvPr>
-            <p:cNvSpPr txBox="1"/>
-            <p:nvPr/>
-          </p:nvSpPr>
-          <p:spPr>
-            <a:xfrm>
-              <a:off x="1676400" y="6384413"/>
-              <a:ext cx="1237134" cy="369332"/>
-            </a:xfrm>
-            <a:prstGeom prst="rect">
-              <a:avLst/>
-            </a:prstGeom>
-            <a:noFill/>
-          </p:spPr>
-          <p:txBody>
-            <a:bodyPr wrap="none" rtlCol="0">
-              <a:spAutoFit/>
-            </a:bodyPr>
-            <a:lstStyle/>
-            <a:p>
-              <a:r>
-                <a:rPr lang="en-US" dirty="0">
-                  <a:solidFill>
-                    <a:srgbClr val="FFC000"/>
-                  </a:solidFill>
-                </a:rPr>
-                <a:t>Predicted y</a:t>
-              </a:r>
-            </a:p>
-          </p:txBody>
-        </p:sp>
-        <p:sp>
-          <p:nvSpPr>
-            <p:cNvPr id="19" name="TextBox 18">
-              <a:extLst>
-                <a:ext uri="{FF2B5EF4-FFF2-40B4-BE49-F238E27FC236}">
-                  <a16:creationId xmlns:a16="http://schemas.microsoft.com/office/drawing/2014/main" id="{21C320EB-9069-4EDD-B6FA-E5A357B55570}"/>
-                </a:ext>
-              </a:extLst>
-            </p:cNvPr>
-            <p:cNvSpPr txBox="1"/>
-            <p:nvPr/>
-          </p:nvSpPr>
-          <p:spPr>
-            <a:xfrm rot="16200000">
-              <a:off x="-1020123" y="4948435"/>
-              <a:ext cx="2585320" cy="409184"/>
-            </a:xfrm>
-            <a:prstGeom prst="rect">
-              <a:avLst/>
-            </a:prstGeom>
-            <a:noFill/>
-          </p:spPr>
-          <p:txBody>
-            <a:bodyPr wrap="none" rtlCol="0">
-              <a:spAutoFit/>
-            </a:bodyPr>
-            <a:lstStyle/>
-            <a:p>
-              <a:pPr algn="ctr"/>
-              <a:r>
-                <a:rPr lang="en-US" dirty="0">
-                  <a:solidFill>
-                    <a:srgbClr val="FFC000"/>
-                  </a:solidFill>
-                </a:rPr>
-                <a:t>Standardized Residuals</a:t>
-              </a:r>
-            </a:p>
-          </p:txBody>
-        </p:sp>
-        <p:sp>
-          <p:nvSpPr>
-            <p:cNvPr id="20" name="Trapezoid 19">
-              <a:extLst>
-                <a:ext uri="{FF2B5EF4-FFF2-40B4-BE49-F238E27FC236}">
-                  <a16:creationId xmlns:a16="http://schemas.microsoft.com/office/drawing/2014/main" id="{55E920DD-C992-4B95-B8C4-82A88CF458E3}"/>
-                </a:ext>
-              </a:extLst>
-            </p:cNvPr>
-            <p:cNvSpPr/>
-            <p:nvPr/>
-          </p:nvSpPr>
-          <p:spPr>
-            <a:xfrm rot="16200000">
-              <a:off x="1624014" y="3337560"/>
-              <a:ext cx="1554480" cy="3657600"/>
-            </a:xfrm>
-            <a:prstGeom prst="trapezoid">
-              <a:avLst>
-                <a:gd name="adj" fmla="val 30769"/>
-              </a:avLst>
-            </a:prstGeom>
-            <a:solidFill>
-              <a:schemeClr val="accent1">
-                <a:alpha val="50000"/>
-              </a:schemeClr>
-            </a:solidFill>
-            <a:ln>
-              <a:noFill/>
-            </a:ln>
-          </p:spPr>
-          <p:style>
-            <a:lnRef idx="2">
-              <a:schemeClr val="accent1">
-                <a:shade val="50000"/>
-              </a:schemeClr>
-            </a:lnRef>
-            <a:fillRef idx="1">
-              <a:schemeClr val="accent1"/>
-            </a:fillRef>
-            <a:effectRef idx="0">
-              <a:schemeClr val="accent1"/>
-            </a:effectRef>
-            <a:fontRef idx="minor">
-              <a:schemeClr val="lt1"/>
-            </a:fontRef>
-          </p:style>
-          <p:txBody>
-            <a:bodyPr rtlCol="0" anchor="ctr"/>
-            <a:lstStyle/>
-            <a:p>
-              <a:pPr algn="ctr"/>
-              <a:endParaRPr lang="en-US"/>
-            </a:p>
-          </p:txBody>
-        </p:sp>
-      </p:grpSp>
-      <p:grpSp>
-        <p:nvGrpSpPr>
-          <p:cNvPr id="21" name="Group 20">
-            <a:extLst>
-              <a:ext uri="{FF2B5EF4-FFF2-40B4-BE49-F238E27FC236}">
-                <a16:creationId xmlns:a16="http://schemas.microsoft.com/office/drawing/2014/main" id="{1C76D7C7-A291-430F-BF48-F362DB27439B}"/>
-              </a:ext>
-            </a:extLst>
-          </p:cNvPr>
-          <p:cNvGrpSpPr>
-            <a:grpSpLocks noChangeAspect="1"/>
-          </p:cNvGrpSpPr>
-          <p:nvPr/>
-        </p:nvGrpSpPr>
-        <p:grpSpPr>
-          <a:xfrm>
-            <a:off x="4804252" y="1152100"/>
-            <a:ext cx="3839275" cy="2611579"/>
-            <a:chOff x="4580210" y="900472"/>
-            <a:chExt cx="4253548" cy="2893378"/>
-          </a:xfrm>
-        </p:grpSpPr>
-        <p:sp>
-          <p:nvSpPr>
-            <p:cNvPr id="22" name="Rectangle 21">
-              <a:extLst>
-                <a:ext uri="{FF2B5EF4-FFF2-40B4-BE49-F238E27FC236}">
-                  <a16:creationId xmlns:a16="http://schemas.microsoft.com/office/drawing/2014/main" id="{CBDFEEE2-EE85-4932-B5F1-AD186D823A02}"/>
-                </a:ext>
-              </a:extLst>
-            </p:cNvPr>
-            <p:cNvSpPr/>
-            <p:nvPr/>
-          </p:nvSpPr>
-          <p:spPr>
-            <a:xfrm>
-              <a:off x="4993278" y="957262"/>
-              <a:ext cx="3840480" cy="2471738"/>
-            </a:xfrm>
-            <a:prstGeom prst="rect">
-              <a:avLst/>
-            </a:prstGeom>
-            <a:solidFill>
-              <a:schemeClr val="tx1"/>
-            </a:solidFill>
-            <a:ln w="19050">
-              <a:solidFill>
-                <a:schemeClr val="bg1"/>
-              </a:solidFill>
-            </a:ln>
-          </p:spPr>
-          <p:style>
-            <a:lnRef idx="2">
-              <a:schemeClr val="accent1">
-                <a:shade val="50000"/>
-              </a:schemeClr>
-            </a:lnRef>
-            <a:fillRef idx="1">
-              <a:schemeClr val="accent1"/>
-            </a:fillRef>
-            <a:effectRef idx="0">
-              <a:schemeClr val="accent1"/>
-            </a:effectRef>
-            <a:fontRef idx="minor">
-              <a:schemeClr val="lt1"/>
-            </a:fontRef>
-          </p:style>
-          <p:txBody>
-            <a:bodyPr rtlCol="0" anchor="ctr"/>
-            <a:lstStyle/>
-            <a:p>
-              <a:pPr algn="ctr"/>
-              <a:endParaRPr lang="en-US"/>
-            </a:p>
-          </p:txBody>
-        </p:sp>
-        <p:cxnSp>
-          <p:nvCxnSpPr>
-            <p:cNvPr id="23" name="Straight Connector 22">
-              <a:extLst>
-                <a:ext uri="{FF2B5EF4-FFF2-40B4-BE49-F238E27FC236}">
-                  <a16:creationId xmlns:a16="http://schemas.microsoft.com/office/drawing/2014/main" id="{D0A2D54E-2923-4E08-968E-3832FDF0F6BF}"/>
-                </a:ext>
-              </a:extLst>
-            </p:cNvPr>
-            <p:cNvCxnSpPr>
-              <a:stCxn id="22" idx="1"/>
-              <a:endCxn id="22" idx="3"/>
-            </p:cNvCxnSpPr>
-            <p:nvPr/>
-          </p:nvCxnSpPr>
-          <p:spPr>
-            <a:xfrm>
-              <a:off x="4993278" y="2193131"/>
-              <a:ext cx="3840480" cy="0"/>
-            </a:xfrm>
-            <a:prstGeom prst="line">
-              <a:avLst/>
-            </a:prstGeom>
-            <a:ln w="19050">
-              <a:solidFill>
-                <a:schemeClr val="bg1"/>
-              </a:solidFill>
-            </a:ln>
-          </p:spPr>
-          <p:style>
-            <a:lnRef idx="1">
-              <a:schemeClr val="accent1"/>
-            </a:lnRef>
-            <a:fillRef idx="0">
-              <a:schemeClr val="accent1"/>
-            </a:fillRef>
-            <a:effectRef idx="0">
-              <a:schemeClr val="accent1"/>
-            </a:effectRef>
-            <a:fontRef idx="minor">
-              <a:schemeClr val="tx1"/>
-            </a:fontRef>
-          </p:style>
-        </p:cxnSp>
-        <p:sp>
-          <p:nvSpPr>
-            <p:cNvPr id="24" name="TextBox 23">
-              <a:extLst>
-                <a:ext uri="{FF2B5EF4-FFF2-40B4-BE49-F238E27FC236}">
-                  <a16:creationId xmlns:a16="http://schemas.microsoft.com/office/drawing/2014/main" id="{EF5BECD3-7FFD-4530-BC64-141A31081983}"/>
-                </a:ext>
-              </a:extLst>
-            </p:cNvPr>
-            <p:cNvSpPr txBox="1"/>
-            <p:nvPr/>
-          </p:nvSpPr>
-          <p:spPr>
-            <a:xfrm>
-              <a:off x="6188665" y="3424518"/>
-              <a:ext cx="1237134" cy="369332"/>
-            </a:xfrm>
-            <a:prstGeom prst="rect">
-              <a:avLst/>
-            </a:prstGeom>
-            <a:noFill/>
-          </p:spPr>
-          <p:txBody>
-            <a:bodyPr wrap="none" rtlCol="0">
-              <a:spAutoFit/>
-            </a:bodyPr>
-            <a:lstStyle/>
-            <a:p>
-              <a:r>
-                <a:rPr lang="en-US" dirty="0">
-                  <a:solidFill>
-                    <a:srgbClr val="FFC000"/>
-                  </a:solidFill>
-                </a:rPr>
-                <a:t>Predicted y</a:t>
-              </a:r>
-            </a:p>
-          </p:txBody>
-        </p:sp>
-        <p:sp>
-          <p:nvSpPr>
-            <p:cNvPr id="25" name="TextBox 24">
-              <a:extLst>
-                <a:ext uri="{FF2B5EF4-FFF2-40B4-BE49-F238E27FC236}">
-                  <a16:creationId xmlns:a16="http://schemas.microsoft.com/office/drawing/2014/main" id="{53ABE8A1-4278-4C98-AD2B-16304ACFFE40}"/>
-                </a:ext>
-              </a:extLst>
-            </p:cNvPr>
-            <p:cNvSpPr txBox="1"/>
-            <p:nvPr/>
-          </p:nvSpPr>
-          <p:spPr>
-            <a:xfrm rot="16200000">
-              <a:off x="3492142" y="1988540"/>
-              <a:ext cx="2585320" cy="409184"/>
-            </a:xfrm>
-            <a:prstGeom prst="rect">
-              <a:avLst/>
-            </a:prstGeom>
-            <a:noFill/>
-          </p:spPr>
-          <p:txBody>
-            <a:bodyPr wrap="none" rtlCol="0">
-              <a:spAutoFit/>
-            </a:bodyPr>
-            <a:lstStyle/>
-            <a:p>
-              <a:pPr algn="ctr"/>
-              <a:r>
-                <a:rPr lang="en-US" dirty="0">
-                  <a:solidFill>
-                    <a:srgbClr val="FFC000"/>
-                  </a:solidFill>
-                </a:rPr>
-                <a:t>Standardized Residuals</a:t>
-              </a:r>
-            </a:p>
-          </p:txBody>
-        </p:sp>
-        <p:sp>
-          <p:nvSpPr>
-            <p:cNvPr id="26" name="Freeform 14">
-              <a:extLst>
-                <a:ext uri="{FF2B5EF4-FFF2-40B4-BE49-F238E27FC236}">
-                  <a16:creationId xmlns:a16="http://schemas.microsoft.com/office/drawing/2014/main" id="{8DD7D17C-3145-410B-85B8-6F2CB2E52440}"/>
-                </a:ext>
-              </a:extLst>
-            </p:cNvPr>
-            <p:cNvSpPr/>
-            <p:nvPr/>
-          </p:nvSpPr>
-          <p:spPr>
-            <a:xfrm>
-              <a:off x="5083246" y="1371599"/>
-              <a:ext cx="3660545" cy="1706707"/>
-            </a:xfrm>
-            <a:custGeom>
-              <a:avLst/>
-              <a:gdLst>
-                <a:gd name="connsiteX0" fmla="*/ 0 w 3010487"/>
-                <a:gd name="connsiteY0" fmla="*/ 0 h 1603717"/>
-                <a:gd name="connsiteX1" fmla="*/ 14068 w 3010487"/>
-                <a:gd name="connsiteY1" fmla="*/ 1266092 h 1603717"/>
-                <a:gd name="connsiteX2" fmla="*/ 1491176 w 3010487"/>
-                <a:gd name="connsiteY2" fmla="*/ 1603717 h 1603717"/>
-                <a:gd name="connsiteX3" fmla="*/ 3010487 w 3010487"/>
-                <a:gd name="connsiteY3" fmla="*/ 1280160 h 1603717"/>
-                <a:gd name="connsiteX4" fmla="*/ 3010487 w 3010487"/>
-                <a:gd name="connsiteY4" fmla="*/ 0 h 1603717"/>
-                <a:gd name="connsiteX5" fmla="*/ 1491176 w 3010487"/>
-                <a:gd name="connsiteY5" fmla="*/ 478301 h 1603717"/>
-                <a:gd name="connsiteX6" fmla="*/ 0 w 3010487"/>
-                <a:gd name="connsiteY6" fmla="*/ 0 h 1603717"/>
-                <a:gd name="connsiteX0" fmla="*/ 0 w 3010487"/>
-                <a:gd name="connsiteY0" fmla="*/ 0 h 1603717"/>
-                <a:gd name="connsiteX1" fmla="*/ 0 w 3010487"/>
-                <a:gd name="connsiteY1" fmla="*/ 1308295 h 1603717"/>
-                <a:gd name="connsiteX2" fmla="*/ 1491176 w 3010487"/>
-                <a:gd name="connsiteY2" fmla="*/ 1603717 h 1603717"/>
-                <a:gd name="connsiteX3" fmla="*/ 3010487 w 3010487"/>
-                <a:gd name="connsiteY3" fmla="*/ 1280160 h 1603717"/>
-                <a:gd name="connsiteX4" fmla="*/ 3010487 w 3010487"/>
-                <a:gd name="connsiteY4" fmla="*/ 0 h 1603717"/>
-                <a:gd name="connsiteX5" fmla="*/ 1491176 w 3010487"/>
-                <a:gd name="connsiteY5" fmla="*/ 478301 h 1603717"/>
-                <a:gd name="connsiteX6" fmla="*/ 0 w 3010487"/>
-                <a:gd name="connsiteY6" fmla="*/ 0 h 1603717"/>
-                <a:gd name="connsiteX0" fmla="*/ 0 w 3010487"/>
-                <a:gd name="connsiteY0" fmla="*/ 0 h 1603717"/>
-                <a:gd name="connsiteX1" fmla="*/ 0 w 3010487"/>
-                <a:gd name="connsiteY1" fmla="*/ 1308295 h 1603717"/>
-                <a:gd name="connsiteX2" fmla="*/ 1491176 w 3010487"/>
-                <a:gd name="connsiteY2" fmla="*/ 1603717 h 1603717"/>
-                <a:gd name="connsiteX3" fmla="*/ 3010487 w 3010487"/>
-                <a:gd name="connsiteY3" fmla="*/ 1280160 h 1603717"/>
-                <a:gd name="connsiteX4" fmla="*/ 3010487 w 3010487"/>
-                <a:gd name="connsiteY4" fmla="*/ 0 h 1603717"/>
-                <a:gd name="connsiteX5" fmla="*/ 1533380 w 3010487"/>
-                <a:gd name="connsiteY5" fmla="*/ 407963 h 1603717"/>
-                <a:gd name="connsiteX6" fmla="*/ 0 w 3010487"/>
-                <a:gd name="connsiteY6" fmla="*/ 0 h 1603717"/>
-                <a:gd name="connsiteX0" fmla="*/ 0 w 3010487"/>
-                <a:gd name="connsiteY0" fmla="*/ 0 h 1603717"/>
-                <a:gd name="connsiteX1" fmla="*/ 0 w 3010487"/>
-                <a:gd name="connsiteY1" fmla="*/ 1308295 h 1603717"/>
-                <a:gd name="connsiteX2" fmla="*/ 1491176 w 3010487"/>
-                <a:gd name="connsiteY2" fmla="*/ 1603717 h 1603717"/>
-                <a:gd name="connsiteX3" fmla="*/ 3010487 w 3010487"/>
-                <a:gd name="connsiteY3" fmla="*/ 1280160 h 1603717"/>
-                <a:gd name="connsiteX4" fmla="*/ 3010487 w 3010487"/>
-                <a:gd name="connsiteY4" fmla="*/ 0 h 1603717"/>
-                <a:gd name="connsiteX5" fmla="*/ 1533380 w 3010487"/>
-                <a:gd name="connsiteY5" fmla="*/ 407963 h 1603717"/>
-                <a:gd name="connsiteX6" fmla="*/ 0 w 3010487"/>
-                <a:gd name="connsiteY6" fmla="*/ 0 h 1603717"/>
-                <a:gd name="connsiteX0" fmla="*/ 0 w 3010487"/>
-                <a:gd name="connsiteY0" fmla="*/ 0 h 1603717"/>
-                <a:gd name="connsiteX1" fmla="*/ 0 w 3010487"/>
-                <a:gd name="connsiteY1" fmla="*/ 1308295 h 1603717"/>
-                <a:gd name="connsiteX2" fmla="*/ 1491176 w 3010487"/>
-                <a:gd name="connsiteY2" fmla="*/ 1603717 h 1603717"/>
-                <a:gd name="connsiteX3" fmla="*/ 3010487 w 3010487"/>
-                <a:gd name="connsiteY3" fmla="*/ 1280160 h 1603717"/>
-                <a:gd name="connsiteX4" fmla="*/ 3010487 w 3010487"/>
-                <a:gd name="connsiteY4" fmla="*/ 0 h 1603717"/>
-                <a:gd name="connsiteX5" fmla="*/ 1533380 w 3010487"/>
-                <a:gd name="connsiteY5" fmla="*/ 407963 h 1603717"/>
-                <a:gd name="connsiteX6" fmla="*/ 0 w 3010487"/>
-                <a:gd name="connsiteY6" fmla="*/ 0 h 1603717"/>
-                <a:gd name="connsiteX0" fmla="*/ 0 w 3010487"/>
-                <a:gd name="connsiteY0" fmla="*/ 0 h 1603717"/>
-                <a:gd name="connsiteX1" fmla="*/ 0 w 3010487"/>
-                <a:gd name="connsiteY1" fmla="*/ 1308295 h 1603717"/>
-                <a:gd name="connsiteX2" fmla="*/ 1491176 w 3010487"/>
-                <a:gd name="connsiteY2" fmla="*/ 1603717 h 1603717"/>
-                <a:gd name="connsiteX3" fmla="*/ 3010487 w 3010487"/>
-                <a:gd name="connsiteY3" fmla="*/ 1280160 h 1603717"/>
-                <a:gd name="connsiteX4" fmla="*/ 3010487 w 3010487"/>
-                <a:gd name="connsiteY4" fmla="*/ 0 h 1603717"/>
-                <a:gd name="connsiteX5" fmla="*/ 1533380 w 3010487"/>
-                <a:gd name="connsiteY5" fmla="*/ 407963 h 1603717"/>
-                <a:gd name="connsiteX6" fmla="*/ 0 w 3010487"/>
-                <a:gd name="connsiteY6" fmla="*/ 0 h 1603717"/>
-                <a:gd name="connsiteX0" fmla="*/ 0 w 3010487"/>
-                <a:gd name="connsiteY0" fmla="*/ 0 h 1603717"/>
-                <a:gd name="connsiteX1" fmla="*/ 0 w 3010487"/>
-                <a:gd name="connsiteY1" fmla="*/ 1308295 h 1603717"/>
-                <a:gd name="connsiteX2" fmla="*/ 1491176 w 3010487"/>
-                <a:gd name="connsiteY2" fmla="*/ 1603717 h 1603717"/>
-                <a:gd name="connsiteX3" fmla="*/ 3010487 w 3010487"/>
-                <a:gd name="connsiteY3" fmla="*/ 1280160 h 1603717"/>
-                <a:gd name="connsiteX4" fmla="*/ 3010487 w 3010487"/>
-                <a:gd name="connsiteY4" fmla="*/ 0 h 1603717"/>
-                <a:gd name="connsiteX5" fmla="*/ 1533380 w 3010487"/>
-                <a:gd name="connsiteY5" fmla="*/ 407963 h 1603717"/>
-                <a:gd name="connsiteX6" fmla="*/ 0 w 3010487"/>
-                <a:gd name="connsiteY6" fmla="*/ 0 h 1603717"/>
-                <a:gd name="connsiteX0" fmla="*/ 0 w 3010487"/>
-                <a:gd name="connsiteY0" fmla="*/ 0 h 1603717"/>
-                <a:gd name="connsiteX1" fmla="*/ 0 w 3010487"/>
-                <a:gd name="connsiteY1" fmla="*/ 1308295 h 1603717"/>
-                <a:gd name="connsiteX2" fmla="*/ 1491176 w 3010487"/>
-                <a:gd name="connsiteY2" fmla="*/ 1603717 h 1603717"/>
-                <a:gd name="connsiteX3" fmla="*/ 3010487 w 3010487"/>
-                <a:gd name="connsiteY3" fmla="*/ 1280160 h 1603717"/>
-                <a:gd name="connsiteX4" fmla="*/ 3010487 w 3010487"/>
-                <a:gd name="connsiteY4" fmla="*/ 0 h 1603717"/>
-                <a:gd name="connsiteX5" fmla="*/ 1547447 w 3010487"/>
-                <a:gd name="connsiteY5" fmla="*/ 618978 h 1603717"/>
-                <a:gd name="connsiteX6" fmla="*/ 0 w 3010487"/>
-                <a:gd name="connsiteY6" fmla="*/ 0 h 1603717"/>
-                <a:gd name="connsiteX0" fmla="*/ 56271 w 3010487"/>
-                <a:gd name="connsiteY0" fmla="*/ 253218 h 1603717"/>
-                <a:gd name="connsiteX1" fmla="*/ 0 w 3010487"/>
-                <a:gd name="connsiteY1" fmla="*/ 1308295 h 1603717"/>
-                <a:gd name="connsiteX2" fmla="*/ 1491176 w 3010487"/>
-                <a:gd name="connsiteY2" fmla="*/ 1603717 h 1603717"/>
-                <a:gd name="connsiteX3" fmla="*/ 3010487 w 3010487"/>
-                <a:gd name="connsiteY3" fmla="*/ 1280160 h 1603717"/>
-                <a:gd name="connsiteX4" fmla="*/ 3010487 w 3010487"/>
-                <a:gd name="connsiteY4" fmla="*/ 0 h 1603717"/>
-                <a:gd name="connsiteX5" fmla="*/ 1547447 w 3010487"/>
-                <a:gd name="connsiteY5" fmla="*/ 618978 h 1603717"/>
-                <a:gd name="connsiteX6" fmla="*/ 56271 w 3010487"/>
-                <a:gd name="connsiteY6" fmla="*/ 253218 h 1603717"/>
-                <a:gd name="connsiteX0" fmla="*/ 56271 w 3024555"/>
-                <a:gd name="connsiteY0" fmla="*/ 0 h 1350499"/>
-                <a:gd name="connsiteX1" fmla="*/ 0 w 3024555"/>
-                <a:gd name="connsiteY1" fmla="*/ 1055077 h 1350499"/>
-                <a:gd name="connsiteX2" fmla="*/ 1491176 w 3024555"/>
-                <a:gd name="connsiteY2" fmla="*/ 1350499 h 1350499"/>
-                <a:gd name="connsiteX3" fmla="*/ 3010487 w 3024555"/>
-                <a:gd name="connsiteY3" fmla="*/ 1026942 h 1350499"/>
-                <a:gd name="connsiteX4" fmla="*/ 3024555 w 3024555"/>
-                <a:gd name="connsiteY4" fmla="*/ 56272 h 1350499"/>
-                <a:gd name="connsiteX5" fmla="*/ 1547447 w 3024555"/>
-                <a:gd name="connsiteY5" fmla="*/ 365760 h 1350499"/>
-                <a:gd name="connsiteX6" fmla="*/ 56271 w 3024555"/>
-                <a:gd name="connsiteY6" fmla="*/ 0 h 1350499"/>
-                <a:gd name="connsiteX0" fmla="*/ 56271 w 3010487"/>
-                <a:gd name="connsiteY0" fmla="*/ 0 h 1350499"/>
-                <a:gd name="connsiteX1" fmla="*/ 0 w 3010487"/>
-                <a:gd name="connsiteY1" fmla="*/ 1055077 h 1350499"/>
-                <a:gd name="connsiteX2" fmla="*/ 1491176 w 3010487"/>
-                <a:gd name="connsiteY2" fmla="*/ 1350499 h 1350499"/>
-                <a:gd name="connsiteX3" fmla="*/ 3010487 w 3010487"/>
-                <a:gd name="connsiteY3" fmla="*/ 1026942 h 1350499"/>
-                <a:gd name="connsiteX4" fmla="*/ 2996419 w 3010487"/>
-                <a:gd name="connsiteY4" fmla="*/ 1 h 1350499"/>
-                <a:gd name="connsiteX5" fmla="*/ 1547447 w 3010487"/>
-                <a:gd name="connsiteY5" fmla="*/ 365760 h 1350499"/>
-                <a:gd name="connsiteX6" fmla="*/ 56271 w 3010487"/>
-                <a:gd name="connsiteY6" fmla="*/ 0 h 1350499"/>
-                <a:gd name="connsiteX0" fmla="*/ 56271 w 3024555"/>
-                <a:gd name="connsiteY0" fmla="*/ 0 h 1350499"/>
-                <a:gd name="connsiteX1" fmla="*/ 0 w 3024555"/>
-                <a:gd name="connsiteY1" fmla="*/ 1055077 h 1350499"/>
-                <a:gd name="connsiteX2" fmla="*/ 1491176 w 3024555"/>
-                <a:gd name="connsiteY2" fmla="*/ 1350499 h 1350499"/>
-                <a:gd name="connsiteX3" fmla="*/ 3010487 w 3024555"/>
-                <a:gd name="connsiteY3" fmla="*/ 1026942 h 1350499"/>
-                <a:gd name="connsiteX4" fmla="*/ 3024555 w 3024555"/>
-                <a:gd name="connsiteY4" fmla="*/ 1 h 1350499"/>
-                <a:gd name="connsiteX5" fmla="*/ 1547447 w 3024555"/>
-                <a:gd name="connsiteY5" fmla="*/ 365760 h 1350499"/>
-                <a:gd name="connsiteX6" fmla="*/ 56271 w 3024555"/>
-                <a:gd name="connsiteY6" fmla="*/ 0 h 1350499"/>
-                <a:gd name="connsiteX0" fmla="*/ 56271 w 3010488"/>
-                <a:gd name="connsiteY0" fmla="*/ 56270 h 1406769"/>
-                <a:gd name="connsiteX1" fmla="*/ 0 w 3010488"/>
-                <a:gd name="connsiteY1" fmla="*/ 1111347 h 1406769"/>
-                <a:gd name="connsiteX2" fmla="*/ 1491176 w 3010488"/>
-                <a:gd name="connsiteY2" fmla="*/ 1406769 h 1406769"/>
-                <a:gd name="connsiteX3" fmla="*/ 3010487 w 3010488"/>
-                <a:gd name="connsiteY3" fmla="*/ 1083212 h 1406769"/>
-                <a:gd name="connsiteX4" fmla="*/ 3010488 w 3010488"/>
-                <a:gd name="connsiteY4" fmla="*/ 0 h 1406769"/>
-                <a:gd name="connsiteX5" fmla="*/ 1547447 w 3010488"/>
-                <a:gd name="connsiteY5" fmla="*/ 422030 h 1406769"/>
-                <a:gd name="connsiteX6" fmla="*/ 56271 w 3010488"/>
-                <a:gd name="connsiteY6" fmla="*/ 56270 h 1406769"/>
-                <a:gd name="connsiteX0" fmla="*/ 9956 w 3010488"/>
-                <a:gd name="connsiteY0" fmla="*/ 79460 h 1406769"/>
-                <a:gd name="connsiteX1" fmla="*/ 0 w 3010488"/>
-                <a:gd name="connsiteY1" fmla="*/ 1111347 h 1406769"/>
-                <a:gd name="connsiteX2" fmla="*/ 1491176 w 3010488"/>
-                <a:gd name="connsiteY2" fmla="*/ 1406769 h 1406769"/>
-                <a:gd name="connsiteX3" fmla="*/ 3010487 w 3010488"/>
-                <a:gd name="connsiteY3" fmla="*/ 1083212 h 1406769"/>
-                <a:gd name="connsiteX4" fmla="*/ 3010488 w 3010488"/>
-                <a:gd name="connsiteY4" fmla="*/ 0 h 1406769"/>
-                <a:gd name="connsiteX5" fmla="*/ 1547447 w 3010488"/>
-                <a:gd name="connsiteY5" fmla="*/ 422030 h 1406769"/>
-                <a:gd name="connsiteX6" fmla="*/ 9956 w 3010488"/>
-                <a:gd name="connsiteY6" fmla="*/ 79460 h 1406769"/>
-                <a:gd name="connsiteX0" fmla="*/ 802 w 3012912"/>
-                <a:gd name="connsiteY0" fmla="*/ 102651 h 1406769"/>
-                <a:gd name="connsiteX1" fmla="*/ 2424 w 3012912"/>
-                <a:gd name="connsiteY1" fmla="*/ 1111347 h 1406769"/>
-                <a:gd name="connsiteX2" fmla="*/ 1493600 w 3012912"/>
-                <a:gd name="connsiteY2" fmla="*/ 1406769 h 1406769"/>
-                <a:gd name="connsiteX3" fmla="*/ 3012911 w 3012912"/>
-                <a:gd name="connsiteY3" fmla="*/ 1083212 h 1406769"/>
-                <a:gd name="connsiteX4" fmla="*/ 3012912 w 3012912"/>
-                <a:gd name="connsiteY4" fmla="*/ 0 h 1406769"/>
-                <a:gd name="connsiteX5" fmla="*/ 1549871 w 3012912"/>
-                <a:gd name="connsiteY5" fmla="*/ 422030 h 1406769"/>
-                <a:gd name="connsiteX6" fmla="*/ 802 w 3012912"/>
-                <a:gd name="connsiteY6" fmla="*/ 102651 h 1406769"/>
-                <a:gd name="connsiteX0" fmla="*/ 802 w 3012912"/>
-                <a:gd name="connsiteY0" fmla="*/ 102651 h 1406769"/>
-                <a:gd name="connsiteX1" fmla="*/ 2424 w 3012912"/>
-                <a:gd name="connsiteY1" fmla="*/ 1111347 h 1406769"/>
-                <a:gd name="connsiteX2" fmla="*/ 1493600 w 3012912"/>
-                <a:gd name="connsiteY2" fmla="*/ 1406769 h 1406769"/>
-                <a:gd name="connsiteX3" fmla="*/ 3012911 w 3012912"/>
-                <a:gd name="connsiteY3" fmla="*/ 1083212 h 1406769"/>
-                <a:gd name="connsiteX4" fmla="*/ 3012912 w 3012912"/>
-                <a:gd name="connsiteY4" fmla="*/ 0 h 1406769"/>
-                <a:gd name="connsiteX5" fmla="*/ 1549871 w 3012912"/>
-                <a:gd name="connsiteY5" fmla="*/ 422030 h 1406769"/>
-                <a:gd name="connsiteX6" fmla="*/ 802 w 3012912"/>
-                <a:gd name="connsiteY6" fmla="*/ 102651 h 1406769"/>
-                <a:gd name="connsiteX0" fmla="*/ 802 w 3012912"/>
-                <a:gd name="connsiteY0" fmla="*/ 102651 h 1406769"/>
-                <a:gd name="connsiteX1" fmla="*/ 2424 w 3012912"/>
-                <a:gd name="connsiteY1" fmla="*/ 1111347 h 1406769"/>
-                <a:gd name="connsiteX2" fmla="*/ 1493600 w 3012912"/>
-                <a:gd name="connsiteY2" fmla="*/ 1406769 h 1406769"/>
-                <a:gd name="connsiteX3" fmla="*/ 3012911 w 3012912"/>
-                <a:gd name="connsiteY3" fmla="*/ 1083212 h 1406769"/>
-                <a:gd name="connsiteX4" fmla="*/ 3012912 w 3012912"/>
-                <a:gd name="connsiteY4" fmla="*/ 0 h 1406769"/>
-                <a:gd name="connsiteX5" fmla="*/ 1549871 w 3012912"/>
-                <a:gd name="connsiteY5" fmla="*/ 422030 h 1406769"/>
-                <a:gd name="connsiteX6" fmla="*/ 802 w 3012912"/>
-                <a:gd name="connsiteY6" fmla="*/ 102651 h 1406769"/>
-                <a:gd name="connsiteX0" fmla="*/ 802 w 3024490"/>
-                <a:gd name="connsiteY0" fmla="*/ 102651 h 1406769"/>
-                <a:gd name="connsiteX1" fmla="*/ 2424 w 3024490"/>
-                <a:gd name="connsiteY1" fmla="*/ 1111347 h 1406769"/>
-                <a:gd name="connsiteX2" fmla="*/ 1493600 w 3024490"/>
-                <a:gd name="connsiteY2" fmla="*/ 1406769 h 1406769"/>
-                <a:gd name="connsiteX3" fmla="*/ 3024490 w 3024490"/>
-                <a:gd name="connsiteY3" fmla="*/ 944067 h 1406769"/>
-                <a:gd name="connsiteX4" fmla="*/ 3012912 w 3024490"/>
-                <a:gd name="connsiteY4" fmla="*/ 0 h 1406769"/>
-                <a:gd name="connsiteX5" fmla="*/ 1549871 w 3024490"/>
-                <a:gd name="connsiteY5" fmla="*/ 422030 h 1406769"/>
-                <a:gd name="connsiteX6" fmla="*/ 802 w 3024490"/>
-                <a:gd name="connsiteY6" fmla="*/ 102651 h 1406769"/>
-                <a:gd name="connsiteX0" fmla="*/ 802 w 3024490"/>
-                <a:gd name="connsiteY0" fmla="*/ 102651 h 1406769"/>
-                <a:gd name="connsiteX1" fmla="*/ 2424 w 3024490"/>
-                <a:gd name="connsiteY1" fmla="*/ 1111347 h 1406769"/>
-                <a:gd name="connsiteX2" fmla="*/ 1493600 w 3024490"/>
-                <a:gd name="connsiteY2" fmla="*/ 1406769 h 1406769"/>
-                <a:gd name="connsiteX3" fmla="*/ 3024490 w 3024490"/>
-                <a:gd name="connsiteY3" fmla="*/ 944067 h 1406769"/>
-                <a:gd name="connsiteX4" fmla="*/ 3012912 w 3024490"/>
-                <a:gd name="connsiteY4" fmla="*/ 0 h 1406769"/>
-                <a:gd name="connsiteX5" fmla="*/ 1549871 w 3024490"/>
-                <a:gd name="connsiteY5" fmla="*/ 422030 h 1406769"/>
-                <a:gd name="connsiteX6" fmla="*/ 802 w 3024490"/>
-                <a:gd name="connsiteY6" fmla="*/ 102651 h 1406769"/>
-                <a:gd name="connsiteX0" fmla="*/ 802 w 3024490"/>
-                <a:gd name="connsiteY0" fmla="*/ 102651 h 1406769"/>
-                <a:gd name="connsiteX1" fmla="*/ 2424 w 3024490"/>
-                <a:gd name="connsiteY1" fmla="*/ 995393 h 1406769"/>
-                <a:gd name="connsiteX2" fmla="*/ 1493600 w 3024490"/>
-                <a:gd name="connsiteY2" fmla="*/ 1406769 h 1406769"/>
-                <a:gd name="connsiteX3" fmla="*/ 3024490 w 3024490"/>
-                <a:gd name="connsiteY3" fmla="*/ 944067 h 1406769"/>
-                <a:gd name="connsiteX4" fmla="*/ 3012912 w 3024490"/>
-                <a:gd name="connsiteY4" fmla="*/ 0 h 1406769"/>
-                <a:gd name="connsiteX5" fmla="*/ 1549871 w 3024490"/>
-                <a:gd name="connsiteY5" fmla="*/ 422030 h 1406769"/>
-                <a:gd name="connsiteX6" fmla="*/ 802 w 3024490"/>
-                <a:gd name="connsiteY6" fmla="*/ 102651 h 1406769"/>
-                <a:gd name="connsiteX0" fmla="*/ 802 w 3024490"/>
-                <a:gd name="connsiteY0" fmla="*/ 102651 h 1406769"/>
-                <a:gd name="connsiteX1" fmla="*/ 2424 w 3024490"/>
-                <a:gd name="connsiteY1" fmla="*/ 995393 h 1406769"/>
-                <a:gd name="connsiteX2" fmla="*/ 1493600 w 3024490"/>
-                <a:gd name="connsiteY2" fmla="*/ 1406769 h 1406769"/>
-                <a:gd name="connsiteX3" fmla="*/ 3024490 w 3024490"/>
-                <a:gd name="connsiteY3" fmla="*/ 944067 h 1406769"/>
-                <a:gd name="connsiteX4" fmla="*/ 3012912 w 3024490"/>
-                <a:gd name="connsiteY4" fmla="*/ 0 h 1406769"/>
-                <a:gd name="connsiteX5" fmla="*/ 1549871 w 3024490"/>
-                <a:gd name="connsiteY5" fmla="*/ 422030 h 1406769"/>
-                <a:gd name="connsiteX6" fmla="*/ 802 w 3024490"/>
-                <a:gd name="connsiteY6" fmla="*/ 102651 h 1406769"/>
-                <a:gd name="connsiteX0" fmla="*/ 802 w 3024490"/>
-                <a:gd name="connsiteY0" fmla="*/ 102651 h 1406769"/>
-                <a:gd name="connsiteX1" fmla="*/ 2424 w 3024490"/>
-                <a:gd name="connsiteY1" fmla="*/ 995393 h 1406769"/>
-                <a:gd name="connsiteX2" fmla="*/ 1493600 w 3024490"/>
-                <a:gd name="connsiteY2" fmla="*/ 1406769 h 1406769"/>
-                <a:gd name="connsiteX3" fmla="*/ 3024490 w 3024490"/>
-                <a:gd name="connsiteY3" fmla="*/ 944067 h 1406769"/>
-                <a:gd name="connsiteX4" fmla="*/ 3012912 w 3024490"/>
-                <a:gd name="connsiteY4" fmla="*/ 0 h 1406769"/>
-                <a:gd name="connsiteX5" fmla="*/ 1526714 w 3024490"/>
-                <a:gd name="connsiteY5" fmla="*/ 526389 h 1406769"/>
-                <a:gd name="connsiteX6" fmla="*/ 802 w 3024490"/>
-                <a:gd name="connsiteY6" fmla="*/ 102651 h 1406769"/>
-                <a:gd name="connsiteX0" fmla="*/ 802 w 3024490"/>
-                <a:gd name="connsiteY0" fmla="*/ 102651 h 1406769"/>
-                <a:gd name="connsiteX1" fmla="*/ 2424 w 3024490"/>
-                <a:gd name="connsiteY1" fmla="*/ 995393 h 1406769"/>
-                <a:gd name="connsiteX2" fmla="*/ 1493600 w 3024490"/>
-                <a:gd name="connsiteY2" fmla="*/ 1406769 h 1406769"/>
-                <a:gd name="connsiteX3" fmla="*/ 3024490 w 3024490"/>
-                <a:gd name="connsiteY3" fmla="*/ 944067 h 1406769"/>
-                <a:gd name="connsiteX4" fmla="*/ 3012912 w 3024490"/>
-                <a:gd name="connsiteY4" fmla="*/ 0 h 1406769"/>
-                <a:gd name="connsiteX5" fmla="*/ 1526714 w 3024490"/>
-                <a:gd name="connsiteY5" fmla="*/ 526389 h 1406769"/>
-                <a:gd name="connsiteX6" fmla="*/ 802 w 3024490"/>
-                <a:gd name="connsiteY6" fmla="*/ 102651 h 1406769"/>
-                <a:gd name="connsiteX0" fmla="*/ 802 w 3024490"/>
-                <a:gd name="connsiteY0" fmla="*/ 102651 h 1406769"/>
-                <a:gd name="connsiteX1" fmla="*/ 2424 w 3024490"/>
-                <a:gd name="connsiteY1" fmla="*/ 995393 h 1406769"/>
-                <a:gd name="connsiteX2" fmla="*/ 1493600 w 3024490"/>
-                <a:gd name="connsiteY2" fmla="*/ 1406769 h 1406769"/>
-                <a:gd name="connsiteX3" fmla="*/ 3024490 w 3024490"/>
-                <a:gd name="connsiteY3" fmla="*/ 944067 h 1406769"/>
-                <a:gd name="connsiteX4" fmla="*/ 3012912 w 3024490"/>
-                <a:gd name="connsiteY4" fmla="*/ 0 h 1406769"/>
-                <a:gd name="connsiteX5" fmla="*/ 1526714 w 3024490"/>
-                <a:gd name="connsiteY5" fmla="*/ 526389 h 1406769"/>
-                <a:gd name="connsiteX6" fmla="*/ 802 w 3024490"/>
-                <a:gd name="connsiteY6" fmla="*/ 102651 h 1406769"/>
-                <a:gd name="connsiteX0" fmla="*/ 802 w 3024490"/>
-                <a:gd name="connsiteY0" fmla="*/ 102651 h 1406769"/>
-                <a:gd name="connsiteX1" fmla="*/ 2424 w 3024490"/>
-                <a:gd name="connsiteY1" fmla="*/ 995393 h 1406769"/>
-                <a:gd name="connsiteX2" fmla="*/ 1493600 w 3024490"/>
-                <a:gd name="connsiteY2" fmla="*/ 1406769 h 1406769"/>
-                <a:gd name="connsiteX3" fmla="*/ 3024490 w 3024490"/>
-                <a:gd name="connsiteY3" fmla="*/ 944067 h 1406769"/>
-                <a:gd name="connsiteX4" fmla="*/ 3012912 w 3024490"/>
-                <a:gd name="connsiteY4" fmla="*/ 0 h 1406769"/>
-                <a:gd name="connsiteX5" fmla="*/ 1526714 w 3024490"/>
-                <a:gd name="connsiteY5" fmla="*/ 526389 h 1406769"/>
-                <a:gd name="connsiteX6" fmla="*/ 802 w 3024490"/>
-                <a:gd name="connsiteY6" fmla="*/ 102651 h 1406769"/>
-                <a:gd name="connsiteX0" fmla="*/ 802 w 3024490"/>
-                <a:gd name="connsiteY0" fmla="*/ 102651 h 1406769"/>
-                <a:gd name="connsiteX1" fmla="*/ 2424 w 3024490"/>
-                <a:gd name="connsiteY1" fmla="*/ 1018584 h 1406769"/>
-                <a:gd name="connsiteX2" fmla="*/ 1493600 w 3024490"/>
-                <a:gd name="connsiteY2" fmla="*/ 1406769 h 1406769"/>
-                <a:gd name="connsiteX3" fmla="*/ 3024490 w 3024490"/>
-                <a:gd name="connsiteY3" fmla="*/ 944067 h 1406769"/>
-                <a:gd name="connsiteX4" fmla="*/ 3012912 w 3024490"/>
-                <a:gd name="connsiteY4" fmla="*/ 0 h 1406769"/>
-                <a:gd name="connsiteX5" fmla="*/ 1526714 w 3024490"/>
-                <a:gd name="connsiteY5" fmla="*/ 526389 h 1406769"/>
-                <a:gd name="connsiteX6" fmla="*/ 802 w 3024490"/>
-                <a:gd name="connsiteY6" fmla="*/ 102651 h 1406769"/>
-                <a:gd name="connsiteX0" fmla="*/ 802 w 3012912"/>
-                <a:gd name="connsiteY0" fmla="*/ 102651 h 1406769"/>
-                <a:gd name="connsiteX1" fmla="*/ 2424 w 3012912"/>
-                <a:gd name="connsiteY1" fmla="*/ 1018584 h 1406769"/>
-                <a:gd name="connsiteX2" fmla="*/ 1493600 w 3012912"/>
-                <a:gd name="connsiteY2" fmla="*/ 1406769 h 1406769"/>
-                <a:gd name="connsiteX3" fmla="*/ 3001333 w 3012912"/>
-                <a:gd name="connsiteY3" fmla="*/ 955662 h 1406769"/>
-                <a:gd name="connsiteX4" fmla="*/ 3012912 w 3012912"/>
-                <a:gd name="connsiteY4" fmla="*/ 0 h 1406769"/>
-                <a:gd name="connsiteX5" fmla="*/ 1526714 w 3012912"/>
-                <a:gd name="connsiteY5" fmla="*/ 526389 h 1406769"/>
-                <a:gd name="connsiteX6" fmla="*/ 802 w 3012912"/>
-                <a:gd name="connsiteY6" fmla="*/ 102651 h 1406769"/>
-                <a:gd name="connsiteX0" fmla="*/ 802 w 3012912"/>
-                <a:gd name="connsiteY0" fmla="*/ 102651 h 1406769"/>
-                <a:gd name="connsiteX1" fmla="*/ 2424 w 3012912"/>
-                <a:gd name="connsiteY1" fmla="*/ 1018584 h 1406769"/>
-                <a:gd name="connsiteX2" fmla="*/ 1493600 w 3012912"/>
-                <a:gd name="connsiteY2" fmla="*/ 1406769 h 1406769"/>
-                <a:gd name="connsiteX3" fmla="*/ 3012912 w 3012912"/>
-                <a:gd name="connsiteY3" fmla="*/ 955662 h 1406769"/>
-                <a:gd name="connsiteX4" fmla="*/ 3012912 w 3012912"/>
-                <a:gd name="connsiteY4" fmla="*/ 0 h 1406769"/>
-                <a:gd name="connsiteX5" fmla="*/ 1526714 w 3012912"/>
-                <a:gd name="connsiteY5" fmla="*/ 526389 h 1406769"/>
-                <a:gd name="connsiteX6" fmla="*/ 802 w 3012912"/>
-                <a:gd name="connsiteY6" fmla="*/ 102651 h 1406769"/>
-              </a:gdLst>
-              <a:ahLst/>
-              <a:cxnLst>
-                <a:cxn ang="0">
-                  <a:pos x="connsiteX0" y="connsiteY0"/>
-                </a:cxn>
-                <a:cxn ang="0">
-                  <a:pos x="connsiteX1" y="connsiteY1"/>
-                </a:cxn>
-                <a:cxn ang="0">
-                  <a:pos x="connsiteX2" y="connsiteY2"/>
-                </a:cxn>
-                <a:cxn ang="0">
-                  <a:pos x="connsiteX3" y="connsiteY3"/>
-                </a:cxn>
-                <a:cxn ang="0">
-                  <a:pos x="connsiteX4" y="connsiteY4"/>
-                </a:cxn>
-                <a:cxn ang="0">
-                  <a:pos x="connsiteX5" y="connsiteY5"/>
-                </a:cxn>
-                <a:cxn ang="0">
-                  <a:pos x="connsiteX6" y="connsiteY6"/>
-                </a:cxn>
-              </a:cxnLst>
-              <a:rect l="l" t="t" r="r" b="b"/>
-              <a:pathLst>
-                <a:path w="3012912" h="1406769">
-                  <a:moveTo>
-                    <a:pt x="802" y="102651"/>
-                  </a:moveTo>
-                  <a:cubicBezTo>
-                    <a:pt x="-2517" y="446613"/>
-                    <a:pt x="5743" y="674622"/>
-                    <a:pt x="2424" y="1018584"/>
-                  </a:cubicBezTo>
-                  <a:cubicBezTo>
-                    <a:pt x="487905" y="1209822"/>
-                    <a:pt x="729254" y="1392701"/>
-                    <a:pt x="1493600" y="1406769"/>
-                  </a:cubicBezTo>
-                  <a:cubicBezTo>
-                    <a:pt x="2239187" y="1383323"/>
-                    <a:pt x="2518053" y="1191064"/>
-                    <a:pt x="3012912" y="955662"/>
-                  </a:cubicBezTo>
-                  <a:lnTo>
-                    <a:pt x="3012912" y="0"/>
-                  </a:lnTo>
-                  <a:cubicBezTo>
-                    <a:pt x="2439492" y="286728"/>
-                    <a:pt x="2145692" y="509593"/>
-                    <a:pt x="1526714" y="526389"/>
-                  </a:cubicBezTo>
-                  <a:cubicBezTo>
-                    <a:pt x="874910" y="517010"/>
-                    <a:pt x="511929" y="308211"/>
-                    <a:pt x="802" y="102651"/>
-                  </a:cubicBezTo>
-                  <a:close/>
-                </a:path>
-              </a:pathLst>
-            </a:custGeom>
-            <a:solidFill>
-              <a:schemeClr val="accent1">
-                <a:alpha val="50000"/>
-              </a:schemeClr>
-            </a:solidFill>
-            <a:ln>
-              <a:noFill/>
-            </a:ln>
-          </p:spPr>
-          <p:style>
-            <a:lnRef idx="2">
-              <a:schemeClr val="accent1">
-                <a:shade val="50000"/>
-              </a:schemeClr>
-            </a:lnRef>
-            <a:fillRef idx="1">
-              <a:schemeClr val="accent1"/>
-            </a:fillRef>
-            <a:effectRef idx="0">
-              <a:schemeClr val="accent1"/>
-            </a:effectRef>
-            <a:fontRef idx="minor">
-              <a:schemeClr val="lt1"/>
-            </a:fontRef>
-          </p:style>
-          <p:txBody>
-            <a:bodyPr rtlCol="0" anchor="ctr"/>
-            <a:lstStyle/>
-            <a:p>
-              <a:pPr algn="ctr"/>
-              <a:endParaRPr lang="en-US" dirty="0"/>
-            </a:p>
-          </p:txBody>
-        </p:sp>
-      </p:grpSp>
-      <p:grpSp>
-        <p:nvGrpSpPr>
-          <p:cNvPr id="27" name="Group 26">
-            <a:extLst>
-              <a:ext uri="{FF2B5EF4-FFF2-40B4-BE49-F238E27FC236}">
-                <a16:creationId xmlns:a16="http://schemas.microsoft.com/office/drawing/2014/main" id="{F0F2FEBE-10DA-4FAE-A420-18846673CF04}"/>
-              </a:ext>
-            </a:extLst>
-          </p:cNvPr>
-          <p:cNvGrpSpPr/>
-          <p:nvPr/>
-        </p:nvGrpSpPr>
-        <p:grpSpPr>
-          <a:xfrm>
-            <a:off x="4804252" y="3946560"/>
-            <a:ext cx="3839276" cy="2579721"/>
-            <a:chOff x="4804252" y="4191001"/>
-            <a:chExt cx="3839276" cy="2579721"/>
-          </a:xfrm>
-        </p:grpSpPr>
-        <p:sp>
-          <p:nvSpPr>
-            <p:cNvPr id="28" name="Rectangle 27">
-              <a:extLst>
-                <a:ext uri="{FF2B5EF4-FFF2-40B4-BE49-F238E27FC236}">
-                  <a16:creationId xmlns:a16="http://schemas.microsoft.com/office/drawing/2014/main" id="{8A60DFEB-E971-469D-8DFA-1F25A76F7841}"/>
-                </a:ext>
-              </a:extLst>
-            </p:cNvPr>
-            <p:cNvSpPr/>
-            <p:nvPr/>
-          </p:nvSpPr>
-          <p:spPr>
-            <a:xfrm>
-              <a:off x="5177090" y="4210402"/>
-              <a:ext cx="3466438" cy="2231004"/>
-            </a:xfrm>
-            <a:prstGeom prst="rect">
-              <a:avLst/>
-            </a:prstGeom>
-            <a:solidFill>
-              <a:schemeClr val="tx1"/>
-            </a:solidFill>
-            <a:ln w="19050">
-              <a:solidFill>
-                <a:schemeClr val="bg1"/>
-              </a:solidFill>
-            </a:ln>
-          </p:spPr>
-          <p:style>
-            <a:lnRef idx="2">
-              <a:schemeClr val="accent1">
-                <a:shade val="50000"/>
-              </a:schemeClr>
-            </a:lnRef>
-            <a:fillRef idx="1">
-              <a:schemeClr val="accent1"/>
-            </a:fillRef>
-            <a:effectRef idx="0">
-              <a:schemeClr val="accent1"/>
-            </a:effectRef>
-            <a:fontRef idx="minor">
-              <a:schemeClr val="lt1"/>
-            </a:fontRef>
-          </p:style>
-          <p:txBody>
-            <a:bodyPr rtlCol="0" anchor="ctr"/>
-            <a:lstStyle/>
-            <a:p>
-              <a:pPr algn="ctr"/>
-              <a:endParaRPr lang="en-US"/>
-            </a:p>
-          </p:txBody>
-        </p:sp>
-        <p:cxnSp>
-          <p:nvCxnSpPr>
-            <p:cNvPr id="29" name="Straight Connector 28">
-              <a:extLst>
-                <a:ext uri="{FF2B5EF4-FFF2-40B4-BE49-F238E27FC236}">
-                  <a16:creationId xmlns:a16="http://schemas.microsoft.com/office/drawing/2014/main" id="{81F39D73-E136-4A76-8AD9-58DF221EDC17}"/>
-                </a:ext>
-              </a:extLst>
-            </p:cNvPr>
-            <p:cNvCxnSpPr>
-              <a:stCxn id="28" idx="1"/>
-              <a:endCxn id="28" idx="3"/>
-            </p:cNvCxnSpPr>
-            <p:nvPr/>
-          </p:nvCxnSpPr>
-          <p:spPr>
-            <a:xfrm>
-              <a:off x="5177090" y="5325904"/>
-              <a:ext cx="3466438" cy="0"/>
-            </a:xfrm>
-            <a:prstGeom prst="line">
-              <a:avLst/>
-            </a:prstGeom>
-            <a:ln w="19050">
-              <a:solidFill>
-                <a:schemeClr val="bg1"/>
-              </a:solidFill>
-            </a:ln>
-          </p:spPr>
-          <p:style>
-            <a:lnRef idx="1">
-              <a:schemeClr val="accent1"/>
-            </a:lnRef>
-            <a:fillRef idx="0">
-              <a:schemeClr val="accent1"/>
-            </a:fillRef>
-            <a:effectRef idx="0">
-              <a:schemeClr val="accent1"/>
-            </a:effectRef>
-            <a:fontRef idx="minor">
-              <a:schemeClr val="tx1"/>
-            </a:fontRef>
-          </p:style>
-        </p:cxnSp>
-        <p:sp>
-          <p:nvSpPr>
-            <p:cNvPr id="30" name="TextBox 29">
-              <a:extLst>
-                <a:ext uri="{FF2B5EF4-FFF2-40B4-BE49-F238E27FC236}">
-                  <a16:creationId xmlns:a16="http://schemas.microsoft.com/office/drawing/2014/main" id="{AECA1CD7-ADF3-437A-94F0-0B5B0FEF3E8F}"/>
-                </a:ext>
-              </a:extLst>
-            </p:cNvPr>
-            <p:cNvSpPr txBox="1"/>
-            <p:nvPr/>
-          </p:nvSpPr>
-          <p:spPr>
-            <a:xfrm>
-              <a:off x="6256053" y="6437361"/>
-              <a:ext cx="1116644" cy="333361"/>
-            </a:xfrm>
-            <a:prstGeom prst="rect">
-              <a:avLst/>
-            </a:prstGeom>
-            <a:noFill/>
-          </p:spPr>
-          <p:txBody>
-            <a:bodyPr wrap="none" rtlCol="0">
-              <a:spAutoFit/>
-            </a:bodyPr>
-            <a:lstStyle/>
-            <a:p>
-              <a:r>
-                <a:rPr lang="en-US" dirty="0">
-                  <a:solidFill>
-                    <a:srgbClr val="FFC000"/>
-                  </a:solidFill>
-                </a:rPr>
-                <a:t>Predicted y</a:t>
-              </a:r>
-            </a:p>
-          </p:txBody>
-        </p:sp>
-        <p:sp>
-          <p:nvSpPr>
-            <p:cNvPr id="31" name="TextBox 30">
-              <a:extLst>
-                <a:ext uri="{FF2B5EF4-FFF2-40B4-BE49-F238E27FC236}">
-                  <a16:creationId xmlns:a16="http://schemas.microsoft.com/office/drawing/2014/main" id="{37AA279C-512A-463B-B5F7-0F876E5C1540}"/>
-                </a:ext>
-              </a:extLst>
-            </p:cNvPr>
-            <p:cNvSpPr txBox="1"/>
-            <p:nvPr/>
-          </p:nvSpPr>
-          <p:spPr>
-            <a:xfrm rot="16200000">
-              <a:off x="3822156" y="5173097"/>
-              <a:ext cx="2333524" cy="369332"/>
-            </a:xfrm>
-            <a:prstGeom prst="rect">
-              <a:avLst/>
-            </a:prstGeom>
-            <a:noFill/>
-          </p:spPr>
-          <p:txBody>
-            <a:bodyPr wrap="none" rtlCol="0">
-              <a:spAutoFit/>
-            </a:bodyPr>
-            <a:lstStyle/>
-            <a:p>
-              <a:pPr algn="ctr"/>
-              <a:r>
-                <a:rPr lang="en-US" dirty="0">
-                  <a:solidFill>
-                    <a:srgbClr val="FFC000"/>
-                  </a:solidFill>
-                </a:rPr>
-                <a:t>Standardized Residuals</a:t>
-              </a:r>
-            </a:p>
-          </p:txBody>
-        </p:sp>
-        <p:sp>
-          <p:nvSpPr>
-            <p:cNvPr id="32" name="Freeform 34">
-              <a:extLst>
-                <a:ext uri="{FF2B5EF4-FFF2-40B4-BE49-F238E27FC236}">
-                  <a16:creationId xmlns:a16="http://schemas.microsoft.com/office/drawing/2014/main" id="{74C58D0B-DE2B-4FA3-98B4-B8B47F6D33EC}"/>
-                </a:ext>
-              </a:extLst>
-            </p:cNvPr>
-            <p:cNvSpPr/>
-            <p:nvPr/>
-          </p:nvSpPr>
-          <p:spPr>
-            <a:xfrm>
-              <a:off x="5248256" y="4476032"/>
-              <a:ext cx="3301370" cy="1661395"/>
-            </a:xfrm>
-            <a:custGeom>
-              <a:avLst/>
-              <a:gdLst>
-                <a:gd name="connsiteX0" fmla="*/ 0 w 3010487"/>
-                <a:gd name="connsiteY0" fmla="*/ 0 h 1603717"/>
-                <a:gd name="connsiteX1" fmla="*/ 14068 w 3010487"/>
-                <a:gd name="connsiteY1" fmla="*/ 1266092 h 1603717"/>
-                <a:gd name="connsiteX2" fmla="*/ 1491176 w 3010487"/>
-                <a:gd name="connsiteY2" fmla="*/ 1603717 h 1603717"/>
-                <a:gd name="connsiteX3" fmla="*/ 3010487 w 3010487"/>
-                <a:gd name="connsiteY3" fmla="*/ 1280160 h 1603717"/>
-                <a:gd name="connsiteX4" fmla="*/ 3010487 w 3010487"/>
-                <a:gd name="connsiteY4" fmla="*/ 0 h 1603717"/>
-                <a:gd name="connsiteX5" fmla="*/ 1491176 w 3010487"/>
-                <a:gd name="connsiteY5" fmla="*/ 478301 h 1603717"/>
-                <a:gd name="connsiteX6" fmla="*/ 0 w 3010487"/>
-                <a:gd name="connsiteY6" fmla="*/ 0 h 1603717"/>
-                <a:gd name="connsiteX0" fmla="*/ 0 w 3010487"/>
-                <a:gd name="connsiteY0" fmla="*/ 0 h 1603717"/>
-                <a:gd name="connsiteX1" fmla="*/ 0 w 3010487"/>
-                <a:gd name="connsiteY1" fmla="*/ 1308295 h 1603717"/>
-                <a:gd name="connsiteX2" fmla="*/ 1491176 w 3010487"/>
-                <a:gd name="connsiteY2" fmla="*/ 1603717 h 1603717"/>
-                <a:gd name="connsiteX3" fmla="*/ 3010487 w 3010487"/>
-                <a:gd name="connsiteY3" fmla="*/ 1280160 h 1603717"/>
-                <a:gd name="connsiteX4" fmla="*/ 3010487 w 3010487"/>
-                <a:gd name="connsiteY4" fmla="*/ 0 h 1603717"/>
-                <a:gd name="connsiteX5" fmla="*/ 1491176 w 3010487"/>
-                <a:gd name="connsiteY5" fmla="*/ 478301 h 1603717"/>
-                <a:gd name="connsiteX6" fmla="*/ 0 w 3010487"/>
-                <a:gd name="connsiteY6" fmla="*/ 0 h 1603717"/>
-                <a:gd name="connsiteX0" fmla="*/ 0 w 3010487"/>
-                <a:gd name="connsiteY0" fmla="*/ 0 h 1603717"/>
-                <a:gd name="connsiteX1" fmla="*/ 0 w 3010487"/>
-                <a:gd name="connsiteY1" fmla="*/ 1308295 h 1603717"/>
-                <a:gd name="connsiteX2" fmla="*/ 1491176 w 3010487"/>
-                <a:gd name="connsiteY2" fmla="*/ 1603717 h 1603717"/>
-                <a:gd name="connsiteX3" fmla="*/ 3010487 w 3010487"/>
-                <a:gd name="connsiteY3" fmla="*/ 1280160 h 1603717"/>
-                <a:gd name="connsiteX4" fmla="*/ 3010487 w 3010487"/>
-                <a:gd name="connsiteY4" fmla="*/ 0 h 1603717"/>
-                <a:gd name="connsiteX5" fmla="*/ 1533380 w 3010487"/>
-                <a:gd name="connsiteY5" fmla="*/ 407963 h 1603717"/>
-                <a:gd name="connsiteX6" fmla="*/ 0 w 3010487"/>
-                <a:gd name="connsiteY6" fmla="*/ 0 h 1603717"/>
-                <a:gd name="connsiteX0" fmla="*/ 0 w 3010487"/>
-                <a:gd name="connsiteY0" fmla="*/ 0 h 1603717"/>
-                <a:gd name="connsiteX1" fmla="*/ 0 w 3010487"/>
-                <a:gd name="connsiteY1" fmla="*/ 1308295 h 1603717"/>
-                <a:gd name="connsiteX2" fmla="*/ 1491176 w 3010487"/>
-                <a:gd name="connsiteY2" fmla="*/ 1603717 h 1603717"/>
-                <a:gd name="connsiteX3" fmla="*/ 3010487 w 3010487"/>
-                <a:gd name="connsiteY3" fmla="*/ 1280160 h 1603717"/>
-                <a:gd name="connsiteX4" fmla="*/ 3010487 w 3010487"/>
-                <a:gd name="connsiteY4" fmla="*/ 0 h 1603717"/>
-                <a:gd name="connsiteX5" fmla="*/ 1533380 w 3010487"/>
-                <a:gd name="connsiteY5" fmla="*/ 407963 h 1603717"/>
-                <a:gd name="connsiteX6" fmla="*/ 0 w 3010487"/>
-                <a:gd name="connsiteY6" fmla="*/ 0 h 1603717"/>
-                <a:gd name="connsiteX0" fmla="*/ 0 w 3010487"/>
-                <a:gd name="connsiteY0" fmla="*/ 0 h 1603717"/>
-                <a:gd name="connsiteX1" fmla="*/ 0 w 3010487"/>
-                <a:gd name="connsiteY1" fmla="*/ 1308295 h 1603717"/>
-                <a:gd name="connsiteX2" fmla="*/ 1491176 w 3010487"/>
-                <a:gd name="connsiteY2" fmla="*/ 1603717 h 1603717"/>
-                <a:gd name="connsiteX3" fmla="*/ 3010487 w 3010487"/>
-                <a:gd name="connsiteY3" fmla="*/ 1280160 h 1603717"/>
-                <a:gd name="connsiteX4" fmla="*/ 3010487 w 3010487"/>
-                <a:gd name="connsiteY4" fmla="*/ 0 h 1603717"/>
-                <a:gd name="connsiteX5" fmla="*/ 1533380 w 3010487"/>
-                <a:gd name="connsiteY5" fmla="*/ 407963 h 1603717"/>
-                <a:gd name="connsiteX6" fmla="*/ 0 w 3010487"/>
-                <a:gd name="connsiteY6" fmla="*/ 0 h 1603717"/>
-                <a:gd name="connsiteX0" fmla="*/ 0 w 3010487"/>
-                <a:gd name="connsiteY0" fmla="*/ 0 h 1603717"/>
-                <a:gd name="connsiteX1" fmla="*/ 0 w 3010487"/>
-                <a:gd name="connsiteY1" fmla="*/ 1308295 h 1603717"/>
-                <a:gd name="connsiteX2" fmla="*/ 1491176 w 3010487"/>
-                <a:gd name="connsiteY2" fmla="*/ 1603717 h 1603717"/>
-                <a:gd name="connsiteX3" fmla="*/ 3010487 w 3010487"/>
-                <a:gd name="connsiteY3" fmla="*/ 1280160 h 1603717"/>
-                <a:gd name="connsiteX4" fmla="*/ 3010487 w 3010487"/>
-                <a:gd name="connsiteY4" fmla="*/ 0 h 1603717"/>
-                <a:gd name="connsiteX5" fmla="*/ 1533380 w 3010487"/>
-                <a:gd name="connsiteY5" fmla="*/ 407963 h 1603717"/>
-                <a:gd name="connsiteX6" fmla="*/ 0 w 3010487"/>
-                <a:gd name="connsiteY6" fmla="*/ 0 h 1603717"/>
-                <a:gd name="connsiteX0" fmla="*/ 0 w 3010487"/>
-                <a:gd name="connsiteY0" fmla="*/ 0 h 1603717"/>
-                <a:gd name="connsiteX1" fmla="*/ 0 w 3010487"/>
-                <a:gd name="connsiteY1" fmla="*/ 1308295 h 1603717"/>
-                <a:gd name="connsiteX2" fmla="*/ 1491176 w 3010487"/>
-                <a:gd name="connsiteY2" fmla="*/ 1603717 h 1603717"/>
-                <a:gd name="connsiteX3" fmla="*/ 3010487 w 3010487"/>
-                <a:gd name="connsiteY3" fmla="*/ 1280160 h 1603717"/>
-                <a:gd name="connsiteX4" fmla="*/ 3010487 w 3010487"/>
-                <a:gd name="connsiteY4" fmla="*/ 0 h 1603717"/>
-                <a:gd name="connsiteX5" fmla="*/ 1533380 w 3010487"/>
-                <a:gd name="connsiteY5" fmla="*/ 407963 h 1603717"/>
-                <a:gd name="connsiteX6" fmla="*/ 0 w 3010487"/>
-                <a:gd name="connsiteY6" fmla="*/ 0 h 1603717"/>
-                <a:gd name="connsiteX0" fmla="*/ 0 w 3010487"/>
-                <a:gd name="connsiteY0" fmla="*/ 0 h 1603717"/>
-                <a:gd name="connsiteX1" fmla="*/ 0 w 3010487"/>
-                <a:gd name="connsiteY1" fmla="*/ 1308295 h 1603717"/>
-                <a:gd name="connsiteX2" fmla="*/ 1491176 w 3010487"/>
-                <a:gd name="connsiteY2" fmla="*/ 1603717 h 1603717"/>
-                <a:gd name="connsiteX3" fmla="*/ 3010487 w 3010487"/>
-                <a:gd name="connsiteY3" fmla="*/ 1280160 h 1603717"/>
-                <a:gd name="connsiteX4" fmla="*/ 3010487 w 3010487"/>
-                <a:gd name="connsiteY4" fmla="*/ 0 h 1603717"/>
-                <a:gd name="connsiteX5" fmla="*/ 1547447 w 3010487"/>
-                <a:gd name="connsiteY5" fmla="*/ 618978 h 1603717"/>
-                <a:gd name="connsiteX6" fmla="*/ 0 w 3010487"/>
-                <a:gd name="connsiteY6" fmla="*/ 0 h 1603717"/>
-                <a:gd name="connsiteX0" fmla="*/ 56271 w 3010487"/>
-                <a:gd name="connsiteY0" fmla="*/ 253218 h 1603717"/>
-                <a:gd name="connsiteX1" fmla="*/ 0 w 3010487"/>
-                <a:gd name="connsiteY1" fmla="*/ 1308295 h 1603717"/>
-                <a:gd name="connsiteX2" fmla="*/ 1491176 w 3010487"/>
-                <a:gd name="connsiteY2" fmla="*/ 1603717 h 1603717"/>
-                <a:gd name="connsiteX3" fmla="*/ 3010487 w 3010487"/>
-                <a:gd name="connsiteY3" fmla="*/ 1280160 h 1603717"/>
-                <a:gd name="connsiteX4" fmla="*/ 3010487 w 3010487"/>
-                <a:gd name="connsiteY4" fmla="*/ 0 h 1603717"/>
-                <a:gd name="connsiteX5" fmla="*/ 1547447 w 3010487"/>
-                <a:gd name="connsiteY5" fmla="*/ 618978 h 1603717"/>
-                <a:gd name="connsiteX6" fmla="*/ 56271 w 3010487"/>
-                <a:gd name="connsiteY6" fmla="*/ 253218 h 1603717"/>
-                <a:gd name="connsiteX0" fmla="*/ 56271 w 3024555"/>
-                <a:gd name="connsiteY0" fmla="*/ 0 h 1350499"/>
-                <a:gd name="connsiteX1" fmla="*/ 0 w 3024555"/>
-                <a:gd name="connsiteY1" fmla="*/ 1055077 h 1350499"/>
-                <a:gd name="connsiteX2" fmla="*/ 1491176 w 3024555"/>
-                <a:gd name="connsiteY2" fmla="*/ 1350499 h 1350499"/>
-                <a:gd name="connsiteX3" fmla="*/ 3010487 w 3024555"/>
-                <a:gd name="connsiteY3" fmla="*/ 1026942 h 1350499"/>
-                <a:gd name="connsiteX4" fmla="*/ 3024555 w 3024555"/>
-                <a:gd name="connsiteY4" fmla="*/ 56272 h 1350499"/>
-                <a:gd name="connsiteX5" fmla="*/ 1547447 w 3024555"/>
-                <a:gd name="connsiteY5" fmla="*/ 365760 h 1350499"/>
-                <a:gd name="connsiteX6" fmla="*/ 56271 w 3024555"/>
-                <a:gd name="connsiteY6" fmla="*/ 0 h 1350499"/>
-                <a:gd name="connsiteX0" fmla="*/ 56271 w 3010487"/>
-                <a:gd name="connsiteY0" fmla="*/ 0 h 1350499"/>
-                <a:gd name="connsiteX1" fmla="*/ 0 w 3010487"/>
-                <a:gd name="connsiteY1" fmla="*/ 1055077 h 1350499"/>
-                <a:gd name="connsiteX2" fmla="*/ 1491176 w 3010487"/>
-                <a:gd name="connsiteY2" fmla="*/ 1350499 h 1350499"/>
-                <a:gd name="connsiteX3" fmla="*/ 3010487 w 3010487"/>
-                <a:gd name="connsiteY3" fmla="*/ 1026942 h 1350499"/>
-                <a:gd name="connsiteX4" fmla="*/ 2996419 w 3010487"/>
-                <a:gd name="connsiteY4" fmla="*/ 1 h 1350499"/>
-                <a:gd name="connsiteX5" fmla="*/ 1547447 w 3010487"/>
-                <a:gd name="connsiteY5" fmla="*/ 365760 h 1350499"/>
-                <a:gd name="connsiteX6" fmla="*/ 56271 w 3010487"/>
-                <a:gd name="connsiteY6" fmla="*/ 0 h 1350499"/>
-                <a:gd name="connsiteX0" fmla="*/ 56271 w 3024555"/>
-                <a:gd name="connsiteY0" fmla="*/ 0 h 1350499"/>
-                <a:gd name="connsiteX1" fmla="*/ 0 w 3024555"/>
-                <a:gd name="connsiteY1" fmla="*/ 1055077 h 1350499"/>
-                <a:gd name="connsiteX2" fmla="*/ 1491176 w 3024555"/>
-                <a:gd name="connsiteY2" fmla="*/ 1350499 h 1350499"/>
-                <a:gd name="connsiteX3" fmla="*/ 3010487 w 3024555"/>
-                <a:gd name="connsiteY3" fmla="*/ 1026942 h 1350499"/>
-                <a:gd name="connsiteX4" fmla="*/ 3024555 w 3024555"/>
-                <a:gd name="connsiteY4" fmla="*/ 1 h 1350499"/>
-                <a:gd name="connsiteX5" fmla="*/ 1547447 w 3024555"/>
-                <a:gd name="connsiteY5" fmla="*/ 365760 h 1350499"/>
-                <a:gd name="connsiteX6" fmla="*/ 56271 w 3024555"/>
-                <a:gd name="connsiteY6" fmla="*/ 0 h 1350499"/>
-                <a:gd name="connsiteX0" fmla="*/ 56271 w 3010488"/>
-                <a:gd name="connsiteY0" fmla="*/ 56270 h 1406769"/>
-                <a:gd name="connsiteX1" fmla="*/ 0 w 3010488"/>
-                <a:gd name="connsiteY1" fmla="*/ 1111347 h 1406769"/>
-                <a:gd name="connsiteX2" fmla="*/ 1491176 w 3010488"/>
-                <a:gd name="connsiteY2" fmla="*/ 1406769 h 1406769"/>
-                <a:gd name="connsiteX3" fmla="*/ 3010487 w 3010488"/>
-                <a:gd name="connsiteY3" fmla="*/ 1083212 h 1406769"/>
-                <a:gd name="connsiteX4" fmla="*/ 3010488 w 3010488"/>
-                <a:gd name="connsiteY4" fmla="*/ 0 h 1406769"/>
-                <a:gd name="connsiteX5" fmla="*/ 1547447 w 3010488"/>
-                <a:gd name="connsiteY5" fmla="*/ 422030 h 1406769"/>
-                <a:gd name="connsiteX6" fmla="*/ 56271 w 3010488"/>
-                <a:gd name="connsiteY6" fmla="*/ 56270 h 1406769"/>
-                <a:gd name="connsiteX0" fmla="*/ 9956 w 3010488"/>
-                <a:gd name="connsiteY0" fmla="*/ 79460 h 1406769"/>
-                <a:gd name="connsiteX1" fmla="*/ 0 w 3010488"/>
-                <a:gd name="connsiteY1" fmla="*/ 1111347 h 1406769"/>
-                <a:gd name="connsiteX2" fmla="*/ 1491176 w 3010488"/>
-                <a:gd name="connsiteY2" fmla="*/ 1406769 h 1406769"/>
-                <a:gd name="connsiteX3" fmla="*/ 3010487 w 3010488"/>
-                <a:gd name="connsiteY3" fmla="*/ 1083212 h 1406769"/>
-                <a:gd name="connsiteX4" fmla="*/ 3010488 w 3010488"/>
-                <a:gd name="connsiteY4" fmla="*/ 0 h 1406769"/>
-                <a:gd name="connsiteX5" fmla="*/ 1547447 w 3010488"/>
-                <a:gd name="connsiteY5" fmla="*/ 422030 h 1406769"/>
-                <a:gd name="connsiteX6" fmla="*/ 9956 w 3010488"/>
-                <a:gd name="connsiteY6" fmla="*/ 79460 h 1406769"/>
-                <a:gd name="connsiteX0" fmla="*/ 802 w 3012912"/>
-                <a:gd name="connsiteY0" fmla="*/ 102651 h 1406769"/>
-                <a:gd name="connsiteX1" fmla="*/ 2424 w 3012912"/>
-                <a:gd name="connsiteY1" fmla="*/ 1111347 h 1406769"/>
-                <a:gd name="connsiteX2" fmla="*/ 1493600 w 3012912"/>
-                <a:gd name="connsiteY2" fmla="*/ 1406769 h 1406769"/>
-                <a:gd name="connsiteX3" fmla="*/ 3012911 w 3012912"/>
-                <a:gd name="connsiteY3" fmla="*/ 1083212 h 1406769"/>
-                <a:gd name="connsiteX4" fmla="*/ 3012912 w 3012912"/>
-                <a:gd name="connsiteY4" fmla="*/ 0 h 1406769"/>
-                <a:gd name="connsiteX5" fmla="*/ 1549871 w 3012912"/>
-                <a:gd name="connsiteY5" fmla="*/ 422030 h 1406769"/>
-                <a:gd name="connsiteX6" fmla="*/ 802 w 3012912"/>
-                <a:gd name="connsiteY6" fmla="*/ 102651 h 1406769"/>
-                <a:gd name="connsiteX0" fmla="*/ 802 w 3012912"/>
-                <a:gd name="connsiteY0" fmla="*/ 102651 h 1406769"/>
-                <a:gd name="connsiteX1" fmla="*/ 2424 w 3012912"/>
-                <a:gd name="connsiteY1" fmla="*/ 1111347 h 1406769"/>
-                <a:gd name="connsiteX2" fmla="*/ 1493600 w 3012912"/>
-                <a:gd name="connsiteY2" fmla="*/ 1406769 h 1406769"/>
-                <a:gd name="connsiteX3" fmla="*/ 3012911 w 3012912"/>
-                <a:gd name="connsiteY3" fmla="*/ 1083212 h 1406769"/>
-                <a:gd name="connsiteX4" fmla="*/ 3012912 w 3012912"/>
-                <a:gd name="connsiteY4" fmla="*/ 0 h 1406769"/>
-                <a:gd name="connsiteX5" fmla="*/ 1549871 w 3012912"/>
-                <a:gd name="connsiteY5" fmla="*/ 422030 h 1406769"/>
-                <a:gd name="connsiteX6" fmla="*/ 802 w 3012912"/>
-                <a:gd name="connsiteY6" fmla="*/ 102651 h 1406769"/>
-                <a:gd name="connsiteX0" fmla="*/ 802 w 3012912"/>
-                <a:gd name="connsiteY0" fmla="*/ 102651 h 1406769"/>
-                <a:gd name="connsiteX1" fmla="*/ 2424 w 3012912"/>
-                <a:gd name="connsiteY1" fmla="*/ 1111347 h 1406769"/>
-                <a:gd name="connsiteX2" fmla="*/ 1493600 w 3012912"/>
-                <a:gd name="connsiteY2" fmla="*/ 1406769 h 1406769"/>
-                <a:gd name="connsiteX3" fmla="*/ 3012911 w 3012912"/>
-                <a:gd name="connsiteY3" fmla="*/ 1083212 h 1406769"/>
-                <a:gd name="connsiteX4" fmla="*/ 3012912 w 3012912"/>
-                <a:gd name="connsiteY4" fmla="*/ 0 h 1406769"/>
-                <a:gd name="connsiteX5" fmla="*/ 1549871 w 3012912"/>
-                <a:gd name="connsiteY5" fmla="*/ 422030 h 1406769"/>
-                <a:gd name="connsiteX6" fmla="*/ 802 w 3012912"/>
-                <a:gd name="connsiteY6" fmla="*/ 102651 h 1406769"/>
-                <a:gd name="connsiteX0" fmla="*/ 802 w 3024490"/>
-                <a:gd name="connsiteY0" fmla="*/ 102651 h 1406769"/>
-                <a:gd name="connsiteX1" fmla="*/ 2424 w 3024490"/>
-                <a:gd name="connsiteY1" fmla="*/ 1111347 h 1406769"/>
-                <a:gd name="connsiteX2" fmla="*/ 1493600 w 3024490"/>
-                <a:gd name="connsiteY2" fmla="*/ 1406769 h 1406769"/>
-                <a:gd name="connsiteX3" fmla="*/ 3024490 w 3024490"/>
-                <a:gd name="connsiteY3" fmla="*/ 944067 h 1406769"/>
-                <a:gd name="connsiteX4" fmla="*/ 3012912 w 3024490"/>
-                <a:gd name="connsiteY4" fmla="*/ 0 h 1406769"/>
-                <a:gd name="connsiteX5" fmla="*/ 1549871 w 3024490"/>
-                <a:gd name="connsiteY5" fmla="*/ 422030 h 1406769"/>
-                <a:gd name="connsiteX6" fmla="*/ 802 w 3024490"/>
-                <a:gd name="connsiteY6" fmla="*/ 102651 h 1406769"/>
-                <a:gd name="connsiteX0" fmla="*/ 802 w 3024490"/>
-                <a:gd name="connsiteY0" fmla="*/ 102651 h 1406769"/>
-                <a:gd name="connsiteX1" fmla="*/ 2424 w 3024490"/>
-                <a:gd name="connsiteY1" fmla="*/ 1111347 h 1406769"/>
-                <a:gd name="connsiteX2" fmla="*/ 1493600 w 3024490"/>
-                <a:gd name="connsiteY2" fmla="*/ 1406769 h 1406769"/>
-                <a:gd name="connsiteX3" fmla="*/ 3024490 w 3024490"/>
-                <a:gd name="connsiteY3" fmla="*/ 944067 h 1406769"/>
-                <a:gd name="connsiteX4" fmla="*/ 3012912 w 3024490"/>
-                <a:gd name="connsiteY4" fmla="*/ 0 h 1406769"/>
-                <a:gd name="connsiteX5" fmla="*/ 1549871 w 3024490"/>
-                <a:gd name="connsiteY5" fmla="*/ 422030 h 1406769"/>
-                <a:gd name="connsiteX6" fmla="*/ 802 w 3024490"/>
-                <a:gd name="connsiteY6" fmla="*/ 102651 h 1406769"/>
-                <a:gd name="connsiteX0" fmla="*/ 802 w 3024490"/>
-                <a:gd name="connsiteY0" fmla="*/ 102651 h 1406769"/>
-                <a:gd name="connsiteX1" fmla="*/ 2424 w 3024490"/>
-                <a:gd name="connsiteY1" fmla="*/ 995393 h 1406769"/>
-                <a:gd name="connsiteX2" fmla="*/ 1493600 w 3024490"/>
-                <a:gd name="connsiteY2" fmla="*/ 1406769 h 1406769"/>
-                <a:gd name="connsiteX3" fmla="*/ 3024490 w 3024490"/>
-                <a:gd name="connsiteY3" fmla="*/ 944067 h 1406769"/>
-                <a:gd name="connsiteX4" fmla="*/ 3012912 w 3024490"/>
-                <a:gd name="connsiteY4" fmla="*/ 0 h 1406769"/>
-                <a:gd name="connsiteX5" fmla="*/ 1549871 w 3024490"/>
-                <a:gd name="connsiteY5" fmla="*/ 422030 h 1406769"/>
-                <a:gd name="connsiteX6" fmla="*/ 802 w 3024490"/>
-                <a:gd name="connsiteY6" fmla="*/ 102651 h 1406769"/>
-                <a:gd name="connsiteX0" fmla="*/ 802 w 3024490"/>
-                <a:gd name="connsiteY0" fmla="*/ 102651 h 1406769"/>
-                <a:gd name="connsiteX1" fmla="*/ 2424 w 3024490"/>
-                <a:gd name="connsiteY1" fmla="*/ 995393 h 1406769"/>
-                <a:gd name="connsiteX2" fmla="*/ 1493600 w 3024490"/>
-                <a:gd name="connsiteY2" fmla="*/ 1406769 h 1406769"/>
-                <a:gd name="connsiteX3" fmla="*/ 3024490 w 3024490"/>
-                <a:gd name="connsiteY3" fmla="*/ 944067 h 1406769"/>
-                <a:gd name="connsiteX4" fmla="*/ 3012912 w 3024490"/>
-                <a:gd name="connsiteY4" fmla="*/ 0 h 1406769"/>
-                <a:gd name="connsiteX5" fmla="*/ 1549871 w 3024490"/>
-                <a:gd name="connsiteY5" fmla="*/ 422030 h 1406769"/>
-                <a:gd name="connsiteX6" fmla="*/ 802 w 3024490"/>
-                <a:gd name="connsiteY6" fmla="*/ 102651 h 1406769"/>
-                <a:gd name="connsiteX0" fmla="*/ 802 w 3024490"/>
-                <a:gd name="connsiteY0" fmla="*/ 102651 h 1406769"/>
-                <a:gd name="connsiteX1" fmla="*/ 2424 w 3024490"/>
-                <a:gd name="connsiteY1" fmla="*/ 995393 h 1406769"/>
-                <a:gd name="connsiteX2" fmla="*/ 1493600 w 3024490"/>
-                <a:gd name="connsiteY2" fmla="*/ 1406769 h 1406769"/>
-                <a:gd name="connsiteX3" fmla="*/ 3024490 w 3024490"/>
-                <a:gd name="connsiteY3" fmla="*/ 944067 h 1406769"/>
-                <a:gd name="connsiteX4" fmla="*/ 3012912 w 3024490"/>
-                <a:gd name="connsiteY4" fmla="*/ 0 h 1406769"/>
-                <a:gd name="connsiteX5" fmla="*/ 1526714 w 3024490"/>
-                <a:gd name="connsiteY5" fmla="*/ 526389 h 1406769"/>
-                <a:gd name="connsiteX6" fmla="*/ 802 w 3024490"/>
-                <a:gd name="connsiteY6" fmla="*/ 102651 h 1406769"/>
-                <a:gd name="connsiteX0" fmla="*/ 802 w 3024490"/>
-                <a:gd name="connsiteY0" fmla="*/ 102651 h 1406769"/>
-                <a:gd name="connsiteX1" fmla="*/ 2424 w 3024490"/>
-                <a:gd name="connsiteY1" fmla="*/ 995393 h 1406769"/>
-                <a:gd name="connsiteX2" fmla="*/ 1493600 w 3024490"/>
-                <a:gd name="connsiteY2" fmla="*/ 1406769 h 1406769"/>
-                <a:gd name="connsiteX3" fmla="*/ 3024490 w 3024490"/>
-                <a:gd name="connsiteY3" fmla="*/ 944067 h 1406769"/>
-                <a:gd name="connsiteX4" fmla="*/ 3012912 w 3024490"/>
-                <a:gd name="connsiteY4" fmla="*/ 0 h 1406769"/>
-                <a:gd name="connsiteX5" fmla="*/ 1526714 w 3024490"/>
-                <a:gd name="connsiteY5" fmla="*/ 526389 h 1406769"/>
-                <a:gd name="connsiteX6" fmla="*/ 802 w 3024490"/>
-                <a:gd name="connsiteY6" fmla="*/ 102651 h 1406769"/>
-                <a:gd name="connsiteX0" fmla="*/ 802 w 3024490"/>
-                <a:gd name="connsiteY0" fmla="*/ 102651 h 1406769"/>
-                <a:gd name="connsiteX1" fmla="*/ 2424 w 3024490"/>
-                <a:gd name="connsiteY1" fmla="*/ 995393 h 1406769"/>
-                <a:gd name="connsiteX2" fmla="*/ 1493600 w 3024490"/>
-                <a:gd name="connsiteY2" fmla="*/ 1406769 h 1406769"/>
-                <a:gd name="connsiteX3" fmla="*/ 3024490 w 3024490"/>
-                <a:gd name="connsiteY3" fmla="*/ 944067 h 1406769"/>
-                <a:gd name="connsiteX4" fmla="*/ 3012912 w 3024490"/>
-                <a:gd name="connsiteY4" fmla="*/ 0 h 1406769"/>
-                <a:gd name="connsiteX5" fmla="*/ 1526714 w 3024490"/>
-                <a:gd name="connsiteY5" fmla="*/ 526389 h 1406769"/>
-                <a:gd name="connsiteX6" fmla="*/ 802 w 3024490"/>
-                <a:gd name="connsiteY6" fmla="*/ 102651 h 1406769"/>
-                <a:gd name="connsiteX0" fmla="*/ 802 w 3024490"/>
-                <a:gd name="connsiteY0" fmla="*/ 102651 h 1406769"/>
-                <a:gd name="connsiteX1" fmla="*/ 2424 w 3024490"/>
-                <a:gd name="connsiteY1" fmla="*/ 995393 h 1406769"/>
-                <a:gd name="connsiteX2" fmla="*/ 1493600 w 3024490"/>
-                <a:gd name="connsiteY2" fmla="*/ 1406769 h 1406769"/>
-                <a:gd name="connsiteX3" fmla="*/ 3024490 w 3024490"/>
-                <a:gd name="connsiteY3" fmla="*/ 944067 h 1406769"/>
-                <a:gd name="connsiteX4" fmla="*/ 3012912 w 3024490"/>
-                <a:gd name="connsiteY4" fmla="*/ 0 h 1406769"/>
-                <a:gd name="connsiteX5" fmla="*/ 1526714 w 3024490"/>
-                <a:gd name="connsiteY5" fmla="*/ 526389 h 1406769"/>
-                <a:gd name="connsiteX6" fmla="*/ 802 w 3024490"/>
-                <a:gd name="connsiteY6" fmla="*/ 102651 h 1406769"/>
-                <a:gd name="connsiteX0" fmla="*/ 802 w 3024490"/>
-                <a:gd name="connsiteY0" fmla="*/ 102651 h 1406769"/>
-                <a:gd name="connsiteX1" fmla="*/ 2424 w 3024490"/>
-                <a:gd name="connsiteY1" fmla="*/ 1018584 h 1406769"/>
-                <a:gd name="connsiteX2" fmla="*/ 1493600 w 3024490"/>
-                <a:gd name="connsiteY2" fmla="*/ 1406769 h 1406769"/>
-                <a:gd name="connsiteX3" fmla="*/ 3024490 w 3024490"/>
-                <a:gd name="connsiteY3" fmla="*/ 944067 h 1406769"/>
-                <a:gd name="connsiteX4" fmla="*/ 3012912 w 3024490"/>
-                <a:gd name="connsiteY4" fmla="*/ 0 h 1406769"/>
-                <a:gd name="connsiteX5" fmla="*/ 1526714 w 3024490"/>
-                <a:gd name="connsiteY5" fmla="*/ 526389 h 1406769"/>
-                <a:gd name="connsiteX6" fmla="*/ 802 w 3024490"/>
-                <a:gd name="connsiteY6" fmla="*/ 102651 h 1406769"/>
-                <a:gd name="connsiteX0" fmla="*/ 802 w 3012912"/>
-                <a:gd name="connsiteY0" fmla="*/ 102651 h 1406769"/>
-                <a:gd name="connsiteX1" fmla="*/ 2424 w 3012912"/>
-                <a:gd name="connsiteY1" fmla="*/ 1018584 h 1406769"/>
-                <a:gd name="connsiteX2" fmla="*/ 1493600 w 3012912"/>
-                <a:gd name="connsiteY2" fmla="*/ 1406769 h 1406769"/>
-                <a:gd name="connsiteX3" fmla="*/ 3001333 w 3012912"/>
-                <a:gd name="connsiteY3" fmla="*/ 955662 h 1406769"/>
-                <a:gd name="connsiteX4" fmla="*/ 3012912 w 3012912"/>
-                <a:gd name="connsiteY4" fmla="*/ 0 h 1406769"/>
-                <a:gd name="connsiteX5" fmla="*/ 1526714 w 3012912"/>
-                <a:gd name="connsiteY5" fmla="*/ 526389 h 1406769"/>
-                <a:gd name="connsiteX6" fmla="*/ 802 w 3012912"/>
-                <a:gd name="connsiteY6" fmla="*/ 102651 h 1406769"/>
-                <a:gd name="connsiteX0" fmla="*/ 802 w 3012912"/>
-                <a:gd name="connsiteY0" fmla="*/ 102651 h 1406769"/>
-                <a:gd name="connsiteX1" fmla="*/ 2424 w 3012912"/>
-                <a:gd name="connsiteY1" fmla="*/ 1018584 h 1406769"/>
-                <a:gd name="connsiteX2" fmla="*/ 1493600 w 3012912"/>
-                <a:gd name="connsiteY2" fmla="*/ 1406769 h 1406769"/>
-                <a:gd name="connsiteX3" fmla="*/ 3012912 w 3012912"/>
-                <a:gd name="connsiteY3" fmla="*/ 955662 h 1406769"/>
-                <a:gd name="connsiteX4" fmla="*/ 3012912 w 3012912"/>
-                <a:gd name="connsiteY4" fmla="*/ 0 h 1406769"/>
-                <a:gd name="connsiteX5" fmla="*/ 1526714 w 3012912"/>
-                <a:gd name="connsiteY5" fmla="*/ 526389 h 1406769"/>
-                <a:gd name="connsiteX6" fmla="*/ 802 w 3012912"/>
-                <a:gd name="connsiteY6" fmla="*/ 102651 h 1406769"/>
-                <a:gd name="connsiteX0" fmla="*/ 9957 w 3022067"/>
-                <a:gd name="connsiteY0" fmla="*/ 102651 h 1539653"/>
-                <a:gd name="connsiteX1" fmla="*/ 0 w 3022067"/>
-                <a:gd name="connsiteY1" fmla="*/ 1470806 h 1539653"/>
-                <a:gd name="connsiteX2" fmla="*/ 1502755 w 3022067"/>
-                <a:gd name="connsiteY2" fmla="*/ 1406769 h 1539653"/>
-                <a:gd name="connsiteX3" fmla="*/ 3022067 w 3022067"/>
-                <a:gd name="connsiteY3" fmla="*/ 955662 h 1539653"/>
-                <a:gd name="connsiteX4" fmla="*/ 3022067 w 3022067"/>
-                <a:gd name="connsiteY4" fmla="*/ 0 h 1539653"/>
-                <a:gd name="connsiteX5" fmla="*/ 1535869 w 3022067"/>
-                <a:gd name="connsiteY5" fmla="*/ 526389 h 1539653"/>
-                <a:gd name="connsiteX6" fmla="*/ 9957 w 3022067"/>
-                <a:gd name="connsiteY6" fmla="*/ 102651 h 1539653"/>
-                <a:gd name="connsiteX0" fmla="*/ 9957 w 3022067"/>
-                <a:gd name="connsiteY0" fmla="*/ 102651 h 1505445"/>
-                <a:gd name="connsiteX1" fmla="*/ 0 w 3022067"/>
-                <a:gd name="connsiteY1" fmla="*/ 1470806 h 1505445"/>
-                <a:gd name="connsiteX2" fmla="*/ 1572228 w 3022067"/>
-                <a:gd name="connsiteY2" fmla="*/ 1012525 h 1505445"/>
-                <a:gd name="connsiteX3" fmla="*/ 3022067 w 3022067"/>
-                <a:gd name="connsiteY3" fmla="*/ 955662 h 1505445"/>
-                <a:gd name="connsiteX4" fmla="*/ 3022067 w 3022067"/>
-                <a:gd name="connsiteY4" fmla="*/ 0 h 1505445"/>
-                <a:gd name="connsiteX5" fmla="*/ 1535869 w 3022067"/>
-                <a:gd name="connsiteY5" fmla="*/ 526389 h 1505445"/>
-                <a:gd name="connsiteX6" fmla="*/ 9957 w 3022067"/>
-                <a:gd name="connsiteY6" fmla="*/ 102651 h 1505445"/>
-                <a:gd name="connsiteX0" fmla="*/ 9957 w 3033646"/>
-                <a:gd name="connsiteY0" fmla="*/ 102651 h 1513641"/>
-                <a:gd name="connsiteX1" fmla="*/ 0 w 3033646"/>
-                <a:gd name="connsiteY1" fmla="*/ 1470806 h 1513641"/>
-                <a:gd name="connsiteX2" fmla="*/ 1572228 w 3033646"/>
-                <a:gd name="connsiteY2" fmla="*/ 1012525 h 1513641"/>
-                <a:gd name="connsiteX3" fmla="*/ 3033646 w 3033646"/>
-                <a:gd name="connsiteY3" fmla="*/ 1465862 h 1513641"/>
-                <a:gd name="connsiteX4" fmla="*/ 3022067 w 3033646"/>
-                <a:gd name="connsiteY4" fmla="*/ 0 h 1513641"/>
-                <a:gd name="connsiteX5" fmla="*/ 1535869 w 3033646"/>
-                <a:gd name="connsiteY5" fmla="*/ 526389 h 1513641"/>
-                <a:gd name="connsiteX6" fmla="*/ 9957 w 3033646"/>
-                <a:gd name="connsiteY6" fmla="*/ 102651 h 1513641"/>
-                <a:gd name="connsiteX0" fmla="*/ 9957 w 3033646"/>
-                <a:gd name="connsiteY0" fmla="*/ 102651 h 1568634"/>
-                <a:gd name="connsiteX1" fmla="*/ 0 w 3033646"/>
-                <a:gd name="connsiteY1" fmla="*/ 1470806 h 1568634"/>
-                <a:gd name="connsiteX2" fmla="*/ 1572228 w 3033646"/>
-                <a:gd name="connsiteY2" fmla="*/ 1012525 h 1568634"/>
-                <a:gd name="connsiteX3" fmla="*/ 3033646 w 3033646"/>
-                <a:gd name="connsiteY3" fmla="*/ 1523839 h 1568634"/>
-                <a:gd name="connsiteX4" fmla="*/ 3022067 w 3033646"/>
-                <a:gd name="connsiteY4" fmla="*/ 0 h 1568634"/>
-                <a:gd name="connsiteX5" fmla="*/ 1535869 w 3033646"/>
-                <a:gd name="connsiteY5" fmla="*/ 526389 h 1568634"/>
-                <a:gd name="connsiteX6" fmla="*/ 9957 w 3033646"/>
-                <a:gd name="connsiteY6" fmla="*/ 102651 h 1568634"/>
-                <a:gd name="connsiteX0" fmla="*/ 9957 w 3033646"/>
-                <a:gd name="connsiteY0" fmla="*/ 102651 h 1567543"/>
-                <a:gd name="connsiteX1" fmla="*/ 0 w 3033646"/>
-                <a:gd name="connsiteY1" fmla="*/ 1470806 h 1567543"/>
-                <a:gd name="connsiteX2" fmla="*/ 1502756 w 3033646"/>
-                <a:gd name="connsiteY2" fmla="*/ 989333 h 1567543"/>
-                <a:gd name="connsiteX3" fmla="*/ 3033646 w 3033646"/>
-                <a:gd name="connsiteY3" fmla="*/ 1523839 h 1567543"/>
-                <a:gd name="connsiteX4" fmla="*/ 3022067 w 3033646"/>
-                <a:gd name="connsiteY4" fmla="*/ 0 h 1567543"/>
-                <a:gd name="connsiteX5" fmla="*/ 1535869 w 3033646"/>
-                <a:gd name="connsiteY5" fmla="*/ 526389 h 1567543"/>
-                <a:gd name="connsiteX6" fmla="*/ 9957 w 3033646"/>
-                <a:gd name="connsiteY6" fmla="*/ 102651 h 1567543"/>
-                <a:gd name="connsiteX0" fmla="*/ 9957 w 3033646"/>
-                <a:gd name="connsiteY0" fmla="*/ 102651 h 1567543"/>
-                <a:gd name="connsiteX1" fmla="*/ 0 w 3033646"/>
-                <a:gd name="connsiteY1" fmla="*/ 1528783 h 1567543"/>
-                <a:gd name="connsiteX2" fmla="*/ 1502756 w 3033646"/>
-                <a:gd name="connsiteY2" fmla="*/ 989333 h 1567543"/>
-                <a:gd name="connsiteX3" fmla="*/ 3033646 w 3033646"/>
-                <a:gd name="connsiteY3" fmla="*/ 1523839 h 1567543"/>
-                <a:gd name="connsiteX4" fmla="*/ 3022067 w 3033646"/>
-                <a:gd name="connsiteY4" fmla="*/ 0 h 1567543"/>
-                <a:gd name="connsiteX5" fmla="*/ 1535869 w 3033646"/>
-                <a:gd name="connsiteY5" fmla="*/ 526389 h 1567543"/>
-                <a:gd name="connsiteX6" fmla="*/ 9957 w 3033646"/>
-                <a:gd name="connsiteY6" fmla="*/ 102651 h 1567543"/>
-                <a:gd name="connsiteX0" fmla="*/ 9957 w 3033646"/>
-                <a:gd name="connsiteY0" fmla="*/ 102651 h 1567543"/>
-                <a:gd name="connsiteX1" fmla="*/ 0 w 3033646"/>
-                <a:gd name="connsiteY1" fmla="*/ 1528783 h 1567543"/>
-                <a:gd name="connsiteX2" fmla="*/ 1502756 w 3033646"/>
-                <a:gd name="connsiteY2" fmla="*/ 989333 h 1567543"/>
-                <a:gd name="connsiteX3" fmla="*/ 3033646 w 3033646"/>
-                <a:gd name="connsiteY3" fmla="*/ 1523839 h 1567543"/>
-                <a:gd name="connsiteX4" fmla="*/ 3022067 w 3033646"/>
-                <a:gd name="connsiteY4" fmla="*/ 0 h 1567543"/>
-                <a:gd name="connsiteX5" fmla="*/ 1535869 w 3033646"/>
-                <a:gd name="connsiteY5" fmla="*/ 526389 h 1567543"/>
-                <a:gd name="connsiteX6" fmla="*/ 9957 w 3033646"/>
-                <a:gd name="connsiteY6" fmla="*/ 102651 h 1567543"/>
-                <a:gd name="connsiteX0" fmla="*/ 9957 w 3033646"/>
-                <a:gd name="connsiteY0" fmla="*/ 102651 h 1567543"/>
-                <a:gd name="connsiteX1" fmla="*/ 0 w 3033646"/>
-                <a:gd name="connsiteY1" fmla="*/ 1528783 h 1567543"/>
-                <a:gd name="connsiteX2" fmla="*/ 1502756 w 3033646"/>
-                <a:gd name="connsiteY2" fmla="*/ 989333 h 1567543"/>
-                <a:gd name="connsiteX3" fmla="*/ 3033646 w 3033646"/>
-                <a:gd name="connsiteY3" fmla="*/ 1523839 h 1567543"/>
-                <a:gd name="connsiteX4" fmla="*/ 3022067 w 3033646"/>
-                <a:gd name="connsiteY4" fmla="*/ 0 h 1567543"/>
-                <a:gd name="connsiteX5" fmla="*/ 1535869 w 3033646"/>
-                <a:gd name="connsiteY5" fmla="*/ 526389 h 1567543"/>
-                <a:gd name="connsiteX6" fmla="*/ 9957 w 3033646"/>
-                <a:gd name="connsiteY6" fmla="*/ 102651 h 1567543"/>
-                <a:gd name="connsiteX0" fmla="*/ 9957 w 3033646"/>
-                <a:gd name="connsiteY0" fmla="*/ 102651 h 1528783"/>
-                <a:gd name="connsiteX1" fmla="*/ 0 w 3033646"/>
-                <a:gd name="connsiteY1" fmla="*/ 1528783 h 1528783"/>
-                <a:gd name="connsiteX2" fmla="*/ 1502756 w 3033646"/>
-                <a:gd name="connsiteY2" fmla="*/ 989333 h 1528783"/>
-                <a:gd name="connsiteX3" fmla="*/ 3033646 w 3033646"/>
-                <a:gd name="connsiteY3" fmla="*/ 1523839 h 1528783"/>
-                <a:gd name="connsiteX4" fmla="*/ 3022067 w 3033646"/>
-                <a:gd name="connsiteY4" fmla="*/ 0 h 1528783"/>
-                <a:gd name="connsiteX5" fmla="*/ 1535869 w 3033646"/>
-                <a:gd name="connsiteY5" fmla="*/ 526389 h 1528783"/>
-                <a:gd name="connsiteX6" fmla="*/ 9957 w 3033646"/>
-                <a:gd name="connsiteY6" fmla="*/ 102651 h 1528783"/>
-                <a:gd name="connsiteX0" fmla="*/ 9957 w 3033646"/>
-                <a:gd name="connsiteY0" fmla="*/ 102651 h 1528783"/>
-                <a:gd name="connsiteX1" fmla="*/ 0 w 3033646"/>
-                <a:gd name="connsiteY1" fmla="*/ 1528783 h 1528783"/>
-                <a:gd name="connsiteX2" fmla="*/ 1537492 w 3033646"/>
-                <a:gd name="connsiteY2" fmla="*/ 1024119 h 1528783"/>
-                <a:gd name="connsiteX3" fmla="*/ 3033646 w 3033646"/>
-                <a:gd name="connsiteY3" fmla="*/ 1523839 h 1528783"/>
-                <a:gd name="connsiteX4" fmla="*/ 3022067 w 3033646"/>
-                <a:gd name="connsiteY4" fmla="*/ 0 h 1528783"/>
-                <a:gd name="connsiteX5" fmla="*/ 1535869 w 3033646"/>
-                <a:gd name="connsiteY5" fmla="*/ 526389 h 1528783"/>
-                <a:gd name="connsiteX6" fmla="*/ 9957 w 3033646"/>
-                <a:gd name="connsiteY6" fmla="*/ 102651 h 1528783"/>
-                <a:gd name="connsiteX0" fmla="*/ 9957 w 3033646"/>
-                <a:gd name="connsiteY0" fmla="*/ 102651 h 1528783"/>
-                <a:gd name="connsiteX1" fmla="*/ 0 w 3033646"/>
-                <a:gd name="connsiteY1" fmla="*/ 1528783 h 1528783"/>
-                <a:gd name="connsiteX2" fmla="*/ 1537492 w 3033646"/>
-                <a:gd name="connsiteY2" fmla="*/ 1024119 h 1528783"/>
-                <a:gd name="connsiteX3" fmla="*/ 3033646 w 3033646"/>
-                <a:gd name="connsiteY3" fmla="*/ 1523839 h 1528783"/>
-                <a:gd name="connsiteX4" fmla="*/ 3022067 w 3033646"/>
-                <a:gd name="connsiteY4" fmla="*/ 0 h 1528783"/>
-                <a:gd name="connsiteX5" fmla="*/ 1535869 w 3033646"/>
-                <a:gd name="connsiteY5" fmla="*/ 526389 h 1528783"/>
-                <a:gd name="connsiteX6" fmla="*/ 9957 w 3033646"/>
-                <a:gd name="connsiteY6" fmla="*/ 102651 h 1528783"/>
-                <a:gd name="connsiteX0" fmla="*/ 9957 w 3033646"/>
-                <a:gd name="connsiteY0" fmla="*/ 102651 h 1528783"/>
-                <a:gd name="connsiteX1" fmla="*/ 0 w 3033646"/>
-                <a:gd name="connsiteY1" fmla="*/ 1528783 h 1528783"/>
-                <a:gd name="connsiteX2" fmla="*/ 1537492 w 3033646"/>
-                <a:gd name="connsiteY2" fmla="*/ 1024119 h 1528783"/>
-                <a:gd name="connsiteX3" fmla="*/ 3033646 w 3033646"/>
-                <a:gd name="connsiteY3" fmla="*/ 1523839 h 1528783"/>
-                <a:gd name="connsiteX4" fmla="*/ 3022067 w 3033646"/>
-                <a:gd name="connsiteY4" fmla="*/ 0 h 1528783"/>
-                <a:gd name="connsiteX5" fmla="*/ 1535869 w 3033646"/>
-                <a:gd name="connsiteY5" fmla="*/ 526389 h 1528783"/>
-                <a:gd name="connsiteX6" fmla="*/ 9957 w 3033646"/>
-                <a:gd name="connsiteY6" fmla="*/ 102651 h 1528783"/>
-                <a:gd name="connsiteX0" fmla="*/ 9957 w 3033646"/>
-                <a:gd name="connsiteY0" fmla="*/ 102651 h 1528783"/>
-                <a:gd name="connsiteX1" fmla="*/ 0 w 3033646"/>
-                <a:gd name="connsiteY1" fmla="*/ 1528783 h 1528783"/>
-                <a:gd name="connsiteX2" fmla="*/ 1537492 w 3033646"/>
-                <a:gd name="connsiteY2" fmla="*/ 1024119 h 1528783"/>
-                <a:gd name="connsiteX3" fmla="*/ 3033646 w 3033646"/>
-                <a:gd name="connsiteY3" fmla="*/ 1523839 h 1528783"/>
-                <a:gd name="connsiteX4" fmla="*/ 3022067 w 3033646"/>
-                <a:gd name="connsiteY4" fmla="*/ 0 h 1528783"/>
-                <a:gd name="connsiteX5" fmla="*/ 1535869 w 3033646"/>
-                <a:gd name="connsiteY5" fmla="*/ 526389 h 1528783"/>
-                <a:gd name="connsiteX6" fmla="*/ 9957 w 3033646"/>
-                <a:gd name="connsiteY6" fmla="*/ 102651 h 1528783"/>
-                <a:gd name="connsiteX0" fmla="*/ 9957 w 3045737"/>
-                <a:gd name="connsiteY0" fmla="*/ 91055 h 1517187"/>
-                <a:gd name="connsiteX1" fmla="*/ 0 w 3045737"/>
-                <a:gd name="connsiteY1" fmla="*/ 1517187 h 1517187"/>
-                <a:gd name="connsiteX2" fmla="*/ 1537492 w 3045737"/>
-                <a:gd name="connsiteY2" fmla="*/ 1012523 h 1517187"/>
-                <a:gd name="connsiteX3" fmla="*/ 3033646 w 3045737"/>
-                <a:gd name="connsiteY3" fmla="*/ 1512243 h 1517187"/>
-                <a:gd name="connsiteX4" fmla="*/ 3045224 w 3045737"/>
-                <a:gd name="connsiteY4" fmla="*/ 0 h 1517187"/>
-                <a:gd name="connsiteX5" fmla="*/ 1535869 w 3045737"/>
-                <a:gd name="connsiteY5" fmla="*/ 514793 h 1517187"/>
-                <a:gd name="connsiteX6" fmla="*/ 9957 w 3045737"/>
-                <a:gd name="connsiteY6" fmla="*/ 91055 h 1517187"/>
-                <a:gd name="connsiteX0" fmla="*/ 9957 w 3045737"/>
-                <a:gd name="connsiteY0" fmla="*/ 91055 h 1517187"/>
-                <a:gd name="connsiteX1" fmla="*/ 0 w 3045737"/>
-                <a:gd name="connsiteY1" fmla="*/ 1517187 h 1517187"/>
-                <a:gd name="connsiteX2" fmla="*/ 1537492 w 3045737"/>
-                <a:gd name="connsiteY2" fmla="*/ 1012523 h 1517187"/>
-                <a:gd name="connsiteX3" fmla="*/ 3033646 w 3045737"/>
-                <a:gd name="connsiteY3" fmla="*/ 1512243 h 1517187"/>
-                <a:gd name="connsiteX4" fmla="*/ 3045224 w 3045737"/>
-                <a:gd name="connsiteY4" fmla="*/ 0 h 1517187"/>
-                <a:gd name="connsiteX5" fmla="*/ 1535869 w 3045737"/>
-                <a:gd name="connsiteY5" fmla="*/ 514793 h 1517187"/>
-                <a:gd name="connsiteX6" fmla="*/ 9957 w 3045737"/>
-                <a:gd name="connsiteY6" fmla="*/ 91055 h 1517187"/>
-                <a:gd name="connsiteX0" fmla="*/ 9957 w 3034759"/>
-                <a:gd name="connsiteY0" fmla="*/ 91055 h 1517187"/>
-                <a:gd name="connsiteX1" fmla="*/ 0 w 3034759"/>
-                <a:gd name="connsiteY1" fmla="*/ 1517187 h 1517187"/>
-                <a:gd name="connsiteX2" fmla="*/ 1537492 w 3034759"/>
-                <a:gd name="connsiteY2" fmla="*/ 1012523 h 1517187"/>
-                <a:gd name="connsiteX3" fmla="*/ 3033646 w 3034759"/>
-                <a:gd name="connsiteY3" fmla="*/ 1512243 h 1517187"/>
-                <a:gd name="connsiteX4" fmla="*/ 3033645 w 3034759"/>
-                <a:gd name="connsiteY4" fmla="*/ 0 h 1517187"/>
-                <a:gd name="connsiteX5" fmla="*/ 1535869 w 3034759"/>
-                <a:gd name="connsiteY5" fmla="*/ 514793 h 1517187"/>
-                <a:gd name="connsiteX6" fmla="*/ 9957 w 3034759"/>
-                <a:gd name="connsiteY6" fmla="*/ 91055 h 1517187"/>
-              </a:gdLst>
-              <a:ahLst/>
-              <a:cxnLst>
-                <a:cxn ang="0">
-                  <a:pos x="connsiteX0" y="connsiteY0"/>
-                </a:cxn>
-                <a:cxn ang="0">
-                  <a:pos x="connsiteX1" y="connsiteY1"/>
-                </a:cxn>
-                <a:cxn ang="0">
-                  <a:pos x="connsiteX2" y="connsiteY2"/>
-                </a:cxn>
-                <a:cxn ang="0">
-                  <a:pos x="connsiteX3" y="connsiteY3"/>
-                </a:cxn>
-                <a:cxn ang="0">
-                  <a:pos x="connsiteX4" y="connsiteY4"/>
-                </a:cxn>
-                <a:cxn ang="0">
-                  <a:pos x="connsiteX5" y="connsiteY5"/>
-                </a:cxn>
-                <a:cxn ang="0">
-                  <a:pos x="connsiteX6" y="connsiteY6"/>
-                </a:cxn>
-              </a:cxnLst>
-              <a:rect l="l" t="t" r="r" b="b"/>
-              <a:pathLst>
-                <a:path w="3034759" h="1517187">
-                  <a:moveTo>
-                    <a:pt x="9957" y="91055"/>
-                  </a:moveTo>
-                  <a:cubicBezTo>
-                    <a:pt x="6638" y="435017"/>
-                    <a:pt x="3319" y="1173225"/>
-                    <a:pt x="0" y="1517187"/>
-                  </a:cubicBezTo>
-                  <a:cubicBezTo>
-                    <a:pt x="624427" y="1175035"/>
-                    <a:pt x="1004722" y="1010050"/>
-                    <a:pt x="1537492" y="1012523"/>
-                  </a:cubicBezTo>
-                  <a:cubicBezTo>
-                    <a:pt x="1958873" y="1000673"/>
-                    <a:pt x="2434578" y="1191064"/>
-                    <a:pt x="3033646" y="1512243"/>
-                  </a:cubicBezTo>
-                  <a:cubicBezTo>
-                    <a:pt x="3029786" y="1023622"/>
-                    <a:pt x="3037505" y="488621"/>
-                    <a:pt x="3033645" y="0"/>
-                  </a:cubicBezTo>
-                  <a:cubicBezTo>
-                    <a:pt x="2460225" y="286728"/>
-                    <a:pt x="2154847" y="497997"/>
-                    <a:pt x="1535869" y="514793"/>
-                  </a:cubicBezTo>
-                  <a:cubicBezTo>
-                    <a:pt x="884065" y="505414"/>
-                    <a:pt x="521084" y="296615"/>
-                    <a:pt x="9957" y="91055"/>
-                  </a:cubicBezTo>
-                  <a:close/>
-                </a:path>
-              </a:pathLst>
-            </a:custGeom>
-            <a:solidFill>
-              <a:schemeClr val="accent1">
-                <a:alpha val="50000"/>
-              </a:schemeClr>
-            </a:solidFill>
-            <a:ln>
-              <a:noFill/>
-            </a:ln>
-          </p:spPr>
-          <p:style>
-            <a:lnRef idx="2">
-              <a:schemeClr val="accent1">
-                <a:shade val="50000"/>
-              </a:schemeClr>
-            </a:lnRef>
-            <a:fillRef idx="1">
-              <a:schemeClr val="accent1"/>
-            </a:fillRef>
-            <a:effectRef idx="0">
-              <a:schemeClr val="accent1"/>
-            </a:effectRef>
-            <a:fontRef idx="minor">
-              <a:schemeClr val="lt1"/>
-            </a:fontRef>
-          </p:style>
-          <p:txBody>
-            <a:bodyPr rtlCol="0" anchor="ctr"/>
-            <a:lstStyle/>
-            <a:p>
-              <a:pPr algn="ctr"/>
-              <a:endParaRPr lang="en-US" dirty="0"/>
-            </a:p>
-          </p:txBody>
-        </p:sp>
-      </p:grpSp>
-    </p:spTree>
-    <p:extLst>
-      <p:ext uri="{BB962C8B-B14F-4D97-AF65-F5344CB8AC3E}">
-        <p14:creationId xmlns:p14="http://schemas.microsoft.com/office/powerpoint/2010/main" val="3684056012"/>
-      </p:ext>
-    </p:extLst>
-  </p:cSld>
-  <p:clrMapOvr>
-    <a:masterClrMapping/>
-  </p:clrMapOvr>
-</p:sld>
-</file>
-
-<file path=ppt/slides/slide14.xml><?xml version="1.0" encoding="utf-8"?>
-<p:sld xmlns:a="http://schemas.openxmlformats.org/drawingml/2006/main" xmlns:r="http://schemas.openxmlformats.org/officeDocument/2006/relationships" xmlns:p="http://schemas.openxmlformats.org/presentationml/2006/main">
-  <p:cSld>
-    <p:bg>
-      <p:bgPr>
-        <a:solidFill>
-          <a:schemeClr val="tx1"/>
-        </a:solidFill>
-        <a:effectLst/>
-      </p:bgPr>
-    </p:bg>
-    <p:spTree>
-      <p:nvGrpSpPr>
-        <p:cNvPr id="1" name=""/>
-        <p:cNvGrpSpPr/>
-        <p:nvPr/>
-      </p:nvGrpSpPr>
-      <p:grpSpPr>
-        <a:xfrm>
-          <a:off x="0" y="0"/>
-          <a:ext cx="0" cy="0"/>
-          <a:chOff x="0" y="0"/>
-          <a:chExt cx="0" cy="0"/>
-        </a:xfrm>
-      </p:grpSpPr>
-      <p:sp>
-        <p:nvSpPr>
-          <p:cNvPr id="11" name="TextBox 10">
-            <a:extLst>
-              <a:ext uri="{FF2B5EF4-FFF2-40B4-BE49-F238E27FC236}">
-                <a16:creationId xmlns:a16="http://schemas.microsoft.com/office/drawing/2014/main" id="{94F7AF02-97E2-4C34-A6BC-ADE93CE4F163}"/>
-              </a:ext>
-            </a:extLst>
-          </p:cNvPr>
-          <p:cNvSpPr txBox="1"/>
-          <p:nvPr/>
-        </p:nvSpPr>
-        <p:spPr>
-          <a:xfrm>
-            <a:off x="9525" y="-38784"/>
             <a:ext cx="4141903" cy="646331"/>
           </a:xfrm>
           <a:prstGeom prst="rect">
@@ -10822,7 +8240,7 @@
 </p:sld>
 </file>
 
-<file path=ppt/slides/slide15.xml><?xml version="1.0" encoding="utf-8"?>
+<file path=ppt/slides/slide14.xml><?xml version="1.0" encoding="utf-8"?>
 <p:sld xmlns:a="http://schemas.openxmlformats.org/drawingml/2006/main" xmlns:r="http://schemas.openxmlformats.org/officeDocument/2006/relationships" xmlns:p="http://schemas.openxmlformats.org/presentationml/2006/main">
   <p:cSld>
     <p:bg>
@@ -11683,7 +9101,7 @@
 </p:sld>
 </file>
 
-<file path=ppt/slides/slide16.xml><?xml version="1.0" encoding="utf-8"?>
+<file path=ppt/slides/slide15.xml><?xml version="1.0" encoding="utf-8"?>
 <p:sld xmlns:a="http://schemas.openxmlformats.org/drawingml/2006/main" xmlns:r="http://schemas.openxmlformats.org/officeDocument/2006/relationships" xmlns:p="http://schemas.openxmlformats.org/presentationml/2006/main">
   <p:cSld>
     <p:bg>
@@ -13585,6 +11003,307 @@
 </p:sld>
 </file>
 
+<file path=ppt/slides/slide16.xml><?xml version="1.0" encoding="utf-8"?>
+<p:sld xmlns:a="http://schemas.openxmlformats.org/drawingml/2006/main" xmlns:r="http://schemas.openxmlformats.org/officeDocument/2006/relationships" xmlns:p="http://schemas.openxmlformats.org/presentationml/2006/main">
+  <p:cSld>
+    <p:bg>
+      <p:bgPr>
+        <a:solidFill>
+          <a:schemeClr val="tx1"/>
+        </a:solidFill>
+        <a:effectLst/>
+      </p:bgPr>
+    </p:bg>
+    <p:spTree>
+      <p:nvGrpSpPr>
+        <p:cNvPr id="1" name=""/>
+        <p:cNvGrpSpPr/>
+        <p:nvPr/>
+      </p:nvGrpSpPr>
+      <p:grpSpPr>
+        <a:xfrm>
+          <a:off x="0" y="0"/>
+          <a:ext cx="0" cy="0"/>
+          <a:chOff x="0" y="0"/>
+          <a:chExt cx="0" cy="0"/>
+        </a:xfrm>
+      </p:grpSpPr>
+      <p:sp>
+        <p:nvSpPr>
+          <p:cNvPr id="11" name="TextBox 10">
+            <a:extLst>
+              <a:ext uri="{FF2B5EF4-FFF2-40B4-BE49-F238E27FC236}">
+                <a16:creationId xmlns:a16="http://schemas.microsoft.com/office/drawing/2014/main" id="{94F7AF02-97E2-4C34-A6BC-ADE93CE4F163}"/>
+              </a:ext>
+            </a:extLst>
+          </p:cNvPr>
+          <p:cNvSpPr txBox="1"/>
+          <p:nvPr/>
+        </p:nvSpPr>
+        <p:spPr>
+          <a:xfrm>
+            <a:off x="9525" y="-38784"/>
+            <a:ext cx="3770006" cy="646331"/>
+          </a:xfrm>
+          <a:prstGeom prst="rect">
+            <a:avLst/>
+          </a:prstGeom>
+          <a:noFill/>
+        </p:spPr>
+        <p:txBody>
+          <a:bodyPr wrap="none" rtlCol="0">
+            <a:spAutoFit/>
+          </a:bodyPr>
+          <a:lstStyle/>
+          <a:p>
+            <a:r>
+              <a:rPr lang="en-US" sz="3600" b="1" dirty="0">
+                <a:solidFill>
+                  <a:schemeClr val="bg1"/>
+                </a:solidFill>
+                <a:latin typeface="Candara" panose="020E0502030303020204" pitchFamily="34" charset="0"/>
+              </a:rPr>
+              <a:t>Validation Metrics</a:t>
+            </a:r>
+          </a:p>
+        </p:txBody>
+      </p:sp>
+      <p:sp>
+        <p:nvSpPr>
+          <p:cNvPr id="2" name="Rectangle 1">
+            <a:extLst>
+              <a:ext uri="{FF2B5EF4-FFF2-40B4-BE49-F238E27FC236}">
+                <a16:creationId xmlns:a16="http://schemas.microsoft.com/office/drawing/2014/main" id="{84A8AAE2-5A41-4864-9BCA-3DCFD5CE5D70}"/>
+              </a:ext>
+            </a:extLst>
+          </p:cNvPr>
+          <p:cNvSpPr/>
+          <p:nvPr/>
+        </p:nvSpPr>
+        <p:spPr>
+          <a:xfrm>
+            <a:off x="642613" y="710817"/>
+            <a:ext cx="8021553" cy="6093976"/>
+          </a:xfrm>
+          <a:prstGeom prst="rect">
+            <a:avLst/>
+          </a:prstGeom>
+        </p:spPr>
+        <p:txBody>
+          <a:bodyPr wrap="square">
+            <a:spAutoFit/>
+          </a:bodyPr>
+          <a:lstStyle/>
+          <a:p>
+            <a:pPr marL="342900" indent="-342900">
+              <a:buFont typeface="Arial" panose="020B0604020202020204" pitchFamily="34" charset="0"/>
+              <a:buChar char="•"/>
+            </a:pPr>
+            <a:r>
+              <a:rPr lang="en-US" sz="3000" dirty="0">
+                <a:solidFill>
+                  <a:schemeClr val="bg1"/>
+                </a:solidFill>
+                <a:latin typeface="Candara" panose="020E0502030303020204" pitchFamily="34" charset="0"/>
+              </a:rPr>
+              <a:t>Ratio (continuous)</a:t>
+            </a:r>
+          </a:p>
+          <a:p>
+            <a:pPr marL="800100" lvl="1" indent="-342900">
+              <a:buFont typeface="Arial" panose="020B0604020202020204" pitchFamily="34" charset="0"/>
+              <a:buChar char="•"/>
+            </a:pPr>
+            <a:r>
+              <a:rPr lang="en-US" sz="3000" dirty="0">
+                <a:solidFill>
+                  <a:schemeClr val="bg1"/>
+                </a:solidFill>
+                <a:latin typeface="Candara" panose="020E0502030303020204" pitchFamily="34" charset="0"/>
+              </a:rPr>
+              <a:t>RMSE</a:t>
+            </a:r>
+          </a:p>
+          <a:p>
+            <a:pPr marL="800100" lvl="1" indent="-342900">
+              <a:buFont typeface="Arial" panose="020B0604020202020204" pitchFamily="34" charset="0"/>
+              <a:buChar char="•"/>
+            </a:pPr>
+            <a:r>
+              <a:rPr lang="en-US" sz="3000" dirty="0">
+                <a:solidFill>
+                  <a:schemeClr val="bg1"/>
+                </a:solidFill>
+                <a:latin typeface="Candara" panose="020E0502030303020204" pitchFamily="34" charset="0"/>
+              </a:rPr>
+              <a:t>MAE</a:t>
+            </a:r>
+          </a:p>
+          <a:p>
+            <a:pPr marL="800100" lvl="1" indent="-342900">
+              <a:buFont typeface="Arial" panose="020B0604020202020204" pitchFamily="34" charset="0"/>
+              <a:buChar char="•"/>
+            </a:pPr>
+            <a:r>
+              <a:rPr lang="en-US" sz="3000" dirty="0">
+                <a:solidFill>
+                  <a:schemeClr val="bg1"/>
+                </a:solidFill>
+                <a:latin typeface="Candara" panose="020E0502030303020204" pitchFamily="34" charset="0"/>
+              </a:rPr>
+              <a:t>correlation coefficient</a:t>
+            </a:r>
+          </a:p>
+          <a:p>
+            <a:pPr marL="800100" lvl="1" indent="-342900">
+              <a:buFont typeface="Arial" panose="020B0604020202020204" pitchFamily="34" charset="0"/>
+              <a:buChar char="•"/>
+            </a:pPr>
+            <a:r>
+              <a:rPr lang="en-US" sz="3000" dirty="0">
+                <a:solidFill>
+                  <a:schemeClr val="bg1"/>
+                </a:solidFill>
+                <a:latin typeface="Candara" panose="020E0502030303020204" pitchFamily="34" charset="0"/>
+              </a:rPr>
+              <a:t>mean "distance" (n-D)  from standard</a:t>
+            </a:r>
+            <a:br>
+              <a:rPr lang="en-US" sz="3000" dirty="0">
+                <a:solidFill>
+                  <a:schemeClr val="bg1"/>
+                </a:solidFill>
+                <a:latin typeface="Candara" panose="020E0502030303020204" pitchFamily="34" charset="0"/>
+              </a:rPr>
+            </a:br>
+            <a:endParaRPr lang="en-US" sz="3000" dirty="0">
+              <a:solidFill>
+                <a:schemeClr val="bg1"/>
+              </a:solidFill>
+              <a:latin typeface="Candara" panose="020E0502030303020204" pitchFamily="34" charset="0"/>
+            </a:endParaRPr>
+          </a:p>
+          <a:p>
+            <a:pPr marL="342900" indent="-342900">
+              <a:buFont typeface="Arial" panose="020B0604020202020204" pitchFamily="34" charset="0"/>
+              <a:buChar char="•"/>
+            </a:pPr>
+            <a:r>
+              <a:rPr lang="en-US" sz="3000" dirty="0">
+                <a:solidFill>
+                  <a:schemeClr val="bg1"/>
+                </a:solidFill>
+                <a:latin typeface="Candara" panose="020E0502030303020204" pitchFamily="34" charset="0"/>
+              </a:rPr>
+              <a:t>Nominal (categorical, without order)</a:t>
+            </a:r>
+          </a:p>
+          <a:p>
+            <a:pPr marL="800100" lvl="1" indent="-342900">
+              <a:buFont typeface="Arial" panose="020B0604020202020204" pitchFamily="34" charset="0"/>
+              <a:buChar char="•"/>
+            </a:pPr>
+            <a:r>
+              <a:rPr lang="en-US" sz="3000" dirty="0">
+                <a:solidFill>
+                  <a:schemeClr val="bg1"/>
+                </a:solidFill>
+                <a:latin typeface="Candara" panose="020E0502030303020204" pitchFamily="34" charset="0"/>
+              </a:rPr>
+              <a:t>probability-based:</a:t>
+            </a:r>
+          </a:p>
+          <a:p>
+            <a:pPr marL="1257300" lvl="2" indent="-342900">
+              <a:buFont typeface="Arial" panose="020B0604020202020204" pitchFamily="34" charset="0"/>
+              <a:buChar char="•"/>
+            </a:pPr>
+            <a:r>
+              <a:rPr lang="en-US" sz="3000" dirty="0">
+                <a:solidFill>
+                  <a:schemeClr val="bg1"/>
+                </a:solidFill>
+                <a:latin typeface="Candara" panose="020E0502030303020204" pitchFamily="34" charset="0"/>
+              </a:rPr>
+              <a:t>Brier score</a:t>
+            </a:r>
+          </a:p>
+          <a:p>
+            <a:pPr marL="800100" lvl="1" indent="-342900">
+              <a:buFont typeface="Arial" panose="020B0604020202020204" pitchFamily="34" charset="0"/>
+              <a:buChar char="•"/>
+            </a:pPr>
+            <a:r>
+              <a:rPr lang="en-US" sz="3000" dirty="0">
+                <a:solidFill>
+                  <a:schemeClr val="bg1"/>
+                </a:solidFill>
+                <a:latin typeface="Candara" panose="020E0502030303020204" pitchFamily="34" charset="0"/>
+              </a:rPr>
+              <a:t>confusion matrix-based:</a:t>
+            </a:r>
+          </a:p>
+          <a:p>
+            <a:pPr marL="1257300" lvl="2" indent="-342900">
+              <a:buFont typeface="Arial" panose="020B0604020202020204" pitchFamily="34" charset="0"/>
+              <a:buChar char="•"/>
+            </a:pPr>
+            <a:r>
+              <a:rPr lang="en-US" sz="3000" dirty="0">
+                <a:solidFill>
+                  <a:schemeClr val="bg1"/>
+                </a:solidFill>
+                <a:latin typeface="Candara" panose="020E0502030303020204" pitchFamily="34" charset="0"/>
+              </a:rPr>
+              <a:t>% correctly classified</a:t>
+            </a:r>
+          </a:p>
+          <a:p>
+            <a:pPr marL="1257300" lvl="2" indent="-342900">
+              <a:buFont typeface="Arial" panose="020B0604020202020204" pitchFamily="34" charset="0"/>
+              <a:buChar char="•"/>
+            </a:pPr>
+            <a:r>
+              <a:rPr lang="en-US" sz="3000" dirty="0">
+                <a:solidFill>
+                  <a:schemeClr val="bg1"/>
+                </a:solidFill>
+                <a:latin typeface="Candara" panose="020E0502030303020204" pitchFamily="34" charset="0"/>
+              </a:rPr>
+              <a:t>kappa</a:t>
+            </a:r>
+          </a:p>
+          <a:p>
+            <a:pPr marL="1257300" lvl="2" indent="-342900">
+              <a:buFont typeface="Arial" panose="020B0604020202020204" pitchFamily="34" charset="0"/>
+              <a:buChar char="•"/>
+            </a:pPr>
+            <a:r>
+              <a:rPr lang="en-US" sz="3000" dirty="0">
+                <a:solidFill>
+                  <a:schemeClr val="bg1"/>
+                </a:solidFill>
+                <a:latin typeface="Candara" panose="020E0502030303020204" pitchFamily="34" charset="0"/>
+              </a:rPr>
+              <a:t>weighted tau</a:t>
+            </a:r>
+            <a:endParaRPr lang="en-US" sz="3000" dirty="0"/>
+          </a:p>
+        </p:txBody>
+      </p:sp>
+    </p:spTree>
+    <p:extLst>
+      <p:ext uri="{BB962C8B-B14F-4D97-AF65-F5344CB8AC3E}">
+        <p14:creationId xmlns:p14="http://schemas.microsoft.com/office/powerpoint/2010/main" val="1947012522"/>
+      </p:ext>
+    </p:extLst>
+  </p:cSld>
+  <p:clrMapOvr>
+    <a:masterClrMapping/>
+  </p:clrMapOvr>
+</p:sld>
+</file>
+
 <file path=ppt/slides/slide17.xml><?xml version="1.0" encoding="utf-8"?>
 <p:sld xmlns:a="http://schemas.openxmlformats.org/drawingml/2006/main" xmlns:r="http://schemas.openxmlformats.org/officeDocument/2006/relationships" xmlns:p="http://schemas.openxmlformats.org/presentationml/2006/main">
   <p:cSld>
@@ -13625,7 +11344,7 @@
         <p:spPr>
           <a:xfrm>
             <a:off x="9525" y="-38784"/>
-            <a:ext cx="3770006" cy="646331"/>
+            <a:ext cx="4110421" cy="646331"/>
           </a:xfrm>
           <a:prstGeom prst="rect">
             <a:avLst/>
@@ -13645,7 +11364,7 @@
                 </a:solidFill>
                 <a:latin typeface="Candara" panose="020E0502030303020204" pitchFamily="34" charset="0"/>
               </a:rPr>
-              <a:t>Validation Metrics</a:t>
+              <a:t>Uncertainty Metrics</a:t>
             </a:r>
           </a:p>
         </p:txBody>
@@ -13664,8 +11383,8 @@
         </p:nvSpPr>
         <p:spPr>
           <a:xfrm>
-            <a:off x="642613" y="710817"/>
-            <a:ext cx="8021553" cy="6093976"/>
+            <a:off x="642613" y="843676"/>
+            <a:ext cx="8021553" cy="3785652"/>
           </a:xfrm>
           <a:prstGeom prst="rect">
             <a:avLst/>
@@ -13703,7 +11422,7 @@
                 </a:solidFill>
                 <a:latin typeface="Candara" panose="020E0502030303020204" pitchFamily="34" charset="0"/>
               </a:rPr>
-              <a:t>RMSE</a:t>
+              <a:t>standard error of estimates (SE)</a:t>
             </a:r>
           </a:p>
           <a:p>
@@ -13718,7 +11437,7 @@
                 </a:solidFill>
                 <a:latin typeface="Candara" panose="020E0502030303020204" pitchFamily="34" charset="0"/>
               </a:rPr>
-              <a:t>MAE</a:t>
+              <a:t>prediction intervals (percentiles)</a:t>
             </a:r>
           </a:p>
           <a:p>
@@ -13733,22 +11452,7 @@
                 </a:solidFill>
                 <a:latin typeface="Candara" panose="020E0502030303020204" pitchFamily="34" charset="0"/>
               </a:rPr>
-              <a:t>correlation coefficient</a:t>
-            </a:r>
-          </a:p>
-          <a:p>
-            <a:pPr marL="800100" lvl="1" indent="-342900">
-              <a:buFont typeface="Arial" panose="020B0604020202020204" pitchFamily="34" charset="0"/>
-              <a:buChar char="•"/>
-            </a:pPr>
-            <a:r>
-              <a:rPr lang="en-US" sz="3000" dirty="0">
-                <a:solidFill>
-                  <a:schemeClr val="bg1"/>
-                </a:solidFill>
-                <a:latin typeface="Candara" panose="020E0502030303020204" pitchFamily="34" charset="0"/>
-              </a:rPr>
-              <a:t>mean "distance" (n-D)  from standard</a:t>
+              <a:t>distance / contrast (i.e., soil color)</a:t>
             </a:r>
             <a:br>
               <a:rPr lang="en-US" sz="3000" dirty="0">
@@ -13792,22 +11496,7 @@
                 </a:solidFill>
                 <a:latin typeface="Candara" panose="020E0502030303020204" pitchFamily="34" charset="0"/>
               </a:rPr>
-              <a:t>probability-based:</a:t>
-            </a:r>
-          </a:p>
-          <a:p>
-            <a:pPr marL="1257300" lvl="2" indent="-342900">
-              <a:buFont typeface="Arial" panose="020B0604020202020204" pitchFamily="34" charset="0"/>
-              <a:buChar char="•"/>
-            </a:pPr>
-            <a:r>
-              <a:rPr lang="en-US" sz="3000" dirty="0">
-                <a:solidFill>
-                  <a:schemeClr val="bg1"/>
-                </a:solidFill>
-                <a:latin typeface="Candara" panose="020E0502030303020204" pitchFamily="34" charset="0"/>
-              </a:rPr>
-              <a:t>Brier score</a:t>
+              <a:t>Shannon entropy</a:t>
             </a:r>
           </a:p>
           <a:p>
@@ -13822,52 +11511,7 @@
                 </a:solidFill>
                 <a:latin typeface="Candara" panose="020E0502030303020204" pitchFamily="34" charset="0"/>
               </a:rPr>
-              <a:t>confusion matrix-based:</a:t>
-            </a:r>
-          </a:p>
-          <a:p>
-            <a:pPr marL="1257300" lvl="2" indent="-342900">
-              <a:buFont typeface="Arial" panose="020B0604020202020204" pitchFamily="34" charset="0"/>
-              <a:buChar char="•"/>
-            </a:pPr>
-            <a:r>
-              <a:rPr lang="en-US" sz="3000" dirty="0">
-                <a:solidFill>
-                  <a:schemeClr val="bg1"/>
-                </a:solidFill>
-                <a:latin typeface="Candara" panose="020E0502030303020204" pitchFamily="34" charset="0"/>
-              </a:rPr>
-              <a:t>% correctly classified</a:t>
-            </a:r>
-          </a:p>
-          <a:p>
-            <a:pPr marL="1257300" lvl="2" indent="-342900">
-              <a:buFont typeface="Arial" panose="020B0604020202020204" pitchFamily="34" charset="0"/>
-              <a:buChar char="•"/>
-            </a:pPr>
-            <a:r>
-              <a:rPr lang="en-US" sz="3000" dirty="0">
-                <a:solidFill>
-                  <a:schemeClr val="bg1"/>
-                </a:solidFill>
-                <a:latin typeface="Candara" panose="020E0502030303020204" pitchFamily="34" charset="0"/>
-              </a:rPr>
-              <a:t>kappa</a:t>
-            </a:r>
-          </a:p>
-          <a:p>
-            <a:pPr marL="1257300" lvl="2" indent="-342900">
-              <a:buFont typeface="Arial" panose="020B0604020202020204" pitchFamily="34" charset="0"/>
-              <a:buChar char="•"/>
-            </a:pPr>
-            <a:r>
-              <a:rPr lang="en-US" sz="3000" dirty="0">
-                <a:solidFill>
-                  <a:schemeClr val="bg1"/>
-                </a:solidFill>
-                <a:latin typeface="Candara" panose="020E0502030303020204" pitchFamily="34" charset="0"/>
-              </a:rPr>
-              <a:t>weighted tau</a:t>
+              <a:t>confusion index</a:t>
             </a:r>
             <a:endParaRPr lang="en-US" sz="3000" dirty="0"/>
           </a:p>
@@ -13876,7 +11520,7 @@
     </p:spTree>
     <p:extLst>
       <p:ext uri="{BB962C8B-B14F-4D97-AF65-F5344CB8AC3E}">
-        <p14:creationId xmlns:p14="http://schemas.microsoft.com/office/powerpoint/2010/main" val="1947012522"/>
+        <p14:creationId xmlns:p14="http://schemas.microsoft.com/office/powerpoint/2010/main" val="2540044603"/>
       </p:ext>
     </p:extLst>
   </p:cSld>
@@ -13926,7 +11570,7 @@
         <p:spPr>
           <a:xfrm>
             <a:off x="9525" y="-38784"/>
-            <a:ext cx="4110421" cy="646331"/>
+            <a:ext cx="6381875" cy="646331"/>
           </a:xfrm>
           <a:prstGeom prst="rect">
             <a:avLst/>
@@ -13946,17 +11590,17 @@
                 </a:solidFill>
                 <a:latin typeface="Candara" panose="020E0502030303020204" pitchFamily="34" charset="0"/>
               </a:rPr>
-              <a:t>Uncertainty Metrics</a:t>
-            </a:r>
-          </a:p>
-        </p:txBody>
-      </p:sp>
-      <p:sp>
-        <p:nvSpPr>
-          <p:cNvPr id="2" name="Rectangle 1">
+              <a:t>Uncertainty: Model Parameters</a:t>
+            </a:r>
+          </a:p>
+        </p:txBody>
+      </p:sp>
+      <p:sp>
+        <p:nvSpPr>
+          <p:cNvPr id="5" name="Rectangle 4">
             <a:extLst>
               <a:ext uri="{FF2B5EF4-FFF2-40B4-BE49-F238E27FC236}">
-                <a16:creationId xmlns:a16="http://schemas.microsoft.com/office/drawing/2014/main" id="{84A8AAE2-5A41-4864-9BCA-3DCFD5CE5D70}"/>
+                <a16:creationId xmlns:a16="http://schemas.microsoft.com/office/drawing/2014/main" id="{F4765A25-D624-4AAC-9F72-CD6084DC8B9D}"/>
               </a:ext>
             </a:extLst>
           </p:cNvPr>
@@ -13965,8 +11609,8 @@
         </p:nvSpPr>
         <p:spPr>
           <a:xfrm>
-            <a:off x="642613" y="843676"/>
-            <a:ext cx="8021553" cy="3785652"/>
+            <a:off x="136188" y="607547"/>
+            <a:ext cx="8871624" cy="6186309"/>
           </a:xfrm>
           <a:prstGeom prst="rect">
             <a:avLst/>
@@ -13978,131 +11622,576 @@
           </a:bodyPr>
           <a:lstStyle/>
           <a:p>
-            <a:pPr marL="342900" indent="-342900">
-              <a:buFont typeface="Arial" panose="020B0604020202020204" pitchFamily="34" charset="0"/>
-              <a:buChar char="•"/>
-            </a:pPr>
-            <a:r>
-              <a:rPr lang="en-US" sz="3000" dirty="0">
-                <a:solidFill>
-                  <a:schemeClr val="bg1"/>
-                </a:solidFill>
-                <a:latin typeface="Candara" panose="020E0502030303020204" pitchFamily="34" charset="0"/>
-              </a:rPr>
-              <a:t>Ratio (continuous)</a:t>
-            </a:r>
-          </a:p>
-          <a:p>
-            <a:pPr marL="800100" lvl="1" indent="-342900">
-              <a:buFont typeface="Arial" panose="020B0604020202020204" pitchFamily="34" charset="0"/>
-              <a:buChar char="•"/>
-            </a:pPr>
-            <a:r>
-              <a:rPr lang="en-US" sz="3000" dirty="0">
-                <a:solidFill>
-                  <a:schemeClr val="bg1"/>
-                </a:solidFill>
-                <a:latin typeface="Candara" panose="020E0502030303020204" pitchFamily="34" charset="0"/>
-              </a:rPr>
-              <a:t>standard error of estimates (SE)</a:t>
-            </a:r>
-          </a:p>
-          <a:p>
-            <a:pPr marL="800100" lvl="1" indent="-342900">
-              <a:buFont typeface="Arial" panose="020B0604020202020204" pitchFamily="34" charset="0"/>
-              <a:buChar char="•"/>
-            </a:pPr>
-            <a:r>
-              <a:rPr lang="en-US" sz="3000" dirty="0">
-                <a:solidFill>
-                  <a:schemeClr val="bg1"/>
-                </a:solidFill>
-                <a:latin typeface="Candara" panose="020E0502030303020204" pitchFamily="34" charset="0"/>
-              </a:rPr>
-              <a:t>prediction intervals (percentiles)</a:t>
-            </a:r>
-          </a:p>
-          <a:p>
-            <a:pPr marL="800100" lvl="1" indent="-342900">
-              <a:buFont typeface="Arial" panose="020B0604020202020204" pitchFamily="34" charset="0"/>
-              <a:buChar char="•"/>
-            </a:pPr>
-            <a:r>
-              <a:rPr lang="en-US" sz="3000" dirty="0">
-                <a:solidFill>
-                  <a:schemeClr val="bg1"/>
-                </a:solidFill>
-                <a:latin typeface="Candara" panose="020E0502030303020204" pitchFamily="34" charset="0"/>
-              </a:rPr>
-              <a:t>distance / contrast (i.e., soil color)</a:t>
-            </a:r>
-            <a:br>
-              <a:rPr lang="en-US" sz="3000" dirty="0">
-                <a:solidFill>
-                  <a:schemeClr val="bg1"/>
-                </a:solidFill>
-                <a:latin typeface="Candara" panose="020E0502030303020204" pitchFamily="34" charset="0"/>
-              </a:rPr>
-            </a:br>
-            <a:endParaRPr lang="en-US" sz="3000" dirty="0">
-              <a:solidFill>
-                <a:schemeClr val="bg1"/>
-              </a:solidFill>
-              <a:latin typeface="Candara" panose="020E0502030303020204" pitchFamily="34" charset="0"/>
-            </a:endParaRPr>
-          </a:p>
-          <a:p>
-            <a:pPr marL="342900" indent="-342900">
-              <a:buFont typeface="Arial" panose="020B0604020202020204" pitchFamily="34" charset="0"/>
-              <a:buChar char="•"/>
-            </a:pPr>
-            <a:r>
-              <a:rPr lang="en-US" sz="3000" dirty="0">
-                <a:solidFill>
-                  <a:schemeClr val="bg1"/>
-                </a:solidFill>
-                <a:latin typeface="Candara" panose="020E0502030303020204" pitchFamily="34" charset="0"/>
-              </a:rPr>
-              <a:t>Nominal (categorical, without order)</a:t>
-            </a:r>
-          </a:p>
-          <a:p>
-            <a:pPr marL="800100" lvl="1" indent="-342900">
-              <a:buFont typeface="Arial" panose="020B0604020202020204" pitchFamily="34" charset="0"/>
-              <a:buChar char="•"/>
-            </a:pPr>
-            <a:r>
-              <a:rPr lang="en-US" sz="3000" dirty="0">
-                <a:solidFill>
-                  <a:schemeClr val="bg1"/>
-                </a:solidFill>
-                <a:latin typeface="Candara" panose="020E0502030303020204" pitchFamily="34" charset="0"/>
-              </a:rPr>
-              <a:t>Shannon entropy</a:t>
-            </a:r>
-          </a:p>
-          <a:p>
-            <a:pPr marL="800100" lvl="1" indent="-342900">
-              <a:buFont typeface="Arial" panose="020B0604020202020204" pitchFamily="34" charset="0"/>
-              <a:buChar char="•"/>
-            </a:pPr>
-            <a:r>
-              <a:rPr lang="en-US" sz="3000" dirty="0">
-                <a:solidFill>
-                  <a:schemeClr val="bg1"/>
-                </a:solidFill>
-                <a:latin typeface="Candara" panose="020E0502030303020204" pitchFamily="34" charset="0"/>
-              </a:rPr>
-              <a:t>confusion index</a:t>
-            </a:r>
-            <a:endParaRPr lang="en-US" sz="3000" dirty="0"/>
+            <a:r>
+              <a:rPr lang="en-US" dirty="0">
+                <a:solidFill>
+                  <a:schemeClr val="bg1"/>
+                </a:solidFill>
+                <a:latin typeface="Consolas" panose="020B0609020204030204" pitchFamily="49" charset="0"/>
+              </a:rPr>
+              <a:t>Linear Regression Model</a:t>
+            </a:r>
+          </a:p>
+          <a:p>
+            <a:r>
+              <a:rPr lang="en-US" dirty="0">
+                <a:solidFill>
+                  <a:schemeClr val="bg1"/>
+                </a:solidFill>
+                <a:latin typeface="Consolas" panose="020B0609020204030204" pitchFamily="49" charset="0"/>
+              </a:rPr>
+              <a:t> </a:t>
+            </a:r>
+          </a:p>
+          <a:p>
+            <a:r>
+              <a:rPr lang="en-US" dirty="0">
+                <a:solidFill>
+                  <a:schemeClr val="bg1"/>
+                </a:solidFill>
+                <a:latin typeface="Consolas" panose="020B0609020204030204" pitchFamily="49" charset="0"/>
+              </a:rPr>
+              <a:t> </a:t>
+            </a:r>
+            <a:r>
+              <a:rPr lang="en-US" dirty="0" err="1">
+                <a:solidFill>
+                  <a:schemeClr val="bg1"/>
+                </a:solidFill>
+                <a:latin typeface="Consolas" panose="020B0609020204030204" pitchFamily="49" charset="0"/>
+              </a:rPr>
+              <a:t>ols</a:t>
+            </a:r>
+            <a:r>
+              <a:rPr lang="en-US" dirty="0">
+                <a:solidFill>
+                  <a:schemeClr val="bg1"/>
+                </a:solidFill>
+                <a:latin typeface="Consolas" panose="020B0609020204030204" pitchFamily="49" charset="0"/>
+              </a:rPr>
+              <a:t>(formula = MAST ~ </a:t>
+            </a:r>
+            <a:r>
+              <a:rPr lang="en-US" dirty="0" err="1">
+                <a:solidFill>
+                  <a:schemeClr val="bg1"/>
+                </a:solidFill>
+                <a:latin typeface="Consolas" panose="020B0609020204030204" pitchFamily="49" charset="0"/>
+              </a:rPr>
+              <a:t>seki_abr</a:t>
+            </a:r>
+            <a:r>
+              <a:rPr lang="en-US" dirty="0">
+                <a:solidFill>
+                  <a:schemeClr val="bg1"/>
+                </a:solidFill>
+                <a:latin typeface="Consolas" panose="020B0609020204030204" pitchFamily="49" charset="0"/>
+              </a:rPr>
+              <a:t> + </a:t>
+            </a:r>
+            <a:r>
+              <a:rPr lang="en-US" dirty="0" err="1">
+                <a:solidFill>
+                  <a:schemeClr val="bg1"/>
+                </a:solidFill>
+                <a:latin typeface="Consolas" panose="020B0609020204030204" pitchFamily="49" charset="0"/>
+              </a:rPr>
+              <a:t>seki_tci</a:t>
+            </a:r>
+            <a:r>
+              <a:rPr lang="en-US" dirty="0">
+                <a:solidFill>
+                  <a:schemeClr val="bg1"/>
+                </a:solidFill>
+                <a:latin typeface="Consolas" panose="020B0609020204030204" pitchFamily="49" charset="0"/>
+              </a:rPr>
+              <a:t> + </a:t>
+            </a:r>
+            <a:r>
+              <a:rPr lang="en-US" dirty="0" err="1">
+                <a:solidFill>
+                  <a:schemeClr val="bg1"/>
+                </a:solidFill>
+                <a:latin typeface="Consolas" panose="020B0609020204030204" pitchFamily="49" charset="0"/>
+              </a:rPr>
+              <a:t>rcs</a:t>
+            </a:r>
+            <a:r>
+              <a:rPr lang="en-US" dirty="0">
+                <a:solidFill>
+                  <a:schemeClr val="bg1"/>
+                </a:solidFill>
+                <a:latin typeface="Consolas" panose="020B0609020204030204" pitchFamily="49" charset="0"/>
+              </a:rPr>
+              <a:t>(</a:t>
+            </a:r>
+            <a:r>
+              <a:rPr lang="en-US" dirty="0" err="1">
+                <a:solidFill>
+                  <a:schemeClr val="bg1"/>
+                </a:solidFill>
+                <a:latin typeface="Consolas" panose="020B0609020204030204" pitchFamily="49" charset="0"/>
+              </a:rPr>
+              <a:t>seki_elev</a:t>
+            </a:r>
+            <a:r>
+              <a:rPr lang="en-US" dirty="0">
+                <a:solidFill>
+                  <a:schemeClr val="bg1"/>
+                </a:solidFill>
+                <a:latin typeface="Consolas" panose="020B0609020204030204" pitchFamily="49" charset="0"/>
+              </a:rPr>
+              <a:t>, 3), </a:t>
+            </a:r>
+          </a:p>
+          <a:p>
+            <a:r>
+              <a:rPr lang="en-US" dirty="0">
+                <a:solidFill>
+                  <a:schemeClr val="bg1"/>
+                </a:solidFill>
+                <a:latin typeface="Consolas" panose="020B0609020204030204" pitchFamily="49" charset="0"/>
+              </a:rPr>
+              <a:t>     data = g, weights = weight, x = TRUE, y = TRUE)</a:t>
+            </a:r>
+          </a:p>
+          <a:p>
+            <a:r>
+              <a:rPr lang="en-US" dirty="0">
+                <a:solidFill>
+                  <a:schemeClr val="bg1"/>
+                </a:solidFill>
+                <a:latin typeface="Consolas" panose="020B0609020204030204" pitchFamily="49" charset="0"/>
+              </a:rPr>
+              <a:t> </a:t>
+            </a:r>
+          </a:p>
+          <a:p>
+            <a:r>
+              <a:rPr lang="en-US" dirty="0">
+                <a:solidFill>
+                  <a:schemeClr val="bg1"/>
+                </a:solidFill>
+                <a:latin typeface="Consolas" panose="020B0609020204030204" pitchFamily="49" charset="0"/>
+              </a:rPr>
+              <a:t>                 Model Likelihood     Discrimination    </a:t>
+            </a:r>
+          </a:p>
+          <a:p>
+            <a:r>
+              <a:rPr lang="en-US" dirty="0">
+                <a:solidFill>
+                  <a:schemeClr val="bg1"/>
+                </a:solidFill>
+                <a:latin typeface="Consolas" panose="020B0609020204030204" pitchFamily="49" charset="0"/>
+              </a:rPr>
+              <a:t>                    Ratio Test           Indexes        </a:t>
+            </a:r>
+          </a:p>
+          <a:p>
+            <a:r>
+              <a:rPr lang="en-US" dirty="0">
+                <a:solidFill>
+                  <a:schemeClr val="bg1"/>
+                </a:solidFill>
+                <a:latin typeface="Consolas" panose="020B0609020204030204" pitchFamily="49" charset="0"/>
+              </a:rPr>
+              <a:t> </a:t>
+            </a:r>
+            <a:r>
+              <a:rPr lang="en-US" dirty="0" err="1">
+                <a:solidFill>
+                  <a:schemeClr val="bg1"/>
+                </a:solidFill>
+                <a:latin typeface="Consolas" panose="020B0609020204030204" pitchFamily="49" charset="0"/>
+              </a:rPr>
+              <a:t>Obs</a:t>
+            </a:r>
+            <a:r>
+              <a:rPr lang="en-US" dirty="0">
+                <a:solidFill>
+                  <a:schemeClr val="bg1"/>
+                </a:solidFill>
+                <a:latin typeface="Consolas" panose="020B0609020204030204" pitchFamily="49" charset="0"/>
+              </a:rPr>
+              <a:t>     438    LR chi2    1265.63    R2       0.944    </a:t>
+            </a:r>
+          </a:p>
+          <a:p>
+            <a:r>
+              <a:rPr lang="en-US" dirty="0">
+                <a:solidFill>
+                  <a:schemeClr val="bg1"/>
+                </a:solidFill>
+                <a:latin typeface="Consolas" panose="020B0609020204030204" pitchFamily="49" charset="0"/>
+              </a:rPr>
+              <a:t> sigma0.8428    </a:t>
+            </a:r>
+            <a:r>
+              <a:rPr lang="en-US" dirty="0" err="1">
+                <a:solidFill>
+                  <a:schemeClr val="bg1"/>
+                </a:solidFill>
+                <a:latin typeface="Consolas" panose="020B0609020204030204" pitchFamily="49" charset="0"/>
+              </a:rPr>
+              <a:t>d.f.</a:t>
+            </a:r>
+            <a:r>
+              <a:rPr lang="en-US" dirty="0">
+                <a:solidFill>
+                  <a:schemeClr val="bg1"/>
+                </a:solidFill>
+                <a:latin typeface="Consolas" panose="020B0609020204030204" pitchFamily="49" charset="0"/>
+              </a:rPr>
+              <a:t>             4    R2 adj   0.944    </a:t>
+            </a:r>
+          </a:p>
+          <a:p>
+            <a:r>
+              <a:rPr lang="en-US" dirty="0">
+                <a:solidFill>
+                  <a:schemeClr val="bg1"/>
+                </a:solidFill>
+                <a:latin typeface="Consolas" panose="020B0609020204030204" pitchFamily="49" charset="0"/>
+              </a:rPr>
+              <a:t> </a:t>
+            </a:r>
+            <a:r>
+              <a:rPr lang="en-US" dirty="0" err="1">
+                <a:solidFill>
+                  <a:schemeClr val="bg1"/>
+                </a:solidFill>
+                <a:latin typeface="Consolas" panose="020B0609020204030204" pitchFamily="49" charset="0"/>
+              </a:rPr>
+              <a:t>d.f.</a:t>
+            </a:r>
+            <a:r>
+              <a:rPr lang="en-US" dirty="0">
+                <a:solidFill>
+                  <a:schemeClr val="bg1"/>
+                </a:solidFill>
+                <a:latin typeface="Consolas" panose="020B0609020204030204" pitchFamily="49" charset="0"/>
+              </a:rPr>
+              <a:t>    433    </a:t>
+            </a:r>
+            <a:r>
+              <a:rPr lang="en-US" dirty="0" err="1">
+                <a:solidFill>
+                  <a:schemeClr val="bg1"/>
+                </a:solidFill>
+                <a:latin typeface="Consolas" panose="020B0609020204030204" pitchFamily="49" charset="0"/>
+              </a:rPr>
+              <a:t>Pr</a:t>
+            </a:r>
+            <a:r>
+              <a:rPr lang="en-US" dirty="0">
+                <a:solidFill>
+                  <a:schemeClr val="bg1"/>
+                </a:solidFill>
+                <a:latin typeface="Consolas" panose="020B0609020204030204" pitchFamily="49" charset="0"/>
+              </a:rPr>
+              <a:t>(&gt; chi2)  0.0000    g        3.519    </a:t>
+            </a:r>
+          </a:p>
+          <a:p>
+            <a:r>
+              <a:rPr lang="en-US" dirty="0">
+                <a:solidFill>
+                  <a:schemeClr val="bg1"/>
+                </a:solidFill>
+                <a:latin typeface="Consolas" panose="020B0609020204030204" pitchFamily="49" charset="0"/>
+              </a:rPr>
+              <a:t> </a:t>
+            </a:r>
+          </a:p>
+          <a:p>
+            <a:r>
+              <a:rPr lang="en-US" dirty="0">
+                <a:solidFill>
+                  <a:schemeClr val="bg1"/>
+                </a:solidFill>
+                <a:latin typeface="Consolas" panose="020B0609020204030204" pitchFamily="49" charset="0"/>
+              </a:rPr>
+              <a:t> Residuals</a:t>
+            </a:r>
+          </a:p>
+          <a:p>
+            <a:r>
+              <a:rPr lang="en-US" dirty="0">
+                <a:solidFill>
+                  <a:schemeClr val="bg1"/>
+                </a:solidFill>
+                <a:latin typeface="Consolas" panose="020B0609020204030204" pitchFamily="49" charset="0"/>
+              </a:rPr>
+              <a:t> </a:t>
+            </a:r>
+          </a:p>
+          <a:p>
+            <a:r>
+              <a:rPr lang="en-US" dirty="0">
+                <a:solidFill>
+                  <a:schemeClr val="bg1"/>
+                </a:solidFill>
+                <a:latin typeface="Consolas" panose="020B0609020204030204" pitchFamily="49" charset="0"/>
+              </a:rPr>
+              <a:t>     Min      1Q  Median      3Q     Max </a:t>
+            </a:r>
+          </a:p>
+          <a:p>
+            <a:r>
+              <a:rPr lang="en-US" dirty="0">
+                <a:solidFill>
+                  <a:schemeClr val="bg1"/>
+                </a:solidFill>
+                <a:latin typeface="Consolas" panose="020B0609020204030204" pitchFamily="49" charset="0"/>
+              </a:rPr>
+              <a:t> -2.0637 -0.4328 -0.1113  0.1300  4.0204 </a:t>
+            </a:r>
+          </a:p>
+          <a:p>
+            <a:r>
+              <a:rPr lang="en-US" dirty="0">
+                <a:solidFill>
+                  <a:schemeClr val="bg1"/>
+                </a:solidFill>
+                <a:latin typeface="Consolas" panose="020B0609020204030204" pitchFamily="49" charset="0"/>
+              </a:rPr>
+              <a:t> </a:t>
+            </a:r>
+          </a:p>
+          <a:p>
+            <a:r>
+              <a:rPr lang="en-US" dirty="0">
+                <a:solidFill>
+                  <a:schemeClr val="bg1"/>
+                </a:solidFill>
+                <a:latin typeface="Consolas" panose="020B0609020204030204" pitchFamily="49" charset="0"/>
+              </a:rPr>
+              <a:t>            </a:t>
+            </a:r>
+            <a:r>
+              <a:rPr lang="en-US" dirty="0" err="1">
+                <a:solidFill>
+                  <a:schemeClr val="bg1"/>
+                </a:solidFill>
+                <a:latin typeface="Consolas" panose="020B0609020204030204" pitchFamily="49" charset="0"/>
+              </a:rPr>
+              <a:t>Coef</a:t>
+            </a:r>
+            <a:r>
+              <a:rPr lang="en-US" dirty="0">
+                <a:solidFill>
+                  <a:schemeClr val="bg1"/>
+                </a:solidFill>
+                <a:latin typeface="Consolas" panose="020B0609020204030204" pitchFamily="49" charset="0"/>
+              </a:rPr>
+              <a:t>    S.E.   t      </a:t>
+            </a:r>
+            <a:r>
+              <a:rPr lang="en-US" dirty="0" err="1">
+                <a:solidFill>
+                  <a:schemeClr val="bg1"/>
+                </a:solidFill>
+                <a:latin typeface="Consolas" panose="020B0609020204030204" pitchFamily="49" charset="0"/>
+              </a:rPr>
+              <a:t>Pr</a:t>
+            </a:r>
+            <a:r>
+              <a:rPr lang="en-US" dirty="0">
+                <a:solidFill>
+                  <a:schemeClr val="bg1"/>
+                </a:solidFill>
+                <a:latin typeface="Consolas" panose="020B0609020204030204" pitchFamily="49" charset="0"/>
+              </a:rPr>
+              <a:t>(&gt;|t|)</a:t>
+            </a:r>
+          </a:p>
+          <a:p>
+            <a:r>
+              <a:rPr lang="en-US" dirty="0">
+                <a:solidFill>
+                  <a:schemeClr val="bg1"/>
+                </a:solidFill>
+                <a:latin typeface="Consolas" panose="020B0609020204030204" pitchFamily="49" charset="0"/>
+              </a:rPr>
+              <a:t> Intercept  15.5143 0.3832  40.49 &lt;0.0001 </a:t>
+            </a:r>
+          </a:p>
+          <a:p>
+            <a:r>
+              <a:rPr lang="en-US" dirty="0">
+                <a:solidFill>
+                  <a:schemeClr val="bg1"/>
+                </a:solidFill>
+                <a:latin typeface="Consolas" panose="020B0609020204030204" pitchFamily="49" charset="0"/>
+              </a:rPr>
+              <a:t> </a:t>
+            </a:r>
+            <a:r>
+              <a:rPr lang="en-US" dirty="0" err="1">
+                <a:solidFill>
+                  <a:schemeClr val="bg1"/>
+                </a:solidFill>
+                <a:latin typeface="Consolas" panose="020B0609020204030204" pitchFamily="49" charset="0"/>
+              </a:rPr>
+              <a:t>seki_abr</a:t>
+            </a:r>
+            <a:r>
+              <a:rPr lang="en-US" dirty="0">
+                <a:solidFill>
+                  <a:schemeClr val="bg1"/>
+                </a:solidFill>
+                <a:latin typeface="Consolas" panose="020B0609020204030204" pitchFamily="49" charset="0"/>
+              </a:rPr>
+              <a:t>    0.0001 0.0000  18.90 &lt;0.0001 </a:t>
+            </a:r>
+          </a:p>
+          <a:p>
+            <a:r>
+              <a:rPr lang="en-US" dirty="0">
+                <a:solidFill>
+                  <a:schemeClr val="bg1"/>
+                </a:solidFill>
+                <a:latin typeface="Consolas" panose="020B0609020204030204" pitchFamily="49" charset="0"/>
+              </a:rPr>
+              <a:t> </a:t>
+            </a:r>
+            <a:r>
+              <a:rPr lang="en-US" dirty="0" err="1">
+                <a:solidFill>
+                  <a:schemeClr val="bg1"/>
+                </a:solidFill>
+                <a:latin typeface="Consolas" panose="020B0609020204030204" pitchFamily="49" charset="0"/>
+              </a:rPr>
+              <a:t>seki_tci</a:t>
+            </a:r>
+            <a:r>
+              <a:rPr lang="en-US" dirty="0">
+                <a:solidFill>
+                  <a:schemeClr val="bg1"/>
+                </a:solidFill>
+                <a:latin typeface="Consolas" panose="020B0609020204030204" pitchFamily="49" charset="0"/>
+              </a:rPr>
+              <a:t>   -0.0621 0.0142  -4.38 &lt;0.0001 </a:t>
+            </a:r>
+          </a:p>
+          <a:p>
+            <a:r>
+              <a:rPr lang="en-US" dirty="0">
+                <a:solidFill>
+                  <a:schemeClr val="bg1"/>
+                </a:solidFill>
+                <a:latin typeface="Consolas" panose="020B0609020204030204" pitchFamily="49" charset="0"/>
+              </a:rPr>
+              <a:t> </a:t>
+            </a:r>
+            <a:r>
+              <a:rPr lang="en-US" dirty="0" err="1">
+                <a:solidFill>
+                  <a:schemeClr val="bg1"/>
+                </a:solidFill>
+                <a:latin typeface="Consolas" panose="020B0609020204030204" pitchFamily="49" charset="0"/>
+              </a:rPr>
+              <a:t>seki_elev</a:t>
+            </a:r>
+            <a:r>
+              <a:rPr lang="en-US" dirty="0">
+                <a:solidFill>
+                  <a:schemeClr val="bg1"/>
+                </a:solidFill>
+                <a:latin typeface="Consolas" panose="020B0609020204030204" pitchFamily="49" charset="0"/>
+              </a:rPr>
+              <a:t>  -0.0057 0.0001 -46.14 &lt;0.0001 </a:t>
+            </a:r>
+          </a:p>
+          <a:p>
+            <a:r>
+              <a:rPr lang="en-US" dirty="0">
+                <a:solidFill>
+                  <a:schemeClr val="bg1"/>
+                </a:solidFill>
+                <a:latin typeface="Consolas" panose="020B0609020204030204" pitchFamily="49" charset="0"/>
+              </a:rPr>
+              <a:t> </a:t>
+            </a:r>
+            <a:r>
+              <a:rPr lang="en-US" dirty="0" err="1">
+                <a:solidFill>
+                  <a:schemeClr val="bg1"/>
+                </a:solidFill>
+                <a:latin typeface="Consolas" panose="020B0609020204030204" pitchFamily="49" charset="0"/>
+              </a:rPr>
+              <a:t>seki_elev</a:t>
+            </a:r>
+            <a:r>
+              <a:rPr lang="en-US" dirty="0">
+                <a:solidFill>
+                  <a:schemeClr val="bg1"/>
+                </a:solidFill>
+                <a:latin typeface="Consolas" panose="020B0609020204030204" pitchFamily="49" charset="0"/>
+              </a:rPr>
+              <a:t>'  0.0017 0.0002   9.09 &lt;0.0001</a:t>
+            </a:r>
+            <a:endParaRPr lang="en-US" dirty="0"/>
+          </a:p>
+        </p:txBody>
+      </p:sp>
+      <p:sp>
+        <p:nvSpPr>
+          <p:cNvPr id="6" name="Rectangle 5">
+            <a:extLst>
+              <a:ext uri="{FF2B5EF4-FFF2-40B4-BE49-F238E27FC236}">
+                <a16:creationId xmlns:a16="http://schemas.microsoft.com/office/drawing/2014/main" id="{D76C6AB6-8700-4B4E-87A1-384E29B0C8B1}"/>
+              </a:ext>
+            </a:extLst>
+          </p:cNvPr>
+          <p:cNvSpPr/>
+          <p:nvPr/>
+        </p:nvSpPr>
+        <p:spPr>
+          <a:xfrm>
+            <a:off x="247650" y="4905375"/>
+            <a:ext cx="5381625" cy="1847850"/>
+          </a:xfrm>
+          <a:prstGeom prst="rect">
+            <a:avLst/>
+          </a:prstGeom>
+          <a:noFill/>
+          <a:ln w="28575">
+            <a:solidFill>
+              <a:schemeClr val="bg1"/>
+            </a:solidFill>
+          </a:ln>
+        </p:spPr>
+        <p:style>
+          <a:lnRef idx="2">
+            <a:schemeClr val="accent1">
+              <a:shade val="50000"/>
+            </a:schemeClr>
+          </a:lnRef>
+          <a:fillRef idx="1">
+            <a:schemeClr val="accent1"/>
+          </a:fillRef>
+          <a:effectRef idx="0">
+            <a:schemeClr val="accent1"/>
+          </a:effectRef>
+          <a:fontRef idx="minor">
+            <a:schemeClr val="lt1"/>
+          </a:fontRef>
+        </p:style>
+        <p:txBody>
+          <a:bodyPr rtlCol="0" anchor="ctr"/>
+          <a:lstStyle/>
+          <a:p>
+            <a:pPr algn="ctr"/>
+            <a:endParaRPr lang="en-US"/>
           </a:p>
         </p:txBody>
       </p:sp>
     </p:spTree>
     <p:extLst>
       <p:ext uri="{BB962C8B-B14F-4D97-AF65-F5344CB8AC3E}">
-        <p14:creationId xmlns:p14="http://schemas.microsoft.com/office/powerpoint/2010/main" val="2540044603"/>
+        <p14:creationId xmlns:p14="http://schemas.microsoft.com/office/powerpoint/2010/main" val="934920822"/>
       </p:ext>
     </p:extLst>
   </p:cSld>
@@ -14177,12 +12266,59 @@
           </a:p>
         </p:txBody>
       </p:sp>
-      <p:sp>
-        <p:nvSpPr>
-          <p:cNvPr id="5" name="Rectangle 4">
+      <p:pic>
+        <p:nvPicPr>
+          <p:cNvPr id="11270" name="Picture 6">
             <a:extLst>
               <a:ext uri="{FF2B5EF4-FFF2-40B4-BE49-F238E27FC236}">
-                <a16:creationId xmlns:a16="http://schemas.microsoft.com/office/drawing/2014/main" id="{F4765A25-D624-4AAC-9F72-CD6084DC8B9D}"/>
+                <a16:creationId xmlns:a16="http://schemas.microsoft.com/office/drawing/2014/main" id="{A8F4B56F-AF61-4DA1-AAAB-C7DC1709F3FA}"/>
+              </a:ext>
+            </a:extLst>
+          </p:cNvPr>
+          <p:cNvPicPr>
+            <a:picLocks noChangeAspect="1" noChangeArrowheads="1"/>
+          </p:cNvPicPr>
+          <p:nvPr/>
+        </p:nvPicPr>
+        <p:blipFill>
+          <a:blip r:embed="rId3">
+            <a:extLst>
+              <a:ext uri="{28A0092B-C50C-407E-A947-70E740481C1C}">
+                <a14:useLocalDpi xmlns:a14="http://schemas.microsoft.com/office/drawing/2010/main" val="0"/>
+              </a:ext>
+            </a:extLst>
+          </a:blip>
+          <a:srcRect/>
+          <a:stretch>
+            <a:fillRect/>
+          </a:stretch>
+        </p:blipFill>
+        <p:spPr bwMode="auto">
+          <a:xfrm>
+            <a:off x="415636" y="1350818"/>
+            <a:ext cx="8312728" cy="4156364"/>
+          </a:xfrm>
+          <a:prstGeom prst="rect">
+            <a:avLst/>
+          </a:prstGeom>
+          <a:noFill/>
+          <a:extLst>
+            <a:ext uri="{909E8E84-426E-40DD-AFC4-6F175D3DCCD1}">
+              <a14:hiddenFill xmlns:a14="http://schemas.microsoft.com/office/drawing/2010/main">
+                <a:solidFill>
+                  <a:srgbClr val="FFFFFF"/>
+                </a:solidFill>
+              </a14:hiddenFill>
+            </a:ext>
+          </a:extLst>
+        </p:spPr>
+      </p:pic>
+      <p:sp>
+        <p:nvSpPr>
+          <p:cNvPr id="4" name="Rectangle 3">
+            <a:extLst>
+              <a:ext uri="{FF2B5EF4-FFF2-40B4-BE49-F238E27FC236}">
+                <a16:creationId xmlns:a16="http://schemas.microsoft.com/office/drawing/2014/main" id="{7816E872-49C1-4FD3-8407-86A459CE2E7D}"/>
               </a:ext>
             </a:extLst>
           </p:cNvPr>
@@ -14191,15 +12327,15 @@
         </p:nvSpPr>
         <p:spPr>
           <a:xfrm>
-            <a:off x="136188" y="607547"/>
-            <a:ext cx="8871624" cy="6186309"/>
+            <a:off x="2054953" y="5881121"/>
+            <a:ext cx="4074898" cy="369332"/>
           </a:xfrm>
           <a:prstGeom prst="rect">
             <a:avLst/>
           </a:prstGeom>
         </p:spPr>
         <p:txBody>
-          <a:bodyPr wrap="square">
+          <a:bodyPr wrap="none">
             <a:spAutoFit/>
           </a:bodyPr>
           <a:lstStyle/>
@@ -14209,571 +12345,18 @@
                 <a:solidFill>
                   <a:schemeClr val="bg1"/>
                 </a:solidFill>
-                <a:latin typeface="Consolas" panose="020B0609020204030204" pitchFamily="49" charset="0"/>
-              </a:rPr>
-              <a:t>Linear Regression Model</a:t>
-            </a:r>
-          </a:p>
-          <a:p>
-            <a:r>
-              <a:rPr lang="en-US" dirty="0">
-                <a:solidFill>
-                  <a:schemeClr val="bg1"/>
-                </a:solidFill>
-                <a:latin typeface="Consolas" panose="020B0609020204030204" pitchFamily="49" charset="0"/>
-              </a:rPr>
-              <a:t> </a:t>
-            </a:r>
-          </a:p>
-          <a:p>
-            <a:r>
-              <a:rPr lang="en-US" dirty="0">
-                <a:solidFill>
-                  <a:schemeClr val="bg1"/>
-                </a:solidFill>
-                <a:latin typeface="Consolas" panose="020B0609020204030204" pitchFamily="49" charset="0"/>
-              </a:rPr>
-              <a:t> </a:t>
-            </a:r>
-            <a:r>
-              <a:rPr lang="en-US" dirty="0" err="1">
-                <a:solidFill>
-                  <a:schemeClr val="bg1"/>
-                </a:solidFill>
-                <a:latin typeface="Consolas" panose="020B0609020204030204" pitchFamily="49" charset="0"/>
-              </a:rPr>
-              <a:t>ols</a:t>
-            </a:r>
-            <a:r>
-              <a:rPr lang="en-US" dirty="0">
-                <a:solidFill>
-                  <a:schemeClr val="bg1"/>
-                </a:solidFill>
-                <a:latin typeface="Consolas" panose="020B0609020204030204" pitchFamily="49" charset="0"/>
-              </a:rPr>
-              <a:t>(formula = MAST ~ </a:t>
-            </a:r>
-            <a:r>
-              <a:rPr lang="en-US" dirty="0" err="1">
-                <a:solidFill>
-                  <a:schemeClr val="bg1"/>
-                </a:solidFill>
-                <a:latin typeface="Consolas" panose="020B0609020204030204" pitchFamily="49" charset="0"/>
-              </a:rPr>
-              <a:t>seki_abr</a:t>
-            </a:r>
-            <a:r>
-              <a:rPr lang="en-US" dirty="0">
-                <a:solidFill>
-                  <a:schemeClr val="bg1"/>
-                </a:solidFill>
-                <a:latin typeface="Consolas" panose="020B0609020204030204" pitchFamily="49" charset="0"/>
-              </a:rPr>
-              <a:t> + </a:t>
-            </a:r>
-            <a:r>
-              <a:rPr lang="en-US" dirty="0" err="1">
-                <a:solidFill>
-                  <a:schemeClr val="bg1"/>
-                </a:solidFill>
-                <a:latin typeface="Consolas" panose="020B0609020204030204" pitchFamily="49" charset="0"/>
-              </a:rPr>
-              <a:t>seki_tci</a:t>
-            </a:r>
-            <a:r>
-              <a:rPr lang="en-US" dirty="0">
-                <a:solidFill>
-                  <a:schemeClr val="bg1"/>
-                </a:solidFill>
-                <a:latin typeface="Consolas" panose="020B0609020204030204" pitchFamily="49" charset="0"/>
-              </a:rPr>
-              <a:t> + </a:t>
-            </a:r>
-            <a:r>
-              <a:rPr lang="en-US" dirty="0" err="1">
-                <a:solidFill>
-                  <a:schemeClr val="bg1"/>
-                </a:solidFill>
-                <a:latin typeface="Consolas" panose="020B0609020204030204" pitchFamily="49" charset="0"/>
-              </a:rPr>
-              <a:t>rcs</a:t>
-            </a:r>
-            <a:r>
-              <a:rPr lang="en-US" dirty="0">
-                <a:solidFill>
-                  <a:schemeClr val="bg1"/>
-                </a:solidFill>
-                <a:latin typeface="Consolas" panose="020B0609020204030204" pitchFamily="49" charset="0"/>
-              </a:rPr>
-              <a:t>(</a:t>
-            </a:r>
-            <a:r>
-              <a:rPr lang="en-US" dirty="0" err="1">
-                <a:solidFill>
-                  <a:schemeClr val="bg1"/>
-                </a:solidFill>
-                <a:latin typeface="Consolas" panose="020B0609020204030204" pitchFamily="49" charset="0"/>
-              </a:rPr>
-              <a:t>seki_elev</a:t>
-            </a:r>
-            <a:r>
-              <a:rPr lang="en-US" dirty="0">
-                <a:solidFill>
-                  <a:schemeClr val="bg1"/>
-                </a:solidFill>
-                <a:latin typeface="Consolas" panose="020B0609020204030204" pitchFamily="49" charset="0"/>
-              </a:rPr>
-              <a:t>, 3), </a:t>
-            </a:r>
-          </a:p>
-          <a:p>
-            <a:r>
-              <a:rPr lang="en-US" dirty="0">
-                <a:solidFill>
-                  <a:schemeClr val="bg1"/>
-                </a:solidFill>
-                <a:latin typeface="Consolas" panose="020B0609020204030204" pitchFamily="49" charset="0"/>
-              </a:rPr>
-              <a:t>     data = g, weights = weight, x = TRUE, y = TRUE)</a:t>
-            </a:r>
-          </a:p>
-          <a:p>
-            <a:r>
-              <a:rPr lang="en-US" dirty="0">
-                <a:solidFill>
-                  <a:schemeClr val="bg1"/>
-                </a:solidFill>
-                <a:latin typeface="Consolas" panose="020B0609020204030204" pitchFamily="49" charset="0"/>
-              </a:rPr>
-              <a:t> </a:t>
-            </a:r>
-          </a:p>
-          <a:p>
-            <a:r>
-              <a:rPr lang="en-US" dirty="0">
-                <a:solidFill>
-                  <a:schemeClr val="bg1"/>
-                </a:solidFill>
-                <a:latin typeface="Consolas" panose="020B0609020204030204" pitchFamily="49" charset="0"/>
-              </a:rPr>
-              <a:t>                 Model Likelihood     Discrimination    </a:t>
-            </a:r>
-          </a:p>
-          <a:p>
-            <a:r>
-              <a:rPr lang="en-US" dirty="0">
-                <a:solidFill>
-                  <a:schemeClr val="bg1"/>
-                </a:solidFill>
-                <a:latin typeface="Consolas" panose="020B0609020204030204" pitchFamily="49" charset="0"/>
-              </a:rPr>
-              <a:t>                    Ratio Test           Indexes        </a:t>
-            </a:r>
-          </a:p>
-          <a:p>
-            <a:r>
-              <a:rPr lang="en-US" dirty="0">
-                <a:solidFill>
-                  <a:schemeClr val="bg1"/>
-                </a:solidFill>
-                <a:latin typeface="Consolas" panose="020B0609020204030204" pitchFamily="49" charset="0"/>
-              </a:rPr>
-              <a:t> </a:t>
-            </a:r>
-            <a:r>
-              <a:rPr lang="en-US" dirty="0" err="1">
-                <a:solidFill>
-                  <a:schemeClr val="bg1"/>
-                </a:solidFill>
-                <a:latin typeface="Consolas" panose="020B0609020204030204" pitchFamily="49" charset="0"/>
-              </a:rPr>
-              <a:t>Obs</a:t>
-            </a:r>
-            <a:r>
-              <a:rPr lang="en-US" dirty="0">
-                <a:solidFill>
-                  <a:schemeClr val="bg1"/>
-                </a:solidFill>
-                <a:latin typeface="Consolas" panose="020B0609020204030204" pitchFamily="49" charset="0"/>
-              </a:rPr>
-              <a:t>     438    LR chi2    1265.63    R2       0.944    </a:t>
-            </a:r>
-          </a:p>
-          <a:p>
-            <a:r>
-              <a:rPr lang="en-US" dirty="0">
-                <a:solidFill>
-                  <a:schemeClr val="bg1"/>
-                </a:solidFill>
-                <a:latin typeface="Consolas" panose="020B0609020204030204" pitchFamily="49" charset="0"/>
-              </a:rPr>
-              <a:t> sigma0.8428    </a:t>
-            </a:r>
-            <a:r>
-              <a:rPr lang="en-US" dirty="0" err="1">
-                <a:solidFill>
-                  <a:schemeClr val="bg1"/>
-                </a:solidFill>
-                <a:latin typeface="Consolas" panose="020B0609020204030204" pitchFamily="49" charset="0"/>
-              </a:rPr>
-              <a:t>d.f.</a:t>
-            </a:r>
-            <a:r>
-              <a:rPr lang="en-US" dirty="0">
-                <a:solidFill>
-                  <a:schemeClr val="bg1"/>
-                </a:solidFill>
-                <a:latin typeface="Consolas" panose="020B0609020204030204" pitchFamily="49" charset="0"/>
-              </a:rPr>
-              <a:t>             4    R2 adj   0.944    </a:t>
-            </a:r>
-          </a:p>
-          <a:p>
-            <a:r>
-              <a:rPr lang="en-US" dirty="0">
-                <a:solidFill>
-                  <a:schemeClr val="bg1"/>
-                </a:solidFill>
-                <a:latin typeface="Consolas" panose="020B0609020204030204" pitchFamily="49" charset="0"/>
-              </a:rPr>
-              <a:t> </a:t>
-            </a:r>
-            <a:r>
-              <a:rPr lang="en-US" dirty="0" err="1">
-                <a:solidFill>
-                  <a:schemeClr val="bg1"/>
-                </a:solidFill>
-                <a:latin typeface="Consolas" panose="020B0609020204030204" pitchFamily="49" charset="0"/>
-              </a:rPr>
-              <a:t>d.f.</a:t>
-            </a:r>
-            <a:r>
-              <a:rPr lang="en-US" dirty="0">
-                <a:solidFill>
-                  <a:schemeClr val="bg1"/>
-                </a:solidFill>
-                <a:latin typeface="Consolas" panose="020B0609020204030204" pitchFamily="49" charset="0"/>
-              </a:rPr>
-              <a:t>    433    </a:t>
-            </a:r>
-            <a:r>
-              <a:rPr lang="en-US" dirty="0" err="1">
-                <a:solidFill>
-                  <a:schemeClr val="bg1"/>
-                </a:solidFill>
-                <a:latin typeface="Consolas" panose="020B0609020204030204" pitchFamily="49" charset="0"/>
-              </a:rPr>
-              <a:t>Pr</a:t>
-            </a:r>
-            <a:r>
-              <a:rPr lang="en-US" dirty="0">
-                <a:solidFill>
-                  <a:schemeClr val="bg1"/>
-                </a:solidFill>
-                <a:latin typeface="Consolas" panose="020B0609020204030204" pitchFamily="49" charset="0"/>
-              </a:rPr>
-              <a:t>(&gt; chi2)  0.0000    g        3.519    </a:t>
-            </a:r>
-          </a:p>
-          <a:p>
-            <a:r>
-              <a:rPr lang="en-US" dirty="0">
-                <a:solidFill>
-                  <a:schemeClr val="bg1"/>
-                </a:solidFill>
-                <a:latin typeface="Consolas" panose="020B0609020204030204" pitchFamily="49" charset="0"/>
-              </a:rPr>
-              <a:t> </a:t>
-            </a:r>
-          </a:p>
-          <a:p>
-            <a:r>
-              <a:rPr lang="en-US" dirty="0">
-                <a:solidFill>
-                  <a:schemeClr val="bg1"/>
-                </a:solidFill>
-                <a:latin typeface="Consolas" panose="020B0609020204030204" pitchFamily="49" charset="0"/>
-              </a:rPr>
-              <a:t> Residuals</a:t>
-            </a:r>
-          </a:p>
-          <a:p>
-            <a:r>
-              <a:rPr lang="en-US" dirty="0">
-                <a:solidFill>
-                  <a:schemeClr val="bg1"/>
-                </a:solidFill>
-                <a:latin typeface="Consolas" panose="020B0609020204030204" pitchFamily="49" charset="0"/>
-              </a:rPr>
-              <a:t> </a:t>
-            </a:r>
-          </a:p>
-          <a:p>
-            <a:r>
-              <a:rPr lang="en-US" dirty="0">
-                <a:solidFill>
-                  <a:schemeClr val="bg1"/>
-                </a:solidFill>
-                <a:latin typeface="Consolas" panose="020B0609020204030204" pitchFamily="49" charset="0"/>
-              </a:rPr>
-              <a:t>     Min      1Q  Median      3Q     Max </a:t>
-            </a:r>
-          </a:p>
-          <a:p>
-            <a:r>
-              <a:rPr lang="en-US" dirty="0">
-                <a:solidFill>
-                  <a:schemeClr val="bg1"/>
-                </a:solidFill>
-                <a:latin typeface="Consolas" panose="020B0609020204030204" pitchFamily="49" charset="0"/>
-              </a:rPr>
-              <a:t> -2.0637 -0.4328 -0.1113  0.1300  4.0204 </a:t>
-            </a:r>
-          </a:p>
-          <a:p>
-            <a:r>
-              <a:rPr lang="en-US" dirty="0">
-                <a:solidFill>
-                  <a:schemeClr val="bg1"/>
-                </a:solidFill>
-                <a:latin typeface="Consolas" panose="020B0609020204030204" pitchFamily="49" charset="0"/>
-              </a:rPr>
-              <a:t> </a:t>
-            </a:r>
-          </a:p>
-          <a:p>
-            <a:r>
-              <a:rPr lang="en-US" dirty="0">
-                <a:solidFill>
-                  <a:schemeClr val="bg1"/>
-                </a:solidFill>
-                <a:latin typeface="Consolas" panose="020B0609020204030204" pitchFamily="49" charset="0"/>
-              </a:rPr>
-              <a:t>            </a:t>
-            </a:r>
-            <a:r>
-              <a:rPr lang="en-US" dirty="0" err="1">
-                <a:solidFill>
-                  <a:schemeClr val="bg1"/>
-                </a:solidFill>
-                <a:latin typeface="Consolas" panose="020B0609020204030204" pitchFamily="49" charset="0"/>
-              </a:rPr>
-              <a:t>Coef</a:t>
-            </a:r>
-            <a:r>
-              <a:rPr lang="en-US" dirty="0">
-                <a:solidFill>
-                  <a:schemeClr val="bg1"/>
-                </a:solidFill>
-                <a:latin typeface="Consolas" panose="020B0609020204030204" pitchFamily="49" charset="0"/>
-              </a:rPr>
-              <a:t>    S.E.   t      </a:t>
-            </a:r>
-            <a:r>
-              <a:rPr lang="en-US" dirty="0" err="1">
-                <a:solidFill>
-                  <a:schemeClr val="bg1"/>
-                </a:solidFill>
-                <a:latin typeface="Consolas" panose="020B0609020204030204" pitchFamily="49" charset="0"/>
-              </a:rPr>
-              <a:t>Pr</a:t>
-            </a:r>
-            <a:r>
-              <a:rPr lang="en-US" dirty="0">
-                <a:solidFill>
-                  <a:schemeClr val="bg1"/>
-                </a:solidFill>
-                <a:latin typeface="Consolas" panose="020B0609020204030204" pitchFamily="49" charset="0"/>
-              </a:rPr>
-              <a:t>(&gt;|t|)</a:t>
-            </a:r>
-          </a:p>
-          <a:p>
-            <a:r>
-              <a:rPr lang="en-US" dirty="0">
-                <a:solidFill>
-                  <a:schemeClr val="bg1"/>
-                </a:solidFill>
-                <a:latin typeface="Consolas" panose="020B0609020204030204" pitchFamily="49" charset="0"/>
-              </a:rPr>
-              <a:t> Intercept  15.5143 0.3832  40.49 &lt;0.0001 </a:t>
-            </a:r>
-          </a:p>
-          <a:p>
-            <a:r>
-              <a:rPr lang="en-US" dirty="0">
-                <a:solidFill>
-                  <a:schemeClr val="bg1"/>
-                </a:solidFill>
-                <a:latin typeface="Consolas" panose="020B0609020204030204" pitchFamily="49" charset="0"/>
-              </a:rPr>
-              <a:t> </a:t>
-            </a:r>
-            <a:r>
-              <a:rPr lang="en-US" dirty="0" err="1">
-                <a:solidFill>
-                  <a:schemeClr val="bg1"/>
-                </a:solidFill>
-                <a:latin typeface="Consolas" panose="020B0609020204030204" pitchFamily="49" charset="0"/>
-              </a:rPr>
-              <a:t>seki_abr</a:t>
-            </a:r>
-            <a:r>
-              <a:rPr lang="en-US" dirty="0">
-                <a:solidFill>
-                  <a:schemeClr val="bg1"/>
-                </a:solidFill>
-                <a:latin typeface="Consolas" panose="020B0609020204030204" pitchFamily="49" charset="0"/>
-              </a:rPr>
-              <a:t>    0.0001 0.0000  18.90 &lt;0.0001 </a:t>
-            </a:r>
-          </a:p>
-          <a:p>
-            <a:r>
-              <a:rPr lang="en-US" dirty="0">
-                <a:solidFill>
-                  <a:schemeClr val="bg1"/>
-                </a:solidFill>
-                <a:latin typeface="Consolas" panose="020B0609020204030204" pitchFamily="49" charset="0"/>
-              </a:rPr>
-              <a:t> </a:t>
-            </a:r>
-            <a:r>
-              <a:rPr lang="en-US" dirty="0" err="1">
-                <a:solidFill>
-                  <a:schemeClr val="bg1"/>
-                </a:solidFill>
-                <a:latin typeface="Consolas" panose="020B0609020204030204" pitchFamily="49" charset="0"/>
-              </a:rPr>
-              <a:t>seki_tci</a:t>
-            </a:r>
-            <a:r>
-              <a:rPr lang="en-US" dirty="0">
-                <a:solidFill>
-                  <a:schemeClr val="bg1"/>
-                </a:solidFill>
-                <a:latin typeface="Consolas" panose="020B0609020204030204" pitchFamily="49" charset="0"/>
-              </a:rPr>
-              <a:t>   -0.0621 0.0142  -4.38 &lt;0.0001 </a:t>
-            </a:r>
-          </a:p>
-          <a:p>
-            <a:r>
-              <a:rPr lang="en-US" dirty="0">
-                <a:solidFill>
-                  <a:schemeClr val="bg1"/>
-                </a:solidFill>
-                <a:latin typeface="Consolas" panose="020B0609020204030204" pitchFamily="49" charset="0"/>
-              </a:rPr>
-              <a:t> </a:t>
-            </a:r>
-            <a:r>
-              <a:rPr lang="en-US" dirty="0" err="1">
-                <a:solidFill>
-                  <a:schemeClr val="bg1"/>
-                </a:solidFill>
-                <a:latin typeface="Consolas" panose="020B0609020204030204" pitchFamily="49" charset="0"/>
-              </a:rPr>
-              <a:t>seki_elev</a:t>
-            </a:r>
-            <a:r>
-              <a:rPr lang="en-US" dirty="0">
-                <a:solidFill>
-                  <a:schemeClr val="bg1"/>
-                </a:solidFill>
-                <a:latin typeface="Consolas" panose="020B0609020204030204" pitchFamily="49" charset="0"/>
-              </a:rPr>
-              <a:t>  -0.0057 0.0001 -46.14 &lt;0.0001 </a:t>
-            </a:r>
-          </a:p>
-          <a:p>
-            <a:r>
-              <a:rPr lang="en-US" dirty="0">
-                <a:solidFill>
-                  <a:schemeClr val="bg1"/>
-                </a:solidFill>
-                <a:latin typeface="Consolas" panose="020B0609020204030204" pitchFamily="49" charset="0"/>
-              </a:rPr>
-              <a:t> </a:t>
-            </a:r>
-            <a:r>
-              <a:rPr lang="en-US" dirty="0" err="1">
-                <a:solidFill>
-                  <a:schemeClr val="bg1"/>
-                </a:solidFill>
-                <a:latin typeface="Consolas" panose="020B0609020204030204" pitchFamily="49" charset="0"/>
-              </a:rPr>
-              <a:t>seki_elev</a:t>
-            </a:r>
-            <a:r>
-              <a:rPr lang="en-US" dirty="0">
-                <a:solidFill>
-                  <a:schemeClr val="bg1"/>
-                </a:solidFill>
-                <a:latin typeface="Consolas" panose="020B0609020204030204" pitchFamily="49" charset="0"/>
-              </a:rPr>
-              <a:t>'  0.0017 0.0002   9.09 &lt;0.0001</a:t>
+                <a:latin typeface="Candara" panose="020E0502030303020204" pitchFamily="34" charset="0"/>
+              </a:rPr>
+              <a:t>MAST model for Yosemite National Park</a:t>
             </a:r>
             <a:endParaRPr lang="en-US" dirty="0"/>
-          </a:p>
-        </p:txBody>
-      </p:sp>
-      <p:sp>
-        <p:nvSpPr>
-          <p:cNvPr id="6" name="Rectangle 5">
-            <a:extLst>
-              <a:ext uri="{FF2B5EF4-FFF2-40B4-BE49-F238E27FC236}">
-                <a16:creationId xmlns:a16="http://schemas.microsoft.com/office/drawing/2014/main" id="{D76C6AB6-8700-4B4E-87A1-384E29B0C8B1}"/>
-              </a:ext>
-            </a:extLst>
-          </p:cNvPr>
-          <p:cNvSpPr/>
-          <p:nvPr/>
-        </p:nvSpPr>
-        <p:spPr>
-          <a:xfrm>
-            <a:off x="247650" y="4905375"/>
-            <a:ext cx="5381625" cy="1847850"/>
-          </a:xfrm>
-          <a:prstGeom prst="rect">
-            <a:avLst/>
-          </a:prstGeom>
-          <a:noFill/>
-          <a:ln w="28575">
-            <a:solidFill>
-              <a:schemeClr val="bg1"/>
-            </a:solidFill>
-          </a:ln>
-        </p:spPr>
-        <p:style>
-          <a:lnRef idx="2">
-            <a:schemeClr val="accent1">
-              <a:shade val="50000"/>
-            </a:schemeClr>
-          </a:lnRef>
-          <a:fillRef idx="1">
-            <a:schemeClr val="accent1"/>
-          </a:fillRef>
-          <a:effectRef idx="0">
-            <a:schemeClr val="accent1"/>
-          </a:effectRef>
-          <a:fontRef idx="minor">
-            <a:schemeClr val="lt1"/>
-          </a:fontRef>
-        </p:style>
-        <p:txBody>
-          <a:bodyPr rtlCol="0" anchor="ctr"/>
-          <a:lstStyle/>
-          <a:p>
-            <a:pPr algn="ctr"/>
-            <a:endParaRPr lang="en-US"/>
           </a:p>
         </p:txBody>
       </p:sp>
     </p:spTree>
     <p:extLst>
       <p:ext uri="{BB962C8B-B14F-4D97-AF65-F5344CB8AC3E}">
-        <p14:creationId xmlns:p14="http://schemas.microsoft.com/office/powerpoint/2010/main" val="934920822"/>
+        <p14:creationId xmlns:p14="http://schemas.microsoft.com/office/powerpoint/2010/main" val="3226946830"/>
       </p:ext>
     </p:extLst>
   </p:cSld>
@@ -15036,171 +12619,6 @@
 </file>
 
 <file path=ppt/slides/slide20.xml><?xml version="1.0" encoding="utf-8"?>
-<p:sld xmlns:a="http://schemas.openxmlformats.org/drawingml/2006/main" xmlns:r="http://schemas.openxmlformats.org/officeDocument/2006/relationships" xmlns:p="http://schemas.openxmlformats.org/presentationml/2006/main">
-  <p:cSld>
-    <p:bg>
-      <p:bgPr>
-        <a:solidFill>
-          <a:schemeClr val="tx1"/>
-        </a:solidFill>
-        <a:effectLst/>
-      </p:bgPr>
-    </p:bg>
-    <p:spTree>
-      <p:nvGrpSpPr>
-        <p:cNvPr id="1" name=""/>
-        <p:cNvGrpSpPr/>
-        <p:nvPr/>
-      </p:nvGrpSpPr>
-      <p:grpSpPr>
-        <a:xfrm>
-          <a:off x="0" y="0"/>
-          <a:ext cx="0" cy="0"/>
-          <a:chOff x="0" y="0"/>
-          <a:chExt cx="0" cy="0"/>
-        </a:xfrm>
-      </p:grpSpPr>
-      <p:sp>
-        <p:nvSpPr>
-          <p:cNvPr id="11" name="TextBox 10">
-            <a:extLst>
-              <a:ext uri="{FF2B5EF4-FFF2-40B4-BE49-F238E27FC236}">
-                <a16:creationId xmlns:a16="http://schemas.microsoft.com/office/drawing/2014/main" id="{94F7AF02-97E2-4C34-A6BC-ADE93CE4F163}"/>
-              </a:ext>
-            </a:extLst>
-          </p:cNvPr>
-          <p:cNvSpPr txBox="1"/>
-          <p:nvPr/>
-        </p:nvSpPr>
-        <p:spPr>
-          <a:xfrm>
-            <a:off x="9525" y="-38784"/>
-            <a:ext cx="6381875" cy="646331"/>
-          </a:xfrm>
-          <a:prstGeom prst="rect">
-            <a:avLst/>
-          </a:prstGeom>
-          <a:noFill/>
-        </p:spPr>
-        <p:txBody>
-          <a:bodyPr wrap="none" rtlCol="0">
-            <a:spAutoFit/>
-          </a:bodyPr>
-          <a:lstStyle/>
-          <a:p>
-            <a:r>
-              <a:rPr lang="en-US" sz="3600" b="1" dirty="0">
-                <a:solidFill>
-                  <a:schemeClr val="bg1"/>
-                </a:solidFill>
-                <a:latin typeface="Candara" panose="020E0502030303020204" pitchFamily="34" charset="0"/>
-              </a:rPr>
-              <a:t>Uncertainty: Model Parameters</a:t>
-            </a:r>
-          </a:p>
-        </p:txBody>
-      </p:sp>
-      <p:pic>
-        <p:nvPicPr>
-          <p:cNvPr id="11270" name="Picture 6">
-            <a:extLst>
-              <a:ext uri="{FF2B5EF4-FFF2-40B4-BE49-F238E27FC236}">
-                <a16:creationId xmlns:a16="http://schemas.microsoft.com/office/drawing/2014/main" id="{A8F4B56F-AF61-4DA1-AAAB-C7DC1709F3FA}"/>
-              </a:ext>
-            </a:extLst>
-          </p:cNvPr>
-          <p:cNvPicPr>
-            <a:picLocks noChangeAspect="1" noChangeArrowheads="1"/>
-          </p:cNvPicPr>
-          <p:nvPr/>
-        </p:nvPicPr>
-        <p:blipFill>
-          <a:blip r:embed="rId3">
-            <a:extLst>
-              <a:ext uri="{28A0092B-C50C-407E-A947-70E740481C1C}">
-                <a14:useLocalDpi xmlns:a14="http://schemas.microsoft.com/office/drawing/2010/main" val="0"/>
-              </a:ext>
-            </a:extLst>
-          </a:blip>
-          <a:srcRect/>
-          <a:stretch>
-            <a:fillRect/>
-          </a:stretch>
-        </p:blipFill>
-        <p:spPr bwMode="auto">
-          <a:xfrm>
-            <a:off x="415636" y="1350818"/>
-            <a:ext cx="8312728" cy="4156364"/>
-          </a:xfrm>
-          <a:prstGeom prst="rect">
-            <a:avLst/>
-          </a:prstGeom>
-          <a:noFill/>
-          <a:extLst>
-            <a:ext uri="{909E8E84-426E-40DD-AFC4-6F175D3DCCD1}">
-              <a14:hiddenFill xmlns:a14="http://schemas.microsoft.com/office/drawing/2010/main">
-                <a:solidFill>
-                  <a:srgbClr val="FFFFFF"/>
-                </a:solidFill>
-              </a14:hiddenFill>
-            </a:ext>
-          </a:extLst>
-        </p:spPr>
-      </p:pic>
-      <p:sp>
-        <p:nvSpPr>
-          <p:cNvPr id="4" name="Rectangle 3">
-            <a:extLst>
-              <a:ext uri="{FF2B5EF4-FFF2-40B4-BE49-F238E27FC236}">
-                <a16:creationId xmlns:a16="http://schemas.microsoft.com/office/drawing/2014/main" id="{7816E872-49C1-4FD3-8407-86A459CE2E7D}"/>
-              </a:ext>
-            </a:extLst>
-          </p:cNvPr>
-          <p:cNvSpPr/>
-          <p:nvPr/>
-        </p:nvSpPr>
-        <p:spPr>
-          <a:xfrm>
-            <a:off x="2054953" y="5881121"/>
-            <a:ext cx="4074898" cy="369332"/>
-          </a:xfrm>
-          <a:prstGeom prst="rect">
-            <a:avLst/>
-          </a:prstGeom>
-        </p:spPr>
-        <p:txBody>
-          <a:bodyPr wrap="none">
-            <a:spAutoFit/>
-          </a:bodyPr>
-          <a:lstStyle/>
-          <a:p>
-            <a:r>
-              <a:rPr lang="en-US" dirty="0">
-                <a:solidFill>
-                  <a:schemeClr val="bg1"/>
-                </a:solidFill>
-                <a:latin typeface="Candara" panose="020E0502030303020204" pitchFamily="34" charset="0"/>
-              </a:rPr>
-              <a:t>MAST model for Yosemite National Park</a:t>
-            </a:r>
-            <a:endParaRPr lang="en-US" dirty="0"/>
-          </a:p>
-        </p:txBody>
-      </p:sp>
-    </p:spTree>
-    <p:extLst>
-      <p:ext uri="{BB962C8B-B14F-4D97-AF65-F5344CB8AC3E}">
-        <p14:creationId xmlns:p14="http://schemas.microsoft.com/office/powerpoint/2010/main" val="3226946830"/>
-      </p:ext>
-    </p:extLst>
-  </p:cSld>
-  <p:clrMapOvr>
-    <a:masterClrMapping/>
-  </p:clrMapOvr>
-</p:sld>
-</file>
-
-<file path=ppt/slides/slide21.xml><?xml version="1.0" encoding="utf-8"?>
 <p:sld xmlns:a="http://schemas.openxmlformats.org/drawingml/2006/main" xmlns:r="http://schemas.openxmlformats.org/officeDocument/2006/relationships" xmlns:p="http://schemas.openxmlformats.org/presentationml/2006/main">
   <p:cSld>
     <p:bg>
@@ -15711,7 +13129,7 @@
 </p:sld>
 </file>
 
-<file path=ppt/slides/slide22.xml><?xml version="1.0" encoding="utf-8"?>
+<file path=ppt/slides/slide21.xml><?xml version="1.0" encoding="utf-8"?>
 <p:sld xmlns:a="http://schemas.openxmlformats.org/drawingml/2006/main" xmlns:r="http://schemas.openxmlformats.org/officeDocument/2006/relationships" xmlns:p="http://schemas.openxmlformats.org/presentationml/2006/main">
   <p:cSld>
     <p:bg>
@@ -15874,7 +13292,7 @@
 </p:sld>
 </file>
 
-<file path=ppt/slides/slide23.xml><?xml version="1.0" encoding="utf-8"?>
+<file path=ppt/slides/slide22.xml><?xml version="1.0" encoding="utf-8"?>
 <p:sld xmlns:a="http://schemas.openxmlformats.org/drawingml/2006/main" xmlns:r="http://schemas.openxmlformats.org/officeDocument/2006/relationships" xmlns:p="http://schemas.openxmlformats.org/presentationml/2006/main">
   <p:cSld>
     <p:bg>
@@ -16064,7 +13482,7 @@
 </p:sld>
 </file>
 
-<file path=ppt/slides/slide24.xml><?xml version="1.0" encoding="utf-8"?>
+<file path=ppt/slides/slide23.xml><?xml version="1.0" encoding="utf-8"?>
 <p:sld xmlns:a="http://schemas.openxmlformats.org/drawingml/2006/main" xmlns:r="http://schemas.openxmlformats.org/officeDocument/2006/relationships" xmlns:p="http://schemas.openxmlformats.org/presentationml/2006/main">
   <p:cSld>
     <p:bg>
@@ -16614,7 +14032,7 @@
 </p:sld>
 </file>
 
-<file path=ppt/slides/slide25.xml><?xml version="1.0" encoding="utf-8"?>
+<file path=ppt/slides/slide24.xml><?xml version="1.0" encoding="utf-8"?>
 <p:sld xmlns:a="http://schemas.openxmlformats.org/drawingml/2006/main" xmlns:r="http://schemas.openxmlformats.org/officeDocument/2006/relationships" xmlns:p="http://schemas.openxmlformats.org/presentationml/2006/main">
   <p:cSld>
     <p:bg>
@@ -16973,7 +14391,7 @@
 </p:sld>
 </file>
 
-<file path=ppt/slides/slide26.xml><?xml version="1.0" encoding="utf-8"?>
+<file path=ppt/slides/slide25.xml><?xml version="1.0" encoding="utf-8"?>
 <p:sld xmlns:a="http://schemas.openxmlformats.org/drawingml/2006/main" xmlns:r="http://schemas.openxmlformats.org/officeDocument/2006/relationships" xmlns:p="http://schemas.openxmlformats.org/presentationml/2006/main">
   <p:cSld>
     <p:bg>
@@ -17278,7 +14696,7 @@
 </p:sld>
 </file>
 
-<file path=ppt/slides/slide27.xml><?xml version="1.0" encoding="utf-8"?>
+<file path=ppt/slides/slide26.xml><?xml version="1.0" encoding="utf-8"?>
 <p:sld xmlns:a="http://schemas.openxmlformats.org/drawingml/2006/main" xmlns:r="http://schemas.openxmlformats.org/officeDocument/2006/relationships" xmlns:p="http://schemas.openxmlformats.org/presentationml/2006/main">
   <p:cSld>
     <p:bg>
@@ -17433,7 +14851,7 @@
 </p:sld>
 </file>
 
-<file path=ppt/slides/slide28.xml><?xml version="1.0" encoding="utf-8"?>
+<file path=ppt/slides/slide27.xml><?xml version="1.0" encoding="utf-8"?>
 <p:sld xmlns:a="http://schemas.openxmlformats.org/drawingml/2006/main" xmlns:r="http://schemas.openxmlformats.org/officeDocument/2006/relationships" xmlns:p="http://schemas.openxmlformats.org/presentationml/2006/main">
   <p:cSld>
     <p:bg>
@@ -17511,7 +14929,7 @@
 </p:sld>
 </file>
 
-<file path=ppt/slides/slide29.xml><?xml version="1.0" encoding="utf-8"?>
+<file path=ppt/slides/slide28.xml><?xml version="1.0" encoding="utf-8"?>
 <p:sld xmlns:a="http://schemas.openxmlformats.org/drawingml/2006/main" xmlns:r="http://schemas.openxmlformats.org/officeDocument/2006/relationships" xmlns:p="http://schemas.openxmlformats.org/presentationml/2006/main">
   <p:cSld>
     <p:bg>
@@ -18044,261 +15462,7 @@
 </p:sld>
 </file>
 
-<file path=ppt/slides/slide3.xml><?xml version="1.0" encoding="utf-8"?>
-<p:sld xmlns:a="http://schemas.openxmlformats.org/drawingml/2006/main" xmlns:r="http://schemas.openxmlformats.org/officeDocument/2006/relationships" xmlns:p="http://schemas.openxmlformats.org/presentationml/2006/main">
-  <p:cSld>
-    <p:spTree>
-      <p:nvGrpSpPr>
-        <p:cNvPr id="1" name=""/>
-        <p:cNvGrpSpPr/>
-        <p:nvPr/>
-      </p:nvGrpSpPr>
-      <p:grpSpPr>
-        <a:xfrm>
-          <a:off x="0" y="0"/>
-          <a:ext cx="0" cy="0"/>
-          <a:chOff x="0" y="0"/>
-          <a:chExt cx="0" cy="0"/>
-        </a:xfrm>
-      </p:grpSpPr>
-      <p:sp>
-        <p:nvSpPr>
-          <p:cNvPr id="2" name="Title 1"/>
-          <p:cNvSpPr>
-            <a:spLocks noGrp="1"/>
-          </p:cNvSpPr>
-          <p:nvPr>
-            <p:ph type="title"/>
-          </p:nvPr>
-        </p:nvSpPr>
-        <p:spPr>
-          <a:xfrm>
-            <a:off x="465513" y="365126"/>
-            <a:ext cx="8162553" cy="1325563"/>
-          </a:xfrm>
-        </p:spPr>
-        <p:txBody>
-          <a:bodyPr>
-            <a:normAutofit/>
-          </a:bodyPr>
-          <a:lstStyle/>
-          <a:p>
-            <a:pPr algn="ctr"/>
-            <a:r>
-              <a:rPr lang="en-US" sz="4000" dirty="0"/>
-              <a:t>Precision vs. Accuracy vs. Uncertainty</a:t>
-            </a:r>
-          </a:p>
-        </p:txBody>
-      </p:sp>
-      <p:sp>
-        <p:nvSpPr>
-          <p:cNvPr id="5" name="Rectangle 4"/>
-          <p:cNvSpPr/>
-          <p:nvPr/>
-        </p:nvSpPr>
-        <p:spPr>
-          <a:xfrm>
-            <a:off x="4541841" y="5863235"/>
-            <a:ext cx="4572000" cy="923330"/>
-          </a:xfrm>
-          <a:prstGeom prst="rect">
-            <a:avLst/>
-          </a:prstGeom>
-        </p:spPr>
-        <p:txBody>
-          <a:bodyPr>
-            <a:spAutoFit/>
-          </a:bodyPr>
-          <a:lstStyle/>
-          <a:p>
-            <a:r>
-              <a:rPr lang="en-US" u="sng" dirty="0"/>
-              <a:t>Uncertainty</a:t>
-            </a:r>
-            <a:r>
-              <a:rPr lang="en-US" dirty="0"/>
-              <a:t>: The </a:t>
-            </a:r>
-            <a:r>
-              <a:rPr lang="en-US" i="1" dirty="0"/>
-              <a:t>estimated</a:t>
-            </a:r>
-            <a:r>
-              <a:rPr lang="en-US" dirty="0"/>
-              <a:t> amount or percentage by which an observed or calculated value may differ from the true value</a:t>
-            </a:r>
-          </a:p>
-        </p:txBody>
-      </p:sp>
-      <p:sp>
-        <p:nvSpPr>
-          <p:cNvPr id="6" name="Rectangle 5"/>
-          <p:cNvSpPr/>
-          <p:nvPr/>
-        </p:nvSpPr>
-        <p:spPr>
-          <a:xfrm>
-            <a:off x="4541841" y="3188365"/>
-            <a:ext cx="4572000" cy="923330"/>
-          </a:xfrm>
-          <a:prstGeom prst="rect">
-            <a:avLst/>
-          </a:prstGeom>
-        </p:spPr>
-        <p:txBody>
-          <a:bodyPr>
-            <a:spAutoFit/>
-          </a:bodyPr>
-          <a:lstStyle/>
-          <a:p>
-            <a:r>
-              <a:rPr lang="en-US" u="sng" dirty="0"/>
-              <a:t>Accuracy:</a:t>
-            </a:r>
-            <a:r>
-              <a:rPr lang="en-US" dirty="0"/>
-              <a:t> The ability of a measurement to match the actual value of the quantity being measured</a:t>
-            </a:r>
-          </a:p>
-        </p:txBody>
-      </p:sp>
-      <p:sp>
-        <p:nvSpPr>
-          <p:cNvPr id="7" name="Rectangle 6"/>
-          <p:cNvSpPr/>
-          <p:nvPr/>
-        </p:nvSpPr>
-        <p:spPr>
-          <a:xfrm>
-            <a:off x="4541841" y="2425664"/>
-            <a:ext cx="4572000" cy="646331"/>
-          </a:xfrm>
-          <a:prstGeom prst="rect">
-            <a:avLst/>
-          </a:prstGeom>
-        </p:spPr>
-        <p:txBody>
-          <a:bodyPr>
-            <a:spAutoFit/>
-          </a:bodyPr>
-          <a:lstStyle/>
-          <a:p>
-            <a:r>
-              <a:rPr lang="en-US" u="sng" dirty="0"/>
-              <a:t>Precision</a:t>
-            </a:r>
-            <a:r>
-              <a:rPr lang="en-US" dirty="0"/>
-              <a:t>: The ability of a measurement to be consistently reproduced</a:t>
-            </a:r>
-          </a:p>
-        </p:txBody>
-      </p:sp>
-      <p:sp>
-        <p:nvSpPr>
-          <p:cNvPr id="3" name="TextBox 2"/>
-          <p:cNvSpPr txBox="1"/>
-          <p:nvPr/>
-        </p:nvSpPr>
-        <p:spPr>
-          <a:xfrm>
-            <a:off x="4804756" y="1899652"/>
-            <a:ext cx="3823310" cy="523220"/>
-          </a:xfrm>
-          <a:prstGeom prst="rect">
-            <a:avLst/>
-          </a:prstGeom>
-          <a:noFill/>
-        </p:spPr>
-        <p:txBody>
-          <a:bodyPr wrap="square" rtlCol="0">
-            <a:spAutoFit/>
-          </a:bodyPr>
-          <a:lstStyle/>
-          <a:p>
-            <a:pPr algn="ctr"/>
-            <a:r>
-              <a:rPr lang="en-US" sz="2800" b="1" dirty="0"/>
-              <a:t>Measurements (Errors)</a:t>
-            </a:r>
-          </a:p>
-        </p:txBody>
-      </p:sp>
-      <p:sp>
-        <p:nvSpPr>
-          <p:cNvPr id="114" name="TextBox 113"/>
-          <p:cNvSpPr txBox="1"/>
-          <p:nvPr/>
-        </p:nvSpPr>
-        <p:spPr>
-          <a:xfrm>
-            <a:off x="4673299" y="5377190"/>
-            <a:ext cx="4086224" cy="523220"/>
-          </a:xfrm>
-          <a:prstGeom prst="rect">
-            <a:avLst/>
-          </a:prstGeom>
-          <a:noFill/>
-        </p:spPr>
-        <p:txBody>
-          <a:bodyPr wrap="square" rtlCol="0">
-            <a:spAutoFit/>
-          </a:bodyPr>
-          <a:lstStyle/>
-          <a:p>
-            <a:pPr algn="ctr"/>
-            <a:r>
-              <a:rPr lang="en-US" sz="2800" b="1" dirty="0"/>
-              <a:t>Modeling (Uncertainty)</a:t>
-            </a:r>
-          </a:p>
-        </p:txBody>
-      </p:sp>
-      <p:pic>
-        <p:nvPicPr>
-          <p:cNvPr id="9" name="Content Placeholder 3"/>
-          <p:cNvPicPr>
-            <a:picLocks noChangeAspect="1"/>
-          </p:cNvPicPr>
-          <p:nvPr/>
-        </p:nvPicPr>
-        <p:blipFill>
-          <a:blip r:embed="rId3" cstate="print">
-            <a:extLst>
-              <a:ext uri="{28A0092B-C50C-407E-A947-70E740481C1C}">
-                <a14:useLocalDpi xmlns:a14="http://schemas.microsoft.com/office/drawing/2010/main"/>
-              </a:ext>
-            </a:extLst>
-          </a:blip>
-          <a:stretch>
-            <a:fillRect/>
-          </a:stretch>
-        </p:blipFill>
-        <p:spPr>
-          <a:xfrm>
-            <a:off x="0" y="2501875"/>
-            <a:ext cx="5791200" cy="3118338"/>
-          </a:xfrm>
-          <a:prstGeom prst="rect">
-            <a:avLst/>
-          </a:prstGeom>
-        </p:spPr>
-      </p:pic>
-    </p:spTree>
-    <p:extLst>
-      <p:ext uri="{BB962C8B-B14F-4D97-AF65-F5344CB8AC3E}">
-        <p14:creationId xmlns:p14="http://schemas.microsoft.com/office/powerpoint/2010/main" val="1218573069"/>
-      </p:ext>
-    </p:extLst>
-  </p:cSld>
-  <p:clrMapOvr>
-    <a:masterClrMapping/>
-  </p:clrMapOvr>
-</p:sld>
-</file>
-
-<file path=ppt/slides/slide30.xml><?xml version="1.0" encoding="utf-8"?>
+<file path=ppt/slides/slide29.xml><?xml version="1.0" encoding="utf-8"?>
 <p:sld xmlns:a="http://schemas.openxmlformats.org/drawingml/2006/main" xmlns:r="http://schemas.openxmlformats.org/officeDocument/2006/relationships" xmlns:p="http://schemas.openxmlformats.org/presentationml/2006/main">
   <p:cSld>
     <p:bg>
@@ -18952,7 +16116,261 @@
 </p:sld>
 </file>
 
-<file path=ppt/slides/slide31.xml><?xml version="1.0" encoding="utf-8"?>
+<file path=ppt/slides/slide3.xml><?xml version="1.0" encoding="utf-8"?>
+<p:sld xmlns:a="http://schemas.openxmlformats.org/drawingml/2006/main" xmlns:r="http://schemas.openxmlformats.org/officeDocument/2006/relationships" xmlns:p="http://schemas.openxmlformats.org/presentationml/2006/main">
+  <p:cSld>
+    <p:spTree>
+      <p:nvGrpSpPr>
+        <p:cNvPr id="1" name=""/>
+        <p:cNvGrpSpPr/>
+        <p:nvPr/>
+      </p:nvGrpSpPr>
+      <p:grpSpPr>
+        <a:xfrm>
+          <a:off x="0" y="0"/>
+          <a:ext cx="0" cy="0"/>
+          <a:chOff x="0" y="0"/>
+          <a:chExt cx="0" cy="0"/>
+        </a:xfrm>
+      </p:grpSpPr>
+      <p:sp>
+        <p:nvSpPr>
+          <p:cNvPr id="2" name="Title 1"/>
+          <p:cNvSpPr>
+            <a:spLocks noGrp="1"/>
+          </p:cNvSpPr>
+          <p:nvPr>
+            <p:ph type="title"/>
+          </p:nvPr>
+        </p:nvSpPr>
+        <p:spPr>
+          <a:xfrm>
+            <a:off x="465513" y="365126"/>
+            <a:ext cx="8162553" cy="1325563"/>
+          </a:xfrm>
+        </p:spPr>
+        <p:txBody>
+          <a:bodyPr>
+            <a:normAutofit/>
+          </a:bodyPr>
+          <a:lstStyle/>
+          <a:p>
+            <a:pPr algn="ctr"/>
+            <a:r>
+              <a:rPr lang="en-US" sz="4000" dirty="0"/>
+              <a:t>Precision vs. Accuracy vs. Uncertainty</a:t>
+            </a:r>
+          </a:p>
+        </p:txBody>
+      </p:sp>
+      <p:sp>
+        <p:nvSpPr>
+          <p:cNvPr id="5" name="Rectangle 4"/>
+          <p:cNvSpPr/>
+          <p:nvPr/>
+        </p:nvSpPr>
+        <p:spPr>
+          <a:xfrm>
+            <a:off x="4541841" y="5863235"/>
+            <a:ext cx="4572000" cy="923330"/>
+          </a:xfrm>
+          <a:prstGeom prst="rect">
+            <a:avLst/>
+          </a:prstGeom>
+        </p:spPr>
+        <p:txBody>
+          <a:bodyPr>
+            <a:spAutoFit/>
+          </a:bodyPr>
+          <a:lstStyle/>
+          <a:p>
+            <a:r>
+              <a:rPr lang="en-US" u="sng" dirty="0"/>
+              <a:t>Uncertainty</a:t>
+            </a:r>
+            <a:r>
+              <a:rPr lang="en-US" dirty="0"/>
+              <a:t>: The </a:t>
+            </a:r>
+            <a:r>
+              <a:rPr lang="en-US" i="1" dirty="0"/>
+              <a:t>estimated</a:t>
+            </a:r>
+            <a:r>
+              <a:rPr lang="en-US" dirty="0"/>
+              <a:t> amount or percentage by which an observed or calculated value may differ from the true value</a:t>
+            </a:r>
+          </a:p>
+        </p:txBody>
+      </p:sp>
+      <p:sp>
+        <p:nvSpPr>
+          <p:cNvPr id="6" name="Rectangle 5"/>
+          <p:cNvSpPr/>
+          <p:nvPr/>
+        </p:nvSpPr>
+        <p:spPr>
+          <a:xfrm>
+            <a:off x="4541841" y="3188365"/>
+            <a:ext cx="4572000" cy="923330"/>
+          </a:xfrm>
+          <a:prstGeom prst="rect">
+            <a:avLst/>
+          </a:prstGeom>
+        </p:spPr>
+        <p:txBody>
+          <a:bodyPr>
+            <a:spAutoFit/>
+          </a:bodyPr>
+          <a:lstStyle/>
+          <a:p>
+            <a:r>
+              <a:rPr lang="en-US" u="sng" dirty="0"/>
+              <a:t>Accuracy:</a:t>
+            </a:r>
+            <a:r>
+              <a:rPr lang="en-US" dirty="0"/>
+              <a:t> The ability of a measurement to match the actual value of the quantity being measured</a:t>
+            </a:r>
+          </a:p>
+        </p:txBody>
+      </p:sp>
+      <p:sp>
+        <p:nvSpPr>
+          <p:cNvPr id="7" name="Rectangle 6"/>
+          <p:cNvSpPr/>
+          <p:nvPr/>
+        </p:nvSpPr>
+        <p:spPr>
+          <a:xfrm>
+            <a:off x="4541841" y="2425664"/>
+            <a:ext cx="4572000" cy="646331"/>
+          </a:xfrm>
+          <a:prstGeom prst="rect">
+            <a:avLst/>
+          </a:prstGeom>
+        </p:spPr>
+        <p:txBody>
+          <a:bodyPr>
+            <a:spAutoFit/>
+          </a:bodyPr>
+          <a:lstStyle/>
+          <a:p>
+            <a:r>
+              <a:rPr lang="en-US" u="sng" dirty="0"/>
+              <a:t>Precision</a:t>
+            </a:r>
+            <a:r>
+              <a:rPr lang="en-US" dirty="0"/>
+              <a:t>: The ability of a measurement to be consistently reproduced</a:t>
+            </a:r>
+          </a:p>
+        </p:txBody>
+      </p:sp>
+      <p:sp>
+        <p:nvSpPr>
+          <p:cNvPr id="3" name="TextBox 2"/>
+          <p:cNvSpPr txBox="1"/>
+          <p:nvPr/>
+        </p:nvSpPr>
+        <p:spPr>
+          <a:xfrm>
+            <a:off x="4804756" y="1899652"/>
+            <a:ext cx="3823310" cy="523220"/>
+          </a:xfrm>
+          <a:prstGeom prst="rect">
+            <a:avLst/>
+          </a:prstGeom>
+          <a:noFill/>
+        </p:spPr>
+        <p:txBody>
+          <a:bodyPr wrap="square" rtlCol="0">
+            <a:spAutoFit/>
+          </a:bodyPr>
+          <a:lstStyle/>
+          <a:p>
+            <a:pPr algn="ctr"/>
+            <a:r>
+              <a:rPr lang="en-US" sz="2800" b="1" dirty="0"/>
+              <a:t>Measurements (Errors)</a:t>
+            </a:r>
+          </a:p>
+        </p:txBody>
+      </p:sp>
+      <p:sp>
+        <p:nvSpPr>
+          <p:cNvPr id="114" name="TextBox 113"/>
+          <p:cNvSpPr txBox="1"/>
+          <p:nvPr/>
+        </p:nvSpPr>
+        <p:spPr>
+          <a:xfrm>
+            <a:off x="4673299" y="5377190"/>
+            <a:ext cx="4086224" cy="523220"/>
+          </a:xfrm>
+          <a:prstGeom prst="rect">
+            <a:avLst/>
+          </a:prstGeom>
+          <a:noFill/>
+        </p:spPr>
+        <p:txBody>
+          <a:bodyPr wrap="square" rtlCol="0">
+            <a:spAutoFit/>
+          </a:bodyPr>
+          <a:lstStyle/>
+          <a:p>
+            <a:pPr algn="ctr"/>
+            <a:r>
+              <a:rPr lang="en-US" sz="2800" b="1" dirty="0"/>
+              <a:t>Modeling (Uncertainty)</a:t>
+            </a:r>
+          </a:p>
+        </p:txBody>
+      </p:sp>
+      <p:pic>
+        <p:nvPicPr>
+          <p:cNvPr id="9" name="Content Placeholder 3"/>
+          <p:cNvPicPr>
+            <a:picLocks noChangeAspect="1"/>
+          </p:cNvPicPr>
+          <p:nvPr/>
+        </p:nvPicPr>
+        <p:blipFill>
+          <a:blip r:embed="rId3" cstate="print">
+            <a:extLst>
+              <a:ext uri="{28A0092B-C50C-407E-A947-70E740481C1C}">
+                <a14:useLocalDpi xmlns:a14="http://schemas.microsoft.com/office/drawing/2010/main"/>
+              </a:ext>
+            </a:extLst>
+          </a:blip>
+          <a:stretch>
+            <a:fillRect/>
+          </a:stretch>
+        </p:blipFill>
+        <p:spPr>
+          <a:xfrm>
+            <a:off x="0" y="2501875"/>
+            <a:ext cx="5791200" cy="3118338"/>
+          </a:xfrm>
+          <a:prstGeom prst="rect">
+            <a:avLst/>
+          </a:prstGeom>
+        </p:spPr>
+      </p:pic>
+    </p:spTree>
+    <p:extLst>
+      <p:ext uri="{BB962C8B-B14F-4D97-AF65-F5344CB8AC3E}">
+        <p14:creationId xmlns:p14="http://schemas.microsoft.com/office/powerpoint/2010/main" val="1218573069"/>
+      </p:ext>
+    </p:extLst>
+  </p:cSld>
+  <p:clrMapOvr>
+    <a:masterClrMapping/>
+  </p:clrMapOvr>
+</p:sld>
+</file>
+
+<file path=ppt/slides/slide30.xml><?xml version="1.0" encoding="utf-8"?>
 <p:sld xmlns:a="http://schemas.openxmlformats.org/drawingml/2006/main" xmlns:r="http://schemas.openxmlformats.org/officeDocument/2006/relationships" xmlns:p="http://schemas.openxmlformats.org/presentationml/2006/main">
   <p:cSld>
     <p:bg>
@@ -19485,7 +16903,7 @@
 </p:sld>
 </file>
 
-<file path=ppt/slides/slide32.xml><?xml version="1.0" encoding="utf-8"?>
+<file path=ppt/slides/slide31.xml><?xml version="1.0" encoding="utf-8"?>
 <p:sld xmlns:a="http://schemas.openxmlformats.org/drawingml/2006/main" xmlns:r="http://schemas.openxmlformats.org/officeDocument/2006/relationships" xmlns:p="http://schemas.openxmlformats.org/presentationml/2006/main">
   <p:cSld>
     <p:bg>
@@ -20081,7 +17499,7 @@
 </p:sld>
 </file>
 
-<file path=ppt/slides/slide33.xml><?xml version="1.0" encoding="utf-8"?>
+<file path=ppt/slides/slide32.xml><?xml version="1.0" encoding="utf-8"?>
 <p:sld xmlns:a="http://schemas.openxmlformats.org/drawingml/2006/main" xmlns:r="http://schemas.openxmlformats.org/officeDocument/2006/relationships" xmlns:p="http://schemas.openxmlformats.org/presentationml/2006/main">
   <p:cSld>
     <p:bg>
@@ -20678,7 +18096,7 @@
 </p:sld>
 </file>
 
-<file path=ppt/slides/slide34.xml><?xml version="1.0" encoding="utf-8"?>
+<file path=ppt/slides/slide33.xml><?xml version="1.0" encoding="utf-8"?>
 <p:sld xmlns:a="http://schemas.openxmlformats.org/drawingml/2006/main" xmlns:r="http://schemas.openxmlformats.org/officeDocument/2006/relationships" xmlns:p="http://schemas.openxmlformats.org/presentationml/2006/main">
   <p:cSld>
     <p:bg>
@@ -20786,7 +18204,7 @@
 </p:sld>
 </file>
 
-<file path=ppt/slides/slide35.xml><?xml version="1.0" encoding="utf-8"?>
+<file path=ppt/slides/slide34.xml><?xml version="1.0" encoding="utf-8"?>
 <p:sld xmlns:a="http://schemas.openxmlformats.org/drawingml/2006/main" xmlns:r="http://schemas.openxmlformats.org/officeDocument/2006/relationships" xmlns:p="http://schemas.openxmlformats.org/presentationml/2006/main">
   <p:cSld>
     <p:bg>

--- a/presentations/9_uncert_validation/9. Uncertainty_and_Validation_Beaudette.pptx
+++ b/presentations/9_uncert_validation/9. Uncertainty_and_Validation_Beaudette.pptx
@@ -31,10 +31,10 @@
     <p:sldId id="334" r:id="rId22"/>
     <p:sldId id="366" r:id="rId23"/>
     <p:sldId id="343" r:id="rId24"/>
-    <p:sldId id="357" r:id="rId25"/>
-    <p:sldId id="358" r:id="rId26"/>
-    <p:sldId id="364" r:id="rId27"/>
-    <p:sldId id="365" r:id="rId28"/>
+    <p:sldId id="365" r:id="rId25"/>
+    <p:sldId id="357" r:id="rId26"/>
+    <p:sldId id="358" r:id="rId27"/>
+    <p:sldId id="364" r:id="rId28"/>
     <p:sldId id="355" r:id="rId29"/>
     <p:sldId id="362" r:id="rId30"/>
     <p:sldId id="360" r:id="rId31"/>
@@ -230,7 +230,7 @@
           <a:p>
             <a:fld id="{1FEE0D44-209F-4E48-BF47-5709A25FBC07}" type="datetimeFigureOut">
               <a:rPr lang="en-US" smtClean="0"/>
-              <a:t>5/10/2021</a:t>
+              <a:t>5/11/2021</a:t>
             </a:fld>
             <a:endParaRPr lang="en-US"/>
           </a:p>
@@ -1941,7 +1941,7 @@
     </p:spTree>
     <p:extLst>
       <p:ext uri="{BB962C8B-B14F-4D97-AF65-F5344CB8AC3E}">
-        <p14:creationId xmlns:p14="http://schemas.microsoft.com/office/powerpoint/2010/main" val="215829746"/>
+        <p14:creationId xmlns:p14="http://schemas.microsoft.com/office/powerpoint/2010/main" val="1426037521"/>
       </p:ext>
     </p:extLst>
   </p:cSld>
@@ -2025,7 +2025,7 @@
     </p:spTree>
     <p:extLst>
       <p:ext uri="{BB962C8B-B14F-4D97-AF65-F5344CB8AC3E}">
-        <p14:creationId xmlns:p14="http://schemas.microsoft.com/office/powerpoint/2010/main" val="1415862704"/>
+        <p14:creationId xmlns:p14="http://schemas.microsoft.com/office/powerpoint/2010/main" val="215829746"/>
       </p:ext>
     </p:extLst>
   </p:cSld>
@@ -2109,7 +2109,7 @@
     </p:spTree>
     <p:extLst>
       <p:ext uri="{BB962C8B-B14F-4D97-AF65-F5344CB8AC3E}">
-        <p14:creationId xmlns:p14="http://schemas.microsoft.com/office/powerpoint/2010/main" val="1499160887"/>
+        <p14:creationId xmlns:p14="http://schemas.microsoft.com/office/powerpoint/2010/main" val="1415862704"/>
       </p:ext>
     </p:extLst>
   </p:cSld>
@@ -2193,7 +2193,7 @@
     </p:spTree>
     <p:extLst>
       <p:ext uri="{BB962C8B-B14F-4D97-AF65-F5344CB8AC3E}">
-        <p14:creationId xmlns:p14="http://schemas.microsoft.com/office/powerpoint/2010/main" val="1426037521"/>
+        <p14:creationId xmlns:p14="http://schemas.microsoft.com/office/powerpoint/2010/main" val="1499160887"/>
       </p:ext>
     </p:extLst>
   </p:cSld>
@@ -2247,7 +2247,10 @@
           <a:bodyPr/>
           <a:lstStyle/>
           <a:p>
-            <a:endParaRPr lang="en-US" dirty="0"/>
+            <a:r>
+              <a:rPr lang="en-US" dirty="0"/>
+              <a:t>using normalized Shannon entropy</a:t>
+            </a:r>
           </a:p>
         </p:txBody>
       </p:sp>
@@ -3709,7 +3712,7 @@
           <a:p>
             <a:fld id="{ED142E25-4D6A-4E84-A843-638D116E87AA}" type="datetimeFigureOut">
               <a:rPr lang="en-US" smtClean="0"/>
-              <a:t>5/10/2021</a:t>
+              <a:t>5/11/2021</a:t>
             </a:fld>
             <a:endParaRPr lang="en-US"/>
           </a:p>
@@ -3879,7 +3882,7 @@
           <a:p>
             <a:fld id="{ED142E25-4D6A-4E84-A843-638D116E87AA}" type="datetimeFigureOut">
               <a:rPr lang="en-US" smtClean="0"/>
-              <a:t>5/10/2021</a:t>
+              <a:t>5/11/2021</a:t>
             </a:fld>
             <a:endParaRPr lang="en-US"/>
           </a:p>
@@ -4059,7 +4062,7 @@
           <a:p>
             <a:fld id="{ED142E25-4D6A-4E84-A843-638D116E87AA}" type="datetimeFigureOut">
               <a:rPr lang="en-US" smtClean="0"/>
-              <a:t>5/10/2021</a:t>
+              <a:t>5/11/2021</a:t>
             </a:fld>
             <a:endParaRPr lang="en-US"/>
           </a:p>
@@ -4229,7 +4232,7 @@
           <a:p>
             <a:fld id="{ED142E25-4D6A-4E84-A843-638D116E87AA}" type="datetimeFigureOut">
               <a:rPr lang="en-US" smtClean="0"/>
-              <a:t>5/10/2021</a:t>
+              <a:t>5/11/2021</a:t>
             </a:fld>
             <a:endParaRPr lang="en-US"/>
           </a:p>
@@ -4473,7 +4476,7 @@
           <a:p>
             <a:fld id="{ED142E25-4D6A-4E84-A843-638D116E87AA}" type="datetimeFigureOut">
               <a:rPr lang="en-US" smtClean="0"/>
-              <a:t>5/10/2021</a:t>
+              <a:t>5/11/2021</a:t>
             </a:fld>
             <a:endParaRPr lang="en-US"/>
           </a:p>
@@ -4705,7 +4708,7 @@
           <a:p>
             <a:fld id="{ED142E25-4D6A-4E84-A843-638D116E87AA}" type="datetimeFigureOut">
               <a:rPr lang="en-US" smtClean="0"/>
-              <a:t>5/10/2021</a:t>
+              <a:t>5/11/2021</a:t>
             </a:fld>
             <a:endParaRPr lang="en-US"/>
           </a:p>
@@ -5072,7 +5075,7 @@
           <a:p>
             <a:fld id="{ED142E25-4D6A-4E84-A843-638D116E87AA}" type="datetimeFigureOut">
               <a:rPr lang="en-US" smtClean="0"/>
-              <a:t>5/10/2021</a:t>
+              <a:t>5/11/2021</a:t>
             </a:fld>
             <a:endParaRPr lang="en-US"/>
           </a:p>
@@ -5190,7 +5193,7 @@
           <a:p>
             <a:fld id="{ED142E25-4D6A-4E84-A843-638D116E87AA}" type="datetimeFigureOut">
               <a:rPr lang="en-US" smtClean="0"/>
-              <a:t>5/10/2021</a:t>
+              <a:t>5/11/2021</a:t>
             </a:fld>
             <a:endParaRPr lang="en-US"/>
           </a:p>
@@ -5285,7 +5288,7 @@
           <a:p>
             <a:fld id="{ED142E25-4D6A-4E84-A843-638D116E87AA}" type="datetimeFigureOut">
               <a:rPr lang="en-US" smtClean="0"/>
-              <a:t>5/10/2021</a:t>
+              <a:t>5/11/2021</a:t>
             </a:fld>
             <a:endParaRPr lang="en-US"/>
           </a:p>
@@ -5562,7 +5565,7 @@
           <a:p>
             <a:fld id="{ED142E25-4D6A-4E84-A843-638D116E87AA}" type="datetimeFigureOut">
               <a:rPr lang="en-US" smtClean="0"/>
-              <a:t>5/10/2021</a:t>
+              <a:t>5/11/2021</a:t>
             </a:fld>
             <a:endParaRPr lang="en-US"/>
           </a:p>
@@ -5819,7 +5822,7 @@
           <a:p>
             <a:fld id="{ED142E25-4D6A-4E84-A843-638D116E87AA}" type="datetimeFigureOut">
               <a:rPr lang="en-US" smtClean="0"/>
-              <a:t>5/10/2021</a:t>
+              <a:t>5/11/2021</a:t>
             </a:fld>
             <a:endParaRPr lang="en-US"/>
           </a:p>
@@ -6032,7 +6035,7 @@
           <a:p>
             <a:fld id="{ED142E25-4D6A-4E84-A843-638D116E87AA}" type="datetimeFigureOut">
               <a:rPr lang="en-US" smtClean="0"/>
-              <a:t>5/10/2021</a:t>
+              <a:t>5/11/2021</a:t>
             </a:fld>
             <a:endParaRPr lang="en-US"/>
           </a:p>
@@ -14059,6 +14062,84 @@
       </p:grpSpPr>
       <p:sp>
         <p:nvSpPr>
+          <p:cNvPr id="2" name="TextBox 1">
+            <a:extLst>
+              <a:ext uri="{FF2B5EF4-FFF2-40B4-BE49-F238E27FC236}">
+                <a16:creationId xmlns:a16="http://schemas.microsoft.com/office/drawing/2014/main" id="{8620DD9E-4B2E-4CAF-904E-2C385416DD9B}"/>
+              </a:ext>
+            </a:extLst>
+          </p:cNvPr>
+          <p:cNvSpPr txBox="1"/>
+          <p:nvPr/>
+        </p:nvSpPr>
+        <p:spPr>
+          <a:xfrm>
+            <a:off x="9525" y="-38784"/>
+            <a:ext cx="3175869" cy="646331"/>
+          </a:xfrm>
+          <a:prstGeom prst="rect">
+            <a:avLst/>
+          </a:prstGeom>
+          <a:noFill/>
+        </p:spPr>
+        <p:txBody>
+          <a:bodyPr wrap="none" rtlCol="0">
+            <a:spAutoFit/>
+          </a:bodyPr>
+          <a:lstStyle/>
+          <a:p>
+            <a:r>
+              <a:rPr lang="en-US" sz="3600" b="1" dirty="0">
+                <a:solidFill>
+                  <a:schemeClr val="bg1"/>
+                </a:solidFill>
+                <a:latin typeface="Candara" panose="020E0502030303020204" pitchFamily="34" charset="0"/>
+              </a:rPr>
+              <a:t>5 Minute Break</a:t>
+            </a:r>
+          </a:p>
+        </p:txBody>
+      </p:sp>
+    </p:spTree>
+    <p:extLst>
+      <p:ext uri="{BB962C8B-B14F-4D97-AF65-F5344CB8AC3E}">
+        <p14:creationId xmlns:p14="http://schemas.microsoft.com/office/powerpoint/2010/main" val="82545717"/>
+      </p:ext>
+    </p:extLst>
+  </p:cSld>
+  <p:clrMapOvr>
+    <a:masterClrMapping/>
+  </p:clrMapOvr>
+</p:sld>
+</file>
+
+<file path=ppt/slides/slide25.xml><?xml version="1.0" encoding="utf-8"?>
+<p:sld xmlns:a="http://schemas.openxmlformats.org/drawingml/2006/main" xmlns:r="http://schemas.openxmlformats.org/officeDocument/2006/relationships" xmlns:p="http://schemas.openxmlformats.org/presentationml/2006/main">
+  <p:cSld>
+    <p:bg>
+      <p:bgPr>
+        <a:solidFill>
+          <a:schemeClr val="tx1"/>
+        </a:solidFill>
+        <a:effectLst/>
+      </p:bgPr>
+    </p:bg>
+    <p:spTree>
+      <p:nvGrpSpPr>
+        <p:cNvPr id="1" name=""/>
+        <p:cNvGrpSpPr/>
+        <p:nvPr/>
+      </p:nvGrpSpPr>
+      <p:grpSpPr>
+        <a:xfrm>
+          <a:off x="0" y="0"/>
+          <a:ext cx="0" cy="0"/>
+          <a:chOff x="0" y="0"/>
+          <a:chExt cx="0" cy="0"/>
+        </a:xfrm>
+      </p:grpSpPr>
+      <p:sp>
+        <p:nvSpPr>
           <p:cNvPr id="11" name="TextBox 10">
             <a:extLst>
               <a:ext uri="{FF2B5EF4-FFF2-40B4-BE49-F238E27FC236}">
@@ -14366,7 +14447,7 @@
                 </a:solidFill>
                 <a:latin typeface="Candara" panose="020E0502030303020204" pitchFamily="34" charset="0"/>
               </a:rPr>
-              <a:t> is always the most likely class, all other classes have probabilities &lt; 0.2</a:t>
+              <a:t> is always the most likely class; all other classes have probabilities &lt; 0.2</a:t>
             </a:r>
             <a:endParaRPr lang="en-US" b="0" i="0" dirty="0">
               <a:solidFill>
@@ -14391,7 +14472,7 @@
 </p:sld>
 </file>
 
-<file path=ppt/slides/slide25.xml><?xml version="1.0" encoding="utf-8"?>
+<file path=ppt/slides/slide26.xml><?xml version="1.0" encoding="utf-8"?>
 <p:sld xmlns:a="http://schemas.openxmlformats.org/drawingml/2006/main" xmlns:r="http://schemas.openxmlformats.org/officeDocument/2006/relationships" xmlns:p="http://schemas.openxmlformats.org/presentationml/2006/main">
   <p:cSld>
     <p:bg>
@@ -14696,7 +14777,7 @@
 </p:sld>
 </file>
 
-<file path=ppt/slides/slide26.xml><?xml version="1.0" encoding="utf-8"?>
+<file path=ppt/slides/slide27.xml><?xml version="1.0" encoding="utf-8"?>
 <p:sld xmlns:a="http://schemas.openxmlformats.org/drawingml/2006/main" xmlns:r="http://schemas.openxmlformats.org/officeDocument/2006/relationships" xmlns:p="http://schemas.openxmlformats.org/presentationml/2006/main">
   <p:cSld>
     <p:bg>
@@ -14842,84 +14923,6 @@
     <p:extLst>
       <p:ext uri="{BB962C8B-B14F-4D97-AF65-F5344CB8AC3E}">
         <p14:creationId xmlns:p14="http://schemas.microsoft.com/office/powerpoint/2010/main" val="1409994277"/>
-      </p:ext>
-    </p:extLst>
-  </p:cSld>
-  <p:clrMapOvr>
-    <a:masterClrMapping/>
-  </p:clrMapOvr>
-</p:sld>
-</file>
-
-<file path=ppt/slides/slide27.xml><?xml version="1.0" encoding="utf-8"?>
-<p:sld xmlns:a="http://schemas.openxmlformats.org/drawingml/2006/main" xmlns:r="http://schemas.openxmlformats.org/officeDocument/2006/relationships" xmlns:p="http://schemas.openxmlformats.org/presentationml/2006/main">
-  <p:cSld>
-    <p:bg>
-      <p:bgPr>
-        <a:solidFill>
-          <a:schemeClr val="tx1"/>
-        </a:solidFill>
-        <a:effectLst/>
-      </p:bgPr>
-    </p:bg>
-    <p:spTree>
-      <p:nvGrpSpPr>
-        <p:cNvPr id="1" name=""/>
-        <p:cNvGrpSpPr/>
-        <p:nvPr/>
-      </p:nvGrpSpPr>
-      <p:grpSpPr>
-        <a:xfrm>
-          <a:off x="0" y="0"/>
-          <a:ext cx="0" cy="0"/>
-          <a:chOff x="0" y="0"/>
-          <a:chExt cx="0" cy="0"/>
-        </a:xfrm>
-      </p:grpSpPr>
-      <p:sp>
-        <p:nvSpPr>
-          <p:cNvPr id="2" name="TextBox 1">
-            <a:extLst>
-              <a:ext uri="{FF2B5EF4-FFF2-40B4-BE49-F238E27FC236}">
-                <a16:creationId xmlns:a16="http://schemas.microsoft.com/office/drawing/2014/main" id="{8620DD9E-4B2E-4CAF-904E-2C385416DD9B}"/>
-              </a:ext>
-            </a:extLst>
-          </p:cNvPr>
-          <p:cNvSpPr txBox="1"/>
-          <p:nvPr/>
-        </p:nvSpPr>
-        <p:spPr>
-          <a:xfrm>
-            <a:off x="9525" y="-38784"/>
-            <a:ext cx="3175869" cy="646331"/>
-          </a:xfrm>
-          <a:prstGeom prst="rect">
-            <a:avLst/>
-          </a:prstGeom>
-          <a:noFill/>
-        </p:spPr>
-        <p:txBody>
-          <a:bodyPr wrap="none" rtlCol="0">
-            <a:spAutoFit/>
-          </a:bodyPr>
-          <a:lstStyle/>
-          <a:p>
-            <a:r>
-              <a:rPr lang="en-US" sz="3600" b="1" dirty="0">
-                <a:solidFill>
-                  <a:schemeClr val="bg1"/>
-                </a:solidFill>
-                <a:latin typeface="Candara" panose="020E0502030303020204" pitchFamily="34" charset="0"/>
-              </a:rPr>
-              <a:t>5 Minute Break</a:t>
-            </a:r>
-          </a:p>
-        </p:txBody>
-      </p:sp>
-    </p:spTree>
-    <p:extLst>
-      <p:ext uri="{BB962C8B-B14F-4D97-AF65-F5344CB8AC3E}">
-        <p14:creationId xmlns:p14="http://schemas.microsoft.com/office/powerpoint/2010/main" val="82545717"/>
       </p:ext>
     </p:extLst>
   </p:cSld>
@@ -15449,6 +15452,239 @@
           </a:prstGeom>
         </p:spPr>
       </p:pic>
+      <mc:AlternateContent xmlns:mc="http://schemas.openxmlformats.org/markup-compatibility/2006" xmlns:a14="http://schemas.microsoft.com/office/drawing/2010/main">
+        <mc:Choice Requires="a14">
+          <p:sp>
+            <p:nvSpPr>
+              <p:cNvPr id="6" name="TextBox 5">
+                <a:extLst>
+                  <a:ext uri="{FF2B5EF4-FFF2-40B4-BE49-F238E27FC236}">
+                    <a16:creationId xmlns:a16="http://schemas.microsoft.com/office/drawing/2014/main" id="{E6F4BFEC-13CE-48AF-94D1-AA3F9F2772B3}"/>
+                  </a:ext>
+                </a:extLst>
+              </p:cNvPr>
+              <p:cNvSpPr txBox="1"/>
+              <p:nvPr/>
+            </p:nvSpPr>
+            <p:spPr>
+              <a:xfrm>
+                <a:off x="6063935" y="752476"/>
+                <a:ext cx="2830518" cy="924164"/>
+              </a:xfrm>
+              <a:prstGeom prst="rect">
+                <a:avLst/>
+              </a:prstGeom>
+              <a:solidFill>
+                <a:schemeClr val="bg1"/>
+              </a:solidFill>
+            </p:spPr>
+            <p:txBody>
+              <a:bodyPr wrap="none" lIns="0" tIns="0" rIns="0" bIns="0" rtlCol="0">
+                <a:spAutoFit/>
+              </a:bodyPr>
+              <a:lstStyle/>
+              <a:p>
+                <a:pPr/>
+                <a14:m>
+                  <m:oMathPara xmlns:m="http://schemas.openxmlformats.org/officeDocument/2006/math">
+                    <m:oMathParaPr>
+                      <m:jc m:val="centerGroup"/>
+                    </m:oMathParaPr>
+                    <m:oMath xmlns:m="http://schemas.openxmlformats.org/officeDocument/2006/math">
+                      <m:r>
+                        <a:rPr lang="en-US" sz="2200" b="0" i="1" smtClean="0">
+                          <a:latin typeface="Cambria Math" panose="02040503050406030204" pitchFamily="18" charset="0"/>
+                        </a:rPr>
+                        <m:t>𝐻</m:t>
+                      </m:r>
+                      <m:r>
+                        <a:rPr lang="en-US" sz="2200" b="0" i="1" smtClean="0">
+                          <a:latin typeface="Cambria Math" panose="02040503050406030204" pitchFamily="18" charset="0"/>
+                        </a:rPr>
+                        <m:t>=−</m:t>
+                      </m:r>
+                      <m:nary>
+                        <m:naryPr>
+                          <m:chr m:val="∑"/>
+                          <m:ctrlPr>
+                            <a:rPr lang="en-US" sz="2200" b="0" i="1" smtClean="0">
+                              <a:latin typeface="Cambria Math" panose="02040503050406030204" pitchFamily="18" charset="0"/>
+                            </a:rPr>
+                          </m:ctrlPr>
+                        </m:naryPr>
+                        <m:sub>
+                          <m:r>
+                            <m:rPr>
+                              <m:brk m:alnAt="23"/>
+                            </m:rPr>
+                            <a:rPr lang="en-US" sz="2200" b="0" i="1" smtClean="0">
+                              <a:latin typeface="Cambria Math" panose="02040503050406030204" pitchFamily="18" charset="0"/>
+                            </a:rPr>
+                            <m:t>𝑖</m:t>
+                          </m:r>
+                          <m:r>
+                            <a:rPr lang="en-US" sz="2200" b="0" i="1" smtClean="0">
+                              <a:latin typeface="Cambria Math" panose="02040503050406030204" pitchFamily="18" charset="0"/>
+                            </a:rPr>
+                            <m:t>=1</m:t>
+                          </m:r>
+                        </m:sub>
+                        <m:sup>
+                          <m:r>
+                            <a:rPr lang="en-US" sz="2200" b="0" i="1" smtClean="0">
+                              <a:latin typeface="Cambria Math" panose="02040503050406030204" pitchFamily="18" charset="0"/>
+                            </a:rPr>
+                            <m:t>𝑛</m:t>
+                          </m:r>
+                        </m:sup>
+                        <m:e>
+                          <m:sSub>
+                            <m:sSubPr>
+                              <m:ctrlPr>
+                                <a:rPr lang="en-US" sz="2200" b="0" i="1" smtClean="0">
+                                  <a:latin typeface="Cambria Math" panose="02040503050406030204" pitchFamily="18" charset="0"/>
+                                </a:rPr>
+                              </m:ctrlPr>
+                            </m:sSubPr>
+                            <m:e>
+                              <m:r>
+                                <a:rPr lang="en-US" sz="2200" b="0" i="1" smtClean="0">
+                                  <a:latin typeface="Cambria Math" panose="02040503050406030204" pitchFamily="18" charset="0"/>
+                                </a:rPr>
+                                <m:t>𝑝</m:t>
+                              </m:r>
+                            </m:e>
+                            <m:sub>
+                              <m:r>
+                                <a:rPr lang="en-US" sz="2200" b="0" i="1" smtClean="0">
+                                  <a:latin typeface="Cambria Math" panose="02040503050406030204" pitchFamily="18" charset="0"/>
+                                </a:rPr>
+                                <m:t>𝑖</m:t>
+                              </m:r>
+                            </m:sub>
+                          </m:sSub>
+                          <m:r>
+                            <a:rPr lang="en-US" sz="2200" b="0" i="1" smtClean="0">
+                              <a:latin typeface="Cambria Math" panose="02040503050406030204" pitchFamily="18" charset="0"/>
+                            </a:rPr>
+                            <m:t>∗</m:t>
+                          </m:r>
+                          <m:sSub>
+                            <m:sSubPr>
+                              <m:ctrlPr>
+                                <a:rPr lang="en-US" sz="2200" b="0" i="1" smtClean="0">
+                                  <a:latin typeface="Cambria Math" panose="02040503050406030204" pitchFamily="18" charset="0"/>
+                                </a:rPr>
+                              </m:ctrlPr>
+                            </m:sSubPr>
+                            <m:e>
+                              <m:r>
+                                <a:rPr lang="en-US" sz="2200" b="0" i="1" smtClean="0">
+                                  <a:latin typeface="Cambria Math" panose="02040503050406030204" pitchFamily="18" charset="0"/>
+                                </a:rPr>
+                                <m:t>𝑙𝑜𝑔</m:t>
+                              </m:r>
+                            </m:e>
+                            <m:sub>
+                              <m:r>
+                                <a:rPr lang="en-US" sz="2200" b="0" i="1" smtClean="0">
+                                  <a:latin typeface="Cambria Math" panose="02040503050406030204" pitchFamily="18" charset="0"/>
+                                </a:rPr>
+                                <m:t>𝑛</m:t>
+                              </m:r>
+                            </m:sub>
+                          </m:sSub>
+                          <m:d>
+                            <m:dPr>
+                              <m:ctrlPr>
+                                <a:rPr lang="en-US" sz="2200" b="0" i="1" smtClean="0">
+                                  <a:latin typeface="Cambria Math" panose="02040503050406030204" pitchFamily="18" charset="0"/>
+                                </a:rPr>
+                              </m:ctrlPr>
+                            </m:dPr>
+                            <m:e>
+                              <m:sSub>
+                                <m:sSubPr>
+                                  <m:ctrlPr>
+                                    <a:rPr lang="en-US" sz="2200" b="0" i="1" smtClean="0">
+                                      <a:latin typeface="Cambria Math" panose="02040503050406030204" pitchFamily="18" charset="0"/>
+                                    </a:rPr>
+                                  </m:ctrlPr>
+                                </m:sSubPr>
+                                <m:e>
+                                  <m:r>
+                                    <a:rPr lang="en-US" sz="2200" b="0" i="1" smtClean="0">
+                                      <a:latin typeface="Cambria Math" panose="02040503050406030204" pitchFamily="18" charset="0"/>
+                                    </a:rPr>
+                                    <m:t>𝑝</m:t>
+                                  </m:r>
+                                </m:e>
+                                <m:sub>
+                                  <m:r>
+                                    <a:rPr lang="en-US" sz="2200" b="0" i="1" smtClean="0">
+                                      <a:latin typeface="Cambria Math" panose="02040503050406030204" pitchFamily="18" charset="0"/>
+                                    </a:rPr>
+                                    <m:t>𝑖</m:t>
+                                  </m:r>
+                                </m:sub>
+                              </m:sSub>
+                            </m:e>
+                          </m:d>
+                        </m:e>
+                      </m:nary>
+                    </m:oMath>
+                  </m:oMathPara>
+                </a14:m>
+                <a:endParaRPr lang="en-US" sz="2200" dirty="0"/>
+              </a:p>
+            </p:txBody>
+          </p:sp>
+        </mc:Choice>
+        <mc:Fallback xmlns="">
+          <p:sp>
+            <p:nvSpPr>
+              <p:cNvPr id="6" name="TextBox 5">
+                <a:extLst>
+                  <a:ext uri="{FF2B5EF4-FFF2-40B4-BE49-F238E27FC236}">
+                    <a16:creationId xmlns:a16="http://schemas.microsoft.com/office/drawing/2014/main" id="{E6F4BFEC-13CE-48AF-94D1-AA3F9F2772B3}"/>
+                  </a:ext>
+                </a:extLst>
+              </p:cNvPr>
+              <p:cNvSpPr txBox="1">
+                <a:spLocks noRot="1" noChangeAspect="1" noMove="1" noResize="1" noEditPoints="1" noAdjustHandles="1" noChangeArrowheads="1" noChangeShapeType="1" noTextEdit="1"/>
+              </p:cNvSpPr>
+              <p:nvPr/>
+            </p:nvSpPr>
+            <p:spPr>
+              <a:xfrm>
+                <a:off x="6063935" y="752476"/>
+                <a:ext cx="2830518" cy="924164"/>
+              </a:xfrm>
+              <a:prstGeom prst="rect">
+                <a:avLst/>
+              </a:prstGeom>
+              <a:blipFill>
+                <a:blip r:embed="rId6"/>
+                <a:stretch>
+                  <a:fillRect/>
+                </a:stretch>
+              </a:blipFill>
+            </p:spPr>
+            <p:txBody>
+              <a:bodyPr/>
+              <a:lstStyle/>
+              <a:p>
+                <a:r>
+                  <a:rPr lang="en-US">
+                    <a:noFill/>
+                  </a:rPr>
+                  <a:t> </a:t>
+                </a:r>
+              </a:p>
+            </p:txBody>
+          </p:sp>
+        </mc:Fallback>
+      </mc:AlternateContent>
     </p:spTree>
     <p:extLst>
       <p:ext uri="{BB962C8B-B14F-4D97-AF65-F5344CB8AC3E}">
@@ -16890,6 +17126,239 @@
           </a:prstGeom>
         </p:spPr>
       </p:pic>
+      <mc:AlternateContent xmlns:mc="http://schemas.openxmlformats.org/markup-compatibility/2006" xmlns:a14="http://schemas.microsoft.com/office/drawing/2010/main">
+        <mc:Choice Requires="a14">
+          <p:sp>
+            <p:nvSpPr>
+              <p:cNvPr id="6" name="TextBox 5">
+                <a:extLst>
+                  <a:ext uri="{FF2B5EF4-FFF2-40B4-BE49-F238E27FC236}">
+                    <a16:creationId xmlns:a16="http://schemas.microsoft.com/office/drawing/2014/main" id="{B746B56F-7142-43E1-B655-C6F5AA1D24AD}"/>
+                  </a:ext>
+                </a:extLst>
+              </p:cNvPr>
+              <p:cNvSpPr txBox="1"/>
+              <p:nvPr/>
+            </p:nvSpPr>
+            <p:spPr>
+              <a:xfrm>
+                <a:off x="6183161" y="621121"/>
+                <a:ext cx="2830518" cy="924164"/>
+              </a:xfrm>
+              <a:prstGeom prst="rect">
+                <a:avLst/>
+              </a:prstGeom>
+              <a:solidFill>
+                <a:schemeClr val="bg1"/>
+              </a:solidFill>
+            </p:spPr>
+            <p:txBody>
+              <a:bodyPr wrap="none" lIns="0" tIns="0" rIns="0" bIns="0" rtlCol="0">
+                <a:spAutoFit/>
+              </a:bodyPr>
+              <a:lstStyle/>
+              <a:p>
+                <a:pPr/>
+                <a14:m>
+                  <m:oMathPara xmlns:m="http://schemas.openxmlformats.org/officeDocument/2006/math">
+                    <m:oMathParaPr>
+                      <m:jc m:val="centerGroup"/>
+                    </m:oMathParaPr>
+                    <m:oMath xmlns:m="http://schemas.openxmlformats.org/officeDocument/2006/math">
+                      <m:r>
+                        <a:rPr lang="en-US" sz="2200" b="0" i="1" smtClean="0">
+                          <a:latin typeface="Cambria Math" panose="02040503050406030204" pitchFamily="18" charset="0"/>
+                        </a:rPr>
+                        <m:t>𝐻</m:t>
+                      </m:r>
+                      <m:r>
+                        <a:rPr lang="en-US" sz="2200" b="0" i="1" smtClean="0">
+                          <a:latin typeface="Cambria Math" panose="02040503050406030204" pitchFamily="18" charset="0"/>
+                        </a:rPr>
+                        <m:t>=−</m:t>
+                      </m:r>
+                      <m:nary>
+                        <m:naryPr>
+                          <m:chr m:val="∑"/>
+                          <m:ctrlPr>
+                            <a:rPr lang="en-US" sz="2200" b="0" i="1" smtClean="0">
+                              <a:latin typeface="Cambria Math" panose="02040503050406030204" pitchFamily="18" charset="0"/>
+                            </a:rPr>
+                          </m:ctrlPr>
+                        </m:naryPr>
+                        <m:sub>
+                          <m:r>
+                            <m:rPr>
+                              <m:brk m:alnAt="23"/>
+                            </m:rPr>
+                            <a:rPr lang="en-US" sz="2200" b="0" i="1" smtClean="0">
+                              <a:latin typeface="Cambria Math" panose="02040503050406030204" pitchFamily="18" charset="0"/>
+                            </a:rPr>
+                            <m:t>𝑖</m:t>
+                          </m:r>
+                          <m:r>
+                            <a:rPr lang="en-US" sz="2200" b="0" i="1" smtClean="0">
+                              <a:latin typeface="Cambria Math" panose="02040503050406030204" pitchFamily="18" charset="0"/>
+                            </a:rPr>
+                            <m:t>=1</m:t>
+                          </m:r>
+                        </m:sub>
+                        <m:sup>
+                          <m:r>
+                            <a:rPr lang="en-US" sz="2200" b="0" i="1" smtClean="0">
+                              <a:latin typeface="Cambria Math" panose="02040503050406030204" pitchFamily="18" charset="0"/>
+                            </a:rPr>
+                            <m:t>𝑛</m:t>
+                          </m:r>
+                        </m:sup>
+                        <m:e>
+                          <m:sSub>
+                            <m:sSubPr>
+                              <m:ctrlPr>
+                                <a:rPr lang="en-US" sz="2200" b="0" i="1" smtClean="0">
+                                  <a:latin typeface="Cambria Math" panose="02040503050406030204" pitchFamily="18" charset="0"/>
+                                </a:rPr>
+                              </m:ctrlPr>
+                            </m:sSubPr>
+                            <m:e>
+                              <m:r>
+                                <a:rPr lang="en-US" sz="2200" b="0" i="1" smtClean="0">
+                                  <a:latin typeface="Cambria Math" panose="02040503050406030204" pitchFamily="18" charset="0"/>
+                                </a:rPr>
+                                <m:t>𝑝</m:t>
+                              </m:r>
+                            </m:e>
+                            <m:sub>
+                              <m:r>
+                                <a:rPr lang="en-US" sz="2200" b="0" i="1" smtClean="0">
+                                  <a:latin typeface="Cambria Math" panose="02040503050406030204" pitchFamily="18" charset="0"/>
+                                </a:rPr>
+                                <m:t>𝑖</m:t>
+                              </m:r>
+                            </m:sub>
+                          </m:sSub>
+                          <m:r>
+                            <a:rPr lang="en-US" sz="2200" b="0" i="1" smtClean="0">
+                              <a:latin typeface="Cambria Math" panose="02040503050406030204" pitchFamily="18" charset="0"/>
+                            </a:rPr>
+                            <m:t>∗</m:t>
+                          </m:r>
+                          <m:sSub>
+                            <m:sSubPr>
+                              <m:ctrlPr>
+                                <a:rPr lang="en-US" sz="2200" b="0" i="1" smtClean="0">
+                                  <a:latin typeface="Cambria Math" panose="02040503050406030204" pitchFamily="18" charset="0"/>
+                                </a:rPr>
+                              </m:ctrlPr>
+                            </m:sSubPr>
+                            <m:e>
+                              <m:r>
+                                <a:rPr lang="en-US" sz="2200" b="0" i="1" smtClean="0">
+                                  <a:latin typeface="Cambria Math" panose="02040503050406030204" pitchFamily="18" charset="0"/>
+                                </a:rPr>
+                                <m:t>𝑙𝑜𝑔</m:t>
+                              </m:r>
+                            </m:e>
+                            <m:sub>
+                              <m:r>
+                                <a:rPr lang="en-US" sz="2200" b="0" i="1" smtClean="0">
+                                  <a:latin typeface="Cambria Math" panose="02040503050406030204" pitchFamily="18" charset="0"/>
+                                </a:rPr>
+                                <m:t>𝑛</m:t>
+                              </m:r>
+                            </m:sub>
+                          </m:sSub>
+                          <m:d>
+                            <m:dPr>
+                              <m:ctrlPr>
+                                <a:rPr lang="en-US" sz="2200" b="0" i="1" smtClean="0">
+                                  <a:latin typeface="Cambria Math" panose="02040503050406030204" pitchFamily="18" charset="0"/>
+                                </a:rPr>
+                              </m:ctrlPr>
+                            </m:dPr>
+                            <m:e>
+                              <m:sSub>
+                                <m:sSubPr>
+                                  <m:ctrlPr>
+                                    <a:rPr lang="en-US" sz="2200" b="0" i="1" smtClean="0">
+                                      <a:latin typeface="Cambria Math" panose="02040503050406030204" pitchFamily="18" charset="0"/>
+                                    </a:rPr>
+                                  </m:ctrlPr>
+                                </m:sSubPr>
+                                <m:e>
+                                  <m:r>
+                                    <a:rPr lang="en-US" sz="2200" b="0" i="1" smtClean="0">
+                                      <a:latin typeface="Cambria Math" panose="02040503050406030204" pitchFamily="18" charset="0"/>
+                                    </a:rPr>
+                                    <m:t>𝑝</m:t>
+                                  </m:r>
+                                </m:e>
+                                <m:sub>
+                                  <m:r>
+                                    <a:rPr lang="en-US" sz="2200" b="0" i="1" smtClean="0">
+                                      <a:latin typeface="Cambria Math" panose="02040503050406030204" pitchFamily="18" charset="0"/>
+                                    </a:rPr>
+                                    <m:t>𝑖</m:t>
+                                  </m:r>
+                                </m:sub>
+                              </m:sSub>
+                            </m:e>
+                          </m:d>
+                        </m:e>
+                      </m:nary>
+                    </m:oMath>
+                  </m:oMathPara>
+                </a14:m>
+                <a:endParaRPr lang="en-US" sz="2200" dirty="0"/>
+              </a:p>
+            </p:txBody>
+          </p:sp>
+        </mc:Choice>
+        <mc:Fallback xmlns="">
+          <p:sp>
+            <p:nvSpPr>
+              <p:cNvPr id="6" name="TextBox 5">
+                <a:extLst>
+                  <a:ext uri="{FF2B5EF4-FFF2-40B4-BE49-F238E27FC236}">
+                    <a16:creationId xmlns:a16="http://schemas.microsoft.com/office/drawing/2014/main" id="{B746B56F-7142-43E1-B655-C6F5AA1D24AD}"/>
+                  </a:ext>
+                </a:extLst>
+              </p:cNvPr>
+              <p:cNvSpPr txBox="1">
+                <a:spLocks noRot="1" noChangeAspect="1" noMove="1" noResize="1" noEditPoints="1" noAdjustHandles="1" noChangeArrowheads="1" noChangeShapeType="1" noTextEdit="1"/>
+              </p:cNvSpPr>
+              <p:nvPr/>
+            </p:nvSpPr>
+            <p:spPr>
+              <a:xfrm>
+                <a:off x="6183161" y="621121"/>
+                <a:ext cx="2830518" cy="924164"/>
+              </a:xfrm>
+              <a:prstGeom prst="rect">
+                <a:avLst/>
+              </a:prstGeom>
+              <a:blipFill>
+                <a:blip r:embed="rId6"/>
+                <a:stretch>
+                  <a:fillRect/>
+                </a:stretch>
+              </a:blipFill>
+            </p:spPr>
+            <p:txBody>
+              <a:bodyPr/>
+              <a:lstStyle/>
+              <a:p>
+                <a:r>
+                  <a:rPr lang="en-US">
+                    <a:noFill/>
+                  </a:rPr>
+                  <a:t> </a:t>
+                </a:r>
+              </a:p>
+            </p:txBody>
+          </p:sp>
+        </mc:Fallback>
+      </mc:AlternateContent>
     </p:spTree>
     <p:extLst>
       <p:ext uri="{BB962C8B-B14F-4D97-AF65-F5344CB8AC3E}">
@@ -17486,6 +17955,239 @@
           </a:p>
         </p:txBody>
       </p:sp>
+      <mc:AlternateContent xmlns:mc="http://schemas.openxmlformats.org/markup-compatibility/2006" xmlns:a14="http://schemas.microsoft.com/office/drawing/2010/main">
+        <mc:Choice Requires="a14">
+          <p:sp>
+            <p:nvSpPr>
+              <p:cNvPr id="8" name="TextBox 7">
+                <a:extLst>
+                  <a:ext uri="{FF2B5EF4-FFF2-40B4-BE49-F238E27FC236}">
+                    <a16:creationId xmlns:a16="http://schemas.microsoft.com/office/drawing/2014/main" id="{DB42D898-716D-4886-9069-5C4487D7DCC1}"/>
+                  </a:ext>
+                </a:extLst>
+              </p:cNvPr>
+              <p:cNvSpPr txBox="1"/>
+              <p:nvPr/>
+            </p:nvSpPr>
+            <p:spPr>
+              <a:xfrm>
+                <a:off x="6063935" y="752476"/>
+                <a:ext cx="2910669" cy="924164"/>
+              </a:xfrm>
+              <a:prstGeom prst="rect">
+                <a:avLst/>
+              </a:prstGeom>
+              <a:solidFill>
+                <a:schemeClr val="bg1"/>
+              </a:solidFill>
+            </p:spPr>
+            <p:txBody>
+              <a:bodyPr wrap="none" lIns="0" tIns="0" rIns="0" bIns="0" rtlCol="0">
+                <a:spAutoFit/>
+              </a:bodyPr>
+              <a:lstStyle/>
+              <a:p>
+                <a:pPr/>
+                <a14:m>
+                  <m:oMathPara xmlns:m="http://schemas.openxmlformats.org/officeDocument/2006/math">
+                    <m:oMathParaPr>
+                      <m:jc m:val="centerGroup"/>
+                    </m:oMathParaPr>
+                    <m:oMath xmlns:m="http://schemas.openxmlformats.org/officeDocument/2006/math">
+                      <m:r>
+                        <a:rPr lang="en-US" sz="2200" b="0" i="1" smtClean="0">
+                          <a:latin typeface="Cambria Math" panose="02040503050406030204" pitchFamily="18" charset="0"/>
+                        </a:rPr>
+                        <m:t>𝐻</m:t>
+                      </m:r>
+                      <m:r>
+                        <a:rPr lang="en-US" sz="2200" b="0" i="1" smtClean="0">
+                          <a:latin typeface="Cambria Math" panose="02040503050406030204" pitchFamily="18" charset="0"/>
+                        </a:rPr>
+                        <m:t>=−</m:t>
+                      </m:r>
+                      <m:nary>
+                        <m:naryPr>
+                          <m:chr m:val="∑"/>
+                          <m:ctrlPr>
+                            <a:rPr lang="en-US" sz="2200" b="0" i="1" smtClean="0">
+                              <a:latin typeface="Cambria Math" panose="02040503050406030204" pitchFamily="18" charset="0"/>
+                            </a:rPr>
+                          </m:ctrlPr>
+                        </m:naryPr>
+                        <m:sub>
+                          <m:r>
+                            <m:rPr>
+                              <m:brk m:alnAt="23"/>
+                            </m:rPr>
+                            <a:rPr lang="en-US" sz="2200" b="0" i="1" smtClean="0">
+                              <a:latin typeface="Cambria Math" panose="02040503050406030204" pitchFamily="18" charset="0"/>
+                            </a:rPr>
+                            <m:t>𝑖</m:t>
+                          </m:r>
+                          <m:r>
+                            <a:rPr lang="en-US" sz="2200" b="0" i="1" smtClean="0">
+                              <a:latin typeface="Cambria Math" panose="02040503050406030204" pitchFamily="18" charset="0"/>
+                            </a:rPr>
+                            <m:t>=1</m:t>
+                          </m:r>
+                        </m:sub>
+                        <m:sup>
+                          <m:r>
+                            <a:rPr lang="en-US" sz="2200" b="0" i="1" smtClean="0">
+                              <a:latin typeface="Cambria Math" panose="02040503050406030204" pitchFamily="18" charset="0"/>
+                            </a:rPr>
+                            <m:t>𝑛</m:t>
+                          </m:r>
+                        </m:sup>
+                        <m:e>
+                          <m:sSub>
+                            <m:sSubPr>
+                              <m:ctrlPr>
+                                <a:rPr lang="en-US" sz="2200" b="0" i="1" smtClean="0">
+                                  <a:latin typeface="Cambria Math" panose="02040503050406030204" pitchFamily="18" charset="0"/>
+                                </a:rPr>
+                              </m:ctrlPr>
+                            </m:sSubPr>
+                            <m:e>
+                              <m:r>
+                                <a:rPr lang="en-US" sz="2200" b="0" i="1" smtClean="0">
+                                  <a:latin typeface="Cambria Math" panose="02040503050406030204" pitchFamily="18" charset="0"/>
+                                </a:rPr>
+                                <m:t>𝑝</m:t>
+                              </m:r>
+                            </m:e>
+                            <m:sub>
+                              <m:r>
+                                <a:rPr lang="en-US" sz="2200" b="0" i="1" smtClean="0">
+                                  <a:latin typeface="Cambria Math" panose="02040503050406030204" pitchFamily="18" charset="0"/>
+                                </a:rPr>
+                                <m:t>𝑖</m:t>
+                              </m:r>
+                            </m:sub>
+                          </m:sSub>
+                          <m:r>
+                            <a:rPr lang="en-US" sz="2200" b="0" i="1" smtClean="0">
+                              <a:latin typeface="Cambria Math" panose="02040503050406030204" pitchFamily="18" charset="0"/>
+                            </a:rPr>
+                            <m:t>∗</m:t>
+                          </m:r>
+                          <m:sSub>
+                            <m:sSubPr>
+                              <m:ctrlPr>
+                                <a:rPr lang="en-US" sz="2200" b="0" i="1" smtClean="0">
+                                  <a:latin typeface="Cambria Math" panose="02040503050406030204" pitchFamily="18" charset="0"/>
+                                </a:rPr>
+                              </m:ctrlPr>
+                            </m:sSubPr>
+                            <m:e>
+                              <m:r>
+                                <a:rPr lang="en-US" sz="2200" b="0" i="1" smtClean="0">
+                                  <a:latin typeface="Cambria Math" panose="02040503050406030204" pitchFamily="18" charset="0"/>
+                                </a:rPr>
+                                <m:t>𝑙𝑜𝑔</m:t>
+                              </m:r>
+                            </m:e>
+                            <m:sub>
+                              <m:r>
+                                <a:rPr lang="en-US" sz="2200" b="0" i="1" smtClean="0">
+                                  <a:latin typeface="Cambria Math" panose="02040503050406030204" pitchFamily="18" charset="0"/>
+                                </a:rPr>
+                                <m:t>2</m:t>
+                              </m:r>
+                            </m:sub>
+                          </m:sSub>
+                          <m:d>
+                            <m:dPr>
+                              <m:ctrlPr>
+                                <a:rPr lang="en-US" sz="2200" b="0" i="1" smtClean="0">
+                                  <a:latin typeface="Cambria Math" panose="02040503050406030204" pitchFamily="18" charset="0"/>
+                                </a:rPr>
+                              </m:ctrlPr>
+                            </m:dPr>
+                            <m:e>
+                              <m:sSub>
+                                <m:sSubPr>
+                                  <m:ctrlPr>
+                                    <a:rPr lang="en-US" sz="2200" b="0" i="1" smtClean="0">
+                                      <a:latin typeface="Cambria Math" panose="02040503050406030204" pitchFamily="18" charset="0"/>
+                                    </a:rPr>
+                                  </m:ctrlPr>
+                                </m:sSubPr>
+                                <m:e>
+                                  <m:r>
+                                    <a:rPr lang="en-US" sz="2200" b="0" i="1" smtClean="0">
+                                      <a:latin typeface="Cambria Math" panose="02040503050406030204" pitchFamily="18" charset="0"/>
+                                    </a:rPr>
+                                    <m:t>𝑝</m:t>
+                                  </m:r>
+                                </m:e>
+                                <m:sub>
+                                  <m:r>
+                                    <a:rPr lang="en-US" sz="2200" b="0" i="1" smtClean="0">
+                                      <a:latin typeface="Cambria Math" panose="02040503050406030204" pitchFamily="18" charset="0"/>
+                                    </a:rPr>
+                                    <m:t>𝑖</m:t>
+                                  </m:r>
+                                </m:sub>
+                              </m:sSub>
+                            </m:e>
+                          </m:d>
+                        </m:e>
+                      </m:nary>
+                    </m:oMath>
+                  </m:oMathPara>
+                </a14:m>
+                <a:endParaRPr lang="en-US" sz="2200" dirty="0"/>
+              </a:p>
+            </p:txBody>
+          </p:sp>
+        </mc:Choice>
+        <mc:Fallback xmlns="">
+          <p:sp>
+            <p:nvSpPr>
+              <p:cNvPr id="8" name="TextBox 7">
+                <a:extLst>
+                  <a:ext uri="{FF2B5EF4-FFF2-40B4-BE49-F238E27FC236}">
+                    <a16:creationId xmlns:a16="http://schemas.microsoft.com/office/drawing/2014/main" id="{DB42D898-716D-4886-9069-5C4487D7DCC1}"/>
+                  </a:ext>
+                </a:extLst>
+              </p:cNvPr>
+              <p:cNvSpPr txBox="1">
+                <a:spLocks noRot="1" noChangeAspect="1" noMove="1" noResize="1" noEditPoints="1" noAdjustHandles="1" noChangeArrowheads="1" noChangeShapeType="1" noTextEdit="1"/>
+              </p:cNvSpPr>
+              <p:nvPr/>
+            </p:nvSpPr>
+            <p:spPr>
+              <a:xfrm>
+                <a:off x="6063935" y="752476"/>
+                <a:ext cx="2910669" cy="924164"/>
+              </a:xfrm>
+              <a:prstGeom prst="rect">
+                <a:avLst/>
+              </a:prstGeom>
+              <a:blipFill>
+                <a:blip r:embed="rId6"/>
+                <a:stretch>
+                  <a:fillRect/>
+                </a:stretch>
+              </a:blipFill>
+            </p:spPr>
+            <p:txBody>
+              <a:bodyPr/>
+              <a:lstStyle/>
+              <a:p>
+                <a:r>
+                  <a:rPr lang="en-US">
+                    <a:noFill/>
+                  </a:rPr>
+                  <a:t> </a:t>
+                </a:r>
+              </a:p>
+            </p:txBody>
+          </p:sp>
+        </mc:Fallback>
+      </mc:AlternateContent>
     </p:spTree>
     <p:extLst>
       <p:ext uri="{BB962C8B-B14F-4D97-AF65-F5344CB8AC3E}">
@@ -18269,6 +18971,97 @@
           </a:p>
         </p:txBody>
       </p:sp>
+      <p:sp>
+        <p:nvSpPr>
+          <p:cNvPr id="4" name="Rectangle 3">
+            <a:extLst>
+              <a:ext uri="{FF2B5EF4-FFF2-40B4-BE49-F238E27FC236}">
+                <a16:creationId xmlns:a16="http://schemas.microsoft.com/office/drawing/2014/main" id="{76B81215-08D3-4AEE-BF09-7A5AFD917D16}"/>
+              </a:ext>
+            </a:extLst>
+          </p:cNvPr>
+          <p:cNvSpPr/>
+          <p:nvPr/>
+        </p:nvSpPr>
+        <p:spPr>
+          <a:xfrm>
+            <a:off x="168030" y="5937839"/>
+            <a:ext cx="8807939" cy="646331"/>
+          </a:xfrm>
+          <a:prstGeom prst="rect">
+            <a:avLst/>
+          </a:prstGeom>
+        </p:spPr>
+        <p:txBody>
+          <a:bodyPr wrap="square">
+            <a:spAutoFit/>
+          </a:bodyPr>
+          <a:lstStyle/>
+          <a:p>
+            <a:r>
+              <a:rPr lang="en-US" sz="1200" dirty="0">
+                <a:solidFill>
+                  <a:schemeClr val="bg1"/>
+                </a:solidFill>
+                <a:latin typeface="Candara" panose="020E0502030303020204" pitchFamily="34" charset="0"/>
+              </a:rPr>
+              <a:t>https://github.com/ncss-tech/stats_for_soil_survey/blob/master/exercise_ideas/mukind-entropy-1.R</a:t>
+            </a:r>
+          </a:p>
+          <a:p>
+            <a:r>
+              <a:rPr lang="en-US" sz="1200" dirty="0">
+                <a:solidFill>
+                  <a:schemeClr val="bg1"/>
+                </a:solidFill>
+                <a:latin typeface="Candara" panose="020E0502030303020204" pitchFamily="34" charset="0"/>
+              </a:rPr>
+              <a:t>https://github.com/ncss-tech/stats_for_soil_survey/blob/master/exercise_ideas/mukind-entropy-2.R</a:t>
+            </a:r>
+          </a:p>
+          <a:p>
+            <a:r>
+              <a:rPr lang="en-US" sz="1200" dirty="0">
+                <a:solidFill>
+                  <a:schemeClr val="bg1"/>
+                </a:solidFill>
+                <a:latin typeface="Candara" panose="020E0502030303020204" pitchFamily="34" charset="0"/>
+              </a:rPr>
+              <a:t>https://github.com/ncss-tech/stats_for_soil_survey/blob/master/exercise_ideas/CA792-MAST-STR-modeling.R</a:t>
+            </a:r>
+          </a:p>
+        </p:txBody>
+      </p:sp>
+      <p:pic>
+        <p:nvPicPr>
+          <p:cNvPr id="5" name="Picture 4">
+            <a:extLst>
+              <a:ext uri="{FF2B5EF4-FFF2-40B4-BE49-F238E27FC236}">
+                <a16:creationId xmlns:a16="http://schemas.microsoft.com/office/drawing/2014/main" id="{596E6830-9551-4F6B-B5D3-F8815BBEFD14}"/>
+              </a:ext>
+            </a:extLst>
+          </p:cNvPr>
+          <p:cNvPicPr>
+            <a:picLocks noChangeAspect="1"/>
+          </p:cNvPicPr>
+          <p:nvPr/>
+        </p:nvPicPr>
+        <p:blipFill>
+          <a:blip r:embed="rId3"/>
+          <a:stretch>
+            <a:fillRect/>
+          </a:stretch>
+        </p:blipFill>
+        <p:spPr>
+          <a:xfrm>
+            <a:off x="793488" y="1308486"/>
+            <a:ext cx="7557025" cy="4241027"/>
+          </a:xfrm>
+          <a:prstGeom prst="rect">
+            <a:avLst/>
+          </a:prstGeom>
+        </p:spPr>
+      </p:pic>
     </p:spTree>
     <p:extLst>
       <p:ext uri="{BB962C8B-B14F-4D97-AF65-F5344CB8AC3E}">

--- a/presentations/9_uncert_validation/9. Uncertainty_and_Validation_Beaudette.pptx
+++ b/presentations/9_uncert_validation/9. Uncertainty_and_Validation_Beaudette.pptx
@@ -5,7 +5,7 @@
     <p:sldMasterId id="2147483660" r:id="rId1"/>
   </p:sldMasterIdLst>
   <p:notesMasterIdLst>
-    <p:notesMasterId r:id="rId36"/>
+    <p:notesMasterId r:id="rId37"/>
   </p:notesMasterIdLst>
   <p:sldIdLst>
     <p:sldId id="257" r:id="rId2"/>
@@ -16,32 +16,33 @@
     <p:sldId id="349" r:id="rId7"/>
     <p:sldId id="332" r:id="rId8"/>
     <p:sldId id="333" r:id="rId9"/>
-    <p:sldId id="347" r:id="rId10"/>
-    <p:sldId id="336" r:id="rId11"/>
-    <p:sldId id="338" r:id="rId12"/>
-    <p:sldId id="340" r:id="rId13"/>
-    <p:sldId id="337" r:id="rId14"/>
-    <p:sldId id="351" r:id="rId15"/>
-    <p:sldId id="353" r:id="rId16"/>
-    <p:sldId id="350" r:id="rId17"/>
-    <p:sldId id="352" r:id="rId18"/>
-    <p:sldId id="346" r:id="rId19"/>
-    <p:sldId id="356" r:id="rId20"/>
-    <p:sldId id="354" r:id="rId21"/>
-    <p:sldId id="334" r:id="rId22"/>
-    <p:sldId id="366" r:id="rId23"/>
-    <p:sldId id="343" r:id="rId24"/>
-    <p:sldId id="365" r:id="rId25"/>
-    <p:sldId id="357" r:id="rId26"/>
-    <p:sldId id="358" r:id="rId27"/>
-    <p:sldId id="364" r:id="rId28"/>
-    <p:sldId id="355" r:id="rId29"/>
-    <p:sldId id="362" r:id="rId30"/>
-    <p:sldId id="360" r:id="rId31"/>
-    <p:sldId id="363" r:id="rId32"/>
-    <p:sldId id="361" r:id="rId33"/>
-    <p:sldId id="317" r:id="rId34"/>
-    <p:sldId id="323" r:id="rId35"/>
+    <p:sldId id="367" r:id="rId10"/>
+    <p:sldId id="347" r:id="rId11"/>
+    <p:sldId id="336" r:id="rId12"/>
+    <p:sldId id="338" r:id="rId13"/>
+    <p:sldId id="340" r:id="rId14"/>
+    <p:sldId id="337" r:id="rId15"/>
+    <p:sldId id="351" r:id="rId16"/>
+    <p:sldId id="353" r:id="rId17"/>
+    <p:sldId id="350" r:id="rId18"/>
+    <p:sldId id="352" r:id="rId19"/>
+    <p:sldId id="346" r:id="rId20"/>
+    <p:sldId id="356" r:id="rId21"/>
+    <p:sldId id="354" r:id="rId22"/>
+    <p:sldId id="334" r:id="rId23"/>
+    <p:sldId id="366" r:id="rId24"/>
+    <p:sldId id="343" r:id="rId25"/>
+    <p:sldId id="365" r:id="rId26"/>
+    <p:sldId id="357" r:id="rId27"/>
+    <p:sldId id="358" r:id="rId28"/>
+    <p:sldId id="364" r:id="rId29"/>
+    <p:sldId id="355" r:id="rId30"/>
+    <p:sldId id="362" r:id="rId31"/>
+    <p:sldId id="360" r:id="rId32"/>
+    <p:sldId id="363" r:id="rId33"/>
+    <p:sldId id="361" r:id="rId34"/>
+    <p:sldId id="317" r:id="rId35"/>
+    <p:sldId id="323" r:id="rId36"/>
   </p:sldIdLst>
   <p:sldSz cx="9144000" cy="6858000" type="screen4x3"/>
   <p:notesSz cx="6858000" cy="9144000"/>
@@ -230,7 +231,7 @@
           <a:p>
             <a:fld id="{1FEE0D44-209F-4E48-BF47-5709A25FBC07}" type="datetimeFigureOut">
               <a:rPr lang="en-US" smtClean="0"/>
-              <a:t>5/11/2021</a:t>
+              <a:t>2/23/2022</a:t>
             </a:fld>
             <a:endParaRPr lang="en-US"/>
           </a:p>
@@ -541,6 +542,41 @@
           <a:bodyPr/>
           <a:lstStyle/>
           <a:p>
+            <a:r>
+              <a:rPr lang="en-US" b="1" dirty="0"/>
+              <a:t>TODO:</a:t>
+            </a:r>
+          </a:p>
+          <a:p>
+            <a:pPr marL="171450" indent="-171450">
+              <a:buFont typeface="Arial" panose="020B0604020202020204" pitchFamily="34" charset="0"/>
+              <a:buChar char="•"/>
+            </a:pPr>
+            <a:r>
+              <a:rPr lang="en-US" b="0" dirty="0"/>
+              <a:t>a</a:t>
+            </a:r>
+            <a:r>
+              <a:rPr lang="en-US" dirty="0"/>
+              <a:t>dd Z's latest papers / posters on the topic of errors</a:t>
+            </a:r>
+          </a:p>
+          <a:p>
+            <a:pPr marL="171450" indent="-171450">
+              <a:buFont typeface="Arial" panose="020B0604020202020204" pitchFamily="34" charset="0"/>
+              <a:buChar char="•"/>
+            </a:pPr>
+            <a:r>
+              <a:rPr lang="en-US" dirty="0"/>
+              <a:t>SOC </a:t>
+            </a:r>
+            <a:r>
+              <a:rPr lang="en-US"/>
+              <a:t>stock calculation</a:t>
+            </a:r>
+            <a:endParaRPr lang="en-US" dirty="0"/>
+          </a:p>
+          <a:p>
             <a:endParaRPr lang="en-US" dirty="0"/>
           </a:p>
         </p:txBody>
@@ -655,7 +691,7 @@
     </p:spTree>
     <p:extLst>
       <p:ext uri="{BB962C8B-B14F-4D97-AF65-F5344CB8AC3E}">
-        <p14:creationId xmlns:p14="http://schemas.microsoft.com/office/powerpoint/2010/main" val="3417546208"/>
+        <p14:creationId xmlns:p14="http://schemas.microsoft.com/office/powerpoint/2010/main" val="2127940514"/>
       </p:ext>
     </p:extLst>
   </p:cSld>
@@ -709,29 +745,6 @@
           <a:bodyPr/>
           <a:lstStyle/>
           <a:p>
-            <a:pPr marL="0" marR="0" lvl="0" indent="0" algn="l" defTabSz="914400" rtl="0" eaLnBrk="1" fontAlgn="auto" latinLnBrk="0" hangingPunct="1">
-              <a:lnSpc>
-                <a:spcPct val="100000"/>
-              </a:lnSpc>
-              <a:spcBef>
-                <a:spcPts val="0"/>
-              </a:spcBef>
-              <a:spcAft>
-                <a:spcPts val="0"/>
-              </a:spcAft>
-              <a:buClrTx/>
-              <a:buSzTx/>
-              <a:buFontTx/>
-              <a:buNone/>
-              <a:tabLst/>
-              <a:defRPr/>
-            </a:pPr>
-            <a:r>
-              <a:rPr lang="en-GB" altLang="en-US" dirty="0"/>
-              <a:t>Three internal validation techniques are shown. Split-sample means that a random split is made, resulting in e.g. a 50% development and a 50% validation sample. Cross-validation uses the same principle, but alternates the development and validation samples (e.g. 50:50 split means 2 development and test rounds; a 90:10 split 10 rounds). The most extreme variant of cross-validation is the ‘jack-knife’, where n-1 patients are used for model development, with validation on the patient who was left out. The bootstrap is however the preferred technique (see next slide).</a:t>
-            </a:r>
-          </a:p>
-          <a:p>
             <a:endParaRPr lang="en-US" dirty="0"/>
           </a:p>
         </p:txBody>
@@ -762,7 +775,7 @@
     </p:spTree>
     <p:extLst>
       <p:ext uri="{BB962C8B-B14F-4D97-AF65-F5344CB8AC3E}">
-        <p14:creationId xmlns:p14="http://schemas.microsoft.com/office/powerpoint/2010/main" val="1122900930"/>
+        <p14:creationId xmlns:p14="http://schemas.microsoft.com/office/powerpoint/2010/main" val="3417546208"/>
       </p:ext>
     </p:extLst>
   </p:cSld>
@@ -816,6 +829,29 @@
           <a:bodyPr/>
           <a:lstStyle/>
           <a:p>
+            <a:pPr marL="0" marR="0" lvl="0" indent="0" algn="l" defTabSz="914400" rtl="0" eaLnBrk="1" fontAlgn="auto" latinLnBrk="0" hangingPunct="1">
+              <a:lnSpc>
+                <a:spcPct val="100000"/>
+              </a:lnSpc>
+              <a:spcBef>
+                <a:spcPts val="0"/>
+              </a:spcBef>
+              <a:spcAft>
+                <a:spcPts val="0"/>
+              </a:spcAft>
+              <a:buClrTx/>
+              <a:buSzTx/>
+              <a:buFontTx/>
+              <a:buNone/>
+              <a:tabLst/>
+              <a:defRPr/>
+            </a:pPr>
+            <a:r>
+              <a:rPr lang="en-GB" altLang="en-US" dirty="0"/>
+              <a:t>Three internal validation techniques are shown. Split-sample means that a random split is made, resulting in e.g. a 50% development and a 50% validation sample. Cross-validation uses the same principle, but alternates the development and validation samples (e.g. 50:50 split means 2 development and test rounds; a 90:10 split 10 rounds). The most extreme variant of cross-validation is the ‘jack-knife’, where n-1 patients are used for model development, with validation on the patient who was left out. The bootstrap is however the preferred technique (see next slide).</a:t>
+            </a:r>
+          </a:p>
+          <a:p>
             <a:endParaRPr lang="en-US" dirty="0"/>
           </a:p>
         </p:txBody>
@@ -846,7 +882,7 @@
     </p:spTree>
     <p:extLst>
       <p:ext uri="{BB962C8B-B14F-4D97-AF65-F5344CB8AC3E}">
-        <p14:creationId xmlns:p14="http://schemas.microsoft.com/office/powerpoint/2010/main" val="1729379841"/>
+        <p14:creationId xmlns:p14="http://schemas.microsoft.com/office/powerpoint/2010/main" val="1122900930"/>
       </p:ext>
     </p:extLst>
   </p:cSld>
@@ -930,7 +966,7 @@
     </p:spTree>
     <p:extLst>
       <p:ext uri="{BB962C8B-B14F-4D97-AF65-F5344CB8AC3E}">
-        <p14:creationId xmlns:p14="http://schemas.microsoft.com/office/powerpoint/2010/main" val="3119576366"/>
+        <p14:creationId xmlns:p14="http://schemas.microsoft.com/office/powerpoint/2010/main" val="1729379841"/>
       </p:ext>
     </p:extLst>
   </p:cSld>
@@ -1014,7 +1050,7 @@
     </p:spTree>
     <p:extLst>
       <p:ext uri="{BB962C8B-B14F-4D97-AF65-F5344CB8AC3E}">
-        <p14:creationId xmlns:p14="http://schemas.microsoft.com/office/powerpoint/2010/main" val="1117246393"/>
+        <p14:creationId xmlns:p14="http://schemas.microsoft.com/office/powerpoint/2010/main" val="3119576366"/>
       </p:ext>
     </p:extLst>
   </p:cSld>
@@ -1098,7 +1134,7 @@
     </p:spTree>
     <p:extLst>
       <p:ext uri="{BB962C8B-B14F-4D97-AF65-F5344CB8AC3E}">
-        <p14:creationId xmlns:p14="http://schemas.microsoft.com/office/powerpoint/2010/main" val="522285589"/>
+        <p14:creationId xmlns:p14="http://schemas.microsoft.com/office/powerpoint/2010/main" val="1117246393"/>
       </p:ext>
     </p:extLst>
   </p:cSld>
@@ -1182,7 +1218,7 @@
     </p:spTree>
     <p:extLst>
       <p:ext uri="{BB962C8B-B14F-4D97-AF65-F5344CB8AC3E}">
-        <p14:creationId xmlns:p14="http://schemas.microsoft.com/office/powerpoint/2010/main" val="4105102242"/>
+        <p14:creationId xmlns:p14="http://schemas.microsoft.com/office/powerpoint/2010/main" val="522285589"/>
       </p:ext>
     </p:extLst>
   </p:cSld>
@@ -1266,7 +1302,7 @@
     </p:spTree>
     <p:extLst>
       <p:ext uri="{BB962C8B-B14F-4D97-AF65-F5344CB8AC3E}">
-        <p14:creationId xmlns:p14="http://schemas.microsoft.com/office/powerpoint/2010/main" val="1869342958"/>
+        <p14:creationId xmlns:p14="http://schemas.microsoft.com/office/powerpoint/2010/main" val="4105102242"/>
       </p:ext>
     </p:extLst>
   </p:cSld>
@@ -1350,7 +1386,7 @@
     </p:spTree>
     <p:extLst>
       <p:ext uri="{BB962C8B-B14F-4D97-AF65-F5344CB8AC3E}">
-        <p14:creationId xmlns:p14="http://schemas.microsoft.com/office/powerpoint/2010/main" val="3985200639"/>
+        <p14:creationId xmlns:p14="http://schemas.microsoft.com/office/powerpoint/2010/main" val="1869342958"/>
       </p:ext>
     </p:extLst>
   </p:cSld>
@@ -1434,7 +1470,7 @@
     </p:spTree>
     <p:extLst>
       <p:ext uri="{BB962C8B-B14F-4D97-AF65-F5344CB8AC3E}">
-        <p14:creationId xmlns:p14="http://schemas.microsoft.com/office/powerpoint/2010/main" val="2566962196"/>
+        <p14:creationId xmlns:p14="http://schemas.microsoft.com/office/powerpoint/2010/main" val="3985200639"/>
       </p:ext>
     </p:extLst>
   </p:cSld>
@@ -1602,7 +1638,7 @@
     </p:spTree>
     <p:extLst>
       <p:ext uri="{BB962C8B-B14F-4D97-AF65-F5344CB8AC3E}">
-        <p14:creationId xmlns:p14="http://schemas.microsoft.com/office/powerpoint/2010/main" val="317085200"/>
+        <p14:creationId xmlns:p14="http://schemas.microsoft.com/office/powerpoint/2010/main" val="2566962196"/>
       </p:ext>
     </p:extLst>
   </p:cSld>
@@ -1686,7 +1722,7 @@
     </p:spTree>
     <p:extLst>
       <p:ext uri="{BB962C8B-B14F-4D97-AF65-F5344CB8AC3E}">
-        <p14:creationId xmlns:p14="http://schemas.microsoft.com/office/powerpoint/2010/main" val="2536461624"/>
+        <p14:creationId xmlns:p14="http://schemas.microsoft.com/office/powerpoint/2010/main" val="317085200"/>
       </p:ext>
     </p:extLst>
   </p:cSld>
@@ -1740,10 +1776,7 @@
           <a:bodyPr/>
           <a:lstStyle/>
           <a:p>
-            <a:r>
-              <a:rPr lang="en-US" dirty="0"/>
-              <a:t>related, but not the same</a:t>
-            </a:r>
+            <a:endParaRPr lang="en-US" dirty="0"/>
           </a:p>
         </p:txBody>
       </p:sp>
@@ -1773,7 +1806,7 @@
     </p:spTree>
     <p:extLst>
       <p:ext uri="{BB962C8B-B14F-4D97-AF65-F5344CB8AC3E}">
-        <p14:creationId xmlns:p14="http://schemas.microsoft.com/office/powerpoint/2010/main" val="1124252021"/>
+        <p14:creationId xmlns:p14="http://schemas.microsoft.com/office/powerpoint/2010/main" val="2536461624"/>
       </p:ext>
     </p:extLst>
   </p:cSld>
@@ -1827,7 +1860,10 @@
           <a:bodyPr/>
           <a:lstStyle/>
           <a:p>
-            <a:endParaRPr lang="en-US" dirty="0"/>
+            <a:r>
+              <a:rPr lang="en-US" dirty="0"/>
+              <a:t>related, but not the same</a:t>
+            </a:r>
           </a:p>
         </p:txBody>
       </p:sp>
@@ -1857,7 +1893,7 @@
     </p:spTree>
     <p:extLst>
       <p:ext uri="{BB962C8B-B14F-4D97-AF65-F5344CB8AC3E}">
-        <p14:creationId xmlns:p14="http://schemas.microsoft.com/office/powerpoint/2010/main" val="2698843015"/>
+        <p14:creationId xmlns:p14="http://schemas.microsoft.com/office/powerpoint/2010/main" val="1124252021"/>
       </p:ext>
     </p:extLst>
   </p:cSld>
@@ -1941,7 +1977,7 @@
     </p:spTree>
     <p:extLst>
       <p:ext uri="{BB962C8B-B14F-4D97-AF65-F5344CB8AC3E}">
-        <p14:creationId xmlns:p14="http://schemas.microsoft.com/office/powerpoint/2010/main" val="1426037521"/>
+        <p14:creationId xmlns:p14="http://schemas.microsoft.com/office/powerpoint/2010/main" val="2698843015"/>
       </p:ext>
     </p:extLst>
   </p:cSld>
@@ -2025,7 +2061,7 @@
     </p:spTree>
     <p:extLst>
       <p:ext uri="{BB962C8B-B14F-4D97-AF65-F5344CB8AC3E}">
-        <p14:creationId xmlns:p14="http://schemas.microsoft.com/office/powerpoint/2010/main" val="215829746"/>
+        <p14:creationId xmlns:p14="http://schemas.microsoft.com/office/powerpoint/2010/main" val="1426037521"/>
       </p:ext>
     </p:extLst>
   </p:cSld>
@@ -2109,7 +2145,7 @@
     </p:spTree>
     <p:extLst>
       <p:ext uri="{BB962C8B-B14F-4D97-AF65-F5344CB8AC3E}">
-        <p14:creationId xmlns:p14="http://schemas.microsoft.com/office/powerpoint/2010/main" val="1415862704"/>
+        <p14:creationId xmlns:p14="http://schemas.microsoft.com/office/powerpoint/2010/main" val="215829746"/>
       </p:ext>
     </p:extLst>
   </p:cSld>
@@ -2193,7 +2229,7 @@
     </p:spTree>
     <p:extLst>
       <p:ext uri="{BB962C8B-B14F-4D97-AF65-F5344CB8AC3E}">
-        <p14:creationId xmlns:p14="http://schemas.microsoft.com/office/powerpoint/2010/main" val="1499160887"/>
+        <p14:creationId xmlns:p14="http://schemas.microsoft.com/office/powerpoint/2010/main" val="1415862704"/>
       </p:ext>
     </p:extLst>
   </p:cSld>
@@ -2247,10 +2283,7 @@
           <a:bodyPr/>
           <a:lstStyle/>
           <a:p>
-            <a:r>
-              <a:rPr lang="en-US" dirty="0"/>
-              <a:t>using normalized Shannon entropy</a:t>
-            </a:r>
+            <a:endParaRPr lang="en-US" dirty="0"/>
           </a:p>
         </p:txBody>
       </p:sp>
@@ -2280,7 +2313,7 @@
     </p:spTree>
     <p:extLst>
       <p:ext uri="{BB962C8B-B14F-4D97-AF65-F5344CB8AC3E}">
-        <p14:creationId xmlns:p14="http://schemas.microsoft.com/office/powerpoint/2010/main" val="3494189358"/>
+        <p14:creationId xmlns:p14="http://schemas.microsoft.com/office/powerpoint/2010/main" val="1499160887"/>
       </p:ext>
     </p:extLst>
   </p:cSld>
@@ -2334,7 +2367,10 @@
           <a:bodyPr/>
           <a:lstStyle/>
           <a:p>
-            <a:endParaRPr lang="en-US" dirty="0"/>
+            <a:r>
+              <a:rPr lang="en-US" dirty="0"/>
+              <a:t>using normalized Shannon entropy</a:t>
+            </a:r>
           </a:p>
         </p:txBody>
       </p:sp>
@@ -2364,7 +2400,7 @@
     </p:spTree>
     <p:extLst>
       <p:ext uri="{BB962C8B-B14F-4D97-AF65-F5344CB8AC3E}">
-        <p14:creationId xmlns:p14="http://schemas.microsoft.com/office/powerpoint/2010/main" val="2394130383"/>
+        <p14:creationId xmlns:p14="http://schemas.microsoft.com/office/powerpoint/2010/main" val="3494189358"/>
       </p:ext>
     </p:extLst>
   </p:cSld>
@@ -2534,14 +2570,7 @@
           <a:bodyPr/>
           <a:lstStyle/>
           <a:p>
-            <a:r>
-              <a:rPr lang="en-US" dirty="0" err="1"/>
-              <a:t>DSMorph</a:t>
-            </a:r>
-            <a:r>
-              <a:rPr lang="en-US" dirty="0"/>
-              <a:t> Book chapter 18</a:t>
-            </a:r>
+            <a:endParaRPr lang="en-US" dirty="0"/>
           </a:p>
         </p:txBody>
       </p:sp>
@@ -2571,7 +2600,7 @@
     </p:spTree>
     <p:extLst>
       <p:ext uri="{BB962C8B-B14F-4D97-AF65-F5344CB8AC3E}">
-        <p14:creationId xmlns:p14="http://schemas.microsoft.com/office/powerpoint/2010/main" val="4268769645"/>
+        <p14:creationId xmlns:p14="http://schemas.microsoft.com/office/powerpoint/2010/main" val="2394130383"/>
       </p:ext>
     </p:extLst>
   </p:cSld>
@@ -2626,8 +2655,12 @@
           <a:lstStyle/>
           <a:p>
             <a:r>
+              <a:rPr lang="en-US" dirty="0" err="1"/>
+              <a:t>DSMorph</a:t>
+            </a:r>
+            <a:r>
               <a:rPr lang="en-US" dirty="0"/>
-              <a:t>https://acsess.onlinelibrary.wiley.com/doi/10.1002/saj2.20219</a:t>
+              <a:t> Book chapter 18</a:t>
             </a:r>
           </a:p>
         </p:txBody>
@@ -2658,7 +2691,7 @@
     </p:spTree>
     <p:extLst>
       <p:ext uri="{BB962C8B-B14F-4D97-AF65-F5344CB8AC3E}">
-        <p14:creationId xmlns:p14="http://schemas.microsoft.com/office/powerpoint/2010/main" val="1356851544"/>
+        <p14:creationId xmlns:p14="http://schemas.microsoft.com/office/powerpoint/2010/main" val="4268769645"/>
       </p:ext>
     </p:extLst>
   </p:cSld>
@@ -2712,7 +2745,10 @@
           <a:bodyPr/>
           <a:lstStyle/>
           <a:p>
-            <a:endParaRPr lang="en-US" dirty="0"/>
+            <a:r>
+              <a:rPr lang="en-US" dirty="0"/>
+              <a:t>https://acsess.onlinelibrary.wiley.com/doi/10.1002/saj2.20219</a:t>
+            </a:r>
           </a:p>
         </p:txBody>
       </p:sp>
@@ -2742,7 +2778,7 @@
     </p:spTree>
     <p:extLst>
       <p:ext uri="{BB962C8B-B14F-4D97-AF65-F5344CB8AC3E}">
-        <p14:creationId xmlns:p14="http://schemas.microsoft.com/office/powerpoint/2010/main" val="3508908563"/>
+        <p14:creationId xmlns:p14="http://schemas.microsoft.com/office/powerpoint/2010/main" val="1356851544"/>
       </p:ext>
     </p:extLst>
   </p:cSld>
@@ -2826,7 +2862,7 @@
     </p:spTree>
     <p:extLst>
       <p:ext uri="{BB962C8B-B14F-4D97-AF65-F5344CB8AC3E}">
-        <p14:creationId xmlns:p14="http://schemas.microsoft.com/office/powerpoint/2010/main" val="157695685"/>
+        <p14:creationId xmlns:p14="http://schemas.microsoft.com/office/powerpoint/2010/main" val="3508908563"/>
       </p:ext>
     </p:extLst>
   </p:cSld>
@@ -2902,6 +2938,90 @@
             <a:fld id="{459BFACE-0DFB-44A8-9511-CBB7B0A920B6}" type="slidenum">
               <a:rPr lang="en-US" smtClean="0"/>
               <a:t>34</a:t>
+            </a:fld>
+            <a:endParaRPr lang="en-US"/>
+          </a:p>
+        </p:txBody>
+      </p:sp>
+    </p:spTree>
+    <p:extLst>
+      <p:ext uri="{BB962C8B-B14F-4D97-AF65-F5344CB8AC3E}">
+        <p14:creationId xmlns:p14="http://schemas.microsoft.com/office/powerpoint/2010/main" val="157695685"/>
+      </p:ext>
+    </p:extLst>
+  </p:cSld>
+  <p:clrMapOvr>
+    <a:masterClrMapping/>
+  </p:clrMapOvr>
+</p:notes>
+</file>
+
+<file path=ppt/notesSlides/notesSlide35.xml><?xml version="1.0" encoding="utf-8"?>
+<p:notes xmlns:a="http://schemas.openxmlformats.org/drawingml/2006/main" xmlns:r="http://schemas.openxmlformats.org/officeDocument/2006/relationships" xmlns:p="http://schemas.openxmlformats.org/presentationml/2006/main">
+  <p:cSld>
+    <p:spTree>
+      <p:nvGrpSpPr>
+        <p:cNvPr id="1" name=""/>
+        <p:cNvGrpSpPr/>
+        <p:nvPr/>
+      </p:nvGrpSpPr>
+      <p:grpSpPr>
+        <a:xfrm>
+          <a:off x="0" y="0"/>
+          <a:ext cx="0" cy="0"/>
+          <a:chOff x="0" y="0"/>
+          <a:chExt cx="0" cy="0"/>
+        </a:xfrm>
+      </p:grpSpPr>
+      <p:sp>
+        <p:nvSpPr>
+          <p:cNvPr id="2" name="Slide Image Placeholder 1"/>
+          <p:cNvSpPr>
+            <a:spLocks noGrp="1" noRot="1" noChangeAspect="1"/>
+          </p:cNvSpPr>
+          <p:nvPr>
+            <p:ph type="sldImg"/>
+          </p:nvPr>
+        </p:nvSpPr>
+        <p:spPr/>
+      </p:sp>
+      <p:sp>
+        <p:nvSpPr>
+          <p:cNvPr id="3" name="Notes Placeholder 2"/>
+          <p:cNvSpPr>
+            <a:spLocks noGrp="1"/>
+          </p:cNvSpPr>
+          <p:nvPr>
+            <p:ph type="body" idx="1"/>
+          </p:nvPr>
+        </p:nvSpPr>
+        <p:spPr/>
+        <p:txBody>
+          <a:bodyPr/>
+          <a:lstStyle/>
+          <a:p>
+            <a:endParaRPr lang="en-US" dirty="0"/>
+          </a:p>
+        </p:txBody>
+      </p:sp>
+      <p:sp>
+        <p:nvSpPr>
+          <p:cNvPr id="4" name="Slide Number Placeholder 3"/>
+          <p:cNvSpPr>
+            <a:spLocks noGrp="1"/>
+          </p:cNvSpPr>
+          <p:nvPr>
+            <p:ph type="sldNum" sz="quarter" idx="10"/>
+          </p:nvPr>
+        </p:nvSpPr>
+        <p:spPr/>
+        <p:txBody>
+          <a:bodyPr/>
+          <a:lstStyle/>
+          <a:p>
+            <a:fld id="{459BFACE-0DFB-44A8-9511-CBB7B0A920B6}" type="slidenum">
+              <a:rPr lang="en-US" smtClean="0"/>
+              <a:t>35</a:t>
             </a:fld>
             <a:endParaRPr lang="en-US"/>
           </a:p>
@@ -3541,7 +3661,26 @@
           <a:bodyPr/>
           <a:lstStyle/>
           <a:p>
-            <a:endParaRPr lang="en-US" dirty="0"/>
+            <a:r>
+              <a:rPr lang="en-US" dirty="0"/>
+              <a:t>TODO: demonstrate adjusting </a:t>
+            </a:r>
+            <a:r>
+              <a:rPr lang="en-US" dirty="0" err="1"/>
+              <a:t>nodesize</a:t>
+            </a:r>
+            <a:r>
+              <a:rPr lang="en-US" dirty="0"/>
+              <a:t> argument to </a:t>
+            </a:r>
+            <a:r>
+              <a:rPr lang="en-US" dirty="0" err="1"/>
+              <a:t>randomForest</a:t>
+            </a:r>
+            <a:r>
+              <a:rPr lang="en-US" dirty="0"/>
+              <a:t>()</a:t>
+            </a:r>
           </a:p>
         </p:txBody>
       </p:sp>
@@ -3571,7 +3710,7 @@
     </p:spTree>
     <p:extLst>
       <p:ext uri="{BB962C8B-B14F-4D97-AF65-F5344CB8AC3E}">
-        <p14:creationId xmlns:p14="http://schemas.microsoft.com/office/powerpoint/2010/main" val="2127940514"/>
+        <p14:creationId xmlns:p14="http://schemas.microsoft.com/office/powerpoint/2010/main" val="1911420119"/>
       </p:ext>
     </p:extLst>
   </p:cSld>
@@ -3712,7 +3851,7 @@
           <a:p>
             <a:fld id="{ED142E25-4D6A-4E84-A843-638D116E87AA}" type="datetimeFigureOut">
               <a:rPr lang="en-US" smtClean="0"/>
-              <a:t>5/11/2021</a:t>
+              <a:t>2/23/2022</a:t>
             </a:fld>
             <a:endParaRPr lang="en-US"/>
           </a:p>
@@ -3882,7 +4021,7 @@
           <a:p>
             <a:fld id="{ED142E25-4D6A-4E84-A843-638D116E87AA}" type="datetimeFigureOut">
               <a:rPr lang="en-US" smtClean="0"/>
-              <a:t>5/11/2021</a:t>
+              <a:t>2/23/2022</a:t>
             </a:fld>
             <a:endParaRPr lang="en-US"/>
           </a:p>
@@ -4062,7 +4201,7 @@
           <a:p>
             <a:fld id="{ED142E25-4D6A-4E84-A843-638D116E87AA}" type="datetimeFigureOut">
               <a:rPr lang="en-US" smtClean="0"/>
-              <a:t>5/11/2021</a:t>
+              <a:t>2/23/2022</a:t>
             </a:fld>
             <a:endParaRPr lang="en-US"/>
           </a:p>
@@ -4232,7 +4371,7 @@
           <a:p>
             <a:fld id="{ED142E25-4D6A-4E84-A843-638D116E87AA}" type="datetimeFigureOut">
               <a:rPr lang="en-US" smtClean="0"/>
-              <a:t>5/11/2021</a:t>
+              <a:t>2/23/2022</a:t>
             </a:fld>
             <a:endParaRPr lang="en-US"/>
           </a:p>
@@ -4476,7 +4615,7 @@
           <a:p>
             <a:fld id="{ED142E25-4D6A-4E84-A843-638D116E87AA}" type="datetimeFigureOut">
               <a:rPr lang="en-US" smtClean="0"/>
-              <a:t>5/11/2021</a:t>
+              <a:t>2/23/2022</a:t>
             </a:fld>
             <a:endParaRPr lang="en-US"/>
           </a:p>
@@ -4708,7 +4847,7 @@
           <a:p>
             <a:fld id="{ED142E25-4D6A-4E84-A843-638D116E87AA}" type="datetimeFigureOut">
               <a:rPr lang="en-US" smtClean="0"/>
-              <a:t>5/11/2021</a:t>
+              <a:t>2/23/2022</a:t>
             </a:fld>
             <a:endParaRPr lang="en-US"/>
           </a:p>
@@ -5075,7 +5214,7 @@
           <a:p>
             <a:fld id="{ED142E25-4D6A-4E84-A843-638D116E87AA}" type="datetimeFigureOut">
               <a:rPr lang="en-US" smtClean="0"/>
-              <a:t>5/11/2021</a:t>
+              <a:t>2/23/2022</a:t>
             </a:fld>
             <a:endParaRPr lang="en-US"/>
           </a:p>
@@ -5193,7 +5332,7 @@
           <a:p>
             <a:fld id="{ED142E25-4D6A-4E84-A843-638D116E87AA}" type="datetimeFigureOut">
               <a:rPr lang="en-US" smtClean="0"/>
-              <a:t>5/11/2021</a:t>
+              <a:t>2/23/2022</a:t>
             </a:fld>
             <a:endParaRPr lang="en-US"/>
           </a:p>
@@ -5288,7 +5427,7 @@
           <a:p>
             <a:fld id="{ED142E25-4D6A-4E84-A843-638D116E87AA}" type="datetimeFigureOut">
               <a:rPr lang="en-US" smtClean="0"/>
-              <a:t>5/11/2021</a:t>
+              <a:t>2/23/2022</a:t>
             </a:fld>
             <a:endParaRPr lang="en-US"/>
           </a:p>
@@ -5565,7 +5704,7 @@
           <a:p>
             <a:fld id="{ED142E25-4D6A-4E84-A843-638D116E87AA}" type="datetimeFigureOut">
               <a:rPr lang="en-US" smtClean="0"/>
-              <a:t>5/11/2021</a:t>
+              <a:t>2/23/2022</a:t>
             </a:fld>
             <a:endParaRPr lang="en-US"/>
           </a:p>
@@ -5822,7 +5961,7 @@
           <a:p>
             <a:fld id="{ED142E25-4D6A-4E84-A843-638D116E87AA}" type="datetimeFigureOut">
               <a:rPr lang="en-US" smtClean="0"/>
-              <a:t>5/11/2021</a:t>
+              <a:t>2/23/2022</a:t>
             </a:fld>
             <a:endParaRPr lang="en-US"/>
           </a:p>
@@ -6035,7 +6174,7 @@
           <a:p>
             <a:fld id="{ED142E25-4D6A-4E84-A843-638D116E87AA}" type="datetimeFigureOut">
               <a:rPr lang="en-US" smtClean="0"/>
-              <a:t>5/11/2021</a:t>
+              <a:t>2/23/2022</a:t>
             </a:fld>
             <a:endParaRPr lang="en-US"/>
           </a:p>
@@ -6681,6 +6820,183 @@
       </p:grpSpPr>
       <p:sp>
         <p:nvSpPr>
+          <p:cNvPr id="2" name="TextBox 1">
+            <a:extLst>
+              <a:ext uri="{FF2B5EF4-FFF2-40B4-BE49-F238E27FC236}">
+                <a16:creationId xmlns:a16="http://schemas.microsoft.com/office/drawing/2014/main" id="{8620DD9E-4B2E-4CAF-904E-2C385416DD9B}"/>
+              </a:ext>
+            </a:extLst>
+          </p:cNvPr>
+          <p:cNvSpPr txBox="1"/>
+          <p:nvPr/>
+        </p:nvSpPr>
+        <p:spPr>
+          <a:xfrm>
+            <a:off x="9525" y="-38784"/>
+            <a:ext cx="5769336" cy="646331"/>
+          </a:xfrm>
+          <a:prstGeom prst="rect">
+            <a:avLst/>
+          </a:prstGeom>
+          <a:noFill/>
+        </p:spPr>
+        <p:txBody>
+          <a:bodyPr wrap="none" rtlCol="0">
+            <a:spAutoFit/>
+          </a:bodyPr>
+          <a:lstStyle/>
+          <a:p>
+            <a:r>
+              <a:rPr lang="en-US" sz="3600" b="1" dirty="0">
+                <a:solidFill>
+                  <a:schemeClr val="bg1"/>
+                </a:solidFill>
+                <a:latin typeface="Candara" panose="020E0502030303020204" pitchFamily="34" charset="0"/>
+              </a:rPr>
+              <a:t>Bias—Variance Compromise</a:t>
+            </a:r>
+          </a:p>
+        </p:txBody>
+      </p:sp>
+      <p:pic>
+        <p:nvPicPr>
+          <p:cNvPr id="2050" name="Picture 2" descr="Curve-Fitting">
+            <a:extLst>
+              <a:ext uri="{FF2B5EF4-FFF2-40B4-BE49-F238E27FC236}">
+                <a16:creationId xmlns:a16="http://schemas.microsoft.com/office/drawing/2014/main" id="{3E6DFC5D-A942-4E10-998A-BE41CFB2D77D}"/>
+              </a:ext>
+            </a:extLst>
+          </p:cNvPr>
+          <p:cNvPicPr>
+            <a:picLocks noChangeAspect="1" noChangeArrowheads="1"/>
+          </p:cNvPicPr>
+          <p:nvPr/>
+        </p:nvPicPr>
+        <p:blipFill>
+          <a:blip r:embed="rId3">
+            <a:extLst>
+              <a:ext uri="{28A0092B-C50C-407E-A947-70E740481C1C}">
+                <a14:useLocalDpi xmlns:a14="http://schemas.microsoft.com/office/drawing/2010/main" val="0"/>
+              </a:ext>
+            </a:extLst>
+          </a:blip>
+          <a:srcRect/>
+          <a:stretch>
+            <a:fillRect/>
+          </a:stretch>
+        </p:blipFill>
+        <p:spPr bwMode="auto">
+          <a:xfrm>
+            <a:off x="2607829" y="556168"/>
+            <a:ext cx="3928341" cy="6234545"/>
+          </a:xfrm>
+          <a:prstGeom prst="rect">
+            <a:avLst/>
+          </a:prstGeom>
+          <a:noFill/>
+          <a:extLst>
+            <a:ext uri="{909E8E84-426E-40DD-AFC4-6F175D3DCCD1}">
+              <a14:hiddenFill xmlns:a14="http://schemas.microsoft.com/office/drawing/2010/main">
+                <a:solidFill>
+                  <a:srgbClr val="FFFFFF"/>
+                </a:solidFill>
+              </a14:hiddenFill>
+            </a:ext>
+          </a:extLst>
+        </p:spPr>
+      </p:pic>
+      <p:sp>
+        <p:nvSpPr>
+          <p:cNvPr id="3" name="Rectangle 2">
+            <a:extLst>
+              <a:ext uri="{FF2B5EF4-FFF2-40B4-BE49-F238E27FC236}">
+                <a16:creationId xmlns:a16="http://schemas.microsoft.com/office/drawing/2014/main" id="{E95F6645-1DB8-4A81-809F-4789160A7789}"/>
+              </a:ext>
+            </a:extLst>
+          </p:cNvPr>
+          <p:cNvSpPr/>
+          <p:nvPr/>
+        </p:nvSpPr>
+        <p:spPr>
+          <a:xfrm>
+            <a:off x="6701820" y="6421381"/>
+            <a:ext cx="2432654" cy="369332"/>
+          </a:xfrm>
+          <a:prstGeom prst="rect">
+            <a:avLst/>
+          </a:prstGeom>
+        </p:spPr>
+        <p:txBody>
+          <a:bodyPr wrap="none">
+            <a:spAutoFit/>
+          </a:bodyPr>
+          <a:lstStyle/>
+          <a:p>
+            <a:r>
+              <a:rPr lang="en-US" dirty="0">
+                <a:solidFill>
+                  <a:schemeClr val="bg1"/>
+                </a:solidFill>
+                <a:latin typeface="Candara" panose="020E0502030303020204" pitchFamily="34" charset="0"/>
+                <a:hlinkClick r:id="rId4">
+                  <a:extLst>
+                    <a:ext uri="{A12FA001-AC4F-418D-AE19-62706E023703}">
+                      <ahyp:hlinkClr xmlns:ahyp="http://schemas.microsoft.com/office/drawing/2018/hyperlinkcolor" val="tx"/>
+                    </a:ext>
+                  </a:extLst>
+                </a:hlinkClick>
+              </a:rPr>
+              <a:t>https://xkcd.com/2048/</a:t>
+            </a:r>
+            <a:endParaRPr lang="en-US" dirty="0">
+              <a:solidFill>
+                <a:schemeClr val="bg1"/>
+              </a:solidFill>
+              <a:latin typeface="Candara" panose="020E0502030303020204" pitchFamily="34" charset="0"/>
+            </a:endParaRPr>
+          </a:p>
+        </p:txBody>
+      </p:sp>
+    </p:spTree>
+    <p:extLst>
+      <p:ext uri="{BB962C8B-B14F-4D97-AF65-F5344CB8AC3E}">
+        <p14:creationId xmlns:p14="http://schemas.microsoft.com/office/powerpoint/2010/main" val="70866279"/>
+      </p:ext>
+    </p:extLst>
+  </p:cSld>
+  <p:clrMapOvr>
+    <a:masterClrMapping/>
+  </p:clrMapOvr>
+</p:sld>
+</file>
+
+<file path=ppt/slides/slide11.xml><?xml version="1.0" encoding="utf-8"?>
+<p:sld xmlns:a="http://schemas.openxmlformats.org/drawingml/2006/main" xmlns:r="http://schemas.openxmlformats.org/officeDocument/2006/relationships" xmlns:p="http://schemas.openxmlformats.org/presentationml/2006/main">
+  <p:cSld>
+    <p:bg>
+      <p:bgPr>
+        <a:solidFill>
+          <a:schemeClr val="tx1"/>
+        </a:solidFill>
+        <a:effectLst/>
+      </p:bgPr>
+    </p:bg>
+    <p:spTree>
+      <p:nvGrpSpPr>
+        <p:cNvPr id="1" name=""/>
+        <p:cNvGrpSpPr/>
+        <p:nvPr/>
+      </p:nvGrpSpPr>
+      <p:grpSpPr>
+        <a:xfrm>
+          <a:off x="0" y="0"/>
+          <a:ext cx="0" cy="0"/>
+          <a:chOff x="0" y="0"/>
+          <a:chExt cx="0" cy="0"/>
+        </a:xfrm>
+      </p:grpSpPr>
+      <p:sp>
+        <p:nvSpPr>
           <p:cNvPr id="11" name="TextBox 10">
             <a:extLst>
               <a:ext uri="{FF2B5EF4-FFF2-40B4-BE49-F238E27FC236}">
@@ -6762,7 +7078,7 @@
 </p:sld>
 </file>
 
-<file path=ppt/slides/slide11.xml><?xml version="1.0" encoding="utf-8"?>
+<file path=ppt/slides/slide12.xml><?xml version="1.0" encoding="utf-8"?>
 <p:sld xmlns:a="http://schemas.openxmlformats.org/drawingml/2006/main" xmlns:r="http://schemas.openxmlformats.org/officeDocument/2006/relationships" xmlns:p="http://schemas.openxmlformats.org/presentationml/2006/main">
   <p:cSld>
     <p:bg>
@@ -7170,7 +7486,7 @@
 </p:sld>
 </file>
 
-<file path=ppt/slides/slide12.xml><?xml version="1.0" encoding="utf-8"?>
+<file path=ppt/slides/slide13.xml><?xml version="1.0" encoding="utf-8"?>
 <p:sld xmlns:a="http://schemas.openxmlformats.org/drawingml/2006/main" xmlns:r="http://schemas.openxmlformats.org/officeDocument/2006/relationships" xmlns:p="http://schemas.openxmlformats.org/presentationml/2006/main">
   <p:cSld>
     <p:bg>
@@ -7983,7 +8299,7 @@
 </p:sld>
 </file>
 
-<file path=ppt/slides/slide13.xml><?xml version="1.0" encoding="utf-8"?>
+<file path=ppt/slides/slide14.xml><?xml version="1.0" encoding="utf-8"?>
 <p:sld xmlns:a="http://schemas.openxmlformats.org/drawingml/2006/main" xmlns:r="http://schemas.openxmlformats.org/officeDocument/2006/relationships" xmlns:p="http://schemas.openxmlformats.org/presentationml/2006/main">
   <p:cSld>
     <p:bg>
@@ -8243,7 +8559,7 @@
 </p:sld>
 </file>
 
-<file path=ppt/slides/slide14.xml><?xml version="1.0" encoding="utf-8"?>
+<file path=ppt/slides/slide15.xml><?xml version="1.0" encoding="utf-8"?>
 <p:sld xmlns:a="http://schemas.openxmlformats.org/drawingml/2006/main" xmlns:r="http://schemas.openxmlformats.org/officeDocument/2006/relationships" xmlns:p="http://schemas.openxmlformats.org/presentationml/2006/main">
   <p:cSld>
     <p:bg>
@@ -9104,7 +9420,7 @@
 </p:sld>
 </file>
 
-<file path=ppt/slides/slide15.xml><?xml version="1.0" encoding="utf-8"?>
+<file path=ppt/slides/slide16.xml><?xml version="1.0" encoding="utf-8"?>
 <p:sld xmlns:a="http://schemas.openxmlformats.org/drawingml/2006/main" xmlns:r="http://schemas.openxmlformats.org/officeDocument/2006/relationships" xmlns:p="http://schemas.openxmlformats.org/presentationml/2006/main">
   <p:cSld>
     <p:bg>
@@ -11006,307 +11322,6 @@
 </p:sld>
 </file>
 
-<file path=ppt/slides/slide16.xml><?xml version="1.0" encoding="utf-8"?>
-<p:sld xmlns:a="http://schemas.openxmlformats.org/drawingml/2006/main" xmlns:r="http://schemas.openxmlformats.org/officeDocument/2006/relationships" xmlns:p="http://schemas.openxmlformats.org/presentationml/2006/main">
-  <p:cSld>
-    <p:bg>
-      <p:bgPr>
-        <a:solidFill>
-          <a:schemeClr val="tx1"/>
-        </a:solidFill>
-        <a:effectLst/>
-      </p:bgPr>
-    </p:bg>
-    <p:spTree>
-      <p:nvGrpSpPr>
-        <p:cNvPr id="1" name=""/>
-        <p:cNvGrpSpPr/>
-        <p:nvPr/>
-      </p:nvGrpSpPr>
-      <p:grpSpPr>
-        <a:xfrm>
-          <a:off x="0" y="0"/>
-          <a:ext cx="0" cy="0"/>
-          <a:chOff x="0" y="0"/>
-          <a:chExt cx="0" cy="0"/>
-        </a:xfrm>
-      </p:grpSpPr>
-      <p:sp>
-        <p:nvSpPr>
-          <p:cNvPr id="11" name="TextBox 10">
-            <a:extLst>
-              <a:ext uri="{FF2B5EF4-FFF2-40B4-BE49-F238E27FC236}">
-                <a16:creationId xmlns:a16="http://schemas.microsoft.com/office/drawing/2014/main" id="{94F7AF02-97E2-4C34-A6BC-ADE93CE4F163}"/>
-              </a:ext>
-            </a:extLst>
-          </p:cNvPr>
-          <p:cNvSpPr txBox="1"/>
-          <p:nvPr/>
-        </p:nvSpPr>
-        <p:spPr>
-          <a:xfrm>
-            <a:off x="9525" y="-38784"/>
-            <a:ext cx="3770006" cy="646331"/>
-          </a:xfrm>
-          <a:prstGeom prst="rect">
-            <a:avLst/>
-          </a:prstGeom>
-          <a:noFill/>
-        </p:spPr>
-        <p:txBody>
-          <a:bodyPr wrap="none" rtlCol="0">
-            <a:spAutoFit/>
-          </a:bodyPr>
-          <a:lstStyle/>
-          <a:p>
-            <a:r>
-              <a:rPr lang="en-US" sz="3600" b="1" dirty="0">
-                <a:solidFill>
-                  <a:schemeClr val="bg1"/>
-                </a:solidFill>
-                <a:latin typeface="Candara" panose="020E0502030303020204" pitchFamily="34" charset="0"/>
-              </a:rPr>
-              <a:t>Validation Metrics</a:t>
-            </a:r>
-          </a:p>
-        </p:txBody>
-      </p:sp>
-      <p:sp>
-        <p:nvSpPr>
-          <p:cNvPr id="2" name="Rectangle 1">
-            <a:extLst>
-              <a:ext uri="{FF2B5EF4-FFF2-40B4-BE49-F238E27FC236}">
-                <a16:creationId xmlns:a16="http://schemas.microsoft.com/office/drawing/2014/main" id="{84A8AAE2-5A41-4864-9BCA-3DCFD5CE5D70}"/>
-              </a:ext>
-            </a:extLst>
-          </p:cNvPr>
-          <p:cNvSpPr/>
-          <p:nvPr/>
-        </p:nvSpPr>
-        <p:spPr>
-          <a:xfrm>
-            <a:off x="642613" y="710817"/>
-            <a:ext cx="8021553" cy="6093976"/>
-          </a:xfrm>
-          <a:prstGeom prst="rect">
-            <a:avLst/>
-          </a:prstGeom>
-        </p:spPr>
-        <p:txBody>
-          <a:bodyPr wrap="square">
-            <a:spAutoFit/>
-          </a:bodyPr>
-          <a:lstStyle/>
-          <a:p>
-            <a:pPr marL="342900" indent="-342900">
-              <a:buFont typeface="Arial" panose="020B0604020202020204" pitchFamily="34" charset="0"/>
-              <a:buChar char="•"/>
-            </a:pPr>
-            <a:r>
-              <a:rPr lang="en-US" sz="3000" dirty="0">
-                <a:solidFill>
-                  <a:schemeClr val="bg1"/>
-                </a:solidFill>
-                <a:latin typeface="Candara" panose="020E0502030303020204" pitchFamily="34" charset="0"/>
-              </a:rPr>
-              <a:t>Ratio (continuous)</a:t>
-            </a:r>
-          </a:p>
-          <a:p>
-            <a:pPr marL="800100" lvl="1" indent="-342900">
-              <a:buFont typeface="Arial" panose="020B0604020202020204" pitchFamily="34" charset="0"/>
-              <a:buChar char="•"/>
-            </a:pPr>
-            <a:r>
-              <a:rPr lang="en-US" sz="3000" dirty="0">
-                <a:solidFill>
-                  <a:schemeClr val="bg1"/>
-                </a:solidFill>
-                <a:latin typeface="Candara" panose="020E0502030303020204" pitchFamily="34" charset="0"/>
-              </a:rPr>
-              <a:t>RMSE</a:t>
-            </a:r>
-          </a:p>
-          <a:p>
-            <a:pPr marL="800100" lvl="1" indent="-342900">
-              <a:buFont typeface="Arial" panose="020B0604020202020204" pitchFamily="34" charset="0"/>
-              <a:buChar char="•"/>
-            </a:pPr>
-            <a:r>
-              <a:rPr lang="en-US" sz="3000" dirty="0">
-                <a:solidFill>
-                  <a:schemeClr val="bg1"/>
-                </a:solidFill>
-                <a:latin typeface="Candara" panose="020E0502030303020204" pitchFamily="34" charset="0"/>
-              </a:rPr>
-              <a:t>MAE</a:t>
-            </a:r>
-          </a:p>
-          <a:p>
-            <a:pPr marL="800100" lvl="1" indent="-342900">
-              <a:buFont typeface="Arial" panose="020B0604020202020204" pitchFamily="34" charset="0"/>
-              <a:buChar char="•"/>
-            </a:pPr>
-            <a:r>
-              <a:rPr lang="en-US" sz="3000" dirty="0">
-                <a:solidFill>
-                  <a:schemeClr val="bg1"/>
-                </a:solidFill>
-                <a:latin typeface="Candara" panose="020E0502030303020204" pitchFamily="34" charset="0"/>
-              </a:rPr>
-              <a:t>correlation coefficient</a:t>
-            </a:r>
-          </a:p>
-          <a:p>
-            <a:pPr marL="800100" lvl="1" indent="-342900">
-              <a:buFont typeface="Arial" panose="020B0604020202020204" pitchFamily="34" charset="0"/>
-              <a:buChar char="•"/>
-            </a:pPr>
-            <a:r>
-              <a:rPr lang="en-US" sz="3000" dirty="0">
-                <a:solidFill>
-                  <a:schemeClr val="bg1"/>
-                </a:solidFill>
-                <a:latin typeface="Candara" panose="020E0502030303020204" pitchFamily="34" charset="0"/>
-              </a:rPr>
-              <a:t>mean "distance" (n-D)  from standard</a:t>
-            </a:r>
-            <a:br>
-              <a:rPr lang="en-US" sz="3000" dirty="0">
-                <a:solidFill>
-                  <a:schemeClr val="bg1"/>
-                </a:solidFill>
-                <a:latin typeface="Candara" panose="020E0502030303020204" pitchFamily="34" charset="0"/>
-              </a:rPr>
-            </a:br>
-            <a:endParaRPr lang="en-US" sz="3000" dirty="0">
-              <a:solidFill>
-                <a:schemeClr val="bg1"/>
-              </a:solidFill>
-              <a:latin typeface="Candara" panose="020E0502030303020204" pitchFamily="34" charset="0"/>
-            </a:endParaRPr>
-          </a:p>
-          <a:p>
-            <a:pPr marL="342900" indent="-342900">
-              <a:buFont typeface="Arial" panose="020B0604020202020204" pitchFamily="34" charset="0"/>
-              <a:buChar char="•"/>
-            </a:pPr>
-            <a:r>
-              <a:rPr lang="en-US" sz="3000" dirty="0">
-                <a:solidFill>
-                  <a:schemeClr val="bg1"/>
-                </a:solidFill>
-                <a:latin typeface="Candara" panose="020E0502030303020204" pitchFamily="34" charset="0"/>
-              </a:rPr>
-              <a:t>Nominal (categorical, without order)</a:t>
-            </a:r>
-          </a:p>
-          <a:p>
-            <a:pPr marL="800100" lvl="1" indent="-342900">
-              <a:buFont typeface="Arial" panose="020B0604020202020204" pitchFamily="34" charset="0"/>
-              <a:buChar char="•"/>
-            </a:pPr>
-            <a:r>
-              <a:rPr lang="en-US" sz="3000" dirty="0">
-                <a:solidFill>
-                  <a:schemeClr val="bg1"/>
-                </a:solidFill>
-                <a:latin typeface="Candara" panose="020E0502030303020204" pitchFamily="34" charset="0"/>
-              </a:rPr>
-              <a:t>probability-based:</a:t>
-            </a:r>
-          </a:p>
-          <a:p>
-            <a:pPr marL="1257300" lvl="2" indent="-342900">
-              <a:buFont typeface="Arial" panose="020B0604020202020204" pitchFamily="34" charset="0"/>
-              <a:buChar char="•"/>
-            </a:pPr>
-            <a:r>
-              <a:rPr lang="en-US" sz="3000" dirty="0">
-                <a:solidFill>
-                  <a:schemeClr val="bg1"/>
-                </a:solidFill>
-                <a:latin typeface="Candara" panose="020E0502030303020204" pitchFamily="34" charset="0"/>
-              </a:rPr>
-              <a:t>Brier score</a:t>
-            </a:r>
-          </a:p>
-          <a:p>
-            <a:pPr marL="800100" lvl="1" indent="-342900">
-              <a:buFont typeface="Arial" panose="020B0604020202020204" pitchFamily="34" charset="0"/>
-              <a:buChar char="•"/>
-            </a:pPr>
-            <a:r>
-              <a:rPr lang="en-US" sz="3000" dirty="0">
-                <a:solidFill>
-                  <a:schemeClr val="bg1"/>
-                </a:solidFill>
-                <a:latin typeface="Candara" panose="020E0502030303020204" pitchFamily="34" charset="0"/>
-              </a:rPr>
-              <a:t>confusion matrix-based:</a:t>
-            </a:r>
-          </a:p>
-          <a:p>
-            <a:pPr marL="1257300" lvl="2" indent="-342900">
-              <a:buFont typeface="Arial" panose="020B0604020202020204" pitchFamily="34" charset="0"/>
-              <a:buChar char="•"/>
-            </a:pPr>
-            <a:r>
-              <a:rPr lang="en-US" sz="3000" dirty="0">
-                <a:solidFill>
-                  <a:schemeClr val="bg1"/>
-                </a:solidFill>
-                <a:latin typeface="Candara" panose="020E0502030303020204" pitchFamily="34" charset="0"/>
-              </a:rPr>
-              <a:t>% correctly classified</a:t>
-            </a:r>
-          </a:p>
-          <a:p>
-            <a:pPr marL="1257300" lvl="2" indent="-342900">
-              <a:buFont typeface="Arial" panose="020B0604020202020204" pitchFamily="34" charset="0"/>
-              <a:buChar char="•"/>
-            </a:pPr>
-            <a:r>
-              <a:rPr lang="en-US" sz="3000" dirty="0">
-                <a:solidFill>
-                  <a:schemeClr val="bg1"/>
-                </a:solidFill>
-                <a:latin typeface="Candara" panose="020E0502030303020204" pitchFamily="34" charset="0"/>
-              </a:rPr>
-              <a:t>kappa</a:t>
-            </a:r>
-          </a:p>
-          <a:p>
-            <a:pPr marL="1257300" lvl="2" indent="-342900">
-              <a:buFont typeface="Arial" panose="020B0604020202020204" pitchFamily="34" charset="0"/>
-              <a:buChar char="•"/>
-            </a:pPr>
-            <a:r>
-              <a:rPr lang="en-US" sz="3000" dirty="0">
-                <a:solidFill>
-                  <a:schemeClr val="bg1"/>
-                </a:solidFill>
-                <a:latin typeface="Candara" panose="020E0502030303020204" pitchFamily="34" charset="0"/>
-              </a:rPr>
-              <a:t>weighted tau</a:t>
-            </a:r>
-            <a:endParaRPr lang="en-US" sz="3000" dirty="0"/>
-          </a:p>
-        </p:txBody>
-      </p:sp>
-    </p:spTree>
-    <p:extLst>
-      <p:ext uri="{BB962C8B-B14F-4D97-AF65-F5344CB8AC3E}">
-        <p14:creationId xmlns:p14="http://schemas.microsoft.com/office/powerpoint/2010/main" val="1947012522"/>
-      </p:ext>
-    </p:extLst>
-  </p:cSld>
-  <p:clrMapOvr>
-    <a:masterClrMapping/>
-  </p:clrMapOvr>
-</p:sld>
-</file>
-
 <file path=ppt/slides/slide17.xml><?xml version="1.0" encoding="utf-8"?>
 <p:sld xmlns:a="http://schemas.openxmlformats.org/drawingml/2006/main" xmlns:r="http://schemas.openxmlformats.org/officeDocument/2006/relationships" xmlns:p="http://schemas.openxmlformats.org/presentationml/2006/main">
   <p:cSld>
@@ -11347,7 +11362,7 @@
         <p:spPr>
           <a:xfrm>
             <a:off x="9525" y="-38784"/>
-            <a:ext cx="4110421" cy="646331"/>
+            <a:ext cx="3770006" cy="646331"/>
           </a:xfrm>
           <a:prstGeom prst="rect">
             <a:avLst/>
@@ -11367,7 +11382,7 @@
                 </a:solidFill>
                 <a:latin typeface="Candara" panose="020E0502030303020204" pitchFamily="34" charset="0"/>
               </a:rPr>
-              <a:t>Uncertainty Metrics</a:t>
+              <a:t>Validation Metrics</a:t>
             </a:r>
           </a:p>
         </p:txBody>
@@ -11386,8 +11401,8 @@
         </p:nvSpPr>
         <p:spPr>
           <a:xfrm>
-            <a:off x="642613" y="843676"/>
-            <a:ext cx="8021553" cy="3785652"/>
+            <a:off x="642613" y="710817"/>
+            <a:ext cx="8021553" cy="6093976"/>
           </a:xfrm>
           <a:prstGeom prst="rect">
             <a:avLst/>
@@ -11425,7 +11440,7 @@
                 </a:solidFill>
                 <a:latin typeface="Candara" panose="020E0502030303020204" pitchFamily="34" charset="0"/>
               </a:rPr>
-              <a:t>standard error of estimates (SE)</a:t>
+              <a:t>RMSE</a:t>
             </a:r>
           </a:p>
           <a:p>
@@ -11440,7 +11455,7 @@
                 </a:solidFill>
                 <a:latin typeface="Candara" panose="020E0502030303020204" pitchFamily="34" charset="0"/>
               </a:rPr>
-              <a:t>prediction intervals (percentiles)</a:t>
+              <a:t>MAE</a:t>
             </a:r>
           </a:p>
           <a:p>
@@ -11455,7 +11470,22 @@
                 </a:solidFill>
                 <a:latin typeface="Candara" panose="020E0502030303020204" pitchFamily="34" charset="0"/>
               </a:rPr>
-              <a:t>distance / contrast (i.e., soil color)</a:t>
+              <a:t>correlation coefficient</a:t>
+            </a:r>
+          </a:p>
+          <a:p>
+            <a:pPr marL="800100" lvl="1" indent="-342900">
+              <a:buFont typeface="Arial" panose="020B0604020202020204" pitchFamily="34" charset="0"/>
+              <a:buChar char="•"/>
+            </a:pPr>
+            <a:r>
+              <a:rPr lang="en-US" sz="3000" dirty="0">
+                <a:solidFill>
+                  <a:schemeClr val="bg1"/>
+                </a:solidFill>
+                <a:latin typeface="Candara" panose="020E0502030303020204" pitchFamily="34" charset="0"/>
+              </a:rPr>
+              <a:t>mean "distance" (n-D)  from standard</a:t>
             </a:r>
             <a:br>
               <a:rPr lang="en-US" sz="3000" dirty="0">
@@ -11499,7 +11529,22 @@
                 </a:solidFill>
                 <a:latin typeface="Candara" panose="020E0502030303020204" pitchFamily="34" charset="0"/>
               </a:rPr>
-              <a:t>Shannon entropy</a:t>
+              <a:t>probability-based:</a:t>
+            </a:r>
+          </a:p>
+          <a:p>
+            <a:pPr marL="1257300" lvl="2" indent="-342900">
+              <a:buFont typeface="Arial" panose="020B0604020202020204" pitchFamily="34" charset="0"/>
+              <a:buChar char="•"/>
+            </a:pPr>
+            <a:r>
+              <a:rPr lang="en-US" sz="3000" dirty="0">
+                <a:solidFill>
+                  <a:schemeClr val="bg1"/>
+                </a:solidFill>
+                <a:latin typeface="Candara" panose="020E0502030303020204" pitchFamily="34" charset="0"/>
+              </a:rPr>
+              <a:t>Brier score</a:t>
             </a:r>
           </a:p>
           <a:p>
@@ -11514,7 +11559,52 @@
                 </a:solidFill>
                 <a:latin typeface="Candara" panose="020E0502030303020204" pitchFamily="34" charset="0"/>
               </a:rPr>
-              <a:t>confusion index</a:t>
+              <a:t>confusion matrix-based:</a:t>
+            </a:r>
+          </a:p>
+          <a:p>
+            <a:pPr marL="1257300" lvl="2" indent="-342900">
+              <a:buFont typeface="Arial" panose="020B0604020202020204" pitchFamily="34" charset="0"/>
+              <a:buChar char="•"/>
+            </a:pPr>
+            <a:r>
+              <a:rPr lang="en-US" sz="3000" dirty="0">
+                <a:solidFill>
+                  <a:schemeClr val="bg1"/>
+                </a:solidFill>
+                <a:latin typeface="Candara" panose="020E0502030303020204" pitchFamily="34" charset="0"/>
+              </a:rPr>
+              <a:t>% correctly classified</a:t>
+            </a:r>
+          </a:p>
+          <a:p>
+            <a:pPr marL="1257300" lvl="2" indent="-342900">
+              <a:buFont typeface="Arial" panose="020B0604020202020204" pitchFamily="34" charset="0"/>
+              <a:buChar char="•"/>
+            </a:pPr>
+            <a:r>
+              <a:rPr lang="en-US" sz="3000" dirty="0">
+                <a:solidFill>
+                  <a:schemeClr val="bg1"/>
+                </a:solidFill>
+                <a:latin typeface="Candara" panose="020E0502030303020204" pitchFamily="34" charset="0"/>
+              </a:rPr>
+              <a:t>kappa</a:t>
+            </a:r>
+          </a:p>
+          <a:p>
+            <a:pPr marL="1257300" lvl="2" indent="-342900">
+              <a:buFont typeface="Arial" panose="020B0604020202020204" pitchFamily="34" charset="0"/>
+              <a:buChar char="•"/>
+            </a:pPr>
+            <a:r>
+              <a:rPr lang="en-US" sz="3000" dirty="0">
+                <a:solidFill>
+                  <a:schemeClr val="bg1"/>
+                </a:solidFill>
+                <a:latin typeface="Candara" panose="020E0502030303020204" pitchFamily="34" charset="0"/>
+              </a:rPr>
+              <a:t>weighted tau</a:t>
             </a:r>
             <a:endParaRPr lang="en-US" sz="3000" dirty="0"/>
           </a:p>
@@ -11523,7 +11613,7 @@
     </p:spTree>
     <p:extLst>
       <p:ext uri="{BB962C8B-B14F-4D97-AF65-F5344CB8AC3E}">
-        <p14:creationId xmlns:p14="http://schemas.microsoft.com/office/powerpoint/2010/main" val="2540044603"/>
+        <p14:creationId xmlns:p14="http://schemas.microsoft.com/office/powerpoint/2010/main" val="1947012522"/>
       </p:ext>
     </p:extLst>
   </p:cSld>
@@ -11573,6 +11663,232 @@
         <p:spPr>
           <a:xfrm>
             <a:off x="9525" y="-38784"/>
+            <a:ext cx="4110421" cy="646331"/>
+          </a:xfrm>
+          <a:prstGeom prst="rect">
+            <a:avLst/>
+          </a:prstGeom>
+          <a:noFill/>
+        </p:spPr>
+        <p:txBody>
+          <a:bodyPr wrap="none" rtlCol="0">
+            <a:spAutoFit/>
+          </a:bodyPr>
+          <a:lstStyle/>
+          <a:p>
+            <a:r>
+              <a:rPr lang="en-US" sz="3600" b="1" dirty="0">
+                <a:solidFill>
+                  <a:schemeClr val="bg1"/>
+                </a:solidFill>
+                <a:latin typeface="Candara" panose="020E0502030303020204" pitchFamily="34" charset="0"/>
+              </a:rPr>
+              <a:t>Uncertainty Metrics</a:t>
+            </a:r>
+          </a:p>
+        </p:txBody>
+      </p:sp>
+      <p:sp>
+        <p:nvSpPr>
+          <p:cNvPr id="2" name="Rectangle 1">
+            <a:extLst>
+              <a:ext uri="{FF2B5EF4-FFF2-40B4-BE49-F238E27FC236}">
+                <a16:creationId xmlns:a16="http://schemas.microsoft.com/office/drawing/2014/main" id="{84A8AAE2-5A41-4864-9BCA-3DCFD5CE5D70}"/>
+              </a:ext>
+            </a:extLst>
+          </p:cNvPr>
+          <p:cNvSpPr/>
+          <p:nvPr/>
+        </p:nvSpPr>
+        <p:spPr>
+          <a:xfrm>
+            <a:off x="642613" y="843676"/>
+            <a:ext cx="8021553" cy="3785652"/>
+          </a:xfrm>
+          <a:prstGeom prst="rect">
+            <a:avLst/>
+          </a:prstGeom>
+        </p:spPr>
+        <p:txBody>
+          <a:bodyPr wrap="square">
+            <a:spAutoFit/>
+          </a:bodyPr>
+          <a:lstStyle/>
+          <a:p>
+            <a:pPr marL="342900" indent="-342900">
+              <a:buFont typeface="Arial" panose="020B0604020202020204" pitchFamily="34" charset="0"/>
+              <a:buChar char="•"/>
+            </a:pPr>
+            <a:r>
+              <a:rPr lang="en-US" sz="3000" dirty="0">
+                <a:solidFill>
+                  <a:schemeClr val="bg1"/>
+                </a:solidFill>
+                <a:latin typeface="Candara" panose="020E0502030303020204" pitchFamily="34" charset="0"/>
+              </a:rPr>
+              <a:t>Ratio (continuous)</a:t>
+            </a:r>
+          </a:p>
+          <a:p>
+            <a:pPr marL="800100" lvl="1" indent="-342900">
+              <a:buFont typeface="Arial" panose="020B0604020202020204" pitchFamily="34" charset="0"/>
+              <a:buChar char="•"/>
+            </a:pPr>
+            <a:r>
+              <a:rPr lang="en-US" sz="3000" dirty="0">
+                <a:solidFill>
+                  <a:schemeClr val="bg1"/>
+                </a:solidFill>
+                <a:latin typeface="Candara" panose="020E0502030303020204" pitchFamily="34" charset="0"/>
+              </a:rPr>
+              <a:t>standard error of estimates (SE)</a:t>
+            </a:r>
+          </a:p>
+          <a:p>
+            <a:pPr marL="800100" lvl="1" indent="-342900">
+              <a:buFont typeface="Arial" panose="020B0604020202020204" pitchFamily="34" charset="0"/>
+              <a:buChar char="•"/>
+            </a:pPr>
+            <a:r>
+              <a:rPr lang="en-US" sz="3000" dirty="0">
+                <a:solidFill>
+                  <a:schemeClr val="bg1"/>
+                </a:solidFill>
+                <a:latin typeface="Candara" panose="020E0502030303020204" pitchFamily="34" charset="0"/>
+              </a:rPr>
+              <a:t>prediction intervals (percentiles)</a:t>
+            </a:r>
+          </a:p>
+          <a:p>
+            <a:pPr marL="800100" lvl="1" indent="-342900">
+              <a:buFont typeface="Arial" panose="020B0604020202020204" pitchFamily="34" charset="0"/>
+              <a:buChar char="•"/>
+            </a:pPr>
+            <a:r>
+              <a:rPr lang="en-US" sz="3000" dirty="0">
+                <a:solidFill>
+                  <a:schemeClr val="bg1"/>
+                </a:solidFill>
+                <a:latin typeface="Candara" panose="020E0502030303020204" pitchFamily="34" charset="0"/>
+              </a:rPr>
+              <a:t>distance / contrast (i.e., soil color)</a:t>
+            </a:r>
+            <a:br>
+              <a:rPr lang="en-US" sz="3000" dirty="0">
+                <a:solidFill>
+                  <a:schemeClr val="bg1"/>
+                </a:solidFill>
+                <a:latin typeface="Candara" panose="020E0502030303020204" pitchFamily="34" charset="0"/>
+              </a:rPr>
+            </a:br>
+            <a:endParaRPr lang="en-US" sz="3000" dirty="0">
+              <a:solidFill>
+                <a:schemeClr val="bg1"/>
+              </a:solidFill>
+              <a:latin typeface="Candara" panose="020E0502030303020204" pitchFamily="34" charset="0"/>
+            </a:endParaRPr>
+          </a:p>
+          <a:p>
+            <a:pPr marL="342900" indent="-342900">
+              <a:buFont typeface="Arial" panose="020B0604020202020204" pitchFamily="34" charset="0"/>
+              <a:buChar char="•"/>
+            </a:pPr>
+            <a:r>
+              <a:rPr lang="en-US" sz="3000" dirty="0">
+                <a:solidFill>
+                  <a:schemeClr val="bg1"/>
+                </a:solidFill>
+                <a:latin typeface="Candara" panose="020E0502030303020204" pitchFamily="34" charset="0"/>
+              </a:rPr>
+              <a:t>Nominal (categorical, without order)</a:t>
+            </a:r>
+          </a:p>
+          <a:p>
+            <a:pPr marL="800100" lvl="1" indent="-342900">
+              <a:buFont typeface="Arial" panose="020B0604020202020204" pitchFamily="34" charset="0"/>
+              <a:buChar char="•"/>
+            </a:pPr>
+            <a:r>
+              <a:rPr lang="en-US" sz="3000" dirty="0">
+                <a:solidFill>
+                  <a:schemeClr val="bg1"/>
+                </a:solidFill>
+                <a:latin typeface="Candara" panose="020E0502030303020204" pitchFamily="34" charset="0"/>
+              </a:rPr>
+              <a:t>Shannon entropy</a:t>
+            </a:r>
+          </a:p>
+          <a:p>
+            <a:pPr marL="800100" lvl="1" indent="-342900">
+              <a:buFont typeface="Arial" panose="020B0604020202020204" pitchFamily="34" charset="0"/>
+              <a:buChar char="•"/>
+            </a:pPr>
+            <a:r>
+              <a:rPr lang="en-US" sz="3000" dirty="0">
+                <a:solidFill>
+                  <a:schemeClr val="bg1"/>
+                </a:solidFill>
+                <a:latin typeface="Candara" panose="020E0502030303020204" pitchFamily="34" charset="0"/>
+              </a:rPr>
+              <a:t>confusion index</a:t>
+            </a:r>
+            <a:endParaRPr lang="en-US" sz="3000" dirty="0"/>
+          </a:p>
+        </p:txBody>
+      </p:sp>
+    </p:spTree>
+    <p:extLst>
+      <p:ext uri="{BB962C8B-B14F-4D97-AF65-F5344CB8AC3E}">
+        <p14:creationId xmlns:p14="http://schemas.microsoft.com/office/powerpoint/2010/main" val="2540044603"/>
+      </p:ext>
+    </p:extLst>
+  </p:cSld>
+  <p:clrMapOvr>
+    <a:masterClrMapping/>
+  </p:clrMapOvr>
+</p:sld>
+</file>
+
+<file path=ppt/slides/slide19.xml><?xml version="1.0" encoding="utf-8"?>
+<p:sld xmlns:a="http://schemas.openxmlformats.org/drawingml/2006/main" xmlns:r="http://schemas.openxmlformats.org/officeDocument/2006/relationships" xmlns:p="http://schemas.openxmlformats.org/presentationml/2006/main">
+  <p:cSld>
+    <p:bg>
+      <p:bgPr>
+        <a:solidFill>
+          <a:schemeClr val="tx1"/>
+        </a:solidFill>
+        <a:effectLst/>
+      </p:bgPr>
+    </p:bg>
+    <p:spTree>
+      <p:nvGrpSpPr>
+        <p:cNvPr id="1" name=""/>
+        <p:cNvGrpSpPr/>
+        <p:nvPr/>
+      </p:nvGrpSpPr>
+      <p:grpSpPr>
+        <a:xfrm>
+          <a:off x="0" y="0"/>
+          <a:ext cx="0" cy="0"/>
+          <a:chOff x="0" y="0"/>
+          <a:chExt cx="0" cy="0"/>
+        </a:xfrm>
+      </p:grpSpPr>
+      <p:sp>
+        <p:nvSpPr>
+          <p:cNvPr id="11" name="TextBox 10">
+            <a:extLst>
+              <a:ext uri="{FF2B5EF4-FFF2-40B4-BE49-F238E27FC236}">
+                <a16:creationId xmlns:a16="http://schemas.microsoft.com/office/drawing/2014/main" id="{94F7AF02-97E2-4C34-A6BC-ADE93CE4F163}"/>
+              </a:ext>
+            </a:extLst>
+          </p:cNvPr>
+          <p:cNvSpPr txBox="1"/>
+          <p:nvPr/>
+        </p:nvSpPr>
+        <p:spPr>
+          <a:xfrm>
+            <a:off x="9525" y="-38784"/>
             <a:ext cx="6381875" cy="646331"/>
           </a:xfrm>
           <a:prstGeom prst="rect">
@@ -12204,7 +12520,259 @@
 </p:sld>
 </file>
 
-<file path=ppt/slides/slide19.xml><?xml version="1.0" encoding="utf-8"?>
+<file path=ppt/slides/slide2.xml><?xml version="1.0" encoding="utf-8"?>
+<p:sld xmlns:a="http://schemas.openxmlformats.org/drawingml/2006/main" xmlns:r="http://schemas.openxmlformats.org/officeDocument/2006/relationships" xmlns:p="http://schemas.openxmlformats.org/presentationml/2006/main">
+  <p:cSld>
+    <p:bg>
+      <p:bgPr>
+        <a:solidFill>
+          <a:schemeClr val="tx1"/>
+        </a:solidFill>
+        <a:effectLst/>
+      </p:bgPr>
+    </p:bg>
+    <p:spTree>
+      <p:nvGrpSpPr>
+        <p:cNvPr id="1" name=""/>
+        <p:cNvGrpSpPr/>
+        <p:nvPr/>
+      </p:nvGrpSpPr>
+      <p:grpSpPr>
+        <a:xfrm>
+          <a:off x="0" y="0"/>
+          <a:ext cx="0" cy="0"/>
+          <a:chOff x="0" y="0"/>
+          <a:chExt cx="0" cy="0"/>
+        </a:xfrm>
+      </p:grpSpPr>
+      <p:sp>
+        <p:nvSpPr>
+          <p:cNvPr id="11" name="TextBox 10">
+            <a:extLst>
+              <a:ext uri="{FF2B5EF4-FFF2-40B4-BE49-F238E27FC236}">
+                <a16:creationId xmlns:a16="http://schemas.microsoft.com/office/drawing/2014/main" id="{94F7AF02-97E2-4C34-A6BC-ADE93CE4F163}"/>
+              </a:ext>
+            </a:extLst>
+          </p:cNvPr>
+          <p:cNvSpPr txBox="1"/>
+          <p:nvPr/>
+        </p:nvSpPr>
+        <p:spPr>
+          <a:xfrm>
+            <a:off x="9525" y="-38784"/>
+            <a:ext cx="1648208" cy="646331"/>
+          </a:xfrm>
+          <a:prstGeom prst="rect">
+            <a:avLst/>
+          </a:prstGeom>
+          <a:noFill/>
+        </p:spPr>
+        <p:txBody>
+          <a:bodyPr wrap="none" rtlCol="0">
+            <a:spAutoFit/>
+          </a:bodyPr>
+          <a:lstStyle/>
+          <a:p>
+            <a:r>
+              <a:rPr lang="en-US" sz="3600" b="1" dirty="0">
+                <a:solidFill>
+                  <a:schemeClr val="bg1"/>
+                </a:solidFill>
+                <a:latin typeface="Candara" panose="020E0502030303020204" pitchFamily="34" charset="0"/>
+              </a:rPr>
+              <a:t>Outline</a:t>
+            </a:r>
+          </a:p>
+        </p:txBody>
+      </p:sp>
+      <p:sp>
+        <p:nvSpPr>
+          <p:cNvPr id="4" name="Rectangle 3">
+            <a:extLst>
+              <a:ext uri="{FF2B5EF4-FFF2-40B4-BE49-F238E27FC236}">
+                <a16:creationId xmlns:a16="http://schemas.microsoft.com/office/drawing/2014/main" id="{5AD40034-C9A7-4F57-8AAC-4BB1F059CBD4}"/>
+              </a:ext>
+            </a:extLst>
+          </p:cNvPr>
+          <p:cNvSpPr/>
+          <p:nvPr/>
+        </p:nvSpPr>
+        <p:spPr>
+          <a:xfrm>
+            <a:off x="237303" y="4181475"/>
+            <a:ext cx="8394970" cy="2308324"/>
+          </a:xfrm>
+          <a:prstGeom prst="rect">
+            <a:avLst/>
+          </a:prstGeom>
+        </p:spPr>
+        <p:txBody>
+          <a:bodyPr wrap="square">
+            <a:spAutoFit/>
+          </a:bodyPr>
+          <a:lstStyle/>
+          <a:p>
+            <a:pPr marL="342900" indent="-342900">
+              <a:buFont typeface="Arial" panose="020B0604020202020204" pitchFamily="34" charset="0"/>
+              <a:buChar char="•"/>
+            </a:pPr>
+            <a:r>
+              <a:rPr lang="en-US" sz="3600" dirty="0">
+                <a:solidFill>
+                  <a:schemeClr val="bg1"/>
+                </a:solidFill>
+                <a:latin typeface="Candara" panose="020E0502030303020204" pitchFamily="34" charset="0"/>
+              </a:rPr>
+              <a:t>Definitions</a:t>
+            </a:r>
+          </a:p>
+          <a:p>
+            <a:pPr marL="342900" indent="-342900">
+              <a:buFont typeface="Arial" panose="020B0604020202020204" pitchFamily="34" charset="0"/>
+              <a:buChar char="•"/>
+            </a:pPr>
+            <a:r>
+              <a:rPr lang="en-US" sz="3600" dirty="0">
+                <a:solidFill>
+                  <a:schemeClr val="bg1"/>
+                </a:solidFill>
+                <a:latin typeface="Candara" panose="020E0502030303020204" pitchFamily="34" charset="0"/>
+              </a:rPr>
+              <a:t>Bias—Variance Compromise</a:t>
+            </a:r>
+          </a:p>
+          <a:p>
+            <a:pPr marL="342900" indent="-342900">
+              <a:buFont typeface="Arial" panose="020B0604020202020204" pitchFamily="34" charset="0"/>
+              <a:buChar char="•"/>
+            </a:pPr>
+            <a:r>
+              <a:rPr lang="en-US" sz="3600" dirty="0">
+                <a:solidFill>
+                  <a:schemeClr val="bg1"/>
+                </a:solidFill>
+                <a:latin typeface="Candara" panose="020E0502030303020204" pitchFamily="34" charset="0"/>
+              </a:rPr>
+              <a:t>Accuracy / Validation</a:t>
+            </a:r>
+          </a:p>
+          <a:p>
+            <a:pPr marL="342900" indent="-342900">
+              <a:buFont typeface="Arial" panose="020B0604020202020204" pitchFamily="34" charset="0"/>
+              <a:buChar char="•"/>
+            </a:pPr>
+            <a:r>
+              <a:rPr lang="en-US" sz="3600" dirty="0">
+                <a:solidFill>
+                  <a:schemeClr val="bg1"/>
+                </a:solidFill>
+                <a:latin typeface="Candara" panose="020E0502030303020204" pitchFamily="34" charset="0"/>
+              </a:rPr>
+              <a:t>Uncertainty</a:t>
+            </a:r>
+          </a:p>
+        </p:txBody>
+      </p:sp>
+      <p:pic>
+        <p:nvPicPr>
+          <p:cNvPr id="5" name="Picture 2" descr="Error Bars">
+            <a:extLst>
+              <a:ext uri="{FF2B5EF4-FFF2-40B4-BE49-F238E27FC236}">
+                <a16:creationId xmlns:a16="http://schemas.microsoft.com/office/drawing/2014/main" id="{EF1CAD1F-AD85-4639-9029-D5D07AF45FB3}"/>
+              </a:ext>
+            </a:extLst>
+          </p:cNvPr>
+          <p:cNvPicPr>
+            <a:picLocks noChangeAspect="1" noChangeArrowheads="1"/>
+          </p:cNvPicPr>
+          <p:nvPr/>
+        </p:nvPicPr>
+        <p:blipFill>
+          <a:blip r:embed="rId3">
+            <a:extLst>
+              <a:ext uri="{28A0092B-C50C-407E-A947-70E740481C1C}">
+                <a14:useLocalDpi xmlns:a14="http://schemas.microsoft.com/office/drawing/2010/main" val="0"/>
+              </a:ext>
+            </a:extLst>
+          </a:blip>
+          <a:srcRect/>
+          <a:stretch>
+            <a:fillRect/>
+          </a:stretch>
+        </p:blipFill>
+        <p:spPr bwMode="auto">
+          <a:xfrm>
+            <a:off x="4628405" y="215972"/>
+            <a:ext cx="4259732" cy="4069567"/>
+          </a:xfrm>
+          <a:prstGeom prst="rect">
+            <a:avLst/>
+          </a:prstGeom>
+          <a:noFill/>
+          <a:extLst>
+            <a:ext uri="{909E8E84-426E-40DD-AFC4-6F175D3DCCD1}">
+              <a14:hiddenFill xmlns:a14="http://schemas.microsoft.com/office/drawing/2010/main">
+                <a:solidFill>
+                  <a:srgbClr val="FFFFFF"/>
+                </a:solidFill>
+              </a14:hiddenFill>
+            </a:ext>
+          </a:extLst>
+        </p:spPr>
+      </p:pic>
+      <p:sp>
+        <p:nvSpPr>
+          <p:cNvPr id="6" name="Rectangle 5">
+            <a:extLst>
+              <a:ext uri="{FF2B5EF4-FFF2-40B4-BE49-F238E27FC236}">
+                <a16:creationId xmlns:a16="http://schemas.microsoft.com/office/drawing/2014/main" id="{8A3AA20C-ADAE-40F3-B8D3-D02E93A4010C}"/>
+              </a:ext>
+            </a:extLst>
+          </p:cNvPr>
+          <p:cNvSpPr/>
+          <p:nvPr/>
+        </p:nvSpPr>
+        <p:spPr>
+          <a:xfrm>
+            <a:off x="6646179" y="4304589"/>
+            <a:ext cx="2335896" cy="369332"/>
+          </a:xfrm>
+          <a:prstGeom prst="rect">
+            <a:avLst/>
+          </a:prstGeom>
+        </p:spPr>
+        <p:txBody>
+          <a:bodyPr wrap="none">
+            <a:spAutoFit/>
+          </a:bodyPr>
+          <a:lstStyle/>
+          <a:p>
+            <a:r>
+              <a:rPr lang="en-US" dirty="0">
+                <a:solidFill>
+                  <a:schemeClr val="bg1"/>
+                </a:solidFill>
+                <a:latin typeface="Candara" panose="020E0502030303020204" pitchFamily="34" charset="0"/>
+              </a:rPr>
+              <a:t>https://xkcd.com/2110/</a:t>
+            </a:r>
+          </a:p>
+        </p:txBody>
+      </p:sp>
+    </p:spTree>
+    <p:extLst>
+      <p:ext uri="{BB962C8B-B14F-4D97-AF65-F5344CB8AC3E}">
+        <p14:creationId xmlns:p14="http://schemas.microsoft.com/office/powerpoint/2010/main" val="3604707865"/>
+      </p:ext>
+    </p:extLst>
+  </p:cSld>
+  <p:clrMapOvr>
+    <a:masterClrMapping/>
+  </p:clrMapOvr>
+</p:sld>
+</file>
+
+<file path=ppt/slides/slide20.xml><?xml version="1.0" encoding="utf-8"?>
 <p:sld xmlns:a="http://schemas.openxmlformats.org/drawingml/2006/main" xmlns:r="http://schemas.openxmlformats.org/officeDocument/2006/relationships" xmlns:p="http://schemas.openxmlformats.org/presentationml/2006/main">
   <p:cSld>
     <p:bg>
@@ -12369,259 +12937,7 @@
 </p:sld>
 </file>
 
-<file path=ppt/slides/slide2.xml><?xml version="1.0" encoding="utf-8"?>
-<p:sld xmlns:a="http://schemas.openxmlformats.org/drawingml/2006/main" xmlns:r="http://schemas.openxmlformats.org/officeDocument/2006/relationships" xmlns:p="http://schemas.openxmlformats.org/presentationml/2006/main">
-  <p:cSld>
-    <p:bg>
-      <p:bgPr>
-        <a:solidFill>
-          <a:schemeClr val="tx1"/>
-        </a:solidFill>
-        <a:effectLst/>
-      </p:bgPr>
-    </p:bg>
-    <p:spTree>
-      <p:nvGrpSpPr>
-        <p:cNvPr id="1" name=""/>
-        <p:cNvGrpSpPr/>
-        <p:nvPr/>
-      </p:nvGrpSpPr>
-      <p:grpSpPr>
-        <a:xfrm>
-          <a:off x="0" y="0"/>
-          <a:ext cx="0" cy="0"/>
-          <a:chOff x="0" y="0"/>
-          <a:chExt cx="0" cy="0"/>
-        </a:xfrm>
-      </p:grpSpPr>
-      <p:sp>
-        <p:nvSpPr>
-          <p:cNvPr id="11" name="TextBox 10">
-            <a:extLst>
-              <a:ext uri="{FF2B5EF4-FFF2-40B4-BE49-F238E27FC236}">
-                <a16:creationId xmlns:a16="http://schemas.microsoft.com/office/drawing/2014/main" id="{94F7AF02-97E2-4C34-A6BC-ADE93CE4F163}"/>
-              </a:ext>
-            </a:extLst>
-          </p:cNvPr>
-          <p:cNvSpPr txBox="1"/>
-          <p:nvPr/>
-        </p:nvSpPr>
-        <p:spPr>
-          <a:xfrm>
-            <a:off x="9525" y="-38784"/>
-            <a:ext cx="1648208" cy="646331"/>
-          </a:xfrm>
-          <a:prstGeom prst="rect">
-            <a:avLst/>
-          </a:prstGeom>
-          <a:noFill/>
-        </p:spPr>
-        <p:txBody>
-          <a:bodyPr wrap="none" rtlCol="0">
-            <a:spAutoFit/>
-          </a:bodyPr>
-          <a:lstStyle/>
-          <a:p>
-            <a:r>
-              <a:rPr lang="en-US" sz="3600" b="1" dirty="0">
-                <a:solidFill>
-                  <a:schemeClr val="bg1"/>
-                </a:solidFill>
-                <a:latin typeface="Candara" panose="020E0502030303020204" pitchFamily="34" charset="0"/>
-              </a:rPr>
-              <a:t>Outline</a:t>
-            </a:r>
-          </a:p>
-        </p:txBody>
-      </p:sp>
-      <p:sp>
-        <p:nvSpPr>
-          <p:cNvPr id="4" name="Rectangle 3">
-            <a:extLst>
-              <a:ext uri="{FF2B5EF4-FFF2-40B4-BE49-F238E27FC236}">
-                <a16:creationId xmlns:a16="http://schemas.microsoft.com/office/drawing/2014/main" id="{5AD40034-C9A7-4F57-8AAC-4BB1F059CBD4}"/>
-              </a:ext>
-            </a:extLst>
-          </p:cNvPr>
-          <p:cNvSpPr/>
-          <p:nvPr/>
-        </p:nvSpPr>
-        <p:spPr>
-          <a:xfrm>
-            <a:off x="237303" y="4181475"/>
-            <a:ext cx="8394970" cy="2308324"/>
-          </a:xfrm>
-          <a:prstGeom prst="rect">
-            <a:avLst/>
-          </a:prstGeom>
-        </p:spPr>
-        <p:txBody>
-          <a:bodyPr wrap="square">
-            <a:spAutoFit/>
-          </a:bodyPr>
-          <a:lstStyle/>
-          <a:p>
-            <a:pPr marL="342900" indent="-342900">
-              <a:buFont typeface="Arial" panose="020B0604020202020204" pitchFamily="34" charset="0"/>
-              <a:buChar char="•"/>
-            </a:pPr>
-            <a:r>
-              <a:rPr lang="en-US" sz="3600" dirty="0">
-                <a:solidFill>
-                  <a:schemeClr val="bg1"/>
-                </a:solidFill>
-                <a:latin typeface="Candara" panose="020E0502030303020204" pitchFamily="34" charset="0"/>
-              </a:rPr>
-              <a:t>Definitions</a:t>
-            </a:r>
-          </a:p>
-          <a:p>
-            <a:pPr marL="342900" indent="-342900">
-              <a:buFont typeface="Arial" panose="020B0604020202020204" pitchFamily="34" charset="0"/>
-              <a:buChar char="•"/>
-            </a:pPr>
-            <a:r>
-              <a:rPr lang="en-US" sz="3600" dirty="0">
-                <a:solidFill>
-                  <a:schemeClr val="bg1"/>
-                </a:solidFill>
-                <a:latin typeface="Candara" panose="020E0502030303020204" pitchFamily="34" charset="0"/>
-              </a:rPr>
-              <a:t>Bias—Variance Compromise</a:t>
-            </a:r>
-          </a:p>
-          <a:p>
-            <a:pPr marL="342900" indent="-342900">
-              <a:buFont typeface="Arial" panose="020B0604020202020204" pitchFamily="34" charset="0"/>
-              <a:buChar char="•"/>
-            </a:pPr>
-            <a:r>
-              <a:rPr lang="en-US" sz="3600" dirty="0">
-                <a:solidFill>
-                  <a:schemeClr val="bg1"/>
-                </a:solidFill>
-                <a:latin typeface="Candara" panose="020E0502030303020204" pitchFamily="34" charset="0"/>
-              </a:rPr>
-              <a:t>Accuracy / Validation</a:t>
-            </a:r>
-          </a:p>
-          <a:p>
-            <a:pPr marL="342900" indent="-342900">
-              <a:buFont typeface="Arial" panose="020B0604020202020204" pitchFamily="34" charset="0"/>
-              <a:buChar char="•"/>
-            </a:pPr>
-            <a:r>
-              <a:rPr lang="en-US" sz="3600" dirty="0">
-                <a:solidFill>
-                  <a:schemeClr val="bg1"/>
-                </a:solidFill>
-                <a:latin typeface="Candara" panose="020E0502030303020204" pitchFamily="34" charset="0"/>
-              </a:rPr>
-              <a:t>Uncertainty</a:t>
-            </a:r>
-          </a:p>
-        </p:txBody>
-      </p:sp>
-      <p:pic>
-        <p:nvPicPr>
-          <p:cNvPr id="5" name="Picture 2" descr="Error Bars">
-            <a:extLst>
-              <a:ext uri="{FF2B5EF4-FFF2-40B4-BE49-F238E27FC236}">
-                <a16:creationId xmlns:a16="http://schemas.microsoft.com/office/drawing/2014/main" id="{EF1CAD1F-AD85-4639-9029-D5D07AF45FB3}"/>
-              </a:ext>
-            </a:extLst>
-          </p:cNvPr>
-          <p:cNvPicPr>
-            <a:picLocks noChangeAspect="1" noChangeArrowheads="1"/>
-          </p:cNvPicPr>
-          <p:nvPr/>
-        </p:nvPicPr>
-        <p:blipFill>
-          <a:blip r:embed="rId3">
-            <a:extLst>
-              <a:ext uri="{28A0092B-C50C-407E-A947-70E740481C1C}">
-                <a14:useLocalDpi xmlns:a14="http://schemas.microsoft.com/office/drawing/2010/main" val="0"/>
-              </a:ext>
-            </a:extLst>
-          </a:blip>
-          <a:srcRect/>
-          <a:stretch>
-            <a:fillRect/>
-          </a:stretch>
-        </p:blipFill>
-        <p:spPr bwMode="auto">
-          <a:xfrm>
-            <a:off x="4628405" y="215972"/>
-            <a:ext cx="4259732" cy="4069567"/>
-          </a:xfrm>
-          <a:prstGeom prst="rect">
-            <a:avLst/>
-          </a:prstGeom>
-          <a:noFill/>
-          <a:extLst>
-            <a:ext uri="{909E8E84-426E-40DD-AFC4-6F175D3DCCD1}">
-              <a14:hiddenFill xmlns:a14="http://schemas.microsoft.com/office/drawing/2010/main">
-                <a:solidFill>
-                  <a:srgbClr val="FFFFFF"/>
-                </a:solidFill>
-              </a14:hiddenFill>
-            </a:ext>
-          </a:extLst>
-        </p:spPr>
-      </p:pic>
-      <p:sp>
-        <p:nvSpPr>
-          <p:cNvPr id="6" name="Rectangle 5">
-            <a:extLst>
-              <a:ext uri="{FF2B5EF4-FFF2-40B4-BE49-F238E27FC236}">
-                <a16:creationId xmlns:a16="http://schemas.microsoft.com/office/drawing/2014/main" id="{8A3AA20C-ADAE-40F3-B8D3-D02E93A4010C}"/>
-              </a:ext>
-            </a:extLst>
-          </p:cNvPr>
-          <p:cNvSpPr/>
-          <p:nvPr/>
-        </p:nvSpPr>
-        <p:spPr>
-          <a:xfrm>
-            <a:off x="6646179" y="4304589"/>
-            <a:ext cx="2335896" cy="369332"/>
-          </a:xfrm>
-          <a:prstGeom prst="rect">
-            <a:avLst/>
-          </a:prstGeom>
-        </p:spPr>
-        <p:txBody>
-          <a:bodyPr wrap="none">
-            <a:spAutoFit/>
-          </a:bodyPr>
-          <a:lstStyle/>
-          <a:p>
-            <a:r>
-              <a:rPr lang="en-US" dirty="0">
-                <a:solidFill>
-                  <a:schemeClr val="bg1"/>
-                </a:solidFill>
-                <a:latin typeface="Candara" panose="020E0502030303020204" pitchFamily="34" charset="0"/>
-              </a:rPr>
-              <a:t>https://xkcd.com/2110/</a:t>
-            </a:r>
-          </a:p>
-        </p:txBody>
-      </p:sp>
-    </p:spTree>
-    <p:extLst>
-      <p:ext uri="{BB962C8B-B14F-4D97-AF65-F5344CB8AC3E}">
-        <p14:creationId xmlns:p14="http://schemas.microsoft.com/office/powerpoint/2010/main" val="3604707865"/>
-      </p:ext>
-    </p:extLst>
-  </p:cSld>
-  <p:clrMapOvr>
-    <a:masterClrMapping/>
-  </p:clrMapOvr>
-</p:sld>
-</file>
-
-<file path=ppt/slides/slide20.xml><?xml version="1.0" encoding="utf-8"?>
+<file path=ppt/slides/slide21.xml><?xml version="1.0" encoding="utf-8"?>
 <p:sld xmlns:a="http://schemas.openxmlformats.org/drawingml/2006/main" xmlns:r="http://schemas.openxmlformats.org/officeDocument/2006/relationships" xmlns:p="http://schemas.openxmlformats.org/presentationml/2006/main">
   <p:cSld>
     <p:bg>
@@ -13132,7 +13448,7 @@
 </p:sld>
 </file>
 
-<file path=ppt/slides/slide21.xml><?xml version="1.0" encoding="utf-8"?>
+<file path=ppt/slides/slide22.xml><?xml version="1.0" encoding="utf-8"?>
 <p:sld xmlns:a="http://schemas.openxmlformats.org/drawingml/2006/main" xmlns:r="http://schemas.openxmlformats.org/officeDocument/2006/relationships" xmlns:p="http://schemas.openxmlformats.org/presentationml/2006/main">
   <p:cSld>
     <p:bg>
@@ -13295,7 +13611,7 @@
 </p:sld>
 </file>
 
-<file path=ppt/slides/slide22.xml><?xml version="1.0" encoding="utf-8"?>
+<file path=ppt/slides/slide23.xml><?xml version="1.0" encoding="utf-8"?>
 <p:sld xmlns:a="http://schemas.openxmlformats.org/drawingml/2006/main" xmlns:r="http://schemas.openxmlformats.org/officeDocument/2006/relationships" xmlns:p="http://schemas.openxmlformats.org/presentationml/2006/main">
   <p:cSld>
     <p:bg>
@@ -13485,7 +13801,7 @@
 </p:sld>
 </file>
 
-<file path=ppt/slides/slide23.xml><?xml version="1.0" encoding="utf-8"?>
+<file path=ppt/slides/slide24.xml><?xml version="1.0" encoding="utf-8"?>
 <p:sld xmlns:a="http://schemas.openxmlformats.org/drawingml/2006/main" xmlns:r="http://schemas.openxmlformats.org/officeDocument/2006/relationships" xmlns:p="http://schemas.openxmlformats.org/presentationml/2006/main">
   <p:cSld>
     <p:bg>
@@ -14035,7 +14351,7 @@
 </p:sld>
 </file>
 
-<file path=ppt/slides/slide24.xml><?xml version="1.0" encoding="utf-8"?>
+<file path=ppt/slides/slide25.xml><?xml version="1.0" encoding="utf-8"?>
 <p:sld xmlns:a="http://schemas.openxmlformats.org/drawingml/2006/main" xmlns:r="http://schemas.openxmlformats.org/officeDocument/2006/relationships" xmlns:p="http://schemas.openxmlformats.org/presentationml/2006/main">
   <p:cSld>
     <p:bg>
@@ -14113,7 +14429,7 @@
 </p:sld>
 </file>
 
-<file path=ppt/slides/slide25.xml><?xml version="1.0" encoding="utf-8"?>
+<file path=ppt/slides/slide26.xml><?xml version="1.0" encoding="utf-8"?>
 <p:sld xmlns:a="http://schemas.openxmlformats.org/drawingml/2006/main" xmlns:r="http://schemas.openxmlformats.org/officeDocument/2006/relationships" xmlns:p="http://schemas.openxmlformats.org/presentationml/2006/main">
   <p:cSld>
     <p:bg>
@@ -14472,7 +14788,7 @@
 </p:sld>
 </file>
 
-<file path=ppt/slides/slide26.xml><?xml version="1.0" encoding="utf-8"?>
+<file path=ppt/slides/slide27.xml><?xml version="1.0" encoding="utf-8"?>
 <p:sld xmlns:a="http://schemas.openxmlformats.org/drawingml/2006/main" xmlns:r="http://schemas.openxmlformats.org/officeDocument/2006/relationships" xmlns:p="http://schemas.openxmlformats.org/presentationml/2006/main">
   <p:cSld>
     <p:bg>
@@ -14777,7 +15093,7 @@
 </p:sld>
 </file>
 
-<file path=ppt/slides/slide27.xml><?xml version="1.0" encoding="utf-8"?>
+<file path=ppt/slides/slide28.xml><?xml version="1.0" encoding="utf-8"?>
 <p:sld xmlns:a="http://schemas.openxmlformats.org/drawingml/2006/main" xmlns:r="http://schemas.openxmlformats.org/officeDocument/2006/relationships" xmlns:p="http://schemas.openxmlformats.org/presentationml/2006/main">
   <p:cSld>
     <p:bg>
@@ -14932,7 +15248,7 @@
 </p:sld>
 </file>
 
-<file path=ppt/slides/slide28.xml><?xml version="1.0" encoding="utf-8"?>
+<file path=ppt/slides/slide29.xml><?xml version="1.0" encoding="utf-8"?>
 <p:sld xmlns:a="http://schemas.openxmlformats.org/drawingml/2006/main" xmlns:r="http://schemas.openxmlformats.org/officeDocument/2006/relationships" xmlns:p="http://schemas.openxmlformats.org/presentationml/2006/main">
   <p:cSld>
     <p:bg>
@@ -15698,7 +16014,261 @@
 </p:sld>
 </file>
 
-<file path=ppt/slides/slide29.xml><?xml version="1.0" encoding="utf-8"?>
+<file path=ppt/slides/slide3.xml><?xml version="1.0" encoding="utf-8"?>
+<p:sld xmlns:a="http://schemas.openxmlformats.org/drawingml/2006/main" xmlns:r="http://schemas.openxmlformats.org/officeDocument/2006/relationships" xmlns:p="http://schemas.openxmlformats.org/presentationml/2006/main">
+  <p:cSld>
+    <p:spTree>
+      <p:nvGrpSpPr>
+        <p:cNvPr id="1" name=""/>
+        <p:cNvGrpSpPr/>
+        <p:nvPr/>
+      </p:nvGrpSpPr>
+      <p:grpSpPr>
+        <a:xfrm>
+          <a:off x="0" y="0"/>
+          <a:ext cx="0" cy="0"/>
+          <a:chOff x="0" y="0"/>
+          <a:chExt cx="0" cy="0"/>
+        </a:xfrm>
+      </p:grpSpPr>
+      <p:sp>
+        <p:nvSpPr>
+          <p:cNvPr id="2" name="Title 1"/>
+          <p:cNvSpPr>
+            <a:spLocks noGrp="1"/>
+          </p:cNvSpPr>
+          <p:nvPr>
+            <p:ph type="title"/>
+          </p:nvPr>
+        </p:nvSpPr>
+        <p:spPr>
+          <a:xfrm>
+            <a:off x="465513" y="365126"/>
+            <a:ext cx="8162553" cy="1325563"/>
+          </a:xfrm>
+        </p:spPr>
+        <p:txBody>
+          <a:bodyPr>
+            <a:normAutofit/>
+          </a:bodyPr>
+          <a:lstStyle/>
+          <a:p>
+            <a:pPr algn="ctr"/>
+            <a:r>
+              <a:rPr lang="en-US" sz="4000" dirty="0"/>
+              <a:t>Precision vs. Accuracy vs. Uncertainty</a:t>
+            </a:r>
+          </a:p>
+        </p:txBody>
+      </p:sp>
+      <p:sp>
+        <p:nvSpPr>
+          <p:cNvPr id="5" name="Rectangle 4"/>
+          <p:cNvSpPr/>
+          <p:nvPr/>
+        </p:nvSpPr>
+        <p:spPr>
+          <a:xfrm>
+            <a:off x="4541841" y="5863235"/>
+            <a:ext cx="4572000" cy="923330"/>
+          </a:xfrm>
+          <a:prstGeom prst="rect">
+            <a:avLst/>
+          </a:prstGeom>
+        </p:spPr>
+        <p:txBody>
+          <a:bodyPr>
+            <a:spAutoFit/>
+          </a:bodyPr>
+          <a:lstStyle/>
+          <a:p>
+            <a:r>
+              <a:rPr lang="en-US" u="sng" dirty="0"/>
+              <a:t>Uncertainty</a:t>
+            </a:r>
+            <a:r>
+              <a:rPr lang="en-US" dirty="0"/>
+              <a:t>: The </a:t>
+            </a:r>
+            <a:r>
+              <a:rPr lang="en-US" i="1" dirty="0"/>
+              <a:t>estimated</a:t>
+            </a:r>
+            <a:r>
+              <a:rPr lang="en-US" dirty="0"/>
+              <a:t> amount or percentage by which an observed or calculated value may differ from the true value</a:t>
+            </a:r>
+          </a:p>
+        </p:txBody>
+      </p:sp>
+      <p:sp>
+        <p:nvSpPr>
+          <p:cNvPr id="6" name="Rectangle 5"/>
+          <p:cNvSpPr/>
+          <p:nvPr/>
+        </p:nvSpPr>
+        <p:spPr>
+          <a:xfrm>
+            <a:off x="4541841" y="3188365"/>
+            <a:ext cx="4572000" cy="923330"/>
+          </a:xfrm>
+          <a:prstGeom prst="rect">
+            <a:avLst/>
+          </a:prstGeom>
+        </p:spPr>
+        <p:txBody>
+          <a:bodyPr>
+            <a:spAutoFit/>
+          </a:bodyPr>
+          <a:lstStyle/>
+          <a:p>
+            <a:r>
+              <a:rPr lang="en-US" u="sng" dirty="0"/>
+              <a:t>Accuracy:</a:t>
+            </a:r>
+            <a:r>
+              <a:rPr lang="en-US" dirty="0"/>
+              <a:t> The ability of a measurement to match the actual value of the quantity being measured</a:t>
+            </a:r>
+          </a:p>
+        </p:txBody>
+      </p:sp>
+      <p:sp>
+        <p:nvSpPr>
+          <p:cNvPr id="7" name="Rectangle 6"/>
+          <p:cNvSpPr/>
+          <p:nvPr/>
+        </p:nvSpPr>
+        <p:spPr>
+          <a:xfrm>
+            <a:off x="4541841" y="2425664"/>
+            <a:ext cx="4572000" cy="646331"/>
+          </a:xfrm>
+          <a:prstGeom prst="rect">
+            <a:avLst/>
+          </a:prstGeom>
+        </p:spPr>
+        <p:txBody>
+          <a:bodyPr>
+            <a:spAutoFit/>
+          </a:bodyPr>
+          <a:lstStyle/>
+          <a:p>
+            <a:r>
+              <a:rPr lang="en-US" u="sng" dirty="0"/>
+              <a:t>Precision</a:t>
+            </a:r>
+            <a:r>
+              <a:rPr lang="en-US" dirty="0"/>
+              <a:t>: The ability of a measurement to be consistently reproduced</a:t>
+            </a:r>
+          </a:p>
+        </p:txBody>
+      </p:sp>
+      <p:sp>
+        <p:nvSpPr>
+          <p:cNvPr id="3" name="TextBox 2"/>
+          <p:cNvSpPr txBox="1"/>
+          <p:nvPr/>
+        </p:nvSpPr>
+        <p:spPr>
+          <a:xfrm>
+            <a:off x="4804756" y="1899652"/>
+            <a:ext cx="3823310" cy="523220"/>
+          </a:xfrm>
+          <a:prstGeom prst="rect">
+            <a:avLst/>
+          </a:prstGeom>
+          <a:noFill/>
+        </p:spPr>
+        <p:txBody>
+          <a:bodyPr wrap="square" rtlCol="0">
+            <a:spAutoFit/>
+          </a:bodyPr>
+          <a:lstStyle/>
+          <a:p>
+            <a:pPr algn="ctr"/>
+            <a:r>
+              <a:rPr lang="en-US" sz="2800" b="1" dirty="0"/>
+              <a:t>Measurements (Errors)</a:t>
+            </a:r>
+          </a:p>
+        </p:txBody>
+      </p:sp>
+      <p:sp>
+        <p:nvSpPr>
+          <p:cNvPr id="114" name="TextBox 113"/>
+          <p:cNvSpPr txBox="1"/>
+          <p:nvPr/>
+        </p:nvSpPr>
+        <p:spPr>
+          <a:xfrm>
+            <a:off x="4673299" y="5377190"/>
+            <a:ext cx="4086224" cy="523220"/>
+          </a:xfrm>
+          <a:prstGeom prst="rect">
+            <a:avLst/>
+          </a:prstGeom>
+          <a:noFill/>
+        </p:spPr>
+        <p:txBody>
+          <a:bodyPr wrap="square" rtlCol="0">
+            <a:spAutoFit/>
+          </a:bodyPr>
+          <a:lstStyle/>
+          <a:p>
+            <a:pPr algn="ctr"/>
+            <a:r>
+              <a:rPr lang="en-US" sz="2800" b="1" dirty="0"/>
+              <a:t>Modeling (Uncertainty)</a:t>
+            </a:r>
+          </a:p>
+        </p:txBody>
+      </p:sp>
+      <p:pic>
+        <p:nvPicPr>
+          <p:cNvPr id="9" name="Content Placeholder 3"/>
+          <p:cNvPicPr>
+            <a:picLocks noChangeAspect="1"/>
+          </p:cNvPicPr>
+          <p:nvPr/>
+        </p:nvPicPr>
+        <p:blipFill>
+          <a:blip r:embed="rId3" cstate="print">
+            <a:extLst>
+              <a:ext uri="{28A0092B-C50C-407E-A947-70E740481C1C}">
+                <a14:useLocalDpi xmlns:a14="http://schemas.microsoft.com/office/drawing/2010/main"/>
+              </a:ext>
+            </a:extLst>
+          </a:blip>
+          <a:stretch>
+            <a:fillRect/>
+          </a:stretch>
+        </p:blipFill>
+        <p:spPr>
+          <a:xfrm>
+            <a:off x="0" y="2501875"/>
+            <a:ext cx="5791200" cy="3118338"/>
+          </a:xfrm>
+          <a:prstGeom prst="rect">
+            <a:avLst/>
+          </a:prstGeom>
+        </p:spPr>
+      </p:pic>
+    </p:spTree>
+    <p:extLst>
+      <p:ext uri="{BB962C8B-B14F-4D97-AF65-F5344CB8AC3E}">
+        <p14:creationId xmlns:p14="http://schemas.microsoft.com/office/powerpoint/2010/main" val="1218573069"/>
+      </p:ext>
+    </p:extLst>
+  </p:cSld>
+  <p:clrMapOvr>
+    <a:masterClrMapping/>
+  </p:clrMapOvr>
+</p:sld>
+</file>
+
+<file path=ppt/slides/slide30.xml><?xml version="1.0" encoding="utf-8"?>
 <p:sld xmlns:a="http://schemas.openxmlformats.org/drawingml/2006/main" xmlns:r="http://schemas.openxmlformats.org/officeDocument/2006/relationships" xmlns:p="http://schemas.openxmlformats.org/presentationml/2006/main">
   <p:cSld>
     <p:bg>
@@ -16352,261 +16922,7 @@
 </p:sld>
 </file>
 
-<file path=ppt/slides/slide3.xml><?xml version="1.0" encoding="utf-8"?>
-<p:sld xmlns:a="http://schemas.openxmlformats.org/drawingml/2006/main" xmlns:r="http://schemas.openxmlformats.org/officeDocument/2006/relationships" xmlns:p="http://schemas.openxmlformats.org/presentationml/2006/main">
-  <p:cSld>
-    <p:spTree>
-      <p:nvGrpSpPr>
-        <p:cNvPr id="1" name=""/>
-        <p:cNvGrpSpPr/>
-        <p:nvPr/>
-      </p:nvGrpSpPr>
-      <p:grpSpPr>
-        <a:xfrm>
-          <a:off x="0" y="0"/>
-          <a:ext cx="0" cy="0"/>
-          <a:chOff x="0" y="0"/>
-          <a:chExt cx="0" cy="0"/>
-        </a:xfrm>
-      </p:grpSpPr>
-      <p:sp>
-        <p:nvSpPr>
-          <p:cNvPr id="2" name="Title 1"/>
-          <p:cNvSpPr>
-            <a:spLocks noGrp="1"/>
-          </p:cNvSpPr>
-          <p:nvPr>
-            <p:ph type="title"/>
-          </p:nvPr>
-        </p:nvSpPr>
-        <p:spPr>
-          <a:xfrm>
-            <a:off x="465513" y="365126"/>
-            <a:ext cx="8162553" cy="1325563"/>
-          </a:xfrm>
-        </p:spPr>
-        <p:txBody>
-          <a:bodyPr>
-            <a:normAutofit/>
-          </a:bodyPr>
-          <a:lstStyle/>
-          <a:p>
-            <a:pPr algn="ctr"/>
-            <a:r>
-              <a:rPr lang="en-US" sz="4000" dirty="0"/>
-              <a:t>Precision vs. Accuracy vs. Uncertainty</a:t>
-            </a:r>
-          </a:p>
-        </p:txBody>
-      </p:sp>
-      <p:sp>
-        <p:nvSpPr>
-          <p:cNvPr id="5" name="Rectangle 4"/>
-          <p:cNvSpPr/>
-          <p:nvPr/>
-        </p:nvSpPr>
-        <p:spPr>
-          <a:xfrm>
-            <a:off x="4541841" y="5863235"/>
-            <a:ext cx="4572000" cy="923330"/>
-          </a:xfrm>
-          <a:prstGeom prst="rect">
-            <a:avLst/>
-          </a:prstGeom>
-        </p:spPr>
-        <p:txBody>
-          <a:bodyPr>
-            <a:spAutoFit/>
-          </a:bodyPr>
-          <a:lstStyle/>
-          <a:p>
-            <a:r>
-              <a:rPr lang="en-US" u="sng" dirty="0"/>
-              <a:t>Uncertainty</a:t>
-            </a:r>
-            <a:r>
-              <a:rPr lang="en-US" dirty="0"/>
-              <a:t>: The </a:t>
-            </a:r>
-            <a:r>
-              <a:rPr lang="en-US" i="1" dirty="0"/>
-              <a:t>estimated</a:t>
-            </a:r>
-            <a:r>
-              <a:rPr lang="en-US" dirty="0"/>
-              <a:t> amount or percentage by which an observed or calculated value may differ from the true value</a:t>
-            </a:r>
-          </a:p>
-        </p:txBody>
-      </p:sp>
-      <p:sp>
-        <p:nvSpPr>
-          <p:cNvPr id="6" name="Rectangle 5"/>
-          <p:cNvSpPr/>
-          <p:nvPr/>
-        </p:nvSpPr>
-        <p:spPr>
-          <a:xfrm>
-            <a:off x="4541841" y="3188365"/>
-            <a:ext cx="4572000" cy="923330"/>
-          </a:xfrm>
-          <a:prstGeom prst="rect">
-            <a:avLst/>
-          </a:prstGeom>
-        </p:spPr>
-        <p:txBody>
-          <a:bodyPr>
-            <a:spAutoFit/>
-          </a:bodyPr>
-          <a:lstStyle/>
-          <a:p>
-            <a:r>
-              <a:rPr lang="en-US" u="sng" dirty="0"/>
-              <a:t>Accuracy:</a:t>
-            </a:r>
-            <a:r>
-              <a:rPr lang="en-US" dirty="0"/>
-              <a:t> The ability of a measurement to match the actual value of the quantity being measured</a:t>
-            </a:r>
-          </a:p>
-        </p:txBody>
-      </p:sp>
-      <p:sp>
-        <p:nvSpPr>
-          <p:cNvPr id="7" name="Rectangle 6"/>
-          <p:cNvSpPr/>
-          <p:nvPr/>
-        </p:nvSpPr>
-        <p:spPr>
-          <a:xfrm>
-            <a:off x="4541841" y="2425664"/>
-            <a:ext cx="4572000" cy="646331"/>
-          </a:xfrm>
-          <a:prstGeom prst="rect">
-            <a:avLst/>
-          </a:prstGeom>
-        </p:spPr>
-        <p:txBody>
-          <a:bodyPr>
-            <a:spAutoFit/>
-          </a:bodyPr>
-          <a:lstStyle/>
-          <a:p>
-            <a:r>
-              <a:rPr lang="en-US" u="sng" dirty="0"/>
-              <a:t>Precision</a:t>
-            </a:r>
-            <a:r>
-              <a:rPr lang="en-US" dirty="0"/>
-              <a:t>: The ability of a measurement to be consistently reproduced</a:t>
-            </a:r>
-          </a:p>
-        </p:txBody>
-      </p:sp>
-      <p:sp>
-        <p:nvSpPr>
-          <p:cNvPr id="3" name="TextBox 2"/>
-          <p:cNvSpPr txBox="1"/>
-          <p:nvPr/>
-        </p:nvSpPr>
-        <p:spPr>
-          <a:xfrm>
-            <a:off x="4804756" y="1899652"/>
-            <a:ext cx="3823310" cy="523220"/>
-          </a:xfrm>
-          <a:prstGeom prst="rect">
-            <a:avLst/>
-          </a:prstGeom>
-          <a:noFill/>
-        </p:spPr>
-        <p:txBody>
-          <a:bodyPr wrap="square" rtlCol="0">
-            <a:spAutoFit/>
-          </a:bodyPr>
-          <a:lstStyle/>
-          <a:p>
-            <a:pPr algn="ctr"/>
-            <a:r>
-              <a:rPr lang="en-US" sz="2800" b="1" dirty="0"/>
-              <a:t>Measurements (Errors)</a:t>
-            </a:r>
-          </a:p>
-        </p:txBody>
-      </p:sp>
-      <p:sp>
-        <p:nvSpPr>
-          <p:cNvPr id="114" name="TextBox 113"/>
-          <p:cNvSpPr txBox="1"/>
-          <p:nvPr/>
-        </p:nvSpPr>
-        <p:spPr>
-          <a:xfrm>
-            <a:off x="4673299" y="5377190"/>
-            <a:ext cx="4086224" cy="523220"/>
-          </a:xfrm>
-          <a:prstGeom prst="rect">
-            <a:avLst/>
-          </a:prstGeom>
-          <a:noFill/>
-        </p:spPr>
-        <p:txBody>
-          <a:bodyPr wrap="square" rtlCol="0">
-            <a:spAutoFit/>
-          </a:bodyPr>
-          <a:lstStyle/>
-          <a:p>
-            <a:pPr algn="ctr"/>
-            <a:r>
-              <a:rPr lang="en-US" sz="2800" b="1" dirty="0"/>
-              <a:t>Modeling (Uncertainty)</a:t>
-            </a:r>
-          </a:p>
-        </p:txBody>
-      </p:sp>
-      <p:pic>
-        <p:nvPicPr>
-          <p:cNvPr id="9" name="Content Placeholder 3"/>
-          <p:cNvPicPr>
-            <a:picLocks noChangeAspect="1"/>
-          </p:cNvPicPr>
-          <p:nvPr/>
-        </p:nvPicPr>
-        <p:blipFill>
-          <a:blip r:embed="rId3" cstate="print">
-            <a:extLst>
-              <a:ext uri="{28A0092B-C50C-407E-A947-70E740481C1C}">
-                <a14:useLocalDpi xmlns:a14="http://schemas.microsoft.com/office/drawing/2010/main"/>
-              </a:ext>
-            </a:extLst>
-          </a:blip>
-          <a:stretch>
-            <a:fillRect/>
-          </a:stretch>
-        </p:blipFill>
-        <p:spPr>
-          <a:xfrm>
-            <a:off x="0" y="2501875"/>
-            <a:ext cx="5791200" cy="3118338"/>
-          </a:xfrm>
-          <a:prstGeom prst="rect">
-            <a:avLst/>
-          </a:prstGeom>
-        </p:spPr>
-      </p:pic>
-    </p:spTree>
-    <p:extLst>
-      <p:ext uri="{BB962C8B-B14F-4D97-AF65-F5344CB8AC3E}">
-        <p14:creationId xmlns:p14="http://schemas.microsoft.com/office/powerpoint/2010/main" val="1218573069"/>
-      </p:ext>
-    </p:extLst>
-  </p:cSld>
-  <p:clrMapOvr>
-    <a:masterClrMapping/>
-  </p:clrMapOvr>
-</p:sld>
-</file>
-
-<file path=ppt/slides/slide30.xml><?xml version="1.0" encoding="utf-8"?>
+<file path=ppt/slides/slide31.xml><?xml version="1.0" encoding="utf-8"?>
 <p:sld xmlns:a="http://schemas.openxmlformats.org/drawingml/2006/main" xmlns:r="http://schemas.openxmlformats.org/officeDocument/2006/relationships" xmlns:p="http://schemas.openxmlformats.org/presentationml/2006/main">
   <p:cSld>
     <p:bg>
@@ -17372,7 +17688,7 @@
 </p:sld>
 </file>
 
-<file path=ppt/slides/slide31.xml><?xml version="1.0" encoding="utf-8"?>
+<file path=ppt/slides/slide32.xml><?xml version="1.0" encoding="utf-8"?>
 <p:sld xmlns:a="http://schemas.openxmlformats.org/drawingml/2006/main" xmlns:r="http://schemas.openxmlformats.org/officeDocument/2006/relationships" xmlns:p="http://schemas.openxmlformats.org/presentationml/2006/main">
   <p:cSld>
     <p:bg>
@@ -18201,7 +18517,7 @@
 </p:sld>
 </file>
 
-<file path=ppt/slides/slide32.xml><?xml version="1.0" encoding="utf-8"?>
+<file path=ppt/slides/slide33.xml><?xml version="1.0" encoding="utf-8"?>
 <p:sld xmlns:a="http://schemas.openxmlformats.org/drawingml/2006/main" xmlns:r="http://schemas.openxmlformats.org/officeDocument/2006/relationships" xmlns:p="http://schemas.openxmlformats.org/presentationml/2006/main">
   <p:cSld>
     <p:bg>
@@ -18798,7 +19114,7 @@
 </p:sld>
 </file>
 
-<file path=ppt/slides/slide33.xml><?xml version="1.0" encoding="utf-8"?>
+<file path=ppt/slides/slide34.xml><?xml version="1.0" encoding="utf-8"?>
 <p:sld xmlns:a="http://schemas.openxmlformats.org/drawingml/2006/main" xmlns:r="http://schemas.openxmlformats.org/officeDocument/2006/relationships" xmlns:p="http://schemas.openxmlformats.org/presentationml/2006/main">
   <p:cSld>
     <p:bg>
@@ -18906,7 +19222,7 @@
 </p:sld>
 </file>
 
-<file path=ppt/slides/slide34.xml><?xml version="1.0" encoding="utf-8"?>
+<file path=ppt/slides/slide35.xml><?xml version="1.0" encoding="utf-8"?>
 <p:sld xmlns:a="http://schemas.openxmlformats.org/drawingml/2006/main" xmlns:r="http://schemas.openxmlformats.org/officeDocument/2006/relationships" xmlns:p="http://schemas.openxmlformats.org/presentationml/2006/main">
   <p:cSld>
     <p:bg>
@@ -20235,107 +20551,38 @@
       </p:sp>
       <p:pic>
         <p:nvPicPr>
-          <p:cNvPr id="2050" name="Picture 2" descr="Curve-Fitting">
+          <p:cNvPr id="5" name="Picture 4">
             <a:extLst>
               <a:ext uri="{FF2B5EF4-FFF2-40B4-BE49-F238E27FC236}">
-                <a16:creationId xmlns:a16="http://schemas.microsoft.com/office/drawing/2014/main" id="{3E6DFC5D-A942-4E10-998A-BE41CFB2D77D}"/>
+                <a16:creationId xmlns:a16="http://schemas.microsoft.com/office/drawing/2014/main" id="{75DE22D8-B44A-42FF-9A43-77FB363F9ABF}"/>
               </a:ext>
             </a:extLst>
           </p:cNvPr>
           <p:cNvPicPr>
-            <a:picLocks noChangeAspect="1" noChangeArrowheads="1"/>
+            <a:picLocks noChangeAspect="1"/>
           </p:cNvPicPr>
           <p:nvPr/>
         </p:nvPicPr>
         <p:blipFill>
-          <a:blip r:embed="rId3">
-            <a:extLst>
-              <a:ext uri="{28A0092B-C50C-407E-A947-70E740481C1C}">
-                <a14:useLocalDpi xmlns:a14="http://schemas.microsoft.com/office/drawing/2010/main" val="0"/>
-              </a:ext>
-            </a:extLst>
-          </a:blip>
-          <a:srcRect/>
+          <a:blip r:embed="rId3"/>
           <a:stretch>
             <a:fillRect/>
           </a:stretch>
         </p:blipFill>
-        <p:spPr bwMode="auto">
-          <a:xfrm>
-            <a:off x="2607829" y="556168"/>
-            <a:ext cx="3928341" cy="6234545"/>
-          </a:xfrm>
-          <a:prstGeom prst="rect">
-            <a:avLst/>
-          </a:prstGeom>
-          <a:noFill/>
-          <a:extLst>
-            <a:ext uri="{909E8E84-426E-40DD-AFC4-6F175D3DCCD1}">
-              <a14:hiddenFill xmlns:a14="http://schemas.microsoft.com/office/drawing/2010/main">
-                <a:solidFill>
-                  <a:srgbClr val="FFFFFF"/>
-                </a:solidFill>
-              </a14:hiddenFill>
-            </a:ext>
-          </a:extLst>
-        </p:spPr>
-      </p:pic>
-      <p:sp>
-        <p:nvSpPr>
-          <p:cNvPr id="3" name="Rectangle 2">
-            <a:extLst>
-              <a:ext uri="{FF2B5EF4-FFF2-40B4-BE49-F238E27FC236}">
-                <a16:creationId xmlns:a16="http://schemas.microsoft.com/office/drawing/2014/main" id="{E95F6645-1DB8-4A81-809F-4789160A7789}"/>
-              </a:ext>
-            </a:extLst>
-          </p:cNvPr>
-          <p:cNvSpPr/>
-          <p:nvPr/>
-        </p:nvSpPr>
         <p:spPr>
           <a:xfrm>
-            <a:off x="6701820" y="6421381"/>
-            <a:ext cx="2432654" cy="369332"/>
+            <a:off x="415637" y="901594"/>
+            <a:ext cx="8312727" cy="5054810"/>
           </a:xfrm>
           <a:prstGeom prst="rect">
             <a:avLst/>
           </a:prstGeom>
         </p:spPr>
-        <p:txBody>
-          <a:bodyPr wrap="none">
-            <a:spAutoFit/>
-          </a:bodyPr>
-          <a:lstStyle/>
-          <a:p>
-            <a:r>
-              <a:rPr lang="en-US" dirty="0">
-                <a:solidFill>
-                  <a:schemeClr val="bg1"/>
-                </a:solidFill>
-                <a:latin typeface="Candara" panose="020E0502030303020204" pitchFamily="34" charset="0"/>
-                <a:hlinkClick r:id="rId4">
-                  <a:extLst>
-                    <a:ext uri="{A12FA001-AC4F-418D-AE19-62706E023703}">
-                      <ahyp:hlinkClr xmlns:ahyp="http://schemas.microsoft.com/office/drawing/2018/hyperlinkcolor" val="tx"/>
-                    </a:ext>
-                  </a:extLst>
-                </a:hlinkClick>
-              </a:rPr>
-              <a:t>https://xkcd.com/2048/</a:t>
-            </a:r>
-            <a:endParaRPr lang="en-US" dirty="0">
-              <a:solidFill>
-                <a:schemeClr val="bg1"/>
-              </a:solidFill>
-              <a:latin typeface="Candara" panose="020E0502030303020204" pitchFamily="34" charset="0"/>
-            </a:endParaRPr>
-          </a:p>
-        </p:txBody>
-      </p:sp>
+      </p:pic>
     </p:spTree>
     <p:extLst>
       <p:ext uri="{BB962C8B-B14F-4D97-AF65-F5344CB8AC3E}">
-        <p14:creationId xmlns:p14="http://schemas.microsoft.com/office/powerpoint/2010/main" val="70866279"/>
+        <p14:creationId xmlns:p14="http://schemas.microsoft.com/office/powerpoint/2010/main" val="3724583239"/>
       </p:ext>
     </p:extLst>
   </p:cSld>

--- a/presentations/9_uncert_validation/9. Uncertainty_and_Validation_Beaudette.pptx
+++ b/presentations/9_uncert_validation/9. Uncertainty_and_Validation_Beaudette.pptx
@@ -12,37 +12,37 @@
     <p:sldId id="342" r:id="rId3"/>
     <p:sldId id="344" r:id="rId4"/>
     <p:sldId id="330" r:id="rId5"/>
-    <p:sldId id="304" r:id="rId6"/>
-    <p:sldId id="349" r:id="rId7"/>
-    <p:sldId id="332" r:id="rId8"/>
+    <p:sldId id="349" r:id="rId6"/>
+    <p:sldId id="304" r:id="rId7"/>
+    <p:sldId id="367" r:id="rId8"/>
     <p:sldId id="333" r:id="rId9"/>
-    <p:sldId id="367" r:id="rId10"/>
-    <p:sldId id="347" r:id="rId11"/>
-    <p:sldId id="336" r:id="rId12"/>
-    <p:sldId id="338" r:id="rId13"/>
-    <p:sldId id="340" r:id="rId14"/>
-    <p:sldId id="337" r:id="rId15"/>
-    <p:sldId id="351" r:id="rId16"/>
-    <p:sldId id="353" r:id="rId17"/>
-    <p:sldId id="350" r:id="rId18"/>
-    <p:sldId id="352" r:id="rId19"/>
-    <p:sldId id="346" r:id="rId20"/>
-    <p:sldId id="356" r:id="rId21"/>
-    <p:sldId id="354" r:id="rId22"/>
-    <p:sldId id="334" r:id="rId23"/>
-    <p:sldId id="366" r:id="rId24"/>
-    <p:sldId id="343" r:id="rId25"/>
-    <p:sldId id="365" r:id="rId26"/>
-    <p:sldId id="357" r:id="rId27"/>
-    <p:sldId id="358" r:id="rId28"/>
-    <p:sldId id="364" r:id="rId29"/>
-    <p:sldId id="355" r:id="rId30"/>
-    <p:sldId id="362" r:id="rId31"/>
-    <p:sldId id="360" r:id="rId32"/>
-    <p:sldId id="363" r:id="rId33"/>
-    <p:sldId id="361" r:id="rId34"/>
-    <p:sldId id="317" r:id="rId35"/>
-    <p:sldId id="323" r:id="rId36"/>
+    <p:sldId id="347" r:id="rId10"/>
+    <p:sldId id="336" r:id="rId11"/>
+    <p:sldId id="338" r:id="rId12"/>
+    <p:sldId id="340" r:id="rId13"/>
+    <p:sldId id="337" r:id="rId14"/>
+    <p:sldId id="351" r:id="rId15"/>
+    <p:sldId id="353" r:id="rId16"/>
+    <p:sldId id="350" r:id="rId17"/>
+    <p:sldId id="352" r:id="rId18"/>
+    <p:sldId id="346" r:id="rId19"/>
+    <p:sldId id="356" r:id="rId20"/>
+    <p:sldId id="354" r:id="rId21"/>
+    <p:sldId id="334" r:id="rId22"/>
+    <p:sldId id="366" r:id="rId23"/>
+    <p:sldId id="343" r:id="rId24"/>
+    <p:sldId id="365" r:id="rId25"/>
+    <p:sldId id="357" r:id="rId26"/>
+    <p:sldId id="358" r:id="rId27"/>
+    <p:sldId id="364" r:id="rId28"/>
+    <p:sldId id="355" r:id="rId29"/>
+    <p:sldId id="362" r:id="rId30"/>
+    <p:sldId id="360" r:id="rId31"/>
+    <p:sldId id="363" r:id="rId32"/>
+    <p:sldId id="361" r:id="rId33"/>
+    <p:sldId id="317" r:id="rId34"/>
+    <p:sldId id="323" r:id="rId35"/>
+    <p:sldId id="332" r:id="rId36"/>
   </p:sldIdLst>
   <p:sldSz cx="9144000" cy="6858000" type="screen4x3"/>
   <p:notesSz cx="6858000" cy="9144000"/>
@@ -231,7 +231,7 @@
           <a:p>
             <a:fld id="{1FEE0D44-209F-4E48-BF47-5709A25FBC07}" type="datetimeFigureOut">
               <a:rPr lang="en-US" smtClean="0"/>
-              <a:t>2/23/2022</a:t>
+              <a:t>2/27/2022</a:t>
             </a:fld>
             <a:endParaRPr lang="en-US"/>
           </a:p>
@@ -691,7 +691,7 @@
     </p:spTree>
     <p:extLst>
       <p:ext uri="{BB962C8B-B14F-4D97-AF65-F5344CB8AC3E}">
-        <p14:creationId xmlns:p14="http://schemas.microsoft.com/office/powerpoint/2010/main" val="2127940514"/>
+        <p14:creationId xmlns:p14="http://schemas.microsoft.com/office/powerpoint/2010/main" val="3417546208"/>
       </p:ext>
     </p:extLst>
   </p:cSld>
@@ -745,6 +745,29 @@
           <a:bodyPr/>
           <a:lstStyle/>
           <a:p>
+            <a:pPr marL="0" marR="0" lvl="0" indent="0" algn="l" defTabSz="914400" rtl="0" eaLnBrk="1" fontAlgn="auto" latinLnBrk="0" hangingPunct="1">
+              <a:lnSpc>
+                <a:spcPct val="100000"/>
+              </a:lnSpc>
+              <a:spcBef>
+                <a:spcPts val="0"/>
+              </a:spcBef>
+              <a:spcAft>
+                <a:spcPts val="0"/>
+              </a:spcAft>
+              <a:buClrTx/>
+              <a:buSzTx/>
+              <a:buFontTx/>
+              <a:buNone/>
+              <a:tabLst/>
+              <a:defRPr/>
+            </a:pPr>
+            <a:r>
+              <a:rPr lang="en-GB" altLang="en-US" dirty="0"/>
+              <a:t>Three internal validation techniques are shown. Split-sample means that a random split is made, resulting in e.g. a 50% development and a 50% validation sample. Cross-validation uses the same principle, but alternates the development and validation samples (e.g. 50:50 split means 2 development and test rounds; a 90:10 split 10 rounds). The most extreme variant of cross-validation is the ‘jack-knife’, where n-1 patients are used for model development, with validation on the patient who was left out. The bootstrap is however the preferred technique (see next slide).</a:t>
+            </a:r>
+          </a:p>
+          <a:p>
             <a:endParaRPr lang="en-US" dirty="0"/>
           </a:p>
         </p:txBody>
@@ -775,7 +798,7 @@
     </p:spTree>
     <p:extLst>
       <p:ext uri="{BB962C8B-B14F-4D97-AF65-F5344CB8AC3E}">
-        <p14:creationId xmlns:p14="http://schemas.microsoft.com/office/powerpoint/2010/main" val="3417546208"/>
+        <p14:creationId xmlns:p14="http://schemas.microsoft.com/office/powerpoint/2010/main" val="1122900930"/>
       </p:ext>
     </p:extLst>
   </p:cSld>
@@ -829,29 +852,6 @@
           <a:bodyPr/>
           <a:lstStyle/>
           <a:p>
-            <a:pPr marL="0" marR="0" lvl="0" indent="0" algn="l" defTabSz="914400" rtl="0" eaLnBrk="1" fontAlgn="auto" latinLnBrk="0" hangingPunct="1">
-              <a:lnSpc>
-                <a:spcPct val="100000"/>
-              </a:lnSpc>
-              <a:spcBef>
-                <a:spcPts val="0"/>
-              </a:spcBef>
-              <a:spcAft>
-                <a:spcPts val="0"/>
-              </a:spcAft>
-              <a:buClrTx/>
-              <a:buSzTx/>
-              <a:buFontTx/>
-              <a:buNone/>
-              <a:tabLst/>
-              <a:defRPr/>
-            </a:pPr>
-            <a:r>
-              <a:rPr lang="en-GB" altLang="en-US" dirty="0"/>
-              <a:t>Three internal validation techniques are shown. Split-sample means that a random split is made, resulting in e.g. a 50% development and a 50% validation sample. Cross-validation uses the same principle, but alternates the development and validation samples (e.g. 50:50 split means 2 development and test rounds; a 90:10 split 10 rounds). The most extreme variant of cross-validation is the ‘jack-knife’, where n-1 patients are used for model development, with validation on the patient who was left out. The bootstrap is however the preferred technique (see next slide).</a:t>
-            </a:r>
-          </a:p>
-          <a:p>
             <a:endParaRPr lang="en-US" dirty="0"/>
           </a:p>
         </p:txBody>
@@ -882,7 +882,7 @@
     </p:spTree>
     <p:extLst>
       <p:ext uri="{BB962C8B-B14F-4D97-AF65-F5344CB8AC3E}">
-        <p14:creationId xmlns:p14="http://schemas.microsoft.com/office/powerpoint/2010/main" val="1122900930"/>
+        <p14:creationId xmlns:p14="http://schemas.microsoft.com/office/powerpoint/2010/main" val="1729379841"/>
       </p:ext>
     </p:extLst>
   </p:cSld>
@@ -966,7 +966,7 @@
     </p:spTree>
     <p:extLst>
       <p:ext uri="{BB962C8B-B14F-4D97-AF65-F5344CB8AC3E}">
-        <p14:creationId xmlns:p14="http://schemas.microsoft.com/office/powerpoint/2010/main" val="1729379841"/>
+        <p14:creationId xmlns:p14="http://schemas.microsoft.com/office/powerpoint/2010/main" val="3119576366"/>
       </p:ext>
     </p:extLst>
   </p:cSld>
@@ -1050,7 +1050,7 @@
     </p:spTree>
     <p:extLst>
       <p:ext uri="{BB962C8B-B14F-4D97-AF65-F5344CB8AC3E}">
-        <p14:creationId xmlns:p14="http://schemas.microsoft.com/office/powerpoint/2010/main" val="3119576366"/>
+        <p14:creationId xmlns:p14="http://schemas.microsoft.com/office/powerpoint/2010/main" val="1117246393"/>
       </p:ext>
     </p:extLst>
   </p:cSld>
@@ -1134,7 +1134,7 @@
     </p:spTree>
     <p:extLst>
       <p:ext uri="{BB962C8B-B14F-4D97-AF65-F5344CB8AC3E}">
-        <p14:creationId xmlns:p14="http://schemas.microsoft.com/office/powerpoint/2010/main" val="1117246393"/>
+        <p14:creationId xmlns:p14="http://schemas.microsoft.com/office/powerpoint/2010/main" val="522285589"/>
       </p:ext>
     </p:extLst>
   </p:cSld>
@@ -1218,7 +1218,7 @@
     </p:spTree>
     <p:extLst>
       <p:ext uri="{BB962C8B-B14F-4D97-AF65-F5344CB8AC3E}">
-        <p14:creationId xmlns:p14="http://schemas.microsoft.com/office/powerpoint/2010/main" val="522285589"/>
+        <p14:creationId xmlns:p14="http://schemas.microsoft.com/office/powerpoint/2010/main" val="4105102242"/>
       </p:ext>
     </p:extLst>
   </p:cSld>
@@ -1302,7 +1302,7 @@
     </p:spTree>
     <p:extLst>
       <p:ext uri="{BB962C8B-B14F-4D97-AF65-F5344CB8AC3E}">
-        <p14:creationId xmlns:p14="http://schemas.microsoft.com/office/powerpoint/2010/main" val="4105102242"/>
+        <p14:creationId xmlns:p14="http://schemas.microsoft.com/office/powerpoint/2010/main" val="1869342958"/>
       </p:ext>
     </p:extLst>
   </p:cSld>
@@ -1386,7 +1386,7 @@
     </p:spTree>
     <p:extLst>
       <p:ext uri="{BB962C8B-B14F-4D97-AF65-F5344CB8AC3E}">
-        <p14:creationId xmlns:p14="http://schemas.microsoft.com/office/powerpoint/2010/main" val="1869342958"/>
+        <p14:creationId xmlns:p14="http://schemas.microsoft.com/office/powerpoint/2010/main" val="3985200639"/>
       </p:ext>
     </p:extLst>
   </p:cSld>
@@ -1470,7 +1470,7 @@
     </p:spTree>
     <p:extLst>
       <p:ext uri="{BB962C8B-B14F-4D97-AF65-F5344CB8AC3E}">
-        <p14:creationId xmlns:p14="http://schemas.microsoft.com/office/powerpoint/2010/main" val="3985200639"/>
+        <p14:creationId xmlns:p14="http://schemas.microsoft.com/office/powerpoint/2010/main" val="2566962196"/>
       </p:ext>
     </p:extLst>
   </p:cSld>
@@ -1638,7 +1638,7 @@
     </p:spTree>
     <p:extLst>
       <p:ext uri="{BB962C8B-B14F-4D97-AF65-F5344CB8AC3E}">
-        <p14:creationId xmlns:p14="http://schemas.microsoft.com/office/powerpoint/2010/main" val="2566962196"/>
+        <p14:creationId xmlns:p14="http://schemas.microsoft.com/office/powerpoint/2010/main" val="317085200"/>
       </p:ext>
     </p:extLst>
   </p:cSld>
@@ -1722,7 +1722,7 @@
     </p:spTree>
     <p:extLst>
       <p:ext uri="{BB962C8B-B14F-4D97-AF65-F5344CB8AC3E}">
-        <p14:creationId xmlns:p14="http://schemas.microsoft.com/office/powerpoint/2010/main" val="317085200"/>
+        <p14:creationId xmlns:p14="http://schemas.microsoft.com/office/powerpoint/2010/main" val="2536461624"/>
       </p:ext>
     </p:extLst>
   </p:cSld>
@@ -1776,7 +1776,10 @@
           <a:bodyPr/>
           <a:lstStyle/>
           <a:p>
-            <a:endParaRPr lang="en-US" dirty="0"/>
+            <a:r>
+              <a:rPr lang="en-US" dirty="0"/>
+              <a:t>related, but not the same</a:t>
+            </a:r>
           </a:p>
         </p:txBody>
       </p:sp>
@@ -1806,7 +1809,7 @@
     </p:spTree>
     <p:extLst>
       <p:ext uri="{BB962C8B-B14F-4D97-AF65-F5344CB8AC3E}">
-        <p14:creationId xmlns:p14="http://schemas.microsoft.com/office/powerpoint/2010/main" val="2536461624"/>
+        <p14:creationId xmlns:p14="http://schemas.microsoft.com/office/powerpoint/2010/main" val="1124252021"/>
       </p:ext>
     </p:extLst>
   </p:cSld>
@@ -1860,10 +1863,7 @@
           <a:bodyPr/>
           <a:lstStyle/>
           <a:p>
-            <a:r>
-              <a:rPr lang="en-US" dirty="0"/>
-              <a:t>related, but not the same</a:t>
-            </a:r>
+            <a:endParaRPr lang="en-US" dirty="0"/>
           </a:p>
         </p:txBody>
       </p:sp>
@@ -1893,7 +1893,7 @@
     </p:spTree>
     <p:extLst>
       <p:ext uri="{BB962C8B-B14F-4D97-AF65-F5344CB8AC3E}">
-        <p14:creationId xmlns:p14="http://schemas.microsoft.com/office/powerpoint/2010/main" val="1124252021"/>
+        <p14:creationId xmlns:p14="http://schemas.microsoft.com/office/powerpoint/2010/main" val="2698843015"/>
       </p:ext>
     </p:extLst>
   </p:cSld>
@@ -1977,7 +1977,7 @@
     </p:spTree>
     <p:extLst>
       <p:ext uri="{BB962C8B-B14F-4D97-AF65-F5344CB8AC3E}">
-        <p14:creationId xmlns:p14="http://schemas.microsoft.com/office/powerpoint/2010/main" val="2698843015"/>
+        <p14:creationId xmlns:p14="http://schemas.microsoft.com/office/powerpoint/2010/main" val="1426037521"/>
       </p:ext>
     </p:extLst>
   </p:cSld>
@@ -2061,7 +2061,7 @@
     </p:spTree>
     <p:extLst>
       <p:ext uri="{BB962C8B-B14F-4D97-AF65-F5344CB8AC3E}">
-        <p14:creationId xmlns:p14="http://schemas.microsoft.com/office/powerpoint/2010/main" val="1426037521"/>
+        <p14:creationId xmlns:p14="http://schemas.microsoft.com/office/powerpoint/2010/main" val="215829746"/>
       </p:ext>
     </p:extLst>
   </p:cSld>
@@ -2145,7 +2145,7 @@
     </p:spTree>
     <p:extLst>
       <p:ext uri="{BB962C8B-B14F-4D97-AF65-F5344CB8AC3E}">
-        <p14:creationId xmlns:p14="http://schemas.microsoft.com/office/powerpoint/2010/main" val="215829746"/>
+        <p14:creationId xmlns:p14="http://schemas.microsoft.com/office/powerpoint/2010/main" val="1415862704"/>
       </p:ext>
     </p:extLst>
   </p:cSld>
@@ -2229,7 +2229,7 @@
     </p:spTree>
     <p:extLst>
       <p:ext uri="{BB962C8B-B14F-4D97-AF65-F5344CB8AC3E}">
-        <p14:creationId xmlns:p14="http://schemas.microsoft.com/office/powerpoint/2010/main" val="1415862704"/>
+        <p14:creationId xmlns:p14="http://schemas.microsoft.com/office/powerpoint/2010/main" val="1499160887"/>
       </p:ext>
     </p:extLst>
   </p:cSld>
@@ -2283,7 +2283,10 @@
           <a:bodyPr/>
           <a:lstStyle/>
           <a:p>
-            <a:endParaRPr lang="en-US" dirty="0"/>
+            <a:r>
+              <a:rPr lang="en-US" dirty="0"/>
+              <a:t>using normalized Shannon entropy</a:t>
+            </a:r>
           </a:p>
         </p:txBody>
       </p:sp>
@@ -2313,7 +2316,7 @@
     </p:spTree>
     <p:extLst>
       <p:ext uri="{BB962C8B-B14F-4D97-AF65-F5344CB8AC3E}">
-        <p14:creationId xmlns:p14="http://schemas.microsoft.com/office/powerpoint/2010/main" val="1499160887"/>
+        <p14:creationId xmlns:p14="http://schemas.microsoft.com/office/powerpoint/2010/main" val="3494189358"/>
       </p:ext>
     </p:extLst>
   </p:cSld>
@@ -2367,10 +2370,7 @@
           <a:bodyPr/>
           <a:lstStyle/>
           <a:p>
-            <a:r>
-              <a:rPr lang="en-US" dirty="0"/>
-              <a:t>using normalized Shannon entropy</a:t>
-            </a:r>
+            <a:endParaRPr lang="en-US" dirty="0"/>
           </a:p>
         </p:txBody>
       </p:sp>
@@ -2400,7 +2400,7 @@
     </p:spTree>
     <p:extLst>
       <p:ext uri="{BB962C8B-B14F-4D97-AF65-F5344CB8AC3E}">
-        <p14:creationId xmlns:p14="http://schemas.microsoft.com/office/powerpoint/2010/main" val="3494189358"/>
+        <p14:creationId xmlns:p14="http://schemas.microsoft.com/office/powerpoint/2010/main" val="2394130383"/>
       </p:ext>
     </p:extLst>
   </p:cSld>
@@ -2570,7 +2570,14 @@
           <a:bodyPr/>
           <a:lstStyle/>
           <a:p>
-            <a:endParaRPr lang="en-US" dirty="0"/>
+            <a:r>
+              <a:rPr lang="en-US" dirty="0" err="1"/>
+              <a:t>DSMorph</a:t>
+            </a:r>
+            <a:r>
+              <a:rPr lang="en-US" dirty="0"/>
+              <a:t> Book chapter 18</a:t>
+            </a:r>
           </a:p>
         </p:txBody>
       </p:sp>
@@ -2600,7 +2607,7 @@
     </p:spTree>
     <p:extLst>
       <p:ext uri="{BB962C8B-B14F-4D97-AF65-F5344CB8AC3E}">
-        <p14:creationId xmlns:p14="http://schemas.microsoft.com/office/powerpoint/2010/main" val="2394130383"/>
+        <p14:creationId xmlns:p14="http://schemas.microsoft.com/office/powerpoint/2010/main" val="4268769645"/>
       </p:ext>
     </p:extLst>
   </p:cSld>
@@ -2655,12 +2662,8 @@
           <a:lstStyle/>
           <a:p>
             <a:r>
-              <a:rPr lang="en-US" dirty="0" err="1"/>
-              <a:t>DSMorph</a:t>
-            </a:r>
-            <a:r>
               <a:rPr lang="en-US" dirty="0"/>
-              <a:t> Book chapter 18</a:t>
+              <a:t>https://acsess.onlinelibrary.wiley.com/doi/10.1002/saj2.20219</a:t>
             </a:r>
           </a:p>
         </p:txBody>
@@ -2691,7 +2694,7 @@
     </p:spTree>
     <p:extLst>
       <p:ext uri="{BB962C8B-B14F-4D97-AF65-F5344CB8AC3E}">
-        <p14:creationId xmlns:p14="http://schemas.microsoft.com/office/powerpoint/2010/main" val="4268769645"/>
+        <p14:creationId xmlns:p14="http://schemas.microsoft.com/office/powerpoint/2010/main" val="1356851544"/>
       </p:ext>
     </p:extLst>
   </p:cSld>
@@ -2745,10 +2748,7 @@
           <a:bodyPr/>
           <a:lstStyle/>
           <a:p>
-            <a:r>
-              <a:rPr lang="en-US" dirty="0"/>
-              <a:t>https://acsess.onlinelibrary.wiley.com/doi/10.1002/saj2.20219</a:t>
-            </a:r>
+            <a:endParaRPr lang="en-US" dirty="0"/>
           </a:p>
         </p:txBody>
       </p:sp>
@@ -2778,7 +2778,7 @@
     </p:spTree>
     <p:extLst>
       <p:ext uri="{BB962C8B-B14F-4D97-AF65-F5344CB8AC3E}">
-        <p14:creationId xmlns:p14="http://schemas.microsoft.com/office/powerpoint/2010/main" val="1356851544"/>
+        <p14:creationId xmlns:p14="http://schemas.microsoft.com/office/powerpoint/2010/main" val="3508908563"/>
       </p:ext>
     </p:extLst>
   </p:cSld>
@@ -2862,7 +2862,7 @@
     </p:spTree>
     <p:extLst>
       <p:ext uri="{BB962C8B-B14F-4D97-AF65-F5344CB8AC3E}">
-        <p14:creationId xmlns:p14="http://schemas.microsoft.com/office/powerpoint/2010/main" val="3508908563"/>
+        <p14:creationId xmlns:p14="http://schemas.microsoft.com/office/powerpoint/2010/main" val="157695685"/>
       </p:ext>
     </p:extLst>
   </p:cSld>
@@ -2946,7 +2946,7 @@
     </p:spTree>
     <p:extLst>
       <p:ext uri="{BB962C8B-B14F-4D97-AF65-F5344CB8AC3E}">
-        <p14:creationId xmlns:p14="http://schemas.microsoft.com/office/powerpoint/2010/main" val="157695685"/>
+        <p14:creationId xmlns:p14="http://schemas.microsoft.com/office/powerpoint/2010/main" val="945491892"/>
       </p:ext>
     </p:extLst>
   </p:cSld>
@@ -3030,7 +3030,7 @@
     </p:spTree>
     <p:extLst>
       <p:ext uri="{BB962C8B-B14F-4D97-AF65-F5344CB8AC3E}">
-        <p14:creationId xmlns:p14="http://schemas.microsoft.com/office/powerpoint/2010/main" val="945491892"/>
+        <p14:creationId xmlns:p14="http://schemas.microsoft.com/office/powerpoint/2010/main" val="682216168"/>
       </p:ext>
     </p:extLst>
   </p:cSld>
@@ -3240,7 +3240,7 @@
     </p:spTree>
     <p:extLst>
       <p:ext uri="{BB962C8B-B14F-4D97-AF65-F5344CB8AC3E}">
-        <p14:creationId xmlns:p14="http://schemas.microsoft.com/office/powerpoint/2010/main" val="3829113854"/>
+        <p14:creationId xmlns:p14="http://schemas.microsoft.com/office/powerpoint/2010/main" val="2246774694"/>
       </p:ext>
     </p:extLst>
   </p:cSld>
@@ -3324,7 +3324,7 @@
     </p:spTree>
     <p:extLst>
       <p:ext uri="{BB962C8B-B14F-4D97-AF65-F5344CB8AC3E}">
-        <p14:creationId xmlns:p14="http://schemas.microsoft.com/office/powerpoint/2010/main" val="2246774694"/>
+        <p14:creationId xmlns:p14="http://schemas.microsoft.com/office/powerpoint/2010/main" val="3829113854"/>
       </p:ext>
     </p:extLst>
   </p:cSld>
@@ -3378,7 +3378,26 @@
           <a:bodyPr/>
           <a:lstStyle/>
           <a:p>
-            <a:endParaRPr lang="en-US" dirty="0"/>
+            <a:r>
+              <a:rPr lang="en-US" dirty="0"/>
+              <a:t>TODO: demonstrate adjusting </a:t>
+            </a:r>
+            <a:r>
+              <a:rPr lang="en-US" dirty="0" err="1"/>
+              <a:t>nodesize</a:t>
+            </a:r>
+            <a:r>
+              <a:rPr lang="en-US" dirty="0"/>
+              <a:t> argument to </a:t>
+            </a:r>
+            <a:r>
+              <a:rPr lang="en-US" dirty="0" err="1"/>
+              <a:t>randomForest</a:t>
+            </a:r>
+            <a:r>
+              <a:rPr lang="en-US" dirty="0"/>
+              <a:t>()</a:t>
+            </a:r>
           </a:p>
         </p:txBody>
       </p:sp>
@@ -3408,7 +3427,7 @@
     </p:spTree>
     <p:extLst>
       <p:ext uri="{BB962C8B-B14F-4D97-AF65-F5344CB8AC3E}">
-        <p14:creationId xmlns:p14="http://schemas.microsoft.com/office/powerpoint/2010/main" val="682216168"/>
+        <p14:creationId xmlns:p14="http://schemas.microsoft.com/office/powerpoint/2010/main" val="1911420119"/>
       </p:ext>
     </p:extLst>
   </p:cSld>
@@ -3661,26 +3680,7 @@
           <a:bodyPr/>
           <a:lstStyle/>
           <a:p>
-            <a:r>
-              <a:rPr lang="en-US" dirty="0"/>
-              <a:t>TODO: demonstrate adjusting </a:t>
-            </a:r>
-            <a:r>
-              <a:rPr lang="en-US" dirty="0" err="1"/>
-              <a:t>nodesize</a:t>
-            </a:r>
-            <a:r>
-              <a:rPr lang="en-US" dirty="0"/>
-              <a:t> argument to </a:t>
-            </a:r>
-            <a:r>
-              <a:rPr lang="en-US" dirty="0" err="1"/>
-              <a:t>randomForest</a:t>
-            </a:r>
-            <a:r>
-              <a:rPr lang="en-US" dirty="0"/>
-              <a:t>()</a:t>
-            </a:r>
+            <a:endParaRPr lang="en-US" dirty="0"/>
           </a:p>
         </p:txBody>
       </p:sp>
@@ -3710,7 +3710,7 @@
     </p:spTree>
     <p:extLst>
       <p:ext uri="{BB962C8B-B14F-4D97-AF65-F5344CB8AC3E}">
-        <p14:creationId xmlns:p14="http://schemas.microsoft.com/office/powerpoint/2010/main" val="1911420119"/>
+        <p14:creationId xmlns:p14="http://schemas.microsoft.com/office/powerpoint/2010/main" val="2127940514"/>
       </p:ext>
     </p:extLst>
   </p:cSld>
@@ -3851,7 +3851,7 @@
           <a:p>
             <a:fld id="{ED142E25-4D6A-4E84-A843-638D116E87AA}" type="datetimeFigureOut">
               <a:rPr lang="en-US" smtClean="0"/>
-              <a:t>2/23/2022</a:t>
+              <a:t>2/27/2022</a:t>
             </a:fld>
             <a:endParaRPr lang="en-US"/>
           </a:p>
@@ -4021,7 +4021,7 @@
           <a:p>
             <a:fld id="{ED142E25-4D6A-4E84-A843-638D116E87AA}" type="datetimeFigureOut">
               <a:rPr lang="en-US" smtClean="0"/>
-              <a:t>2/23/2022</a:t>
+              <a:t>2/27/2022</a:t>
             </a:fld>
             <a:endParaRPr lang="en-US"/>
           </a:p>
@@ -4201,7 +4201,7 @@
           <a:p>
             <a:fld id="{ED142E25-4D6A-4E84-A843-638D116E87AA}" type="datetimeFigureOut">
               <a:rPr lang="en-US" smtClean="0"/>
-              <a:t>2/23/2022</a:t>
+              <a:t>2/27/2022</a:t>
             </a:fld>
             <a:endParaRPr lang="en-US"/>
           </a:p>
@@ -4371,7 +4371,7 @@
           <a:p>
             <a:fld id="{ED142E25-4D6A-4E84-A843-638D116E87AA}" type="datetimeFigureOut">
               <a:rPr lang="en-US" smtClean="0"/>
-              <a:t>2/23/2022</a:t>
+              <a:t>2/27/2022</a:t>
             </a:fld>
             <a:endParaRPr lang="en-US"/>
           </a:p>
@@ -4615,7 +4615,7 @@
           <a:p>
             <a:fld id="{ED142E25-4D6A-4E84-A843-638D116E87AA}" type="datetimeFigureOut">
               <a:rPr lang="en-US" smtClean="0"/>
-              <a:t>2/23/2022</a:t>
+              <a:t>2/27/2022</a:t>
             </a:fld>
             <a:endParaRPr lang="en-US"/>
           </a:p>
@@ -4847,7 +4847,7 @@
           <a:p>
             <a:fld id="{ED142E25-4D6A-4E84-A843-638D116E87AA}" type="datetimeFigureOut">
               <a:rPr lang="en-US" smtClean="0"/>
-              <a:t>2/23/2022</a:t>
+              <a:t>2/27/2022</a:t>
             </a:fld>
             <a:endParaRPr lang="en-US"/>
           </a:p>
@@ -5214,7 +5214,7 @@
           <a:p>
             <a:fld id="{ED142E25-4D6A-4E84-A843-638D116E87AA}" type="datetimeFigureOut">
               <a:rPr lang="en-US" smtClean="0"/>
-              <a:t>2/23/2022</a:t>
+              <a:t>2/27/2022</a:t>
             </a:fld>
             <a:endParaRPr lang="en-US"/>
           </a:p>
@@ -5332,7 +5332,7 @@
           <a:p>
             <a:fld id="{ED142E25-4D6A-4E84-A843-638D116E87AA}" type="datetimeFigureOut">
               <a:rPr lang="en-US" smtClean="0"/>
-              <a:t>2/23/2022</a:t>
+              <a:t>2/27/2022</a:t>
             </a:fld>
             <a:endParaRPr lang="en-US"/>
           </a:p>
@@ -5427,7 +5427,7 @@
           <a:p>
             <a:fld id="{ED142E25-4D6A-4E84-A843-638D116E87AA}" type="datetimeFigureOut">
               <a:rPr lang="en-US" smtClean="0"/>
-              <a:t>2/23/2022</a:t>
+              <a:t>2/27/2022</a:t>
             </a:fld>
             <a:endParaRPr lang="en-US"/>
           </a:p>
@@ -5704,7 +5704,7 @@
           <a:p>
             <a:fld id="{ED142E25-4D6A-4E84-A843-638D116E87AA}" type="datetimeFigureOut">
               <a:rPr lang="en-US" smtClean="0"/>
-              <a:t>2/23/2022</a:t>
+              <a:t>2/27/2022</a:t>
             </a:fld>
             <a:endParaRPr lang="en-US"/>
           </a:p>
@@ -5961,7 +5961,7 @@
           <a:p>
             <a:fld id="{ED142E25-4D6A-4E84-A843-638D116E87AA}" type="datetimeFigureOut">
               <a:rPr lang="en-US" smtClean="0"/>
-              <a:t>2/23/2022</a:t>
+              <a:t>2/27/2022</a:t>
             </a:fld>
             <a:endParaRPr lang="en-US"/>
           </a:p>
@@ -6174,7 +6174,7 @@
           <a:p>
             <a:fld id="{ED142E25-4D6A-4E84-A843-638D116E87AA}" type="datetimeFigureOut">
               <a:rPr lang="en-US" smtClean="0"/>
-              <a:t>2/23/2022</a:t>
+              <a:t>2/27/2022</a:t>
             </a:fld>
             <a:endParaRPr lang="en-US"/>
           </a:p>
@@ -6820,183 +6820,6 @@
       </p:grpSpPr>
       <p:sp>
         <p:nvSpPr>
-          <p:cNvPr id="2" name="TextBox 1">
-            <a:extLst>
-              <a:ext uri="{FF2B5EF4-FFF2-40B4-BE49-F238E27FC236}">
-                <a16:creationId xmlns:a16="http://schemas.microsoft.com/office/drawing/2014/main" id="{8620DD9E-4B2E-4CAF-904E-2C385416DD9B}"/>
-              </a:ext>
-            </a:extLst>
-          </p:cNvPr>
-          <p:cNvSpPr txBox="1"/>
-          <p:nvPr/>
-        </p:nvSpPr>
-        <p:spPr>
-          <a:xfrm>
-            <a:off x="9525" y="-38784"/>
-            <a:ext cx="5769336" cy="646331"/>
-          </a:xfrm>
-          <a:prstGeom prst="rect">
-            <a:avLst/>
-          </a:prstGeom>
-          <a:noFill/>
-        </p:spPr>
-        <p:txBody>
-          <a:bodyPr wrap="none" rtlCol="0">
-            <a:spAutoFit/>
-          </a:bodyPr>
-          <a:lstStyle/>
-          <a:p>
-            <a:r>
-              <a:rPr lang="en-US" sz="3600" b="1" dirty="0">
-                <a:solidFill>
-                  <a:schemeClr val="bg1"/>
-                </a:solidFill>
-                <a:latin typeface="Candara" panose="020E0502030303020204" pitchFamily="34" charset="0"/>
-              </a:rPr>
-              <a:t>Bias—Variance Compromise</a:t>
-            </a:r>
-          </a:p>
-        </p:txBody>
-      </p:sp>
-      <p:pic>
-        <p:nvPicPr>
-          <p:cNvPr id="2050" name="Picture 2" descr="Curve-Fitting">
-            <a:extLst>
-              <a:ext uri="{FF2B5EF4-FFF2-40B4-BE49-F238E27FC236}">
-                <a16:creationId xmlns:a16="http://schemas.microsoft.com/office/drawing/2014/main" id="{3E6DFC5D-A942-4E10-998A-BE41CFB2D77D}"/>
-              </a:ext>
-            </a:extLst>
-          </p:cNvPr>
-          <p:cNvPicPr>
-            <a:picLocks noChangeAspect="1" noChangeArrowheads="1"/>
-          </p:cNvPicPr>
-          <p:nvPr/>
-        </p:nvPicPr>
-        <p:blipFill>
-          <a:blip r:embed="rId3">
-            <a:extLst>
-              <a:ext uri="{28A0092B-C50C-407E-A947-70E740481C1C}">
-                <a14:useLocalDpi xmlns:a14="http://schemas.microsoft.com/office/drawing/2010/main" val="0"/>
-              </a:ext>
-            </a:extLst>
-          </a:blip>
-          <a:srcRect/>
-          <a:stretch>
-            <a:fillRect/>
-          </a:stretch>
-        </p:blipFill>
-        <p:spPr bwMode="auto">
-          <a:xfrm>
-            <a:off x="2607829" y="556168"/>
-            <a:ext cx="3928341" cy="6234545"/>
-          </a:xfrm>
-          <a:prstGeom prst="rect">
-            <a:avLst/>
-          </a:prstGeom>
-          <a:noFill/>
-          <a:extLst>
-            <a:ext uri="{909E8E84-426E-40DD-AFC4-6F175D3DCCD1}">
-              <a14:hiddenFill xmlns:a14="http://schemas.microsoft.com/office/drawing/2010/main">
-                <a:solidFill>
-                  <a:srgbClr val="FFFFFF"/>
-                </a:solidFill>
-              </a14:hiddenFill>
-            </a:ext>
-          </a:extLst>
-        </p:spPr>
-      </p:pic>
-      <p:sp>
-        <p:nvSpPr>
-          <p:cNvPr id="3" name="Rectangle 2">
-            <a:extLst>
-              <a:ext uri="{FF2B5EF4-FFF2-40B4-BE49-F238E27FC236}">
-                <a16:creationId xmlns:a16="http://schemas.microsoft.com/office/drawing/2014/main" id="{E95F6645-1DB8-4A81-809F-4789160A7789}"/>
-              </a:ext>
-            </a:extLst>
-          </p:cNvPr>
-          <p:cNvSpPr/>
-          <p:nvPr/>
-        </p:nvSpPr>
-        <p:spPr>
-          <a:xfrm>
-            <a:off x="6701820" y="6421381"/>
-            <a:ext cx="2432654" cy="369332"/>
-          </a:xfrm>
-          <a:prstGeom prst="rect">
-            <a:avLst/>
-          </a:prstGeom>
-        </p:spPr>
-        <p:txBody>
-          <a:bodyPr wrap="none">
-            <a:spAutoFit/>
-          </a:bodyPr>
-          <a:lstStyle/>
-          <a:p>
-            <a:r>
-              <a:rPr lang="en-US" dirty="0">
-                <a:solidFill>
-                  <a:schemeClr val="bg1"/>
-                </a:solidFill>
-                <a:latin typeface="Candara" panose="020E0502030303020204" pitchFamily="34" charset="0"/>
-                <a:hlinkClick r:id="rId4">
-                  <a:extLst>
-                    <a:ext uri="{A12FA001-AC4F-418D-AE19-62706E023703}">
-                      <ahyp:hlinkClr xmlns:ahyp="http://schemas.microsoft.com/office/drawing/2018/hyperlinkcolor" val="tx"/>
-                    </a:ext>
-                  </a:extLst>
-                </a:hlinkClick>
-              </a:rPr>
-              <a:t>https://xkcd.com/2048/</a:t>
-            </a:r>
-            <a:endParaRPr lang="en-US" dirty="0">
-              <a:solidFill>
-                <a:schemeClr val="bg1"/>
-              </a:solidFill>
-              <a:latin typeface="Candara" panose="020E0502030303020204" pitchFamily="34" charset="0"/>
-            </a:endParaRPr>
-          </a:p>
-        </p:txBody>
-      </p:sp>
-    </p:spTree>
-    <p:extLst>
-      <p:ext uri="{BB962C8B-B14F-4D97-AF65-F5344CB8AC3E}">
-        <p14:creationId xmlns:p14="http://schemas.microsoft.com/office/powerpoint/2010/main" val="70866279"/>
-      </p:ext>
-    </p:extLst>
-  </p:cSld>
-  <p:clrMapOvr>
-    <a:masterClrMapping/>
-  </p:clrMapOvr>
-</p:sld>
-</file>
-
-<file path=ppt/slides/slide11.xml><?xml version="1.0" encoding="utf-8"?>
-<p:sld xmlns:a="http://schemas.openxmlformats.org/drawingml/2006/main" xmlns:r="http://schemas.openxmlformats.org/officeDocument/2006/relationships" xmlns:p="http://schemas.openxmlformats.org/presentationml/2006/main">
-  <p:cSld>
-    <p:bg>
-      <p:bgPr>
-        <a:solidFill>
-          <a:schemeClr val="tx1"/>
-        </a:solidFill>
-        <a:effectLst/>
-      </p:bgPr>
-    </p:bg>
-    <p:spTree>
-      <p:nvGrpSpPr>
-        <p:cNvPr id="1" name=""/>
-        <p:cNvGrpSpPr/>
-        <p:nvPr/>
-      </p:nvGrpSpPr>
-      <p:grpSpPr>
-        <a:xfrm>
-          <a:off x="0" y="0"/>
-          <a:ext cx="0" cy="0"/>
-          <a:chOff x="0" y="0"/>
-          <a:chExt cx="0" cy="0"/>
-        </a:xfrm>
-      </p:grpSpPr>
-      <p:sp>
-        <p:nvSpPr>
           <p:cNvPr id="11" name="TextBox 10">
             <a:extLst>
               <a:ext uri="{FF2B5EF4-FFF2-40B4-BE49-F238E27FC236}">
@@ -7078,7 +6901,7 @@
 </p:sld>
 </file>
 
-<file path=ppt/slides/slide12.xml><?xml version="1.0" encoding="utf-8"?>
+<file path=ppt/slides/slide11.xml><?xml version="1.0" encoding="utf-8"?>
 <p:sld xmlns:a="http://schemas.openxmlformats.org/drawingml/2006/main" xmlns:r="http://schemas.openxmlformats.org/officeDocument/2006/relationships" xmlns:p="http://schemas.openxmlformats.org/presentationml/2006/main">
   <p:cSld>
     <p:bg>
@@ -7486,7 +7309,7 @@
 </p:sld>
 </file>
 
-<file path=ppt/slides/slide13.xml><?xml version="1.0" encoding="utf-8"?>
+<file path=ppt/slides/slide12.xml><?xml version="1.0" encoding="utf-8"?>
 <p:sld xmlns:a="http://schemas.openxmlformats.org/drawingml/2006/main" xmlns:r="http://schemas.openxmlformats.org/officeDocument/2006/relationships" xmlns:p="http://schemas.openxmlformats.org/presentationml/2006/main">
   <p:cSld>
     <p:bg>
@@ -8299,7 +8122,7 @@
 </p:sld>
 </file>
 
-<file path=ppt/slides/slide14.xml><?xml version="1.0" encoding="utf-8"?>
+<file path=ppt/slides/slide13.xml><?xml version="1.0" encoding="utf-8"?>
 <p:sld xmlns:a="http://schemas.openxmlformats.org/drawingml/2006/main" xmlns:r="http://schemas.openxmlformats.org/officeDocument/2006/relationships" xmlns:p="http://schemas.openxmlformats.org/presentationml/2006/main">
   <p:cSld>
     <p:bg>
@@ -8559,7 +8382,7 @@
 </p:sld>
 </file>
 
-<file path=ppt/slides/slide15.xml><?xml version="1.0" encoding="utf-8"?>
+<file path=ppt/slides/slide14.xml><?xml version="1.0" encoding="utf-8"?>
 <p:sld xmlns:a="http://schemas.openxmlformats.org/drawingml/2006/main" xmlns:r="http://schemas.openxmlformats.org/officeDocument/2006/relationships" xmlns:p="http://schemas.openxmlformats.org/presentationml/2006/main">
   <p:cSld>
     <p:bg>
@@ -8792,104 +8615,6 @@
                 </a:solidFill>
               </a:rPr>
               <a:t>Train</a:t>
-            </a:r>
-          </a:p>
-        </p:txBody>
-      </p:sp>
-      <p:sp>
-        <p:nvSpPr>
-          <p:cNvPr id="7" name="Right Brace 6">
-            <a:extLst>
-              <a:ext uri="{FF2B5EF4-FFF2-40B4-BE49-F238E27FC236}">
-                <a16:creationId xmlns:a16="http://schemas.microsoft.com/office/drawing/2014/main" id="{DADB16B8-FF40-4BEE-B89B-0174DD72CFDD}"/>
-              </a:ext>
-            </a:extLst>
-          </p:cNvPr>
-          <p:cNvSpPr/>
-          <p:nvPr/>
-        </p:nvSpPr>
-        <p:spPr>
-          <a:xfrm>
-            <a:off x="7256926" y="799743"/>
-            <a:ext cx="310053" cy="2158020"/>
-          </a:xfrm>
-          <a:prstGeom prst="rightBrace">
-            <a:avLst/>
-          </a:prstGeom>
-          <a:noFill/>
-          <a:ln w="28575">
-            <a:solidFill>
-              <a:schemeClr val="bg1"/>
-            </a:solidFill>
-          </a:ln>
-        </p:spPr>
-        <p:style>
-          <a:lnRef idx="1">
-            <a:schemeClr val="accent1"/>
-          </a:lnRef>
-          <a:fillRef idx="0">
-            <a:schemeClr val="accent1"/>
-          </a:fillRef>
-          <a:effectRef idx="0">
-            <a:schemeClr val="accent1"/>
-          </a:effectRef>
-          <a:fontRef idx="minor">
-            <a:schemeClr val="tx1"/>
-          </a:fontRef>
-        </p:style>
-        <p:txBody>
-          <a:bodyPr rtlCol="0" anchor="ctr"/>
-          <a:lstStyle/>
-          <a:p>
-            <a:pPr algn="ctr"/>
-            <a:endParaRPr lang="en-US" b="1" dirty="0">
-              <a:solidFill>
-                <a:schemeClr val="bg1"/>
-              </a:solidFill>
-            </a:endParaRPr>
-          </a:p>
-        </p:txBody>
-      </p:sp>
-      <p:sp>
-        <p:nvSpPr>
-          <p:cNvPr id="8" name="TextBox 7">
-            <a:extLst>
-              <a:ext uri="{FF2B5EF4-FFF2-40B4-BE49-F238E27FC236}">
-                <a16:creationId xmlns:a16="http://schemas.microsoft.com/office/drawing/2014/main" id="{551CB41A-B1F5-483F-AFF1-6E6B7B4BCCF7}"/>
-              </a:ext>
-            </a:extLst>
-          </p:cNvPr>
-          <p:cNvSpPr txBox="1"/>
-          <p:nvPr/>
-        </p:nvSpPr>
-        <p:spPr>
-          <a:xfrm>
-            <a:off x="7738986" y="1409343"/>
-            <a:ext cx="1143000" cy="1323439"/>
-          </a:xfrm>
-          <a:prstGeom prst="rect">
-            <a:avLst/>
-          </a:prstGeom>
-          <a:noFill/>
-          <a:ln>
-            <a:solidFill>
-              <a:schemeClr val="bg1"/>
-            </a:solidFill>
-          </a:ln>
-        </p:spPr>
-        <p:txBody>
-          <a:bodyPr wrap="square" rtlCol="0">
-            <a:spAutoFit/>
-          </a:bodyPr>
-          <a:lstStyle/>
-          <a:p>
-            <a:r>
-              <a:rPr lang="en-US" sz="2000" dirty="0">
-                <a:solidFill>
-                  <a:schemeClr val="bg1"/>
-                </a:solidFill>
-              </a:rPr>
-              <a:t>Total number of samples</a:t>
             </a:r>
           </a:p>
         </p:txBody>
@@ -9420,7 +9145,7 @@
 </p:sld>
 </file>
 
-<file path=ppt/slides/slide16.xml><?xml version="1.0" encoding="utf-8"?>
+<file path=ppt/slides/slide15.xml><?xml version="1.0" encoding="utf-8"?>
 <p:sld xmlns:a="http://schemas.openxmlformats.org/drawingml/2006/main" xmlns:r="http://schemas.openxmlformats.org/officeDocument/2006/relationships" xmlns:p="http://schemas.openxmlformats.org/presentationml/2006/main">
   <p:cSld>
     <p:bg>
@@ -9664,104 +9389,6 @@
                 <a:schemeClr val="bg1"/>
               </a:solidFill>
             </a:endParaRPr>
-          </a:p>
-        </p:txBody>
-      </p:sp>
-      <p:sp>
-        <p:nvSpPr>
-          <p:cNvPr id="17" name="Right Brace 16">
-            <a:extLst>
-              <a:ext uri="{FF2B5EF4-FFF2-40B4-BE49-F238E27FC236}">
-                <a16:creationId xmlns:a16="http://schemas.microsoft.com/office/drawing/2014/main" id="{539DB7FD-7AB7-4501-A114-6714337B8C1E}"/>
-              </a:ext>
-            </a:extLst>
-          </p:cNvPr>
-          <p:cNvSpPr/>
-          <p:nvPr/>
-        </p:nvSpPr>
-        <p:spPr>
-          <a:xfrm>
-            <a:off x="7449781" y="2175159"/>
-            <a:ext cx="355268" cy="605504"/>
-          </a:xfrm>
-          <a:prstGeom prst="rightBrace">
-            <a:avLst/>
-          </a:prstGeom>
-          <a:noFill/>
-          <a:ln w="28575">
-            <a:solidFill>
-              <a:schemeClr val="bg1"/>
-            </a:solidFill>
-          </a:ln>
-        </p:spPr>
-        <p:style>
-          <a:lnRef idx="1">
-            <a:schemeClr val="accent1"/>
-          </a:lnRef>
-          <a:fillRef idx="0">
-            <a:schemeClr val="accent1"/>
-          </a:fillRef>
-          <a:effectRef idx="0">
-            <a:schemeClr val="accent1"/>
-          </a:effectRef>
-          <a:fontRef idx="minor">
-            <a:schemeClr val="tx1"/>
-          </a:fontRef>
-        </p:style>
-        <p:txBody>
-          <a:bodyPr rtlCol="0" anchor="ctr"/>
-          <a:lstStyle/>
-          <a:p>
-            <a:pPr algn="ctr"/>
-            <a:endParaRPr lang="en-US" b="1" dirty="0">
-              <a:solidFill>
-                <a:schemeClr val="bg1"/>
-              </a:solidFill>
-            </a:endParaRPr>
-          </a:p>
-        </p:txBody>
-      </p:sp>
-      <p:sp>
-        <p:nvSpPr>
-          <p:cNvPr id="18" name="TextBox 17">
-            <a:extLst>
-              <a:ext uri="{FF2B5EF4-FFF2-40B4-BE49-F238E27FC236}">
-                <a16:creationId xmlns:a16="http://schemas.microsoft.com/office/drawing/2014/main" id="{5C3F1997-B8F7-4736-9774-CFAE1579C232}"/>
-              </a:ext>
-            </a:extLst>
-          </p:cNvPr>
-          <p:cNvSpPr txBox="1"/>
-          <p:nvPr/>
-        </p:nvSpPr>
-        <p:spPr>
-          <a:xfrm>
-            <a:off x="7939229" y="1760471"/>
-            <a:ext cx="1143000" cy="1323439"/>
-          </a:xfrm>
-          <a:prstGeom prst="rect">
-            <a:avLst/>
-          </a:prstGeom>
-          <a:noFill/>
-          <a:ln>
-            <a:solidFill>
-              <a:schemeClr val="bg1"/>
-            </a:solidFill>
-          </a:ln>
-        </p:spPr>
-        <p:txBody>
-          <a:bodyPr wrap="square" rtlCol="0">
-            <a:spAutoFit/>
-          </a:bodyPr>
-          <a:lstStyle/>
-          <a:p>
-            <a:r>
-              <a:rPr lang="en-US" sz="2000" dirty="0">
-                <a:solidFill>
-                  <a:schemeClr val="bg1"/>
-                </a:solidFill>
-              </a:rPr>
-              <a:t>Total number of samples</a:t>
-            </a:r>
           </a:p>
         </p:txBody>
       </p:sp>
@@ -11322,6 +10949,307 @@
 </p:sld>
 </file>
 
+<file path=ppt/slides/slide16.xml><?xml version="1.0" encoding="utf-8"?>
+<p:sld xmlns:a="http://schemas.openxmlformats.org/drawingml/2006/main" xmlns:r="http://schemas.openxmlformats.org/officeDocument/2006/relationships" xmlns:p="http://schemas.openxmlformats.org/presentationml/2006/main">
+  <p:cSld>
+    <p:bg>
+      <p:bgPr>
+        <a:solidFill>
+          <a:schemeClr val="tx1"/>
+        </a:solidFill>
+        <a:effectLst/>
+      </p:bgPr>
+    </p:bg>
+    <p:spTree>
+      <p:nvGrpSpPr>
+        <p:cNvPr id="1" name=""/>
+        <p:cNvGrpSpPr/>
+        <p:nvPr/>
+      </p:nvGrpSpPr>
+      <p:grpSpPr>
+        <a:xfrm>
+          <a:off x="0" y="0"/>
+          <a:ext cx="0" cy="0"/>
+          <a:chOff x="0" y="0"/>
+          <a:chExt cx="0" cy="0"/>
+        </a:xfrm>
+      </p:grpSpPr>
+      <p:sp>
+        <p:nvSpPr>
+          <p:cNvPr id="11" name="TextBox 10">
+            <a:extLst>
+              <a:ext uri="{FF2B5EF4-FFF2-40B4-BE49-F238E27FC236}">
+                <a16:creationId xmlns:a16="http://schemas.microsoft.com/office/drawing/2014/main" id="{94F7AF02-97E2-4C34-A6BC-ADE93CE4F163}"/>
+              </a:ext>
+            </a:extLst>
+          </p:cNvPr>
+          <p:cNvSpPr txBox="1"/>
+          <p:nvPr/>
+        </p:nvSpPr>
+        <p:spPr>
+          <a:xfrm>
+            <a:off x="9525" y="-38784"/>
+            <a:ext cx="3770006" cy="646331"/>
+          </a:xfrm>
+          <a:prstGeom prst="rect">
+            <a:avLst/>
+          </a:prstGeom>
+          <a:noFill/>
+        </p:spPr>
+        <p:txBody>
+          <a:bodyPr wrap="none" rtlCol="0">
+            <a:spAutoFit/>
+          </a:bodyPr>
+          <a:lstStyle/>
+          <a:p>
+            <a:r>
+              <a:rPr lang="en-US" sz="3600" b="1" dirty="0">
+                <a:solidFill>
+                  <a:schemeClr val="bg1"/>
+                </a:solidFill>
+                <a:latin typeface="Candara" panose="020E0502030303020204" pitchFamily="34" charset="0"/>
+              </a:rPr>
+              <a:t>Validation Metrics</a:t>
+            </a:r>
+          </a:p>
+        </p:txBody>
+      </p:sp>
+      <p:sp>
+        <p:nvSpPr>
+          <p:cNvPr id="2" name="Rectangle 1">
+            <a:extLst>
+              <a:ext uri="{FF2B5EF4-FFF2-40B4-BE49-F238E27FC236}">
+                <a16:creationId xmlns:a16="http://schemas.microsoft.com/office/drawing/2014/main" id="{84A8AAE2-5A41-4864-9BCA-3DCFD5CE5D70}"/>
+              </a:ext>
+            </a:extLst>
+          </p:cNvPr>
+          <p:cNvSpPr/>
+          <p:nvPr/>
+        </p:nvSpPr>
+        <p:spPr>
+          <a:xfrm>
+            <a:off x="642613" y="710817"/>
+            <a:ext cx="8021553" cy="6093976"/>
+          </a:xfrm>
+          <a:prstGeom prst="rect">
+            <a:avLst/>
+          </a:prstGeom>
+        </p:spPr>
+        <p:txBody>
+          <a:bodyPr wrap="square">
+            <a:spAutoFit/>
+          </a:bodyPr>
+          <a:lstStyle/>
+          <a:p>
+            <a:pPr marL="342900" indent="-342900">
+              <a:buFont typeface="Arial" panose="020B0604020202020204" pitchFamily="34" charset="0"/>
+              <a:buChar char="•"/>
+            </a:pPr>
+            <a:r>
+              <a:rPr lang="en-US" sz="3000" dirty="0">
+                <a:solidFill>
+                  <a:schemeClr val="bg1"/>
+                </a:solidFill>
+                <a:latin typeface="Candara" panose="020E0502030303020204" pitchFamily="34" charset="0"/>
+              </a:rPr>
+              <a:t>Ratio (continuous)</a:t>
+            </a:r>
+          </a:p>
+          <a:p>
+            <a:pPr marL="800100" lvl="1" indent="-342900">
+              <a:buFont typeface="Arial" panose="020B0604020202020204" pitchFamily="34" charset="0"/>
+              <a:buChar char="•"/>
+            </a:pPr>
+            <a:r>
+              <a:rPr lang="en-US" sz="3000" dirty="0">
+                <a:solidFill>
+                  <a:schemeClr val="bg1"/>
+                </a:solidFill>
+                <a:latin typeface="Candara" panose="020E0502030303020204" pitchFamily="34" charset="0"/>
+              </a:rPr>
+              <a:t>RMSE</a:t>
+            </a:r>
+          </a:p>
+          <a:p>
+            <a:pPr marL="800100" lvl="1" indent="-342900">
+              <a:buFont typeface="Arial" panose="020B0604020202020204" pitchFamily="34" charset="0"/>
+              <a:buChar char="•"/>
+            </a:pPr>
+            <a:r>
+              <a:rPr lang="en-US" sz="3000" dirty="0">
+                <a:solidFill>
+                  <a:schemeClr val="bg1"/>
+                </a:solidFill>
+                <a:latin typeface="Candara" panose="020E0502030303020204" pitchFamily="34" charset="0"/>
+              </a:rPr>
+              <a:t>MAE</a:t>
+            </a:r>
+          </a:p>
+          <a:p>
+            <a:pPr marL="800100" lvl="1" indent="-342900">
+              <a:buFont typeface="Arial" panose="020B0604020202020204" pitchFamily="34" charset="0"/>
+              <a:buChar char="•"/>
+            </a:pPr>
+            <a:r>
+              <a:rPr lang="en-US" sz="3000" dirty="0">
+                <a:solidFill>
+                  <a:schemeClr val="bg1"/>
+                </a:solidFill>
+                <a:latin typeface="Candara" panose="020E0502030303020204" pitchFamily="34" charset="0"/>
+              </a:rPr>
+              <a:t>correlation coefficient</a:t>
+            </a:r>
+          </a:p>
+          <a:p>
+            <a:pPr marL="800100" lvl="1" indent="-342900">
+              <a:buFont typeface="Arial" panose="020B0604020202020204" pitchFamily="34" charset="0"/>
+              <a:buChar char="•"/>
+            </a:pPr>
+            <a:r>
+              <a:rPr lang="en-US" sz="3000" dirty="0">
+                <a:solidFill>
+                  <a:schemeClr val="bg1"/>
+                </a:solidFill>
+                <a:latin typeface="Candara" panose="020E0502030303020204" pitchFamily="34" charset="0"/>
+              </a:rPr>
+              <a:t>mean "distance" (n-D)  from standard</a:t>
+            </a:r>
+            <a:br>
+              <a:rPr lang="en-US" sz="3000" dirty="0">
+                <a:solidFill>
+                  <a:schemeClr val="bg1"/>
+                </a:solidFill>
+                <a:latin typeface="Candara" panose="020E0502030303020204" pitchFamily="34" charset="0"/>
+              </a:rPr>
+            </a:br>
+            <a:endParaRPr lang="en-US" sz="3000" dirty="0">
+              <a:solidFill>
+                <a:schemeClr val="bg1"/>
+              </a:solidFill>
+              <a:latin typeface="Candara" panose="020E0502030303020204" pitchFamily="34" charset="0"/>
+            </a:endParaRPr>
+          </a:p>
+          <a:p>
+            <a:pPr marL="342900" indent="-342900">
+              <a:buFont typeface="Arial" panose="020B0604020202020204" pitchFamily="34" charset="0"/>
+              <a:buChar char="•"/>
+            </a:pPr>
+            <a:r>
+              <a:rPr lang="en-US" sz="3000" dirty="0">
+                <a:solidFill>
+                  <a:schemeClr val="bg1"/>
+                </a:solidFill>
+                <a:latin typeface="Candara" panose="020E0502030303020204" pitchFamily="34" charset="0"/>
+              </a:rPr>
+              <a:t>Nominal (categorical, without order)</a:t>
+            </a:r>
+          </a:p>
+          <a:p>
+            <a:pPr marL="800100" lvl="1" indent="-342900">
+              <a:buFont typeface="Arial" panose="020B0604020202020204" pitchFamily="34" charset="0"/>
+              <a:buChar char="•"/>
+            </a:pPr>
+            <a:r>
+              <a:rPr lang="en-US" sz="3000" dirty="0">
+                <a:solidFill>
+                  <a:schemeClr val="bg1"/>
+                </a:solidFill>
+                <a:latin typeface="Candara" panose="020E0502030303020204" pitchFamily="34" charset="0"/>
+              </a:rPr>
+              <a:t>probability-based:</a:t>
+            </a:r>
+          </a:p>
+          <a:p>
+            <a:pPr marL="1257300" lvl="2" indent="-342900">
+              <a:buFont typeface="Arial" panose="020B0604020202020204" pitchFamily="34" charset="0"/>
+              <a:buChar char="•"/>
+            </a:pPr>
+            <a:r>
+              <a:rPr lang="en-US" sz="3000" dirty="0">
+                <a:solidFill>
+                  <a:schemeClr val="bg1"/>
+                </a:solidFill>
+                <a:latin typeface="Candara" panose="020E0502030303020204" pitchFamily="34" charset="0"/>
+              </a:rPr>
+              <a:t>Brier score</a:t>
+            </a:r>
+          </a:p>
+          <a:p>
+            <a:pPr marL="800100" lvl="1" indent="-342900">
+              <a:buFont typeface="Arial" panose="020B0604020202020204" pitchFamily="34" charset="0"/>
+              <a:buChar char="•"/>
+            </a:pPr>
+            <a:r>
+              <a:rPr lang="en-US" sz="3000" dirty="0">
+                <a:solidFill>
+                  <a:schemeClr val="bg1"/>
+                </a:solidFill>
+                <a:latin typeface="Candara" panose="020E0502030303020204" pitchFamily="34" charset="0"/>
+              </a:rPr>
+              <a:t>confusion matrix-based:</a:t>
+            </a:r>
+          </a:p>
+          <a:p>
+            <a:pPr marL="1257300" lvl="2" indent="-342900">
+              <a:buFont typeface="Arial" panose="020B0604020202020204" pitchFamily="34" charset="0"/>
+              <a:buChar char="•"/>
+            </a:pPr>
+            <a:r>
+              <a:rPr lang="en-US" sz="3000" dirty="0">
+                <a:solidFill>
+                  <a:schemeClr val="bg1"/>
+                </a:solidFill>
+                <a:latin typeface="Candara" panose="020E0502030303020204" pitchFamily="34" charset="0"/>
+              </a:rPr>
+              <a:t>% correctly classified</a:t>
+            </a:r>
+          </a:p>
+          <a:p>
+            <a:pPr marL="1257300" lvl="2" indent="-342900">
+              <a:buFont typeface="Arial" panose="020B0604020202020204" pitchFamily="34" charset="0"/>
+              <a:buChar char="•"/>
+            </a:pPr>
+            <a:r>
+              <a:rPr lang="en-US" sz="3000" dirty="0">
+                <a:solidFill>
+                  <a:schemeClr val="bg1"/>
+                </a:solidFill>
+                <a:latin typeface="Candara" panose="020E0502030303020204" pitchFamily="34" charset="0"/>
+              </a:rPr>
+              <a:t>kappa</a:t>
+            </a:r>
+          </a:p>
+          <a:p>
+            <a:pPr marL="1257300" lvl="2" indent="-342900">
+              <a:buFont typeface="Arial" panose="020B0604020202020204" pitchFamily="34" charset="0"/>
+              <a:buChar char="•"/>
+            </a:pPr>
+            <a:r>
+              <a:rPr lang="en-US" sz="3000" dirty="0">
+                <a:solidFill>
+                  <a:schemeClr val="bg1"/>
+                </a:solidFill>
+                <a:latin typeface="Candara" panose="020E0502030303020204" pitchFamily="34" charset="0"/>
+              </a:rPr>
+              <a:t>weighted tau</a:t>
+            </a:r>
+            <a:endParaRPr lang="en-US" sz="3000" dirty="0"/>
+          </a:p>
+        </p:txBody>
+      </p:sp>
+    </p:spTree>
+    <p:extLst>
+      <p:ext uri="{BB962C8B-B14F-4D97-AF65-F5344CB8AC3E}">
+        <p14:creationId xmlns:p14="http://schemas.microsoft.com/office/powerpoint/2010/main" val="1947012522"/>
+      </p:ext>
+    </p:extLst>
+  </p:cSld>
+  <p:clrMapOvr>
+    <a:masterClrMapping/>
+  </p:clrMapOvr>
+</p:sld>
+</file>
+
 <file path=ppt/slides/slide17.xml><?xml version="1.0" encoding="utf-8"?>
 <p:sld xmlns:a="http://schemas.openxmlformats.org/drawingml/2006/main" xmlns:r="http://schemas.openxmlformats.org/officeDocument/2006/relationships" xmlns:p="http://schemas.openxmlformats.org/presentationml/2006/main">
   <p:cSld>
@@ -11362,7 +11290,7 @@
         <p:spPr>
           <a:xfrm>
             <a:off x="9525" y="-38784"/>
-            <a:ext cx="3770006" cy="646331"/>
+            <a:ext cx="4110421" cy="646331"/>
           </a:xfrm>
           <a:prstGeom prst="rect">
             <a:avLst/>
@@ -11382,7 +11310,7 @@
                 </a:solidFill>
                 <a:latin typeface="Candara" panose="020E0502030303020204" pitchFamily="34" charset="0"/>
               </a:rPr>
-              <a:t>Validation Metrics</a:t>
+              <a:t>Uncertainty Metrics</a:t>
             </a:r>
           </a:p>
         </p:txBody>
@@ -11401,8 +11329,8 @@
         </p:nvSpPr>
         <p:spPr>
           <a:xfrm>
-            <a:off x="642613" y="710817"/>
-            <a:ext cx="8021553" cy="6093976"/>
+            <a:off x="642613" y="843676"/>
+            <a:ext cx="8021553" cy="3785652"/>
           </a:xfrm>
           <a:prstGeom prst="rect">
             <a:avLst/>
@@ -11440,7 +11368,7 @@
                 </a:solidFill>
                 <a:latin typeface="Candara" panose="020E0502030303020204" pitchFamily="34" charset="0"/>
               </a:rPr>
-              <a:t>RMSE</a:t>
+              <a:t>standard error of estimates (SE)</a:t>
             </a:r>
           </a:p>
           <a:p>
@@ -11455,7 +11383,7 @@
                 </a:solidFill>
                 <a:latin typeface="Candara" panose="020E0502030303020204" pitchFamily="34" charset="0"/>
               </a:rPr>
-              <a:t>MAE</a:t>
+              <a:t>prediction intervals (percentiles)</a:t>
             </a:r>
           </a:p>
           <a:p>
@@ -11470,22 +11398,7 @@
                 </a:solidFill>
                 <a:latin typeface="Candara" panose="020E0502030303020204" pitchFamily="34" charset="0"/>
               </a:rPr>
-              <a:t>correlation coefficient</a:t>
-            </a:r>
-          </a:p>
-          <a:p>
-            <a:pPr marL="800100" lvl="1" indent="-342900">
-              <a:buFont typeface="Arial" panose="020B0604020202020204" pitchFamily="34" charset="0"/>
-              <a:buChar char="•"/>
-            </a:pPr>
-            <a:r>
-              <a:rPr lang="en-US" sz="3000" dirty="0">
-                <a:solidFill>
-                  <a:schemeClr val="bg1"/>
-                </a:solidFill>
-                <a:latin typeface="Candara" panose="020E0502030303020204" pitchFamily="34" charset="0"/>
-              </a:rPr>
-              <a:t>mean "distance" (n-D)  from standard</a:t>
+              <a:t>distance / contrast (e.g. soil color)</a:t>
             </a:r>
             <a:br>
               <a:rPr lang="en-US" sz="3000" dirty="0">
@@ -11529,22 +11442,7 @@
                 </a:solidFill>
                 <a:latin typeface="Candara" panose="020E0502030303020204" pitchFamily="34" charset="0"/>
               </a:rPr>
-              <a:t>probability-based:</a:t>
-            </a:r>
-          </a:p>
-          <a:p>
-            <a:pPr marL="1257300" lvl="2" indent="-342900">
-              <a:buFont typeface="Arial" panose="020B0604020202020204" pitchFamily="34" charset="0"/>
-              <a:buChar char="•"/>
-            </a:pPr>
-            <a:r>
-              <a:rPr lang="en-US" sz="3000" dirty="0">
-                <a:solidFill>
-                  <a:schemeClr val="bg1"/>
-                </a:solidFill>
-                <a:latin typeface="Candara" panose="020E0502030303020204" pitchFamily="34" charset="0"/>
-              </a:rPr>
-              <a:t>Brier score</a:t>
+              <a:t>Shannon entropy</a:t>
             </a:r>
           </a:p>
           <a:p>
@@ -11559,52 +11457,7 @@
                 </a:solidFill>
                 <a:latin typeface="Candara" panose="020E0502030303020204" pitchFamily="34" charset="0"/>
               </a:rPr>
-              <a:t>confusion matrix-based:</a:t>
-            </a:r>
-          </a:p>
-          <a:p>
-            <a:pPr marL="1257300" lvl="2" indent="-342900">
-              <a:buFont typeface="Arial" panose="020B0604020202020204" pitchFamily="34" charset="0"/>
-              <a:buChar char="•"/>
-            </a:pPr>
-            <a:r>
-              <a:rPr lang="en-US" sz="3000" dirty="0">
-                <a:solidFill>
-                  <a:schemeClr val="bg1"/>
-                </a:solidFill>
-                <a:latin typeface="Candara" panose="020E0502030303020204" pitchFamily="34" charset="0"/>
-              </a:rPr>
-              <a:t>% correctly classified</a:t>
-            </a:r>
-          </a:p>
-          <a:p>
-            <a:pPr marL="1257300" lvl="2" indent="-342900">
-              <a:buFont typeface="Arial" panose="020B0604020202020204" pitchFamily="34" charset="0"/>
-              <a:buChar char="•"/>
-            </a:pPr>
-            <a:r>
-              <a:rPr lang="en-US" sz="3000" dirty="0">
-                <a:solidFill>
-                  <a:schemeClr val="bg1"/>
-                </a:solidFill>
-                <a:latin typeface="Candara" panose="020E0502030303020204" pitchFamily="34" charset="0"/>
-              </a:rPr>
-              <a:t>kappa</a:t>
-            </a:r>
-          </a:p>
-          <a:p>
-            <a:pPr marL="1257300" lvl="2" indent="-342900">
-              <a:buFont typeface="Arial" panose="020B0604020202020204" pitchFamily="34" charset="0"/>
-              <a:buChar char="•"/>
-            </a:pPr>
-            <a:r>
-              <a:rPr lang="en-US" sz="3000" dirty="0">
-                <a:solidFill>
-                  <a:schemeClr val="bg1"/>
-                </a:solidFill>
-                <a:latin typeface="Candara" panose="020E0502030303020204" pitchFamily="34" charset="0"/>
-              </a:rPr>
-              <a:t>weighted tau</a:t>
+              <a:t>confusion index</a:t>
             </a:r>
             <a:endParaRPr lang="en-US" sz="3000" dirty="0"/>
           </a:p>
@@ -11613,7 +11466,7 @@
     </p:spTree>
     <p:extLst>
       <p:ext uri="{BB962C8B-B14F-4D97-AF65-F5344CB8AC3E}">
-        <p14:creationId xmlns:p14="http://schemas.microsoft.com/office/powerpoint/2010/main" val="1947012522"/>
+        <p14:creationId xmlns:p14="http://schemas.microsoft.com/office/powerpoint/2010/main" val="2540044603"/>
       </p:ext>
     </p:extLst>
   </p:cSld>
@@ -11663,7 +11516,7 @@
         <p:spPr>
           <a:xfrm>
             <a:off x="9525" y="-38784"/>
-            <a:ext cx="4110421" cy="646331"/>
+            <a:ext cx="6381875" cy="646331"/>
           </a:xfrm>
           <a:prstGeom prst="rect">
             <a:avLst/>
@@ -11683,17 +11536,17 @@
                 </a:solidFill>
                 <a:latin typeface="Candara" panose="020E0502030303020204" pitchFamily="34" charset="0"/>
               </a:rPr>
-              <a:t>Uncertainty Metrics</a:t>
-            </a:r>
-          </a:p>
-        </p:txBody>
-      </p:sp>
-      <p:sp>
-        <p:nvSpPr>
-          <p:cNvPr id="2" name="Rectangle 1">
+              <a:t>Uncertainty: Model Parameters</a:t>
+            </a:r>
+          </a:p>
+        </p:txBody>
+      </p:sp>
+      <p:sp>
+        <p:nvSpPr>
+          <p:cNvPr id="5" name="Rectangle 4">
             <a:extLst>
               <a:ext uri="{FF2B5EF4-FFF2-40B4-BE49-F238E27FC236}">
-                <a16:creationId xmlns:a16="http://schemas.microsoft.com/office/drawing/2014/main" id="{84A8AAE2-5A41-4864-9BCA-3DCFD5CE5D70}"/>
+                <a16:creationId xmlns:a16="http://schemas.microsoft.com/office/drawing/2014/main" id="{F4765A25-D624-4AAC-9F72-CD6084DC8B9D}"/>
               </a:ext>
             </a:extLst>
           </p:cNvPr>
@@ -11702,8 +11555,8 @@
         </p:nvSpPr>
         <p:spPr>
           <a:xfrm>
-            <a:off x="642613" y="843676"/>
-            <a:ext cx="8021553" cy="3785652"/>
+            <a:off x="136188" y="607547"/>
+            <a:ext cx="8871624" cy="6186309"/>
           </a:xfrm>
           <a:prstGeom prst="rect">
             <a:avLst/>
@@ -11715,131 +11568,576 @@
           </a:bodyPr>
           <a:lstStyle/>
           <a:p>
-            <a:pPr marL="342900" indent="-342900">
-              <a:buFont typeface="Arial" panose="020B0604020202020204" pitchFamily="34" charset="0"/>
-              <a:buChar char="•"/>
-            </a:pPr>
-            <a:r>
-              <a:rPr lang="en-US" sz="3000" dirty="0">
-                <a:solidFill>
-                  <a:schemeClr val="bg1"/>
-                </a:solidFill>
-                <a:latin typeface="Candara" panose="020E0502030303020204" pitchFamily="34" charset="0"/>
-              </a:rPr>
-              <a:t>Ratio (continuous)</a:t>
-            </a:r>
-          </a:p>
-          <a:p>
-            <a:pPr marL="800100" lvl="1" indent="-342900">
-              <a:buFont typeface="Arial" panose="020B0604020202020204" pitchFamily="34" charset="0"/>
-              <a:buChar char="•"/>
-            </a:pPr>
-            <a:r>
-              <a:rPr lang="en-US" sz="3000" dirty="0">
-                <a:solidFill>
-                  <a:schemeClr val="bg1"/>
-                </a:solidFill>
-                <a:latin typeface="Candara" panose="020E0502030303020204" pitchFamily="34" charset="0"/>
-              </a:rPr>
-              <a:t>standard error of estimates (SE)</a:t>
-            </a:r>
-          </a:p>
-          <a:p>
-            <a:pPr marL="800100" lvl="1" indent="-342900">
-              <a:buFont typeface="Arial" panose="020B0604020202020204" pitchFamily="34" charset="0"/>
-              <a:buChar char="•"/>
-            </a:pPr>
-            <a:r>
-              <a:rPr lang="en-US" sz="3000" dirty="0">
-                <a:solidFill>
-                  <a:schemeClr val="bg1"/>
-                </a:solidFill>
-                <a:latin typeface="Candara" panose="020E0502030303020204" pitchFamily="34" charset="0"/>
-              </a:rPr>
-              <a:t>prediction intervals (percentiles)</a:t>
-            </a:r>
-          </a:p>
-          <a:p>
-            <a:pPr marL="800100" lvl="1" indent="-342900">
-              <a:buFont typeface="Arial" panose="020B0604020202020204" pitchFamily="34" charset="0"/>
-              <a:buChar char="•"/>
-            </a:pPr>
-            <a:r>
-              <a:rPr lang="en-US" sz="3000" dirty="0">
-                <a:solidFill>
-                  <a:schemeClr val="bg1"/>
-                </a:solidFill>
-                <a:latin typeface="Candara" panose="020E0502030303020204" pitchFamily="34" charset="0"/>
-              </a:rPr>
-              <a:t>distance / contrast (i.e., soil color)</a:t>
-            </a:r>
-            <a:br>
-              <a:rPr lang="en-US" sz="3000" dirty="0">
-                <a:solidFill>
-                  <a:schemeClr val="bg1"/>
-                </a:solidFill>
-                <a:latin typeface="Candara" panose="020E0502030303020204" pitchFamily="34" charset="0"/>
-              </a:rPr>
-            </a:br>
-            <a:endParaRPr lang="en-US" sz="3000" dirty="0">
-              <a:solidFill>
-                <a:schemeClr val="bg1"/>
-              </a:solidFill>
-              <a:latin typeface="Candara" panose="020E0502030303020204" pitchFamily="34" charset="0"/>
-            </a:endParaRPr>
-          </a:p>
-          <a:p>
-            <a:pPr marL="342900" indent="-342900">
-              <a:buFont typeface="Arial" panose="020B0604020202020204" pitchFamily="34" charset="0"/>
-              <a:buChar char="•"/>
-            </a:pPr>
-            <a:r>
-              <a:rPr lang="en-US" sz="3000" dirty="0">
-                <a:solidFill>
-                  <a:schemeClr val="bg1"/>
-                </a:solidFill>
-                <a:latin typeface="Candara" panose="020E0502030303020204" pitchFamily="34" charset="0"/>
-              </a:rPr>
-              <a:t>Nominal (categorical, without order)</a:t>
-            </a:r>
-          </a:p>
-          <a:p>
-            <a:pPr marL="800100" lvl="1" indent="-342900">
-              <a:buFont typeface="Arial" panose="020B0604020202020204" pitchFamily="34" charset="0"/>
-              <a:buChar char="•"/>
-            </a:pPr>
-            <a:r>
-              <a:rPr lang="en-US" sz="3000" dirty="0">
-                <a:solidFill>
-                  <a:schemeClr val="bg1"/>
-                </a:solidFill>
-                <a:latin typeface="Candara" panose="020E0502030303020204" pitchFamily="34" charset="0"/>
-              </a:rPr>
-              <a:t>Shannon entropy</a:t>
-            </a:r>
-          </a:p>
-          <a:p>
-            <a:pPr marL="800100" lvl="1" indent="-342900">
-              <a:buFont typeface="Arial" panose="020B0604020202020204" pitchFamily="34" charset="0"/>
-              <a:buChar char="•"/>
-            </a:pPr>
-            <a:r>
-              <a:rPr lang="en-US" sz="3000" dirty="0">
-                <a:solidFill>
-                  <a:schemeClr val="bg1"/>
-                </a:solidFill>
-                <a:latin typeface="Candara" panose="020E0502030303020204" pitchFamily="34" charset="0"/>
-              </a:rPr>
-              <a:t>confusion index</a:t>
-            </a:r>
-            <a:endParaRPr lang="en-US" sz="3000" dirty="0"/>
+            <a:r>
+              <a:rPr lang="en-US" dirty="0">
+                <a:solidFill>
+                  <a:schemeClr val="bg1"/>
+                </a:solidFill>
+                <a:latin typeface="Consolas" panose="020B0609020204030204" pitchFamily="49" charset="0"/>
+              </a:rPr>
+              <a:t>Linear Regression Model</a:t>
+            </a:r>
+          </a:p>
+          <a:p>
+            <a:r>
+              <a:rPr lang="en-US" dirty="0">
+                <a:solidFill>
+                  <a:schemeClr val="bg1"/>
+                </a:solidFill>
+                <a:latin typeface="Consolas" panose="020B0609020204030204" pitchFamily="49" charset="0"/>
+              </a:rPr>
+              <a:t> </a:t>
+            </a:r>
+          </a:p>
+          <a:p>
+            <a:r>
+              <a:rPr lang="en-US" dirty="0">
+                <a:solidFill>
+                  <a:schemeClr val="bg1"/>
+                </a:solidFill>
+                <a:latin typeface="Consolas" panose="020B0609020204030204" pitchFamily="49" charset="0"/>
+              </a:rPr>
+              <a:t> </a:t>
+            </a:r>
+            <a:r>
+              <a:rPr lang="en-US" dirty="0" err="1">
+                <a:solidFill>
+                  <a:schemeClr val="bg1"/>
+                </a:solidFill>
+                <a:latin typeface="Consolas" panose="020B0609020204030204" pitchFamily="49" charset="0"/>
+              </a:rPr>
+              <a:t>ols</a:t>
+            </a:r>
+            <a:r>
+              <a:rPr lang="en-US" dirty="0">
+                <a:solidFill>
+                  <a:schemeClr val="bg1"/>
+                </a:solidFill>
+                <a:latin typeface="Consolas" panose="020B0609020204030204" pitchFamily="49" charset="0"/>
+              </a:rPr>
+              <a:t>(formula = MAST ~ </a:t>
+            </a:r>
+            <a:r>
+              <a:rPr lang="en-US" dirty="0" err="1">
+                <a:solidFill>
+                  <a:schemeClr val="bg1"/>
+                </a:solidFill>
+                <a:latin typeface="Consolas" panose="020B0609020204030204" pitchFamily="49" charset="0"/>
+              </a:rPr>
+              <a:t>seki_abr</a:t>
+            </a:r>
+            <a:r>
+              <a:rPr lang="en-US" dirty="0">
+                <a:solidFill>
+                  <a:schemeClr val="bg1"/>
+                </a:solidFill>
+                <a:latin typeface="Consolas" panose="020B0609020204030204" pitchFamily="49" charset="0"/>
+              </a:rPr>
+              <a:t> + </a:t>
+            </a:r>
+            <a:r>
+              <a:rPr lang="en-US" dirty="0" err="1">
+                <a:solidFill>
+                  <a:schemeClr val="bg1"/>
+                </a:solidFill>
+                <a:latin typeface="Consolas" panose="020B0609020204030204" pitchFamily="49" charset="0"/>
+              </a:rPr>
+              <a:t>seki_tci</a:t>
+            </a:r>
+            <a:r>
+              <a:rPr lang="en-US" dirty="0">
+                <a:solidFill>
+                  <a:schemeClr val="bg1"/>
+                </a:solidFill>
+                <a:latin typeface="Consolas" panose="020B0609020204030204" pitchFamily="49" charset="0"/>
+              </a:rPr>
+              <a:t> + </a:t>
+            </a:r>
+            <a:r>
+              <a:rPr lang="en-US" dirty="0" err="1">
+                <a:solidFill>
+                  <a:schemeClr val="bg1"/>
+                </a:solidFill>
+                <a:latin typeface="Consolas" panose="020B0609020204030204" pitchFamily="49" charset="0"/>
+              </a:rPr>
+              <a:t>rcs</a:t>
+            </a:r>
+            <a:r>
+              <a:rPr lang="en-US" dirty="0">
+                <a:solidFill>
+                  <a:schemeClr val="bg1"/>
+                </a:solidFill>
+                <a:latin typeface="Consolas" panose="020B0609020204030204" pitchFamily="49" charset="0"/>
+              </a:rPr>
+              <a:t>(</a:t>
+            </a:r>
+            <a:r>
+              <a:rPr lang="en-US" dirty="0" err="1">
+                <a:solidFill>
+                  <a:schemeClr val="bg1"/>
+                </a:solidFill>
+                <a:latin typeface="Consolas" panose="020B0609020204030204" pitchFamily="49" charset="0"/>
+              </a:rPr>
+              <a:t>seki_elev</a:t>
+            </a:r>
+            <a:r>
+              <a:rPr lang="en-US" dirty="0">
+                <a:solidFill>
+                  <a:schemeClr val="bg1"/>
+                </a:solidFill>
+                <a:latin typeface="Consolas" panose="020B0609020204030204" pitchFamily="49" charset="0"/>
+              </a:rPr>
+              <a:t>, 3), </a:t>
+            </a:r>
+          </a:p>
+          <a:p>
+            <a:r>
+              <a:rPr lang="en-US" dirty="0">
+                <a:solidFill>
+                  <a:schemeClr val="bg1"/>
+                </a:solidFill>
+                <a:latin typeface="Consolas" panose="020B0609020204030204" pitchFamily="49" charset="0"/>
+              </a:rPr>
+              <a:t>     data = g, weights = weight, x = TRUE, y = TRUE)</a:t>
+            </a:r>
+          </a:p>
+          <a:p>
+            <a:r>
+              <a:rPr lang="en-US" dirty="0">
+                <a:solidFill>
+                  <a:schemeClr val="bg1"/>
+                </a:solidFill>
+                <a:latin typeface="Consolas" panose="020B0609020204030204" pitchFamily="49" charset="0"/>
+              </a:rPr>
+              <a:t> </a:t>
+            </a:r>
+          </a:p>
+          <a:p>
+            <a:r>
+              <a:rPr lang="en-US" dirty="0">
+                <a:solidFill>
+                  <a:schemeClr val="bg1"/>
+                </a:solidFill>
+                <a:latin typeface="Consolas" panose="020B0609020204030204" pitchFamily="49" charset="0"/>
+              </a:rPr>
+              <a:t>                 Model Likelihood     Discrimination    </a:t>
+            </a:r>
+          </a:p>
+          <a:p>
+            <a:r>
+              <a:rPr lang="en-US" dirty="0">
+                <a:solidFill>
+                  <a:schemeClr val="bg1"/>
+                </a:solidFill>
+                <a:latin typeface="Consolas" panose="020B0609020204030204" pitchFamily="49" charset="0"/>
+              </a:rPr>
+              <a:t>                    Ratio Test           Indexes        </a:t>
+            </a:r>
+          </a:p>
+          <a:p>
+            <a:r>
+              <a:rPr lang="en-US" dirty="0">
+                <a:solidFill>
+                  <a:schemeClr val="bg1"/>
+                </a:solidFill>
+                <a:latin typeface="Consolas" panose="020B0609020204030204" pitchFamily="49" charset="0"/>
+              </a:rPr>
+              <a:t> </a:t>
+            </a:r>
+            <a:r>
+              <a:rPr lang="en-US" dirty="0" err="1">
+                <a:solidFill>
+                  <a:schemeClr val="bg1"/>
+                </a:solidFill>
+                <a:latin typeface="Consolas" panose="020B0609020204030204" pitchFamily="49" charset="0"/>
+              </a:rPr>
+              <a:t>Obs</a:t>
+            </a:r>
+            <a:r>
+              <a:rPr lang="en-US" dirty="0">
+                <a:solidFill>
+                  <a:schemeClr val="bg1"/>
+                </a:solidFill>
+                <a:latin typeface="Consolas" panose="020B0609020204030204" pitchFamily="49" charset="0"/>
+              </a:rPr>
+              <a:t>     438    LR chi2    1265.63    R2       0.944    </a:t>
+            </a:r>
+          </a:p>
+          <a:p>
+            <a:r>
+              <a:rPr lang="en-US" dirty="0">
+                <a:solidFill>
+                  <a:schemeClr val="bg1"/>
+                </a:solidFill>
+                <a:latin typeface="Consolas" panose="020B0609020204030204" pitchFamily="49" charset="0"/>
+              </a:rPr>
+              <a:t> sigma0.8428    </a:t>
+            </a:r>
+            <a:r>
+              <a:rPr lang="en-US" dirty="0" err="1">
+                <a:solidFill>
+                  <a:schemeClr val="bg1"/>
+                </a:solidFill>
+                <a:latin typeface="Consolas" panose="020B0609020204030204" pitchFamily="49" charset="0"/>
+              </a:rPr>
+              <a:t>d.f.</a:t>
+            </a:r>
+            <a:r>
+              <a:rPr lang="en-US" dirty="0">
+                <a:solidFill>
+                  <a:schemeClr val="bg1"/>
+                </a:solidFill>
+                <a:latin typeface="Consolas" panose="020B0609020204030204" pitchFamily="49" charset="0"/>
+              </a:rPr>
+              <a:t>             4    R2 adj   0.944    </a:t>
+            </a:r>
+          </a:p>
+          <a:p>
+            <a:r>
+              <a:rPr lang="en-US" dirty="0">
+                <a:solidFill>
+                  <a:schemeClr val="bg1"/>
+                </a:solidFill>
+                <a:latin typeface="Consolas" panose="020B0609020204030204" pitchFamily="49" charset="0"/>
+              </a:rPr>
+              <a:t> </a:t>
+            </a:r>
+            <a:r>
+              <a:rPr lang="en-US" dirty="0" err="1">
+                <a:solidFill>
+                  <a:schemeClr val="bg1"/>
+                </a:solidFill>
+                <a:latin typeface="Consolas" panose="020B0609020204030204" pitchFamily="49" charset="0"/>
+              </a:rPr>
+              <a:t>d.f.</a:t>
+            </a:r>
+            <a:r>
+              <a:rPr lang="en-US" dirty="0">
+                <a:solidFill>
+                  <a:schemeClr val="bg1"/>
+                </a:solidFill>
+                <a:latin typeface="Consolas" panose="020B0609020204030204" pitchFamily="49" charset="0"/>
+              </a:rPr>
+              <a:t>    433    </a:t>
+            </a:r>
+            <a:r>
+              <a:rPr lang="en-US" dirty="0" err="1">
+                <a:solidFill>
+                  <a:schemeClr val="bg1"/>
+                </a:solidFill>
+                <a:latin typeface="Consolas" panose="020B0609020204030204" pitchFamily="49" charset="0"/>
+              </a:rPr>
+              <a:t>Pr</a:t>
+            </a:r>
+            <a:r>
+              <a:rPr lang="en-US" dirty="0">
+                <a:solidFill>
+                  <a:schemeClr val="bg1"/>
+                </a:solidFill>
+                <a:latin typeface="Consolas" panose="020B0609020204030204" pitchFamily="49" charset="0"/>
+              </a:rPr>
+              <a:t>(&gt; chi2)  0.0000    g        3.519    </a:t>
+            </a:r>
+          </a:p>
+          <a:p>
+            <a:r>
+              <a:rPr lang="en-US" dirty="0">
+                <a:solidFill>
+                  <a:schemeClr val="bg1"/>
+                </a:solidFill>
+                <a:latin typeface="Consolas" panose="020B0609020204030204" pitchFamily="49" charset="0"/>
+              </a:rPr>
+              <a:t> </a:t>
+            </a:r>
+          </a:p>
+          <a:p>
+            <a:r>
+              <a:rPr lang="en-US" dirty="0">
+                <a:solidFill>
+                  <a:schemeClr val="bg1"/>
+                </a:solidFill>
+                <a:latin typeface="Consolas" panose="020B0609020204030204" pitchFamily="49" charset="0"/>
+              </a:rPr>
+              <a:t> Residuals</a:t>
+            </a:r>
+          </a:p>
+          <a:p>
+            <a:r>
+              <a:rPr lang="en-US" dirty="0">
+                <a:solidFill>
+                  <a:schemeClr val="bg1"/>
+                </a:solidFill>
+                <a:latin typeface="Consolas" panose="020B0609020204030204" pitchFamily="49" charset="0"/>
+              </a:rPr>
+              <a:t> </a:t>
+            </a:r>
+          </a:p>
+          <a:p>
+            <a:r>
+              <a:rPr lang="en-US" dirty="0">
+                <a:solidFill>
+                  <a:schemeClr val="bg1"/>
+                </a:solidFill>
+                <a:latin typeface="Consolas" panose="020B0609020204030204" pitchFamily="49" charset="0"/>
+              </a:rPr>
+              <a:t>     Min      1Q  Median      3Q     Max </a:t>
+            </a:r>
+          </a:p>
+          <a:p>
+            <a:r>
+              <a:rPr lang="en-US" dirty="0">
+                <a:solidFill>
+                  <a:schemeClr val="bg1"/>
+                </a:solidFill>
+                <a:latin typeface="Consolas" panose="020B0609020204030204" pitchFamily="49" charset="0"/>
+              </a:rPr>
+              <a:t> -2.0637 -0.4328 -0.1113  0.1300  4.0204 </a:t>
+            </a:r>
+          </a:p>
+          <a:p>
+            <a:r>
+              <a:rPr lang="en-US" dirty="0">
+                <a:solidFill>
+                  <a:schemeClr val="bg1"/>
+                </a:solidFill>
+                <a:latin typeface="Consolas" panose="020B0609020204030204" pitchFamily="49" charset="0"/>
+              </a:rPr>
+              <a:t> </a:t>
+            </a:r>
+          </a:p>
+          <a:p>
+            <a:r>
+              <a:rPr lang="en-US" dirty="0">
+                <a:solidFill>
+                  <a:schemeClr val="bg1"/>
+                </a:solidFill>
+                <a:latin typeface="Consolas" panose="020B0609020204030204" pitchFamily="49" charset="0"/>
+              </a:rPr>
+              <a:t>            </a:t>
+            </a:r>
+            <a:r>
+              <a:rPr lang="en-US" dirty="0" err="1">
+                <a:solidFill>
+                  <a:schemeClr val="bg1"/>
+                </a:solidFill>
+                <a:latin typeface="Consolas" panose="020B0609020204030204" pitchFamily="49" charset="0"/>
+              </a:rPr>
+              <a:t>Coef</a:t>
+            </a:r>
+            <a:r>
+              <a:rPr lang="en-US" dirty="0">
+                <a:solidFill>
+                  <a:schemeClr val="bg1"/>
+                </a:solidFill>
+                <a:latin typeface="Consolas" panose="020B0609020204030204" pitchFamily="49" charset="0"/>
+              </a:rPr>
+              <a:t>    S.E.   t      </a:t>
+            </a:r>
+            <a:r>
+              <a:rPr lang="en-US" dirty="0" err="1">
+                <a:solidFill>
+                  <a:schemeClr val="bg1"/>
+                </a:solidFill>
+                <a:latin typeface="Consolas" panose="020B0609020204030204" pitchFamily="49" charset="0"/>
+              </a:rPr>
+              <a:t>Pr</a:t>
+            </a:r>
+            <a:r>
+              <a:rPr lang="en-US" dirty="0">
+                <a:solidFill>
+                  <a:schemeClr val="bg1"/>
+                </a:solidFill>
+                <a:latin typeface="Consolas" panose="020B0609020204030204" pitchFamily="49" charset="0"/>
+              </a:rPr>
+              <a:t>(&gt;|t|)</a:t>
+            </a:r>
+          </a:p>
+          <a:p>
+            <a:r>
+              <a:rPr lang="en-US" dirty="0">
+                <a:solidFill>
+                  <a:schemeClr val="bg1"/>
+                </a:solidFill>
+                <a:latin typeface="Consolas" panose="020B0609020204030204" pitchFamily="49" charset="0"/>
+              </a:rPr>
+              <a:t> Intercept  15.5143 0.3832  40.49 &lt;0.0001 </a:t>
+            </a:r>
+          </a:p>
+          <a:p>
+            <a:r>
+              <a:rPr lang="en-US" dirty="0">
+                <a:solidFill>
+                  <a:schemeClr val="bg1"/>
+                </a:solidFill>
+                <a:latin typeface="Consolas" panose="020B0609020204030204" pitchFamily="49" charset="0"/>
+              </a:rPr>
+              <a:t> </a:t>
+            </a:r>
+            <a:r>
+              <a:rPr lang="en-US" dirty="0" err="1">
+                <a:solidFill>
+                  <a:schemeClr val="bg1"/>
+                </a:solidFill>
+                <a:latin typeface="Consolas" panose="020B0609020204030204" pitchFamily="49" charset="0"/>
+              </a:rPr>
+              <a:t>seki_abr</a:t>
+            </a:r>
+            <a:r>
+              <a:rPr lang="en-US" dirty="0">
+                <a:solidFill>
+                  <a:schemeClr val="bg1"/>
+                </a:solidFill>
+                <a:latin typeface="Consolas" panose="020B0609020204030204" pitchFamily="49" charset="0"/>
+              </a:rPr>
+              <a:t>    0.0001 0.0000  18.90 &lt;0.0001 </a:t>
+            </a:r>
+          </a:p>
+          <a:p>
+            <a:r>
+              <a:rPr lang="en-US" dirty="0">
+                <a:solidFill>
+                  <a:schemeClr val="bg1"/>
+                </a:solidFill>
+                <a:latin typeface="Consolas" panose="020B0609020204030204" pitchFamily="49" charset="0"/>
+              </a:rPr>
+              <a:t> </a:t>
+            </a:r>
+            <a:r>
+              <a:rPr lang="en-US" dirty="0" err="1">
+                <a:solidFill>
+                  <a:schemeClr val="bg1"/>
+                </a:solidFill>
+                <a:latin typeface="Consolas" panose="020B0609020204030204" pitchFamily="49" charset="0"/>
+              </a:rPr>
+              <a:t>seki_tci</a:t>
+            </a:r>
+            <a:r>
+              <a:rPr lang="en-US" dirty="0">
+                <a:solidFill>
+                  <a:schemeClr val="bg1"/>
+                </a:solidFill>
+                <a:latin typeface="Consolas" panose="020B0609020204030204" pitchFamily="49" charset="0"/>
+              </a:rPr>
+              <a:t>   -0.0621 0.0142  -4.38 &lt;0.0001 </a:t>
+            </a:r>
+          </a:p>
+          <a:p>
+            <a:r>
+              <a:rPr lang="en-US" dirty="0">
+                <a:solidFill>
+                  <a:schemeClr val="bg1"/>
+                </a:solidFill>
+                <a:latin typeface="Consolas" panose="020B0609020204030204" pitchFamily="49" charset="0"/>
+              </a:rPr>
+              <a:t> </a:t>
+            </a:r>
+            <a:r>
+              <a:rPr lang="en-US" dirty="0" err="1">
+                <a:solidFill>
+                  <a:schemeClr val="bg1"/>
+                </a:solidFill>
+                <a:latin typeface="Consolas" panose="020B0609020204030204" pitchFamily="49" charset="0"/>
+              </a:rPr>
+              <a:t>seki_elev</a:t>
+            </a:r>
+            <a:r>
+              <a:rPr lang="en-US" dirty="0">
+                <a:solidFill>
+                  <a:schemeClr val="bg1"/>
+                </a:solidFill>
+                <a:latin typeface="Consolas" panose="020B0609020204030204" pitchFamily="49" charset="0"/>
+              </a:rPr>
+              <a:t>  -0.0057 0.0001 -46.14 &lt;0.0001 </a:t>
+            </a:r>
+          </a:p>
+          <a:p>
+            <a:r>
+              <a:rPr lang="en-US" dirty="0">
+                <a:solidFill>
+                  <a:schemeClr val="bg1"/>
+                </a:solidFill>
+                <a:latin typeface="Consolas" panose="020B0609020204030204" pitchFamily="49" charset="0"/>
+              </a:rPr>
+              <a:t> </a:t>
+            </a:r>
+            <a:r>
+              <a:rPr lang="en-US" dirty="0" err="1">
+                <a:solidFill>
+                  <a:schemeClr val="bg1"/>
+                </a:solidFill>
+                <a:latin typeface="Consolas" panose="020B0609020204030204" pitchFamily="49" charset="0"/>
+              </a:rPr>
+              <a:t>seki_elev</a:t>
+            </a:r>
+            <a:r>
+              <a:rPr lang="en-US" dirty="0">
+                <a:solidFill>
+                  <a:schemeClr val="bg1"/>
+                </a:solidFill>
+                <a:latin typeface="Consolas" panose="020B0609020204030204" pitchFamily="49" charset="0"/>
+              </a:rPr>
+              <a:t>'  0.0017 0.0002   9.09 &lt;0.0001</a:t>
+            </a:r>
+            <a:endParaRPr lang="en-US" dirty="0"/>
+          </a:p>
+        </p:txBody>
+      </p:sp>
+      <p:sp>
+        <p:nvSpPr>
+          <p:cNvPr id="6" name="Rectangle 5">
+            <a:extLst>
+              <a:ext uri="{FF2B5EF4-FFF2-40B4-BE49-F238E27FC236}">
+                <a16:creationId xmlns:a16="http://schemas.microsoft.com/office/drawing/2014/main" id="{D76C6AB6-8700-4B4E-87A1-384E29B0C8B1}"/>
+              </a:ext>
+            </a:extLst>
+          </p:cNvPr>
+          <p:cNvSpPr/>
+          <p:nvPr/>
+        </p:nvSpPr>
+        <p:spPr>
+          <a:xfrm>
+            <a:off x="247650" y="4905375"/>
+            <a:ext cx="5381625" cy="1847850"/>
+          </a:xfrm>
+          <a:prstGeom prst="rect">
+            <a:avLst/>
+          </a:prstGeom>
+          <a:noFill/>
+          <a:ln w="28575">
+            <a:solidFill>
+              <a:schemeClr val="bg1"/>
+            </a:solidFill>
+          </a:ln>
+        </p:spPr>
+        <p:style>
+          <a:lnRef idx="2">
+            <a:schemeClr val="accent1">
+              <a:shade val="50000"/>
+            </a:schemeClr>
+          </a:lnRef>
+          <a:fillRef idx="1">
+            <a:schemeClr val="accent1"/>
+          </a:fillRef>
+          <a:effectRef idx="0">
+            <a:schemeClr val="accent1"/>
+          </a:effectRef>
+          <a:fontRef idx="minor">
+            <a:schemeClr val="lt1"/>
+          </a:fontRef>
+        </p:style>
+        <p:txBody>
+          <a:bodyPr rtlCol="0" anchor="ctr"/>
+          <a:lstStyle/>
+          <a:p>
+            <a:pPr algn="ctr"/>
+            <a:endParaRPr lang="en-US"/>
           </a:p>
         </p:txBody>
       </p:sp>
     </p:spTree>
     <p:extLst>
       <p:ext uri="{BB962C8B-B14F-4D97-AF65-F5344CB8AC3E}">
-        <p14:creationId xmlns:p14="http://schemas.microsoft.com/office/powerpoint/2010/main" val="2540044603"/>
+        <p14:creationId xmlns:p14="http://schemas.microsoft.com/office/powerpoint/2010/main" val="934920822"/>
       </p:ext>
     </p:extLst>
   </p:cSld>
@@ -11914,12 +12212,59 @@
           </a:p>
         </p:txBody>
       </p:sp>
-      <p:sp>
-        <p:nvSpPr>
-          <p:cNvPr id="5" name="Rectangle 4">
+      <p:pic>
+        <p:nvPicPr>
+          <p:cNvPr id="11270" name="Picture 6">
             <a:extLst>
               <a:ext uri="{FF2B5EF4-FFF2-40B4-BE49-F238E27FC236}">
-                <a16:creationId xmlns:a16="http://schemas.microsoft.com/office/drawing/2014/main" id="{F4765A25-D624-4AAC-9F72-CD6084DC8B9D}"/>
+                <a16:creationId xmlns:a16="http://schemas.microsoft.com/office/drawing/2014/main" id="{A8F4B56F-AF61-4DA1-AAAB-C7DC1709F3FA}"/>
+              </a:ext>
+            </a:extLst>
+          </p:cNvPr>
+          <p:cNvPicPr>
+            <a:picLocks noChangeAspect="1" noChangeArrowheads="1"/>
+          </p:cNvPicPr>
+          <p:nvPr/>
+        </p:nvPicPr>
+        <p:blipFill>
+          <a:blip r:embed="rId3">
+            <a:extLst>
+              <a:ext uri="{28A0092B-C50C-407E-A947-70E740481C1C}">
+                <a14:useLocalDpi xmlns:a14="http://schemas.microsoft.com/office/drawing/2010/main" val="0"/>
+              </a:ext>
+            </a:extLst>
+          </a:blip>
+          <a:srcRect/>
+          <a:stretch>
+            <a:fillRect/>
+          </a:stretch>
+        </p:blipFill>
+        <p:spPr bwMode="auto">
+          <a:xfrm>
+            <a:off x="415636" y="1350818"/>
+            <a:ext cx="8312728" cy="4156364"/>
+          </a:xfrm>
+          <a:prstGeom prst="rect">
+            <a:avLst/>
+          </a:prstGeom>
+          <a:noFill/>
+          <a:extLst>
+            <a:ext uri="{909E8E84-426E-40DD-AFC4-6F175D3DCCD1}">
+              <a14:hiddenFill xmlns:a14="http://schemas.microsoft.com/office/drawing/2010/main">
+                <a:solidFill>
+                  <a:srgbClr val="FFFFFF"/>
+                </a:solidFill>
+              </a14:hiddenFill>
+            </a:ext>
+          </a:extLst>
+        </p:spPr>
+      </p:pic>
+      <p:sp>
+        <p:nvSpPr>
+          <p:cNvPr id="4" name="Rectangle 3">
+            <a:extLst>
+              <a:ext uri="{FF2B5EF4-FFF2-40B4-BE49-F238E27FC236}">
+                <a16:creationId xmlns:a16="http://schemas.microsoft.com/office/drawing/2014/main" id="{7816E872-49C1-4FD3-8407-86A459CE2E7D}"/>
               </a:ext>
             </a:extLst>
           </p:cNvPr>
@@ -11928,15 +12273,15 @@
         </p:nvSpPr>
         <p:spPr>
           <a:xfrm>
-            <a:off x="136188" y="607547"/>
-            <a:ext cx="8871624" cy="6186309"/>
+            <a:off x="2054953" y="5881121"/>
+            <a:ext cx="4074898" cy="369332"/>
           </a:xfrm>
           <a:prstGeom prst="rect">
             <a:avLst/>
           </a:prstGeom>
         </p:spPr>
         <p:txBody>
-          <a:bodyPr wrap="square">
+          <a:bodyPr wrap="none">
             <a:spAutoFit/>
           </a:bodyPr>
           <a:lstStyle/>
@@ -11946,571 +12291,18 @@
                 <a:solidFill>
                   <a:schemeClr val="bg1"/>
                 </a:solidFill>
-                <a:latin typeface="Consolas" panose="020B0609020204030204" pitchFamily="49" charset="0"/>
-              </a:rPr>
-              <a:t>Linear Regression Model</a:t>
-            </a:r>
-          </a:p>
-          <a:p>
-            <a:r>
-              <a:rPr lang="en-US" dirty="0">
-                <a:solidFill>
-                  <a:schemeClr val="bg1"/>
-                </a:solidFill>
-                <a:latin typeface="Consolas" panose="020B0609020204030204" pitchFamily="49" charset="0"/>
-              </a:rPr>
-              <a:t> </a:t>
-            </a:r>
-          </a:p>
-          <a:p>
-            <a:r>
-              <a:rPr lang="en-US" dirty="0">
-                <a:solidFill>
-                  <a:schemeClr val="bg1"/>
-                </a:solidFill>
-                <a:latin typeface="Consolas" panose="020B0609020204030204" pitchFamily="49" charset="0"/>
-              </a:rPr>
-              <a:t> </a:t>
-            </a:r>
-            <a:r>
-              <a:rPr lang="en-US" dirty="0" err="1">
-                <a:solidFill>
-                  <a:schemeClr val="bg1"/>
-                </a:solidFill>
-                <a:latin typeface="Consolas" panose="020B0609020204030204" pitchFamily="49" charset="0"/>
-              </a:rPr>
-              <a:t>ols</a:t>
-            </a:r>
-            <a:r>
-              <a:rPr lang="en-US" dirty="0">
-                <a:solidFill>
-                  <a:schemeClr val="bg1"/>
-                </a:solidFill>
-                <a:latin typeface="Consolas" panose="020B0609020204030204" pitchFamily="49" charset="0"/>
-              </a:rPr>
-              <a:t>(formula = MAST ~ </a:t>
-            </a:r>
-            <a:r>
-              <a:rPr lang="en-US" dirty="0" err="1">
-                <a:solidFill>
-                  <a:schemeClr val="bg1"/>
-                </a:solidFill>
-                <a:latin typeface="Consolas" panose="020B0609020204030204" pitchFamily="49" charset="0"/>
-              </a:rPr>
-              <a:t>seki_abr</a:t>
-            </a:r>
-            <a:r>
-              <a:rPr lang="en-US" dirty="0">
-                <a:solidFill>
-                  <a:schemeClr val="bg1"/>
-                </a:solidFill>
-                <a:latin typeface="Consolas" panose="020B0609020204030204" pitchFamily="49" charset="0"/>
-              </a:rPr>
-              <a:t> + </a:t>
-            </a:r>
-            <a:r>
-              <a:rPr lang="en-US" dirty="0" err="1">
-                <a:solidFill>
-                  <a:schemeClr val="bg1"/>
-                </a:solidFill>
-                <a:latin typeface="Consolas" panose="020B0609020204030204" pitchFamily="49" charset="0"/>
-              </a:rPr>
-              <a:t>seki_tci</a:t>
-            </a:r>
-            <a:r>
-              <a:rPr lang="en-US" dirty="0">
-                <a:solidFill>
-                  <a:schemeClr val="bg1"/>
-                </a:solidFill>
-                <a:latin typeface="Consolas" panose="020B0609020204030204" pitchFamily="49" charset="0"/>
-              </a:rPr>
-              <a:t> + </a:t>
-            </a:r>
-            <a:r>
-              <a:rPr lang="en-US" dirty="0" err="1">
-                <a:solidFill>
-                  <a:schemeClr val="bg1"/>
-                </a:solidFill>
-                <a:latin typeface="Consolas" panose="020B0609020204030204" pitchFamily="49" charset="0"/>
-              </a:rPr>
-              <a:t>rcs</a:t>
-            </a:r>
-            <a:r>
-              <a:rPr lang="en-US" dirty="0">
-                <a:solidFill>
-                  <a:schemeClr val="bg1"/>
-                </a:solidFill>
-                <a:latin typeface="Consolas" panose="020B0609020204030204" pitchFamily="49" charset="0"/>
-              </a:rPr>
-              <a:t>(</a:t>
-            </a:r>
-            <a:r>
-              <a:rPr lang="en-US" dirty="0" err="1">
-                <a:solidFill>
-                  <a:schemeClr val="bg1"/>
-                </a:solidFill>
-                <a:latin typeface="Consolas" panose="020B0609020204030204" pitchFamily="49" charset="0"/>
-              </a:rPr>
-              <a:t>seki_elev</a:t>
-            </a:r>
-            <a:r>
-              <a:rPr lang="en-US" dirty="0">
-                <a:solidFill>
-                  <a:schemeClr val="bg1"/>
-                </a:solidFill>
-                <a:latin typeface="Consolas" panose="020B0609020204030204" pitchFamily="49" charset="0"/>
-              </a:rPr>
-              <a:t>, 3), </a:t>
-            </a:r>
-          </a:p>
-          <a:p>
-            <a:r>
-              <a:rPr lang="en-US" dirty="0">
-                <a:solidFill>
-                  <a:schemeClr val="bg1"/>
-                </a:solidFill>
-                <a:latin typeface="Consolas" panose="020B0609020204030204" pitchFamily="49" charset="0"/>
-              </a:rPr>
-              <a:t>     data = g, weights = weight, x = TRUE, y = TRUE)</a:t>
-            </a:r>
-          </a:p>
-          <a:p>
-            <a:r>
-              <a:rPr lang="en-US" dirty="0">
-                <a:solidFill>
-                  <a:schemeClr val="bg1"/>
-                </a:solidFill>
-                <a:latin typeface="Consolas" panose="020B0609020204030204" pitchFamily="49" charset="0"/>
-              </a:rPr>
-              <a:t> </a:t>
-            </a:r>
-          </a:p>
-          <a:p>
-            <a:r>
-              <a:rPr lang="en-US" dirty="0">
-                <a:solidFill>
-                  <a:schemeClr val="bg1"/>
-                </a:solidFill>
-                <a:latin typeface="Consolas" panose="020B0609020204030204" pitchFamily="49" charset="0"/>
-              </a:rPr>
-              <a:t>                 Model Likelihood     Discrimination    </a:t>
-            </a:r>
-          </a:p>
-          <a:p>
-            <a:r>
-              <a:rPr lang="en-US" dirty="0">
-                <a:solidFill>
-                  <a:schemeClr val="bg1"/>
-                </a:solidFill>
-                <a:latin typeface="Consolas" panose="020B0609020204030204" pitchFamily="49" charset="0"/>
-              </a:rPr>
-              <a:t>                    Ratio Test           Indexes        </a:t>
-            </a:r>
-          </a:p>
-          <a:p>
-            <a:r>
-              <a:rPr lang="en-US" dirty="0">
-                <a:solidFill>
-                  <a:schemeClr val="bg1"/>
-                </a:solidFill>
-                <a:latin typeface="Consolas" panose="020B0609020204030204" pitchFamily="49" charset="0"/>
-              </a:rPr>
-              <a:t> </a:t>
-            </a:r>
-            <a:r>
-              <a:rPr lang="en-US" dirty="0" err="1">
-                <a:solidFill>
-                  <a:schemeClr val="bg1"/>
-                </a:solidFill>
-                <a:latin typeface="Consolas" panose="020B0609020204030204" pitchFamily="49" charset="0"/>
-              </a:rPr>
-              <a:t>Obs</a:t>
-            </a:r>
-            <a:r>
-              <a:rPr lang="en-US" dirty="0">
-                <a:solidFill>
-                  <a:schemeClr val="bg1"/>
-                </a:solidFill>
-                <a:latin typeface="Consolas" panose="020B0609020204030204" pitchFamily="49" charset="0"/>
-              </a:rPr>
-              <a:t>     438    LR chi2    1265.63    R2       0.944    </a:t>
-            </a:r>
-          </a:p>
-          <a:p>
-            <a:r>
-              <a:rPr lang="en-US" dirty="0">
-                <a:solidFill>
-                  <a:schemeClr val="bg1"/>
-                </a:solidFill>
-                <a:latin typeface="Consolas" panose="020B0609020204030204" pitchFamily="49" charset="0"/>
-              </a:rPr>
-              <a:t> sigma0.8428    </a:t>
-            </a:r>
-            <a:r>
-              <a:rPr lang="en-US" dirty="0" err="1">
-                <a:solidFill>
-                  <a:schemeClr val="bg1"/>
-                </a:solidFill>
-                <a:latin typeface="Consolas" panose="020B0609020204030204" pitchFamily="49" charset="0"/>
-              </a:rPr>
-              <a:t>d.f.</a:t>
-            </a:r>
-            <a:r>
-              <a:rPr lang="en-US" dirty="0">
-                <a:solidFill>
-                  <a:schemeClr val="bg1"/>
-                </a:solidFill>
-                <a:latin typeface="Consolas" panose="020B0609020204030204" pitchFamily="49" charset="0"/>
-              </a:rPr>
-              <a:t>             4    R2 adj   0.944    </a:t>
-            </a:r>
-          </a:p>
-          <a:p>
-            <a:r>
-              <a:rPr lang="en-US" dirty="0">
-                <a:solidFill>
-                  <a:schemeClr val="bg1"/>
-                </a:solidFill>
-                <a:latin typeface="Consolas" panose="020B0609020204030204" pitchFamily="49" charset="0"/>
-              </a:rPr>
-              <a:t> </a:t>
-            </a:r>
-            <a:r>
-              <a:rPr lang="en-US" dirty="0" err="1">
-                <a:solidFill>
-                  <a:schemeClr val="bg1"/>
-                </a:solidFill>
-                <a:latin typeface="Consolas" panose="020B0609020204030204" pitchFamily="49" charset="0"/>
-              </a:rPr>
-              <a:t>d.f.</a:t>
-            </a:r>
-            <a:r>
-              <a:rPr lang="en-US" dirty="0">
-                <a:solidFill>
-                  <a:schemeClr val="bg1"/>
-                </a:solidFill>
-                <a:latin typeface="Consolas" panose="020B0609020204030204" pitchFamily="49" charset="0"/>
-              </a:rPr>
-              <a:t>    433    </a:t>
-            </a:r>
-            <a:r>
-              <a:rPr lang="en-US" dirty="0" err="1">
-                <a:solidFill>
-                  <a:schemeClr val="bg1"/>
-                </a:solidFill>
-                <a:latin typeface="Consolas" panose="020B0609020204030204" pitchFamily="49" charset="0"/>
-              </a:rPr>
-              <a:t>Pr</a:t>
-            </a:r>
-            <a:r>
-              <a:rPr lang="en-US" dirty="0">
-                <a:solidFill>
-                  <a:schemeClr val="bg1"/>
-                </a:solidFill>
-                <a:latin typeface="Consolas" panose="020B0609020204030204" pitchFamily="49" charset="0"/>
-              </a:rPr>
-              <a:t>(&gt; chi2)  0.0000    g        3.519    </a:t>
-            </a:r>
-          </a:p>
-          <a:p>
-            <a:r>
-              <a:rPr lang="en-US" dirty="0">
-                <a:solidFill>
-                  <a:schemeClr val="bg1"/>
-                </a:solidFill>
-                <a:latin typeface="Consolas" panose="020B0609020204030204" pitchFamily="49" charset="0"/>
-              </a:rPr>
-              <a:t> </a:t>
-            </a:r>
-          </a:p>
-          <a:p>
-            <a:r>
-              <a:rPr lang="en-US" dirty="0">
-                <a:solidFill>
-                  <a:schemeClr val="bg1"/>
-                </a:solidFill>
-                <a:latin typeface="Consolas" panose="020B0609020204030204" pitchFamily="49" charset="0"/>
-              </a:rPr>
-              <a:t> Residuals</a:t>
-            </a:r>
-          </a:p>
-          <a:p>
-            <a:r>
-              <a:rPr lang="en-US" dirty="0">
-                <a:solidFill>
-                  <a:schemeClr val="bg1"/>
-                </a:solidFill>
-                <a:latin typeface="Consolas" panose="020B0609020204030204" pitchFamily="49" charset="0"/>
-              </a:rPr>
-              <a:t> </a:t>
-            </a:r>
-          </a:p>
-          <a:p>
-            <a:r>
-              <a:rPr lang="en-US" dirty="0">
-                <a:solidFill>
-                  <a:schemeClr val="bg1"/>
-                </a:solidFill>
-                <a:latin typeface="Consolas" panose="020B0609020204030204" pitchFamily="49" charset="0"/>
-              </a:rPr>
-              <a:t>     Min      1Q  Median      3Q     Max </a:t>
-            </a:r>
-          </a:p>
-          <a:p>
-            <a:r>
-              <a:rPr lang="en-US" dirty="0">
-                <a:solidFill>
-                  <a:schemeClr val="bg1"/>
-                </a:solidFill>
-                <a:latin typeface="Consolas" panose="020B0609020204030204" pitchFamily="49" charset="0"/>
-              </a:rPr>
-              <a:t> -2.0637 -0.4328 -0.1113  0.1300  4.0204 </a:t>
-            </a:r>
-          </a:p>
-          <a:p>
-            <a:r>
-              <a:rPr lang="en-US" dirty="0">
-                <a:solidFill>
-                  <a:schemeClr val="bg1"/>
-                </a:solidFill>
-                <a:latin typeface="Consolas" panose="020B0609020204030204" pitchFamily="49" charset="0"/>
-              </a:rPr>
-              <a:t> </a:t>
-            </a:r>
-          </a:p>
-          <a:p>
-            <a:r>
-              <a:rPr lang="en-US" dirty="0">
-                <a:solidFill>
-                  <a:schemeClr val="bg1"/>
-                </a:solidFill>
-                <a:latin typeface="Consolas" panose="020B0609020204030204" pitchFamily="49" charset="0"/>
-              </a:rPr>
-              <a:t>            </a:t>
-            </a:r>
-            <a:r>
-              <a:rPr lang="en-US" dirty="0" err="1">
-                <a:solidFill>
-                  <a:schemeClr val="bg1"/>
-                </a:solidFill>
-                <a:latin typeface="Consolas" panose="020B0609020204030204" pitchFamily="49" charset="0"/>
-              </a:rPr>
-              <a:t>Coef</a:t>
-            </a:r>
-            <a:r>
-              <a:rPr lang="en-US" dirty="0">
-                <a:solidFill>
-                  <a:schemeClr val="bg1"/>
-                </a:solidFill>
-                <a:latin typeface="Consolas" panose="020B0609020204030204" pitchFamily="49" charset="0"/>
-              </a:rPr>
-              <a:t>    S.E.   t      </a:t>
-            </a:r>
-            <a:r>
-              <a:rPr lang="en-US" dirty="0" err="1">
-                <a:solidFill>
-                  <a:schemeClr val="bg1"/>
-                </a:solidFill>
-                <a:latin typeface="Consolas" panose="020B0609020204030204" pitchFamily="49" charset="0"/>
-              </a:rPr>
-              <a:t>Pr</a:t>
-            </a:r>
-            <a:r>
-              <a:rPr lang="en-US" dirty="0">
-                <a:solidFill>
-                  <a:schemeClr val="bg1"/>
-                </a:solidFill>
-                <a:latin typeface="Consolas" panose="020B0609020204030204" pitchFamily="49" charset="0"/>
-              </a:rPr>
-              <a:t>(&gt;|t|)</a:t>
-            </a:r>
-          </a:p>
-          <a:p>
-            <a:r>
-              <a:rPr lang="en-US" dirty="0">
-                <a:solidFill>
-                  <a:schemeClr val="bg1"/>
-                </a:solidFill>
-                <a:latin typeface="Consolas" panose="020B0609020204030204" pitchFamily="49" charset="0"/>
-              </a:rPr>
-              <a:t> Intercept  15.5143 0.3832  40.49 &lt;0.0001 </a:t>
-            </a:r>
-          </a:p>
-          <a:p>
-            <a:r>
-              <a:rPr lang="en-US" dirty="0">
-                <a:solidFill>
-                  <a:schemeClr val="bg1"/>
-                </a:solidFill>
-                <a:latin typeface="Consolas" panose="020B0609020204030204" pitchFamily="49" charset="0"/>
-              </a:rPr>
-              <a:t> </a:t>
-            </a:r>
-            <a:r>
-              <a:rPr lang="en-US" dirty="0" err="1">
-                <a:solidFill>
-                  <a:schemeClr val="bg1"/>
-                </a:solidFill>
-                <a:latin typeface="Consolas" panose="020B0609020204030204" pitchFamily="49" charset="0"/>
-              </a:rPr>
-              <a:t>seki_abr</a:t>
-            </a:r>
-            <a:r>
-              <a:rPr lang="en-US" dirty="0">
-                <a:solidFill>
-                  <a:schemeClr val="bg1"/>
-                </a:solidFill>
-                <a:latin typeface="Consolas" panose="020B0609020204030204" pitchFamily="49" charset="0"/>
-              </a:rPr>
-              <a:t>    0.0001 0.0000  18.90 &lt;0.0001 </a:t>
-            </a:r>
-          </a:p>
-          <a:p>
-            <a:r>
-              <a:rPr lang="en-US" dirty="0">
-                <a:solidFill>
-                  <a:schemeClr val="bg1"/>
-                </a:solidFill>
-                <a:latin typeface="Consolas" panose="020B0609020204030204" pitchFamily="49" charset="0"/>
-              </a:rPr>
-              <a:t> </a:t>
-            </a:r>
-            <a:r>
-              <a:rPr lang="en-US" dirty="0" err="1">
-                <a:solidFill>
-                  <a:schemeClr val="bg1"/>
-                </a:solidFill>
-                <a:latin typeface="Consolas" panose="020B0609020204030204" pitchFamily="49" charset="0"/>
-              </a:rPr>
-              <a:t>seki_tci</a:t>
-            </a:r>
-            <a:r>
-              <a:rPr lang="en-US" dirty="0">
-                <a:solidFill>
-                  <a:schemeClr val="bg1"/>
-                </a:solidFill>
-                <a:latin typeface="Consolas" panose="020B0609020204030204" pitchFamily="49" charset="0"/>
-              </a:rPr>
-              <a:t>   -0.0621 0.0142  -4.38 &lt;0.0001 </a:t>
-            </a:r>
-          </a:p>
-          <a:p>
-            <a:r>
-              <a:rPr lang="en-US" dirty="0">
-                <a:solidFill>
-                  <a:schemeClr val="bg1"/>
-                </a:solidFill>
-                <a:latin typeface="Consolas" panose="020B0609020204030204" pitchFamily="49" charset="0"/>
-              </a:rPr>
-              <a:t> </a:t>
-            </a:r>
-            <a:r>
-              <a:rPr lang="en-US" dirty="0" err="1">
-                <a:solidFill>
-                  <a:schemeClr val="bg1"/>
-                </a:solidFill>
-                <a:latin typeface="Consolas" panose="020B0609020204030204" pitchFamily="49" charset="0"/>
-              </a:rPr>
-              <a:t>seki_elev</a:t>
-            </a:r>
-            <a:r>
-              <a:rPr lang="en-US" dirty="0">
-                <a:solidFill>
-                  <a:schemeClr val="bg1"/>
-                </a:solidFill>
-                <a:latin typeface="Consolas" panose="020B0609020204030204" pitchFamily="49" charset="0"/>
-              </a:rPr>
-              <a:t>  -0.0057 0.0001 -46.14 &lt;0.0001 </a:t>
-            </a:r>
-          </a:p>
-          <a:p>
-            <a:r>
-              <a:rPr lang="en-US" dirty="0">
-                <a:solidFill>
-                  <a:schemeClr val="bg1"/>
-                </a:solidFill>
-                <a:latin typeface="Consolas" panose="020B0609020204030204" pitchFamily="49" charset="0"/>
-              </a:rPr>
-              <a:t> </a:t>
-            </a:r>
-            <a:r>
-              <a:rPr lang="en-US" dirty="0" err="1">
-                <a:solidFill>
-                  <a:schemeClr val="bg1"/>
-                </a:solidFill>
-                <a:latin typeface="Consolas" panose="020B0609020204030204" pitchFamily="49" charset="0"/>
-              </a:rPr>
-              <a:t>seki_elev</a:t>
-            </a:r>
-            <a:r>
-              <a:rPr lang="en-US" dirty="0">
-                <a:solidFill>
-                  <a:schemeClr val="bg1"/>
-                </a:solidFill>
-                <a:latin typeface="Consolas" panose="020B0609020204030204" pitchFamily="49" charset="0"/>
-              </a:rPr>
-              <a:t>'  0.0017 0.0002   9.09 &lt;0.0001</a:t>
+                <a:latin typeface="Candara" panose="020E0502030303020204" pitchFamily="34" charset="0"/>
+              </a:rPr>
+              <a:t>MAST model for Yosemite National Park</a:t>
             </a:r>
             <a:endParaRPr lang="en-US" dirty="0"/>
-          </a:p>
-        </p:txBody>
-      </p:sp>
-      <p:sp>
-        <p:nvSpPr>
-          <p:cNvPr id="6" name="Rectangle 5">
-            <a:extLst>
-              <a:ext uri="{FF2B5EF4-FFF2-40B4-BE49-F238E27FC236}">
-                <a16:creationId xmlns:a16="http://schemas.microsoft.com/office/drawing/2014/main" id="{D76C6AB6-8700-4B4E-87A1-384E29B0C8B1}"/>
-              </a:ext>
-            </a:extLst>
-          </p:cNvPr>
-          <p:cNvSpPr/>
-          <p:nvPr/>
-        </p:nvSpPr>
-        <p:spPr>
-          <a:xfrm>
-            <a:off x="247650" y="4905375"/>
-            <a:ext cx="5381625" cy="1847850"/>
-          </a:xfrm>
-          <a:prstGeom prst="rect">
-            <a:avLst/>
-          </a:prstGeom>
-          <a:noFill/>
-          <a:ln w="28575">
-            <a:solidFill>
-              <a:schemeClr val="bg1"/>
-            </a:solidFill>
-          </a:ln>
-        </p:spPr>
-        <p:style>
-          <a:lnRef idx="2">
-            <a:schemeClr val="accent1">
-              <a:shade val="50000"/>
-            </a:schemeClr>
-          </a:lnRef>
-          <a:fillRef idx="1">
-            <a:schemeClr val="accent1"/>
-          </a:fillRef>
-          <a:effectRef idx="0">
-            <a:schemeClr val="accent1"/>
-          </a:effectRef>
-          <a:fontRef idx="minor">
-            <a:schemeClr val="lt1"/>
-          </a:fontRef>
-        </p:style>
-        <p:txBody>
-          <a:bodyPr rtlCol="0" anchor="ctr"/>
-          <a:lstStyle/>
-          <a:p>
-            <a:pPr algn="ctr"/>
-            <a:endParaRPr lang="en-US"/>
           </a:p>
         </p:txBody>
       </p:sp>
     </p:spTree>
     <p:extLst>
       <p:ext uri="{BB962C8B-B14F-4D97-AF65-F5344CB8AC3E}">
-        <p14:creationId xmlns:p14="http://schemas.microsoft.com/office/powerpoint/2010/main" val="934920822"/>
+        <p14:creationId xmlns:p14="http://schemas.microsoft.com/office/powerpoint/2010/main" val="3226946830"/>
       </p:ext>
     </p:extLst>
   </p:cSld>
@@ -12773,171 +12565,6 @@
 </file>
 
 <file path=ppt/slides/slide20.xml><?xml version="1.0" encoding="utf-8"?>
-<p:sld xmlns:a="http://schemas.openxmlformats.org/drawingml/2006/main" xmlns:r="http://schemas.openxmlformats.org/officeDocument/2006/relationships" xmlns:p="http://schemas.openxmlformats.org/presentationml/2006/main">
-  <p:cSld>
-    <p:bg>
-      <p:bgPr>
-        <a:solidFill>
-          <a:schemeClr val="tx1"/>
-        </a:solidFill>
-        <a:effectLst/>
-      </p:bgPr>
-    </p:bg>
-    <p:spTree>
-      <p:nvGrpSpPr>
-        <p:cNvPr id="1" name=""/>
-        <p:cNvGrpSpPr/>
-        <p:nvPr/>
-      </p:nvGrpSpPr>
-      <p:grpSpPr>
-        <a:xfrm>
-          <a:off x="0" y="0"/>
-          <a:ext cx="0" cy="0"/>
-          <a:chOff x="0" y="0"/>
-          <a:chExt cx="0" cy="0"/>
-        </a:xfrm>
-      </p:grpSpPr>
-      <p:sp>
-        <p:nvSpPr>
-          <p:cNvPr id="11" name="TextBox 10">
-            <a:extLst>
-              <a:ext uri="{FF2B5EF4-FFF2-40B4-BE49-F238E27FC236}">
-                <a16:creationId xmlns:a16="http://schemas.microsoft.com/office/drawing/2014/main" id="{94F7AF02-97E2-4C34-A6BC-ADE93CE4F163}"/>
-              </a:ext>
-            </a:extLst>
-          </p:cNvPr>
-          <p:cNvSpPr txBox="1"/>
-          <p:nvPr/>
-        </p:nvSpPr>
-        <p:spPr>
-          <a:xfrm>
-            <a:off x="9525" y="-38784"/>
-            <a:ext cx="6381875" cy="646331"/>
-          </a:xfrm>
-          <a:prstGeom prst="rect">
-            <a:avLst/>
-          </a:prstGeom>
-          <a:noFill/>
-        </p:spPr>
-        <p:txBody>
-          <a:bodyPr wrap="none" rtlCol="0">
-            <a:spAutoFit/>
-          </a:bodyPr>
-          <a:lstStyle/>
-          <a:p>
-            <a:r>
-              <a:rPr lang="en-US" sz="3600" b="1" dirty="0">
-                <a:solidFill>
-                  <a:schemeClr val="bg1"/>
-                </a:solidFill>
-                <a:latin typeface="Candara" panose="020E0502030303020204" pitchFamily="34" charset="0"/>
-              </a:rPr>
-              <a:t>Uncertainty: Model Parameters</a:t>
-            </a:r>
-          </a:p>
-        </p:txBody>
-      </p:sp>
-      <p:pic>
-        <p:nvPicPr>
-          <p:cNvPr id="11270" name="Picture 6">
-            <a:extLst>
-              <a:ext uri="{FF2B5EF4-FFF2-40B4-BE49-F238E27FC236}">
-                <a16:creationId xmlns:a16="http://schemas.microsoft.com/office/drawing/2014/main" id="{A8F4B56F-AF61-4DA1-AAAB-C7DC1709F3FA}"/>
-              </a:ext>
-            </a:extLst>
-          </p:cNvPr>
-          <p:cNvPicPr>
-            <a:picLocks noChangeAspect="1" noChangeArrowheads="1"/>
-          </p:cNvPicPr>
-          <p:nvPr/>
-        </p:nvPicPr>
-        <p:blipFill>
-          <a:blip r:embed="rId3">
-            <a:extLst>
-              <a:ext uri="{28A0092B-C50C-407E-A947-70E740481C1C}">
-                <a14:useLocalDpi xmlns:a14="http://schemas.microsoft.com/office/drawing/2010/main" val="0"/>
-              </a:ext>
-            </a:extLst>
-          </a:blip>
-          <a:srcRect/>
-          <a:stretch>
-            <a:fillRect/>
-          </a:stretch>
-        </p:blipFill>
-        <p:spPr bwMode="auto">
-          <a:xfrm>
-            <a:off x="415636" y="1350818"/>
-            <a:ext cx="8312728" cy="4156364"/>
-          </a:xfrm>
-          <a:prstGeom prst="rect">
-            <a:avLst/>
-          </a:prstGeom>
-          <a:noFill/>
-          <a:extLst>
-            <a:ext uri="{909E8E84-426E-40DD-AFC4-6F175D3DCCD1}">
-              <a14:hiddenFill xmlns:a14="http://schemas.microsoft.com/office/drawing/2010/main">
-                <a:solidFill>
-                  <a:srgbClr val="FFFFFF"/>
-                </a:solidFill>
-              </a14:hiddenFill>
-            </a:ext>
-          </a:extLst>
-        </p:spPr>
-      </p:pic>
-      <p:sp>
-        <p:nvSpPr>
-          <p:cNvPr id="4" name="Rectangle 3">
-            <a:extLst>
-              <a:ext uri="{FF2B5EF4-FFF2-40B4-BE49-F238E27FC236}">
-                <a16:creationId xmlns:a16="http://schemas.microsoft.com/office/drawing/2014/main" id="{7816E872-49C1-4FD3-8407-86A459CE2E7D}"/>
-              </a:ext>
-            </a:extLst>
-          </p:cNvPr>
-          <p:cNvSpPr/>
-          <p:nvPr/>
-        </p:nvSpPr>
-        <p:spPr>
-          <a:xfrm>
-            <a:off x="2054953" y="5881121"/>
-            <a:ext cx="4074898" cy="369332"/>
-          </a:xfrm>
-          <a:prstGeom prst="rect">
-            <a:avLst/>
-          </a:prstGeom>
-        </p:spPr>
-        <p:txBody>
-          <a:bodyPr wrap="none">
-            <a:spAutoFit/>
-          </a:bodyPr>
-          <a:lstStyle/>
-          <a:p>
-            <a:r>
-              <a:rPr lang="en-US" dirty="0">
-                <a:solidFill>
-                  <a:schemeClr val="bg1"/>
-                </a:solidFill>
-                <a:latin typeface="Candara" panose="020E0502030303020204" pitchFamily="34" charset="0"/>
-              </a:rPr>
-              <a:t>MAST model for Yosemite National Park</a:t>
-            </a:r>
-            <a:endParaRPr lang="en-US" dirty="0"/>
-          </a:p>
-        </p:txBody>
-      </p:sp>
-    </p:spTree>
-    <p:extLst>
-      <p:ext uri="{BB962C8B-B14F-4D97-AF65-F5344CB8AC3E}">
-        <p14:creationId xmlns:p14="http://schemas.microsoft.com/office/powerpoint/2010/main" val="3226946830"/>
-      </p:ext>
-    </p:extLst>
-  </p:cSld>
-  <p:clrMapOvr>
-    <a:masterClrMapping/>
-  </p:clrMapOvr>
-</p:sld>
-</file>
-
-<file path=ppt/slides/slide21.xml><?xml version="1.0" encoding="utf-8"?>
 <p:sld xmlns:a="http://schemas.openxmlformats.org/drawingml/2006/main" xmlns:r="http://schemas.openxmlformats.org/officeDocument/2006/relationships" xmlns:p="http://schemas.openxmlformats.org/presentationml/2006/main">
   <p:cSld>
     <p:bg>
@@ -13448,7 +13075,7 @@
 </p:sld>
 </file>
 
-<file path=ppt/slides/slide22.xml><?xml version="1.0" encoding="utf-8"?>
+<file path=ppt/slides/slide21.xml><?xml version="1.0" encoding="utf-8"?>
 <p:sld xmlns:a="http://schemas.openxmlformats.org/drawingml/2006/main" xmlns:r="http://schemas.openxmlformats.org/officeDocument/2006/relationships" xmlns:p="http://schemas.openxmlformats.org/presentationml/2006/main">
   <p:cSld>
     <p:bg>
@@ -13611,7 +13238,7 @@
 </p:sld>
 </file>
 
-<file path=ppt/slides/slide23.xml><?xml version="1.0" encoding="utf-8"?>
+<file path=ppt/slides/slide22.xml><?xml version="1.0" encoding="utf-8"?>
 <p:sld xmlns:a="http://schemas.openxmlformats.org/drawingml/2006/main" xmlns:r="http://schemas.openxmlformats.org/officeDocument/2006/relationships" xmlns:p="http://schemas.openxmlformats.org/presentationml/2006/main">
   <p:cSld>
     <p:bg>
@@ -13801,7 +13428,7 @@
 </p:sld>
 </file>
 
-<file path=ppt/slides/slide24.xml><?xml version="1.0" encoding="utf-8"?>
+<file path=ppt/slides/slide23.xml><?xml version="1.0" encoding="utf-8"?>
 <p:sld xmlns:a="http://schemas.openxmlformats.org/drawingml/2006/main" xmlns:r="http://schemas.openxmlformats.org/officeDocument/2006/relationships" xmlns:p="http://schemas.openxmlformats.org/presentationml/2006/main">
   <p:cSld>
     <p:bg>
@@ -14351,7 +13978,7 @@
 </p:sld>
 </file>
 
-<file path=ppt/slides/slide25.xml><?xml version="1.0" encoding="utf-8"?>
+<file path=ppt/slides/slide24.xml><?xml version="1.0" encoding="utf-8"?>
 <p:sld xmlns:a="http://schemas.openxmlformats.org/drawingml/2006/main" xmlns:r="http://schemas.openxmlformats.org/officeDocument/2006/relationships" xmlns:p="http://schemas.openxmlformats.org/presentationml/2006/main">
   <p:cSld>
     <p:bg>
@@ -14429,7 +14056,7 @@
 </p:sld>
 </file>
 
-<file path=ppt/slides/slide26.xml><?xml version="1.0" encoding="utf-8"?>
+<file path=ppt/slides/slide25.xml><?xml version="1.0" encoding="utf-8"?>
 <p:sld xmlns:a="http://schemas.openxmlformats.org/drawingml/2006/main" xmlns:r="http://schemas.openxmlformats.org/officeDocument/2006/relationships" xmlns:p="http://schemas.openxmlformats.org/presentationml/2006/main">
   <p:cSld>
     <p:bg>
@@ -14788,7 +14415,7 @@
 </p:sld>
 </file>
 
-<file path=ppt/slides/slide27.xml><?xml version="1.0" encoding="utf-8"?>
+<file path=ppt/slides/slide26.xml><?xml version="1.0" encoding="utf-8"?>
 <p:sld xmlns:a="http://schemas.openxmlformats.org/drawingml/2006/main" xmlns:r="http://schemas.openxmlformats.org/officeDocument/2006/relationships" xmlns:p="http://schemas.openxmlformats.org/presentationml/2006/main">
   <p:cSld>
     <p:bg>
@@ -15093,7 +14720,7 @@
 </p:sld>
 </file>
 
-<file path=ppt/slides/slide28.xml><?xml version="1.0" encoding="utf-8"?>
+<file path=ppt/slides/slide27.xml><?xml version="1.0" encoding="utf-8"?>
 <p:sld xmlns:a="http://schemas.openxmlformats.org/drawingml/2006/main" xmlns:r="http://schemas.openxmlformats.org/officeDocument/2006/relationships" xmlns:p="http://schemas.openxmlformats.org/presentationml/2006/main">
   <p:cSld>
     <p:bg>
@@ -15248,7 +14875,7 @@
 </p:sld>
 </file>
 
-<file path=ppt/slides/slide29.xml><?xml version="1.0" encoding="utf-8"?>
+<file path=ppt/slides/slide28.xml><?xml version="1.0" encoding="utf-8"?>
 <p:sld xmlns:a="http://schemas.openxmlformats.org/drawingml/2006/main" xmlns:r="http://schemas.openxmlformats.org/officeDocument/2006/relationships" xmlns:p="http://schemas.openxmlformats.org/presentationml/2006/main">
   <p:cSld>
     <p:bg>
@@ -16014,261 +15641,7 @@
 </p:sld>
 </file>
 
-<file path=ppt/slides/slide3.xml><?xml version="1.0" encoding="utf-8"?>
-<p:sld xmlns:a="http://schemas.openxmlformats.org/drawingml/2006/main" xmlns:r="http://schemas.openxmlformats.org/officeDocument/2006/relationships" xmlns:p="http://schemas.openxmlformats.org/presentationml/2006/main">
-  <p:cSld>
-    <p:spTree>
-      <p:nvGrpSpPr>
-        <p:cNvPr id="1" name=""/>
-        <p:cNvGrpSpPr/>
-        <p:nvPr/>
-      </p:nvGrpSpPr>
-      <p:grpSpPr>
-        <a:xfrm>
-          <a:off x="0" y="0"/>
-          <a:ext cx="0" cy="0"/>
-          <a:chOff x="0" y="0"/>
-          <a:chExt cx="0" cy="0"/>
-        </a:xfrm>
-      </p:grpSpPr>
-      <p:sp>
-        <p:nvSpPr>
-          <p:cNvPr id="2" name="Title 1"/>
-          <p:cNvSpPr>
-            <a:spLocks noGrp="1"/>
-          </p:cNvSpPr>
-          <p:nvPr>
-            <p:ph type="title"/>
-          </p:nvPr>
-        </p:nvSpPr>
-        <p:spPr>
-          <a:xfrm>
-            <a:off x="465513" y="365126"/>
-            <a:ext cx="8162553" cy="1325563"/>
-          </a:xfrm>
-        </p:spPr>
-        <p:txBody>
-          <a:bodyPr>
-            <a:normAutofit/>
-          </a:bodyPr>
-          <a:lstStyle/>
-          <a:p>
-            <a:pPr algn="ctr"/>
-            <a:r>
-              <a:rPr lang="en-US" sz="4000" dirty="0"/>
-              <a:t>Precision vs. Accuracy vs. Uncertainty</a:t>
-            </a:r>
-          </a:p>
-        </p:txBody>
-      </p:sp>
-      <p:sp>
-        <p:nvSpPr>
-          <p:cNvPr id="5" name="Rectangle 4"/>
-          <p:cNvSpPr/>
-          <p:nvPr/>
-        </p:nvSpPr>
-        <p:spPr>
-          <a:xfrm>
-            <a:off x="4541841" y="5863235"/>
-            <a:ext cx="4572000" cy="923330"/>
-          </a:xfrm>
-          <a:prstGeom prst="rect">
-            <a:avLst/>
-          </a:prstGeom>
-        </p:spPr>
-        <p:txBody>
-          <a:bodyPr>
-            <a:spAutoFit/>
-          </a:bodyPr>
-          <a:lstStyle/>
-          <a:p>
-            <a:r>
-              <a:rPr lang="en-US" u="sng" dirty="0"/>
-              <a:t>Uncertainty</a:t>
-            </a:r>
-            <a:r>
-              <a:rPr lang="en-US" dirty="0"/>
-              <a:t>: The </a:t>
-            </a:r>
-            <a:r>
-              <a:rPr lang="en-US" i="1" dirty="0"/>
-              <a:t>estimated</a:t>
-            </a:r>
-            <a:r>
-              <a:rPr lang="en-US" dirty="0"/>
-              <a:t> amount or percentage by which an observed or calculated value may differ from the true value</a:t>
-            </a:r>
-          </a:p>
-        </p:txBody>
-      </p:sp>
-      <p:sp>
-        <p:nvSpPr>
-          <p:cNvPr id="6" name="Rectangle 5"/>
-          <p:cNvSpPr/>
-          <p:nvPr/>
-        </p:nvSpPr>
-        <p:spPr>
-          <a:xfrm>
-            <a:off x="4541841" y="3188365"/>
-            <a:ext cx="4572000" cy="923330"/>
-          </a:xfrm>
-          <a:prstGeom prst="rect">
-            <a:avLst/>
-          </a:prstGeom>
-        </p:spPr>
-        <p:txBody>
-          <a:bodyPr>
-            <a:spAutoFit/>
-          </a:bodyPr>
-          <a:lstStyle/>
-          <a:p>
-            <a:r>
-              <a:rPr lang="en-US" u="sng" dirty="0"/>
-              <a:t>Accuracy:</a:t>
-            </a:r>
-            <a:r>
-              <a:rPr lang="en-US" dirty="0"/>
-              <a:t> The ability of a measurement to match the actual value of the quantity being measured</a:t>
-            </a:r>
-          </a:p>
-        </p:txBody>
-      </p:sp>
-      <p:sp>
-        <p:nvSpPr>
-          <p:cNvPr id="7" name="Rectangle 6"/>
-          <p:cNvSpPr/>
-          <p:nvPr/>
-        </p:nvSpPr>
-        <p:spPr>
-          <a:xfrm>
-            <a:off x="4541841" y="2425664"/>
-            <a:ext cx="4572000" cy="646331"/>
-          </a:xfrm>
-          <a:prstGeom prst="rect">
-            <a:avLst/>
-          </a:prstGeom>
-        </p:spPr>
-        <p:txBody>
-          <a:bodyPr>
-            <a:spAutoFit/>
-          </a:bodyPr>
-          <a:lstStyle/>
-          <a:p>
-            <a:r>
-              <a:rPr lang="en-US" u="sng" dirty="0"/>
-              <a:t>Precision</a:t>
-            </a:r>
-            <a:r>
-              <a:rPr lang="en-US" dirty="0"/>
-              <a:t>: The ability of a measurement to be consistently reproduced</a:t>
-            </a:r>
-          </a:p>
-        </p:txBody>
-      </p:sp>
-      <p:sp>
-        <p:nvSpPr>
-          <p:cNvPr id="3" name="TextBox 2"/>
-          <p:cNvSpPr txBox="1"/>
-          <p:nvPr/>
-        </p:nvSpPr>
-        <p:spPr>
-          <a:xfrm>
-            <a:off x="4804756" y="1899652"/>
-            <a:ext cx="3823310" cy="523220"/>
-          </a:xfrm>
-          <a:prstGeom prst="rect">
-            <a:avLst/>
-          </a:prstGeom>
-          <a:noFill/>
-        </p:spPr>
-        <p:txBody>
-          <a:bodyPr wrap="square" rtlCol="0">
-            <a:spAutoFit/>
-          </a:bodyPr>
-          <a:lstStyle/>
-          <a:p>
-            <a:pPr algn="ctr"/>
-            <a:r>
-              <a:rPr lang="en-US" sz="2800" b="1" dirty="0"/>
-              <a:t>Measurements (Errors)</a:t>
-            </a:r>
-          </a:p>
-        </p:txBody>
-      </p:sp>
-      <p:sp>
-        <p:nvSpPr>
-          <p:cNvPr id="114" name="TextBox 113"/>
-          <p:cNvSpPr txBox="1"/>
-          <p:nvPr/>
-        </p:nvSpPr>
-        <p:spPr>
-          <a:xfrm>
-            <a:off x="4673299" y="5377190"/>
-            <a:ext cx="4086224" cy="523220"/>
-          </a:xfrm>
-          <a:prstGeom prst="rect">
-            <a:avLst/>
-          </a:prstGeom>
-          <a:noFill/>
-        </p:spPr>
-        <p:txBody>
-          <a:bodyPr wrap="square" rtlCol="0">
-            <a:spAutoFit/>
-          </a:bodyPr>
-          <a:lstStyle/>
-          <a:p>
-            <a:pPr algn="ctr"/>
-            <a:r>
-              <a:rPr lang="en-US" sz="2800" b="1" dirty="0"/>
-              <a:t>Modeling (Uncertainty)</a:t>
-            </a:r>
-          </a:p>
-        </p:txBody>
-      </p:sp>
-      <p:pic>
-        <p:nvPicPr>
-          <p:cNvPr id="9" name="Content Placeholder 3"/>
-          <p:cNvPicPr>
-            <a:picLocks noChangeAspect="1"/>
-          </p:cNvPicPr>
-          <p:nvPr/>
-        </p:nvPicPr>
-        <p:blipFill>
-          <a:blip r:embed="rId3" cstate="print">
-            <a:extLst>
-              <a:ext uri="{28A0092B-C50C-407E-A947-70E740481C1C}">
-                <a14:useLocalDpi xmlns:a14="http://schemas.microsoft.com/office/drawing/2010/main"/>
-              </a:ext>
-            </a:extLst>
-          </a:blip>
-          <a:stretch>
-            <a:fillRect/>
-          </a:stretch>
-        </p:blipFill>
-        <p:spPr>
-          <a:xfrm>
-            <a:off x="0" y="2501875"/>
-            <a:ext cx="5791200" cy="3118338"/>
-          </a:xfrm>
-          <a:prstGeom prst="rect">
-            <a:avLst/>
-          </a:prstGeom>
-        </p:spPr>
-      </p:pic>
-    </p:spTree>
-    <p:extLst>
-      <p:ext uri="{BB962C8B-B14F-4D97-AF65-F5344CB8AC3E}">
-        <p14:creationId xmlns:p14="http://schemas.microsoft.com/office/powerpoint/2010/main" val="1218573069"/>
-      </p:ext>
-    </p:extLst>
-  </p:cSld>
-  <p:clrMapOvr>
-    <a:masterClrMapping/>
-  </p:clrMapOvr>
-</p:sld>
-</file>
-
-<file path=ppt/slides/slide30.xml><?xml version="1.0" encoding="utf-8"?>
+<file path=ppt/slides/slide29.xml><?xml version="1.0" encoding="utf-8"?>
 <p:sld xmlns:a="http://schemas.openxmlformats.org/drawingml/2006/main" xmlns:r="http://schemas.openxmlformats.org/officeDocument/2006/relationships" xmlns:p="http://schemas.openxmlformats.org/presentationml/2006/main">
   <p:cSld>
     <p:bg>
@@ -16922,7 +16295,261 @@
 </p:sld>
 </file>
 
-<file path=ppt/slides/slide31.xml><?xml version="1.0" encoding="utf-8"?>
+<file path=ppt/slides/slide3.xml><?xml version="1.0" encoding="utf-8"?>
+<p:sld xmlns:a="http://schemas.openxmlformats.org/drawingml/2006/main" xmlns:r="http://schemas.openxmlformats.org/officeDocument/2006/relationships" xmlns:p="http://schemas.openxmlformats.org/presentationml/2006/main">
+  <p:cSld>
+    <p:spTree>
+      <p:nvGrpSpPr>
+        <p:cNvPr id="1" name=""/>
+        <p:cNvGrpSpPr/>
+        <p:nvPr/>
+      </p:nvGrpSpPr>
+      <p:grpSpPr>
+        <a:xfrm>
+          <a:off x="0" y="0"/>
+          <a:ext cx="0" cy="0"/>
+          <a:chOff x="0" y="0"/>
+          <a:chExt cx="0" cy="0"/>
+        </a:xfrm>
+      </p:grpSpPr>
+      <p:sp>
+        <p:nvSpPr>
+          <p:cNvPr id="2" name="Title 1"/>
+          <p:cNvSpPr>
+            <a:spLocks noGrp="1"/>
+          </p:cNvSpPr>
+          <p:nvPr>
+            <p:ph type="title"/>
+          </p:nvPr>
+        </p:nvSpPr>
+        <p:spPr>
+          <a:xfrm>
+            <a:off x="465513" y="365126"/>
+            <a:ext cx="8162553" cy="1325563"/>
+          </a:xfrm>
+        </p:spPr>
+        <p:txBody>
+          <a:bodyPr>
+            <a:normAutofit/>
+          </a:bodyPr>
+          <a:lstStyle/>
+          <a:p>
+            <a:pPr algn="ctr"/>
+            <a:r>
+              <a:rPr lang="en-US" sz="4000" dirty="0"/>
+              <a:t>Precision vs. Accuracy vs. Uncertainty</a:t>
+            </a:r>
+          </a:p>
+        </p:txBody>
+      </p:sp>
+      <p:sp>
+        <p:nvSpPr>
+          <p:cNvPr id="5" name="Rectangle 4"/>
+          <p:cNvSpPr/>
+          <p:nvPr/>
+        </p:nvSpPr>
+        <p:spPr>
+          <a:xfrm>
+            <a:off x="4541841" y="5863235"/>
+            <a:ext cx="4572000" cy="923330"/>
+          </a:xfrm>
+          <a:prstGeom prst="rect">
+            <a:avLst/>
+          </a:prstGeom>
+        </p:spPr>
+        <p:txBody>
+          <a:bodyPr>
+            <a:spAutoFit/>
+          </a:bodyPr>
+          <a:lstStyle/>
+          <a:p>
+            <a:r>
+              <a:rPr lang="en-US" u="sng" dirty="0"/>
+              <a:t>Uncertainty</a:t>
+            </a:r>
+            <a:r>
+              <a:rPr lang="en-US" dirty="0"/>
+              <a:t>: The </a:t>
+            </a:r>
+            <a:r>
+              <a:rPr lang="en-US" i="1" dirty="0"/>
+              <a:t>estimated</a:t>
+            </a:r>
+            <a:r>
+              <a:rPr lang="en-US" dirty="0"/>
+              <a:t> amount or percentage by which an observed or calculated value may differ from the true value</a:t>
+            </a:r>
+          </a:p>
+        </p:txBody>
+      </p:sp>
+      <p:sp>
+        <p:nvSpPr>
+          <p:cNvPr id="6" name="Rectangle 5"/>
+          <p:cNvSpPr/>
+          <p:nvPr/>
+        </p:nvSpPr>
+        <p:spPr>
+          <a:xfrm>
+            <a:off x="4541841" y="3188365"/>
+            <a:ext cx="4572000" cy="923330"/>
+          </a:xfrm>
+          <a:prstGeom prst="rect">
+            <a:avLst/>
+          </a:prstGeom>
+        </p:spPr>
+        <p:txBody>
+          <a:bodyPr>
+            <a:spAutoFit/>
+          </a:bodyPr>
+          <a:lstStyle/>
+          <a:p>
+            <a:r>
+              <a:rPr lang="en-US" u="sng" dirty="0"/>
+              <a:t>Accuracy:</a:t>
+            </a:r>
+            <a:r>
+              <a:rPr lang="en-US" dirty="0"/>
+              <a:t> The ability of a measurement to match the actual value of the quantity being measured</a:t>
+            </a:r>
+          </a:p>
+        </p:txBody>
+      </p:sp>
+      <p:sp>
+        <p:nvSpPr>
+          <p:cNvPr id="7" name="Rectangle 6"/>
+          <p:cNvSpPr/>
+          <p:nvPr/>
+        </p:nvSpPr>
+        <p:spPr>
+          <a:xfrm>
+            <a:off x="4541841" y="2425664"/>
+            <a:ext cx="4572000" cy="646331"/>
+          </a:xfrm>
+          <a:prstGeom prst="rect">
+            <a:avLst/>
+          </a:prstGeom>
+        </p:spPr>
+        <p:txBody>
+          <a:bodyPr>
+            <a:spAutoFit/>
+          </a:bodyPr>
+          <a:lstStyle/>
+          <a:p>
+            <a:r>
+              <a:rPr lang="en-US" u="sng" dirty="0"/>
+              <a:t>Precision</a:t>
+            </a:r>
+            <a:r>
+              <a:rPr lang="en-US" dirty="0"/>
+              <a:t>: The ability of a measurement to be consistently reproduced</a:t>
+            </a:r>
+          </a:p>
+        </p:txBody>
+      </p:sp>
+      <p:sp>
+        <p:nvSpPr>
+          <p:cNvPr id="3" name="TextBox 2"/>
+          <p:cNvSpPr txBox="1"/>
+          <p:nvPr/>
+        </p:nvSpPr>
+        <p:spPr>
+          <a:xfrm>
+            <a:off x="4804756" y="1899652"/>
+            <a:ext cx="3823310" cy="523220"/>
+          </a:xfrm>
+          <a:prstGeom prst="rect">
+            <a:avLst/>
+          </a:prstGeom>
+          <a:noFill/>
+        </p:spPr>
+        <p:txBody>
+          <a:bodyPr wrap="square" rtlCol="0">
+            <a:spAutoFit/>
+          </a:bodyPr>
+          <a:lstStyle/>
+          <a:p>
+            <a:pPr algn="ctr"/>
+            <a:r>
+              <a:rPr lang="en-US" sz="2800" b="1" dirty="0"/>
+              <a:t>Measurements (Errors)</a:t>
+            </a:r>
+          </a:p>
+        </p:txBody>
+      </p:sp>
+      <p:sp>
+        <p:nvSpPr>
+          <p:cNvPr id="114" name="TextBox 113"/>
+          <p:cNvSpPr txBox="1"/>
+          <p:nvPr/>
+        </p:nvSpPr>
+        <p:spPr>
+          <a:xfrm>
+            <a:off x="4673299" y="5377190"/>
+            <a:ext cx="4086224" cy="523220"/>
+          </a:xfrm>
+          <a:prstGeom prst="rect">
+            <a:avLst/>
+          </a:prstGeom>
+          <a:noFill/>
+        </p:spPr>
+        <p:txBody>
+          <a:bodyPr wrap="square" rtlCol="0">
+            <a:spAutoFit/>
+          </a:bodyPr>
+          <a:lstStyle/>
+          <a:p>
+            <a:pPr algn="ctr"/>
+            <a:r>
+              <a:rPr lang="en-US" sz="2800" b="1" dirty="0"/>
+              <a:t>Modeling (Uncertainty)</a:t>
+            </a:r>
+          </a:p>
+        </p:txBody>
+      </p:sp>
+      <p:pic>
+        <p:nvPicPr>
+          <p:cNvPr id="9" name="Content Placeholder 3"/>
+          <p:cNvPicPr>
+            <a:picLocks noChangeAspect="1"/>
+          </p:cNvPicPr>
+          <p:nvPr/>
+        </p:nvPicPr>
+        <p:blipFill>
+          <a:blip r:embed="rId3" cstate="print">
+            <a:extLst>
+              <a:ext uri="{28A0092B-C50C-407E-A947-70E740481C1C}">
+                <a14:useLocalDpi xmlns:a14="http://schemas.microsoft.com/office/drawing/2010/main"/>
+              </a:ext>
+            </a:extLst>
+          </a:blip>
+          <a:stretch>
+            <a:fillRect/>
+          </a:stretch>
+        </p:blipFill>
+        <p:spPr>
+          <a:xfrm>
+            <a:off x="0" y="2501875"/>
+            <a:ext cx="5791200" cy="3118338"/>
+          </a:xfrm>
+          <a:prstGeom prst="rect">
+            <a:avLst/>
+          </a:prstGeom>
+        </p:spPr>
+      </p:pic>
+    </p:spTree>
+    <p:extLst>
+      <p:ext uri="{BB962C8B-B14F-4D97-AF65-F5344CB8AC3E}">
+        <p14:creationId xmlns:p14="http://schemas.microsoft.com/office/powerpoint/2010/main" val="1218573069"/>
+      </p:ext>
+    </p:extLst>
+  </p:cSld>
+  <p:clrMapOvr>
+    <a:masterClrMapping/>
+  </p:clrMapOvr>
+</p:sld>
+</file>
+
+<file path=ppt/slides/slide30.xml><?xml version="1.0" encoding="utf-8"?>
 <p:sld xmlns:a="http://schemas.openxmlformats.org/drawingml/2006/main" xmlns:r="http://schemas.openxmlformats.org/officeDocument/2006/relationships" xmlns:p="http://schemas.openxmlformats.org/presentationml/2006/main">
   <p:cSld>
     <p:bg>
@@ -17688,7 +17315,7 @@
 </p:sld>
 </file>
 
-<file path=ppt/slides/slide32.xml><?xml version="1.0" encoding="utf-8"?>
+<file path=ppt/slides/slide31.xml><?xml version="1.0" encoding="utf-8"?>
 <p:sld xmlns:a="http://schemas.openxmlformats.org/drawingml/2006/main" xmlns:r="http://schemas.openxmlformats.org/officeDocument/2006/relationships" xmlns:p="http://schemas.openxmlformats.org/presentationml/2006/main">
   <p:cSld>
     <p:bg>
@@ -18517,7 +18144,7 @@
 </p:sld>
 </file>
 
-<file path=ppt/slides/slide33.xml><?xml version="1.0" encoding="utf-8"?>
+<file path=ppt/slides/slide32.xml><?xml version="1.0" encoding="utf-8"?>
 <p:sld xmlns:a="http://schemas.openxmlformats.org/drawingml/2006/main" xmlns:r="http://schemas.openxmlformats.org/officeDocument/2006/relationships" xmlns:p="http://schemas.openxmlformats.org/presentationml/2006/main">
   <p:cSld>
     <p:bg>
@@ -19114,7 +18741,7 @@
 </p:sld>
 </file>
 
-<file path=ppt/slides/slide34.xml><?xml version="1.0" encoding="utf-8"?>
+<file path=ppt/slides/slide33.xml><?xml version="1.0" encoding="utf-8"?>
 <p:sld xmlns:a="http://schemas.openxmlformats.org/drawingml/2006/main" xmlns:r="http://schemas.openxmlformats.org/officeDocument/2006/relationships" xmlns:p="http://schemas.openxmlformats.org/presentationml/2006/main">
   <p:cSld>
     <p:bg>
@@ -19222,7 +18849,7 @@
 </p:sld>
 </file>
 
-<file path=ppt/slides/slide35.xml><?xml version="1.0" encoding="utf-8"?>
+<file path=ppt/slides/slide34.xml><?xml version="1.0" encoding="utf-8"?>
 <p:sld xmlns:a="http://schemas.openxmlformats.org/drawingml/2006/main" xmlns:r="http://schemas.openxmlformats.org/officeDocument/2006/relationships" xmlns:p="http://schemas.openxmlformats.org/presentationml/2006/main">
   <p:cSld>
     <p:bg>
@@ -19391,873 +19018,8 @@
 </p:sld>
 </file>
 
-<file path=ppt/slides/slide4.xml><?xml version="1.0" encoding="utf-8"?>
-<p:sld xmlns:a="http://schemas.openxmlformats.org/drawingml/2006/main" xmlns:r="http://schemas.openxmlformats.org/officeDocument/2006/relationships" xmlns:p="http://schemas.openxmlformats.org/presentationml/2006/main">
-  <p:cSld>
-    <p:bg>
-      <p:bgPr>
-        <a:solidFill>
-          <a:schemeClr val="tx1"/>
-        </a:solidFill>
-        <a:effectLst/>
-      </p:bgPr>
-    </p:bg>
-    <p:spTree>
-      <p:nvGrpSpPr>
-        <p:cNvPr id="1" name=""/>
-        <p:cNvGrpSpPr/>
-        <p:nvPr/>
-      </p:nvGrpSpPr>
-      <p:grpSpPr>
-        <a:xfrm>
-          <a:off x="0" y="0"/>
-          <a:ext cx="0" cy="0"/>
-          <a:chOff x="0" y="0"/>
-          <a:chExt cx="0" cy="0"/>
-        </a:xfrm>
-      </p:grpSpPr>
-      <p:sp>
-        <p:nvSpPr>
-          <p:cNvPr id="9" name="Rectangle 3">
-            <a:extLst>
-              <a:ext uri="{FF2B5EF4-FFF2-40B4-BE49-F238E27FC236}">
-                <a16:creationId xmlns:a16="http://schemas.microsoft.com/office/drawing/2014/main" id="{2AF8B482-3339-4EAF-A1F4-A45722595E95}"/>
-              </a:ext>
-            </a:extLst>
-          </p:cNvPr>
-          <p:cNvSpPr txBox="1">
-            <a:spLocks noChangeArrowheads="1"/>
-          </p:cNvSpPr>
-          <p:nvPr/>
-        </p:nvSpPr>
-        <p:spPr>
-          <a:xfrm>
-            <a:off x="457200" y="1219200"/>
-            <a:ext cx="8229600" cy="5120640"/>
-          </a:xfrm>
-          <a:prstGeom prst="rect">
-            <a:avLst/>
-          </a:prstGeom>
-        </p:spPr>
-        <p:txBody>
-          <a:bodyPr vert="horz" lIns="91440" tIns="45720" rIns="91440" bIns="45720" rtlCol="0">
-            <a:normAutofit/>
-          </a:bodyPr>
-          <a:lstStyle>
-            <a:lvl1pPr marL="0" indent="0" algn="ctr" defTabSz="914400" rtl="0" eaLnBrk="1" latinLnBrk="0" hangingPunct="1">
-              <a:lnSpc>
-                <a:spcPct val="90000"/>
-              </a:lnSpc>
-              <a:spcBef>
-                <a:spcPts val="1000"/>
-              </a:spcBef>
-              <a:buFont typeface="Arial" panose="020B0604020202020204" pitchFamily="34" charset="0"/>
-              <a:buNone/>
-              <a:defRPr sz="2400" kern="1200">
-                <a:solidFill>
-                  <a:schemeClr val="tx1"/>
-                </a:solidFill>
-                <a:latin typeface="+mn-lt"/>
-                <a:ea typeface="+mn-ea"/>
-                <a:cs typeface="+mn-cs"/>
-              </a:defRPr>
-            </a:lvl1pPr>
-            <a:lvl2pPr marL="457200" indent="0" algn="ctr" defTabSz="914400" rtl="0" eaLnBrk="1" latinLnBrk="0" hangingPunct="1">
-              <a:lnSpc>
-                <a:spcPct val="90000"/>
-              </a:lnSpc>
-              <a:spcBef>
-                <a:spcPts val="500"/>
-              </a:spcBef>
-              <a:buFont typeface="Arial" panose="020B0604020202020204" pitchFamily="34" charset="0"/>
-              <a:buNone/>
-              <a:defRPr sz="2000" kern="1200">
-                <a:solidFill>
-                  <a:schemeClr val="tx1"/>
-                </a:solidFill>
-                <a:latin typeface="+mn-lt"/>
-                <a:ea typeface="+mn-ea"/>
-                <a:cs typeface="+mn-cs"/>
-              </a:defRPr>
-            </a:lvl2pPr>
-            <a:lvl3pPr marL="914400" indent="0" algn="ctr" defTabSz="914400" rtl="0" eaLnBrk="1" latinLnBrk="0" hangingPunct="1">
-              <a:lnSpc>
-                <a:spcPct val="90000"/>
-              </a:lnSpc>
-              <a:spcBef>
-                <a:spcPts val="500"/>
-              </a:spcBef>
-              <a:buFont typeface="Arial" panose="020B0604020202020204" pitchFamily="34" charset="0"/>
-              <a:buNone/>
-              <a:defRPr sz="1800" kern="1200">
-                <a:solidFill>
-                  <a:schemeClr val="tx1"/>
-                </a:solidFill>
-                <a:latin typeface="+mn-lt"/>
-                <a:ea typeface="+mn-ea"/>
-                <a:cs typeface="+mn-cs"/>
-              </a:defRPr>
-            </a:lvl3pPr>
-            <a:lvl4pPr marL="1371600" indent="0" algn="ctr" defTabSz="914400" rtl="0" eaLnBrk="1" latinLnBrk="0" hangingPunct="1">
-              <a:lnSpc>
-                <a:spcPct val="90000"/>
-              </a:lnSpc>
-              <a:spcBef>
-                <a:spcPts val="500"/>
-              </a:spcBef>
-              <a:buFont typeface="Arial" panose="020B0604020202020204" pitchFamily="34" charset="0"/>
-              <a:buNone/>
-              <a:defRPr sz="1600" kern="1200">
-                <a:solidFill>
-                  <a:schemeClr val="tx1"/>
-                </a:solidFill>
-                <a:latin typeface="+mn-lt"/>
-                <a:ea typeface="+mn-ea"/>
-                <a:cs typeface="+mn-cs"/>
-              </a:defRPr>
-            </a:lvl4pPr>
-            <a:lvl5pPr marL="1828800" indent="0" algn="ctr" defTabSz="914400" rtl="0" eaLnBrk="1" latinLnBrk="0" hangingPunct="1">
-              <a:lnSpc>
-                <a:spcPct val="90000"/>
-              </a:lnSpc>
-              <a:spcBef>
-                <a:spcPts val="500"/>
-              </a:spcBef>
-              <a:buFont typeface="Arial" panose="020B0604020202020204" pitchFamily="34" charset="0"/>
-              <a:buNone/>
-              <a:defRPr sz="1600" kern="1200">
-                <a:solidFill>
-                  <a:schemeClr val="tx1"/>
-                </a:solidFill>
-                <a:latin typeface="+mn-lt"/>
-                <a:ea typeface="+mn-ea"/>
-                <a:cs typeface="+mn-cs"/>
-              </a:defRPr>
-            </a:lvl5pPr>
-            <a:lvl6pPr marL="2286000" indent="0" algn="ctr" defTabSz="914400" rtl="0" eaLnBrk="1" latinLnBrk="0" hangingPunct="1">
-              <a:lnSpc>
-                <a:spcPct val="90000"/>
-              </a:lnSpc>
-              <a:spcBef>
-                <a:spcPts val="500"/>
-              </a:spcBef>
-              <a:buFont typeface="Arial" panose="020B0604020202020204" pitchFamily="34" charset="0"/>
-              <a:buNone/>
-              <a:defRPr sz="1600" kern="1200">
-                <a:solidFill>
-                  <a:schemeClr val="tx1"/>
-                </a:solidFill>
-                <a:latin typeface="+mn-lt"/>
-                <a:ea typeface="+mn-ea"/>
-                <a:cs typeface="+mn-cs"/>
-              </a:defRPr>
-            </a:lvl6pPr>
-            <a:lvl7pPr marL="2743200" indent="0" algn="ctr" defTabSz="914400" rtl="0" eaLnBrk="1" latinLnBrk="0" hangingPunct="1">
-              <a:lnSpc>
-                <a:spcPct val="90000"/>
-              </a:lnSpc>
-              <a:spcBef>
-                <a:spcPts val="500"/>
-              </a:spcBef>
-              <a:buFont typeface="Arial" panose="020B0604020202020204" pitchFamily="34" charset="0"/>
-              <a:buNone/>
-              <a:defRPr sz="1600" kern="1200">
-                <a:solidFill>
-                  <a:schemeClr val="tx1"/>
-                </a:solidFill>
-                <a:latin typeface="+mn-lt"/>
-                <a:ea typeface="+mn-ea"/>
-                <a:cs typeface="+mn-cs"/>
-              </a:defRPr>
-            </a:lvl7pPr>
-            <a:lvl8pPr marL="3200400" indent="0" algn="ctr" defTabSz="914400" rtl="0" eaLnBrk="1" latinLnBrk="0" hangingPunct="1">
-              <a:lnSpc>
-                <a:spcPct val="90000"/>
-              </a:lnSpc>
-              <a:spcBef>
-                <a:spcPts val="500"/>
-              </a:spcBef>
-              <a:buFont typeface="Arial" panose="020B0604020202020204" pitchFamily="34" charset="0"/>
-              <a:buNone/>
-              <a:defRPr sz="1600" kern="1200">
-                <a:solidFill>
-                  <a:schemeClr val="tx1"/>
-                </a:solidFill>
-                <a:latin typeface="+mn-lt"/>
-                <a:ea typeface="+mn-ea"/>
-                <a:cs typeface="+mn-cs"/>
-              </a:defRPr>
-            </a:lvl8pPr>
-            <a:lvl9pPr marL="3657600" indent="0" algn="ctr" defTabSz="914400" rtl="0" eaLnBrk="1" latinLnBrk="0" hangingPunct="1">
-              <a:lnSpc>
-                <a:spcPct val="90000"/>
-              </a:lnSpc>
-              <a:spcBef>
-                <a:spcPts val="500"/>
-              </a:spcBef>
-              <a:buFont typeface="Arial" panose="020B0604020202020204" pitchFamily="34" charset="0"/>
-              <a:buNone/>
-              <a:defRPr sz="1600" kern="1200">
-                <a:solidFill>
-                  <a:schemeClr val="tx1"/>
-                </a:solidFill>
-                <a:latin typeface="+mn-lt"/>
-                <a:ea typeface="+mn-ea"/>
-                <a:cs typeface="+mn-cs"/>
-              </a:defRPr>
-            </a:lvl9pPr>
-          </a:lstStyle>
-          <a:p>
-            <a:pPr algn="l">
-              <a:spcAft>
-                <a:spcPts val="600"/>
-              </a:spcAft>
-            </a:pPr>
-            <a:r>
-              <a:rPr lang="en-US" dirty="0">
-                <a:solidFill>
-                  <a:schemeClr val="bg1"/>
-                </a:solidFill>
-                <a:latin typeface="Candara" panose="020E0502030303020204" pitchFamily="34" charset="0"/>
-              </a:rPr>
-              <a:t>Uncertainty arises when we are not sure about the ‘true’ state of the environment; it is an expression of confidence based on limited knowledge</a:t>
-            </a:r>
-          </a:p>
-          <a:p>
-            <a:pPr algn="l">
-              <a:spcAft>
-                <a:spcPts val="600"/>
-              </a:spcAft>
-            </a:pPr>
-            <a:r>
-              <a:rPr lang="en-US" dirty="0">
-                <a:solidFill>
-                  <a:schemeClr val="bg1"/>
-                </a:solidFill>
-                <a:latin typeface="Candara" panose="020E0502030303020204" pitchFamily="34" charset="0"/>
-              </a:rPr>
-              <a:t>Uncertainty is an </a:t>
-            </a:r>
-            <a:r>
-              <a:rPr lang="en-US" b="1" dirty="0">
-                <a:solidFill>
-                  <a:schemeClr val="bg1"/>
-                </a:solidFill>
-                <a:latin typeface="Candara" panose="020E0502030303020204" pitchFamily="34" charset="0"/>
-              </a:rPr>
-              <a:t>acknowledgement of error</a:t>
-            </a:r>
-            <a:r>
-              <a:rPr lang="en-US" dirty="0">
-                <a:solidFill>
-                  <a:schemeClr val="bg1"/>
-                </a:solidFill>
-                <a:latin typeface="Candara" panose="020E0502030303020204" pitchFamily="34" charset="0"/>
-              </a:rPr>
-              <a:t>: we are aware that our representation of reality may differ from reality and express this by being uncertain</a:t>
-            </a:r>
-          </a:p>
-          <a:p>
-            <a:pPr algn="l">
-              <a:spcAft>
-                <a:spcPts val="600"/>
-              </a:spcAft>
-            </a:pPr>
-            <a:r>
-              <a:rPr lang="en-US" dirty="0">
-                <a:solidFill>
-                  <a:schemeClr val="bg1"/>
-                </a:solidFill>
-                <a:latin typeface="Candara" panose="020E0502030303020204" pitchFamily="34" charset="0"/>
-              </a:rPr>
-              <a:t>Uncertainty is </a:t>
-            </a:r>
-            <a:r>
-              <a:rPr lang="en-US" b="1" dirty="0">
-                <a:solidFill>
-                  <a:schemeClr val="bg1"/>
-                </a:solidFill>
-                <a:latin typeface="Candara" panose="020E0502030303020204" pitchFamily="34" charset="0"/>
-              </a:rPr>
-              <a:t>subjective</a:t>
-            </a:r>
-            <a:r>
-              <a:rPr lang="en-US" dirty="0">
-                <a:solidFill>
-                  <a:schemeClr val="bg1"/>
-                </a:solidFill>
-                <a:latin typeface="Candara" panose="020E0502030303020204" pitchFamily="34" charset="0"/>
-              </a:rPr>
-              <a:t>; one person can be more uncertain than another</a:t>
-            </a:r>
-          </a:p>
-          <a:p>
-            <a:pPr algn="l">
-              <a:spcAft>
-                <a:spcPts val="600"/>
-              </a:spcAft>
-            </a:pPr>
-            <a:r>
-              <a:rPr lang="en-US" dirty="0">
-                <a:solidFill>
-                  <a:schemeClr val="bg1"/>
-                </a:solidFill>
-                <a:latin typeface="Candara" panose="020E0502030303020204" pitchFamily="34" charset="0"/>
-              </a:rPr>
-              <a:t>In the presence of uncertainty, </a:t>
-            </a:r>
-            <a:r>
-              <a:rPr lang="en-US" b="1" dirty="0">
-                <a:solidFill>
-                  <a:schemeClr val="bg1"/>
-                </a:solidFill>
-                <a:latin typeface="Candara" panose="020E0502030303020204" pitchFamily="34" charset="0"/>
-              </a:rPr>
-              <a:t>we cannot identify a true ‘reality’</a:t>
-            </a:r>
-            <a:r>
-              <a:rPr lang="en-US" dirty="0">
-                <a:solidFill>
-                  <a:schemeClr val="bg1"/>
-                </a:solidFill>
-                <a:latin typeface="Candara" panose="020E0502030303020204" pitchFamily="34" charset="0"/>
-              </a:rPr>
-              <a:t>.  But perhaps we can identify all possible realities and a probability for each one.</a:t>
-            </a:r>
-          </a:p>
-        </p:txBody>
-      </p:sp>
-      <p:sp>
-        <p:nvSpPr>
-          <p:cNvPr id="10" name="TextBox 9">
-            <a:extLst>
-              <a:ext uri="{FF2B5EF4-FFF2-40B4-BE49-F238E27FC236}">
-                <a16:creationId xmlns:a16="http://schemas.microsoft.com/office/drawing/2014/main" id="{7F802426-8EB4-4C22-8C88-604555AAC5F0}"/>
-              </a:ext>
-            </a:extLst>
-          </p:cNvPr>
-          <p:cNvSpPr txBox="1"/>
-          <p:nvPr/>
-        </p:nvSpPr>
-        <p:spPr>
-          <a:xfrm>
-            <a:off x="7190517" y="6457890"/>
-            <a:ext cx="1953483" cy="400110"/>
-          </a:xfrm>
-          <a:prstGeom prst="rect">
-            <a:avLst/>
-          </a:prstGeom>
-          <a:noFill/>
-        </p:spPr>
-        <p:txBody>
-          <a:bodyPr wrap="none" rtlCol="0">
-            <a:spAutoFit/>
-          </a:bodyPr>
-          <a:lstStyle/>
-          <a:p>
-            <a:pPr marL="0" lvl="1"/>
-            <a:r>
-              <a:rPr lang="en-US" sz="2000" dirty="0" err="1">
-                <a:solidFill>
-                  <a:schemeClr val="bg1"/>
-                </a:solidFill>
-                <a:effectLst>
-                  <a:outerShdw blurRad="38100" dist="38100" dir="2700000" algn="tl">
-                    <a:srgbClr val="000000">
-                      <a:alpha val="43137"/>
-                    </a:srgbClr>
-                  </a:outerShdw>
-                </a:effectLst>
-                <a:latin typeface="Candara" panose="020E0502030303020204" pitchFamily="34" charset="0"/>
-              </a:rPr>
-              <a:t>Heuvelink</a:t>
-            </a:r>
-            <a:r>
-              <a:rPr lang="en-US" sz="2000" dirty="0">
-                <a:solidFill>
-                  <a:schemeClr val="bg1"/>
-                </a:solidFill>
-                <a:effectLst>
-                  <a:outerShdw blurRad="38100" dist="38100" dir="2700000" algn="tl">
-                    <a:srgbClr val="000000">
-                      <a:alpha val="43137"/>
-                    </a:srgbClr>
-                  </a:outerShdw>
-                </a:effectLst>
-                <a:latin typeface="Candara" panose="020E0502030303020204" pitchFamily="34" charset="0"/>
-              </a:rPr>
-              <a:t> (2012)</a:t>
-            </a:r>
-          </a:p>
-        </p:txBody>
-      </p:sp>
-      <p:sp>
-        <p:nvSpPr>
-          <p:cNvPr id="11" name="TextBox 10">
-            <a:extLst>
-              <a:ext uri="{FF2B5EF4-FFF2-40B4-BE49-F238E27FC236}">
-                <a16:creationId xmlns:a16="http://schemas.microsoft.com/office/drawing/2014/main" id="{94F7AF02-97E2-4C34-A6BC-ADE93CE4F163}"/>
-              </a:ext>
-            </a:extLst>
-          </p:cNvPr>
-          <p:cNvSpPr txBox="1"/>
-          <p:nvPr/>
-        </p:nvSpPr>
-        <p:spPr>
-          <a:xfrm>
-            <a:off x="9525" y="-38784"/>
-            <a:ext cx="4482317" cy="646331"/>
-          </a:xfrm>
-          <a:prstGeom prst="rect">
-            <a:avLst/>
-          </a:prstGeom>
-          <a:noFill/>
-        </p:spPr>
-        <p:txBody>
-          <a:bodyPr wrap="none" rtlCol="0">
-            <a:spAutoFit/>
-          </a:bodyPr>
-          <a:lstStyle/>
-          <a:p>
-            <a:r>
-              <a:rPr lang="en-US" sz="3600" b="1" dirty="0">
-                <a:solidFill>
-                  <a:schemeClr val="bg1"/>
-                </a:solidFill>
-                <a:latin typeface="Candara" panose="020E0502030303020204" pitchFamily="34" charset="0"/>
-              </a:rPr>
-              <a:t>Error and Uncertainty</a:t>
-            </a:r>
-          </a:p>
-        </p:txBody>
-      </p:sp>
-    </p:spTree>
-    <p:extLst>
-      <p:ext uri="{BB962C8B-B14F-4D97-AF65-F5344CB8AC3E}">
-        <p14:creationId xmlns:p14="http://schemas.microsoft.com/office/powerpoint/2010/main" val="722058441"/>
-      </p:ext>
-    </p:extLst>
-  </p:cSld>
-  <p:clrMapOvr>
-    <a:masterClrMapping/>
-  </p:clrMapOvr>
-</p:sld>
-</file>
-
-<file path=ppt/slides/slide5.xml><?xml version="1.0" encoding="utf-8"?>
-<p:sld xmlns:a="http://schemas.openxmlformats.org/drawingml/2006/main" xmlns:r="http://schemas.openxmlformats.org/officeDocument/2006/relationships" xmlns:p="http://schemas.openxmlformats.org/presentationml/2006/main">
-  <p:cSld>
-    <p:bg>
-      <p:bgPr>
-        <a:solidFill>
-          <a:schemeClr val="tx1"/>
-        </a:solidFill>
-        <a:effectLst/>
-      </p:bgPr>
-    </p:bg>
-    <p:spTree>
-      <p:nvGrpSpPr>
-        <p:cNvPr id="1" name=""/>
-        <p:cNvGrpSpPr/>
-        <p:nvPr/>
-      </p:nvGrpSpPr>
-      <p:grpSpPr>
-        <a:xfrm>
-          <a:off x="0" y="0"/>
-          <a:ext cx="0" cy="0"/>
-          <a:chOff x="0" y="0"/>
-          <a:chExt cx="0" cy="0"/>
-        </a:xfrm>
-      </p:grpSpPr>
-      <p:sp>
-        <p:nvSpPr>
-          <p:cNvPr id="2" name="TextBox 1">
-            <a:extLst>
-              <a:ext uri="{FF2B5EF4-FFF2-40B4-BE49-F238E27FC236}">
-                <a16:creationId xmlns:a16="http://schemas.microsoft.com/office/drawing/2014/main" id="{8620DD9E-4B2E-4CAF-904E-2C385416DD9B}"/>
-              </a:ext>
-            </a:extLst>
-          </p:cNvPr>
-          <p:cNvSpPr txBox="1"/>
-          <p:nvPr/>
-        </p:nvSpPr>
-        <p:spPr>
-          <a:xfrm>
-            <a:off x="9525" y="-38784"/>
-            <a:ext cx="5769336" cy="646331"/>
-          </a:xfrm>
-          <a:prstGeom prst="rect">
-            <a:avLst/>
-          </a:prstGeom>
-          <a:noFill/>
-        </p:spPr>
-        <p:txBody>
-          <a:bodyPr wrap="none" rtlCol="0">
-            <a:spAutoFit/>
-          </a:bodyPr>
-          <a:lstStyle/>
-          <a:p>
-            <a:r>
-              <a:rPr lang="en-US" sz="3600" b="1" dirty="0">
-                <a:solidFill>
-                  <a:schemeClr val="bg1"/>
-                </a:solidFill>
-                <a:latin typeface="Candara" panose="020E0502030303020204" pitchFamily="34" charset="0"/>
-              </a:rPr>
-              <a:t>Bias—Variance Compromise</a:t>
-            </a:r>
-          </a:p>
-        </p:txBody>
-      </p:sp>
-      <p:pic>
-        <p:nvPicPr>
-          <p:cNvPr id="8" name="Picture 7">
-            <a:extLst>
-              <a:ext uri="{FF2B5EF4-FFF2-40B4-BE49-F238E27FC236}">
-                <a16:creationId xmlns:a16="http://schemas.microsoft.com/office/drawing/2014/main" id="{0CF04994-E150-464F-87BF-93F10100C1EE}"/>
-              </a:ext>
-            </a:extLst>
-          </p:cNvPr>
-          <p:cNvPicPr>
-            <a:picLocks noChangeAspect="1"/>
-          </p:cNvPicPr>
-          <p:nvPr/>
-        </p:nvPicPr>
-        <p:blipFill>
-          <a:blip r:embed="rId3"/>
-          <a:stretch>
-            <a:fillRect/>
-          </a:stretch>
-        </p:blipFill>
-        <p:spPr>
-          <a:xfrm>
-            <a:off x="857250" y="1476983"/>
-            <a:ext cx="7429500" cy="4717143"/>
-          </a:xfrm>
-          <a:prstGeom prst="rect">
-            <a:avLst/>
-          </a:prstGeom>
-        </p:spPr>
-      </p:pic>
-      <p:sp>
-        <p:nvSpPr>
-          <p:cNvPr id="9" name="Rectangle 8">
-            <a:extLst>
-              <a:ext uri="{FF2B5EF4-FFF2-40B4-BE49-F238E27FC236}">
-                <a16:creationId xmlns:a16="http://schemas.microsoft.com/office/drawing/2014/main" id="{77DD6493-251D-4A7B-A4F7-3FFBECD73CA1}"/>
-              </a:ext>
-            </a:extLst>
-          </p:cNvPr>
-          <p:cNvSpPr/>
-          <p:nvPr/>
-        </p:nvSpPr>
-        <p:spPr>
-          <a:xfrm>
-            <a:off x="3876121" y="6357185"/>
-            <a:ext cx="2111604" cy="369332"/>
-          </a:xfrm>
-          <a:prstGeom prst="rect">
-            <a:avLst/>
-          </a:prstGeom>
-        </p:spPr>
-        <p:txBody>
-          <a:bodyPr wrap="none">
-            <a:spAutoFit/>
-          </a:bodyPr>
-          <a:lstStyle/>
-          <a:p>
-            <a:r>
-              <a:rPr lang="en-US" dirty="0" err="1">
-                <a:solidFill>
-                  <a:schemeClr val="bg1"/>
-                </a:solidFill>
-                <a:latin typeface="Candara" panose="020E0502030303020204" pitchFamily="34" charset="0"/>
-              </a:rPr>
-              <a:t>Fortmann</a:t>
-            </a:r>
-            <a:r>
-              <a:rPr lang="en-US" dirty="0">
-                <a:solidFill>
-                  <a:schemeClr val="bg1"/>
-                </a:solidFill>
-                <a:latin typeface="Candara" panose="020E0502030303020204" pitchFamily="34" charset="0"/>
-              </a:rPr>
-              <a:t>-Roe, 2012</a:t>
-            </a:r>
-          </a:p>
-        </p:txBody>
-      </p:sp>
-    </p:spTree>
-    <p:extLst>
-      <p:ext uri="{BB962C8B-B14F-4D97-AF65-F5344CB8AC3E}">
-        <p14:creationId xmlns:p14="http://schemas.microsoft.com/office/powerpoint/2010/main" val="3080021990"/>
-      </p:ext>
-    </p:extLst>
-  </p:cSld>
-  <p:clrMapOvr>
-    <a:masterClrMapping/>
-  </p:clrMapOvr>
-</p:sld>
-</file>
-
-<file path=ppt/slides/slide6.xml><?xml version="1.0" encoding="utf-8"?>
-<p:sld xmlns:a="http://schemas.openxmlformats.org/drawingml/2006/main" xmlns:r="http://schemas.openxmlformats.org/officeDocument/2006/relationships" xmlns:p="http://schemas.openxmlformats.org/presentationml/2006/main">
-  <p:cSld>
-    <p:bg>
-      <p:bgPr>
-        <a:solidFill>
-          <a:schemeClr val="tx1"/>
-        </a:solidFill>
-        <a:effectLst/>
-      </p:bgPr>
-    </p:bg>
-    <p:spTree>
-      <p:nvGrpSpPr>
-        <p:cNvPr id="1" name=""/>
-        <p:cNvGrpSpPr/>
-        <p:nvPr/>
-      </p:nvGrpSpPr>
-      <p:grpSpPr>
-        <a:xfrm>
-          <a:off x="0" y="0"/>
-          <a:ext cx="0" cy="0"/>
-          <a:chOff x="0" y="0"/>
-          <a:chExt cx="0" cy="0"/>
-        </a:xfrm>
-      </p:grpSpPr>
-      <p:sp>
-        <p:nvSpPr>
-          <p:cNvPr id="2" name="TextBox 1">
-            <a:extLst>
-              <a:ext uri="{FF2B5EF4-FFF2-40B4-BE49-F238E27FC236}">
-                <a16:creationId xmlns:a16="http://schemas.microsoft.com/office/drawing/2014/main" id="{8620DD9E-4B2E-4CAF-904E-2C385416DD9B}"/>
-              </a:ext>
-            </a:extLst>
-          </p:cNvPr>
-          <p:cNvSpPr txBox="1"/>
-          <p:nvPr/>
-        </p:nvSpPr>
-        <p:spPr>
-          <a:xfrm>
-            <a:off x="9525" y="-38784"/>
-            <a:ext cx="5769336" cy="646331"/>
-          </a:xfrm>
-          <a:prstGeom prst="rect">
-            <a:avLst/>
-          </a:prstGeom>
-          <a:noFill/>
-        </p:spPr>
-        <p:txBody>
-          <a:bodyPr wrap="none" rtlCol="0">
-            <a:spAutoFit/>
-          </a:bodyPr>
-          <a:lstStyle/>
-          <a:p>
-            <a:r>
-              <a:rPr lang="en-US" sz="3600" b="1" dirty="0">
-                <a:solidFill>
-                  <a:schemeClr val="bg1"/>
-                </a:solidFill>
-                <a:latin typeface="Candara" panose="020E0502030303020204" pitchFamily="34" charset="0"/>
-              </a:rPr>
-              <a:t>Bias—Variance Compromise</a:t>
-            </a:r>
-          </a:p>
-        </p:txBody>
-      </p:sp>
-      <p:sp>
-        <p:nvSpPr>
-          <p:cNvPr id="3" name="Rectangle 2">
-            <a:extLst>
-              <a:ext uri="{FF2B5EF4-FFF2-40B4-BE49-F238E27FC236}">
-                <a16:creationId xmlns:a16="http://schemas.microsoft.com/office/drawing/2014/main" id="{05935782-41B9-4C93-A368-405FE2A950B4}"/>
-              </a:ext>
-            </a:extLst>
-          </p:cNvPr>
-          <p:cNvSpPr/>
-          <p:nvPr/>
-        </p:nvSpPr>
-        <p:spPr>
-          <a:xfrm>
-            <a:off x="434567" y="1735289"/>
-            <a:ext cx="7804087" cy="3139321"/>
-          </a:xfrm>
-          <a:prstGeom prst="rect">
-            <a:avLst/>
-          </a:prstGeom>
-        </p:spPr>
-        <p:txBody>
-          <a:bodyPr wrap="square">
-            <a:spAutoFit/>
-          </a:bodyPr>
-          <a:lstStyle/>
-          <a:p>
-            <a:pPr marL="285750" indent="-285750">
-              <a:buFont typeface="Arial" panose="020B0604020202020204" pitchFamily="34" charset="0"/>
-              <a:buChar char="•"/>
-            </a:pPr>
-            <a:r>
-              <a:rPr lang="en-US" sz="2200" b="1" dirty="0">
-                <a:solidFill>
-                  <a:schemeClr val="bg1"/>
-                </a:solidFill>
-                <a:latin typeface="Candara" panose="020E0502030303020204" pitchFamily="34" charset="0"/>
-              </a:rPr>
-              <a:t>bias</a:t>
-            </a:r>
-            <a:r>
-              <a:rPr lang="en-US" sz="2200" dirty="0">
-                <a:solidFill>
-                  <a:schemeClr val="bg1"/>
-                </a:solidFill>
-                <a:latin typeface="Candara" panose="020E0502030303020204" pitchFamily="34" charset="0"/>
-              </a:rPr>
-              <a:t> is caused by erroneous model assumptions (e.g. linearity). High bias can cause an algorithm to miss locally relevant relations between variables, such as curvature or inflection points (</a:t>
-            </a:r>
-            <a:r>
-              <a:rPr lang="en-US" sz="2200" i="1" dirty="0">
-                <a:solidFill>
-                  <a:schemeClr val="bg1"/>
-                </a:solidFill>
-                <a:latin typeface="Candara" panose="020E0502030303020204" pitchFamily="34" charset="0"/>
-              </a:rPr>
-              <a:t>underfitting, too general</a:t>
-            </a:r>
-            <a:r>
-              <a:rPr lang="en-US" sz="2200" dirty="0">
-                <a:solidFill>
-                  <a:schemeClr val="bg1"/>
-                </a:solidFill>
-                <a:latin typeface="Candara" panose="020E0502030303020204" pitchFamily="34" charset="0"/>
-              </a:rPr>
-              <a:t>).</a:t>
-            </a:r>
-            <a:br>
-              <a:rPr lang="en-US" sz="2200" dirty="0">
-                <a:solidFill>
-                  <a:schemeClr val="bg1"/>
-                </a:solidFill>
-                <a:latin typeface="Candara" panose="020E0502030303020204" pitchFamily="34" charset="0"/>
-              </a:rPr>
-            </a:br>
-            <a:endParaRPr lang="en-US" sz="2200" dirty="0">
-              <a:solidFill>
-                <a:schemeClr val="bg1"/>
-              </a:solidFill>
-              <a:latin typeface="Candara" panose="020E0502030303020204" pitchFamily="34" charset="0"/>
-            </a:endParaRPr>
-          </a:p>
-          <a:p>
-            <a:pPr marL="285750" indent="-285750">
-              <a:buFont typeface="Arial" panose="020B0604020202020204" pitchFamily="34" charset="0"/>
-              <a:buChar char="•"/>
-            </a:pPr>
-            <a:r>
-              <a:rPr lang="en-US" sz="2200" b="1" dirty="0">
-                <a:solidFill>
-                  <a:schemeClr val="bg1"/>
-                </a:solidFill>
-                <a:latin typeface="Candara" panose="020E0502030303020204" pitchFamily="34" charset="0"/>
-              </a:rPr>
-              <a:t>variance</a:t>
-            </a:r>
-            <a:r>
-              <a:rPr lang="en-US" sz="2200" dirty="0">
-                <a:solidFill>
-                  <a:schemeClr val="bg1"/>
-                </a:solidFill>
-                <a:latin typeface="Candara" panose="020E0502030303020204" pitchFamily="34" charset="0"/>
-              </a:rPr>
-              <a:t> is the result of sensitivity to small fluctuations in the training set. High variance can cause an algorithm to model the random noise in the training data, rather than the intended outputs (</a:t>
-            </a:r>
-            <a:r>
-              <a:rPr lang="en-US" sz="2200" i="1" dirty="0">
-                <a:solidFill>
-                  <a:schemeClr val="bg1"/>
-                </a:solidFill>
-                <a:latin typeface="Candara" panose="020E0502030303020204" pitchFamily="34" charset="0"/>
-              </a:rPr>
-              <a:t>overfitting, too specific</a:t>
-            </a:r>
-            <a:r>
-              <a:rPr lang="en-US" sz="2200" dirty="0">
-                <a:solidFill>
-                  <a:schemeClr val="bg1"/>
-                </a:solidFill>
-                <a:latin typeface="Candara" panose="020E0502030303020204" pitchFamily="34" charset="0"/>
-              </a:rPr>
-              <a:t>).</a:t>
-            </a:r>
-          </a:p>
-        </p:txBody>
-      </p:sp>
-      <p:sp>
-        <p:nvSpPr>
-          <p:cNvPr id="4" name="Rectangle 3">
-            <a:extLst>
-              <a:ext uri="{FF2B5EF4-FFF2-40B4-BE49-F238E27FC236}">
-                <a16:creationId xmlns:a16="http://schemas.microsoft.com/office/drawing/2014/main" id="{999F340C-EE8F-4E21-92A3-712CD967FA06}"/>
-              </a:ext>
-            </a:extLst>
-          </p:cNvPr>
-          <p:cNvSpPr/>
-          <p:nvPr/>
-        </p:nvSpPr>
-        <p:spPr>
-          <a:xfrm>
-            <a:off x="1000600" y="5786908"/>
-            <a:ext cx="6672019" cy="430887"/>
-          </a:xfrm>
-          <a:prstGeom prst="rect">
-            <a:avLst/>
-          </a:prstGeom>
-        </p:spPr>
-        <p:txBody>
-          <a:bodyPr wrap="none">
-            <a:spAutoFit/>
-          </a:bodyPr>
-          <a:lstStyle/>
-          <a:p>
-            <a:r>
-              <a:rPr lang="en-US" sz="2200" dirty="0">
-                <a:solidFill>
-                  <a:schemeClr val="bg1"/>
-                </a:solidFill>
-                <a:latin typeface="Candara" panose="020E0502030303020204" pitchFamily="34" charset="0"/>
-                <a:hlinkClick r:id="rId3">
-                  <a:extLst>
-                    <a:ext uri="{A12FA001-AC4F-418D-AE19-62706E023703}">
-                      <ahyp:hlinkClr xmlns:ahyp="http://schemas.microsoft.com/office/drawing/2018/hyperlinkcolor" val="tx"/>
-                    </a:ext>
-                  </a:extLst>
-                </a:hlinkClick>
-              </a:rPr>
-              <a:t>worth reading: https://www.fharrell.com/post/stat-ml2/</a:t>
-            </a:r>
-            <a:endParaRPr lang="en-US" sz="2200" dirty="0">
-              <a:solidFill>
-                <a:schemeClr val="bg1"/>
-              </a:solidFill>
-              <a:latin typeface="Candara" panose="020E0502030303020204" pitchFamily="34" charset="0"/>
-            </a:endParaRPr>
-          </a:p>
-        </p:txBody>
-      </p:sp>
-    </p:spTree>
-    <p:extLst>
-      <p:ext uri="{BB962C8B-B14F-4D97-AF65-F5344CB8AC3E}">
-        <p14:creationId xmlns:p14="http://schemas.microsoft.com/office/powerpoint/2010/main" val="2917584593"/>
-      </p:ext>
-    </p:extLst>
-  </p:cSld>
-  <p:clrMapOvr>
-    <a:masterClrMapping/>
-  </p:clrMapOvr>
-</p:sld>
-</file>
-
-<file path=ppt/slides/slide7.xml><?xml version="1.0" encoding="utf-8"?>
-<p:sld xmlns:a="http://schemas.openxmlformats.org/drawingml/2006/main" xmlns:r="http://schemas.openxmlformats.org/officeDocument/2006/relationships" xmlns:p="http://schemas.openxmlformats.org/presentationml/2006/main">
+<file path=ppt/slides/slide35.xml><?xml version="1.0" encoding="utf-8"?>
+<p:sld xmlns:a="http://schemas.openxmlformats.org/drawingml/2006/main" xmlns:r="http://schemas.openxmlformats.org/officeDocument/2006/relationships" xmlns:p="http://schemas.openxmlformats.org/presentationml/2006/main" show="0">
   <p:cSld>
     <p:bg>
       <p:bgPr>
@@ -20361,6 +19123,979 @@
     <p:extLst>
       <p:ext uri="{BB962C8B-B14F-4D97-AF65-F5344CB8AC3E}">
         <p14:creationId xmlns:p14="http://schemas.microsoft.com/office/powerpoint/2010/main" val="2920424469"/>
+      </p:ext>
+    </p:extLst>
+  </p:cSld>
+  <p:clrMapOvr>
+    <a:masterClrMapping/>
+  </p:clrMapOvr>
+</p:sld>
+</file>
+
+<file path=ppt/slides/slide4.xml><?xml version="1.0" encoding="utf-8"?>
+<p:sld xmlns:a="http://schemas.openxmlformats.org/drawingml/2006/main" xmlns:r="http://schemas.openxmlformats.org/officeDocument/2006/relationships" xmlns:p="http://schemas.openxmlformats.org/presentationml/2006/main">
+  <p:cSld>
+    <p:bg>
+      <p:bgPr>
+        <a:solidFill>
+          <a:schemeClr val="tx1"/>
+        </a:solidFill>
+        <a:effectLst/>
+      </p:bgPr>
+    </p:bg>
+    <p:spTree>
+      <p:nvGrpSpPr>
+        <p:cNvPr id="1" name=""/>
+        <p:cNvGrpSpPr/>
+        <p:nvPr/>
+      </p:nvGrpSpPr>
+      <p:grpSpPr>
+        <a:xfrm>
+          <a:off x="0" y="0"/>
+          <a:ext cx="0" cy="0"/>
+          <a:chOff x="0" y="0"/>
+          <a:chExt cx="0" cy="0"/>
+        </a:xfrm>
+      </p:grpSpPr>
+      <p:sp>
+        <p:nvSpPr>
+          <p:cNvPr id="9" name="Rectangle 3">
+            <a:extLst>
+              <a:ext uri="{FF2B5EF4-FFF2-40B4-BE49-F238E27FC236}">
+                <a16:creationId xmlns:a16="http://schemas.microsoft.com/office/drawing/2014/main" id="{2AF8B482-3339-4EAF-A1F4-A45722595E95}"/>
+              </a:ext>
+            </a:extLst>
+          </p:cNvPr>
+          <p:cNvSpPr txBox="1">
+            <a:spLocks noChangeArrowheads="1"/>
+          </p:cNvSpPr>
+          <p:nvPr/>
+        </p:nvSpPr>
+        <p:spPr>
+          <a:xfrm>
+            <a:off x="457200" y="1219200"/>
+            <a:ext cx="8229600" cy="5120640"/>
+          </a:xfrm>
+          <a:prstGeom prst="rect">
+            <a:avLst/>
+          </a:prstGeom>
+        </p:spPr>
+        <p:txBody>
+          <a:bodyPr vert="horz" lIns="91440" tIns="45720" rIns="91440" bIns="45720" rtlCol="0">
+            <a:normAutofit/>
+          </a:bodyPr>
+          <a:lstStyle>
+            <a:lvl1pPr marL="0" indent="0" algn="ctr" defTabSz="914400" rtl="0" eaLnBrk="1" latinLnBrk="0" hangingPunct="1">
+              <a:lnSpc>
+                <a:spcPct val="90000"/>
+              </a:lnSpc>
+              <a:spcBef>
+                <a:spcPts val="1000"/>
+              </a:spcBef>
+              <a:buFont typeface="Arial" panose="020B0604020202020204" pitchFamily="34" charset="0"/>
+              <a:buNone/>
+              <a:defRPr sz="2400" kern="1200">
+                <a:solidFill>
+                  <a:schemeClr val="tx1"/>
+                </a:solidFill>
+                <a:latin typeface="+mn-lt"/>
+                <a:ea typeface="+mn-ea"/>
+                <a:cs typeface="+mn-cs"/>
+              </a:defRPr>
+            </a:lvl1pPr>
+            <a:lvl2pPr marL="457200" indent="0" algn="ctr" defTabSz="914400" rtl="0" eaLnBrk="1" latinLnBrk="0" hangingPunct="1">
+              <a:lnSpc>
+                <a:spcPct val="90000"/>
+              </a:lnSpc>
+              <a:spcBef>
+                <a:spcPts val="500"/>
+              </a:spcBef>
+              <a:buFont typeface="Arial" panose="020B0604020202020204" pitchFamily="34" charset="0"/>
+              <a:buNone/>
+              <a:defRPr sz="2000" kern="1200">
+                <a:solidFill>
+                  <a:schemeClr val="tx1"/>
+                </a:solidFill>
+                <a:latin typeface="+mn-lt"/>
+                <a:ea typeface="+mn-ea"/>
+                <a:cs typeface="+mn-cs"/>
+              </a:defRPr>
+            </a:lvl2pPr>
+            <a:lvl3pPr marL="914400" indent="0" algn="ctr" defTabSz="914400" rtl="0" eaLnBrk="1" latinLnBrk="0" hangingPunct="1">
+              <a:lnSpc>
+                <a:spcPct val="90000"/>
+              </a:lnSpc>
+              <a:spcBef>
+                <a:spcPts val="500"/>
+              </a:spcBef>
+              <a:buFont typeface="Arial" panose="020B0604020202020204" pitchFamily="34" charset="0"/>
+              <a:buNone/>
+              <a:defRPr sz="1800" kern="1200">
+                <a:solidFill>
+                  <a:schemeClr val="tx1"/>
+                </a:solidFill>
+                <a:latin typeface="+mn-lt"/>
+                <a:ea typeface="+mn-ea"/>
+                <a:cs typeface="+mn-cs"/>
+              </a:defRPr>
+            </a:lvl3pPr>
+            <a:lvl4pPr marL="1371600" indent="0" algn="ctr" defTabSz="914400" rtl="0" eaLnBrk="1" latinLnBrk="0" hangingPunct="1">
+              <a:lnSpc>
+                <a:spcPct val="90000"/>
+              </a:lnSpc>
+              <a:spcBef>
+                <a:spcPts val="500"/>
+              </a:spcBef>
+              <a:buFont typeface="Arial" panose="020B0604020202020204" pitchFamily="34" charset="0"/>
+              <a:buNone/>
+              <a:defRPr sz="1600" kern="1200">
+                <a:solidFill>
+                  <a:schemeClr val="tx1"/>
+                </a:solidFill>
+                <a:latin typeface="+mn-lt"/>
+                <a:ea typeface="+mn-ea"/>
+                <a:cs typeface="+mn-cs"/>
+              </a:defRPr>
+            </a:lvl4pPr>
+            <a:lvl5pPr marL="1828800" indent="0" algn="ctr" defTabSz="914400" rtl="0" eaLnBrk="1" latinLnBrk="0" hangingPunct="1">
+              <a:lnSpc>
+                <a:spcPct val="90000"/>
+              </a:lnSpc>
+              <a:spcBef>
+                <a:spcPts val="500"/>
+              </a:spcBef>
+              <a:buFont typeface="Arial" panose="020B0604020202020204" pitchFamily="34" charset="0"/>
+              <a:buNone/>
+              <a:defRPr sz="1600" kern="1200">
+                <a:solidFill>
+                  <a:schemeClr val="tx1"/>
+                </a:solidFill>
+                <a:latin typeface="+mn-lt"/>
+                <a:ea typeface="+mn-ea"/>
+                <a:cs typeface="+mn-cs"/>
+              </a:defRPr>
+            </a:lvl5pPr>
+            <a:lvl6pPr marL="2286000" indent="0" algn="ctr" defTabSz="914400" rtl="0" eaLnBrk="1" latinLnBrk="0" hangingPunct="1">
+              <a:lnSpc>
+                <a:spcPct val="90000"/>
+              </a:lnSpc>
+              <a:spcBef>
+                <a:spcPts val="500"/>
+              </a:spcBef>
+              <a:buFont typeface="Arial" panose="020B0604020202020204" pitchFamily="34" charset="0"/>
+              <a:buNone/>
+              <a:defRPr sz="1600" kern="1200">
+                <a:solidFill>
+                  <a:schemeClr val="tx1"/>
+                </a:solidFill>
+                <a:latin typeface="+mn-lt"/>
+                <a:ea typeface="+mn-ea"/>
+                <a:cs typeface="+mn-cs"/>
+              </a:defRPr>
+            </a:lvl6pPr>
+            <a:lvl7pPr marL="2743200" indent="0" algn="ctr" defTabSz="914400" rtl="0" eaLnBrk="1" latinLnBrk="0" hangingPunct="1">
+              <a:lnSpc>
+                <a:spcPct val="90000"/>
+              </a:lnSpc>
+              <a:spcBef>
+                <a:spcPts val="500"/>
+              </a:spcBef>
+              <a:buFont typeface="Arial" panose="020B0604020202020204" pitchFamily="34" charset="0"/>
+              <a:buNone/>
+              <a:defRPr sz="1600" kern="1200">
+                <a:solidFill>
+                  <a:schemeClr val="tx1"/>
+                </a:solidFill>
+                <a:latin typeface="+mn-lt"/>
+                <a:ea typeface="+mn-ea"/>
+                <a:cs typeface="+mn-cs"/>
+              </a:defRPr>
+            </a:lvl7pPr>
+            <a:lvl8pPr marL="3200400" indent="0" algn="ctr" defTabSz="914400" rtl="0" eaLnBrk="1" latinLnBrk="0" hangingPunct="1">
+              <a:lnSpc>
+                <a:spcPct val="90000"/>
+              </a:lnSpc>
+              <a:spcBef>
+                <a:spcPts val="500"/>
+              </a:spcBef>
+              <a:buFont typeface="Arial" panose="020B0604020202020204" pitchFamily="34" charset="0"/>
+              <a:buNone/>
+              <a:defRPr sz="1600" kern="1200">
+                <a:solidFill>
+                  <a:schemeClr val="tx1"/>
+                </a:solidFill>
+                <a:latin typeface="+mn-lt"/>
+                <a:ea typeface="+mn-ea"/>
+                <a:cs typeface="+mn-cs"/>
+              </a:defRPr>
+            </a:lvl8pPr>
+            <a:lvl9pPr marL="3657600" indent="0" algn="ctr" defTabSz="914400" rtl="0" eaLnBrk="1" latinLnBrk="0" hangingPunct="1">
+              <a:lnSpc>
+                <a:spcPct val="90000"/>
+              </a:lnSpc>
+              <a:spcBef>
+                <a:spcPts val="500"/>
+              </a:spcBef>
+              <a:buFont typeface="Arial" panose="020B0604020202020204" pitchFamily="34" charset="0"/>
+              <a:buNone/>
+              <a:defRPr sz="1600" kern="1200">
+                <a:solidFill>
+                  <a:schemeClr val="tx1"/>
+                </a:solidFill>
+                <a:latin typeface="+mn-lt"/>
+                <a:ea typeface="+mn-ea"/>
+                <a:cs typeface="+mn-cs"/>
+              </a:defRPr>
+            </a:lvl9pPr>
+          </a:lstStyle>
+          <a:p>
+            <a:pPr algn="l">
+              <a:spcAft>
+                <a:spcPts val="600"/>
+              </a:spcAft>
+            </a:pPr>
+            <a:r>
+              <a:rPr lang="en-US" dirty="0">
+                <a:solidFill>
+                  <a:schemeClr val="bg1"/>
+                </a:solidFill>
+                <a:latin typeface="Candara" panose="020E0502030303020204" pitchFamily="34" charset="0"/>
+              </a:rPr>
+              <a:t>Uncertainty arises when we are not sure about the ‘true’ state of the environment; it is an expression of confidence based on limited knowledge</a:t>
+            </a:r>
+          </a:p>
+          <a:p>
+            <a:pPr algn="l">
+              <a:spcAft>
+                <a:spcPts val="600"/>
+              </a:spcAft>
+            </a:pPr>
+            <a:r>
+              <a:rPr lang="en-US" dirty="0">
+                <a:solidFill>
+                  <a:schemeClr val="bg1"/>
+                </a:solidFill>
+                <a:latin typeface="Candara" panose="020E0502030303020204" pitchFamily="34" charset="0"/>
+              </a:rPr>
+              <a:t>Uncertainty is an </a:t>
+            </a:r>
+            <a:r>
+              <a:rPr lang="en-US" b="1" dirty="0">
+                <a:solidFill>
+                  <a:schemeClr val="bg1"/>
+                </a:solidFill>
+                <a:latin typeface="Candara" panose="020E0502030303020204" pitchFamily="34" charset="0"/>
+              </a:rPr>
+              <a:t>acknowledgement of error</a:t>
+            </a:r>
+            <a:r>
+              <a:rPr lang="en-US" dirty="0">
+                <a:solidFill>
+                  <a:schemeClr val="bg1"/>
+                </a:solidFill>
+                <a:latin typeface="Candara" panose="020E0502030303020204" pitchFamily="34" charset="0"/>
+              </a:rPr>
+              <a:t>: we are aware that our representation of reality may differ from reality and express this by being uncertain</a:t>
+            </a:r>
+          </a:p>
+          <a:p>
+            <a:pPr algn="l">
+              <a:spcAft>
+                <a:spcPts val="600"/>
+              </a:spcAft>
+            </a:pPr>
+            <a:r>
+              <a:rPr lang="en-US" dirty="0">
+                <a:solidFill>
+                  <a:schemeClr val="bg1"/>
+                </a:solidFill>
+                <a:latin typeface="Candara" panose="020E0502030303020204" pitchFamily="34" charset="0"/>
+              </a:rPr>
+              <a:t>Uncertainty is </a:t>
+            </a:r>
+            <a:r>
+              <a:rPr lang="en-US" b="1" dirty="0">
+                <a:solidFill>
+                  <a:schemeClr val="bg1"/>
+                </a:solidFill>
+                <a:latin typeface="Candara" panose="020E0502030303020204" pitchFamily="34" charset="0"/>
+              </a:rPr>
+              <a:t>subjective</a:t>
+            </a:r>
+            <a:r>
+              <a:rPr lang="en-US" dirty="0">
+                <a:solidFill>
+                  <a:schemeClr val="bg1"/>
+                </a:solidFill>
+                <a:latin typeface="Candara" panose="020E0502030303020204" pitchFamily="34" charset="0"/>
+              </a:rPr>
+              <a:t>; one person can be more uncertain than another</a:t>
+            </a:r>
+          </a:p>
+          <a:p>
+            <a:pPr algn="l">
+              <a:spcAft>
+                <a:spcPts val="600"/>
+              </a:spcAft>
+            </a:pPr>
+            <a:r>
+              <a:rPr lang="en-US" dirty="0">
+                <a:solidFill>
+                  <a:schemeClr val="bg1"/>
+                </a:solidFill>
+                <a:latin typeface="Candara" panose="020E0502030303020204" pitchFamily="34" charset="0"/>
+              </a:rPr>
+              <a:t>In the presence of uncertainty, </a:t>
+            </a:r>
+            <a:r>
+              <a:rPr lang="en-US" b="1" dirty="0">
+                <a:solidFill>
+                  <a:schemeClr val="bg1"/>
+                </a:solidFill>
+                <a:latin typeface="Candara" panose="020E0502030303020204" pitchFamily="34" charset="0"/>
+              </a:rPr>
+              <a:t>we cannot identify a true ‘reality’</a:t>
+            </a:r>
+            <a:r>
+              <a:rPr lang="en-US" dirty="0">
+                <a:solidFill>
+                  <a:schemeClr val="bg1"/>
+                </a:solidFill>
+                <a:latin typeface="Candara" panose="020E0502030303020204" pitchFamily="34" charset="0"/>
+              </a:rPr>
+              <a:t>.  But perhaps we can identify all possible realities and a probability for each one.</a:t>
+            </a:r>
+          </a:p>
+        </p:txBody>
+      </p:sp>
+      <p:sp>
+        <p:nvSpPr>
+          <p:cNvPr id="10" name="TextBox 9">
+            <a:extLst>
+              <a:ext uri="{FF2B5EF4-FFF2-40B4-BE49-F238E27FC236}">
+                <a16:creationId xmlns:a16="http://schemas.microsoft.com/office/drawing/2014/main" id="{7F802426-8EB4-4C22-8C88-604555AAC5F0}"/>
+              </a:ext>
+            </a:extLst>
+          </p:cNvPr>
+          <p:cNvSpPr txBox="1"/>
+          <p:nvPr/>
+        </p:nvSpPr>
+        <p:spPr>
+          <a:xfrm>
+            <a:off x="7190517" y="6457890"/>
+            <a:ext cx="1953483" cy="400110"/>
+          </a:xfrm>
+          <a:prstGeom prst="rect">
+            <a:avLst/>
+          </a:prstGeom>
+          <a:noFill/>
+        </p:spPr>
+        <p:txBody>
+          <a:bodyPr wrap="none" rtlCol="0">
+            <a:spAutoFit/>
+          </a:bodyPr>
+          <a:lstStyle/>
+          <a:p>
+            <a:pPr marL="0" lvl="1"/>
+            <a:r>
+              <a:rPr lang="en-US" sz="2000" dirty="0" err="1">
+                <a:solidFill>
+                  <a:schemeClr val="bg1"/>
+                </a:solidFill>
+                <a:effectLst>
+                  <a:outerShdw blurRad="38100" dist="38100" dir="2700000" algn="tl">
+                    <a:srgbClr val="000000">
+                      <a:alpha val="43137"/>
+                    </a:srgbClr>
+                  </a:outerShdw>
+                </a:effectLst>
+                <a:latin typeface="Candara" panose="020E0502030303020204" pitchFamily="34" charset="0"/>
+              </a:rPr>
+              <a:t>Heuvelink</a:t>
+            </a:r>
+            <a:r>
+              <a:rPr lang="en-US" sz="2000" dirty="0">
+                <a:solidFill>
+                  <a:schemeClr val="bg1"/>
+                </a:solidFill>
+                <a:effectLst>
+                  <a:outerShdw blurRad="38100" dist="38100" dir="2700000" algn="tl">
+                    <a:srgbClr val="000000">
+                      <a:alpha val="43137"/>
+                    </a:srgbClr>
+                  </a:outerShdw>
+                </a:effectLst>
+                <a:latin typeface="Candara" panose="020E0502030303020204" pitchFamily="34" charset="0"/>
+              </a:rPr>
+              <a:t> (2012)</a:t>
+            </a:r>
+          </a:p>
+        </p:txBody>
+      </p:sp>
+      <p:sp>
+        <p:nvSpPr>
+          <p:cNvPr id="11" name="TextBox 10">
+            <a:extLst>
+              <a:ext uri="{FF2B5EF4-FFF2-40B4-BE49-F238E27FC236}">
+                <a16:creationId xmlns:a16="http://schemas.microsoft.com/office/drawing/2014/main" id="{94F7AF02-97E2-4C34-A6BC-ADE93CE4F163}"/>
+              </a:ext>
+            </a:extLst>
+          </p:cNvPr>
+          <p:cNvSpPr txBox="1"/>
+          <p:nvPr/>
+        </p:nvSpPr>
+        <p:spPr>
+          <a:xfrm>
+            <a:off x="9525" y="-38784"/>
+            <a:ext cx="4482317" cy="646331"/>
+          </a:xfrm>
+          <a:prstGeom prst="rect">
+            <a:avLst/>
+          </a:prstGeom>
+          <a:noFill/>
+        </p:spPr>
+        <p:txBody>
+          <a:bodyPr wrap="none" rtlCol="0">
+            <a:spAutoFit/>
+          </a:bodyPr>
+          <a:lstStyle/>
+          <a:p>
+            <a:r>
+              <a:rPr lang="en-US" sz="3600" b="1" dirty="0">
+                <a:solidFill>
+                  <a:schemeClr val="bg1"/>
+                </a:solidFill>
+                <a:latin typeface="Candara" panose="020E0502030303020204" pitchFamily="34" charset="0"/>
+              </a:rPr>
+              <a:t>Error and Uncertainty</a:t>
+            </a:r>
+          </a:p>
+        </p:txBody>
+      </p:sp>
+    </p:spTree>
+    <p:extLst>
+      <p:ext uri="{BB962C8B-B14F-4D97-AF65-F5344CB8AC3E}">
+        <p14:creationId xmlns:p14="http://schemas.microsoft.com/office/powerpoint/2010/main" val="722058441"/>
+      </p:ext>
+    </p:extLst>
+  </p:cSld>
+  <p:clrMapOvr>
+    <a:masterClrMapping/>
+  </p:clrMapOvr>
+</p:sld>
+</file>
+
+<file path=ppt/slides/slide5.xml><?xml version="1.0" encoding="utf-8"?>
+<p:sld xmlns:a="http://schemas.openxmlformats.org/drawingml/2006/main" xmlns:r="http://schemas.openxmlformats.org/officeDocument/2006/relationships" xmlns:p="http://schemas.openxmlformats.org/presentationml/2006/main">
+  <p:cSld>
+    <p:bg>
+      <p:bgPr>
+        <a:solidFill>
+          <a:schemeClr val="tx1"/>
+        </a:solidFill>
+        <a:effectLst/>
+      </p:bgPr>
+    </p:bg>
+    <p:spTree>
+      <p:nvGrpSpPr>
+        <p:cNvPr id="1" name=""/>
+        <p:cNvGrpSpPr/>
+        <p:nvPr/>
+      </p:nvGrpSpPr>
+      <p:grpSpPr>
+        <a:xfrm>
+          <a:off x="0" y="0"/>
+          <a:ext cx="0" cy="0"/>
+          <a:chOff x="0" y="0"/>
+          <a:chExt cx="0" cy="0"/>
+        </a:xfrm>
+      </p:grpSpPr>
+      <p:sp>
+        <p:nvSpPr>
+          <p:cNvPr id="2" name="TextBox 1">
+            <a:extLst>
+              <a:ext uri="{FF2B5EF4-FFF2-40B4-BE49-F238E27FC236}">
+                <a16:creationId xmlns:a16="http://schemas.microsoft.com/office/drawing/2014/main" id="{8620DD9E-4B2E-4CAF-904E-2C385416DD9B}"/>
+              </a:ext>
+            </a:extLst>
+          </p:cNvPr>
+          <p:cNvSpPr txBox="1"/>
+          <p:nvPr/>
+        </p:nvSpPr>
+        <p:spPr>
+          <a:xfrm>
+            <a:off x="9525" y="-38784"/>
+            <a:ext cx="5769336" cy="646331"/>
+          </a:xfrm>
+          <a:prstGeom prst="rect">
+            <a:avLst/>
+          </a:prstGeom>
+          <a:noFill/>
+        </p:spPr>
+        <p:txBody>
+          <a:bodyPr wrap="none" rtlCol="0">
+            <a:spAutoFit/>
+          </a:bodyPr>
+          <a:lstStyle/>
+          <a:p>
+            <a:r>
+              <a:rPr lang="en-US" sz="3600" b="1" dirty="0">
+                <a:solidFill>
+                  <a:schemeClr val="bg1"/>
+                </a:solidFill>
+                <a:latin typeface="Candara" panose="020E0502030303020204" pitchFamily="34" charset="0"/>
+              </a:rPr>
+              <a:t>Bias—Variance Compromise</a:t>
+            </a:r>
+          </a:p>
+        </p:txBody>
+      </p:sp>
+      <p:sp>
+        <p:nvSpPr>
+          <p:cNvPr id="3" name="Rectangle 2">
+            <a:extLst>
+              <a:ext uri="{FF2B5EF4-FFF2-40B4-BE49-F238E27FC236}">
+                <a16:creationId xmlns:a16="http://schemas.microsoft.com/office/drawing/2014/main" id="{05935782-41B9-4C93-A368-405FE2A950B4}"/>
+              </a:ext>
+            </a:extLst>
+          </p:cNvPr>
+          <p:cNvSpPr/>
+          <p:nvPr/>
+        </p:nvSpPr>
+        <p:spPr>
+          <a:xfrm>
+            <a:off x="434567" y="1735289"/>
+            <a:ext cx="7804087" cy="3139321"/>
+          </a:xfrm>
+          <a:prstGeom prst="rect">
+            <a:avLst/>
+          </a:prstGeom>
+        </p:spPr>
+        <p:txBody>
+          <a:bodyPr wrap="square">
+            <a:spAutoFit/>
+          </a:bodyPr>
+          <a:lstStyle/>
+          <a:p>
+            <a:pPr marL="285750" indent="-285750">
+              <a:buFont typeface="Arial" panose="020B0604020202020204" pitchFamily="34" charset="0"/>
+              <a:buChar char="•"/>
+            </a:pPr>
+            <a:r>
+              <a:rPr lang="en-US" sz="2200" b="1" dirty="0">
+                <a:solidFill>
+                  <a:schemeClr val="bg1"/>
+                </a:solidFill>
+                <a:latin typeface="Candara" panose="020E0502030303020204" pitchFamily="34" charset="0"/>
+              </a:rPr>
+              <a:t>bias</a:t>
+            </a:r>
+            <a:r>
+              <a:rPr lang="en-US" sz="2200" dirty="0">
+                <a:solidFill>
+                  <a:schemeClr val="bg1"/>
+                </a:solidFill>
+                <a:latin typeface="Candara" panose="020E0502030303020204" pitchFamily="34" charset="0"/>
+              </a:rPr>
+              <a:t> is caused by erroneous model assumptions (e.g. linearity). High bias can cause an algorithm to miss locally relevant relations between variables, such as curvature or inflection points (</a:t>
+            </a:r>
+            <a:r>
+              <a:rPr lang="en-US" sz="2200" i="1" dirty="0">
+                <a:solidFill>
+                  <a:schemeClr val="bg1"/>
+                </a:solidFill>
+                <a:latin typeface="Candara" panose="020E0502030303020204" pitchFamily="34" charset="0"/>
+              </a:rPr>
+              <a:t>underfitting, too general</a:t>
+            </a:r>
+            <a:r>
+              <a:rPr lang="en-US" sz="2200" dirty="0">
+                <a:solidFill>
+                  <a:schemeClr val="bg1"/>
+                </a:solidFill>
+                <a:latin typeface="Candara" panose="020E0502030303020204" pitchFamily="34" charset="0"/>
+              </a:rPr>
+              <a:t>).</a:t>
+            </a:r>
+            <a:br>
+              <a:rPr lang="en-US" sz="2200" dirty="0">
+                <a:solidFill>
+                  <a:schemeClr val="bg1"/>
+                </a:solidFill>
+                <a:latin typeface="Candara" panose="020E0502030303020204" pitchFamily="34" charset="0"/>
+              </a:rPr>
+            </a:br>
+            <a:endParaRPr lang="en-US" sz="2200" dirty="0">
+              <a:solidFill>
+                <a:schemeClr val="bg1"/>
+              </a:solidFill>
+              <a:latin typeface="Candara" panose="020E0502030303020204" pitchFamily="34" charset="0"/>
+            </a:endParaRPr>
+          </a:p>
+          <a:p>
+            <a:pPr marL="285750" indent="-285750">
+              <a:buFont typeface="Arial" panose="020B0604020202020204" pitchFamily="34" charset="0"/>
+              <a:buChar char="•"/>
+            </a:pPr>
+            <a:r>
+              <a:rPr lang="en-US" sz="2200" b="1" dirty="0">
+                <a:solidFill>
+                  <a:schemeClr val="bg1"/>
+                </a:solidFill>
+                <a:latin typeface="Candara" panose="020E0502030303020204" pitchFamily="34" charset="0"/>
+              </a:rPr>
+              <a:t>variance</a:t>
+            </a:r>
+            <a:r>
+              <a:rPr lang="en-US" sz="2200" dirty="0">
+                <a:solidFill>
+                  <a:schemeClr val="bg1"/>
+                </a:solidFill>
+                <a:latin typeface="Candara" panose="020E0502030303020204" pitchFamily="34" charset="0"/>
+              </a:rPr>
+              <a:t> is the result of sensitivity to small fluctuations in the training set. High variance can cause an algorithm to model the random noise in the training data, rather than the intended outputs (</a:t>
+            </a:r>
+            <a:r>
+              <a:rPr lang="en-US" sz="2200" i="1" dirty="0">
+                <a:solidFill>
+                  <a:schemeClr val="bg1"/>
+                </a:solidFill>
+                <a:latin typeface="Candara" panose="020E0502030303020204" pitchFamily="34" charset="0"/>
+              </a:rPr>
+              <a:t>overfitting, too specific</a:t>
+            </a:r>
+            <a:r>
+              <a:rPr lang="en-US" sz="2200" dirty="0">
+                <a:solidFill>
+                  <a:schemeClr val="bg1"/>
+                </a:solidFill>
+                <a:latin typeface="Candara" panose="020E0502030303020204" pitchFamily="34" charset="0"/>
+              </a:rPr>
+              <a:t>).</a:t>
+            </a:r>
+          </a:p>
+        </p:txBody>
+      </p:sp>
+      <p:sp>
+        <p:nvSpPr>
+          <p:cNvPr id="4" name="Rectangle 3">
+            <a:extLst>
+              <a:ext uri="{FF2B5EF4-FFF2-40B4-BE49-F238E27FC236}">
+                <a16:creationId xmlns:a16="http://schemas.microsoft.com/office/drawing/2014/main" id="{999F340C-EE8F-4E21-92A3-712CD967FA06}"/>
+              </a:ext>
+            </a:extLst>
+          </p:cNvPr>
+          <p:cNvSpPr/>
+          <p:nvPr/>
+        </p:nvSpPr>
+        <p:spPr>
+          <a:xfrm>
+            <a:off x="1000600" y="5786908"/>
+            <a:ext cx="6672019" cy="430887"/>
+          </a:xfrm>
+          <a:prstGeom prst="rect">
+            <a:avLst/>
+          </a:prstGeom>
+        </p:spPr>
+        <p:txBody>
+          <a:bodyPr wrap="none">
+            <a:spAutoFit/>
+          </a:bodyPr>
+          <a:lstStyle/>
+          <a:p>
+            <a:r>
+              <a:rPr lang="en-US" sz="2200" dirty="0">
+                <a:solidFill>
+                  <a:schemeClr val="bg1"/>
+                </a:solidFill>
+                <a:latin typeface="Candara" panose="020E0502030303020204" pitchFamily="34" charset="0"/>
+                <a:hlinkClick r:id="rId3">
+                  <a:extLst>
+                    <a:ext uri="{A12FA001-AC4F-418D-AE19-62706E023703}">
+                      <ahyp:hlinkClr xmlns:ahyp="http://schemas.microsoft.com/office/drawing/2018/hyperlinkcolor" val="tx"/>
+                    </a:ext>
+                  </a:extLst>
+                </a:hlinkClick>
+              </a:rPr>
+              <a:t>worth reading: https://www.fharrell.com/post/stat-ml2/</a:t>
+            </a:r>
+            <a:endParaRPr lang="en-US" sz="2200" dirty="0">
+              <a:solidFill>
+                <a:schemeClr val="bg1"/>
+              </a:solidFill>
+              <a:latin typeface="Candara" panose="020E0502030303020204" pitchFamily="34" charset="0"/>
+            </a:endParaRPr>
+          </a:p>
+        </p:txBody>
+      </p:sp>
+    </p:spTree>
+    <p:extLst>
+      <p:ext uri="{BB962C8B-B14F-4D97-AF65-F5344CB8AC3E}">
+        <p14:creationId xmlns:p14="http://schemas.microsoft.com/office/powerpoint/2010/main" val="2917584593"/>
+      </p:ext>
+    </p:extLst>
+  </p:cSld>
+  <p:clrMapOvr>
+    <a:masterClrMapping/>
+  </p:clrMapOvr>
+</p:sld>
+</file>
+
+<file path=ppt/slides/slide6.xml><?xml version="1.0" encoding="utf-8"?>
+<p:sld xmlns:a="http://schemas.openxmlformats.org/drawingml/2006/main" xmlns:r="http://schemas.openxmlformats.org/officeDocument/2006/relationships" xmlns:p="http://schemas.openxmlformats.org/presentationml/2006/main">
+  <p:cSld>
+    <p:bg>
+      <p:bgPr>
+        <a:solidFill>
+          <a:schemeClr val="tx1"/>
+        </a:solidFill>
+        <a:effectLst/>
+      </p:bgPr>
+    </p:bg>
+    <p:spTree>
+      <p:nvGrpSpPr>
+        <p:cNvPr id="1" name=""/>
+        <p:cNvGrpSpPr/>
+        <p:nvPr/>
+      </p:nvGrpSpPr>
+      <p:grpSpPr>
+        <a:xfrm>
+          <a:off x="0" y="0"/>
+          <a:ext cx="0" cy="0"/>
+          <a:chOff x="0" y="0"/>
+          <a:chExt cx="0" cy="0"/>
+        </a:xfrm>
+      </p:grpSpPr>
+      <p:sp>
+        <p:nvSpPr>
+          <p:cNvPr id="2" name="TextBox 1">
+            <a:extLst>
+              <a:ext uri="{FF2B5EF4-FFF2-40B4-BE49-F238E27FC236}">
+                <a16:creationId xmlns:a16="http://schemas.microsoft.com/office/drawing/2014/main" id="{8620DD9E-4B2E-4CAF-904E-2C385416DD9B}"/>
+              </a:ext>
+            </a:extLst>
+          </p:cNvPr>
+          <p:cNvSpPr txBox="1"/>
+          <p:nvPr/>
+        </p:nvSpPr>
+        <p:spPr>
+          <a:xfrm>
+            <a:off x="9525" y="-38784"/>
+            <a:ext cx="5769336" cy="646331"/>
+          </a:xfrm>
+          <a:prstGeom prst="rect">
+            <a:avLst/>
+          </a:prstGeom>
+          <a:noFill/>
+        </p:spPr>
+        <p:txBody>
+          <a:bodyPr wrap="none" rtlCol="0">
+            <a:spAutoFit/>
+          </a:bodyPr>
+          <a:lstStyle/>
+          <a:p>
+            <a:r>
+              <a:rPr lang="en-US" sz="3600" b="1" dirty="0">
+                <a:solidFill>
+                  <a:schemeClr val="bg1"/>
+                </a:solidFill>
+                <a:latin typeface="Candara" panose="020E0502030303020204" pitchFamily="34" charset="0"/>
+              </a:rPr>
+              <a:t>Bias—Variance Compromise</a:t>
+            </a:r>
+          </a:p>
+        </p:txBody>
+      </p:sp>
+      <p:pic>
+        <p:nvPicPr>
+          <p:cNvPr id="8" name="Picture 7">
+            <a:extLst>
+              <a:ext uri="{FF2B5EF4-FFF2-40B4-BE49-F238E27FC236}">
+                <a16:creationId xmlns:a16="http://schemas.microsoft.com/office/drawing/2014/main" id="{0CF04994-E150-464F-87BF-93F10100C1EE}"/>
+              </a:ext>
+            </a:extLst>
+          </p:cNvPr>
+          <p:cNvPicPr>
+            <a:picLocks noChangeAspect="1"/>
+          </p:cNvPicPr>
+          <p:nvPr/>
+        </p:nvPicPr>
+        <p:blipFill>
+          <a:blip r:embed="rId3"/>
+          <a:stretch>
+            <a:fillRect/>
+          </a:stretch>
+        </p:blipFill>
+        <p:spPr>
+          <a:xfrm>
+            <a:off x="857250" y="1476983"/>
+            <a:ext cx="7429500" cy="4717143"/>
+          </a:xfrm>
+          <a:prstGeom prst="rect">
+            <a:avLst/>
+          </a:prstGeom>
+        </p:spPr>
+      </p:pic>
+      <p:sp>
+        <p:nvSpPr>
+          <p:cNvPr id="9" name="Rectangle 8">
+            <a:extLst>
+              <a:ext uri="{FF2B5EF4-FFF2-40B4-BE49-F238E27FC236}">
+                <a16:creationId xmlns:a16="http://schemas.microsoft.com/office/drawing/2014/main" id="{77DD6493-251D-4A7B-A4F7-3FFBECD73CA1}"/>
+              </a:ext>
+            </a:extLst>
+          </p:cNvPr>
+          <p:cNvSpPr/>
+          <p:nvPr/>
+        </p:nvSpPr>
+        <p:spPr>
+          <a:xfrm>
+            <a:off x="3876121" y="6357185"/>
+            <a:ext cx="2111604" cy="369332"/>
+          </a:xfrm>
+          <a:prstGeom prst="rect">
+            <a:avLst/>
+          </a:prstGeom>
+        </p:spPr>
+        <p:txBody>
+          <a:bodyPr wrap="none">
+            <a:spAutoFit/>
+          </a:bodyPr>
+          <a:lstStyle/>
+          <a:p>
+            <a:r>
+              <a:rPr lang="en-US" dirty="0" err="1">
+                <a:solidFill>
+                  <a:schemeClr val="bg1"/>
+                </a:solidFill>
+                <a:latin typeface="Candara" panose="020E0502030303020204" pitchFamily="34" charset="0"/>
+              </a:rPr>
+              <a:t>Fortmann</a:t>
+            </a:r>
+            <a:r>
+              <a:rPr lang="en-US" dirty="0">
+                <a:solidFill>
+                  <a:schemeClr val="bg1"/>
+                </a:solidFill>
+                <a:latin typeface="Candara" panose="020E0502030303020204" pitchFamily="34" charset="0"/>
+              </a:rPr>
+              <a:t>-Roe, 2012</a:t>
+            </a:r>
+          </a:p>
+        </p:txBody>
+      </p:sp>
+    </p:spTree>
+    <p:extLst>
+      <p:ext uri="{BB962C8B-B14F-4D97-AF65-F5344CB8AC3E}">
+        <p14:creationId xmlns:p14="http://schemas.microsoft.com/office/powerpoint/2010/main" val="3080021990"/>
+      </p:ext>
+    </p:extLst>
+  </p:cSld>
+  <p:clrMapOvr>
+    <a:masterClrMapping/>
+  </p:clrMapOvr>
+</p:sld>
+</file>
+
+<file path=ppt/slides/slide7.xml><?xml version="1.0" encoding="utf-8"?>
+<p:sld xmlns:a="http://schemas.openxmlformats.org/drawingml/2006/main" xmlns:r="http://schemas.openxmlformats.org/officeDocument/2006/relationships" xmlns:p="http://schemas.openxmlformats.org/presentationml/2006/main">
+  <p:cSld>
+    <p:bg>
+      <p:bgPr>
+        <a:solidFill>
+          <a:schemeClr val="tx1"/>
+        </a:solidFill>
+        <a:effectLst/>
+      </p:bgPr>
+    </p:bg>
+    <p:spTree>
+      <p:nvGrpSpPr>
+        <p:cNvPr id="1" name=""/>
+        <p:cNvGrpSpPr/>
+        <p:nvPr/>
+      </p:nvGrpSpPr>
+      <p:grpSpPr>
+        <a:xfrm>
+          <a:off x="0" y="0"/>
+          <a:ext cx="0" cy="0"/>
+          <a:chOff x="0" y="0"/>
+          <a:chExt cx="0" cy="0"/>
+        </a:xfrm>
+      </p:grpSpPr>
+      <p:sp>
+        <p:nvSpPr>
+          <p:cNvPr id="2" name="TextBox 1">
+            <a:extLst>
+              <a:ext uri="{FF2B5EF4-FFF2-40B4-BE49-F238E27FC236}">
+                <a16:creationId xmlns:a16="http://schemas.microsoft.com/office/drawing/2014/main" id="{8620DD9E-4B2E-4CAF-904E-2C385416DD9B}"/>
+              </a:ext>
+            </a:extLst>
+          </p:cNvPr>
+          <p:cNvSpPr txBox="1"/>
+          <p:nvPr/>
+        </p:nvSpPr>
+        <p:spPr>
+          <a:xfrm>
+            <a:off x="9525" y="-38784"/>
+            <a:ext cx="5769336" cy="646331"/>
+          </a:xfrm>
+          <a:prstGeom prst="rect">
+            <a:avLst/>
+          </a:prstGeom>
+          <a:noFill/>
+        </p:spPr>
+        <p:txBody>
+          <a:bodyPr wrap="none" rtlCol="0">
+            <a:spAutoFit/>
+          </a:bodyPr>
+          <a:lstStyle/>
+          <a:p>
+            <a:r>
+              <a:rPr lang="en-US" sz="3600" b="1" dirty="0">
+                <a:solidFill>
+                  <a:schemeClr val="bg1"/>
+                </a:solidFill>
+                <a:latin typeface="Candara" panose="020E0502030303020204" pitchFamily="34" charset="0"/>
+              </a:rPr>
+              <a:t>Bias—Variance Compromise</a:t>
+            </a:r>
+          </a:p>
+        </p:txBody>
+      </p:sp>
+      <p:pic>
+        <p:nvPicPr>
+          <p:cNvPr id="5" name="Picture 4">
+            <a:extLst>
+              <a:ext uri="{FF2B5EF4-FFF2-40B4-BE49-F238E27FC236}">
+                <a16:creationId xmlns:a16="http://schemas.microsoft.com/office/drawing/2014/main" id="{75DE22D8-B44A-42FF-9A43-77FB363F9ABF}"/>
+              </a:ext>
+            </a:extLst>
+          </p:cNvPr>
+          <p:cNvPicPr>
+            <a:picLocks noChangeAspect="1"/>
+          </p:cNvPicPr>
+          <p:nvPr/>
+        </p:nvPicPr>
+        <p:blipFill>
+          <a:blip r:embed="rId3"/>
+          <a:stretch>
+            <a:fillRect/>
+          </a:stretch>
+        </p:blipFill>
+        <p:spPr>
+          <a:xfrm>
+            <a:off x="415637" y="901594"/>
+            <a:ext cx="8312727" cy="5054810"/>
+          </a:xfrm>
+          <a:prstGeom prst="rect">
+            <a:avLst/>
+          </a:prstGeom>
+        </p:spPr>
+      </p:pic>
+    </p:spTree>
+    <p:extLst>
+      <p:ext uri="{BB962C8B-B14F-4D97-AF65-F5344CB8AC3E}">
+        <p14:creationId xmlns:p14="http://schemas.microsoft.com/office/powerpoint/2010/main" val="3724583239"/>
       </p:ext>
     </p:extLst>
   </p:cSld>
@@ -20551,38 +20286,107 @@
       </p:sp>
       <p:pic>
         <p:nvPicPr>
-          <p:cNvPr id="5" name="Picture 4">
+          <p:cNvPr id="2050" name="Picture 2" descr="Curve-Fitting">
             <a:extLst>
               <a:ext uri="{FF2B5EF4-FFF2-40B4-BE49-F238E27FC236}">
-                <a16:creationId xmlns:a16="http://schemas.microsoft.com/office/drawing/2014/main" id="{75DE22D8-B44A-42FF-9A43-77FB363F9ABF}"/>
+                <a16:creationId xmlns:a16="http://schemas.microsoft.com/office/drawing/2014/main" id="{3E6DFC5D-A942-4E10-998A-BE41CFB2D77D}"/>
               </a:ext>
             </a:extLst>
           </p:cNvPr>
           <p:cNvPicPr>
-            <a:picLocks noChangeAspect="1"/>
+            <a:picLocks noChangeAspect="1" noChangeArrowheads="1"/>
           </p:cNvPicPr>
           <p:nvPr/>
         </p:nvPicPr>
         <p:blipFill>
-          <a:blip r:embed="rId3"/>
+          <a:blip r:embed="rId3">
+            <a:extLst>
+              <a:ext uri="{28A0092B-C50C-407E-A947-70E740481C1C}">
+                <a14:useLocalDpi xmlns:a14="http://schemas.microsoft.com/office/drawing/2010/main" val="0"/>
+              </a:ext>
+            </a:extLst>
+          </a:blip>
+          <a:srcRect/>
           <a:stretch>
             <a:fillRect/>
           </a:stretch>
         </p:blipFill>
+        <p:spPr bwMode="auto">
+          <a:xfrm>
+            <a:off x="2607829" y="556168"/>
+            <a:ext cx="3928341" cy="6234545"/>
+          </a:xfrm>
+          <a:prstGeom prst="rect">
+            <a:avLst/>
+          </a:prstGeom>
+          <a:noFill/>
+          <a:extLst>
+            <a:ext uri="{909E8E84-426E-40DD-AFC4-6F175D3DCCD1}">
+              <a14:hiddenFill xmlns:a14="http://schemas.microsoft.com/office/drawing/2010/main">
+                <a:solidFill>
+                  <a:srgbClr val="FFFFFF"/>
+                </a:solidFill>
+              </a14:hiddenFill>
+            </a:ext>
+          </a:extLst>
+        </p:spPr>
+      </p:pic>
+      <p:sp>
+        <p:nvSpPr>
+          <p:cNvPr id="3" name="Rectangle 2">
+            <a:extLst>
+              <a:ext uri="{FF2B5EF4-FFF2-40B4-BE49-F238E27FC236}">
+                <a16:creationId xmlns:a16="http://schemas.microsoft.com/office/drawing/2014/main" id="{E95F6645-1DB8-4A81-809F-4789160A7789}"/>
+              </a:ext>
+            </a:extLst>
+          </p:cNvPr>
+          <p:cNvSpPr/>
+          <p:nvPr/>
+        </p:nvSpPr>
         <p:spPr>
           <a:xfrm>
-            <a:off x="415637" y="901594"/>
-            <a:ext cx="8312727" cy="5054810"/>
+            <a:off x="6701820" y="6421381"/>
+            <a:ext cx="2432654" cy="369332"/>
           </a:xfrm>
           <a:prstGeom prst="rect">
             <a:avLst/>
           </a:prstGeom>
         </p:spPr>
-      </p:pic>
+        <p:txBody>
+          <a:bodyPr wrap="none">
+            <a:spAutoFit/>
+          </a:bodyPr>
+          <a:lstStyle/>
+          <a:p>
+            <a:r>
+              <a:rPr lang="en-US" dirty="0">
+                <a:solidFill>
+                  <a:schemeClr val="bg1"/>
+                </a:solidFill>
+                <a:latin typeface="Candara" panose="020E0502030303020204" pitchFamily="34" charset="0"/>
+                <a:hlinkClick r:id="rId4">
+                  <a:extLst>
+                    <a:ext uri="{A12FA001-AC4F-418D-AE19-62706E023703}">
+                      <ahyp:hlinkClr xmlns:ahyp="http://schemas.microsoft.com/office/drawing/2018/hyperlinkcolor" val="tx"/>
+                    </a:ext>
+                  </a:extLst>
+                </a:hlinkClick>
+              </a:rPr>
+              <a:t>https://xkcd.com/2048/</a:t>
+            </a:r>
+            <a:endParaRPr lang="en-US" dirty="0">
+              <a:solidFill>
+                <a:schemeClr val="bg1"/>
+              </a:solidFill>
+              <a:latin typeface="Candara" panose="020E0502030303020204" pitchFamily="34" charset="0"/>
+            </a:endParaRPr>
+          </a:p>
+        </p:txBody>
+      </p:sp>
     </p:spTree>
     <p:extLst>
       <p:ext uri="{BB962C8B-B14F-4D97-AF65-F5344CB8AC3E}">
-        <p14:creationId xmlns:p14="http://schemas.microsoft.com/office/powerpoint/2010/main" val="3724583239"/>
+        <p14:creationId xmlns:p14="http://schemas.microsoft.com/office/powerpoint/2010/main" val="70866279"/>
       </p:ext>
     </p:extLst>
   </p:cSld>

--- a/presentations/9_uncert_validation/9. Uncertainty_and_Validation_Beaudette.pptx
+++ b/presentations/9_uncert_validation/9. Uncertainty_and_Validation_Beaudette.pptx
@@ -231,7 +231,7 @@
           <a:p>
             <a:fld id="{1FEE0D44-209F-4E48-BF47-5709A25FBC07}" type="datetimeFigureOut">
               <a:rPr lang="en-US" smtClean="0"/>
-              <a:t>2/27/2022</a:t>
+              <a:t>2/28/2022</a:t>
             </a:fld>
             <a:endParaRPr lang="en-US"/>
           </a:p>
@@ -3851,7 +3851,7 @@
           <a:p>
             <a:fld id="{ED142E25-4D6A-4E84-A843-638D116E87AA}" type="datetimeFigureOut">
               <a:rPr lang="en-US" smtClean="0"/>
-              <a:t>2/27/2022</a:t>
+              <a:t>2/28/2022</a:t>
             </a:fld>
             <a:endParaRPr lang="en-US"/>
           </a:p>
@@ -4021,7 +4021,7 @@
           <a:p>
             <a:fld id="{ED142E25-4D6A-4E84-A843-638D116E87AA}" type="datetimeFigureOut">
               <a:rPr lang="en-US" smtClean="0"/>
-              <a:t>2/27/2022</a:t>
+              <a:t>2/28/2022</a:t>
             </a:fld>
             <a:endParaRPr lang="en-US"/>
           </a:p>
@@ -4201,7 +4201,7 @@
           <a:p>
             <a:fld id="{ED142E25-4D6A-4E84-A843-638D116E87AA}" type="datetimeFigureOut">
               <a:rPr lang="en-US" smtClean="0"/>
-              <a:t>2/27/2022</a:t>
+              <a:t>2/28/2022</a:t>
             </a:fld>
             <a:endParaRPr lang="en-US"/>
           </a:p>
@@ -4371,7 +4371,7 @@
           <a:p>
             <a:fld id="{ED142E25-4D6A-4E84-A843-638D116E87AA}" type="datetimeFigureOut">
               <a:rPr lang="en-US" smtClean="0"/>
-              <a:t>2/27/2022</a:t>
+              <a:t>2/28/2022</a:t>
             </a:fld>
             <a:endParaRPr lang="en-US"/>
           </a:p>
@@ -4615,7 +4615,7 @@
           <a:p>
             <a:fld id="{ED142E25-4D6A-4E84-A843-638D116E87AA}" type="datetimeFigureOut">
               <a:rPr lang="en-US" smtClean="0"/>
-              <a:t>2/27/2022</a:t>
+              <a:t>2/28/2022</a:t>
             </a:fld>
             <a:endParaRPr lang="en-US"/>
           </a:p>
@@ -4847,7 +4847,7 @@
           <a:p>
             <a:fld id="{ED142E25-4D6A-4E84-A843-638D116E87AA}" type="datetimeFigureOut">
               <a:rPr lang="en-US" smtClean="0"/>
-              <a:t>2/27/2022</a:t>
+              <a:t>2/28/2022</a:t>
             </a:fld>
             <a:endParaRPr lang="en-US"/>
           </a:p>
@@ -5214,7 +5214,7 @@
           <a:p>
             <a:fld id="{ED142E25-4D6A-4E84-A843-638D116E87AA}" type="datetimeFigureOut">
               <a:rPr lang="en-US" smtClean="0"/>
-              <a:t>2/27/2022</a:t>
+              <a:t>2/28/2022</a:t>
             </a:fld>
             <a:endParaRPr lang="en-US"/>
           </a:p>
@@ -5332,7 +5332,7 @@
           <a:p>
             <a:fld id="{ED142E25-4D6A-4E84-A843-638D116E87AA}" type="datetimeFigureOut">
               <a:rPr lang="en-US" smtClean="0"/>
-              <a:t>2/27/2022</a:t>
+              <a:t>2/28/2022</a:t>
             </a:fld>
             <a:endParaRPr lang="en-US"/>
           </a:p>
@@ -5427,7 +5427,7 @@
           <a:p>
             <a:fld id="{ED142E25-4D6A-4E84-A843-638D116E87AA}" type="datetimeFigureOut">
               <a:rPr lang="en-US" smtClean="0"/>
-              <a:t>2/27/2022</a:t>
+              <a:t>2/28/2022</a:t>
             </a:fld>
             <a:endParaRPr lang="en-US"/>
           </a:p>
@@ -5704,7 +5704,7 @@
           <a:p>
             <a:fld id="{ED142E25-4D6A-4E84-A843-638D116E87AA}" type="datetimeFigureOut">
               <a:rPr lang="en-US" smtClean="0"/>
-              <a:t>2/27/2022</a:t>
+              <a:t>2/28/2022</a:t>
             </a:fld>
             <a:endParaRPr lang="en-US"/>
           </a:p>
@@ -5961,7 +5961,7 @@
           <a:p>
             <a:fld id="{ED142E25-4D6A-4E84-A843-638D116E87AA}" type="datetimeFigureOut">
               <a:rPr lang="en-US" smtClean="0"/>
-              <a:t>2/27/2022</a:t>
+              <a:t>2/28/2022</a:t>
             </a:fld>
             <a:endParaRPr lang="en-US"/>
           </a:p>
@@ -6174,7 +6174,7 @@
           <a:p>
             <a:fld id="{ED142E25-4D6A-4E84-A843-638D116E87AA}" type="datetimeFigureOut">
               <a:rPr lang="en-US" smtClean="0"/>
-              <a:t>2/27/2022</a:t>
+              <a:t>2/28/2022</a:t>
             </a:fld>
             <a:endParaRPr lang="en-US"/>
           </a:p>
@@ -13540,8 +13540,8 @@
           </a:extLst>
         </p:spPr>
       </p:pic>
-      <mc:AlternateContent xmlns:mc="http://schemas.openxmlformats.org/markup-compatibility/2006" xmlns:a14="http://schemas.microsoft.com/office/drawing/2010/main">
-        <mc:Choice Requires="a14">
+      <mc:AlternateContent xmlns:mc="http://schemas.openxmlformats.org/markup-compatibility/2006">
+        <mc:Choice xmlns:a14="http://schemas.microsoft.com/office/drawing/2010/main" Requires="a14">
           <p:sp>
             <p:nvSpPr>
               <p:cNvPr id="3" name="TextBox 2">
@@ -13556,7 +13556,7 @@
             </p:nvSpPr>
             <p:spPr>
               <a:xfrm>
-                <a:off x="1331720" y="2290392"/>
+                <a:off x="1194920" y="2225592"/>
                 <a:ext cx="2830518" cy="924164"/>
               </a:xfrm>
               <a:prstGeom prst="rect">
@@ -13726,7 +13726,7 @@
             </p:txBody>
           </p:sp>
         </mc:Choice>
-        <mc:Fallback xmlns="">
+        <mc:Fallback>
           <p:sp>
             <p:nvSpPr>
               <p:cNvPr id="3" name="TextBox 2">
@@ -13743,7 +13743,7 @@
             </p:nvSpPr>
             <p:spPr>
               <a:xfrm>
-                <a:off x="1331720" y="2290392"/>
+                <a:off x="1194920" y="2225592"/>
                 <a:ext cx="2830518" cy="924164"/>
               </a:xfrm>
               <a:prstGeom prst="rect">
@@ -14402,6 +14402,239 @@
           </a:p>
         </p:txBody>
       </p:sp>
+      <mc:AlternateContent xmlns:mc="http://schemas.openxmlformats.org/markup-compatibility/2006">
+        <mc:Choice xmlns:a14="http://schemas.microsoft.com/office/drawing/2010/main" Requires="a14">
+          <p:sp>
+            <p:nvSpPr>
+              <p:cNvPr id="6" name="TextBox 5">
+                <a:extLst>
+                  <a:ext uri="{FF2B5EF4-FFF2-40B4-BE49-F238E27FC236}">
+                    <a16:creationId xmlns:a16="http://schemas.microsoft.com/office/drawing/2014/main" id="{DB399144-8987-4440-84D1-52AED1A6EF05}"/>
+                  </a:ext>
+                </a:extLst>
+              </p:cNvPr>
+              <p:cNvSpPr txBox="1"/>
+              <p:nvPr/>
+            </p:nvSpPr>
+            <p:spPr>
+              <a:xfrm>
+                <a:off x="3672000" y="1688476"/>
+                <a:ext cx="2217600" cy="672172"/>
+              </a:xfrm>
+              <a:prstGeom prst="rect">
+                <a:avLst/>
+              </a:prstGeom>
+              <a:solidFill>
+                <a:schemeClr val="bg1"/>
+              </a:solidFill>
+            </p:spPr>
+            <p:txBody>
+              <a:bodyPr wrap="square" lIns="0" tIns="0" rIns="0" bIns="0" rtlCol="0">
+                <a:spAutoFit/>
+              </a:bodyPr>
+              <a:lstStyle/>
+              <a:p>
+                <a:pPr/>
+                <a14:m>
+                  <m:oMathPara xmlns:m="http://schemas.openxmlformats.org/officeDocument/2006/math">
+                    <m:oMathParaPr>
+                      <m:jc m:val="centerGroup"/>
+                    </m:oMathParaPr>
+                    <m:oMath xmlns:m="http://schemas.openxmlformats.org/officeDocument/2006/math">
+                      <m:r>
+                        <a:rPr lang="en-US" sz="1600" b="0" i="1" smtClean="0">
+                          <a:latin typeface="Cambria Math" panose="02040503050406030204" pitchFamily="18" charset="0"/>
+                        </a:rPr>
+                        <m:t>𝐻</m:t>
+                      </m:r>
+                      <m:r>
+                        <a:rPr lang="en-US" sz="1600" b="0" i="1" smtClean="0">
+                          <a:latin typeface="Cambria Math" panose="02040503050406030204" pitchFamily="18" charset="0"/>
+                        </a:rPr>
+                        <m:t>=−</m:t>
+                      </m:r>
+                      <m:nary>
+                        <m:naryPr>
+                          <m:chr m:val="∑"/>
+                          <m:ctrlPr>
+                            <a:rPr lang="en-US" sz="1600" b="0" i="1" smtClean="0">
+                              <a:latin typeface="Cambria Math" panose="02040503050406030204" pitchFamily="18" charset="0"/>
+                            </a:rPr>
+                          </m:ctrlPr>
+                        </m:naryPr>
+                        <m:sub>
+                          <m:r>
+                            <m:rPr>
+                              <m:brk m:alnAt="23"/>
+                            </m:rPr>
+                            <a:rPr lang="en-US" sz="1600" b="0" i="1" smtClean="0">
+                              <a:latin typeface="Cambria Math" panose="02040503050406030204" pitchFamily="18" charset="0"/>
+                            </a:rPr>
+                            <m:t>𝑖</m:t>
+                          </m:r>
+                          <m:r>
+                            <a:rPr lang="en-US" sz="1600" b="0" i="1" smtClean="0">
+                              <a:latin typeface="Cambria Math" panose="02040503050406030204" pitchFamily="18" charset="0"/>
+                            </a:rPr>
+                            <m:t>=1</m:t>
+                          </m:r>
+                        </m:sub>
+                        <m:sup>
+                          <m:r>
+                            <a:rPr lang="en-US" sz="1600" b="0" i="1" smtClean="0">
+                              <a:latin typeface="Cambria Math" panose="02040503050406030204" pitchFamily="18" charset="0"/>
+                            </a:rPr>
+                            <m:t>𝑛</m:t>
+                          </m:r>
+                        </m:sup>
+                        <m:e>
+                          <m:sSub>
+                            <m:sSubPr>
+                              <m:ctrlPr>
+                                <a:rPr lang="en-US" sz="1600" b="0" i="1" smtClean="0">
+                                  <a:latin typeface="Cambria Math" panose="02040503050406030204" pitchFamily="18" charset="0"/>
+                                </a:rPr>
+                              </m:ctrlPr>
+                            </m:sSubPr>
+                            <m:e>
+                              <m:r>
+                                <a:rPr lang="en-US" sz="1600" b="0" i="1" smtClean="0">
+                                  <a:latin typeface="Cambria Math" panose="02040503050406030204" pitchFamily="18" charset="0"/>
+                                </a:rPr>
+                                <m:t>𝑝</m:t>
+                              </m:r>
+                            </m:e>
+                            <m:sub>
+                              <m:r>
+                                <a:rPr lang="en-US" sz="1600" b="0" i="1" smtClean="0">
+                                  <a:latin typeface="Cambria Math" panose="02040503050406030204" pitchFamily="18" charset="0"/>
+                                </a:rPr>
+                                <m:t>𝑖</m:t>
+                              </m:r>
+                            </m:sub>
+                          </m:sSub>
+                          <m:r>
+                            <a:rPr lang="en-US" sz="1600" b="0" i="1" smtClean="0">
+                              <a:latin typeface="Cambria Math" panose="02040503050406030204" pitchFamily="18" charset="0"/>
+                            </a:rPr>
+                            <m:t>∗</m:t>
+                          </m:r>
+                          <m:sSub>
+                            <m:sSubPr>
+                              <m:ctrlPr>
+                                <a:rPr lang="en-US" sz="1600" b="0" i="1" smtClean="0">
+                                  <a:latin typeface="Cambria Math" panose="02040503050406030204" pitchFamily="18" charset="0"/>
+                                </a:rPr>
+                              </m:ctrlPr>
+                            </m:sSubPr>
+                            <m:e>
+                              <m:r>
+                                <a:rPr lang="en-US" sz="1600" b="0" i="1" smtClean="0">
+                                  <a:latin typeface="Cambria Math" panose="02040503050406030204" pitchFamily="18" charset="0"/>
+                                </a:rPr>
+                                <m:t>𝑙𝑜𝑔</m:t>
+                              </m:r>
+                            </m:e>
+                            <m:sub>
+                              <m:r>
+                                <a:rPr lang="en-US" sz="1600" b="0" i="1" smtClean="0">
+                                  <a:latin typeface="Cambria Math" panose="02040503050406030204" pitchFamily="18" charset="0"/>
+                                </a:rPr>
+                                <m:t>𝑛</m:t>
+                              </m:r>
+                            </m:sub>
+                          </m:sSub>
+                          <m:d>
+                            <m:dPr>
+                              <m:ctrlPr>
+                                <a:rPr lang="en-US" sz="1600" b="0" i="1" smtClean="0">
+                                  <a:latin typeface="Cambria Math" panose="02040503050406030204" pitchFamily="18" charset="0"/>
+                                </a:rPr>
+                              </m:ctrlPr>
+                            </m:dPr>
+                            <m:e>
+                              <m:sSub>
+                                <m:sSubPr>
+                                  <m:ctrlPr>
+                                    <a:rPr lang="en-US" sz="1600" b="0" i="1" smtClean="0">
+                                      <a:latin typeface="Cambria Math" panose="02040503050406030204" pitchFamily="18" charset="0"/>
+                                    </a:rPr>
+                                  </m:ctrlPr>
+                                </m:sSubPr>
+                                <m:e>
+                                  <m:r>
+                                    <a:rPr lang="en-US" sz="1600" b="0" i="1" smtClean="0">
+                                      <a:latin typeface="Cambria Math" panose="02040503050406030204" pitchFamily="18" charset="0"/>
+                                    </a:rPr>
+                                    <m:t>𝑝</m:t>
+                                  </m:r>
+                                </m:e>
+                                <m:sub>
+                                  <m:r>
+                                    <a:rPr lang="en-US" sz="1600" b="0" i="1" smtClean="0">
+                                      <a:latin typeface="Cambria Math" panose="02040503050406030204" pitchFamily="18" charset="0"/>
+                                    </a:rPr>
+                                    <m:t>𝑖</m:t>
+                                  </m:r>
+                                </m:sub>
+                              </m:sSub>
+                            </m:e>
+                          </m:d>
+                        </m:e>
+                      </m:nary>
+                    </m:oMath>
+                  </m:oMathPara>
+                </a14:m>
+                <a:endParaRPr lang="en-US" sz="1600" dirty="0"/>
+              </a:p>
+            </p:txBody>
+          </p:sp>
+        </mc:Choice>
+        <mc:Fallback>
+          <p:sp>
+            <p:nvSpPr>
+              <p:cNvPr id="6" name="TextBox 5">
+                <a:extLst>
+                  <a:ext uri="{FF2B5EF4-FFF2-40B4-BE49-F238E27FC236}">
+                    <a16:creationId xmlns:a16="http://schemas.microsoft.com/office/drawing/2014/main" id="{DB399144-8987-4440-84D1-52AED1A6EF05}"/>
+                  </a:ext>
+                </a:extLst>
+              </p:cNvPr>
+              <p:cNvSpPr txBox="1">
+                <a:spLocks noRot="1" noChangeAspect="1" noMove="1" noResize="1" noEditPoints="1" noAdjustHandles="1" noChangeArrowheads="1" noChangeShapeType="1" noTextEdit="1"/>
+              </p:cNvSpPr>
+              <p:nvPr/>
+            </p:nvSpPr>
+            <p:spPr>
+              <a:xfrm>
+                <a:off x="3672000" y="1688476"/>
+                <a:ext cx="2217600" cy="672172"/>
+              </a:xfrm>
+              <a:prstGeom prst="rect">
+                <a:avLst/>
+              </a:prstGeom>
+              <a:blipFill>
+                <a:blip r:embed="rId4"/>
+                <a:stretch>
+                  <a:fillRect b="-909"/>
+                </a:stretch>
+              </a:blipFill>
+            </p:spPr>
+            <p:txBody>
+              <a:bodyPr/>
+              <a:lstStyle/>
+              <a:p>
+                <a:r>
+                  <a:rPr lang="en-US">
+                    <a:noFill/>
+                  </a:rPr>
+                  <a:t> </a:t>
+                </a:r>
+              </a:p>
+            </p:txBody>
+          </p:sp>
+        </mc:Fallback>
+      </mc:AlternateContent>
     </p:spTree>
     <p:extLst>
       <p:ext uri="{BB962C8B-B14F-4D97-AF65-F5344CB8AC3E}">
@@ -14707,6 +14940,239 @@
           </a:p>
         </p:txBody>
       </p:sp>
+      <mc:AlternateContent xmlns:mc="http://schemas.openxmlformats.org/markup-compatibility/2006">
+        <mc:Choice xmlns:a14="http://schemas.microsoft.com/office/drawing/2010/main" Requires="a14">
+          <p:sp>
+            <p:nvSpPr>
+              <p:cNvPr id="5" name="TextBox 4">
+                <a:extLst>
+                  <a:ext uri="{FF2B5EF4-FFF2-40B4-BE49-F238E27FC236}">
+                    <a16:creationId xmlns:a16="http://schemas.microsoft.com/office/drawing/2014/main" id="{70E9901D-FE01-4876-9C25-7888A1605419}"/>
+                  </a:ext>
+                </a:extLst>
+              </p:cNvPr>
+              <p:cNvSpPr txBox="1"/>
+              <p:nvPr/>
+            </p:nvSpPr>
+            <p:spPr>
+              <a:xfrm>
+                <a:off x="3672000" y="1688476"/>
+                <a:ext cx="2217600" cy="672172"/>
+              </a:xfrm>
+              <a:prstGeom prst="rect">
+                <a:avLst/>
+              </a:prstGeom>
+              <a:solidFill>
+                <a:schemeClr val="bg1"/>
+              </a:solidFill>
+            </p:spPr>
+            <p:txBody>
+              <a:bodyPr wrap="square" lIns="0" tIns="0" rIns="0" bIns="0" rtlCol="0">
+                <a:spAutoFit/>
+              </a:bodyPr>
+              <a:lstStyle/>
+              <a:p>
+                <a:pPr/>
+                <a14:m>
+                  <m:oMathPara xmlns:m="http://schemas.openxmlformats.org/officeDocument/2006/math">
+                    <m:oMathParaPr>
+                      <m:jc m:val="centerGroup"/>
+                    </m:oMathParaPr>
+                    <m:oMath xmlns:m="http://schemas.openxmlformats.org/officeDocument/2006/math">
+                      <m:r>
+                        <a:rPr lang="en-US" sz="1600" b="0" i="1" smtClean="0">
+                          <a:latin typeface="Cambria Math" panose="02040503050406030204" pitchFamily="18" charset="0"/>
+                        </a:rPr>
+                        <m:t>𝐻</m:t>
+                      </m:r>
+                      <m:r>
+                        <a:rPr lang="en-US" sz="1600" b="0" i="1" smtClean="0">
+                          <a:latin typeface="Cambria Math" panose="02040503050406030204" pitchFamily="18" charset="0"/>
+                        </a:rPr>
+                        <m:t>=−</m:t>
+                      </m:r>
+                      <m:nary>
+                        <m:naryPr>
+                          <m:chr m:val="∑"/>
+                          <m:ctrlPr>
+                            <a:rPr lang="en-US" sz="1600" b="0" i="1" smtClean="0">
+                              <a:latin typeface="Cambria Math" panose="02040503050406030204" pitchFamily="18" charset="0"/>
+                            </a:rPr>
+                          </m:ctrlPr>
+                        </m:naryPr>
+                        <m:sub>
+                          <m:r>
+                            <m:rPr>
+                              <m:brk m:alnAt="23"/>
+                            </m:rPr>
+                            <a:rPr lang="en-US" sz="1600" b="0" i="1" smtClean="0">
+                              <a:latin typeface="Cambria Math" panose="02040503050406030204" pitchFamily="18" charset="0"/>
+                            </a:rPr>
+                            <m:t>𝑖</m:t>
+                          </m:r>
+                          <m:r>
+                            <a:rPr lang="en-US" sz="1600" b="0" i="1" smtClean="0">
+                              <a:latin typeface="Cambria Math" panose="02040503050406030204" pitchFamily="18" charset="0"/>
+                            </a:rPr>
+                            <m:t>=1</m:t>
+                          </m:r>
+                        </m:sub>
+                        <m:sup>
+                          <m:r>
+                            <a:rPr lang="en-US" sz="1600" b="0" i="1" smtClean="0">
+                              <a:latin typeface="Cambria Math" panose="02040503050406030204" pitchFamily="18" charset="0"/>
+                            </a:rPr>
+                            <m:t>𝑛</m:t>
+                          </m:r>
+                        </m:sup>
+                        <m:e>
+                          <m:sSub>
+                            <m:sSubPr>
+                              <m:ctrlPr>
+                                <a:rPr lang="en-US" sz="1600" b="0" i="1" smtClean="0">
+                                  <a:latin typeface="Cambria Math" panose="02040503050406030204" pitchFamily="18" charset="0"/>
+                                </a:rPr>
+                              </m:ctrlPr>
+                            </m:sSubPr>
+                            <m:e>
+                              <m:r>
+                                <a:rPr lang="en-US" sz="1600" b="0" i="1" smtClean="0">
+                                  <a:latin typeface="Cambria Math" panose="02040503050406030204" pitchFamily="18" charset="0"/>
+                                </a:rPr>
+                                <m:t>𝑝</m:t>
+                              </m:r>
+                            </m:e>
+                            <m:sub>
+                              <m:r>
+                                <a:rPr lang="en-US" sz="1600" b="0" i="1" smtClean="0">
+                                  <a:latin typeface="Cambria Math" panose="02040503050406030204" pitchFamily="18" charset="0"/>
+                                </a:rPr>
+                                <m:t>𝑖</m:t>
+                              </m:r>
+                            </m:sub>
+                          </m:sSub>
+                          <m:r>
+                            <a:rPr lang="en-US" sz="1600" b="0" i="1" smtClean="0">
+                              <a:latin typeface="Cambria Math" panose="02040503050406030204" pitchFamily="18" charset="0"/>
+                            </a:rPr>
+                            <m:t>∗</m:t>
+                          </m:r>
+                          <m:sSub>
+                            <m:sSubPr>
+                              <m:ctrlPr>
+                                <a:rPr lang="en-US" sz="1600" b="0" i="1" smtClean="0">
+                                  <a:latin typeface="Cambria Math" panose="02040503050406030204" pitchFamily="18" charset="0"/>
+                                </a:rPr>
+                              </m:ctrlPr>
+                            </m:sSubPr>
+                            <m:e>
+                              <m:r>
+                                <a:rPr lang="en-US" sz="1600" b="0" i="1" smtClean="0">
+                                  <a:latin typeface="Cambria Math" panose="02040503050406030204" pitchFamily="18" charset="0"/>
+                                </a:rPr>
+                                <m:t>𝑙𝑜𝑔</m:t>
+                              </m:r>
+                            </m:e>
+                            <m:sub>
+                              <m:r>
+                                <a:rPr lang="en-US" sz="1600" b="0" i="1" smtClean="0">
+                                  <a:latin typeface="Cambria Math" panose="02040503050406030204" pitchFamily="18" charset="0"/>
+                                </a:rPr>
+                                <m:t>𝑛</m:t>
+                              </m:r>
+                            </m:sub>
+                          </m:sSub>
+                          <m:d>
+                            <m:dPr>
+                              <m:ctrlPr>
+                                <a:rPr lang="en-US" sz="1600" b="0" i="1" smtClean="0">
+                                  <a:latin typeface="Cambria Math" panose="02040503050406030204" pitchFamily="18" charset="0"/>
+                                </a:rPr>
+                              </m:ctrlPr>
+                            </m:dPr>
+                            <m:e>
+                              <m:sSub>
+                                <m:sSubPr>
+                                  <m:ctrlPr>
+                                    <a:rPr lang="en-US" sz="1600" b="0" i="1" smtClean="0">
+                                      <a:latin typeface="Cambria Math" panose="02040503050406030204" pitchFamily="18" charset="0"/>
+                                    </a:rPr>
+                                  </m:ctrlPr>
+                                </m:sSubPr>
+                                <m:e>
+                                  <m:r>
+                                    <a:rPr lang="en-US" sz="1600" b="0" i="1" smtClean="0">
+                                      <a:latin typeface="Cambria Math" panose="02040503050406030204" pitchFamily="18" charset="0"/>
+                                    </a:rPr>
+                                    <m:t>𝑝</m:t>
+                                  </m:r>
+                                </m:e>
+                                <m:sub>
+                                  <m:r>
+                                    <a:rPr lang="en-US" sz="1600" b="0" i="1" smtClean="0">
+                                      <a:latin typeface="Cambria Math" panose="02040503050406030204" pitchFamily="18" charset="0"/>
+                                    </a:rPr>
+                                    <m:t>𝑖</m:t>
+                                  </m:r>
+                                </m:sub>
+                              </m:sSub>
+                            </m:e>
+                          </m:d>
+                        </m:e>
+                      </m:nary>
+                    </m:oMath>
+                  </m:oMathPara>
+                </a14:m>
+                <a:endParaRPr lang="en-US" sz="1600" dirty="0"/>
+              </a:p>
+            </p:txBody>
+          </p:sp>
+        </mc:Choice>
+        <mc:Fallback>
+          <p:sp>
+            <p:nvSpPr>
+              <p:cNvPr id="5" name="TextBox 4">
+                <a:extLst>
+                  <a:ext uri="{FF2B5EF4-FFF2-40B4-BE49-F238E27FC236}">
+                    <a16:creationId xmlns:a16="http://schemas.microsoft.com/office/drawing/2014/main" id="{70E9901D-FE01-4876-9C25-7888A1605419}"/>
+                  </a:ext>
+                </a:extLst>
+              </p:cNvPr>
+              <p:cNvSpPr txBox="1">
+                <a:spLocks noRot="1" noChangeAspect="1" noMove="1" noResize="1" noEditPoints="1" noAdjustHandles="1" noChangeArrowheads="1" noChangeShapeType="1" noTextEdit="1"/>
+              </p:cNvSpPr>
+              <p:nvPr/>
+            </p:nvSpPr>
+            <p:spPr>
+              <a:xfrm>
+                <a:off x="3672000" y="1688476"/>
+                <a:ext cx="2217600" cy="672172"/>
+              </a:xfrm>
+              <a:prstGeom prst="rect">
+                <a:avLst/>
+              </a:prstGeom>
+              <a:blipFill>
+                <a:blip r:embed="rId4"/>
+                <a:stretch>
+                  <a:fillRect b="-909"/>
+                </a:stretch>
+              </a:blipFill>
+            </p:spPr>
+            <p:txBody>
+              <a:bodyPr/>
+              <a:lstStyle/>
+              <a:p>
+                <a:r>
+                  <a:rPr lang="en-US">
+                    <a:noFill/>
+                  </a:rPr>
+                  <a:t> </a:t>
+                </a:r>
+              </a:p>
+            </p:txBody>
+          </p:sp>
+        </mc:Fallback>
+      </mc:AlternateContent>
     </p:spTree>
     <p:extLst>
       <p:ext uri="{BB962C8B-B14F-4D97-AF65-F5344CB8AC3E}">
@@ -14862,6 +15328,239 @@
           </a:prstGeom>
         </p:spPr>
       </p:pic>
+      <mc:AlternateContent xmlns:mc="http://schemas.openxmlformats.org/markup-compatibility/2006">
+        <mc:Choice xmlns:a14="http://schemas.microsoft.com/office/drawing/2010/main" Requires="a14">
+          <p:sp>
+            <p:nvSpPr>
+              <p:cNvPr id="6" name="TextBox 5">
+                <a:extLst>
+                  <a:ext uri="{FF2B5EF4-FFF2-40B4-BE49-F238E27FC236}">
+                    <a16:creationId xmlns:a16="http://schemas.microsoft.com/office/drawing/2014/main" id="{CD96F9F4-B1FD-434B-8D12-8CCAE18E27DC}"/>
+                  </a:ext>
+                </a:extLst>
+              </p:cNvPr>
+              <p:cNvSpPr txBox="1"/>
+              <p:nvPr/>
+            </p:nvSpPr>
+            <p:spPr>
+              <a:xfrm>
+                <a:off x="3672000" y="1688476"/>
+                <a:ext cx="2217600" cy="672172"/>
+              </a:xfrm>
+              <a:prstGeom prst="rect">
+                <a:avLst/>
+              </a:prstGeom>
+              <a:solidFill>
+                <a:schemeClr val="bg1"/>
+              </a:solidFill>
+            </p:spPr>
+            <p:txBody>
+              <a:bodyPr wrap="square" lIns="0" tIns="0" rIns="0" bIns="0" rtlCol="0">
+                <a:spAutoFit/>
+              </a:bodyPr>
+              <a:lstStyle/>
+              <a:p>
+                <a:pPr/>
+                <a14:m>
+                  <m:oMathPara xmlns:m="http://schemas.openxmlformats.org/officeDocument/2006/math">
+                    <m:oMathParaPr>
+                      <m:jc m:val="centerGroup"/>
+                    </m:oMathParaPr>
+                    <m:oMath xmlns:m="http://schemas.openxmlformats.org/officeDocument/2006/math">
+                      <m:r>
+                        <a:rPr lang="en-US" sz="1600" b="0" i="1" smtClean="0">
+                          <a:latin typeface="Cambria Math" panose="02040503050406030204" pitchFamily="18" charset="0"/>
+                        </a:rPr>
+                        <m:t>𝐻</m:t>
+                      </m:r>
+                      <m:r>
+                        <a:rPr lang="en-US" sz="1600" b="0" i="1" smtClean="0">
+                          <a:latin typeface="Cambria Math" panose="02040503050406030204" pitchFamily="18" charset="0"/>
+                        </a:rPr>
+                        <m:t>=−</m:t>
+                      </m:r>
+                      <m:nary>
+                        <m:naryPr>
+                          <m:chr m:val="∑"/>
+                          <m:ctrlPr>
+                            <a:rPr lang="en-US" sz="1600" b="0" i="1" smtClean="0">
+                              <a:latin typeface="Cambria Math" panose="02040503050406030204" pitchFamily="18" charset="0"/>
+                            </a:rPr>
+                          </m:ctrlPr>
+                        </m:naryPr>
+                        <m:sub>
+                          <m:r>
+                            <m:rPr>
+                              <m:brk m:alnAt="23"/>
+                            </m:rPr>
+                            <a:rPr lang="en-US" sz="1600" b="0" i="1" smtClean="0">
+                              <a:latin typeface="Cambria Math" panose="02040503050406030204" pitchFamily="18" charset="0"/>
+                            </a:rPr>
+                            <m:t>𝑖</m:t>
+                          </m:r>
+                          <m:r>
+                            <a:rPr lang="en-US" sz="1600" b="0" i="1" smtClean="0">
+                              <a:latin typeface="Cambria Math" panose="02040503050406030204" pitchFamily="18" charset="0"/>
+                            </a:rPr>
+                            <m:t>=1</m:t>
+                          </m:r>
+                        </m:sub>
+                        <m:sup>
+                          <m:r>
+                            <a:rPr lang="en-US" sz="1600" b="0" i="1" smtClean="0">
+                              <a:latin typeface="Cambria Math" panose="02040503050406030204" pitchFamily="18" charset="0"/>
+                            </a:rPr>
+                            <m:t>𝑛</m:t>
+                          </m:r>
+                        </m:sup>
+                        <m:e>
+                          <m:sSub>
+                            <m:sSubPr>
+                              <m:ctrlPr>
+                                <a:rPr lang="en-US" sz="1600" b="0" i="1" smtClean="0">
+                                  <a:latin typeface="Cambria Math" panose="02040503050406030204" pitchFamily="18" charset="0"/>
+                                </a:rPr>
+                              </m:ctrlPr>
+                            </m:sSubPr>
+                            <m:e>
+                              <m:r>
+                                <a:rPr lang="en-US" sz="1600" b="0" i="1" smtClean="0">
+                                  <a:latin typeface="Cambria Math" panose="02040503050406030204" pitchFamily="18" charset="0"/>
+                                </a:rPr>
+                                <m:t>𝑝</m:t>
+                              </m:r>
+                            </m:e>
+                            <m:sub>
+                              <m:r>
+                                <a:rPr lang="en-US" sz="1600" b="0" i="1" smtClean="0">
+                                  <a:latin typeface="Cambria Math" panose="02040503050406030204" pitchFamily="18" charset="0"/>
+                                </a:rPr>
+                                <m:t>𝑖</m:t>
+                              </m:r>
+                            </m:sub>
+                          </m:sSub>
+                          <m:r>
+                            <a:rPr lang="en-US" sz="1600" b="0" i="1" smtClean="0">
+                              <a:latin typeface="Cambria Math" panose="02040503050406030204" pitchFamily="18" charset="0"/>
+                            </a:rPr>
+                            <m:t>∗</m:t>
+                          </m:r>
+                          <m:sSub>
+                            <m:sSubPr>
+                              <m:ctrlPr>
+                                <a:rPr lang="en-US" sz="1600" b="0" i="1" smtClean="0">
+                                  <a:latin typeface="Cambria Math" panose="02040503050406030204" pitchFamily="18" charset="0"/>
+                                </a:rPr>
+                              </m:ctrlPr>
+                            </m:sSubPr>
+                            <m:e>
+                              <m:r>
+                                <a:rPr lang="en-US" sz="1600" b="0" i="1" smtClean="0">
+                                  <a:latin typeface="Cambria Math" panose="02040503050406030204" pitchFamily="18" charset="0"/>
+                                </a:rPr>
+                                <m:t>𝑙𝑜𝑔</m:t>
+                              </m:r>
+                            </m:e>
+                            <m:sub>
+                              <m:r>
+                                <a:rPr lang="en-US" sz="1600" b="0" i="1" smtClean="0">
+                                  <a:latin typeface="Cambria Math" panose="02040503050406030204" pitchFamily="18" charset="0"/>
+                                </a:rPr>
+                                <m:t>𝑛</m:t>
+                              </m:r>
+                            </m:sub>
+                          </m:sSub>
+                          <m:d>
+                            <m:dPr>
+                              <m:ctrlPr>
+                                <a:rPr lang="en-US" sz="1600" b="0" i="1" smtClean="0">
+                                  <a:latin typeface="Cambria Math" panose="02040503050406030204" pitchFamily="18" charset="0"/>
+                                </a:rPr>
+                              </m:ctrlPr>
+                            </m:dPr>
+                            <m:e>
+                              <m:sSub>
+                                <m:sSubPr>
+                                  <m:ctrlPr>
+                                    <a:rPr lang="en-US" sz="1600" b="0" i="1" smtClean="0">
+                                      <a:latin typeface="Cambria Math" panose="02040503050406030204" pitchFamily="18" charset="0"/>
+                                    </a:rPr>
+                                  </m:ctrlPr>
+                                </m:sSubPr>
+                                <m:e>
+                                  <m:r>
+                                    <a:rPr lang="en-US" sz="1600" b="0" i="1" smtClean="0">
+                                      <a:latin typeface="Cambria Math" panose="02040503050406030204" pitchFamily="18" charset="0"/>
+                                    </a:rPr>
+                                    <m:t>𝑝</m:t>
+                                  </m:r>
+                                </m:e>
+                                <m:sub>
+                                  <m:r>
+                                    <a:rPr lang="en-US" sz="1600" b="0" i="1" smtClean="0">
+                                      <a:latin typeface="Cambria Math" panose="02040503050406030204" pitchFamily="18" charset="0"/>
+                                    </a:rPr>
+                                    <m:t>𝑖</m:t>
+                                  </m:r>
+                                </m:sub>
+                              </m:sSub>
+                            </m:e>
+                          </m:d>
+                        </m:e>
+                      </m:nary>
+                    </m:oMath>
+                  </m:oMathPara>
+                </a14:m>
+                <a:endParaRPr lang="en-US" sz="1600" dirty="0"/>
+              </a:p>
+            </p:txBody>
+          </p:sp>
+        </mc:Choice>
+        <mc:Fallback>
+          <p:sp>
+            <p:nvSpPr>
+              <p:cNvPr id="6" name="TextBox 5">
+                <a:extLst>
+                  <a:ext uri="{FF2B5EF4-FFF2-40B4-BE49-F238E27FC236}">
+                    <a16:creationId xmlns:a16="http://schemas.microsoft.com/office/drawing/2014/main" id="{CD96F9F4-B1FD-434B-8D12-8CCAE18E27DC}"/>
+                  </a:ext>
+                </a:extLst>
+              </p:cNvPr>
+              <p:cNvSpPr txBox="1">
+                <a:spLocks noRot="1" noChangeAspect="1" noMove="1" noResize="1" noEditPoints="1" noAdjustHandles="1" noChangeArrowheads="1" noChangeShapeType="1" noTextEdit="1"/>
+              </p:cNvSpPr>
+              <p:nvPr/>
+            </p:nvSpPr>
+            <p:spPr>
+              <a:xfrm>
+                <a:off x="3672000" y="1688476"/>
+                <a:ext cx="2217600" cy="672172"/>
+              </a:xfrm>
+              <a:prstGeom prst="rect">
+                <a:avLst/>
+              </a:prstGeom>
+              <a:blipFill>
+                <a:blip r:embed="rId5"/>
+                <a:stretch>
+                  <a:fillRect b="-909"/>
+                </a:stretch>
+              </a:blipFill>
+            </p:spPr>
+            <p:txBody>
+              <a:bodyPr/>
+              <a:lstStyle/>
+              <a:p>
+                <a:r>
+                  <a:rPr lang="en-US">
+                    <a:noFill/>
+                  </a:rPr>
+                  <a:t> </a:t>
+                </a:r>
+              </a:p>
+            </p:txBody>
+          </p:sp>
+        </mc:Fallback>
+      </mc:AlternateContent>
     </p:spTree>
     <p:extLst>
       <p:ext uri="{BB962C8B-B14F-4D97-AF65-F5344CB8AC3E}">

--- a/presentations/9_uncert_validation/9. Uncertainty_and_Validation_Beaudette.pptx
+++ b/presentations/9_uncert_validation/9. Uncertainty_and_Validation_Beaudette.pptx
@@ -5,7 +5,7 @@
     <p:sldMasterId id="2147483660" r:id="rId1"/>
   </p:sldMasterIdLst>
   <p:notesMasterIdLst>
-    <p:notesMasterId r:id="rId37"/>
+    <p:notesMasterId r:id="rId38"/>
   </p:notesMasterIdLst>
   <p:sldIdLst>
     <p:sldId id="257" r:id="rId2"/>
@@ -14,35 +14,36 @@
     <p:sldId id="330" r:id="rId5"/>
     <p:sldId id="349" r:id="rId6"/>
     <p:sldId id="304" r:id="rId7"/>
-    <p:sldId id="367" r:id="rId8"/>
-    <p:sldId id="333" r:id="rId9"/>
-    <p:sldId id="347" r:id="rId10"/>
-    <p:sldId id="336" r:id="rId11"/>
-    <p:sldId id="338" r:id="rId12"/>
-    <p:sldId id="340" r:id="rId13"/>
-    <p:sldId id="337" r:id="rId14"/>
-    <p:sldId id="351" r:id="rId15"/>
-    <p:sldId id="353" r:id="rId16"/>
-    <p:sldId id="350" r:id="rId17"/>
-    <p:sldId id="352" r:id="rId18"/>
-    <p:sldId id="346" r:id="rId19"/>
-    <p:sldId id="356" r:id="rId20"/>
-    <p:sldId id="354" r:id="rId21"/>
-    <p:sldId id="334" r:id="rId22"/>
-    <p:sldId id="366" r:id="rId23"/>
-    <p:sldId id="343" r:id="rId24"/>
-    <p:sldId id="365" r:id="rId25"/>
-    <p:sldId id="357" r:id="rId26"/>
-    <p:sldId id="358" r:id="rId27"/>
-    <p:sldId id="364" r:id="rId28"/>
-    <p:sldId id="355" r:id="rId29"/>
-    <p:sldId id="362" r:id="rId30"/>
-    <p:sldId id="360" r:id="rId31"/>
-    <p:sldId id="363" r:id="rId32"/>
-    <p:sldId id="361" r:id="rId33"/>
-    <p:sldId id="317" r:id="rId34"/>
-    <p:sldId id="323" r:id="rId35"/>
-    <p:sldId id="332" r:id="rId36"/>
+    <p:sldId id="368" r:id="rId8"/>
+    <p:sldId id="367" r:id="rId9"/>
+    <p:sldId id="333" r:id="rId10"/>
+    <p:sldId id="347" r:id="rId11"/>
+    <p:sldId id="336" r:id="rId12"/>
+    <p:sldId id="338" r:id="rId13"/>
+    <p:sldId id="340" r:id="rId14"/>
+    <p:sldId id="337" r:id="rId15"/>
+    <p:sldId id="351" r:id="rId16"/>
+    <p:sldId id="353" r:id="rId17"/>
+    <p:sldId id="350" r:id="rId18"/>
+    <p:sldId id="352" r:id="rId19"/>
+    <p:sldId id="346" r:id="rId20"/>
+    <p:sldId id="356" r:id="rId21"/>
+    <p:sldId id="354" r:id="rId22"/>
+    <p:sldId id="334" r:id="rId23"/>
+    <p:sldId id="366" r:id="rId24"/>
+    <p:sldId id="343" r:id="rId25"/>
+    <p:sldId id="365" r:id="rId26"/>
+    <p:sldId id="357" r:id="rId27"/>
+    <p:sldId id="358" r:id="rId28"/>
+    <p:sldId id="364" r:id="rId29"/>
+    <p:sldId id="355" r:id="rId30"/>
+    <p:sldId id="362" r:id="rId31"/>
+    <p:sldId id="360" r:id="rId32"/>
+    <p:sldId id="363" r:id="rId33"/>
+    <p:sldId id="361" r:id="rId34"/>
+    <p:sldId id="317" r:id="rId35"/>
+    <p:sldId id="323" r:id="rId36"/>
+    <p:sldId id="332" r:id="rId37"/>
   </p:sldIdLst>
   <p:sldSz cx="9144000" cy="6858000" type="screen4x3"/>
   <p:notesSz cx="6858000" cy="9144000"/>
@@ -231,7 +232,7 @@
           <a:p>
             <a:fld id="{1FEE0D44-209F-4E48-BF47-5709A25FBC07}" type="datetimeFigureOut">
               <a:rPr lang="en-US" smtClean="0"/>
-              <a:t>2/28/2022</a:t>
+              <a:t>2/26/2023</a:t>
             </a:fld>
             <a:endParaRPr lang="en-US"/>
           </a:p>
@@ -691,7 +692,7 @@
     </p:spTree>
     <p:extLst>
       <p:ext uri="{BB962C8B-B14F-4D97-AF65-F5344CB8AC3E}">
-        <p14:creationId xmlns:p14="http://schemas.microsoft.com/office/powerpoint/2010/main" val="3417546208"/>
+        <p14:creationId xmlns:p14="http://schemas.microsoft.com/office/powerpoint/2010/main" val="2127940514"/>
       </p:ext>
     </p:extLst>
   </p:cSld>
@@ -745,29 +746,6 @@
           <a:bodyPr/>
           <a:lstStyle/>
           <a:p>
-            <a:pPr marL="0" marR="0" lvl="0" indent="0" algn="l" defTabSz="914400" rtl="0" eaLnBrk="1" fontAlgn="auto" latinLnBrk="0" hangingPunct="1">
-              <a:lnSpc>
-                <a:spcPct val="100000"/>
-              </a:lnSpc>
-              <a:spcBef>
-                <a:spcPts val="0"/>
-              </a:spcBef>
-              <a:spcAft>
-                <a:spcPts val="0"/>
-              </a:spcAft>
-              <a:buClrTx/>
-              <a:buSzTx/>
-              <a:buFontTx/>
-              <a:buNone/>
-              <a:tabLst/>
-              <a:defRPr/>
-            </a:pPr>
-            <a:r>
-              <a:rPr lang="en-GB" altLang="en-US" dirty="0"/>
-              <a:t>Three internal validation techniques are shown. Split-sample means that a random split is made, resulting in e.g. a 50% development and a 50% validation sample. Cross-validation uses the same principle, but alternates the development and validation samples (e.g. 50:50 split means 2 development and test rounds; a 90:10 split 10 rounds). The most extreme variant of cross-validation is the ‘jack-knife’, where n-1 patients are used for model development, with validation on the patient who was left out. The bootstrap is however the preferred technique (see next slide).</a:t>
-            </a:r>
-          </a:p>
-          <a:p>
             <a:endParaRPr lang="en-US" dirty="0"/>
           </a:p>
         </p:txBody>
@@ -798,7 +776,7 @@
     </p:spTree>
     <p:extLst>
       <p:ext uri="{BB962C8B-B14F-4D97-AF65-F5344CB8AC3E}">
-        <p14:creationId xmlns:p14="http://schemas.microsoft.com/office/powerpoint/2010/main" val="1122900930"/>
+        <p14:creationId xmlns:p14="http://schemas.microsoft.com/office/powerpoint/2010/main" val="3417546208"/>
       </p:ext>
     </p:extLst>
   </p:cSld>
@@ -852,6 +830,29 @@
           <a:bodyPr/>
           <a:lstStyle/>
           <a:p>
+            <a:pPr marL="0" marR="0" lvl="0" indent="0" algn="l" defTabSz="914400" rtl="0" eaLnBrk="1" fontAlgn="auto" latinLnBrk="0" hangingPunct="1">
+              <a:lnSpc>
+                <a:spcPct val="100000"/>
+              </a:lnSpc>
+              <a:spcBef>
+                <a:spcPts val="0"/>
+              </a:spcBef>
+              <a:spcAft>
+                <a:spcPts val="0"/>
+              </a:spcAft>
+              <a:buClrTx/>
+              <a:buSzTx/>
+              <a:buFontTx/>
+              <a:buNone/>
+              <a:tabLst/>
+              <a:defRPr/>
+            </a:pPr>
+            <a:r>
+              <a:rPr lang="en-GB" altLang="en-US" dirty="0"/>
+              <a:t>Three internal validation techniques are shown. Split-sample means that a random split is made, resulting in e.g. a 50% development and a 50% validation sample. Cross-validation uses the same principle, but alternates the development and validation samples (e.g. 50:50 split means 2 development and test rounds; a 90:10 split 10 rounds). The most extreme variant of cross-validation is the ‘jack-knife’, where n-1 patients are used for model development, with validation on the patient who was left out. The bootstrap is however the preferred technique (see next slide).</a:t>
+            </a:r>
+          </a:p>
+          <a:p>
             <a:endParaRPr lang="en-US" dirty="0"/>
           </a:p>
         </p:txBody>
@@ -882,7 +883,7 @@
     </p:spTree>
     <p:extLst>
       <p:ext uri="{BB962C8B-B14F-4D97-AF65-F5344CB8AC3E}">
-        <p14:creationId xmlns:p14="http://schemas.microsoft.com/office/powerpoint/2010/main" val="1729379841"/>
+        <p14:creationId xmlns:p14="http://schemas.microsoft.com/office/powerpoint/2010/main" val="1122900930"/>
       </p:ext>
     </p:extLst>
   </p:cSld>
@@ -966,7 +967,7 @@
     </p:spTree>
     <p:extLst>
       <p:ext uri="{BB962C8B-B14F-4D97-AF65-F5344CB8AC3E}">
-        <p14:creationId xmlns:p14="http://schemas.microsoft.com/office/powerpoint/2010/main" val="3119576366"/>
+        <p14:creationId xmlns:p14="http://schemas.microsoft.com/office/powerpoint/2010/main" val="1729379841"/>
       </p:ext>
     </p:extLst>
   </p:cSld>
@@ -1050,7 +1051,7 @@
     </p:spTree>
     <p:extLst>
       <p:ext uri="{BB962C8B-B14F-4D97-AF65-F5344CB8AC3E}">
-        <p14:creationId xmlns:p14="http://schemas.microsoft.com/office/powerpoint/2010/main" val="1117246393"/>
+        <p14:creationId xmlns:p14="http://schemas.microsoft.com/office/powerpoint/2010/main" val="3119576366"/>
       </p:ext>
     </p:extLst>
   </p:cSld>
@@ -1134,7 +1135,7 @@
     </p:spTree>
     <p:extLst>
       <p:ext uri="{BB962C8B-B14F-4D97-AF65-F5344CB8AC3E}">
-        <p14:creationId xmlns:p14="http://schemas.microsoft.com/office/powerpoint/2010/main" val="522285589"/>
+        <p14:creationId xmlns:p14="http://schemas.microsoft.com/office/powerpoint/2010/main" val="1117246393"/>
       </p:ext>
     </p:extLst>
   </p:cSld>
@@ -1218,7 +1219,7 @@
     </p:spTree>
     <p:extLst>
       <p:ext uri="{BB962C8B-B14F-4D97-AF65-F5344CB8AC3E}">
-        <p14:creationId xmlns:p14="http://schemas.microsoft.com/office/powerpoint/2010/main" val="4105102242"/>
+        <p14:creationId xmlns:p14="http://schemas.microsoft.com/office/powerpoint/2010/main" val="522285589"/>
       </p:ext>
     </p:extLst>
   </p:cSld>
@@ -1302,7 +1303,7 @@
     </p:spTree>
     <p:extLst>
       <p:ext uri="{BB962C8B-B14F-4D97-AF65-F5344CB8AC3E}">
-        <p14:creationId xmlns:p14="http://schemas.microsoft.com/office/powerpoint/2010/main" val="1869342958"/>
+        <p14:creationId xmlns:p14="http://schemas.microsoft.com/office/powerpoint/2010/main" val="4105102242"/>
       </p:ext>
     </p:extLst>
   </p:cSld>
@@ -1386,7 +1387,7 @@
     </p:spTree>
     <p:extLst>
       <p:ext uri="{BB962C8B-B14F-4D97-AF65-F5344CB8AC3E}">
-        <p14:creationId xmlns:p14="http://schemas.microsoft.com/office/powerpoint/2010/main" val="3985200639"/>
+        <p14:creationId xmlns:p14="http://schemas.microsoft.com/office/powerpoint/2010/main" val="1869342958"/>
       </p:ext>
     </p:extLst>
   </p:cSld>
@@ -1470,7 +1471,7 @@
     </p:spTree>
     <p:extLst>
       <p:ext uri="{BB962C8B-B14F-4D97-AF65-F5344CB8AC3E}">
-        <p14:creationId xmlns:p14="http://schemas.microsoft.com/office/powerpoint/2010/main" val="2566962196"/>
+        <p14:creationId xmlns:p14="http://schemas.microsoft.com/office/powerpoint/2010/main" val="3985200639"/>
       </p:ext>
     </p:extLst>
   </p:cSld>
@@ -1638,7 +1639,7 @@
     </p:spTree>
     <p:extLst>
       <p:ext uri="{BB962C8B-B14F-4D97-AF65-F5344CB8AC3E}">
-        <p14:creationId xmlns:p14="http://schemas.microsoft.com/office/powerpoint/2010/main" val="317085200"/>
+        <p14:creationId xmlns:p14="http://schemas.microsoft.com/office/powerpoint/2010/main" val="2566962196"/>
       </p:ext>
     </p:extLst>
   </p:cSld>
@@ -1722,7 +1723,7 @@
     </p:spTree>
     <p:extLst>
       <p:ext uri="{BB962C8B-B14F-4D97-AF65-F5344CB8AC3E}">
-        <p14:creationId xmlns:p14="http://schemas.microsoft.com/office/powerpoint/2010/main" val="2536461624"/>
+        <p14:creationId xmlns:p14="http://schemas.microsoft.com/office/powerpoint/2010/main" val="317085200"/>
       </p:ext>
     </p:extLst>
   </p:cSld>
@@ -1776,10 +1777,7 @@
           <a:bodyPr/>
           <a:lstStyle/>
           <a:p>
-            <a:r>
-              <a:rPr lang="en-US" dirty="0"/>
-              <a:t>related, but not the same</a:t>
-            </a:r>
+            <a:endParaRPr lang="en-US" dirty="0"/>
           </a:p>
         </p:txBody>
       </p:sp>
@@ -1809,7 +1807,7 @@
     </p:spTree>
     <p:extLst>
       <p:ext uri="{BB962C8B-B14F-4D97-AF65-F5344CB8AC3E}">
-        <p14:creationId xmlns:p14="http://schemas.microsoft.com/office/powerpoint/2010/main" val="1124252021"/>
+        <p14:creationId xmlns:p14="http://schemas.microsoft.com/office/powerpoint/2010/main" val="2536461624"/>
       </p:ext>
     </p:extLst>
   </p:cSld>
@@ -1863,7 +1861,10 @@
           <a:bodyPr/>
           <a:lstStyle/>
           <a:p>
-            <a:endParaRPr lang="en-US" dirty="0"/>
+            <a:r>
+              <a:rPr lang="en-US" dirty="0"/>
+              <a:t>related, but not the same</a:t>
+            </a:r>
           </a:p>
         </p:txBody>
       </p:sp>
@@ -1893,7 +1894,7 @@
     </p:spTree>
     <p:extLst>
       <p:ext uri="{BB962C8B-B14F-4D97-AF65-F5344CB8AC3E}">
-        <p14:creationId xmlns:p14="http://schemas.microsoft.com/office/powerpoint/2010/main" val="2698843015"/>
+        <p14:creationId xmlns:p14="http://schemas.microsoft.com/office/powerpoint/2010/main" val="1124252021"/>
       </p:ext>
     </p:extLst>
   </p:cSld>
@@ -1977,7 +1978,7 @@
     </p:spTree>
     <p:extLst>
       <p:ext uri="{BB962C8B-B14F-4D97-AF65-F5344CB8AC3E}">
-        <p14:creationId xmlns:p14="http://schemas.microsoft.com/office/powerpoint/2010/main" val="1426037521"/>
+        <p14:creationId xmlns:p14="http://schemas.microsoft.com/office/powerpoint/2010/main" val="2698843015"/>
       </p:ext>
     </p:extLst>
   </p:cSld>
@@ -2061,7 +2062,7 @@
     </p:spTree>
     <p:extLst>
       <p:ext uri="{BB962C8B-B14F-4D97-AF65-F5344CB8AC3E}">
-        <p14:creationId xmlns:p14="http://schemas.microsoft.com/office/powerpoint/2010/main" val="215829746"/>
+        <p14:creationId xmlns:p14="http://schemas.microsoft.com/office/powerpoint/2010/main" val="1426037521"/>
       </p:ext>
     </p:extLst>
   </p:cSld>
@@ -2145,7 +2146,7 @@
     </p:spTree>
     <p:extLst>
       <p:ext uri="{BB962C8B-B14F-4D97-AF65-F5344CB8AC3E}">
-        <p14:creationId xmlns:p14="http://schemas.microsoft.com/office/powerpoint/2010/main" val="1415862704"/>
+        <p14:creationId xmlns:p14="http://schemas.microsoft.com/office/powerpoint/2010/main" val="215829746"/>
       </p:ext>
     </p:extLst>
   </p:cSld>
@@ -2229,7 +2230,7 @@
     </p:spTree>
     <p:extLst>
       <p:ext uri="{BB962C8B-B14F-4D97-AF65-F5344CB8AC3E}">
-        <p14:creationId xmlns:p14="http://schemas.microsoft.com/office/powerpoint/2010/main" val="1499160887"/>
+        <p14:creationId xmlns:p14="http://schemas.microsoft.com/office/powerpoint/2010/main" val="1415862704"/>
       </p:ext>
     </p:extLst>
   </p:cSld>
@@ -2283,10 +2284,7 @@
           <a:bodyPr/>
           <a:lstStyle/>
           <a:p>
-            <a:r>
-              <a:rPr lang="en-US" dirty="0"/>
-              <a:t>using normalized Shannon entropy</a:t>
-            </a:r>
+            <a:endParaRPr lang="en-US" dirty="0"/>
           </a:p>
         </p:txBody>
       </p:sp>
@@ -2316,7 +2314,7 @@
     </p:spTree>
     <p:extLst>
       <p:ext uri="{BB962C8B-B14F-4D97-AF65-F5344CB8AC3E}">
-        <p14:creationId xmlns:p14="http://schemas.microsoft.com/office/powerpoint/2010/main" val="3494189358"/>
+        <p14:creationId xmlns:p14="http://schemas.microsoft.com/office/powerpoint/2010/main" val="1499160887"/>
       </p:ext>
     </p:extLst>
   </p:cSld>
@@ -2370,7 +2368,10 @@
           <a:bodyPr/>
           <a:lstStyle/>
           <a:p>
-            <a:endParaRPr lang="en-US" dirty="0"/>
+            <a:r>
+              <a:rPr lang="en-US" dirty="0"/>
+              <a:t>using normalized Shannon entropy</a:t>
+            </a:r>
           </a:p>
         </p:txBody>
       </p:sp>
@@ -2400,7 +2401,7 @@
     </p:spTree>
     <p:extLst>
       <p:ext uri="{BB962C8B-B14F-4D97-AF65-F5344CB8AC3E}">
-        <p14:creationId xmlns:p14="http://schemas.microsoft.com/office/powerpoint/2010/main" val="2394130383"/>
+        <p14:creationId xmlns:p14="http://schemas.microsoft.com/office/powerpoint/2010/main" val="3494189358"/>
       </p:ext>
     </p:extLst>
   </p:cSld>
@@ -2570,14 +2571,7 @@
           <a:bodyPr/>
           <a:lstStyle/>
           <a:p>
-            <a:r>
-              <a:rPr lang="en-US" dirty="0" err="1"/>
-              <a:t>DSMorph</a:t>
-            </a:r>
-            <a:r>
-              <a:rPr lang="en-US" dirty="0"/>
-              <a:t> Book chapter 18</a:t>
-            </a:r>
+            <a:endParaRPr lang="en-US" dirty="0"/>
           </a:p>
         </p:txBody>
       </p:sp>
@@ -2607,7 +2601,7 @@
     </p:spTree>
     <p:extLst>
       <p:ext uri="{BB962C8B-B14F-4D97-AF65-F5344CB8AC3E}">
-        <p14:creationId xmlns:p14="http://schemas.microsoft.com/office/powerpoint/2010/main" val="4268769645"/>
+        <p14:creationId xmlns:p14="http://schemas.microsoft.com/office/powerpoint/2010/main" val="2394130383"/>
       </p:ext>
     </p:extLst>
   </p:cSld>
@@ -2662,8 +2656,12 @@
           <a:lstStyle/>
           <a:p>
             <a:r>
+              <a:rPr lang="en-US" dirty="0" err="1"/>
+              <a:t>DSMorph</a:t>
+            </a:r>
+            <a:r>
               <a:rPr lang="en-US" dirty="0"/>
-              <a:t>https://acsess.onlinelibrary.wiley.com/doi/10.1002/saj2.20219</a:t>
+              <a:t> Book chapter 18</a:t>
             </a:r>
           </a:p>
         </p:txBody>
@@ -2694,7 +2692,7 @@
     </p:spTree>
     <p:extLst>
       <p:ext uri="{BB962C8B-B14F-4D97-AF65-F5344CB8AC3E}">
-        <p14:creationId xmlns:p14="http://schemas.microsoft.com/office/powerpoint/2010/main" val="1356851544"/>
+        <p14:creationId xmlns:p14="http://schemas.microsoft.com/office/powerpoint/2010/main" val="4268769645"/>
       </p:ext>
     </p:extLst>
   </p:cSld>
@@ -2748,7 +2746,10 @@
           <a:bodyPr/>
           <a:lstStyle/>
           <a:p>
-            <a:endParaRPr lang="en-US" dirty="0"/>
+            <a:r>
+              <a:rPr lang="en-US" dirty="0"/>
+              <a:t>https://acsess.onlinelibrary.wiley.com/doi/10.1002/saj2.20219</a:t>
+            </a:r>
           </a:p>
         </p:txBody>
       </p:sp>
@@ -2778,7 +2779,7 @@
     </p:spTree>
     <p:extLst>
       <p:ext uri="{BB962C8B-B14F-4D97-AF65-F5344CB8AC3E}">
-        <p14:creationId xmlns:p14="http://schemas.microsoft.com/office/powerpoint/2010/main" val="3508908563"/>
+        <p14:creationId xmlns:p14="http://schemas.microsoft.com/office/powerpoint/2010/main" val="1356851544"/>
       </p:ext>
     </p:extLst>
   </p:cSld>
@@ -2862,7 +2863,7 @@
     </p:spTree>
     <p:extLst>
       <p:ext uri="{BB962C8B-B14F-4D97-AF65-F5344CB8AC3E}">
-        <p14:creationId xmlns:p14="http://schemas.microsoft.com/office/powerpoint/2010/main" val="157695685"/>
+        <p14:creationId xmlns:p14="http://schemas.microsoft.com/office/powerpoint/2010/main" val="3508908563"/>
       </p:ext>
     </p:extLst>
   </p:cSld>
@@ -2946,7 +2947,7 @@
     </p:spTree>
     <p:extLst>
       <p:ext uri="{BB962C8B-B14F-4D97-AF65-F5344CB8AC3E}">
-        <p14:creationId xmlns:p14="http://schemas.microsoft.com/office/powerpoint/2010/main" val="945491892"/>
+        <p14:creationId xmlns:p14="http://schemas.microsoft.com/office/powerpoint/2010/main" val="157695685"/>
       </p:ext>
     </p:extLst>
   </p:cSld>
@@ -3022,6 +3023,90 @@
             <a:fld id="{459BFACE-0DFB-44A8-9511-CBB7B0A920B6}" type="slidenum">
               <a:rPr lang="en-US" smtClean="0"/>
               <a:t>35</a:t>
+            </a:fld>
+            <a:endParaRPr lang="en-US"/>
+          </a:p>
+        </p:txBody>
+      </p:sp>
+    </p:spTree>
+    <p:extLst>
+      <p:ext uri="{BB962C8B-B14F-4D97-AF65-F5344CB8AC3E}">
+        <p14:creationId xmlns:p14="http://schemas.microsoft.com/office/powerpoint/2010/main" val="945491892"/>
+      </p:ext>
+    </p:extLst>
+  </p:cSld>
+  <p:clrMapOvr>
+    <a:masterClrMapping/>
+  </p:clrMapOvr>
+</p:notes>
+</file>
+
+<file path=ppt/notesSlides/notesSlide36.xml><?xml version="1.0" encoding="utf-8"?>
+<p:notes xmlns:a="http://schemas.openxmlformats.org/drawingml/2006/main" xmlns:r="http://schemas.openxmlformats.org/officeDocument/2006/relationships" xmlns:p="http://schemas.openxmlformats.org/presentationml/2006/main">
+  <p:cSld>
+    <p:spTree>
+      <p:nvGrpSpPr>
+        <p:cNvPr id="1" name=""/>
+        <p:cNvGrpSpPr/>
+        <p:nvPr/>
+      </p:nvGrpSpPr>
+      <p:grpSpPr>
+        <a:xfrm>
+          <a:off x="0" y="0"/>
+          <a:ext cx="0" cy="0"/>
+          <a:chOff x="0" y="0"/>
+          <a:chExt cx="0" cy="0"/>
+        </a:xfrm>
+      </p:grpSpPr>
+      <p:sp>
+        <p:nvSpPr>
+          <p:cNvPr id="2" name="Slide Image Placeholder 1"/>
+          <p:cNvSpPr>
+            <a:spLocks noGrp="1" noRot="1" noChangeAspect="1"/>
+          </p:cNvSpPr>
+          <p:nvPr>
+            <p:ph type="sldImg"/>
+          </p:nvPr>
+        </p:nvSpPr>
+        <p:spPr/>
+      </p:sp>
+      <p:sp>
+        <p:nvSpPr>
+          <p:cNvPr id="3" name="Notes Placeholder 2"/>
+          <p:cNvSpPr>
+            <a:spLocks noGrp="1"/>
+          </p:cNvSpPr>
+          <p:nvPr>
+            <p:ph type="body" idx="1"/>
+          </p:nvPr>
+        </p:nvSpPr>
+        <p:spPr/>
+        <p:txBody>
+          <a:bodyPr/>
+          <a:lstStyle/>
+          <a:p>
+            <a:endParaRPr lang="en-US" dirty="0"/>
+          </a:p>
+        </p:txBody>
+      </p:sp>
+      <p:sp>
+        <p:nvSpPr>
+          <p:cNvPr id="4" name="Slide Number Placeholder 3"/>
+          <p:cNvSpPr>
+            <a:spLocks noGrp="1"/>
+          </p:cNvSpPr>
+          <p:nvPr>
+            <p:ph type="sldNum" sz="quarter" idx="10"/>
+          </p:nvPr>
+        </p:nvSpPr>
+        <p:spPr/>
+        <p:txBody>
+          <a:bodyPr/>
+          <a:lstStyle/>
+          <a:p>
+            <a:fld id="{459BFACE-0DFB-44A8-9511-CBB7B0A920B6}" type="slidenum">
+              <a:rPr lang="en-US" smtClean="0"/>
+              <a:t>36</a:t>
             </a:fld>
             <a:endParaRPr lang="en-US"/>
           </a:p>
@@ -3378,26 +3463,7 @@
           <a:bodyPr/>
           <a:lstStyle/>
           <a:p>
-            <a:r>
-              <a:rPr lang="en-US" dirty="0"/>
-              <a:t>TODO: demonstrate adjusting </a:t>
-            </a:r>
-            <a:r>
-              <a:rPr lang="en-US" dirty="0" err="1"/>
-              <a:t>nodesize</a:t>
-            </a:r>
-            <a:r>
-              <a:rPr lang="en-US" dirty="0"/>
-              <a:t> argument to </a:t>
-            </a:r>
-            <a:r>
-              <a:rPr lang="en-US" dirty="0" err="1"/>
-              <a:t>randomForest</a:t>
-            </a:r>
-            <a:r>
-              <a:rPr lang="en-US" dirty="0"/>
-              <a:t>()</a:t>
-            </a:r>
+            <a:endParaRPr lang="en-US" dirty="0"/>
           </a:p>
         </p:txBody>
       </p:sp>
@@ -3427,7 +3493,7 @@
     </p:spTree>
     <p:extLst>
       <p:ext uri="{BB962C8B-B14F-4D97-AF65-F5344CB8AC3E}">
-        <p14:creationId xmlns:p14="http://schemas.microsoft.com/office/powerpoint/2010/main" val="1911420119"/>
+        <p14:creationId xmlns:p14="http://schemas.microsoft.com/office/powerpoint/2010/main" val="1403791209"/>
       </p:ext>
     </p:extLst>
   </p:cSld>
@@ -3482,121 +3548,25 @@
           <a:lstStyle/>
           <a:p>
             <a:r>
-              <a:rPr lang="en-US" sz="1200" b="0" i="0" kern="1200" dirty="0">
-                <a:solidFill>
-                  <a:schemeClr val="tx1"/>
-                </a:solidFill>
-                <a:effectLst/>
-                <a:latin typeface="+mn-lt"/>
-                <a:ea typeface="+mn-ea"/>
-                <a:cs typeface="+mn-cs"/>
-              </a:rPr>
-              <a:t>The top panel represents the smooth surface fit by multinomial logistic regression. These smooth surfaces lend to testable interpretations such as “the transition between STR per 1,000’ of elevation gain follows XXX”. This is far more useful when the model includes other factors such as annual beam radiance and the effect of cold air drainages. Absolute accuracy is sacrificed for a general (e.g. continuous over predictors) representation of the system that can support inference. Another example, “at elevation XXX, what is the average effect of moving from a south-facing slope to a north-facing slope?”.</a:t>
-            </a:r>
-          </a:p>
-          <a:p>
-            <a:endParaRPr lang="en-US" sz="1200" b="0" i="0" kern="1200" dirty="0">
-              <a:solidFill>
-                <a:schemeClr val="tx1"/>
-              </a:solidFill>
-              <a:effectLst/>
-              <a:latin typeface="+mn-lt"/>
-              <a:ea typeface="+mn-ea"/>
-              <a:cs typeface="+mn-cs"/>
-            </a:endParaRPr>
-          </a:p>
-          <a:p>
-            <a:r>
-              <a:rPr lang="en-US" sz="1200" b="0" i="0" kern="1200" dirty="0">
-                <a:solidFill>
-                  <a:schemeClr val="tx1"/>
-                </a:solidFill>
-                <a:effectLst/>
-                <a:latin typeface="+mn-lt"/>
-                <a:ea typeface="+mn-ea"/>
-                <a:cs typeface="+mn-cs"/>
-              </a:rPr>
-              <a:t>The second panel down represents the hard thresholds generated by an algorithm from the tree-based classification framework (e.g. recursive partitioning trees via </a:t>
-            </a:r>
-            <a:r>
-              <a:rPr lang="en-US" sz="1200" b="0" i="0" kern="1200" dirty="0" err="1">
-                <a:solidFill>
-                  <a:schemeClr val="tx1"/>
-                </a:solidFill>
-                <a:effectLst/>
-                <a:latin typeface="+mn-lt"/>
-                <a:ea typeface="+mn-ea"/>
-                <a:cs typeface="+mn-cs"/>
-              </a:rPr>
-              <a:t>rpart</a:t>
-            </a:r>
-            <a:r>
-              <a:rPr lang="en-US" sz="1200" b="0" i="0" kern="1200" dirty="0">
-                <a:solidFill>
-                  <a:schemeClr val="tx1"/>
-                </a:solidFill>
-                <a:effectLst/>
-                <a:latin typeface="+mn-lt"/>
-                <a:ea typeface="+mn-ea"/>
-                <a:cs typeface="+mn-cs"/>
-              </a:rPr>
-              <a:t>). Accuracy is about the same as the MLR approach and the hard breaks can be interpreted as “reasonable” cut points or thresholds that may have links to physical processes. Note that the cut points identified by this framework are very close to the 50% probability cross-over points in the MLR panel. The result is a (potentially) pragmatic partitioning of reality that can support decisions but not inference (e.g. “rate of change in </a:t>
-            </a:r>
-            <a:r>
-              <a:rPr lang="en-US" sz="1200" b="0" i="0" kern="1200" dirty="0" err="1">
-                <a:solidFill>
-                  <a:schemeClr val="tx1"/>
-                </a:solidFill>
-                <a:effectLst/>
-                <a:latin typeface="+mn-lt"/>
-                <a:ea typeface="+mn-ea"/>
-                <a:cs typeface="+mn-cs"/>
-              </a:rPr>
-              <a:t>Pr</a:t>
-            </a:r>
-            <a:r>
-              <a:rPr lang="en-US" sz="1200" b="0" i="0" kern="1200" dirty="0">
-                <a:solidFill>
-                  <a:schemeClr val="tx1"/>
-                </a:solidFill>
-                <a:effectLst/>
-                <a:latin typeface="+mn-lt"/>
-                <a:ea typeface="+mn-ea"/>
-                <a:cs typeface="+mn-cs"/>
-              </a:rPr>
-              <a:t>(STR) vs. 1000’ elevation gain”).</a:t>
-            </a:r>
-          </a:p>
-          <a:p>
-            <a:endParaRPr lang="en-US" sz="1200" b="0" i="0" kern="1200" dirty="0">
-              <a:solidFill>
-                <a:schemeClr val="tx1"/>
-              </a:solidFill>
-              <a:effectLst/>
-              <a:latin typeface="+mn-lt"/>
-              <a:ea typeface="+mn-ea"/>
-              <a:cs typeface="+mn-cs"/>
-            </a:endParaRPr>
-          </a:p>
-          <a:p>
-            <a:r>
-              <a:rPr lang="en-US" sz="1200" b="0" i="0" kern="1200" dirty="0">
-                <a:solidFill>
-                  <a:schemeClr val="tx1"/>
-                </a:solidFill>
-                <a:effectLst/>
-                <a:latin typeface="+mn-lt"/>
-                <a:ea typeface="+mn-ea"/>
-                <a:cs typeface="+mn-cs"/>
-              </a:rPr>
-              <a:t>The third panel down represents the nearly-exact (over?) fitting of STR probabilities generated by the random forest framework. This approach builds thousands of classification trees and (roughly) averages them together. The results are incredible (unbelievable?) within-training-set accuracy (99% here) at the expense of an interpretable model. That isn’t always a problem: sometimes predictions are all that we have time for. That said, this framework requires a 100x larger training sample (vs. MLR) and an independent validation data set before it can be trusted on new data.</a:t>
-            </a:r>
-          </a:p>
-          <a:p>
-            <a:br>
               <a:rPr lang="en-US" dirty="0"/>
-            </a:br>
-            <a:endParaRPr lang="en-US" dirty="0"/>
+              <a:t>TODO: demonstrate adjusting </a:t>
+            </a:r>
+            <a:r>
+              <a:rPr lang="en-US" dirty="0" err="1"/>
+              <a:t>nodesize</a:t>
+            </a:r>
+            <a:r>
+              <a:rPr lang="en-US" dirty="0"/>
+              <a:t> argument to </a:t>
+            </a:r>
+            <a:r>
+              <a:rPr lang="en-US" dirty="0" err="1"/>
+              <a:t>randomForest</a:t>
+            </a:r>
+            <a:r>
+              <a:rPr lang="en-US" dirty="0"/>
+              <a:t>()</a:t>
+            </a:r>
           </a:p>
         </p:txBody>
       </p:sp>
@@ -3626,7 +3596,7 @@
     </p:spTree>
     <p:extLst>
       <p:ext uri="{BB962C8B-B14F-4D97-AF65-F5344CB8AC3E}">
-        <p14:creationId xmlns:p14="http://schemas.microsoft.com/office/powerpoint/2010/main" val="859577372"/>
+        <p14:creationId xmlns:p14="http://schemas.microsoft.com/office/powerpoint/2010/main" val="1911420119"/>
       </p:ext>
     </p:extLst>
   </p:cSld>
@@ -3680,6 +3650,121 @@
           <a:bodyPr/>
           <a:lstStyle/>
           <a:p>
+            <a:r>
+              <a:rPr lang="en-US" sz="1200" b="0" i="0" kern="1200" dirty="0">
+                <a:solidFill>
+                  <a:schemeClr val="tx1"/>
+                </a:solidFill>
+                <a:effectLst/>
+                <a:latin typeface="+mn-lt"/>
+                <a:ea typeface="+mn-ea"/>
+                <a:cs typeface="+mn-cs"/>
+              </a:rPr>
+              <a:t>The top panel represents the smooth surface fit by multinomial logistic regression. These smooth surfaces lend to testable interpretations such as “the transition between STR per 1,000’ of elevation gain follows XXX”. This is far more useful when the model includes other factors such as annual beam radiance and the effect of cold air drainages. Absolute accuracy is sacrificed for a general (e.g. continuous over predictors) representation of the system that can support inference. Another example, “at elevation XXX, what is the average effect of moving from a south-facing slope to a north-facing slope?”.</a:t>
+            </a:r>
+          </a:p>
+          <a:p>
+            <a:endParaRPr lang="en-US" sz="1200" b="0" i="0" kern="1200" dirty="0">
+              <a:solidFill>
+                <a:schemeClr val="tx1"/>
+              </a:solidFill>
+              <a:effectLst/>
+              <a:latin typeface="+mn-lt"/>
+              <a:ea typeface="+mn-ea"/>
+              <a:cs typeface="+mn-cs"/>
+            </a:endParaRPr>
+          </a:p>
+          <a:p>
+            <a:r>
+              <a:rPr lang="en-US" sz="1200" b="0" i="0" kern="1200" dirty="0">
+                <a:solidFill>
+                  <a:schemeClr val="tx1"/>
+                </a:solidFill>
+                <a:effectLst/>
+                <a:latin typeface="+mn-lt"/>
+                <a:ea typeface="+mn-ea"/>
+                <a:cs typeface="+mn-cs"/>
+              </a:rPr>
+              <a:t>The second panel down represents the hard thresholds generated by an algorithm from the tree-based classification framework (e.g. recursive partitioning trees via </a:t>
+            </a:r>
+            <a:r>
+              <a:rPr lang="en-US" sz="1200" b="0" i="0" kern="1200" dirty="0" err="1">
+                <a:solidFill>
+                  <a:schemeClr val="tx1"/>
+                </a:solidFill>
+                <a:effectLst/>
+                <a:latin typeface="+mn-lt"/>
+                <a:ea typeface="+mn-ea"/>
+                <a:cs typeface="+mn-cs"/>
+              </a:rPr>
+              <a:t>rpart</a:t>
+            </a:r>
+            <a:r>
+              <a:rPr lang="en-US" sz="1200" b="0" i="0" kern="1200" dirty="0">
+                <a:solidFill>
+                  <a:schemeClr val="tx1"/>
+                </a:solidFill>
+                <a:effectLst/>
+                <a:latin typeface="+mn-lt"/>
+                <a:ea typeface="+mn-ea"/>
+                <a:cs typeface="+mn-cs"/>
+              </a:rPr>
+              <a:t>). Accuracy is about the same as the MLR approach and the hard breaks can be interpreted as “reasonable” cut points or thresholds that may have links to physical processes. Note that the cut points identified by this framework are very close to the 50% probability cross-over points in the MLR panel. The result is a (potentially) pragmatic partitioning of reality that can support decisions but not inference (e.g. “rate of change in </a:t>
+            </a:r>
+            <a:r>
+              <a:rPr lang="en-US" sz="1200" b="0" i="0" kern="1200" dirty="0" err="1">
+                <a:solidFill>
+                  <a:schemeClr val="tx1"/>
+                </a:solidFill>
+                <a:effectLst/>
+                <a:latin typeface="+mn-lt"/>
+                <a:ea typeface="+mn-ea"/>
+                <a:cs typeface="+mn-cs"/>
+              </a:rPr>
+              <a:t>Pr</a:t>
+            </a:r>
+            <a:r>
+              <a:rPr lang="en-US" sz="1200" b="0" i="0" kern="1200" dirty="0">
+                <a:solidFill>
+                  <a:schemeClr val="tx1"/>
+                </a:solidFill>
+                <a:effectLst/>
+                <a:latin typeface="+mn-lt"/>
+                <a:ea typeface="+mn-ea"/>
+                <a:cs typeface="+mn-cs"/>
+              </a:rPr>
+              <a:t>(STR) vs. 1000’ elevation gain”).</a:t>
+            </a:r>
+          </a:p>
+          <a:p>
+            <a:endParaRPr lang="en-US" sz="1200" b="0" i="0" kern="1200" dirty="0">
+              <a:solidFill>
+                <a:schemeClr val="tx1"/>
+              </a:solidFill>
+              <a:effectLst/>
+              <a:latin typeface="+mn-lt"/>
+              <a:ea typeface="+mn-ea"/>
+              <a:cs typeface="+mn-cs"/>
+            </a:endParaRPr>
+          </a:p>
+          <a:p>
+            <a:r>
+              <a:rPr lang="en-US" sz="1200" b="0" i="0" kern="1200" dirty="0">
+                <a:solidFill>
+                  <a:schemeClr val="tx1"/>
+                </a:solidFill>
+                <a:effectLst/>
+                <a:latin typeface="+mn-lt"/>
+                <a:ea typeface="+mn-ea"/>
+                <a:cs typeface="+mn-cs"/>
+              </a:rPr>
+              <a:t>The third panel down represents the nearly-exact (over?) fitting of STR probabilities generated by the random forest framework. This approach builds thousands of classification trees and (roughly) averages them together. The results are incredible (unbelievable?) within-training-set accuracy (99% here) at the expense of an interpretable model. That isn’t always a problem: sometimes predictions are all that we have time for. That said, this framework requires a 100x larger training sample (vs. MLR) and an independent validation data set before it can be trusted on new data.</a:t>
+            </a:r>
+          </a:p>
+          <a:p>
+            <a:br>
+              <a:rPr lang="en-US" dirty="0"/>
+            </a:br>
             <a:endParaRPr lang="en-US" dirty="0"/>
           </a:p>
         </p:txBody>
@@ -3710,7 +3795,7 @@
     </p:spTree>
     <p:extLst>
       <p:ext uri="{BB962C8B-B14F-4D97-AF65-F5344CB8AC3E}">
-        <p14:creationId xmlns:p14="http://schemas.microsoft.com/office/powerpoint/2010/main" val="2127940514"/>
+        <p14:creationId xmlns:p14="http://schemas.microsoft.com/office/powerpoint/2010/main" val="859577372"/>
       </p:ext>
     </p:extLst>
   </p:cSld>
@@ -3851,7 +3936,7 @@
           <a:p>
             <a:fld id="{ED142E25-4D6A-4E84-A843-638D116E87AA}" type="datetimeFigureOut">
               <a:rPr lang="en-US" smtClean="0"/>
-              <a:t>2/28/2022</a:t>
+              <a:t>2/26/2023</a:t>
             </a:fld>
             <a:endParaRPr lang="en-US"/>
           </a:p>
@@ -4021,7 +4106,7 @@
           <a:p>
             <a:fld id="{ED142E25-4D6A-4E84-A843-638D116E87AA}" type="datetimeFigureOut">
               <a:rPr lang="en-US" smtClean="0"/>
-              <a:t>2/28/2022</a:t>
+              <a:t>2/26/2023</a:t>
             </a:fld>
             <a:endParaRPr lang="en-US"/>
           </a:p>
@@ -4201,7 +4286,7 @@
           <a:p>
             <a:fld id="{ED142E25-4D6A-4E84-A843-638D116E87AA}" type="datetimeFigureOut">
               <a:rPr lang="en-US" smtClean="0"/>
-              <a:t>2/28/2022</a:t>
+              <a:t>2/26/2023</a:t>
             </a:fld>
             <a:endParaRPr lang="en-US"/>
           </a:p>
@@ -4371,7 +4456,7 @@
           <a:p>
             <a:fld id="{ED142E25-4D6A-4E84-A843-638D116E87AA}" type="datetimeFigureOut">
               <a:rPr lang="en-US" smtClean="0"/>
-              <a:t>2/28/2022</a:t>
+              <a:t>2/26/2023</a:t>
             </a:fld>
             <a:endParaRPr lang="en-US"/>
           </a:p>
@@ -4615,7 +4700,7 @@
           <a:p>
             <a:fld id="{ED142E25-4D6A-4E84-A843-638D116E87AA}" type="datetimeFigureOut">
               <a:rPr lang="en-US" smtClean="0"/>
-              <a:t>2/28/2022</a:t>
+              <a:t>2/26/2023</a:t>
             </a:fld>
             <a:endParaRPr lang="en-US"/>
           </a:p>
@@ -4847,7 +4932,7 @@
           <a:p>
             <a:fld id="{ED142E25-4D6A-4E84-A843-638D116E87AA}" type="datetimeFigureOut">
               <a:rPr lang="en-US" smtClean="0"/>
-              <a:t>2/28/2022</a:t>
+              <a:t>2/26/2023</a:t>
             </a:fld>
             <a:endParaRPr lang="en-US"/>
           </a:p>
@@ -5214,7 +5299,7 @@
           <a:p>
             <a:fld id="{ED142E25-4D6A-4E84-A843-638D116E87AA}" type="datetimeFigureOut">
               <a:rPr lang="en-US" smtClean="0"/>
-              <a:t>2/28/2022</a:t>
+              <a:t>2/26/2023</a:t>
             </a:fld>
             <a:endParaRPr lang="en-US"/>
           </a:p>
@@ -5332,7 +5417,7 @@
           <a:p>
             <a:fld id="{ED142E25-4D6A-4E84-A843-638D116E87AA}" type="datetimeFigureOut">
               <a:rPr lang="en-US" smtClean="0"/>
-              <a:t>2/28/2022</a:t>
+              <a:t>2/26/2023</a:t>
             </a:fld>
             <a:endParaRPr lang="en-US"/>
           </a:p>
@@ -5427,7 +5512,7 @@
           <a:p>
             <a:fld id="{ED142E25-4D6A-4E84-A843-638D116E87AA}" type="datetimeFigureOut">
               <a:rPr lang="en-US" smtClean="0"/>
-              <a:t>2/28/2022</a:t>
+              <a:t>2/26/2023</a:t>
             </a:fld>
             <a:endParaRPr lang="en-US"/>
           </a:p>
@@ -5704,7 +5789,7 @@
           <a:p>
             <a:fld id="{ED142E25-4D6A-4E84-A843-638D116E87AA}" type="datetimeFigureOut">
               <a:rPr lang="en-US" smtClean="0"/>
-              <a:t>2/28/2022</a:t>
+              <a:t>2/26/2023</a:t>
             </a:fld>
             <a:endParaRPr lang="en-US"/>
           </a:p>
@@ -5961,7 +6046,7 @@
           <a:p>
             <a:fld id="{ED142E25-4D6A-4E84-A843-638D116E87AA}" type="datetimeFigureOut">
               <a:rPr lang="en-US" smtClean="0"/>
-              <a:t>2/28/2022</a:t>
+              <a:t>2/26/2023</a:t>
             </a:fld>
             <a:endParaRPr lang="en-US"/>
           </a:p>
@@ -6174,7 +6259,7 @@
           <a:p>
             <a:fld id="{ED142E25-4D6A-4E84-A843-638D116E87AA}" type="datetimeFigureOut">
               <a:rPr lang="en-US" smtClean="0"/>
-              <a:t>2/28/2022</a:t>
+              <a:t>2/26/2023</a:t>
             </a:fld>
             <a:endParaRPr lang="en-US"/>
           </a:p>
@@ -6820,6 +6905,183 @@
       </p:grpSpPr>
       <p:sp>
         <p:nvSpPr>
+          <p:cNvPr id="2" name="TextBox 1">
+            <a:extLst>
+              <a:ext uri="{FF2B5EF4-FFF2-40B4-BE49-F238E27FC236}">
+                <a16:creationId xmlns:a16="http://schemas.microsoft.com/office/drawing/2014/main" id="{8620DD9E-4B2E-4CAF-904E-2C385416DD9B}"/>
+              </a:ext>
+            </a:extLst>
+          </p:cNvPr>
+          <p:cNvSpPr txBox="1"/>
+          <p:nvPr/>
+        </p:nvSpPr>
+        <p:spPr>
+          <a:xfrm>
+            <a:off x="9525" y="-38784"/>
+            <a:ext cx="5769336" cy="646331"/>
+          </a:xfrm>
+          <a:prstGeom prst="rect">
+            <a:avLst/>
+          </a:prstGeom>
+          <a:noFill/>
+        </p:spPr>
+        <p:txBody>
+          <a:bodyPr wrap="none" rtlCol="0">
+            <a:spAutoFit/>
+          </a:bodyPr>
+          <a:lstStyle/>
+          <a:p>
+            <a:r>
+              <a:rPr lang="en-US" sz="3600" b="1" dirty="0">
+                <a:solidFill>
+                  <a:schemeClr val="bg1"/>
+                </a:solidFill>
+                <a:latin typeface="Candara" panose="020E0502030303020204" pitchFamily="34" charset="0"/>
+              </a:rPr>
+              <a:t>Bias—Variance Compromise</a:t>
+            </a:r>
+          </a:p>
+        </p:txBody>
+      </p:sp>
+      <p:pic>
+        <p:nvPicPr>
+          <p:cNvPr id="2050" name="Picture 2" descr="Curve-Fitting">
+            <a:extLst>
+              <a:ext uri="{FF2B5EF4-FFF2-40B4-BE49-F238E27FC236}">
+                <a16:creationId xmlns:a16="http://schemas.microsoft.com/office/drawing/2014/main" id="{3E6DFC5D-A942-4E10-998A-BE41CFB2D77D}"/>
+              </a:ext>
+            </a:extLst>
+          </p:cNvPr>
+          <p:cNvPicPr>
+            <a:picLocks noChangeAspect="1" noChangeArrowheads="1"/>
+          </p:cNvPicPr>
+          <p:nvPr/>
+        </p:nvPicPr>
+        <p:blipFill>
+          <a:blip r:embed="rId3">
+            <a:extLst>
+              <a:ext uri="{28A0092B-C50C-407E-A947-70E740481C1C}">
+                <a14:useLocalDpi xmlns:a14="http://schemas.microsoft.com/office/drawing/2010/main" val="0"/>
+              </a:ext>
+            </a:extLst>
+          </a:blip>
+          <a:srcRect/>
+          <a:stretch>
+            <a:fillRect/>
+          </a:stretch>
+        </p:blipFill>
+        <p:spPr bwMode="auto">
+          <a:xfrm>
+            <a:off x="2607829" y="556168"/>
+            <a:ext cx="3928341" cy="6234545"/>
+          </a:xfrm>
+          <a:prstGeom prst="rect">
+            <a:avLst/>
+          </a:prstGeom>
+          <a:noFill/>
+          <a:extLst>
+            <a:ext uri="{909E8E84-426E-40DD-AFC4-6F175D3DCCD1}">
+              <a14:hiddenFill xmlns:a14="http://schemas.microsoft.com/office/drawing/2010/main">
+                <a:solidFill>
+                  <a:srgbClr val="FFFFFF"/>
+                </a:solidFill>
+              </a14:hiddenFill>
+            </a:ext>
+          </a:extLst>
+        </p:spPr>
+      </p:pic>
+      <p:sp>
+        <p:nvSpPr>
+          <p:cNvPr id="3" name="Rectangle 2">
+            <a:extLst>
+              <a:ext uri="{FF2B5EF4-FFF2-40B4-BE49-F238E27FC236}">
+                <a16:creationId xmlns:a16="http://schemas.microsoft.com/office/drawing/2014/main" id="{E95F6645-1DB8-4A81-809F-4789160A7789}"/>
+              </a:ext>
+            </a:extLst>
+          </p:cNvPr>
+          <p:cNvSpPr/>
+          <p:nvPr/>
+        </p:nvSpPr>
+        <p:spPr>
+          <a:xfrm>
+            <a:off x="6701820" y="6421381"/>
+            <a:ext cx="2432654" cy="369332"/>
+          </a:xfrm>
+          <a:prstGeom prst="rect">
+            <a:avLst/>
+          </a:prstGeom>
+        </p:spPr>
+        <p:txBody>
+          <a:bodyPr wrap="none">
+            <a:spAutoFit/>
+          </a:bodyPr>
+          <a:lstStyle/>
+          <a:p>
+            <a:r>
+              <a:rPr lang="en-US" dirty="0">
+                <a:solidFill>
+                  <a:schemeClr val="bg1"/>
+                </a:solidFill>
+                <a:latin typeface="Candara" panose="020E0502030303020204" pitchFamily="34" charset="0"/>
+                <a:hlinkClick r:id="rId4">
+                  <a:extLst>
+                    <a:ext uri="{A12FA001-AC4F-418D-AE19-62706E023703}">
+                      <ahyp:hlinkClr xmlns:ahyp="http://schemas.microsoft.com/office/drawing/2018/hyperlinkcolor" val="tx"/>
+                    </a:ext>
+                  </a:extLst>
+                </a:hlinkClick>
+              </a:rPr>
+              <a:t>https://xkcd.com/2048/</a:t>
+            </a:r>
+            <a:endParaRPr lang="en-US" dirty="0">
+              <a:solidFill>
+                <a:schemeClr val="bg1"/>
+              </a:solidFill>
+              <a:latin typeface="Candara" panose="020E0502030303020204" pitchFamily="34" charset="0"/>
+            </a:endParaRPr>
+          </a:p>
+        </p:txBody>
+      </p:sp>
+    </p:spTree>
+    <p:extLst>
+      <p:ext uri="{BB962C8B-B14F-4D97-AF65-F5344CB8AC3E}">
+        <p14:creationId xmlns:p14="http://schemas.microsoft.com/office/powerpoint/2010/main" val="70866279"/>
+      </p:ext>
+    </p:extLst>
+  </p:cSld>
+  <p:clrMapOvr>
+    <a:masterClrMapping/>
+  </p:clrMapOvr>
+</p:sld>
+</file>
+
+<file path=ppt/slides/slide11.xml><?xml version="1.0" encoding="utf-8"?>
+<p:sld xmlns:a="http://schemas.openxmlformats.org/drawingml/2006/main" xmlns:r="http://schemas.openxmlformats.org/officeDocument/2006/relationships" xmlns:p="http://schemas.openxmlformats.org/presentationml/2006/main">
+  <p:cSld>
+    <p:bg>
+      <p:bgPr>
+        <a:solidFill>
+          <a:schemeClr val="tx1"/>
+        </a:solidFill>
+        <a:effectLst/>
+      </p:bgPr>
+    </p:bg>
+    <p:spTree>
+      <p:nvGrpSpPr>
+        <p:cNvPr id="1" name=""/>
+        <p:cNvGrpSpPr/>
+        <p:nvPr/>
+      </p:nvGrpSpPr>
+      <p:grpSpPr>
+        <a:xfrm>
+          <a:off x="0" y="0"/>
+          <a:ext cx="0" cy="0"/>
+          <a:chOff x="0" y="0"/>
+          <a:chExt cx="0" cy="0"/>
+        </a:xfrm>
+      </p:grpSpPr>
+      <p:sp>
+        <p:nvSpPr>
           <p:cNvPr id="11" name="TextBox 10">
             <a:extLst>
               <a:ext uri="{FF2B5EF4-FFF2-40B4-BE49-F238E27FC236}">
@@ -6901,7 +7163,7 @@
 </p:sld>
 </file>
 
-<file path=ppt/slides/slide11.xml><?xml version="1.0" encoding="utf-8"?>
+<file path=ppt/slides/slide12.xml><?xml version="1.0" encoding="utf-8"?>
 <p:sld xmlns:a="http://schemas.openxmlformats.org/drawingml/2006/main" xmlns:r="http://schemas.openxmlformats.org/officeDocument/2006/relationships" xmlns:p="http://schemas.openxmlformats.org/presentationml/2006/main">
   <p:cSld>
     <p:bg>
@@ -7309,7 +7571,7 @@
 </p:sld>
 </file>
 
-<file path=ppt/slides/slide12.xml><?xml version="1.0" encoding="utf-8"?>
+<file path=ppt/slides/slide13.xml><?xml version="1.0" encoding="utf-8"?>
 <p:sld xmlns:a="http://schemas.openxmlformats.org/drawingml/2006/main" xmlns:r="http://schemas.openxmlformats.org/officeDocument/2006/relationships" xmlns:p="http://schemas.openxmlformats.org/presentationml/2006/main">
   <p:cSld>
     <p:bg>
@@ -8122,7 +8384,7 @@
 </p:sld>
 </file>
 
-<file path=ppt/slides/slide13.xml><?xml version="1.0" encoding="utf-8"?>
+<file path=ppt/slides/slide14.xml><?xml version="1.0" encoding="utf-8"?>
 <p:sld xmlns:a="http://schemas.openxmlformats.org/drawingml/2006/main" xmlns:r="http://schemas.openxmlformats.org/officeDocument/2006/relationships" xmlns:p="http://schemas.openxmlformats.org/presentationml/2006/main">
   <p:cSld>
     <p:bg>
@@ -8382,7 +8644,7 @@
 </p:sld>
 </file>
 
-<file path=ppt/slides/slide14.xml><?xml version="1.0" encoding="utf-8"?>
+<file path=ppt/slides/slide15.xml><?xml version="1.0" encoding="utf-8"?>
 <p:sld xmlns:a="http://schemas.openxmlformats.org/drawingml/2006/main" xmlns:r="http://schemas.openxmlformats.org/officeDocument/2006/relationships" xmlns:p="http://schemas.openxmlformats.org/presentationml/2006/main">
   <p:cSld>
     <p:bg>
@@ -9145,7 +9407,7 @@
 </p:sld>
 </file>
 
-<file path=ppt/slides/slide15.xml><?xml version="1.0" encoding="utf-8"?>
+<file path=ppt/slides/slide16.xml><?xml version="1.0" encoding="utf-8"?>
 <p:sld xmlns:a="http://schemas.openxmlformats.org/drawingml/2006/main" xmlns:r="http://schemas.openxmlformats.org/officeDocument/2006/relationships" xmlns:p="http://schemas.openxmlformats.org/presentationml/2006/main">
   <p:cSld>
     <p:bg>
@@ -10949,307 +11211,6 @@
 </p:sld>
 </file>
 
-<file path=ppt/slides/slide16.xml><?xml version="1.0" encoding="utf-8"?>
-<p:sld xmlns:a="http://schemas.openxmlformats.org/drawingml/2006/main" xmlns:r="http://schemas.openxmlformats.org/officeDocument/2006/relationships" xmlns:p="http://schemas.openxmlformats.org/presentationml/2006/main">
-  <p:cSld>
-    <p:bg>
-      <p:bgPr>
-        <a:solidFill>
-          <a:schemeClr val="tx1"/>
-        </a:solidFill>
-        <a:effectLst/>
-      </p:bgPr>
-    </p:bg>
-    <p:spTree>
-      <p:nvGrpSpPr>
-        <p:cNvPr id="1" name=""/>
-        <p:cNvGrpSpPr/>
-        <p:nvPr/>
-      </p:nvGrpSpPr>
-      <p:grpSpPr>
-        <a:xfrm>
-          <a:off x="0" y="0"/>
-          <a:ext cx="0" cy="0"/>
-          <a:chOff x="0" y="0"/>
-          <a:chExt cx="0" cy="0"/>
-        </a:xfrm>
-      </p:grpSpPr>
-      <p:sp>
-        <p:nvSpPr>
-          <p:cNvPr id="11" name="TextBox 10">
-            <a:extLst>
-              <a:ext uri="{FF2B5EF4-FFF2-40B4-BE49-F238E27FC236}">
-                <a16:creationId xmlns:a16="http://schemas.microsoft.com/office/drawing/2014/main" id="{94F7AF02-97E2-4C34-A6BC-ADE93CE4F163}"/>
-              </a:ext>
-            </a:extLst>
-          </p:cNvPr>
-          <p:cNvSpPr txBox="1"/>
-          <p:nvPr/>
-        </p:nvSpPr>
-        <p:spPr>
-          <a:xfrm>
-            <a:off x="9525" y="-38784"/>
-            <a:ext cx="3770006" cy="646331"/>
-          </a:xfrm>
-          <a:prstGeom prst="rect">
-            <a:avLst/>
-          </a:prstGeom>
-          <a:noFill/>
-        </p:spPr>
-        <p:txBody>
-          <a:bodyPr wrap="none" rtlCol="0">
-            <a:spAutoFit/>
-          </a:bodyPr>
-          <a:lstStyle/>
-          <a:p>
-            <a:r>
-              <a:rPr lang="en-US" sz="3600" b="1" dirty="0">
-                <a:solidFill>
-                  <a:schemeClr val="bg1"/>
-                </a:solidFill>
-                <a:latin typeface="Candara" panose="020E0502030303020204" pitchFamily="34" charset="0"/>
-              </a:rPr>
-              <a:t>Validation Metrics</a:t>
-            </a:r>
-          </a:p>
-        </p:txBody>
-      </p:sp>
-      <p:sp>
-        <p:nvSpPr>
-          <p:cNvPr id="2" name="Rectangle 1">
-            <a:extLst>
-              <a:ext uri="{FF2B5EF4-FFF2-40B4-BE49-F238E27FC236}">
-                <a16:creationId xmlns:a16="http://schemas.microsoft.com/office/drawing/2014/main" id="{84A8AAE2-5A41-4864-9BCA-3DCFD5CE5D70}"/>
-              </a:ext>
-            </a:extLst>
-          </p:cNvPr>
-          <p:cNvSpPr/>
-          <p:nvPr/>
-        </p:nvSpPr>
-        <p:spPr>
-          <a:xfrm>
-            <a:off x="642613" y="710817"/>
-            <a:ext cx="8021553" cy="6093976"/>
-          </a:xfrm>
-          <a:prstGeom prst="rect">
-            <a:avLst/>
-          </a:prstGeom>
-        </p:spPr>
-        <p:txBody>
-          <a:bodyPr wrap="square">
-            <a:spAutoFit/>
-          </a:bodyPr>
-          <a:lstStyle/>
-          <a:p>
-            <a:pPr marL="342900" indent="-342900">
-              <a:buFont typeface="Arial" panose="020B0604020202020204" pitchFamily="34" charset="0"/>
-              <a:buChar char="•"/>
-            </a:pPr>
-            <a:r>
-              <a:rPr lang="en-US" sz="3000" dirty="0">
-                <a:solidFill>
-                  <a:schemeClr val="bg1"/>
-                </a:solidFill>
-                <a:latin typeface="Candara" panose="020E0502030303020204" pitchFamily="34" charset="0"/>
-              </a:rPr>
-              <a:t>Ratio (continuous)</a:t>
-            </a:r>
-          </a:p>
-          <a:p>
-            <a:pPr marL="800100" lvl="1" indent="-342900">
-              <a:buFont typeface="Arial" panose="020B0604020202020204" pitchFamily="34" charset="0"/>
-              <a:buChar char="•"/>
-            </a:pPr>
-            <a:r>
-              <a:rPr lang="en-US" sz="3000" dirty="0">
-                <a:solidFill>
-                  <a:schemeClr val="bg1"/>
-                </a:solidFill>
-                <a:latin typeface="Candara" panose="020E0502030303020204" pitchFamily="34" charset="0"/>
-              </a:rPr>
-              <a:t>RMSE</a:t>
-            </a:r>
-          </a:p>
-          <a:p>
-            <a:pPr marL="800100" lvl="1" indent="-342900">
-              <a:buFont typeface="Arial" panose="020B0604020202020204" pitchFamily="34" charset="0"/>
-              <a:buChar char="•"/>
-            </a:pPr>
-            <a:r>
-              <a:rPr lang="en-US" sz="3000" dirty="0">
-                <a:solidFill>
-                  <a:schemeClr val="bg1"/>
-                </a:solidFill>
-                <a:latin typeface="Candara" panose="020E0502030303020204" pitchFamily="34" charset="0"/>
-              </a:rPr>
-              <a:t>MAE</a:t>
-            </a:r>
-          </a:p>
-          <a:p>
-            <a:pPr marL="800100" lvl="1" indent="-342900">
-              <a:buFont typeface="Arial" panose="020B0604020202020204" pitchFamily="34" charset="0"/>
-              <a:buChar char="•"/>
-            </a:pPr>
-            <a:r>
-              <a:rPr lang="en-US" sz="3000" dirty="0">
-                <a:solidFill>
-                  <a:schemeClr val="bg1"/>
-                </a:solidFill>
-                <a:latin typeface="Candara" panose="020E0502030303020204" pitchFamily="34" charset="0"/>
-              </a:rPr>
-              <a:t>correlation coefficient</a:t>
-            </a:r>
-          </a:p>
-          <a:p>
-            <a:pPr marL="800100" lvl="1" indent="-342900">
-              <a:buFont typeface="Arial" panose="020B0604020202020204" pitchFamily="34" charset="0"/>
-              <a:buChar char="•"/>
-            </a:pPr>
-            <a:r>
-              <a:rPr lang="en-US" sz="3000" dirty="0">
-                <a:solidFill>
-                  <a:schemeClr val="bg1"/>
-                </a:solidFill>
-                <a:latin typeface="Candara" panose="020E0502030303020204" pitchFamily="34" charset="0"/>
-              </a:rPr>
-              <a:t>mean "distance" (n-D)  from standard</a:t>
-            </a:r>
-            <a:br>
-              <a:rPr lang="en-US" sz="3000" dirty="0">
-                <a:solidFill>
-                  <a:schemeClr val="bg1"/>
-                </a:solidFill>
-                <a:latin typeface="Candara" panose="020E0502030303020204" pitchFamily="34" charset="0"/>
-              </a:rPr>
-            </a:br>
-            <a:endParaRPr lang="en-US" sz="3000" dirty="0">
-              <a:solidFill>
-                <a:schemeClr val="bg1"/>
-              </a:solidFill>
-              <a:latin typeface="Candara" panose="020E0502030303020204" pitchFamily="34" charset="0"/>
-            </a:endParaRPr>
-          </a:p>
-          <a:p>
-            <a:pPr marL="342900" indent="-342900">
-              <a:buFont typeface="Arial" panose="020B0604020202020204" pitchFamily="34" charset="0"/>
-              <a:buChar char="•"/>
-            </a:pPr>
-            <a:r>
-              <a:rPr lang="en-US" sz="3000" dirty="0">
-                <a:solidFill>
-                  <a:schemeClr val="bg1"/>
-                </a:solidFill>
-                <a:latin typeface="Candara" panose="020E0502030303020204" pitchFamily="34" charset="0"/>
-              </a:rPr>
-              <a:t>Nominal (categorical, without order)</a:t>
-            </a:r>
-          </a:p>
-          <a:p>
-            <a:pPr marL="800100" lvl="1" indent="-342900">
-              <a:buFont typeface="Arial" panose="020B0604020202020204" pitchFamily="34" charset="0"/>
-              <a:buChar char="•"/>
-            </a:pPr>
-            <a:r>
-              <a:rPr lang="en-US" sz="3000" dirty="0">
-                <a:solidFill>
-                  <a:schemeClr val="bg1"/>
-                </a:solidFill>
-                <a:latin typeface="Candara" panose="020E0502030303020204" pitchFamily="34" charset="0"/>
-              </a:rPr>
-              <a:t>probability-based:</a:t>
-            </a:r>
-          </a:p>
-          <a:p>
-            <a:pPr marL="1257300" lvl="2" indent="-342900">
-              <a:buFont typeface="Arial" panose="020B0604020202020204" pitchFamily="34" charset="0"/>
-              <a:buChar char="•"/>
-            </a:pPr>
-            <a:r>
-              <a:rPr lang="en-US" sz="3000" dirty="0">
-                <a:solidFill>
-                  <a:schemeClr val="bg1"/>
-                </a:solidFill>
-                <a:latin typeface="Candara" panose="020E0502030303020204" pitchFamily="34" charset="0"/>
-              </a:rPr>
-              <a:t>Brier score</a:t>
-            </a:r>
-          </a:p>
-          <a:p>
-            <a:pPr marL="800100" lvl="1" indent="-342900">
-              <a:buFont typeface="Arial" panose="020B0604020202020204" pitchFamily="34" charset="0"/>
-              <a:buChar char="•"/>
-            </a:pPr>
-            <a:r>
-              <a:rPr lang="en-US" sz="3000" dirty="0">
-                <a:solidFill>
-                  <a:schemeClr val="bg1"/>
-                </a:solidFill>
-                <a:latin typeface="Candara" panose="020E0502030303020204" pitchFamily="34" charset="0"/>
-              </a:rPr>
-              <a:t>confusion matrix-based:</a:t>
-            </a:r>
-          </a:p>
-          <a:p>
-            <a:pPr marL="1257300" lvl="2" indent="-342900">
-              <a:buFont typeface="Arial" panose="020B0604020202020204" pitchFamily="34" charset="0"/>
-              <a:buChar char="•"/>
-            </a:pPr>
-            <a:r>
-              <a:rPr lang="en-US" sz="3000" dirty="0">
-                <a:solidFill>
-                  <a:schemeClr val="bg1"/>
-                </a:solidFill>
-                <a:latin typeface="Candara" panose="020E0502030303020204" pitchFamily="34" charset="0"/>
-              </a:rPr>
-              <a:t>% correctly classified</a:t>
-            </a:r>
-          </a:p>
-          <a:p>
-            <a:pPr marL="1257300" lvl="2" indent="-342900">
-              <a:buFont typeface="Arial" panose="020B0604020202020204" pitchFamily="34" charset="0"/>
-              <a:buChar char="•"/>
-            </a:pPr>
-            <a:r>
-              <a:rPr lang="en-US" sz="3000" dirty="0">
-                <a:solidFill>
-                  <a:schemeClr val="bg1"/>
-                </a:solidFill>
-                <a:latin typeface="Candara" panose="020E0502030303020204" pitchFamily="34" charset="0"/>
-              </a:rPr>
-              <a:t>kappa</a:t>
-            </a:r>
-          </a:p>
-          <a:p>
-            <a:pPr marL="1257300" lvl="2" indent="-342900">
-              <a:buFont typeface="Arial" panose="020B0604020202020204" pitchFamily="34" charset="0"/>
-              <a:buChar char="•"/>
-            </a:pPr>
-            <a:r>
-              <a:rPr lang="en-US" sz="3000" dirty="0">
-                <a:solidFill>
-                  <a:schemeClr val="bg1"/>
-                </a:solidFill>
-                <a:latin typeface="Candara" panose="020E0502030303020204" pitchFamily="34" charset="0"/>
-              </a:rPr>
-              <a:t>weighted tau</a:t>
-            </a:r>
-            <a:endParaRPr lang="en-US" sz="3000" dirty="0"/>
-          </a:p>
-        </p:txBody>
-      </p:sp>
-    </p:spTree>
-    <p:extLst>
-      <p:ext uri="{BB962C8B-B14F-4D97-AF65-F5344CB8AC3E}">
-        <p14:creationId xmlns:p14="http://schemas.microsoft.com/office/powerpoint/2010/main" val="1947012522"/>
-      </p:ext>
-    </p:extLst>
-  </p:cSld>
-  <p:clrMapOvr>
-    <a:masterClrMapping/>
-  </p:clrMapOvr>
-</p:sld>
-</file>
-
 <file path=ppt/slides/slide17.xml><?xml version="1.0" encoding="utf-8"?>
 <p:sld xmlns:a="http://schemas.openxmlformats.org/drawingml/2006/main" xmlns:r="http://schemas.openxmlformats.org/officeDocument/2006/relationships" xmlns:p="http://schemas.openxmlformats.org/presentationml/2006/main">
   <p:cSld>
@@ -11290,7 +11251,7 @@
         <p:spPr>
           <a:xfrm>
             <a:off x="9525" y="-38784"/>
-            <a:ext cx="4110421" cy="646331"/>
+            <a:ext cx="3770006" cy="646331"/>
           </a:xfrm>
           <a:prstGeom prst="rect">
             <a:avLst/>
@@ -11310,7 +11271,7 @@
                 </a:solidFill>
                 <a:latin typeface="Candara" panose="020E0502030303020204" pitchFamily="34" charset="0"/>
               </a:rPr>
-              <a:t>Uncertainty Metrics</a:t>
+              <a:t>Validation Metrics</a:t>
             </a:r>
           </a:p>
         </p:txBody>
@@ -11329,8 +11290,8 @@
         </p:nvSpPr>
         <p:spPr>
           <a:xfrm>
-            <a:off x="642613" y="843676"/>
-            <a:ext cx="8021553" cy="3785652"/>
+            <a:off x="642613" y="710817"/>
+            <a:ext cx="8021553" cy="6093976"/>
           </a:xfrm>
           <a:prstGeom prst="rect">
             <a:avLst/>
@@ -11368,7 +11329,7 @@
                 </a:solidFill>
                 <a:latin typeface="Candara" panose="020E0502030303020204" pitchFamily="34" charset="0"/>
               </a:rPr>
-              <a:t>standard error of estimates (SE)</a:t>
+              <a:t>RMSE</a:t>
             </a:r>
           </a:p>
           <a:p>
@@ -11383,7 +11344,7 @@
                 </a:solidFill>
                 <a:latin typeface="Candara" panose="020E0502030303020204" pitchFamily="34" charset="0"/>
               </a:rPr>
-              <a:t>prediction intervals (percentiles)</a:t>
+              <a:t>MAE</a:t>
             </a:r>
           </a:p>
           <a:p>
@@ -11398,7 +11359,22 @@
                 </a:solidFill>
                 <a:latin typeface="Candara" panose="020E0502030303020204" pitchFamily="34" charset="0"/>
               </a:rPr>
-              <a:t>distance / contrast (e.g. soil color)</a:t>
+              <a:t>correlation coefficient</a:t>
+            </a:r>
+          </a:p>
+          <a:p>
+            <a:pPr marL="800100" lvl="1" indent="-342900">
+              <a:buFont typeface="Arial" panose="020B0604020202020204" pitchFamily="34" charset="0"/>
+              <a:buChar char="•"/>
+            </a:pPr>
+            <a:r>
+              <a:rPr lang="en-US" sz="3000" dirty="0">
+                <a:solidFill>
+                  <a:schemeClr val="bg1"/>
+                </a:solidFill>
+                <a:latin typeface="Candara" panose="020E0502030303020204" pitchFamily="34" charset="0"/>
+              </a:rPr>
+              <a:t>mean "distance" (n-D)  from standard</a:t>
             </a:r>
             <a:br>
               <a:rPr lang="en-US" sz="3000" dirty="0">
@@ -11442,7 +11418,22 @@
                 </a:solidFill>
                 <a:latin typeface="Candara" panose="020E0502030303020204" pitchFamily="34" charset="0"/>
               </a:rPr>
-              <a:t>Shannon entropy</a:t>
+              <a:t>probability-based:</a:t>
+            </a:r>
+          </a:p>
+          <a:p>
+            <a:pPr marL="1257300" lvl="2" indent="-342900">
+              <a:buFont typeface="Arial" panose="020B0604020202020204" pitchFamily="34" charset="0"/>
+              <a:buChar char="•"/>
+            </a:pPr>
+            <a:r>
+              <a:rPr lang="en-US" sz="3000" dirty="0">
+                <a:solidFill>
+                  <a:schemeClr val="bg1"/>
+                </a:solidFill>
+                <a:latin typeface="Candara" panose="020E0502030303020204" pitchFamily="34" charset="0"/>
+              </a:rPr>
+              <a:t>Brier score</a:t>
             </a:r>
           </a:p>
           <a:p>
@@ -11457,7 +11448,52 @@
                 </a:solidFill>
                 <a:latin typeface="Candara" panose="020E0502030303020204" pitchFamily="34" charset="0"/>
               </a:rPr>
-              <a:t>confusion index</a:t>
+              <a:t>confusion matrix-based:</a:t>
+            </a:r>
+          </a:p>
+          <a:p>
+            <a:pPr marL="1257300" lvl="2" indent="-342900">
+              <a:buFont typeface="Arial" panose="020B0604020202020204" pitchFamily="34" charset="0"/>
+              <a:buChar char="•"/>
+            </a:pPr>
+            <a:r>
+              <a:rPr lang="en-US" sz="3000" dirty="0">
+                <a:solidFill>
+                  <a:schemeClr val="bg1"/>
+                </a:solidFill>
+                <a:latin typeface="Candara" panose="020E0502030303020204" pitchFamily="34" charset="0"/>
+              </a:rPr>
+              <a:t>% correctly classified</a:t>
+            </a:r>
+          </a:p>
+          <a:p>
+            <a:pPr marL="1257300" lvl="2" indent="-342900">
+              <a:buFont typeface="Arial" panose="020B0604020202020204" pitchFamily="34" charset="0"/>
+              <a:buChar char="•"/>
+            </a:pPr>
+            <a:r>
+              <a:rPr lang="en-US" sz="3000" dirty="0">
+                <a:solidFill>
+                  <a:schemeClr val="bg1"/>
+                </a:solidFill>
+                <a:latin typeface="Candara" panose="020E0502030303020204" pitchFamily="34" charset="0"/>
+              </a:rPr>
+              <a:t>kappa</a:t>
+            </a:r>
+          </a:p>
+          <a:p>
+            <a:pPr marL="1257300" lvl="2" indent="-342900">
+              <a:buFont typeface="Arial" panose="020B0604020202020204" pitchFamily="34" charset="0"/>
+              <a:buChar char="•"/>
+            </a:pPr>
+            <a:r>
+              <a:rPr lang="en-US" sz="3000" dirty="0">
+                <a:solidFill>
+                  <a:schemeClr val="bg1"/>
+                </a:solidFill>
+                <a:latin typeface="Candara" panose="020E0502030303020204" pitchFamily="34" charset="0"/>
+              </a:rPr>
+              <a:t>weighted tau</a:t>
             </a:r>
             <a:endParaRPr lang="en-US" sz="3000" dirty="0"/>
           </a:p>
@@ -11466,7 +11502,7 @@
     </p:spTree>
     <p:extLst>
       <p:ext uri="{BB962C8B-B14F-4D97-AF65-F5344CB8AC3E}">
-        <p14:creationId xmlns:p14="http://schemas.microsoft.com/office/powerpoint/2010/main" val="2540044603"/>
+        <p14:creationId xmlns:p14="http://schemas.microsoft.com/office/powerpoint/2010/main" val="1947012522"/>
       </p:ext>
     </p:extLst>
   </p:cSld>
@@ -11516,6 +11552,232 @@
         <p:spPr>
           <a:xfrm>
             <a:off x="9525" y="-38784"/>
+            <a:ext cx="4110421" cy="646331"/>
+          </a:xfrm>
+          <a:prstGeom prst="rect">
+            <a:avLst/>
+          </a:prstGeom>
+          <a:noFill/>
+        </p:spPr>
+        <p:txBody>
+          <a:bodyPr wrap="none" rtlCol="0">
+            <a:spAutoFit/>
+          </a:bodyPr>
+          <a:lstStyle/>
+          <a:p>
+            <a:r>
+              <a:rPr lang="en-US" sz="3600" b="1" dirty="0">
+                <a:solidFill>
+                  <a:schemeClr val="bg1"/>
+                </a:solidFill>
+                <a:latin typeface="Candara" panose="020E0502030303020204" pitchFamily="34" charset="0"/>
+              </a:rPr>
+              <a:t>Uncertainty Metrics</a:t>
+            </a:r>
+          </a:p>
+        </p:txBody>
+      </p:sp>
+      <p:sp>
+        <p:nvSpPr>
+          <p:cNvPr id="2" name="Rectangle 1">
+            <a:extLst>
+              <a:ext uri="{FF2B5EF4-FFF2-40B4-BE49-F238E27FC236}">
+                <a16:creationId xmlns:a16="http://schemas.microsoft.com/office/drawing/2014/main" id="{84A8AAE2-5A41-4864-9BCA-3DCFD5CE5D70}"/>
+              </a:ext>
+            </a:extLst>
+          </p:cNvPr>
+          <p:cNvSpPr/>
+          <p:nvPr/>
+        </p:nvSpPr>
+        <p:spPr>
+          <a:xfrm>
+            <a:off x="642613" y="843676"/>
+            <a:ext cx="8021553" cy="3785652"/>
+          </a:xfrm>
+          <a:prstGeom prst="rect">
+            <a:avLst/>
+          </a:prstGeom>
+        </p:spPr>
+        <p:txBody>
+          <a:bodyPr wrap="square">
+            <a:spAutoFit/>
+          </a:bodyPr>
+          <a:lstStyle/>
+          <a:p>
+            <a:pPr marL="342900" indent="-342900">
+              <a:buFont typeface="Arial" panose="020B0604020202020204" pitchFamily="34" charset="0"/>
+              <a:buChar char="•"/>
+            </a:pPr>
+            <a:r>
+              <a:rPr lang="en-US" sz="3000" dirty="0">
+                <a:solidFill>
+                  <a:schemeClr val="bg1"/>
+                </a:solidFill>
+                <a:latin typeface="Candara" panose="020E0502030303020204" pitchFamily="34" charset="0"/>
+              </a:rPr>
+              <a:t>Ratio (continuous)</a:t>
+            </a:r>
+          </a:p>
+          <a:p>
+            <a:pPr marL="800100" lvl="1" indent="-342900">
+              <a:buFont typeface="Arial" panose="020B0604020202020204" pitchFamily="34" charset="0"/>
+              <a:buChar char="•"/>
+            </a:pPr>
+            <a:r>
+              <a:rPr lang="en-US" sz="3000" dirty="0">
+                <a:solidFill>
+                  <a:schemeClr val="bg1"/>
+                </a:solidFill>
+                <a:latin typeface="Candara" panose="020E0502030303020204" pitchFamily="34" charset="0"/>
+              </a:rPr>
+              <a:t>standard error of estimates (SE)</a:t>
+            </a:r>
+          </a:p>
+          <a:p>
+            <a:pPr marL="800100" lvl="1" indent="-342900">
+              <a:buFont typeface="Arial" panose="020B0604020202020204" pitchFamily="34" charset="0"/>
+              <a:buChar char="•"/>
+            </a:pPr>
+            <a:r>
+              <a:rPr lang="en-US" sz="3000" dirty="0">
+                <a:solidFill>
+                  <a:schemeClr val="bg1"/>
+                </a:solidFill>
+                <a:latin typeface="Candara" panose="020E0502030303020204" pitchFamily="34" charset="0"/>
+              </a:rPr>
+              <a:t>prediction intervals (percentiles)</a:t>
+            </a:r>
+          </a:p>
+          <a:p>
+            <a:pPr marL="800100" lvl="1" indent="-342900">
+              <a:buFont typeface="Arial" panose="020B0604020202020204" pitchFamily="34" charset="0"/>
+              <a:buChar char="•"/>
+            </a:pPr>
+            <a:r>
+              <a:rPr lang="en-US" sz="3000" dirty="0">
+                <a:solidFill>
+                  <a:schemeClr val="bg1"/>
+                </a:solidFill>
+                <a:latin typeface="Candara" panose="020E0502030303020204" pitchFamily="34" charset="0"/>
+              </a:rPr>
+              <a:t>distance / contrast (e.g. soil color)</a:t>
+            </a:r>
+            <a:br>
+              <a:rPr lang="en-US" sz="3000" dirty="0">
+                <a:solidFill>
+                  <a:schemeClr val="bg1"/>
+                </a:solidFill>
+                <a:latin typeface="Candara" panose="020E0502030303020204" pitchFamily="34" charset="0"/>
+              </a:rPr>
+            </a:br>
+            <a:endParaRPr lang="en-US" sz="3000" dirty="0">
+              <a:solidFill>
+                <a:schemeClr val="bg1"/>
+              </a:solidFill>
+              <a:latin typeface="Candara" panose="020E0502030303020204" pitchFamily="34" charset="0"/>
+            </a:endParaRPr>
+          </a:p>
+          <a:p>
+            <a:pPr marL="342900" indent="-342900">
+              <a:buFont typeface="Arial" panose="020B0604020202020204" pitchFamily="34" charset="0"/>
+              <a:buChar char="•"/>
+            </a:pPr>
+            <a:r>
+              <a:rPr lang="en-US" sz="3000" dirty="0">
+                <a:solidFill>
+                  <a:schemeClr val="bg1"/>
+                </a:solidFill>
+                <a:latin typeface="Candara" panose="020E0502030303020204" pitchFamily="34" charset="0"/>
+              </a:rPr>
+              <a:t>Nominal (categorical, without order)</a:t>
+            </a:r>
+          </a:p>
+          <a:p>
+            <a:pPr marL="800100" lvl="1" indent="-342900">
+              <a:buFont typeface="Arial" panose="020B0604020202020204" pitchFamily="34" charset="0"/>
+              <a:buChar char="•"/>
+            </a:pPr>
+            <a:r>
+              <a:rPr lang="en-US" sz="3000" dirty="0">
+                <a:solidFill>
+                  <a:schemeClr val="bg1"/>
+                </a:solidFill>
+                <a:latin typeface="Candara" panose="020E0502030303020204" pitchFamily="34" charset="0"/>
+              </a:rPr>
+              <a:t>Shannon entropy</a:t>
+            </a:r>
+          </a:p>
+          <a:p>
+            <a:pPr marL="800100" lvl="1" indent="-342900">
+              <a:buFont typeface="Arial" panose="020B0604020202020204" pitchFamily="34" charset="0"/>
+              <a:buChar char="•"/>
+            </a:pPr>
+            <a:r>
+              <a:rPr lang="en-US" sz="3000" dirty="0">
+                <a:solidFill>
+                  <a:schemeClr val="bg1"/>
+                </a:solidFill>
+                <a:latin typeface="Candara" panose="020E0502030303020204" pitchFamily="34" charset="0"/>
+              </a:rPr>
+              <a:t>confusion index</a:t>
+            </a:r>
+            <a:endParaRPr lang="en-US" sz="3000" dirty="0"/>
+          </a:p>
+        </p:txBody>
+      </p:sp>
+    </p:spTree>
+    <p:extLst>
+      <p:ext uri="{BB962C8B-B14F-4D97-AF65-F5344CB8AC3E}">
+        <p14:creationId xmlns:p14="http://schemas.microsoft.com/office/powerpoint/2010/main" val="2540044603"/>
+      </p:ext>
+    </p:extLst>
+  </p:cSld>
+  <p:clrMapOvr>
+    <a:masterClrMapping/>
+  </p:clrMapOvr>
+</p:sld>
+</file>
+
+<file path=ppt/slides/slide19.xml><?xml version="1.0" encoding="utf-8"?>
+<p:sld xmlns:a="http://schemas.openxmlformats.org/drawingml/2006/main" xmlns:r="http://schemas.openxmlformats.org/officeDocument/2006/relationships" xmlns:p="http://schemas.openxmlformats.org/presentationml/2006/main">
+  <p:cSld>
+    <p:bg>
+      <p:bgPr>
+        <a:solidFill>
+          <a:schemeClr val="tx1"/>
+        </a:solidFill>
+        <a:effectLst/>
+      </p:bgPr>
+    </p:bg>
+    <p:spTree>
+      <p:nvGrpSpPr>
+        <p:cNvPr id="1" name=""/>
+        <p:cNvGrpSpPr/>
+        <p:nvPr/>
+      </p:nvGrpSpPr>
+      <p:grpSpPr>
+        <a:xfrm>
+          <a:off x="0" y="0"/>
+          <a:ext cx="0" cy="0"/>
+          <a:chOff x="0" y="0"/>
+          <a:chExt cx="0" cy="0"/>
+        </a:xfrm>
+      </p:grpSpPr>
+      <p:sp>
+        <p:nvSpPr>
+          <p:cNvPr id="11" name="TextBox 10">
+            <a:extLst>
+              <a:ext uri="{FF2B5EF4-FFF2-40B4-BE49-F238E27FC236}">
+                <a16:creationId xmlns:a16="http://schemas.microsoft.com/office/drawing/2014/main" id="{94F7AF02-97E2-4C34-A6BC-ADE93CE4F163}"/>
+              </a:ext>
+            </a:extLst>
+          </p:cNvPr>
+          <p:cNvSpPr txBox="1"/>
+          <p:nvPr/>
+        </p:nvSpPr>
+        <p:spPr>
+          <a:xfrm>
+            <a:off x="9525" y="-38784"/>
             <a:ext cx="6381875" cy="646331"/>
           </a:xfrm>
           <a:prstGeom prst="rect">
@@ -12147,7 +12409,259 @@
 </p:sld>
 </file>
 
-<file path=ppt/slides/slide19.xml><?xml version="1.0" encoding="utf-8"?>
+<file path=ppt/slides/slide2.xml><?xml version="1.0" encoding="utf-8"?>
+<p:sld xmlns:a="http://schemas.openxmlformats.org/drawingml/2006/main" xmlns:r="http://schemas.openxmlformats.org/officeDocument/2006/relationships" xmlns:p="http://schemas.openxmlformats.org/presentationml/2006/main">
+  <p:cSld>
+    <p:bg>
+      <p:bgPr>
+        <a:solidFill>
+          <a:schemeClr val="tx1"/>
+        </a:solidFill>
+        <a:effectLst/>
+      </p:bgPr>
+    </p:bg>
+    <p:spTree>
+      <p:nvGrpSpPr>
+        <p:cNvPr id="1" name=""/>
+        <p:cNvGrpSpPr/>
+        <p:nvPr/>
+      </p:nvGrpSpPr>
+      <p:grpSpPr>
+        <a:xfrm>
+          <a:off x="0" y="0"/>
+          <a:ext cx="0" cy="0"/>
+          <a:chOff x="0" y="0"/>
+          <a:chExt cx="0" cy="0"/>
+        </a:xfrm>
+      </p:grpSpPr>
+      <p:sp>
+        <p:nvSpPr>
+          <p:cNvPr id="11" name="TextBox 10">
+            <a:extLst>
+              <a:ext uri="{FF2B5EF4-FFF2-40B4-BE49-F238E27FC236}">
+                <a16:creationId xmlns:a16="http://schemas.microsoft.com/office/drawing/2014/main" id="{94F7AF02-97E2-4C34-A6BC-ADE93CE4F163}"/>
+              </a:ext>
+            </a:extLst>
+          </p:cNvPr>
+          <p:cNvSpPr txBox="1"/>
+          <p:nvPr/>
+        </p:nvSpPr>
+        <p:spPr>
+          <a:xfrm>
+            <a:off x="9525" y="-38784"/>
+            <a:ext cx="1648208" cy="646331"/>
+          </a:xfrm>
+          <a:prstGeom prst="rect">
+            <a:avLst/>
+          </a:prstGeom>
+          <a:noFill/>
+        </p:spPr>
+        <p:txBody>
+          <a:bodyPr wrap="none" rtlCol="0">
+            <a:spAutoFit/>
+          </a:bodyPr>
+          <a:lstStyle/>
+          <a:p>
+            <a:r>
+              <a:rPr lang="en-US" sz="3600" b="1" dirty="0">
+                <a:solidFill>
+                  <a:schemeClr val="bg1"/>
+                </a:solidFill>
+                <a:latin typeface="Candara" panose="020E0502030303020204" pitchFamily="34" charset="0"/>
+              </a:rPr>
+              <a:t>Outline</a:t>
+            </a:r>
+          </a:p>
+        </p:txBody>
+      </p:sp>
+      <p:sp>
+        <p:nvSpPr>
+          <p:cNvPr id="4" name="Rectangle 3">
+            <a:extLst>
+              <a:ext uri="{FF2B5EF4-FFF2-40B4-BE49-F238E27FC236}">
+                <a16:creationId xmlns:a16="http://schemas.microsoft.com/office/drawing/2014/main" id="{5AD40034-C9A7-4F57-8AAC-4BB1F059CBD4}"/>
+              </a:ext>
+            </a:extLst>
+          </p:cNvPr>
+          <p:cNvSpPr/>
+          <p:nvPr/>
+        </p:nvSpPr>
+        <p:spPr>
+          <a:xfrm>
+            <a:off x="237303" y="4181475"/>
+            <a:ext cx="8394970" cy="2308324"/>
+          </a:xfrm>
+          <a:prstGeom prst="rect">
+            <a:avLst/>
+          </a:prstGeom>
+        </p:spPr>
+        <p:txBody>
+          <a:bodyPr wrap="square">
+            <a:spAutoFit/>
+          </a:bodyPr>
+          <a:lstStyle/>
+          <a:p>
+            <a:pPr marL="342900" indent="-342900">
+              <a:buFont typeface="Arial" panose="020B0604020202020204" pitchFamily="34" charset="0"/>
+              <a:buChar char="•"/>
+            </a:pPr>
+            <a:r>
+              <a:rPr lang="en-US" sz="3600" dirty="0">
+                <a:solidFill>
+                  <a:schemeClr val="bg1"/>
+                </a:solidFill>
+                <a:latin typeface="Candara" panose="020E0502030303020204" pitchFamily="34" charset="0"/>
+              </a:rPr>
+              <a:t>Definitions</a:t>
+            </a:r>
+          </a:p>
+          <a:p>
+            <a:pPr marL="342900" indent="-342900">
+              <a:buFont typeface="Arial" panose="020B0604020202020204" pitchFamily="34" charset="0"/>
+              <a:buChar char="•"/>
+            </a:pPr>
+            <a:r>
+              <a:rPr lang="en-US" sz="3600" dirty="0">
+                <a:solidFill>
+                  <a:schemeClr val="bg1"/>
+                </a:solidFill>
+                <a:latin typeface="Candara" panose="020E0502030303020204" pitchFamily="34" charset="0"/>
+              </a:rPr>
+              <a:t>Bias—Variance Compromise</a:t>
+            </a:r>
+          </a:p>
+          <a:p>
+            <a:pPr marL="342900" indent="-342900">
+              <a:buFont typeface="Arial" panose="020B0604020202020204" pitchFamily="34" charset="0"/>
+              <a:buChar char="•"/>
+            </a:pPr>
+            <a:r>
+              <a:rPr lang="en-US" sz="3600" dirty="0">
+                <a:solidFill>
+                  <a:schemeClr val="bg1"/>
+                </a:solidFill>
+                <a:latin typeface="Candara" panose="020E0502030303020204" pitchFamily="34" charset="0"/>
+              </a:rPr>
+              <a:t>Accuracy / Validation</a:t>
+            </a:r>
+          </a:p>
+          <a:p>
+            <a:pPr marL="342900" indent="-342900">
+              <a:buFont typeface="Arial" panose="020B0604020202020204" pitchFamily="34" charset="0"/>
+              <a:buChar char="•"/>
+            </a:pPr>
+            <a:r>
+              <a:rPr lang="en-US" sz="3600" dirty="0">
+                <a:solidFill>
+                  <a:schemeClr val="bg1"/>
+                </a:solidFill>
+                <a:latin typeface="Candara" panose="020E0502030303020204" pitchFamily="34" charset="0"/>
+              </a:rPr>
+              <a:t>Uncertainty</a:t>
+            </a:r>
+          </a:p>
+        </p:txBody>
+      </p:sp>
+      <p:pic>
+        <p:nvPicPr>
+          <p:cNvPr id="5" name="Picture 2" descr="Error Bars">
+            <a:extLst>
+              <a:ext uri="{FF2B5EF4-FFF2-40B4-BE49-F238E27FC236}">
+                <a16:creationId xmlns:a16="http://schemas.microsoft.com/office/drawing/2014/main" id="{EF1CAD1F-AD85-4639-9029-D5D07AF45FB3}"/>
+              </a:ext>
+            </a:extLst>
+          </p:cNvPr>
+          <p:cNvPicPr>
+            <a:picLocks noChangeAspect="1" noChangeArrowheads="1"/>
+          </p:cNvPicPr>
+          <p:nvPr/>
+        </p:nvPicPr>
+        <p:blipFill>
+          <a:blip r:embed="rId3">
+            <a:extLst>
+              <a:ext uri="{28A0092B-C50C-407E-A947-70E740481C1C}">
+                <a14:useLocalDpi xmlns:a14="http://schemas.microsoft.com/office/drawing/2010/main" val="0"/>
+              </a:ext>
+            </a:extLst>
+          </a:blip>
+          <a:srcRect/>
+          <a:stretch>
+            <a:fillRect/>
+          </a:stretch>
+        </p:blipFill>
+        <p:spPr bwMode="auto">
+          <a:xfrm>
+            <a:off x="4628405" y="215972"/>
+            <a:ext cx="4259732" cy="4069567"/>
+          </a:xfrm>
+          <a:prstGeom prst="rect">
+            <a:avLst/>
+          </a:prstGeom>
+          <a:noFill/>
+          <a:extLst>
+            <a:ext uri="{909E8E84-426E-40DD-AFC4-6F175D3DCCD1}">
+              <a14:hiddenFill xmlns:a14="http://schemas.microsoft.com/office/drawing/2010/main">
+                <a:solidFill>
+                  <a:srgbClr val="FFFFFF"/>
+                </a:solidFill>
+              </a14:hiddenFill>
+            </a:ext>
+          </a:extLst>
+        </p:spPr>
+      </p:pic>
+      <p:sp>
+        <p:nvSpPr>
+          <p:cNvPr id="6" name="Rectangle 5">
+            <a:extLst>
+              <a:ext uri="{FF2B5EF4-FFF2-40B4-BE49-F238E27FC236}">
+                <a16:creationId xmlns:a16="http://schemas.microsoft.com/office/drawing/2014/main" id="{8A3AA20C-ADAE-40F3-B8D3-D02E93A4010C}"/>
+              </a:ext>
+            </a:extLst>
+          </p:cNvPr>
+          <p:cNvSpPr/>
+          <p:nvPr/>
+        </p:nvSpPr>
+        <p:spPr>
+          <a:xfrm>
+            <a:off x="6646179" y="4304589"/>
+            <a:ext cx="2335896" cy="369332"/>
+          </a:xfrm>
+          <a:prstGeom prst="rect">
+            <a:avLst/>
+          </a:prstGeom>
+        </p:spPr>
+        <p:txBody>
+          <a:bodyPr wrap="none">
+            <a:spAutoFit/>
+          </a:bodyPr>
+          <a:lstStyle/>
+          <a:p>
+            <a:r>
+              <a:rPr lang="en-US" dirty="0">
+                <a:solidFill>
+                  <a:schemeClr val="bg1"/>
+                </a:solidFill>
+                <a:latin typeface="Candara" panose="020E0502030303020204" pitchFamily="34" charset="0"/>
+              </a:rPr>
+              <a:t>https://xkcd.com/2110/</a:t>
+            </a:r>
+          </a:p>
+        </p:txBody>
+      </p:sp>
+    </p:spTree>
+    <p:extLst>
+      <p:ext uri="{BB962C8B-B14F-4D97-AF65-F5344CB8AC3E}">
+        <p14:creationId xmlns:p14="http://schemas.microsoft.com/office/powerpoint/2010/main" val="3604707865"/>
+      </p:ext>
+    </p:extLst>
+  </p:cSld>
+  <p:clrMapOvr>
+    <a:masterClrMapping/>
+  </p:clrMapOvr>
+</p:sld>
+</file>
+
+<file path=ppt/slides/slide20.xml><?xml version="1.0" encoding="utf-8"?>
 <p:sld xmlns:a="http://schemas.openxmlformats.org/drawingml/2006/main" xmlns:r="http://schemas.openxmlformats.org/officeDocument/2006/relationships" xmlns:p="http://schemas.openxmlformats.org/presentationml/2006/main">
   <p:cSld>
     <p:bg>
@@ -12312,259 +12826,7 @@
 </p:sld>
 </file>
 
-<file path=ppt/slides/slide2.xml><?xml version="1.0" encoding="utf-8"?>
-<p:sld xmlns:a="http://schemas.openxmlformats.org/drawingml/2006/main" xmlns:r="http://schemas.openxmlformats.org/officeDocument/2006/relationships" xmlns:p="http://schemas.openxmlformats.org/presentationml/2006/main">
-  <p:cSld>
-    <p:bg>
-      <p:bgPr>
-        <a:solidFill>
-          <a:schemeClr val="tx1"/>
-        </a:solidFill>
-        <a:effectLst/>
-      </p:bgPr>
-    </p:bg>
-    <p:spTree>
-      <p:nvGrpSpPr>
-        <p:cNvPr id="1" name=""/>
-        <p:cNvGrpSpPr/>
-        <p:nvPr/>
-      </p:nvGrpSpPr>
-      <p:grpSpPr>
-        <a:xfrm>
-          <a:off x="0" y="0"/>
-          <a:ext cx="0" cy="0"/>
-          <a:chOff x="0" y="0"/>
-          <a:chExt cx="0" cy="0"/>
-        </a:xfrm>
-      </p:grpSpPr>
-      <p:sp>
-        <p:nvSpPr>
-          <p:cNvPr id="11" name="TextBox 10">
-            <a:extLst>
-              <a:ext uri="{FF2B5EF4-FFF2-40B4-BE49-F238E27FC236}">
-                <a16:creationId xmlns:a16="http://schemas.microsoft.com/office/drawing/2014/main" id="{94F7AF02-97E2-4C34-A6BC-ADE93CE4F163}"/>
-              </a:ext>
-            </a:extLst>
-          </p:cNvPr>
-          <p:cNvSpPr txBox="1"/>
-          <p:nvPr/>
-        </p:nvSpPr>
-        <p:spPr>
-          <a:xfrm>
-            <a:off x="9525" y="-38784"/>
-            <a:ext cx="1648208" cy="646331"/>
-          </a:xfrm>
-          <a:prstGeom prst="rect">
-            <a:avLst/>
-          </a:prstGeom>
-          <a:noFill/>
-        </p:spPr>
-        <p:txBody>
-          <a:bodyPr wrap="none" rtlCol="0">
-            <a:spAutoFit/>
-          </a:bodyPr>
-          <a:lstStyle/>
-          <a:p>
-            <a:r>
-              <a:rPr lang="en-US" sz="3600" b="1" dirty="0">
-                <a:solidFill>
-                  <a:schemeClr val="bg1"/>
-                </a:solidFill>
-                <a:latin typeface="Candara" panose="020E0502030303020204" pitchFamily="34" charset="0"/>
-              </a:rPr>
-              <a:t>Outline</a:t>
-            </a:r>
-          </a:p>
-        </p:txBody>
-      </p:sp>
-      <p:sp>
-        <p:nvSpPr>
-          <p:cNvPr id="4" name="Rectangle 3">
-            <a:extLst>
-              <a:ext uri="{FF2B5EF4-FFF2-40B4-BE49-F238E27FC236}">
-                <a16:creationId xmlns:a16="http://schemas.microsoft.com/office/drawing/2014/main" id="{5AD40034-C9A7-4F57-8AAC-4BB1F059CBD4}"/>
-              </a:ext>
-            </a:extLst>
-          </p:cNvPr>
-          <p:cNvSpPr/>
-          <p:nvPr/>
-        </p:nvSpPr>
-        <p:spPr>
-          <a:xfrm>
-            <a:off x="237303" y="4181475"/>
-            <a:ext cx="8394970" cy="2308324"/>
-          </a:xfrm>
-          <a:prstGeom prst="rect">
-            <a:avLst/>
-          </a:prstGeom>
-        </p:spPr>
-        <p:txBody>
-          <a:bodyPr wrap="square">
-            <a:spAutoFit/>
-          </a:bodyPr>
-          <a:lstStyle/>
-          <a:p>
-            <a:pPr marL="342900" indent="-342900">
-              <a:buFont typeface="Arial" panose="020B0604020202020204" pitchFamily="34" charset="0"/>
-              <a:buChar char="•"/>
-            </a:pPr>
-            <a:r>
-              <a:rPr lang="en-US" sz="3600" dirty="0">
-                <a:solidFill>
-                  <a:schemeClr val="bg1"/>
-                </a:solidFill>
-                <a:latin typeface="Candara" panose="020E0502030303020204" pitchFamily="34" charset="0"/>
-              </a:rPr>
-              <a:t>Definitions</a:t>
-            </a:r>
-          </a:p>
-          <a:p>
-            <a:pPr marL="342900" indent="-342900">
-              <a:buFont typeface="Arial" panose="020B0604020202020204" pitchFamily="34" charset="0"/>
-              <a:buChar char="•"/>
-            </a:pPr>
-            <a:r>
-              <a:rPr lang="en-US" sz="3600" dirty="0">
-                <a:solidFill>
-                  <a:schemeClr val="bg1"/>
-                </a:solidFill>
-                <a:latin typeface="Candara" panose="020E0502030303020204" pitchFamily="34" charset="0"/>
-              </a:rPr>
-              <a:t>Bias—Variance Compromise</a:t>
-            </a:r>
-          </a:p>
-          <a:p>
-            <a:pPr marL="342900" indent="-342900">
-              <a:buFont typeface="Arial" panose="020B0604020202020204" pitchFamily="34" charset="0"/>
-              <a:buChar char="•"/>
-            </a:pPr>
-            <a:r>
-              <a:rPr lang="en-US" sz="3600" dirty="0">
-                <a:solidFill>
-                  <a:schemeClr val="bg1"/>
-                </a:solidFill>
-                <a:latin typeface="Candara" panose="020E0502030303020204" pitchFamily="34" charset="0"/>
-              </a:rPr>
-              <a:t>Accuracy / Validation</a:t>
-            </a:r>
-          </a:p>
-          <a:p>
-            <a:pPr marL="342900" indent="-342900">
-              <a:buFont typeface="Arial" panose="020B0604020202020204" pitchFamily="34" charset="0"/>
-              <a:buChar char="•"/>
-            </a:pPr>
-            <a:r>
-              <a:rPr lang="en-US" sz="3600" dirty="0">
-                <a:solidFill>
-                  <a:schemeClr val="bg1"/>
-                </a:solidFill>
-                <a:latin typeface="Candara" panose="020E0502030303020204" pitchFamily="34" charset="0"/>
-              </a:rPr>
-              <a:t>Uncertainty</a:t>
-            </a:r>
-          </a:p>
-        </p:txBody>
-      </p:sp>
-      <p:pic>
-        <p:nvPicPr>
-          <p:cNvPr id="5" name="Picture 2" descr="Error Bars">
-            <a:extLst>
-              <a:ext uri="{FF2B5EF4-FFF2-40B4-BE49-F238E27FC236}">
-                <a16:creationId xmlns:a16="http://schemas.microsoft.com/office/drawing/2014/main" id="{EF1CAD1F-AD85-4639-9029-D5D07AF45FB3}"/>
-              </a:ext>
-            </a:extLst>
-          </p:cNvPr>
-          <p:cNvPicPr>
-            <a:picLocks noChangeAspect="1" noChangeArrowheads="1"/>
-          </p:cNvPicPr>
-          <p:nvPr/>
-        </p:nvPicPr>
-        <p:blipFill>
-          <a:blip r:embed="rId3">
-            <a:extLst>
-              <a:ext uri="{28A0092B-C50C-407E-A947-70E740481C1C}">
-                <a14:useLocalDpi xmlns:a14="http://schemas.microsoft.com/office/drawing/2010/main" val="0"/>
-              </a:ext>
-            </a:extLst>
-          </a:blip>
-          <a:srcRect/>
-          <a:stretch>
-            <a:fillRect/>
-          </a:stretch>
-        </p:blipFill>
-        <p:spPr bwMode="auto">
-          <a:xfrm>
-            <a:off x="4628405" y="215972"/>
-            <a:ext cx="4259732" cy="4069567"/>
-          </a:xfrm>
-          <a:prstGeom prst="rect">
-            <a:avLst/>
-          </a:prstGeom>
-          <a:noFill/>
-          <a:extLst>
-            <a:ext uri="{909E8E84-426E-40DD-AFC4-6F175D3DCCD1}">
-              <a14:hiddenFill xmlns:a14="http://schemas.microsoft.com/office/drawing/2010/main">
-                <a:solidFill>
-                  <a:srgbClr val="FFFFFF"/>
-                </a:solidFill>
-              </a14:hiddenFill>
-            </a:ext>
-          </a:extLst>
-        </p:spPr>
-      </p:pic>
-      <p:sp>
-        <p:nvSpPr>
-          <p:cNvPr id="6" name="Rectangle 5">
-            <a:extLst>
-              <a:ext uri="{FF2B5EF4-FFF2-40B4-BE49-F238E27FC236}">
-                <a16:creationId xmlns:a16="http://schemas.microsoft.com/office/drawing/2014/main" id="{8A3AA20C-ADAE-40F3-B8D3-D02E93A4010C}"/>
-              </a:ext>
-            </a:extLst>
-          </p:cNvPr>
-          <p:cNvSpPr/>
-          <p:nvPr/>
-        </p:nvSpPr>
-        <p:spPr>
-          <a:xfrm>
-            <a:off x="6646179" y="4304589"/>
-            <a:ext cx="2335896" cy="369332"/>
-          </a:xfrm>
-          <a:prstGeom prst="rect">
-            <a:avLst/>
-          </a:prstGeom>
-        </p:spPr>
-        <p:txBody>
-          <a:bodyPr wrap="none">
-            <a:spAutoFit/>
-          </a:bodyPr>
-          <a:lstStyle/>
-          <a:p>
-            <a:r>
-              <a:rPr lang="en-US" dirty="0">
-                <a:solidFill>
-                  <a:schemeClr val="bg1"/>
-                </a:solidFill>
-                <a:latin typeface="Candara" panose="020E0502030303020204" pitchFamily="34" charset="0"/>
-              </a:rPr>
-              <a:t>https://xkcd.com/2110/</a:t>
-            </a:r>
-          </a:p>
-        </p:txBody>
-      </p:sp>
-    </p:spTree>
-    <p:extLst>
-      <p:ext uri="{BB962C8B-B14F-4D97-AF65-F5344CB8AC3E}">
-        <p14:creationId xmlns:p14="http://schemas.microsoft.com/office/powerpoint/2010/main" val="3604707865"/>
-      </p:ext>
-    </p:extLst>
-  </p:cSld>
-  <p:clrMapOvr>
-    <a:masterClrMapping/>
-  </p:clrMapOvr>
-</p:sld>
-</file>
-
-<file path=ppt/slides/slide20.xml><?xml version="1.0" encoding="utf-8"?>
+<file path=ppt/slides/slide21.xml><?xml version="1.0" encoding="utf-8"?>
 <p:sld xmlns:a="http://schemas.openxmlformats.org/drawingml/2006/main" xmlns:r="http://schemas.openxmlformats.org/officeDocument/2006/relationships" xmlns:p="http://schemas.openxmlformats.org/presentationml/2006/main">
   <p:cSld>
     <p:bg>
@@ -13075,7 +13337,7 @@
 </p:sld>
 </file>
 
-<file path=ppt/slides/slide21.xml><?xml version="1.0" encoding="utf-8"?>
+<file path=ppt/slides/slide22.xml><?xml version="1.0" encoding="utf-8"?>
 <p:sld xmlns:a="http://schemas.openxmlformats.org/drawingml/2006/main" xmlns:r="http://schemas.openxmlformats.org/officeDocument/2006/relationships" xmlns:p="http://schemas.openxmlformats.org/presentationml/2006/main">
   <p:cSld>
     <p:bg>
@@ -13238,7 +13500,7 @@
 </p:sld>
 </file>
 
-<file path=ppt/slides/slide22.xml><?xml version="1.0" encoding="utf-8"?>
+<file path=ppt/slides/slide23.xml><?xml version="1.0" encoding="utf-8"?>
 <p:sld xmlns:a="http://schemas.openxmlformats.org/drawingml/2006/main" xmlns:r="http://schemas.openxmlformats.org/officeDocument/2006/relationships" xmlns:p="http://schemas.openxmlformats.org/presentationml/2006/main">
   <p:cSld>
     <p:bg>
@@ -13428,7 +13690,7 @@
 </p:sld>
 </file>
 
-<file path=ppt/slides/slide23.xml><?xml version="1.0" encoding="utf-8"?>
+<file path=ppt/slides/slide24.xml><?xml version="1.0" encoding="utf-8"?>
 <p:sld xmlns:a="http://schemas.openxmlformats.org/drawingml/2006/main" xmlns:r="http://schemas.openxmlformats.org/officeDocument/2006/relationships" xmlns:p="http://schemas.openxmlformats.org/presentationml/2006/main">
   <p:cSld>
     <p:bg>
@@ -13540,8 +13802,8 @@
           </a:extLst>
         </p:spPr>
       </p:pic>
-      <mc:AlternateContent xmlns:mc="http://schemas.openxmlformats.org/markup-compatibility/2006">
-        <mc:Choice xmlns:a14="http://schemas.microsoft.com/office/drawing/2010/main" Requires="a14">
+      <mc:AlternateContent xmlns:mc="http://schemas.openxmlformats.org/markup-compatibility/2006" xmlns:a14="http://schemas.microsoft.com/office/drawing/2010/main">
+        <mc:Choice Requires="a14">
           <p:sp>
             <p:nvSpPr>
               <p:cNvPr id="3" name="TextBox 2">
@@ -13726,7 +13988,7 @@
             </p:txBody>
           </p:sp>
         </mc:Choice>
-        <mc:Fallback>
+        <mc:Fallback xmlns="">
           <p:sp>
             <p:nvSpPr>
               <p:cNvPr id="3" name="TextBox 2">
@@ -13978,7 +14240,7 @@
 </p:sld>
 </file>
 
-<file path=ppt/slides/slide24.xml><?xml version="1.0" encoding="utf-8"?>
+<file path=ppt/slides/slide25.xml><?xml version="1.0" encoding="utf-8"?>
 <p:sld xmlns:a="http://schemas.openxmlformats.org/drawingml/2006/main" xmlns:r="http://schemas.openxmlformats.org/officeDocument/2006/relationships" xmlns:p="http://schemas.openxmlformats.org/presentationml/2006/main">
   <p:cSld>
     <p:bg>
@@ -14056,7 +14318,7 @@
 </p:sld>
 </file>
 
-<file path=ppt/slides/slide25.xml><?xml version="1.0" encoding="utf-8"?>
+<file path=ppt/slides/slide26.xml><?xml version="1.0" encoding="utf-8"?>
 <p:sld xmlns:a="http://schemas.openxmlformats.org/drawingml/2006/main" xmlns:r="http://schemas.openxmlformats.org/officeDocument/2006/relationships" xmlns:p="http://schemas.openxmlformats.org/presentationml/2006/main">
   <p:cSld>
     <p:bg>
@@ -14402,8 +14664,8 @@
           </a:p>
         </p:txBody>
       </p:sp>
-      <mc:AlternateContent xmlns:mc="http://schemas.openxmlformats.org/markup-compatibility/2006">
-        <mc:Choice xmlns:a14="http://schemas.microsoft.com/office/drawing/2010/main" Requires="a14">
+      <mc:AlternateContent xmlns:mc="http://schemas.openxmlformats.org/markup-compatibility/2006" xmlns:a14="http://schemas.microsoft.com/office/drawing/2010/main">
+        <mc:Choice Requires="a14">
           <p:sp>
             <p:nvSpPr>
               <p:cNvPr id="6" name="TextBox 5">
@@ -14590,7 +14852,7 @@
             </p:txBody>
           </p:sp>
         </mc:Choice>
-        <mc:Fallback>
+        <mc:Fallback xmlns="">
           <p:sp>
             <p:nvSpPr>
               <p:cNvPr id="6" name="TextBox 5">
@@ -14648,7 +14910,7 @@
 </p:sld>
 </file>
 
-<file path=ppt/slides/slide26.xml><?xml version="1.0" encoding="utf-8"?>
+<file path=ppt/slides/slide27.xml><?xml version="1.0" encoding="utf-8"?>
 <p:sld xmlns:a="http://schemas.openxmlformats.org/drawingml/2006/main" xmlns:r="http://schemas.openxmlformats.org/officeDocument/2006/relationships" xmlns:p="http://schemas.openxmlformats.org/presentationml/2006/main">
   <p:cSld>
     <p:bg>
@@ -14940,8 +15202,8 @@
           </a:p>
         </p:txBody>
       </p:sp>
-      <mc:AlternateContent xmlns:mc="http://schemas.openxmlformats.org/markup-compatibility/2006">
-        <mc:Choice xmlns:a14="http://schemas.microsoft.com/office/drawing/2010/main" Requires="a14">
+      <mc:AlternateContent xmlns:mc="http://schemas.openxmlformats.org/markup-compatibility/2006" xmlns:a14="http://schemas.microsoft.com/office/drawing/2010/main">
+        <mc:Choice Requires="a14">
           <p:sp>
             <p:nvSpPr>
               <p:cNvPr id="5" name="TextBox 4">
@@ -15128,7 +15390,7 @@
             </p:txBody>
           </p:sp>
         </mc:Choice>
-        <mc:Fallback>
+        <mc:Fallback xmlns="">
           <p:sp>
             <p:nvSpPr>
               <p:cNvPr id="5" name="TextBox 4">
@@ -15186,7 +15448,7 @@
 </p:sld>
 </file>
 
-<file path=ppt/slides/slide27.xml><?xml version="1.0" encoding="utf-8"?>
+<file path=ppt/slides/slide28.xml><?xml version="1.0" encoding="utf-8"?>
 <p:sld xmlns:a="http://schemas.openxmlformats.org/drawingml/2006/main" xmlns:r="http://schemas.openxmlformats.org/officeDocument/2006/relationships" xmlns:p="http://schemas.openxmlformats.org/presentationml/2006/main">
   <p:cSld>
     <p:bg>
@@ -15328,8 +15590,8 @@
           </a:prstGeom>
         </p:spPr>
       </p:pic>
-      <mc:AlternateContent xmlns:mc="http://schemas.openxmlformats.org/markup-compatibility/2006">
-        <mc:Choice xmlns:a14="http://schemas.microsoft.com/office/drawing/2010/main" Requires="a14">
+      <mc:AlternateContent xmlns:mc="http://schemas.openxmlformats.org/markup-compatibility/2006" xmlns:a14="http://schemas.microsoft.com/office/drawing/2010/main">
+        <mc:Choice Requires="a14">
           <p:sp>
             <p:nvSpPr>
               <p:cNvPr id="6" name="TextBox 5">
@@ -15516,7 +15778,7 @@
             </p:txBody>
           </p:sp>
         </mc:Choice>
-        <mc:Fallback>
+        <mc:Fallback xmlns="">
           <p:sp>
             <p:nvSpPr>
               <p:cNvPr id="6" name="TextBox 5">
@@ -15574,7 +15836,7 @@
 </p:sld>
 </file>
 
-<file path=ppt/slides/slide28.xml><?xml version="1.0" encoding="utf-8"?>
+<file path=ppt/slides/slide29.xml><?xml version="1.0" encoding="utf-8"?>
 <p:sld xmlns:a="http://schemas.openxmlformats.org/drawingml/2006/main" xmlns:r="http://schemas.openxmlformats.org/officeDocument/2006/relationships" xmlns:p="http://schemas.openxmlformats.org/presentationml/2006/main">
   <p:cSld>
     <p:bg>
@@ -16340,7 +16602,261 @@
 </p:sld>
 </file>
 
-<file path=ppt/slides/slide29.xml><?xml version="1.0" encoding="utf-8"?>
+<file path=ppt/slides/slide3.xml><?xml version="1.0" encoding="utf-8"?>
+<p:sld xmlns:a="http://schemas.openxmlformats.org/drawingml/2006/main" xmlns:r="http://schemas.openxmlformats.org/officeDocument/2006/relationships" xmlns:p="http://schemas.openxmlformats.org/presentationml/2006/main">
+  <p:cSld>
+    <p:spTree>
+      <p:nvGrpSpPr>
+        <p:cNvPr id="1" name=""/>
+        <p:cNvGrpSpPr/>
+        <p:nvPr/>
+      </p:nvGrpSpPr>
+      <p:grpSpPr>
+        <a:xfrm>
+          <a:off x="0" y="0"/>
+          <a:ext cx="0" cy="0"/>
+          <a:chOff x="0" y="0"/>
+          <a:chExt cx="0" cy="0"/>
+        </a:xfrm>
+      </p:grpSpPr>
+      <p:sp>
+        <p:nvSpPr>
+          <p:cNvPr id="2" name="Title 1"/>
+          <p:cNvSpPr>
+            <a:spLocks noGrp="1"/>
+          </p:cNvSpPr>
+          <p:nvPr>
+            <p:ph type="title"/>
+          </p:nvPr>
+        </p:nvSpPr>
+        <p:spPr>
+          <a:xfrm>
+            <a:off x="465513" y="365126"/>
+            <a:ext cx="8162553" cy="1325563"/>
+          </a:xfrm>
+        </p:spPr>
+        <p:txBody>
+          <a:bodyPr>
+            <a:normAutofit/>
+          </a:bodyPr>
+          <a:lstStyle/>
+          <a:p>
+            <a:pPr algn="ctr"/>
+            <a:r>
+              <a:rPr lang="en-US" sz="4000" dirty="0"/>
+              <a:t>Precision vs. Accuracy vs. Uncertainty</a:t>
+            </a:r>
+          </a:p>
+        </p:txBody>
+      </p:sp>
+      <p:sp>
+        <p:nvSpPr>
+          <p:cNvPr id="5" name="Rectangle 4"/>
+          <p:cNvSpPr/>
+          <p:nvPr/>
+        </p:nvSpPr>
+        <p:spPr>
+          <a:xfrm>
+            <a:off x="4541841" y="5863235"/>
+            <a:ext cx="4572000" cy="923330"/>
+          </a:xfrm>
+          <a:prstGeom prst="rect">
+            <a:avLst/>
+          </a:prstGeom>
+        </p:spPr>
+        <p:txBody>
+          <a:bodyPr>
+            <a:spAutoFit/>
+          </a:bodyPr>
+          <a:lstStyle/>
+          <a:p>
+            <a:r>
+              <a:rPr lang="en-US" u="sng" dirty="0"/>
+              <a:t>Uncertainty</a:t>
+            </a:r>
+            <a:r>
+              <a:rPr lang="en-US" dirty="0"/>
+              <a:t>: The </a:t>
+            </a:r>
+            <a:r>
+              <a:rPr lang="en-US" i="1" dirty="0"/>
+              <a:t>estimated</a:t>
+            </a:r>
+            <a:r>
+              <a:rPr lang="en-US" dirty="0"/>
+              <a:t> amount or percentage by which an observed or calculated value may differ from the true value</a:t>
+            </a:r>
+          </a:p>
+        </p:txBody>
+      </p:sp>
+      <p:sp>
+        <p:nvSpPr>
+          <p:cNvPr id="6" name="Rectangle 5"/>
+          <p:cNvSpPr/>
+          <p:nvPr/>
+        </p:nvSpPr>
+        <p:spPr>
+          <a:xfrm>
+            <a:off x="4541841" y="3188365"/>
+            <a:ext cx="4572000" cy="923330"/>
+          </a:xfrm>
+          <a:prstGeom prst="rect">
+            <a:avLst/>
+          </a:prstGeom>
+        </p:spPr>
+        <p:txBody>
+          <a:bodyPr>
+            <a:spAutoFit/>
+          </a:bodyPr>
+          <a:lstStyle/>
+          <a:p>
+            <a:r>
+              <a:rPr lang="en-US" u="sng" dirty="0"/>
+              <a:t>Accuracy:</a:t>
+            </a:r>
+            <a:r>
+              <a:rPr lang="en-US" dirty="0"/>
+              <a:t> The ability of a measurement to match the actual value of the quantity being measured</a:t>
+            </a:r>
+          </a:p>
+        </p:txBody>
+      </p:sp>
+      <p:sp>
+        <p:nvSpPr>
+          <p:cNvPr id="7" name="Rectangle 6"/>
+          <p:cNvSpPr/>
+          <p:nvPr/>
+        </p:nvSpPr>
+        <p:spPr>
+          <a:xfrm>
+            <a:off x="4541841" y="2425664"/>
+            <a:ext cx="4572000" cy="646331"/>
+          </a:xfrm>
+          <a:prstGeom prst="rect">
+            <a:avLst/>
+          </a:prstGeom>
+        </p:spPr>
+        <p:txBody>
+          <a:bodyPr>
+            <a:spAutoFit/>
+          </a:bodyPr>
+          <a:lstStyle/>
+          <a:p>
+            <a:r>
+              <a:rPr lang="en-US" u="sng" dirty="0"/>
+              <a:t>Precision</a:t>
+            </a:r>
+            <a:r>
+              <a:rPr lang="en-US" dirty="0"/>
+              <a:t>: The ability of a measurement to be consistently reproduced</a:t>
+            </a:r>
+          </a:p>
+        </p:txBody>
+      </p:sp>
+      <p:sp>
+        <p:nvSpPr>
+          <p:cNvPr id="3" name="TextBox 2"/>
+          <p:cNvSpPr txBox="1"/>
+          <p:nvPr/>
+        </p:nvSpPr>
+        <p:spPr>
+          <a:xfrm>
+            <a:off x="4804756" y="1899652"/>
+            <a:ext cx="3823310" cy="523220"/>
+          </a:xfrm>
+          <a:prstGeom prst="rect">
+            <a:avLst/>
+          </a:prstGeom>
+          <a:noFill/>
+        </p:spPr>
+        <p:txBody>
+          <a:bodyPr wrap="square" rtlCol="0">
+            <a:spAutoFit/>
+          </a:bodyPr>
+          <a:lstStyle/>
+          <a:p>
+            <a:pPr algn="ctr"/>
+            <a:r>
+              <a:rPr lang="en-US" sz="2800" b="1" dirty="0"/>
+              <a:t>Measurements (Errors)</a:t>
+            </a:r>
+          </a:p>
+        </p:txBody>
+      </p:sp>
+      <p:sp>
+        <p:nvSpPr>
+          <p:cNvPr id="114" name="TextBox 113"/>
+          <p:cNvSpPr txBox="1"/>
+          <p:nvPr/>
+        </p:nvSpPr>
+        <p:spPr>
+          <a:xfrm>
+            <a:off x="4673299" y="5377190"/>
+            <a:ext cx="4086224" cy="523220"/>
+          </a:xfrm>
+          <a:prstGeom prst="rect">
+            <a:avLst/>
+          </a:prstGeom>
+          <a:noFill/>
+        </p:spPr>
+        <p:txBody>
+          <a:bodyPr wrap="square" rtlCol="0">
+            <a:spAutoFit/>
+          </a:bodyPr>
+          <a:lstStyle/>
+          <a:p>
+            <a:pPr algn="ctr"/>
+            <a:r>
+              <a:rPr lang="en-US" sz="2800" b="1" dirty="0"/>
+              <a:t>Modeling (Uncertainty)</a:t>
+            </a:r>
+          </a:p>
+        </p:txBody>
+      </p:sp>
+      <p:pic>
+        <p:nvPicPr>
+          <p:cNvPr id="9" name="Content Placeholder 3"/>
+          <p:cNvPicPr>
+            <a:picLocks noChangeAspect="1"/>
+          </p:cNvPicPr>
+          <p:nvPr/>
+        </p:nvPicPr>
+        <p:blipFill>
+          <a:blip r:embed="rId3" cstate="print">
+            <a:extLst>
+              <a:ext uri="{28A0092B-C50C-407E-A947-70E740481C1C}">
+                <a14:useLocalDpi xmlns:a14="http://schemas.microsoft.com/office/drawing/2010/main"/>
+              </a:ext>
+            </a:extLst>
+          </a:blip>
+          <a:stretch>
+            <a:fillRect/>
+          </a:stretch>
+        </p:blipFill>
+        <p:spPr>
+          <a:xfrm>
+            <a:off x="0" y="2501875"/>
+            <a:ext cx="5791200" cy="3118338"/>
+          </a:xfrm>
+          <a:prstGeom prst="rect">
+            <a:avLst/>
+          </a:prstGeom>
+        </p:spPr>
+      </p:pic>
+    </p:spTree>
+    <p:extLst>
+      <p:ext uri="{BB962C8B-B14F-4D97-AF65-F5344CB8AC3E}">
+        <p14:creationId xmlns:p14="http://schemas.microsoft.com/office/powerpoint/2010/main" val="1218573069"/>
+      </p:ext>
+    </p:extLst>
+  </p:cSld>
+  <p:clrMapOvr>
+    <a:masterClrMapping/>
+  </p:clrMapOvr>
+</p:sld>
+</file>
+
+<file path=ppt/slides/slide30.xml><?xml version="1.0" encoding="utf-8"?>
 <p:sld xmlns:a="http://schemas.openxmlformats.org/drawingml/2006/main" xmlns:r="http://schemas.openxmlformats.org/officeDocument/2006/relationships" xmlns:p="http://schemas.openxmlformats.org/presentationml/2006/main">
   <p:cSld>
     <p:bg>
@@ -16994,261 +17510,7 @@
 </p:sld>
 </file>
 
-<file path=ppt/slides/slide3.xml><?xml version="1.0" encoding="utf-8"?>
-<p:sld xmlns:a="http://schemas.openxmlformats.org/drawingml/2006/main" xmlns:r="http://schemas.openxmlformats.org/officeDocument/2006/relationships" xmlns:p="http://schemas.openxmlformats.org/presentationml/2006/main">
-  <p:cSld>
-    <p:spTree>
-      <p:nvGrpSpPr>
-        <p:cNvPr id="1" name=""/>
-        <p:cNvGrpSpPr/>
-        <p:nvPr/>
-      </p:nvGrpSpPr>
-      <p:grpSpPr>
-        <a:xfrm>
-          <a:off x="0" y="0"/>
-          <a:ext cx="0" cy="0"/>
-          <a:chOff x="0" y="0"/>
-          <a:chExt cx="0" cy="0"/>
-        </a:xfrm>
-      </p:grpSpPr>
-      <p:sp>
-        <p:nvSpPr>
-          <p:cNvPr id="2" name="Title 1"/>
-          <p:cNvSpPr>
-            <a:spLocks noGrp="1"/>
-          </p:cNvSpPr>
-          <p:nvPr>
-            <p:ph type="title"/>
-          </p:nvPr>
-        </p:nvSpPr>
-        <p:spPr>
-          <a:xfrm>
-            <a:off x="465513" y="365126"/>
-            <a:ext cx="8162553" cy="1325563"/>
-          </a:xfrm>
-        </p:spPr>
-        <p:txBody>
-          <a:bodyPr>
-            <a:normAutofit/>
-          </a:bodyPr>
-          <a:lstStyle/>
-          <a:p>
-            <a:pPr algn="ctr"/>
-            <a:r>
-              <a:rPr lang="en-US" sz="4000" dirty="0"/>
-              <a:t>Precision vs. Accuracy vs. Uncertainty</a:t>
-            </a:r>
-          </a:p>
-        </p:txBody>
-      </p:sp>
-      <p:sp>
-        <p:nvSpPr>
-          <p:cNvPr id="5" name="Rectangle 4"/>
-          <p:cNvSpPr/>
-          <p:nvPr/>
-        </p:nvSpPr>
-        <p:spPr>
-          <a:xfrm>
-            <a:off x="4541841" y="5863235"/>
-            <a:ext cx="4572000" cy="923330"/>
-          </a:xfrm>
-          <a:prstGeom prst="rect">
-            <a:avLst/>
-          </a:prstGeom>
-        </p:spPr>
-        <p:txBody>
-          <a:bodyPr>
-            <a:spAutoFit/>
-          </a:bodyPr>
-          <a:lstStyle/>
-          <a:p>
-            <a:r>
-              <a:rPr lang="en-US" u="sng" dirty="0"/>
-              <a:t>Uncertainty</a:t>
-            </a:r>
-            <a:r>
-              <a:rPr lang="en-US" dirty="0"/>
-              <a:t>: The </a:t>
-            </a:r>
-            <a:r>
-              <a:rPr lang="en-US" i="1" dirty="0"/>
-              <a:t>estimated</a:t>
-            </a:r>
-            <a:r>
-              <a:rPr lang="en-US" dirty="0"/>
-              <a:t> amount or percentage by which an observed or calculated value may differ from the true value</a:t>
-            </a:r>
-          </a:p>
-        </p:txBody>
-      </p:sp>
-      <p:sp>
-        <p:nvSpPr>
-          <p:cNvPr id="6" name="Rectangle 5"/>
-          <p:cNvSpPr/>
-          <p:nvPr/>
-        </p:nvSpPr>
-        <p:spPr>
-          <a:xfrm>
-            <a:off x="4541841" y="3188365"/>
-            <a:ext cx="4572000" cy="923330"/>
-          </a:xfrm>
-          <a:prstGeom prst="rect">
-            <a:avLst/>
-          </a:prstGeom>
-        </p:spPr>
-        <p:txBody>
-          <a:bodyPr>
-            <a:spAutoFit/>
-          </a:bodyPr>
-          <a:lstStyle/>
-          <a:p>
-            <a:r>
-              <a:rPr lang="en-US" u="sng" dirty="0"/>
-              <a:t>Accuracy:</a:t>
-            </a:r>
-            <a:r>
-              <a:rPr lang="en-US" dirty="0"/>
-              <a:t> The ability of a measurement to match the actual value of the quantity being measured</a:t>
-            </a:r>
-          </a:p>
-        </p:txBody>
-      </p:sp>
-      <p:sp>
-        <p:nvSpPr>
-          <p:cNvPr id="7" name="Rectangle 6"/>
-          <p:cNvSpPr/>
-          <p:nvPr/>
-        </p:nvSpPr>
-        <p:spPr>
-          <a:xfrm>
-            <a:off x="4541841" y="2425664"/>
-            <a:ext cx="4572000" cy="646331"/>
-          </a:xfrm>
-          <a:prstGeom prst="rect">
-            <a:avLst/>
-          </a:prstGeom>
-        </p:spPr>
-        <p:txBody>
-          <a:bodyPr>
-            <a:spAutoFit/>
-          </a:bodyPr>
-          <a:lstStyle/>
-          <a:p>
-            <a:r>
-              <a:rPr lang="en-US" u="sng" dirty="0"/>
-              <a:t>Precision</a:t>
-            </a:r>
-            <a:r>
-              <a:rPr lang="en-US" dirty="0"/>
-              <a:t>: The ability of a measurement to be consistently reproduced</a:t>
-            </a:r>
-          </a:p>
-        </p:txBody>
-      </p:sp>
-      <p:sp>
-        <p:nvSpPr>
-          <p:cNvPr id="3" name="TextBox 2"/>
-          <p:cNvSpPr txBox="1"/>
-          <p:nvPr/>
-        </p:nvSpPr>
-        <p:spPr>
-          <a:xfrm>
-            <a:off x="4804756" y="1899652"/>
-            <a:ext cx="3823310" cy="523220"/>
-          </a:xfrm>
-          <a:prstGeom prst="rect">
-            <a:avLst/>
-          </a:prstGeom>
-          <a:noFill/>
-        </p:spPr>
-        <p:txBody>
-          <a:bodyPr wrap="square" rtlCol="0">
-            <a:spAutoFit/>
-          </a:bodyPr>
-          <a:lstStyle/>
-          <a:p>
-            <a:pPr algn="ctr"/>
-            <a:r>
-              <a:rPr lang="en-US" sz="2800" b="1" dirty="0"/>
-              <a:t>Measurements (Errors)</a:t>
-            </a:r>
-          </a:p>
-        </p:txBody>
-      </p:sp>
-      <p:sp>
-        <p:nvSpPr>
-          <p:cNvPr id="114" name="TextBox 113"/>
-          <p:cNvSpPr txBox="1"/>
-          <p:nvPr/>
-        </p:nvSpPr>
-        <p:spPr>
-          <a:xfrm>
-            <a:off x="4673299" y="5377190"/>
-            <a:ext cx="4086224" cy="523220"/>
-          </a:xfrm>
-          <a:prstGeom prst="rect">
-            <a:avLst/>
-          </a:prstGeom>
-          <a:noFill/>
-        </p:spPr>
-        <p:txBody>
-          <a:bodyPr wrap="square" rtlCol="0">
-            <a:spAutoFit/>
-          </a:bodyPr>
-          <a:lstStyle/>
-          <a:p>
-            <a:pPr algn="ctr"/>
-            <a:r>
-              <a:rPr lang="en-US" sz="2800" b="1" dirty="0"/>
-              <a:t>Modeling (Uncertainty)</a:t>
-            </a:r>
-          </a:p>
-        </p:txBody>
-      </p:sp>
-      <p:pic>
-        <p:nvPicPr>
-          <p:cNvPr id="9" name="Content Placeholder 3"/>
-          <p:cNvPicPr>
-            <a:picLocks noChangeAspect="1"/>
-          </p:cNvPicPr>
-          <p:nvPr/>
-        </p:nvPicPr>
-        <p:blipFill>
-          <a:blip r:embed="rId3" cstate="print">
-            <a:extLst>
-              <a:ext uri="{28A0092B-C50C-407E-A947-70E740481C1C}">
-                <a14:useLocalDpi xmlns:a14="http://schemas.microsoft.com/office/drawing/2010/main"/>
-              </a:ext>
-            </a:extLst>
-          </a:blip>
-          <a:stretch>
-            <a:fillRect/>
-          </a:stretch>
-        </p:blipFill>
-        <p:spPr>
-          <a:xfrm>
-            <a:off x="0" y="2501875"/>
-            <a:ext cx="5791200" cy="3118338"/>
-          </a:xfrm>
-          <a:prstGeom prst="rect">
-            <a:avLst/>
-          </a:prstGeom>
-        </p:spPr>
-      </p:pic>
-    </p:spTree>
-    <p:extLst>
-      <p:ext uri="{BB962C8B-B14F-4D97-AF65-F5344CB8AC3E}">
-        <p14:creationId xmlns:p14="http://schemas.microsoft.com/office/powerpoint/2010/main" val="1218573069"/>
-      </p:ext>
-    </p:extLst>
-  </p:cSld>
-  <p:clrMapOvr>
-    <a:masterClrMapping/>
-  </p:clrMapOvr>
-</p:sld>
-</file>
-
-<file path=ppt/slides/slide30.xml><?xml version="1.0" encoding="utf-8"?>
+<file path=ppt/slides/slide31.xml><?xml version="1.0" encoding="utf-8"?>
 <p:sld xmlns:a="http://schemas.openxmlformats.org/drawingml/2006/main" xmlns:r="http://schemas.openxmlformats.org/officeDocument/2006/relationships" xmlns:p="http://schemas.openxmlformats.org/presentationml/2006/main">
   <p:cSld>
     <p:bg>
@@ -18014,7 +18276,7 @@
 </p:sld>
 </file>
 
-<file path=ppt/slides/slide31.xml><?xml version="1.0" encoding="utf-8"?>
+<file path=ppt/slides/slide32.xml><?xml version="1.0" encoding="utf-8"?>
 <p:sld xmlns:a="http://schemas.openxmlformats.org/drawingml/2006/main" xmlns:r="http://schemas.openxmlformats.org/officeDocument/2006/relationships" xmlns:p="http://schemas.openxmlformats.org/presentationml/2006/main">
   <p:cSld>
     <p:bg>
@@ -18843,7 +19105,7 @@
 </p:sld>
 </file>
 
-<file path=ppt/slides/slide32.xml><?xml version="1.0" encoding="utf-8"?>
+<file path=ppt/slides/slide33.xml><?xml version="1.0" encoding="utf-8"?>
 <p:sld xmlns:a="http://schemas.openxmlformats.org/drawingml/2006/main" xmlns:r="http://schemas.openxmlformats.org/officeDocument/2006/relationships" xmlns:p="http://schemas.openxmlformats.org/presentationml/2006/main">
   <p:cSld>
     <p:bg>
@@ -19440,7 +19702,7 @@
 </p:sld>
 </file>
 
-<file path=ppt/slides/slide33.xml><?xml version="1.0" encoding="utf-8"?>
+<file path=ppt/slides/slide34.xml><?xml version="1.0" encoding="utf-8"?>
 <p:sld xmlns:a="http://schemas.openxmlformats.org/drawingml/2006/main" xmlns:r="http://schemas.openxmlformats.org/officeDocument/2006/relationships" xmlns:p="http://schemas.openxmlformats.org/presentationml/2006/main">
   <p:cSld>
     <p:bg>
@@ -19548,7 +19810,7 @@
 </p:sld>
 </file>
 
-<file path=ppt/slides/slide34.xml><?xml version="1.0" encoding="utf-8"?>
+<file path=ppt/slides/slide35.xml><?xml version="1.0" encoding="utf-8"?>
 <p:sld xmlns:a="http://schemas.openxmlformats.org/drawingml/2006/main" xmlns:r="http://schemas.openxmlformats.org/officeDocument/2006/relationships" xmlns:p="http://schemas.openxmlformats.org/presentationml/2006/main">
   <p:cSld>
     <p:bg>
@@ -19647,7 +19909,7 @@
                 </a:solidFill>
                 <a:latin typeface="Candara" panose="020E0502030303020204" pitchFamily="34" charset="0"/>
               </a:rPr>
-              <a:t>https://github.com/ncss-tech/stats_for_soil_survey/blob/master/exercise_ideas/mukind-entropy-1.R</a:t>
+              <a:t>https://github.com/ncss-tech/stats_for_soil_survey/blob/master/exercises/mukind-entropy-1.R</a:t>
             </a:r>
           </a:p>
           <a:p>
@@ -19658,7 +19920,7 @@
                 </a:solidFill>
                 <a:latin typeface="Candara" panose="020E0502030303020204" pitchFamily="34" charset="0"/>
               </a:rPr>
-              <a:t>https://github.com/ncss-tech/stats_for_soil_survey/blob/master/exercise_ideas/mukind-entropy-2.R</a:t>
+              <a:t>https://github.com/ncss-tech/stats_for_soil_survey/blob/master/exercises/mukind-entropy-2.R</a:t>
             </a:r>
           </a:p>
           <a:p>
@@ -19669,7 +19931,7 @@
                 </a:solidFill>
                 <a:latin typeface="Candara" panose="020E0502030303020204" pitchFamily="34" charset="0"/>
               </a:rPr>
-              <a:t>https://github.com/ncss-tech/stats_for_soil_survey/blob/master/exercise_ideas/CA792-MAST-STR-modeling.R</a:t>
+              <a:t>https://github.com/ncss-tech/stats_for_soil_survey/blob/master/exercises/CA792-MAST-STR-modeling.R</a:t>
             </a:r>
           </a:p>
         </p:txBody>
@@ -19717,7 +19979,7 @@
 </p:sld>
 </file>
 
-<file path=ppt/slides/slide35.xml><?xml version="1.0" encoding="utf-8"?>
+<file path=ppt/slides/slide36.xml><?xml version="1.0" encoding="utf-8"?>
 <p:sld xmlns:a="http://schemas.openxmlformats.org/drawingml/2006/main" xmlns:r="http://schemas.openxmlformats.org/officeDocument/2006/relationships" xmlns:p="http://schemas.openxmlformats.org/presentationml/2006/main" show="0">
   <p:cSld>
     <p:bg>
@@ -20763,6 +21025,120 @@
       </p:sp>
       <p:pic>
         <p:nvPicPr>
+          <p:cNvPr id="4" name="Picture 3" descr="Diagram&#10;&#10;Description automatically generated">
+            <a:extLst>
+              <a:ext uri="{FF2B5EF4-FFF2-40B4-BE49-F238E27FC236}">
+                <a16:creationId xmlns:a16="http://schemas.microsoft.com/office/drawing/2014/main" id="{A740E860-1CFC-2CED-7707-A2488AA1A1C4}"/>
+              </a:ext>
+            </a:extLst>
+          </p:cNvPr>
+          <p:cNvPicPr>
+            <a:picLocks noChangeAspect="1"/>
+          </p:cNvPicPr>
+          <p:nvPr/>
+        </p:nvPicPr>
+        <p:blipFill>
+          <a:blip r:embed="rId3">
+            <a:extLst>
+              <a:ext uri="{28A0092B-C50C-407E-A947-70E740481C1C}">
+                <a14:useLocalDpi xmlns:a14="http://schemas.microsoft.com/office/drawing/2010/main" val="0"/>
+              </a:ext>
+            </a:extLst>
+          </a:blip>
+          <a:stretch>
+            <a:fillRect/>
+          </a:stretch>
+        </p:blipFill>
+        <p:spPr>
+          <a:xfrm>
+            <a:off x="1218152" y="613486"/>
+            <a:ext cx="6707696" cy="6119908"/>
+          </a:xfrm>
+          <a:prstGeom prst="rect">
+            <a:avLst/>
+          </a:prstGeom>
+        </p:spPr>
+      </p:pic>
+    </p:spTree>
+    <p:extLst>
+      <p:ext uri="{BB962C8B-B14F-4D97-AF65-F5344CB8AC3E}">
+        <p14:creationId xmlns:p14="http://schemas.microsoft.com/office/powerpoint/2010/main" val="1705034854"/>
+      </p:ext>
+    </p:extLst>
+  </p:cSld>
+  <p:clrMapOvr>
+    <a:masterClrMapping/>
+  </p:clrMapOvr>
+</p:sld>
+</file>
+
+<file path=ppt/slides/slide8.xml><?xml version="1.0" encoding="utf-8"?>
+<p:sld xmlns:a="http://schemas.openxmlformats.org/drawingml/2006/main" xmlns:r="http://schemas.openxmlformats.org/officeDocument/2006/relationships" xmlns:p="http://schemas.openxmlformats.org/presentationml/2006/main">
+  <p:cSld>
+    <p:bg>
+      <p:bgPr>
+        <a:solidFill>
+          <a:schemeClr val="tx1"/>
+        </a:solidFill>
+        <a:effectLst/>
+      </p:bgPr>
+    </p:bg>
+    <p:spTree>
+      <p:nvGrpSpPr>
+        <p:cNvPr id="1" name=""/>
+        <p:cNvGrpSpPr/>
+        <p:nvPr/>
+      </p:nvGrpSpPr>
+      <p:grpSpPr>
+        <a:xfrm>
+          <a:off x="0" y="0"/>
+          <a:ext cx="0" cy="0"/>
+          <a:chOff x="0" y="0"/>
+          <a:chExt cx="0" cy="0"/>
+        </a:xfrm>
+      </p:grpSpPr>
+      <p:sp>
+        <p:nvSpPr>
+          <p:cNvPr id="2" name="TextBox 1">
+            <a:extLst>
+              <a:ext uri="{FF2B5EF4-FFF2-40B4-BE49-F238E27FC236}">
+                <a16:creationId xmlns:a16="http://schemas.microsoft.com/office/drawing/2014/main" id="{8620DD9E-4B2E-4CAF-904E-2C385416DD9B}"/>
+              </a:ext>
+            </a:extLst>
+          </p:cNvPr>
+          <p:cNvSpPr txBox="1"/>
+          <p:nvPr/>
+        </p:nvSpPr>
+        <p:spPr>
+          <a:xfrm>
+            <a:off x="9525" y="-38784"/>
+            <a:ext cx="5769336" cy="646331"/>
+          </a:xfrm>
+          <a:prstGeom prst="rect">
+            <a:avLst/>
+          </a:prstGeom>
+          <a:noFill/>
+        </p:spPr>
+        <p:txBody>
+          <a:bodyPr wrap="none" rtlCol="0">
+            <a:spAutoFit/>
+          </a:bodyPr>
+          <a:lstStyle/>
+          <a:p>
+            <a:r>
+              <a:rPr lang="en-US" sz="3600" b="1" dirty="0">
+                <a:solidFill>
+                  <a:schemeClr val="bg1"/>
+                </a:solidFill>
+                <a:latin typeface="Candara" panose="020E0502030303020204" pitchFamily="34" charset="0"/>
+              </a:rPr>
+              <a:t>Bias—Variance Compromise</a:t>
+            </a:r>
+          </a:p>
+        </p:txBody>
+      </p:sp>
+      <p:pic>
+        <p:nvPicPr>
           <p:cNvPr id="5" name="Picture 4">
             <a:extLst>
               <a:ext uri="{FF2B5EF4-FFF2-40B4-BE49-F238E27FC236}">
@@ -20804,7 +21180,7 @@
 </p:sld>
 </file>
 
-<file path=ppt/slides/slide8.xml><?xml version="1.0" encoding="utf-8"?>
+<file path=ppt/slides/slide9.xml><?xml version="1.0" encoding="utf-8"?>
 <p:sld xmlns:a="http://schemas.openxmlformats.org/drawingml/2006/main" xmlns:r="http://schemas.openxmlformats.org/officeDocument/2006/relationships" xmlns:p="http://schemas.openxmlformats.org/presentationml/2006/main">
   <p:cSld>
     <p:bg>
@@ -20909,183 +21285,6 @@
     <p:extLst>
       <p:ext uri="{BB962C8B-B14F-4D97-AF65-F5344CB8AC3E}">
         <p14:creationId xmlns:p14="http://schemas.microsoft.com/office/powerpoint/2010/main" val="1814271878"/>
-      </p:ext>
-    </p:extLst>
-  </p:cSld>
-  <p:clrMapOvr>
-    <a:masterClrMapping/>
-  </p:clrMapOvr>
-</p:sld>
-</file>
-
-<file path=ppt/slides/slide9.xml><?xml version="1.0" encoding="utf-8"?>
-<p:sld xmlns:a="http://schemas.openxmlformats.org/drawingml/2006/main" xmlns:r="http://schemas.openxmlformats.org/officeDocument/2006/relationships" xmlns:p="http://schemas.openxmlformats.org/presentationml/2006/main">
-  <p:cSld>
-    <p:bg>
-      <p:bgPr>
-        <a:solidFill>
-          <a:schemeClr val="tx1"/>
-        </a:solidFill>
-        <a:effectLst/>
-      </p:bgPr>
-    </p:bg>
-    <p:spTree>
-      <p:nvGrpSpPr>
-        <p:cNvPr id="1" name=""/>
-        <p:cNvGrpSpPr/>
-        <p:nvPr/>
-      </p:nvGrpSpPr>
-      <p:grpSpPr>
-        <a:xfrm>
-          <a:off x="0" y="0"/>
-          <a:ext cx="0" cy="0"/>
-          <a:chOff x="0" y="0"/>
-          <a:chExt cx="0" cy="0"/>
-        </a:xfrm>
-      </p:grpSpPr>
-      <p:sp>
-        <p:nvSpPr>
-          <p:cNvPr id="2" name="TextBox 1">
-            <a:extLst>
-              <a:ext uri="{FF2B5EF4-FFF2-40B4-BE49-F238E27FC236}">
-                <a16:creationId xmlns:a16="http://schemas.microsoft.com/office/drawing/2014/main" id="{8620DD9E-4B2E-4CAF-904E-2C385416DD9B}"/>
-              </a:ext>
-            </a:extLst>
-          </p:cNvPr>
-          <p:cNvSpPr txBox="1"/>
-          <p:nvPr/>
-        </p:nvSpPr>
-        <p:spPr>
-          <a:xfrm>
-            <a:off x="9525" y="-38784"/>
-            <a:ext cx="5769336" cy="646331"/>
-          </a:xfrm>
-          <a:prstGeom prst="rect">
-            <a:avLst/>
-          </a:prstGeom>
-          <a:noFill/>
-        </p:spPr>
-        <p:txBody>
-          <a:bodyPr wrap="none" rtlCol="0">
-            <a:spAutoFit/>
-          </a:bodyPr>
-          <a:lstStyle/>
-          <a:p>
-            <a:r>
-              <a:rPr lang="en-US" sz="3600" b="1" dirty="0">
-                <a:solidFill>
-                  <a:schemeClr val="bg1"/>
-                </a:solidFill>
-                <a:latin typeface="Candara" panose="020E0502030303020204" pitchFamily="34" charset="0"/>
-              </a:rPr>
-              <a:t>Bias—Variance Compromise</a:t>
-            </a:r>
-          </a:p>
-        </p:txBody>
-      </p:sp>
-      <p:pic>
-        <p:nvPicPr>
-          <p:cNvPr id="2050" name="Picture 2" descr="Curve-Fitting">
-            <a:extLst>
-              <a:ext uri="{FF2B5EF4-FFF2-40B4-BE49-F238E27FC236}">
-                <a16:creationId xmlns:a16="http://schemas.microsoft.com/office/drawing/2014/main" id="{3E6DFC5D-A942-4E10-998A-BE41CFB2D77D}"/>
-              </a:ext>
-            </a:extLst>
-          </p:cNvPr>
-          <p:cNvPicPr>
-            <a:picLocks noChangeAspect="1" noChangeArrowheads="1"/>
-          </p:cNvPicPr>
-          <p:nvPr/>
-        </p:nvPicPr>
-        <p:blipFill>
-          <a:blip r:embed="rId3">
-            <a:extLst>
-              <a:ext uri="{28A0092B-C50C-407E-A947-70E740481C1C}">
-                <a14:useLocalDpi xmlns:a14="http://schemas.microsoft.com/office/drawing/2010/main" val="0"/>
-              </a:ext>
-            </a:extLst>
-          </a:blip>
-          <a:srcRect/>
-          <a:stretch>
-            <a:fillRect/>
-          </a:stretch>
-        </p:blipFill>
-        <p:spPr bwMode="auto">
-          <a:xfrm>
-            <a:off x="2607829" y="556168"/>
-            <a:ext cx="3928341" cy="6234545"/>
-          </a:xfrm>
-          <a:prstGeom prst="rect">
-            <a:avLst/>
-          </a:prstGeom>
-          <a:noFill/>
-          <a:extLst>
-            <a:ext uri="{909E8E84-426E-40DD-AFC4-6F175D3DCCD1}">
-              <a14:hiddenFill xmlns:a14="http://schemas.microsoft.com/office/drawing/2010/main">
-                <a:solidFill>
-                  <a:srgbClr val="FFFFFF"/>
-                </a:solidFill>
-              </a14:hiddenFill>
-            </a:ext>
-          </a:extLst>
-        </p:spPr>
-      </p:pic>
-      <p:sp>
-        <p:nvSpPr>
-          <p:cNvPr id="3" name="Rectangle 2">
-            <a:extLst>
-              <a:ext uri="{FF2B5EF4-FFF2-40B4-BE49-F238E27FC236}">
-                <a16:creationId xmlns:a16="http://schemas.microsoft.com/office/drawing/2014/main" id="{E95F6645-1DB8-4A81-809F-4789160A7789}"/>
-              </a:ext>
-            </a:extLst>
-          </p:cNvPr>
-          <p:cNvSpPr/>
-          <p:nvPr/>
-        </p:nvSpPr>
-        <p:spPr>
-          <a:xfrm>
-            <a:off x="6701820" y="6421381"/>
-            <a:ext cx="2432654" cy="369332"/>
-          </a:xfrm>
-          <a:prstGeom prst="rect">
-            <a:avLst/>
-          </a:prstGeom>
-        </p:spPr>
-        <p:txBody>
-          <a:bodyPr wrap="none">
-            <a:spAutoFit/>
-          </a:bodyPr>
-          <a:lstStyle/>
-          <a:p>
-            <a:r>
-              <a:rPr lang="en-US" dirty="0">
-                <a:solidFill>
-                  <a:schemeClr val="bg1"/>
-                </a:solidFill>
-                <a:latin typeface="Candara" panose="020E0502030303020204" pitchFamily="34" charset="0"/>
-                <a:hlinkClick r:id="rId4">
-                  <a:extLst>
-                    <a:ext uri="{A12FA001-AC4F-418D-AE19-62706E023703}">
-                      <ahyp:hlinkClr xmlns:ahyp="http://schemas.microsoft.com/office/drawing/2018/hyperlinkcolor" val="tx"/>
-                    </a:ext>
-                  </a:extLst>
-                </a:hlinkClick>
-              </a:rPr>
-              <a:t>https://xkcd.com/2048/</a:t>
-            </a:r>
-            <a:endParaRPr lang="en-US" dirty="0">
-              <a:solidFill>
-                <a:schemeClr val="bg1"/>
-              </a:solidFill>
-              <a:latin typeface="Candara" panose="020E0502030303020204" pitchFamily="34" charset="0"/>
-            </a:endParaRPr>
-          </a:p>
-        </p:txBody>
-      </p:sp>
-    </p:spTree>
-    <p:extLst>
-      <p:ext uri="{BB962C8B-B14F-4D97-AF65-F5344CB8AC3E}">
-        <p14:creationId xmlns:p14="http://schemas.microsoft.com/office/powerpoint/2010/main" val="70866279"/>
       </p:ext>
     </p:extLst>
   </p:cSld>

--- a/presentations/9_uncert_validation/9. Uncertainty_and_Validation_Beaudette.pptx
+++ b/presentations/9_uncert_validation/9. Uncertainty_and_Validation_Beaudette.pptx
@@ -5,7 +5,7 @@
     <p:sldMasterId id="2147483660" r:id="rId1"/>
   </p:sldMasterIdLst>
   <p:notesMasterIdLst>
-    <p:notesMasterId r:id="rId38"/>
+    <p:notesMasterId r:id="rId39"/>
   </p:notesMasterIdLst>
   <p:sldIdLst>
     <p:sldId id="257" r:id="rId2"/>
@@ -22,28 +22,29 @@
     <p:sldId id="338" r:id="rId13"/>
     <p:sldId id="340" r:id="rId14"/>
     <p:sldId id="337" r:id="rId15"/>
-    <p:sldId id="351" r:id="rId16"/>
-    <p:sldId id="353" r:id="rId17"/>
-    <p:sldId id="350" r:id="rId18"/>
-    <p:sldId id="352" r:id="rId19"/>
-    <p:sldId id="346" r:id="rId20"/>
-    <p:sldId id="356" r:id="rId21"/>
-    <p:sldId id="354" r:id="rId22"/>
-    <p:sldId id="334" r:id="rId23"/>
-    <p:sldId id="366" r:id="rId24"/>
-    <p:sldId id="343" r:id="rId25"/>
-    <p:sldId id="365" r:id="rId26"/>
-    <p:sldId id="357" r:id="rId27"/>
-    <p:sldId id="358" r:id="rId28"/>
-    <p:sldId id="364" r:id="rId29"/>
-    <p:sldId id="355" r:id="rId30"/>
-    <p:sldId id="362" r:id="rId31"/>
-    <p:sldId id="360" r:id="rId32"/>
-    <p:sldId id="363" r:id="rId33"/>
-    <p:sldId id="361" r:id="rId34"/>
-    <p:sldId id="317" r:id="rId35"/>
-    <p:sldId id="323" r:id="rId36"/>
-    <p:sldId id="332" r:id="rId37"/>
+    <p:sldId id="369" r:id="rId16"/>
+    <p:sldId id="351" r:id="rId17"/>
+    <p:sldId id="353" r:id="rId18"/>
+    <p:sldId id="350" r:id="rId19"/>
+    <p:sldId id="352" r:id="rId20"/>
+    <p:sldId id="346" r:id="rId21"/>
+    <p:sldId id="356" r:id="rId22"/>
+    <p:sldId id="354" r:id="rId23"/>
+    <p:sldId id="334" r:id="rId24"/>
+    <p:sldId id="366" r:id="rId25"/>
+    <p:sldId id="343" r:id="rId26"/>
+    <p:sldId id="365" r:id="rId27"/>
+    <p:sldId id="357" r:id="rId28"/>
+    <p:sldId id="358" r:id="rId29"/>
+    <p:sldId id="364" r:id="rId30"/>
+    <p:sldId id="355" r:id="rId31"/>
+    <p:sldId id="362" r:id="rId32"/>
+    <p:sldId id="360" r:id="rId33"/>
+    <p:sldId id="363" r:id="rId34"/>
+    <p:sldId id="361" r:id="rId35"/>
+    <p:sldId id="317" r:id="rId36"/>
+    <p:sldId id="323" r:id="rId37"/>
+    <p:sldId id="332" r:id="rId38"/>
   </p:sldIdLst>
   <p:sldSz cx="9144000" cy="6858000" type="screen4x3"/>
   <p:notesSz cx="6858000" cy="9144000"/>
@@ -1135,7 +1136,7 @@
     </p:spTree>
     <p:extLst>
       <p:ext uri="{BB962C8B-B14F-4D97-AF65-F5344CB8AC3E}">
-        <p14:creationId xmlns:p14="http://schemas.microsoft.com/office/powerpoint/2010/main" val="1117246393"/>
+        <p14:creationId xmlns:p14="http://schemas.microsoft.com/office/powerpoint/2010/main" val="2750842918"/>
       </p:ext>
     </p:extLst>
   </p:cSld>
@@ -1219,7 +1220,7 @@
     </p:spTree>
     <p:extLst>
       <p:ext uri="{BB962C8B-B14F-4D97-AF65-F5344CB8AC3E}">
-        <p14:creationId xmlns:p14="http://schemas.microsoft.com/office/powerpoint/2010/main" val="522285589"/>
+        <p14:creationId xmlns:p14="http://schemas.microsoft.com/office/powerpoint/2010/main" val="1117246393"/>
       </p:ext>
     </p:extLst>
   </p:cSld>
@@ -1303,7 +1304,7 @@
     </p:spTree>
     <p:extLst>
       <p:ext uri="{BB962C8B-B14F-4D97-AF65-F5344CB8AC3E}">
-        <p14:creationId xmlns:p14="http://schemas.microsoft.com/office/powerpoint/2010/main" val="4105102242"/>
+        <p14:creationId xmlns:p14="http://schemas.microsoft.com/office/powerpoint/2010/main" val="522285589"/>
       </p:ext>
     </p:extLst>
   </p:cSld>
@@ -1387,7 +1388,7 @@
     </p:spTree>
     <p:extLst>
       <p:ext uri="{BB962C8B-B14F-4D97-AF65-F5344CB8AC3E}">
-        <p14:creationId xmlns:p14="http://schemas.microsoft.com/office/powerpoint/2010/main" val="1869342958"/>
+        <p14:creationId xmlns:p14="http://schemas.microsoft.com/office/powerpoint/2010/main" val="4105102242"/>
       </p:ext>
     </p:extLst>
   </p:cSld>
@@ -1471,7 +1472,7 @@
     </p:spTree>
     <p:extLst>
       <p:ext uri="{BB962C8B-B14F-4D97-AF65-F5344CB8AC3E}">
-        <p14:creationId xmlns:p14="http://schemas.microsoft.com/office/powerpoint/2010/main" val="3985200639"/>
+        <p14:creationId xmlns:p14="http://schemas.microsoft.com/office/powerpoint/2010/main" val="1869342958"/>
       </p:ext>
     </p:extLst>
   </p:cSld>
@@ -1639,7 +1640,7 @@
     </p:spTree>
     <p:extLst>
       <p:ext uri="{BB962C8B-B14F-4D97-AF65-F5344CB8AC3E}">
-        <p14:creationId xmlns:p14="http://schemas.microsoft.com/office/powerpoint/2010/main" val="2566962196"/>
+        <p14:creationId xmlns:p14="http://schemas.microsoft.com/office/powerpoint/2010/main" val="3985200639"/>
       </p:ext>
     </p:extLst>
   </p:cSld>
@@ -1723,7 +1724,7 @@
     </p:spTree>
     <p:extLst>
       <p:ext uri="{BB962C8B-B14F-4D97-AF65-F5344CB8AC3E}">
-        <p14:creationId xmlns:p14="http://schemas.microsoft.com/office/powerpoint/2010/main" val="317085200"/>
+        <p14:creationId xmlns:p14="http://schemas.microsoft.com/office/powerpoint/2010/main" val="2566962196"/>
       </p:ext>
     </p:extLst>
   </p:cSld>
@@ -1807,7 +1808,7 @@
     </p:spTree>
     <p:extLst>
       <p:ext uri="{BB962C8B-B14F-4D97-AF65-F5344CB8AC3E}">
-        <p14:creationId xmlns:p14="http://schemas.microsoft.com/office/powerpoint/2010/main" val="2536461624"/>
+        <p14:creationId xmlns:p14="http://schemas.microsoft.com/office/powerpoint/2010/main" val="317085200"/>
       </p:ext>
     </p:extLst>
   </p:cSld>
@@ -1861,10 +1862,7 @@
           <a:bodyPr/>
           <a:lstStyle/>
           <a:p>
-            <a:r>
-              <a:rPr lang="en-US" dirty="0"/>
-              <a:t>related, but not the same</a:t>
-            </a:r>
+            <a:endParaRPr lang="en-US" dirty="0"/>
           </a:p>
         </p:txBody>
       </p:sp>
@@ -1894,7 +1892,7 @@
     </p:spTree>
     <p:extLst>
       <p:ext uri="{BB962C8B-B14F-4D97-AF65-F5344CB8AC3E}">
-        <p14:creationId xmlns:p14="http://schemas.microsoft.com/office/powerpoint/2010/main" val="1124252021"/>
+        <p14:creationId xmlns:p14="http://schemas.microsoft.com/office/powerpoint/2010/main" val="2536461624"/>
       </p:ext>
     </p:extLst>
   </p:cSld>
@@ -1948,7 +1946,10 @@
           <a:bodyPr/>
           <a:lstStyle/>
           <a:p>
-            <a:endParaRPr lang="en-US" dirty="0"/>
+            <a:r>
+              <a:rPr lang="en-US" dirty="0"/>
+              <a:t>related, but not the same</a:t>
+            </a:r>
           </a:p>
         </p:txBody>
       </p:sp>
@@ -1978,7 +1979,7 @@
     </p:spTree>
     <p:extLst>
       <p:ext uri="{BB962C8B-B14F-4D97-AF65-F5344CB8AC3E}">
-        <p14:creationId xmlns:p14="http://schemas.microsoft.com/office/powerpoint/2010/main" val="2698843015"/>
+        <p14:creationId xmlns:p14="http://schemas.microsoft.com/office/powerpoint/2010/main" val="1124252021"/>
       </p:ext>
     </p:extLst>
   </p:cSld>
@@ -2062,7 +2063,7 @@
     </p:spTree>
     <p:extLst>
       <p:ext uri="{BB962C8B-B14F-4D97-AF65-F5344CB8AC3E}">
-        <p14:creationId xmlns:p14="http://schemas.microsoft.com/office/powerpoint/2010/main" val="1426037521"/>
+        <p14:creationId xmlns:p14="http://schemas.microsoft.com/office/powerpoint/2010/main" val="2698843015"/>
       </p:ext>
     </p:extLst>
   </p:cSld>
@@ -2146,7 +2147,7 @@
     </p:spTree>
     <p:extLst>
       <p:ext uri="{BB962C8B-B14F-4D97-AF65-F5344CB8AC3E}">
-        <p14:creationId xmlns:p14="http://schemas.microsoft.com/office/powerpoint/2010/main" val="215829746"/>
+        <p14:creationId xmlns:p14="http://schemas.microsoft.com/office/powerpoint/2010/main" val="1426037521"/>
       </p:ext>
     </p:extLst>
   </p:cSld>
@@ -2230,7 +2231,7 @@
     </p:spTree>
     <p:extLst>
       <p:ext uri="{BB962C8B-B14F-4D97-AF65-F5344CB8AC3E}">
-        <p14:creationId xmlns:p14="http://schemas.microsoft.com/office/powerpoint/2010/main" val="1415862704"/>
+        <p14:creationId xmlns:p14="http://schemas.microsoft.com/office/powerpoint/2010/main" val="215829746"/>
       </p:ext>
     </p:extLst>
   </p:cSld>
@@ -2314,7 +2315,7 @@
     </p:spTree>
     <p:extLst>
       <p:ext uri="{BB962C8B-B14F-4D97-AF65-F5344CB8AC3E}">
-        <p14:creationId xmlns:p14="http://schemas.microsoft.com/office/powerpoint/2010/main" val="1499160887"/>
+        <p14:creationId xmlns:p14="http://schemas.microsoft.com/office/powerpoint/2010/main" val="1415862704"/>
       </p:ext>
     </p:extLst>
   </p:cSld>
@@ -2368,10 +2369,7 @@
           <a:bodyPr/>
           <a:lstStyle/>
           <a:p>
-            <a:r>
-              <a:rPr lang="en-US" dirty="0"/>
-              <a:t>using normalized Shannon entropy</a:t>
-            </a:r>
+            <a:endParaRPr lang="en-US" dirty="0"/>
           </a:p>
         </p:txBody>
       </p:sp>
@@ -2401,7 +2399,7 @@
     </p:spTree>
     <p:extLst>
       <p:ext uri="{BB962C8B-B14F-4D97-AF65-F5344CB8AC3E}">
-        <p14:creationId xmlns:p14="http://schemas.microsoft.com/office/powerpoint/2010/main" val="3494189358"/>
+        <p14:creationId xmlns:p14="http://schemas.microsoft.com/office/powerpoint/2010/main" val="1499160887"/>
       </p:ext>
     </p:extLst>
   </p:cSld>
@@ -2571,7 +2569,10 @@
           <a:bodyPr/>
           <a:lstStyle/>
           <a:p>
-            <a:endParaRPr lang="en-US" dirty="0"/>
+            <a:r>
+              <a:rPr lang="en-US" dirty="0"/>
+              <a:t>using normalized Shannon entropy</a:t>
+            </a:r>
           </a:p>
         </p:txBody>
       </p:sp>
@@ -2601,7 +2602,7 @@
     </p:spTree>
     <p:extLst>
       <p:ext uri="{BB962C8B-B14F-4D97-AF65-F5344CB8AC3E}">
-        <p14:creationId xmlns:p14="http://schemas.microsoft.com/office/powerpoint/2010/main" val="2394130383"/>
+        <p14:creationId xmlns:p14="http://schemas.microsoft.com/office/powerpoint/2010/main" val="3494189358"/>
       </p:ext>
     </p:extLst>
   </p:cSld>
@@ -2655,14 +2656,7 @@
           <a:bodyPr/>
           <a:lstStyle/>
           <a:p>
-            <a:r>
-              <a:rPr lang="en-US" dirty="0" err="1"/>
-              <a:t>DSMorph</a:t>
-            </a:r>
-            <a:r>
-              <a:rPr lang="en-US" dirty="0"/>
-              <a:t> Book chapter 18</a:t>
-            </a:r>
+            <a:endParaRPr lang="en-US" dirty="0"/>
           </a:p>
         </p:txBody>
       </p:sp>
@@ -2692,7 +2686,7 @@
     </p:spTree>
     <p:extLst>
       <p:ext uri="{BB962C8B-B14F-4D97-AF65-F5344CB8AC3E}">
-        <p14:creationId xmlns:p14="http://schemas.microsoft.com/office/powerpoint/2010/main" val="4268769645"/>
+        <p14:creationId xmlns:p14="http://schemas.microsoft.com/office/powerpoint/2010/main" val="2394130383"/>
       </p:ext>
     </p:extLst>
   </p:cSld>
@@ -2747,8 +2741,12 @@
           <a:lstStyle/>
           <a:p>
             <a:r>
+              <a:rPr lang="en-US" dirty="0" err="1"/>
+              <a:t>DSMorph</a:t>
+            </a:r>
+            <a:r>
               <a:rPr lang="en-US" dirty="0"/>
-              <a:t>https://acsess.onlinelibrary.wiley.com/doi/10.1002/saj2.20219</a:t>
+              <a:t> Book chapter 18</a:t>
             </a:r>
           </a:p>
         </p:txBody>
@@ -2779,7 +2777,7 @@
     </p:spTree>
     <p:extLst>
       <p:ext uri="{BB962C8B-B14F-4D97-AF65-F5344CB8AC3E}">
-        <p14:creationId xmlns:p14="http://schemas.microsoft.com/office/powerpoint/2010/main" val="1356851544"/>
+        <p14:creationId xmlns:p14="http://schemas.microsoft.com/office/powerpoint/2010/main" val="4268769645"/>
       </p:ext>
     </p:extLst>
   </p:cSld>
@@ -2833,7 +2831,10 @@
           <a:bodyPr/>
           <a:lstStyle/>
           <a:p>
-            <a:endParaRPr lang="en-US" dirty="0"/>
+            <a:r>
+              <a:rPr lang="en-US" dirty="0"/>
+              <a:t>https://acsess.onlinelibrary.wiley.com/doi/10.1002/saj2.20219</a:t>
+            </a:r>
           </a:p>
         </p:txBody>
       </p:sp>
@@ -2863,7 +2864,7 @@
     </p:spTree>
     <p:extLst>
       <p:ext uri="{BB962C8B-B14F-4D97-AF65-F5344CB8AC3E}">
-        <p14:creationId xmlns:p14="http://schemas.microsoft.com/office/powerpoint/2010/main" val="3508908563"/>
+        <p14:creationId xmlns:p14="http://schemas.microsoft.com/office/powerpoint/2010/main" val="1356851544"/>
       </p:ext>
     </p:extLst>
   </p:cSld>
@@ -2947,7 +2948,7 @@
     </p:spTree>
     <p:extLst>
       <p:ext uri="{BB962C8B-B14F-4D97-AF65-F5344CB8AC3E}">
-        <p14:creationId xmlns:p14="http://schemas.microsoft.com/office/powerpoint/2010/main" val="157695685"/>
+        <p14:creationId xmlns:p14="http://schemas.microsoft.com/office/powerpoint/2010/main" val="3508908563"/>
       </p:ext>
     </p:extLst>
   </p:cSld>
@@ -3031,7 +3032,7 @@
     </p:spTree>
     <p:extLst>
       <p:ext uri="{BB962C8B-B14F-4D97-AF65-F5344CB8AC3E}">
-        <p14:creationId xmlns:p14="http://schemas.microsoft.com/office/powerpoint/2010/main" val="945491892"/>
+        <p14:creationId xmlns:p14="http://schemas.microsoft.com/office/powerpoint/2010/main" val="157695685"/>
       </p:ext>
     </p:extLst>
   </p:cSld>
@@ -3107,6 +3108,90 @@
             <a:fld id="{459BFACE-0DFB-44A8-9511-CBB7B0A920B6}" type="slidenum">
               <a:rPr lang="en-US" smtClean="0"/>
               <a:t>36</a:t>
+            </a:fld>
+            <a:endParaRPr lang="en-US"/>
+          </a:p>
+        </p:txBody>
+      </p:sp>
+    </p:spTree>
+    <p:extLst>
+      <p:ext uri="{BB962C8B-B14F-4D97-AF65-F5344CB8AC3E}">
+        <p14:creationId xmlns:p14="http://schemas.microsoft.com/office/powerpoint/2010/main" val="945491892"/>
+      </p:ext>
+    </p:extLst>
+  </p:cSld>
+  <p:clrMapOvr>
+    <a:masterClrMapping/>
+  </p:clrMapOvr>
+</p:notes>
+</file>
+
+<file path=ppt/notesSlides/notesSlide37.xml><?xml version="1.0" encoding="utf-8"?>
+<p:notes xmlns:a="http://schemas.openxmlformats.org/drawingml/2006/main" xmlns:r="http://schemas.openxmlformats.org/officeDocument/2006/relationships" xmlns:p="http://schemas.openxmlformats.org/presentationml/2006/main">
+  <p:cSld>
+    <p:spTree>
+      <p:nvGrpSpPr>
+        <p:cNvPr id="1" name=""/>
+        <p:cNvGrpSpPr/>
+        <p:nvPr/>
+      </p:nvGrpSpPr>
+      <p:grpSpPr>
+        <a:xfrm>
+          <a:off x="0" y="0"/>
+          <a:ext cx="0" cy="0"/>
+          <a:chOff x="0" y="0"/>
+          <a:chExt cx="0" cy="0"/>
+        </a:xfrm>
+      </p:grpSpPr>
+      <p:sp>
+        <p:nvSpPr>
+          <p:cNvPr id="2" name="Slide Image Placeholder 1"/>
+          <p:cNvSpPr>
+            <a:spLocks noGrp="1" noRot="1" noChangeAspect="1"/>
+          </p:cNvSpPr>
+          <p:nvPr>
+            <p:ph type="sldImg"/>
+          </p:nvPr>
+        </p:nvSpPr>
+        <p:spPr/>
+      </p:sp>
+      <p:sp>
+        <p:nvSpPr>
+          <p:cNvPr id="3" name="Notes Placeholder 2"/>
+          <p:cNvSpPr>
+            <a:spLocks noGrp="1"/>
+          </p:cNvSpPr>
+          <p:nvPr>
+            <p:ph type="body" idx="1"/>
+          </p:nvPr>
+        </p:nvSpPr>
+        <p:spPr/>
+        <p:txBody>
+          <a:bodyPr/>
+          <a:lstStyle/>
+          <a:p>
+            <a:endParaRPr lang="en-US" dirty="0"/>
+          </a:p>
+        </p:txBody>
+      </p:sp>
+      <p:sp>
+        <p:nvSpPr>
+          <p:cNvPr id="4" name="Slide Number Placeholder 3"/>
+          <p:cNvSpPr>
+            <a:spLocks noGrp="1"/>
+          </p:cNvSpPr>
+          <p:nvPr>
+            <p:ph type="sldNum" sz="quarter" idx="10"/>
+          </p:nvPr>
+        </p:nvSpPr>
+        <p:spPr/>
+        <p:txBody>
+          <a:bodyPr/>
+          <a:lstStyle/>
+          <a:p>
+            <a:fld id="{459BFACE-0DFB-44A8-9511-CBB7B0A920B6}" type="slidenum">
+              <a:rPr lang="en-US" smtClean="0"/>
+              <a:t>37</a:t>
             </a:fld>
             <a:endParaRPr lang="en-US"/>
           </a:p>
@@ -8684,6 +8769,233 @@
         <p:spPr>
           <a:xfrm>
             <a:off x="9525" y="-38784"/>
+            <a:ext cx="4141903" cy="646331"/>
+          </a:xfrm>
+          <a:prstGeom prst="rect">
+            <a:avLst/>
+          </a:prstGeom>
+          <a:noFill/>
+        </p:spPr>
+        <p:txBody>
+          <a:bodyPr wrap="none" rtlCol="0">
+            <a:spAutoFit/>
+          </a:bodyPr>
+          <a:lstStyle/>
+          <a:p>
+            <a:r>
+              <a:rPr lang="en-US" sz="3600" b="1" dirty="0">
+                <a:solidFill>
+                  <a:schemeClr val="bg1"/>
+                </a:solidFill>
+                <a:latin typeface="Candara" panose="020E0502030303020204" pitchFamily="34" charset="0"/>
+              </a:rPr>
+              <a:t>Apparent Validation</a:t>
+            </a:r>
+          </a:p>
+        </p:txBody>
+      </p:sp>
+      <mc:AlternateContent xmlns:mc="http://schemas.openxmlformats.org/markup-compatibility/2006">
+        <mc:Choice xmlns:a14="http://schemas.microsoft.com/office/drawing/2010/main" Requires="a14">
+          <p:sp>
+            <p:nvSpPr>
+              <p:cNvPr id="2" name="Rectangle 1">
+                <a:extLst>
+                  <a:ext uri="{FF2B5EF4-FFF2-40B4-BE49-F238E27FC236}">
+                    <a16:creationId xmlns:a16="http://schemas.microsoft.com/office/drawing/2014/main" id="{84A8AAE2-5A41-4864-9BCA-3DCFD5CE5D70}"/>
+                  </a:ext>
+                </a:extLst>
+              </p:cNvPr>
+              <p:cNvSpPr/>
+              <p:nvPr/>
+            </p:nvSpPr>
+            <p:spPr>
+              <a:xfrm>
+                <a:off x="1321622" y="6348450"/>
+                <a:ext cx="6858994" cy="369332"/>
+              </a:xfrm>
+              <a:prstGeom prst="rect">
+                <a:avLst/>
+              </a:prstGeom>
+            </p:spPr>
+            <p:txBody>
+              <a:bodyPr wrap="none">
+                <a:spAutoFit/>
+              </a:bodyPr>
+              <a:lstStyle/>
+              <a:p>
+                <a:r>
+                  <a:rPr lang="en-US" dirty="0">
+                    <a:solidFill>
+                      <a:schemeClr val="bg1"/>
+                    </a:solidFill>
+                    <a:latin typeface="Candara" panose="020E0502030303020204" pitchFamily="34" charset="0"/>
+                  </a:rPr>
+                  <a:t>be careful with apparent validation: these all share the same </a:t>
+                </a:r>
+                <a14:m>
+                  <m:oMath xmlns:m="http://schemas.openxmlformats.org/officeDocument/2006/math">
+                    <m:r>
+                      <a:rPr lang="en-US" i="1" smtClean="0">
+                        <a:solidFill>
+                          <a:schemeClr val="bg1"/>
+                        </a:solidFill>
+                        <a:latin typeface="Cambria Math" panose="02040503050406030204" pitchFamily="18" charset="0"/>
+                      </a:rPr>
+                      <m:t>𝑅</m:t>
+                    </m:r>
+                    <m:r>
+                      <a:rPr lang="en-US" b="0" i="1" smtClean="0">
+                        <a:solidFill>
+                          <a:schemeClr val="bg1"/>
+                        </a:solidFill>
+                        <a:latin typeface="Cambria Math" panose="02040503050406030204" pitchFamily="18" charset="0"/>
+                      </a:rPr>
+                      <m:t>𝑀𝑆𝐸</m:t>
+                    </m:r>
+                  </m:oMath>
+                </a14:m>
+                <a:r>
+                  <a:rPr lang="en-US" dirty="0">
+                    <a:solidFill>
+                      <a:schemeClr val="bg1"/>
+                    </a:solidFill>
+                    <a:latin typeface="Candara" panose="020E0502030303020204" pitchFamily="34" charset="0"/>
+                  </a:rPr>
+                  <a:t> ! </a:t>
+                </a:r>
+                <a:endParaRPr lang="en-US" dirty="0"/>
+              </a:p>
+            </p:txBody>
+          </p:sp>
+        </mc:Choice>
+        <mc:Fallback>
+          <p:sp>
+            <p:nvSpPr>
+              <p:cNvPr id="2" name="Rectangle 1">
+                <a:extLst>
+                  <a:ext uri="{FF2B5EF4-FFF2-40B4-BE49-F238E27FC236}">
+                    <a16:creationId xmlns:a16="http://schemas.microsoft.com/office/drawing/2014/main" id="{84A8AAE2-5A41-4864-9BCA-3DCFD5CE5D70}"/>
+                  </a:ext>
+                </a:extLst>
+              </p:cNvPr>
+              <p:cNvSpPr>
+                <a:spLocks noRot="1" noChangeAspect="1" noMove="1" noResize="1" noEditPoints="1" noAdjustHandles="1" noChangeArrowheads="1" noChangeShapeType="1" noTextEdit="1"/>
+              </p:cNvSpPr>
+              <p:nvPr/>
+            </p:nvSpPr>
+            <p:spPr>
+              <a:xfrm>
+                <a:off x="1321622" y="6348450"/>
+                <a:ext cx="6858994" cy="369332"/>
+              </a:xfrm>
+              <a:prstGeom prst="rect">
+                <a:avLst/>
+              </a:prstGeom>
+              <a:blipFill>
+                <a:blip r:embed="rId3"/>
+                <a:stretch>
+                  <a:fillRect l="-800" t="-8197" b="-24590"/>
+                </a:stretch>
+              </a:blipFill>
+            </p:spPr>
+            <p:txBody>
+              <a:bodyPr/>
+              <a:lstStyle/>
+              <a:p>
+                <a:r>
+                  <a:rPr lang="en-US">
+                    <a:noFill/>
+                  </a:rPr>
+                  <a:t> </a:t>
+                </a:r>
+              </a:p>
+            </p:txBody>
+          </p:sp>
+        </mc:Fallback>
+      </mc:AlternateContent>
+      <p:pic>
+        <p:nvPicPr>
+          <p:cNvPr id="4" name="Picture 3">
+            <a:extLst>
+              <a:ext uri="{FF2B5EF4-FFF2-40B4-BE49-F238E27FC236}">
+                <a16:creationId xmlns:a16="http://schemas.microsoft.com/office/drawing/2014/main" id="{4FA828F2-222B-F57D-79FB-E224D1F1B014}"/>
+              </a:ext>
+            </a:extLst>
+          </p:cNvPr>
+          <p:cNvPicPr>
+            <a:picLocks noChangeAspect="1"/>
+          </p:cNvPicPr>
+          <p:nvPr/>
+        </p:nvPicPr>
+        <p:blipFill>
+          <a:blip r:embed="rId4"/>
+          <a:stretch>
+            <a:fillRect/>
+          </a:stretch>
+        </p:blipFill>
+        <p:spPr>
+          <a:xfrm>
+            <a:off x="904222" y="595116"/>
+            <a:ext cx="7335557" cy="5667768"/>
+          </a:xfrm>
+          <a:prstGeom prst="rect">
+            <a:avLst/>
+          </a:prstGeom>
+        </p:spPr>
+      </p:pic>
+    </p:spTree>
+    <p:extLst>
+      <p:ext uri="{BB962C8B-B14F-4D97-AF65-F5344CB8AC3E}">
+        <p14:creationId xmlns:p14="http://schemas.microsoft.com/office/powerpoint/2010/main" val="2536350410"/>
+      </p:ext>
+    </p:extLst>
+  </p:cSld>
+  <p:clrMapOvr>
+    <a:masterClrMapping/>
+  </p:clrMapOvr>
+</p:sld>
+</file>
+
+<file path=ppt/slides/slide16.xml><?xml version="1.0" encoding="utf-8"?>
+<p:sld xmlns:a="http://schemas.openxmlformats.org/drawingml/2006/main" xmlns:r="http://schemas.openxmlformats.org/officeDocument/2006/relationships" xmlns:p="http://schemas.openxmlformats.org/presentationml/2006/main">
+  <p:cSld>
+    <p:bg>
+      <p:bgPr>
+        <a:solidFill>
+          <a:schemeClr val="tx1"/>
+        </a:solidFill>
+        <a:effectLst/>
+      </p:bgPr>
+    </p:bg>
+    <p:spTree>
+      <p:nvGrpSpPr>
+        <p:cNvPr id="1" name=""/>
+        <p:cNvGrpSpPr/>
+        <p:nvPr/>
+      </p:nvGrpSpPr>
+      <p:grpSpPr>
+        <a:xfrm>
+          <a:off x="0" y="0"/>
+          <a:ext cx="0" cy="0"/>
+          <a:chOff x="0" y="0"/>
+          <a:chExt cx="0" cy="0"/>
+        </a:xfrm>
+      </p:grpSpPr>
+      <p:sp>
+        <p:nvSpPr>
+          <p:cNvPr id="11" name="TextBox 10">
+            <a:extLst>
+              <a:ext uri="{FF2B5EF4-FFF2-40B4-BE49-F238E27FC236}">
+                <a16:creationId xmlns:a16="http://schemas.microsoft.com/office/drawing/2014/main" id="{94F7AF02-97E2-4C34-A6BC-ADE93CE4F163}"/>
+              </a:ext>
+            </a:extLst>
+          </p:cNvPr>
+          <p:cNvSpPr txBox="1"/>
+          <p:nvPr/>
+        </p:nvSpPr>
+        <p:spPr>
+          <a:xfrm>
+            <a:off x="9525" y="-38784"/>
             <a:ext cx="3835730" cy="646331"/>
           </a:xfrm>
           <a:prstGeom prst="rect">
@@ -9407,7 +9719,7 @@
 </p:sld>
 </file>
 
-<file path=ppt/slides/slide16.xml><?xml version="1.0" encoding="utf-8"?>
+<file path=ppt/slides/slide17.xml><?xml version="1.0" encoding="utf-8"?>
 <p:sld xmlns:a="http://schemas.openxmlformats.org/drawingml/2006/main" xmlns:r="http://schemas.openxmlformats.org/officeDocument/2006/relationships" xmlns:p="http://schemas.openxmlformats.org/presentationml/2006/main">
   <p:cSld>
     <p:bg>
@@ -11211,307 +11523,6 @@
 </p:sld>
 </file>
 
-<file path=ppt/slides/slide17.xml><?xml version="1.0" encoding="utf-8"?>
-<p:sld xmlns:a="http://schemas.openxmlformats.org/drawingml/2006/main" xmlns:r="http://schemas.openxmlformats.org/officeDocument/2006/relationships" xmlns:p="http://schemas.openxmlformats.org/presentationml/2006/main">
-  <p:cSld>
-    <p:bg>
-      <p:bgPr>
-        <a:solidFill>
-          <a:schemeClr val="tx1"/>
-        </a:solidFill>
-        <a:effectLst/>
-      </p:bgPr>
-    </p:bg>
-    <p:spTree>
-      <p:nvGrpSpPr>
-        <p:cNvPr id="1" name=""/>
-        <p:cNvGrpSpPr/>
-        <p:nvPr/>
-      </p:nvGrpSpPr>
-      <p:grpSpPr>
-        <a:xfrm>
-          <a:off x="0" y="0"/>
-          <a:ext cx="0" cy="0"/>
-          <a:chOff x="0" y="0"/>
-          <a:chExt cx="0" cy="0"/>
-        </a:xfrm>
-      </p:grpSpPr>
-      <p:sp>
-        <p:nvSpPr>
-          <p:cNvPr id="11" name="TextBox 10">
-            <a:extLst>
-              <a:ext uri="{FF2B5EF4-FFF2-40B4-BE49-F238E27FC236}">
-                <a16:creationId xmlns:a16="http://schemas.microsoft.com/office/drawing/2014/main" id="{94F7AF02-97E2-4C34-A6BC-ADE93CE4F163}"/>
-              </a:ext>
-            </a:extLst>
-          </p:cNvPr>
-          <p:cNvSpPr txBox="1"/>
-          <p:nvPr/>
-        </p:nvSpPr>
-        <p:spPr>
-          <a:xfrm>
-            <a:off x="9525" y="-38784"/>
-            <a:ext cx="3770006" cy="646331"/>
-          </a:xfrm>
-          <a:prstGeom prst="rect">
-            <a:avLst/>
-          </a:prstGeom>
-          <a:noFill/>
-        </p:spPr>
-        <p:txBody>
-          <a:bodyPr wrap="none" rtlCol="0">
-            <a:spAutoFit/>
-          </a:bodyPr>
-          <a:lstStyle/>
-          <a:p>
-            <a:r>
-              <a:rPr lang="en-US" sz="3600" b="1" dirty="0">
-                <a:solidFill>
-                  <a:schemeClr val="bg1"/>
-                </a:solidFill>
-                <a:latin typeface="Candara" panose="020E0502030303020204" pitchFamily="34" charset="0"/>
-              </a:rPr>
-              <a:t>Validation Metrics</a:t>
-            </a:r>
-          </a:p>
-        </p:txBody>
-      </p:sp>
-      <p:sp>
-        <p:nvSpPr>
-          <p:cNvPr id="2" name="Rectangle 1">
-            <a:extLst>
-              <a:ext uri="{FF2B5EF4-FFF2-40B4-BE49-F238E27FC236}">
-                <a16:creationId xmlns:a16="http://schemas.microsoft.com/office/drawing/2014/main" id="{84A8AAE2-5A41-4864-9BCA-3DCFD5CE5D70}"/>
-              </a:ext>
-            </a:extLst>
-          </p:cNvPr>
-          <p:cNvSpPr/>
-          <p:nvPr/>
-        </p:nvSpPr>
-        <p:spPr>
-          <a:xfrm>
-            <a:off x="642613" y="710817"/>
-            <a:ext cx="8021553" cy="6093976"/>
-          </a:xfrm>
-          <a:prstGeom prst="rect">
-            <a:avLst/>
-          </a:prstGeom>
-        </p:spPr>
-        <p:txBody>
-          <a:bodyPr wrap="square">
-            <a:spAutoFit/>
-          </a:bodyPr>
-          <a:lstStyle/>
-          <a:p>
-            <a:pPr marL="342900" indent="-342900">
-              <a:buFont typeface="Arial" panose="020B0604020202020204" pitchFamily="34" charset="0"/>
-              <a:buChar char="•"/>
-            </a:pPr>
-            <a:r>
-              <a:rPr lang="en-US" sz="3000" dirty="0">
-                <a:solidFill>
-                  <a:schemeClr val="bg1"/>
-                </a:solidFill>
-                <a:latin typeface="Candara" panose="020E0502030303020204" pitchFamily="34" charset="0"/>
-              </a:rPr>
-              <a:t>Ratio (continuous)</a:t>
-            </a:r>
-          </a:p>
-          <a:p>
-            <a:pPr marL="800100" lvl="1" indent="-342900">
-              <a:buFont typeface="Arial" panose="020B0604020202020204" pitchFamily="34" charset="0"/>
-              <a:buChar char="•"/>
-            </a:pPr>
-            <a:r>
-              <a:rPr lang="en-US" sz="3000" dirty="0">
-                <a:solidFill>
-                  <a:schemeClr val="bg1"/>
-                </a:solidFill>
-                <a:latin typeface="Candara" panose="020E0502030303020204" pitchFamily="34" charset="0"/>
-              </a:rPr>
-              <a:t>RMSE</a:t>
-            </a:r>
-          </a:p>
-          <a:p>
-            <a:pPr marL="800100" lvl="1" indent="-342900">
-              <a:buFont typeface="Arial" panose="020B0604020202020204" pitchFamily="34" charset="0"/>
-              <a:buChar char="•"/>
-            </a:pPr>
-            <a:r>
-              <a:rPr lang="en-US" sz="3000" dirty="0">
-                <a:solidFill>
-                  <a:schemeClr val="bg1"/>
-                </a:solidFill>
-                <a:latin typeface="Candara" panose="020E0502030303020204" pitchFamily="34" charset="0"/>
-              </a:rPr>
-              <a:t>MAE</a:t>
-            </a:r>
-          </a:p>
-          <a:p>
-            <a:pPr marL="800100" lvl="1" indent="-342900">
-              <a:buFont typeface="Arial" panose="020B0604020202020204" pitchFamily="34" charset="0"/>
-              <a:buChar char="•"/>
-            </a:pPr>
-            <a:r>
-              <a:rPr lang="en-US" sz="3000" dirty="0">
-                <a:solidFill>
-                  <a:schemeClr val="bg1"/>
-                </a:solidFill>
-                <a:latin typeface="Candara" panose="020E0502030303020204" pitchFamily="34" charset="0"/>
-              </a:rPr>
-              <a:t>correlation coefficient</a:t>
-            </a:r>
-          </a:p>
-          <a:p>
-            <a:pPr marL="800100" lvl="1" indent="-342900">
-              <a:buFont typeface="Arial" panose="020B0604020202020204" pitchFamily="34" charset="0"/>
-              <a:buChar char="•"/>
-            </a:pPr>
-            <a:r>
-              <a:rPr lang="en-US" sz="3000" dirty="0">
-                <a:solidFill>
-                  <a:schemeClr val="bg1"/>
-                </a:solidFill>
-                <a:latin typeface="Candara" panose="020E0502030303020204" pitchFamily="34" charset="0"/>
-              </a:rPr>
-              <a:t>mean "distance" (n-D)  from standard</a:t>
-            </a:r>
-            <a:br>
-              <a:rPr lang="en-US" sz="3000" dirty="0">
-                <a:solidFill>
-                  <a:schemeClr val="bg1"/>
-                </a:solidFill>
-                <a:latin typeface="Candara" panose="020E0502030303020204" pitchFamily="34" charset="0"/>
-              </a:rPr>
-            </a:br>
-            <a:endParaRPr lang="en-US" sz="3000" dirty="0">
-              <a:solidFill>
-                <a:schemeClr val="bg1"/>
-              </a:solidFill>
-              <a:latin typeface="Candara" panose="020E0502030303020204" pitchFamily="34" charset="0"/>
-            </a:endParaRPr>
-          </a:p>
-          <a:p>
-            <a:pPr marL="342900" indent="-342900">
-              <a:buFont typeface="Arial" panose="020B0604020202020204" pitchFamily="34" charset="0"/>
-              <a:buChar char="•"/>
-            </a:pPr>
-            <a:r>
-              <a:rPr lang="en-US" sz="3000" dirty="0">
-                <a:solidFill>
-                  <a:schemeClr val="bg1"/>
-                </a:solidFill>
-                <a:latin typeface="Candara" panose="020E0502030303020204" pitchFamily="34" charset="0"/>
-              </a:rPr>
-              <a:t>Nominal (categorical, without order)</a:t>
-            </a:r>
-          </a:p>
-          <a:p>
-            <a:pPr marL="800100" lvl="1" indent="-342900">
-              <a:buFont typeface="Arial" panose="020B0604020202020204" pitchFamily="34" charset="0"/>
-              <a:buChar char="•"/>
-            </a:pPr>
-            <a:r>
-              <a:rPr lang="en-US" sz="3000" dirty="0">
-                <a:solidFill>
-                  <a:schemeClr val="bg1"/>
-                </a:solidFill>
-                <a:latin typeface="Candara" panose="020E0502030303020204" pitchFamily="34" charset="0"/>
-              </a:rPr>
-              <a:t>probability-based:</a:t>
-            </a:r>
-          </a:p>
-          <a:p>
-            <a:pPr marL="1257300" lvl="2" indent="-342900">
-              <a:buFont typeface="Arial" panose="020B0604020202020204" pitchFamily="34" charset="0"/>
-              <a:buChar char="•"/>
-            </a:pPr>
-            <a:r>
-              <a:rPr lang="en-US" sz="3000" dirty="0">
-                <a:solidFill>
-                  <a:schemeClr val="bg1"/>
-                </a:solidFill>
-                <a:latin typeface="Candara" panose="020E0502030303020204" pitchFamily="34" charset="0"/>
-              </a:rPr>
-              <a:t>Brier score</a:t>
-            </a:r>
-          </a:p>
-          <a:p>
-            <a:pPr marL="800100" lvl="1" indent="-342900">
-              <a:buFont typeface="Arial" panose="020B0604020202020204" pitchFamily="34" charset="0"/>
-              <a:buChar char="•"/>
-            </a:pPr>
-            <a:r>
-              <a:rPr lang="en-US" sz="3000" dirty="0">
-                <a:solidFill>
-                  <a:schemeClr val="bg1"/>
-                </a:solidFill>
-                <a:latin typeface="Candara" panose="020E0502030303020204" pitchFamily="34" charset="0"/>
-              </a:rPr>
-              <a:t>confusion matrix-based:</a:t>
-            </a:r>
-          </a:p>
-          <a:p>
-            <a:pPr marL="1257300" lvl="2" indent="-342900">
-              <a:buFont typeface="Arial" panose="020B0604020202020204" pitchFamily="34" charset="0"/>
-              <a:buChar char="•"/>
-            </a:pPr>
-            <a:r>
-              <a:rPr lang="en-US" sz="3000" dirty="0">
-                <a:solidFill>
-                  <a:schemeClr val="bg1"/>
-                </a:solidFill>
-                <a:latin typeface="Candara" panose="020E0502030303020204" pitchFamily="34" charset="0"/>
-              </a:rPr>
-              <a:t>% correctly classified</a:t>
-            </a:r>
-          </a:p>
-          <a:p>
-            <a:pPr marL="1257300" lvl="2" indent="-342900">
-              <a:buFont typeface="Arial" panose="020B0604020202020204" pitchFamily="34" charset="0"/>
-              <a:buChar char="•"/>
-            </a:pPr>
-            <a:r>
-              <a:rPr lang="en-US" sz="3000" dirty="0">
-                <a:solidFill>
-                  <a:schemeClr val="bg1"/>
-                </a:solidFill>
-                <a:latin typeface="Candara" panose="020E0502030303020204" pitchFamily="34" charset="0"/>
-              </a:rPr>
-              <a:t>kappa</a:t>
-            </a:r>
-          </a:p>
-          <a:p>
-            <a:pPr marL="1257300" lvl="2" indent="-342900">
-              <a:buFont typeface="Arial" panose="020B0604020202020204" pitchFamily="34" charset="0"/>
-              <a:buChar char="•"/>
-            </a:pPr>
-            <a:r>
-              <a:rPr lang="en-US" sz="3000" dirty="0">
-                <a:solidFill>
-                  <a:schemeClr val="bg1"/>
-                </a:solidFill>
-                <a:latin typeface="Candara" panose="020E0502030303020204" pitchFamily="34" charset="0"/>
-              </a:rPr>
-              <a:t>weighted tau</a:t>
-            </a:r>
-            <a:endParaRPr lang="en-US" sz="3000" dirty="0"/>
-          </a:p>
-        </p:txBody>
-      </p:sp>
-    </p:spTree>
-    <p:extLst>
-      <p:ext uri="{BB962C8B-B14F-4D97-AF65-F5344CB8AC3E}">
-        <p14:creationId xmlns:p14="http://schemas.microsoft.com/office/powerpoint/2010/main" val="1947012522"/>
-      </p:ext>
-    </p:extLst>
-  </p:cSld>
-  <p:clrMapOvr>
-    <a:masterClrMapping/>
-  </p:clrMapOvr>
-</p:sld>
-</file>
-
 <file path=ppt/slides/slide18.xml><?xml version="1.0" encoding="utf-8"?>
 <p:sld xmlns:a="http://schemas.openxmlformats.org/drawingml/2006/main" xmlns:r="http://schemas.openxmlformats.org/officeDocument/2006/relationships" xmlns:p="http://schemas.openxmlformats.org/presentationml/2006/main">
   <p:cSld>
@@ -11552,7 +11563,7 @@
         <p:spPr>
           <a:xfrm>
             <a:off x="9525" y="-38784"/>
-            <a:ext cx="4110421" cy="646331"/>
+            <a:ext cx="3770006" cy="646331"/>
           </a:xfrm>
           <a:prstGeom prst="rect">
             <a:avLst/>
@@ -11572,7 +11583,7 @@
                 </a:solidFill>
                 <a:latin typeface="Candara" panose="020E0502030303020204" pitchFamily="34" charset="0"/>
               </a:rPr>
-              <a:t>Uncertainty Metrics</a:t>
+              <a:t>Validation Metrics</a:t>
             </a:r>
           </a:p>
         </p:txBody>
@@ -11591,8 +11602,8 @@
         </p:nvSpPr>
         <p:spPr>
           <a:xfrm>
-            <a:off x="642613" y="843676"/>
-            <a:ext cx="8021553" cy="3785652"/>
+            <a:off x="642613" y="710817"/>
+            <a:ext cx="8021553" cy="6093976"/>
           </a:xfrm>
           <a:prstGeom prst="rect">
             <a:avLst/>
@@ -11630,7 +11641,7 @@
                 </a:solidFill>
                 <a:latin typeface="Candara" panose="020E0502030303020204" pitchFamily="34" charset="0"/>
               </a:rPr>
-              <a:t>standard error of estimates (SE)</a:t>
+              <a:t>RMSE</a:t>
             </a:r>
           </a:p>
           <a:p>
@@ -11645,7 +11656,7 @@
                 </a:solidFill>
                 <a:latin typeface="Candara" panose="020E0502030303020204" pitchFamily="34" charset="0"/>
               </a:rPr>
-              <a:t>prediction intervals (percentiles)</a:t>
+              <a:t>MAE</a:t>
             </a:r>
           </a:p>
           <a:p>
@@ -11660,7 +11671,22 @@
                 </a:solidFill>
                 <a:latin typeface="Candara" panose="020E0502030303020204" pitchFamily="34" charset="0"/>
               </a:rPr>
-              <a:t>distance / contrast (e.g. soil color)</a:t>
+              <a:t>correlation coefficient</a:t>
+            </a:r>
+          </a:p>
+          <a:p>
+            <a:pPr marL="800100" lvl="1" indent="-342900">
+              <a:buFont typeface="Arial" panose="020B0604020202020204" pitchFamily="34" charset="0"/>
+              <a:buChar char="•"/>
+            </a:pPr>
+            <a:r>
+              <a:rPr lang="en-US" sz="3000" dirty="0">
+                <a:solidFill>
+                  <a:schemeClr val="bg1"/>
+                </a:solidFill>
+                <a:latin typeface="Candara" panose="020E0502030303020204" pitchFamily="34" charset="0"/>
+              </a:rPr>
+              <a:t>mean "distance" (n-D)  from standard</a:t>
             </a:r>
             <a:br>
               <a:rPr lang="en-US" sz="3000" dirty="0">
@@ -11704,7 +11730,22 @@
                 </a:solidFill>
                 <a:latin typeface="Candara" panose="020E0502030303020204" pitchFamily="34" charset="0"/>
               </a:rPr>
-              <a:t>Shannon entropy</a:t>
+              <a:t>probability-based:</a:t>
+            </a:r>
+          </a:p>
+          <a:p>
+            <a:pPr marL="1257300" lvl="2" indent="-342900">
+              <a:buFont typeface="Arial" panose="020B0604020202020204" pitchFamily="34" charset="0"/>
+              <a:buChar char="•"/>
+            </a:pPr>
+            <a:r>
+              <a:rPr lang="en-US" sz="3000" dirty="0">
+                <a:solidFill>
+                  <a:schemeClr val="bg1"/>
+                </a:solidFill>
+                <a:latin typeface="Candara" panose="020E0502030303020204" pitchFamily="34" charset="0"/>
+              </a:rPr>
+              <a:t>Brier score</a:t>
             </a:r>
           </a:p>
           <a:p>
@@ -11719,7 +11760,52 @@
                 </a:solidFill>
                 <a:latin typeface="Candara" panose="020E0502030303020204" pitchFamily="34" charset="0"/>
               </a:rPr>
-              <a:t>confusion index</a:t>
+              <a:t>confusion matrix-based:</a:t>
+            </a:r>
+          </a:p>
+          <a:p>
+            <a:pPr marL="1257300" lvl="2" indent="-342900">
+              <a:buFont typeface="Arial" panose="020B0604020202020204" pitchFamily="34" charset="0"/>
+              <a:buChar char="•"/>
+            </a:pPr>
+            <a:r>
+              <a:rPr lang="en-US" sz="3000" dirty="0">
+                <a:solidFill>
+                  <a:schemeClr val="bg1"/>
+                </a:solidFill>
+                <a:latin typeface="Candara" panose="020E0502030303020204" pitchFamily="34" charset="0"/>
+              </a:rPr>
+              <a:t>% correctly classified</a:t>
+            </a:r>
+          </a:p>
+          <a:p>
+            <a:pPr marL="1257300" lvl="2" indent="-342900">
+              <a:buFont typeface="Arial" panose="020B0604020202020204" pitchFamily="34" charset="0"/>
+              <a:buChar char="•"/>
+            </a:pPr>
+            <a:r>
+              <a:rPr lang="en-US" sz="3000" dirty="0">
+                <a:solidFill>
+                  <a:schemeClr val="bg1"/>
+                </a:solidFill>
+                <a:latin typeface="Candara" panose="020E0502030303020204" pitchFamily="34" charset="0"/>
+              </a:rPr>
+              <a:t>kappa</a:t>
+            </a:r>
+          </a:p>
+          <a:p>
+            <a:pPr marL="1257300" lvl="2" indent="-342900">
+              <a:buFont typeface="Arial" panose="020B0604020202020204" pitchFamily="34" charset="0"/>
+              <a:buChar char="•"/>
+            </a:pPr>
+            <a:r>
+              <a:rPr lang="en-US" sz="3000" dirty="0">
+                <a:solidFill>
+                  <a:schemeClr val="bg1"/>
+                </a:solidFill>
+                <a:latin typeface="Candara" panose="020E0502030303020204" pitchFamily="34" charset="0"/>
+              </a:rPr>
+              <a:t>weighted tau</a:t>
             </a:r>
             <a:endParaRPr lang="en-US" sz="3000" dirty="0"/>
           </a:p>
@@ -11728,7 +11814,7 @@
     </p:spTree>
     <p:extLst>
       <p:ext uri="{BB962C8B-B14F-4D97-AF65-F5344CB8AC3E}">
-        <p14:creationId xmlns:p14="http://schemas.microsoft.com/office/powerpoint/2010/main" val="2540044603"/>
+        <p14:creationId xmlns:p14="http://schemas.microsoft.com/office/powerpoint/2010/main" val="1947012522"/>
       </p:ext>
     </p:extLst>
   </p:cSld>
@@ -11778,7 +11864,7 @@
         <p:spPr>
           <a:xfrm>
             <a:off x="9525" y="-38784"/>
-            <a:ext cx="6381875" cy="646331"/>
+            <a:ext cx="4110421" cy="646331"/>
           </a:xfrm>
           <a:prstGeom prst="rect">
             <a:avLst/>
@@ -11798,17 +11884,17 @@
                 </a:solidFill>
                 <a:latin typeface="Candara" panose="020E0502030303020204" pitchFamily="34" charset="0"/>
               </a:rPr>
-              <a:t>Uncertainty: Model Parameters</a:t>
-            </a:r>
-          </a:p>
-        </p:txBody>
-      </p:sp>
-      <p:sp>
-        <p:nvSpPr>
-          <p:cNvPr id="5" name="Rectangle 4">
+              <a:t>Uncertainty Metrics</a:t>
+            </a:r>
+          </a:p>
+        </p:txBody>
+      </p:sp>
+      <p:sp>
+        <p:nvSpPr>
+          <p:cNvPr id="2" name="Rectangle 1">
             <a:extLst>
               <a:ext uri="{FF2B5EF4-FFF2-40B4-BE49-F238E27FC236}">
-                <a16:creationId xmlns:a16="http://schemas.microsoft.com/office/drawing/2014/main" id="{F4765A25-D624-4AAC-9F72-CD6084DC8B9D}"/>
+                <a16:creationId xmlns:a16="http://schemas.microsoft.com/office/drawing/2014/main" id="{84A8AAE2-5A41-4864-9BCA-3DCFD5CE5D70}"/>
               </a:ext>
             </a:extLst>
           </p:cNvPr>
@@ -11817,8 +11903,8 @@
         </p:nvSpPr>
         <p:spPr>
           <a:xfrm>
-            <a:off x="136188" y="607547"/>
-            <a:ext cx="8871624" cy="6186309"/>
+            <a:off x="642613" y="843676"/>
+            <a:ext cx="8021553" cy="3785652"/>
           </a:xfrm>
           <a:prstGeom prst="rect">
             <a:avLst/>
@@ -11830,576 +11916,131 @@
           </a:bodyPr>
           <a:lstStyle/>
           <a:p>
-            <a:r>
-              <a:rPr lang="en-US" dirty="0">
-                <a:solidFill>
-                  <a:schemeClr val="bg1"/>
-                </a:solidFill>
-                <a:latin typeface="Consolas" panose="020B0609020204030204" pitchFamily="49" charset="0"/>
-              </a:rPr>
-              <a:t>Linear Regression Model</a:t>
-            </a:r>
-          </a:p>
-          <a:p>
-            <a:r>
-              <a:rPr lang="en-US" dirty="0">
-                <a:solidFill>
-                  <a:schemeClr val="bg1"/>
-                </a:solidFill>
-                <a:latin typeface="Consolas" panose="020B0609020204030204" pitchFamily="49" charset="0"/>
-              </a:rPr>
-              <a:t> </a:t>
-            </a:r>
-          </a:p>
-          <a:p>
-            <a:r>
-              <a:rPr lang="en-US" dirty="0">
-                <a:solidFill>
-                  <a:schemeClr val="bg1"/>
-                </a:solidFill>
-                <a:latin typeface="Consolas" panose="020B0609020204030204" pitchFamily="49" charset="0"/>
-              </a:rPr>
-              <a:t> </a:t>
-            </a:r>
-            <a:r>
-              <a:rPr lang="en-US" dirty="0" err="1">
-                <a:solidFill>
-                  <a:schemeClr val="bg1"/>
-                </a:solidFill>
-                <a:latin typeface="Consolas" panose="020B0609020204030204" pitchFamily="49" charset="0"/>
-              </a:rPr>
-              <a:t>ols</a:t>
-            </a:r>
-            <a:r>
-              <a:rPr lang="en-US" dirty="0">
-                <a:solidFill>
-                  <a:schemeClr val="bg1"/>
-                </a:solidFill>
-                <a:latin typeface="Consolas" panose="020B0609020204030204" pitchFamily="49" charset="0"/>
-              </a:rPr>
-              <a:t>(formula = MAST ~ </a:t>
-            </a:r>
-            <a:r>
-              <a:rPr lang="en-US" dirty="0" err="1">
-                <a:solidFill>
-                  <a:schemeClr val="bg1"/>
-                </a:solidFill>
-                <a:latin typeface="Consolas" panose="020B0609020204030204" pitchFamily="49" charset="0"/>
-              </a:rPr>
-              <a:t>seki_abr</a:t>
-            </a:r>
-            <a:r>
-              <a:rPr lang="en-US" dirty="0">
-                <a:solidFill>
-                  <a:schemeClr val="bg1"/>
-                </a:solidFill>
-                <a:latin typeface="Consolas" panose="020B0609020204030204" pitchFamily="49" charset="0"/>
-              </a:rPr>
-              <a:t> + </a:t>
-            </a:r>
-            <a:r>
-              <a:rPr lang="en-US" dirty="0" err="1">
-                <a:solidFill>
-                  <a:schemeClr val="bg1"/>
-                </a:solidFill>
-                <a:latin typeface="Consolas" panose="020B0609020204030204" pitchFamily="49" charset="0"/>
-              </a:rPr>
-              <a:t>seki_tci</a:t>
-            </a:r>
-            <a:r>
-              <a:rPr lang="en-US" dirty="0">
-                <a:solidFill>
-                  <a:schemeClr val="bg1"/>
-                </a:solidFill>
-                <a:latin typeface="Consolas" panose="020B0609020204030204" pitchFamily="49" charset="0"/>
-              </a:rPr>
-              <a:t> + </a:t>
-            </a:r>
-            <a:r>
-              <a:rPr lang="en-US" dirty="0" err="1">
-                <a:solidFill>
-                  <a:schemeClr val="bg1"/>
-                </a:solidFill>
-                <a:latin typeface="Consolas" panose="020B0609020204030204" pitchFamily="49" charset="0"/>
-              </a:rPr>
-              <a:t>rcs</a:t>
-            </a:r>
-            <a:r>
-              <a:rPr lang="en-US" dirty="0">
-                <a:solidFill>
-                  <a:schemeClr val="bg1"/>
-                </a:solidFill>
-                <a:latin typeface="Consolas" panose="020B0609020204030204" pitchFamily="49" charset="0"/>
-              </a:rPr>
-              <a:t>(</a:t>
-            </a:r>
-            <a:r>
-              <a:rPr lang="en-US" dirty="0" err="1">
-                <a:solidFill>
-                  <a:schemeClr val="bg1"/>
-                </a:solidFill>
-                <a:latin typeface="Consolas" panose="020B0609020204030204" pitchFamily="49" charset="0"/>
-              </a:rPr>
-              <a:t>seki_elev</a:t>
-            </a:r>
-            <a:r>
-              <a:rPr lang="en-US" dirty="0">
-                <a:solidFill>
-                  <a:schemeClr val="bg1"/>
-                </a:solidFill>
-                <a:latin typeface="Consolas" panose="020B0609020204030204" pitchFamily="49" charset="0"/>
-              </a:rPr>
-              <a:t>, 3), </a:t>
-            </a:r>
-          </a:p>
-          <a:p>
-            <a:r>
-              <a:rPr lang="en-US" dirty="0">
-                <a:solidFill>
-                  <a:schemeClr val="bg1"/>
-                </a:solidFill>
-                <a:latin typeface="Consolas" panose="020B0609020204030204" pitchFamily="49" charset="0"/>
-              </a:rPr>
-              <a:t>     data = g, weights = weight, x = TRUE, y = TRUE)</a:t>
-            </a:r>
-          </a:p>
-          <a:p>
-            <a:r>
-              <a:rPr lang="en-US" dirty="0">
-                <a:solidFill>
-                  <a:schemeClr val="bg1"/>
-                </a:solidFill>
-                <a:latin typeface="Consolas" panose="020B0609020204030204" pitchFamily="49" charset="0"/>
-              </a:rPr>
-              <a:t> </a:t>
-            </a:r>
-          </a:p>
-          <a:p>
-            <a:r>
-              <a:rPr lang="en-US" dirty="0">
-                <a:solidFill>
-                  <a:schemeClr val="bg1"/>
-                </a:solidFill>
-                <a:latin typeface="Consolas" panose="020B0609020204030204" pitchFamily="49" charset="0"/>
-              </a:rPr>
-              <a:t>                 Model Likelihood     Discrimination    </a:t>
-            </a:r>
-          </a:p>
-          <a:p>
-            <a:r>
-              <a:rPr lang="en-US" dirty="0">
-                <a:solidFill>
-                  <a:schemeClr val="bg1"/>
-                </a:solidFill>
-                <a:latin typeface="Consolas" panose="020B0609020204030204" pitchFamily="49" charset="0"/>
-              </a:rPr>
-              <a:t>                    Ratio Test           Indexes        </a:t>
-            </a:r>
-          </a:p>
-          <a:p>
-            <a:r>
-              <a:rPr lang="en-US" dirty="0">
-                <a:solidFill>
-                  <a:schemeClr val="bg1"/>
-                </a:solidFill>
-                <a:latin typeface="Consolas" panose="020B0609020204030204" pitchFamily="49" charset="0"/>
-              </a:rPr>
-              <a:t> </a:t>
-            </a:r>
-            <a:r>
-              <a:rPr lang="en-US" dirty="0" err="1">
-                <a:solidFill>
-                  <a:schemeClr val="bg1"/>
-                </a:solidFill>
-                <a:latin typeface="Consolas" panose="020B0609020204030204" pitchFamily="49" charset="0"/>
-              </a:rPr>
-              <a:t>Obs</a:t>
-            </a:r>
-            <a:r>
-              <a:rPr lang="en-US" dirty="0">
-                <a:solidFill>
-                  <a:schemeClr val="bg1"/>
-                </a:solidFill>
-                <a:latin typeface="Consolas" panose="020B0609020204030204" pitchFamily="49" charset="0"/>
-              </a:rPr>
-              <a:t>     438    LR chi2    1265.63    R2       0.944    </a:t>
-            </a:r>
-          </a:p>
-          <a:p>
-            <a:r>
-              <a:rPr lang="en-US" dirty="0">
-                <a:solidFill>
-                  <a:schemeClr val="bg1"/>
-                </a:solidFill>
-                <a:latin typeface="Consolas" panose="020B0609020204030204" pitchFamily="49" charset="0"/>
-              </a:rPr>
-              <a:t> sigma0.8428    </a:t>
-            </a:r>
-            <a:r>
-              <a:rPr lang="en-US" dirty="0" err="1">
-                <a:solidFill>
-                  <a:schemeClr val="bg1"/>
-                </a:solidFill>
-                <a:latin typeface="Consolas" panose="020B0609020204030204" pitchFamily="49" charset="0"/>
-              </a:rPr>
-              <a:t>d.f.</a:t>
-            </a:r>
-            <a:r>
-              <a:rPr lang="en-US" dirty="0">
-                <a:solidFill>
-                  <a:schemeClr val="bg1"/>
-                </a:solidFill>
-                <a:latin typeface="Consolas" panose="020B0609020204030204" pitchFamily="49" charset="0"/>
-              </a:rPr>
-              <a:t>             4    R2 adj   0.944    </a:t>
-            </a:r>
-          </a:p>
-          <a:p>
-            <a:r>
-              <a:rPr lang="en-US" dirty="0">
-                <a:solidFill>
-                  <a:schemeClr val="bg1"/>
-                </a:solidFill>
-                <a:latin typeface="Consolas" panose="020B0609020204030204" pitchFamily="49" charset="0"/>
-              </a:rPr>
-              <a:t> </a:t>
-            </a:r>
-            <a:r>
-              <a:rPr lang="en-US" dirty="0" err="1">
-                <a:solidFill>
-                  <a:schemeClr val="bg1"/>
-                </a:solidFill>
-                <a:latin typeface="Consolas" panose="020B0609020204030204" pitchFamily="49" charset="0"/>
-              </a:rPr>
-              <a:t>d.f.</a:t>
-            </a:r>
-            <a:r>
-              <a:rPr lang="en-US" dirty="0">
-                <a:solidFill>
-                  <a:schemeClr val="bg1"/>
-                </a:solidFill>
-                <a:latin typeface="Consolas" panose="020B0609020204030204" pitchFamily="49" charset="0"/>
-              </a:rPr>
-              <a:t>    433    </a:t>
-            </a:r>
-            <a:r>
-              <a:rPr lang="en-US" dirty="0" err="1">
-                <a:solidFill>
-                  <a:schemeClr val="bg1"/>
-                </a:solidFill>
-                <a:latin typeface="Consolas" panose="020B0609020204030204" pitchFamily="49" charset="0"/>
-              </a:rPr>
-              <a:t>Pr</a:t>
-            </a:r>
-            <a:r>
-              <a:rPr lang="en-US" dirty="0">
-                <a:solidFill>
-                  <a:schemeClr val="bg1"/>
-                </a:solidFill>
-                <a:latin typeface="Consolas" panose="020B0609020204030204" pitchFamily="49" charset="0"/>
-              </a:rPr>
-              <a:t>(&gt; chi2)  0.0000    g        3.519    </a:t>
-            </a:r>
-          </a:p>
-          <a:p>
-            <a:r>
-              <a:rPr lang="en-US" dirty="0">
-                <a:solidFill>
-                  <a:schemeClr val="bg1"/>
-                </a:solidFill>
-                <a:latin typeface="Consolas" panose="020B0609020204030204" pitchFamily="49" charset="0"/>
-              </a:rPr>
-              <a:t> </a:t>
-            </a:r>
-          </a:p>
-          <a:p>
-            <a:r>
-              <a:rPr lang="en-US" dirty="0">
-                <a:solidFill>
-                  <a:schemeClr val="bg1"/>
-                </a:solidFill>
-                <a:latin typeface="Consolas" panose="020B0609020204030204" pitchFamily="49" charset="0"/>
-              </a:rPr>
-              <a:t> Residuals</a:t>
-            </a:r>
-          </a:p>
-          <a:p>
-            <a:r>
-              <a:rPr lang="en-US" dirty="0">
-                <a:solidFill>
-                  <a:schemeClr val="bg1"/>
-                </a:solidFill>
-                <a:latin typeface="Consolas" panose="020B0609020204030204" pitchFamily="49" charset="0"/>
-              </a:rPr>
-              <a:t> </a:t>
-            </a:r>
-          </a:p>
-          <a:p>
-            <a:r>
-              <a:rPr lang="en-US" dirty="0">
-                <a:solidFill>
-                  <a:schemeClr val="bg1"/>
-                </a:solidFill>
-                <a:latin typeface="Consolas" panose="020B0609020204030204" pitchFamily="49" charset="0"/>
-              </a:rPr>
-              <a:t>     Min      1Q  Median      3Q     Max </a:t>
-            </a:r>
-          </a:p>
-          <a:p>
-            <a:r>
-              <a:rPr lang="en-US" dirty="0">
-                <a:solidFill>
-                  <a:schemeClr val="bg1"/>
-                </a:solidFill>
-                <a:latin typeface="Consolas" panose="020B0609020204030204" pitchFamily="49" charset="0"/>
-              </a:rPr>
-              <a:t> -2.0637 -0.4328 -0.1113  0.1300  4.0204 </a:t>
-            </a:r>
-          </a:p>
-          <a:p>
-            <a:r>
-              <a:rPr lang="en-US" dirty="0">
-                <a:solidFill>
-                  <a:schemeClr val="bg1"/>
-                </a:solidFill>
-                <a:latin typeface="Consolas" panose="020B0609020204030204" pitchFamily="49" charset="0"/>
-              </a:rPr>
-              <a:t> </a:t>
-            </a:r>
-          </a:p>
-          <a:p>
-            <a:r>
-              <a:rPr lang="en-US" dirty="0">
-                <a:solidFill>
-                  <a:schemeClr val="bg1"/>
-                </a:solidFill>
-                <a:latin typeface="Consolas" panose="020B0609020204030204" pitchFamily="49" charset="0"/>
-              </a:rPr>
-              <a:t>            </a:t>
-            </a:r>
-            <a:r>
-              <a:rPr lang="en-US" dirty="0" err="1">
-                <a:solidFill>
-                  <a:schemeClr val="bg1"/>
-                </a:solidFill>
-                <a:latin typeface="Consolas" panose="020B0609020204030204" pitchFamily="49" charset="0"/>
-              </a:rPr>
-              <a:t>Coef</a:t>
-            </a:r>
-            <a:r>
-              <a:rPr lang="en-US" dirty="0">
-                <a:solidFill>
-                  <a:schemeClr val="bg1"/>
-                </a:solidFill>
-                <a:latin typeface="Consolas" panose="020B0609020204030204" pitchFamily="49" charset="0"/>
-              </a:rPr>
-              <a:t>    S.E.   t      </a:t>
-            </a:r>
-            <a:r>
-              <a:rPr lang="en-US" dirty="0" err="1">
-                <a:solidFill>
-                  <a:schemeClr val="bg1"/>
-                </a:solidFill>
-                <a:latin typeface="Consolas" panose="020B0609020204030204" pitchFamily="49" charset="0"/>
-              </a:rPr>
-              <a:t>Pr</a:t>
-            </a:r>
-            <a:r>
-              <a:rPr lang="en-US" dirty="0">
-                <a:solidFill>
-                  <a:schemeClr val="bg1"/>
-                </a:solidFill>
-                <a:latin typeface="Consolas" panose="020B0609020204030204" pitchFamily="49" charset="0"/>
-              </a:rPr>
-              <a:t>(&gt;|t|)</a:t>
-            </a:r>
-          </a:p>
-          <a:p>
-            <a:r>
-              <a:rPr lang="en-US" dirty="0">
-                <a:solidFill>
-                  <a:schemeClr val="bg1"/>
-                </a:solidFill>
-                <a:latin typeface="Consolas" panose="020B0609020204030204" pitchFamily="49" charset="0"/>
-              </a:rPr>
-              <a:t> Intercept  15.5143 0.3832  40.49 &lt;0.0001 </a:t>
-            </a:r>
-          </a:p>
-          <a:p>
-            <a:r>
-              <a:rPr lang="en-US" dirty="0">
-                <a:solidFill>
-                  <a:schemeClr val="bg1"/>
-                </a:solidFill>
-                <a:latin typeface="Consolas" panose="020B0609020204030204" pitchFamily="49" charset="0"/>
-              </a:rPr>
-              <a:t> </a:t>
-            </a:r>
-            <a:r>
-              <a:rPr lang="en-US" dirty="0" err="1">
-                <a:solidFill>
-                  <a:schemeClr val="bg1"/>
-                </a:solidFill>
-                <a:latin typeface="Consolas" panose="020B0609020204030204" pitchFamily="49" charset="0"/>
-              </a:rPr>
-              <a:t>seki_abr</a:t>
-            </a:r>
-            <a:r>
-              <a:rPr lang="en-US" dirty="0">
-                <a:solidFill>
-                  <a:schemeClr val="bg1"/>
-                </a:solidFill>
-                <a:latin typeface="Consolas" panose="020B0609020204030204" pitchFamily="49" charset="0"/>
-              </a:rPr>
-              <a:t>    0.0001 0.0000  18.90 &lt;0.0001 </a:t>
-            </a:r>
-          </a:p>
-          <a:p>
-            <a:r>
-              <a:rPr lang="en-US" dirty="0">
-                <a:solidFill>
-                  <a:schemeClr val="bg1"/>
-                </a:solidFill>
-                <a:latin typeface="Consolas" panose="020B0609020204030204" pitchFamily="49" charset="0"/>
-              </a:rPr>
-              <a:t> </a:t>
-            </a:r>
-            <a:r>
-              <a:rPr lang="en-US" dirty="0" err="1">
-                <a:solidFill>
-                  <a:schemeClr val="bg1"/>
-                </a:solidFill>
-                <a:latin typeface="Consolas" panose="020B0609020204030204" pitchFamily="49" charset="0"/>
-              </a:rPr>
-              <a:t>seki_tci</a:t>
-            </a:r>
-            <a:r>
-              <a:rPr lang="en-US" dirty="0">
-                <a:solidFill>
-                  <a:schemeClr val="bg1"/>
-                </a:solidFill>
-                <a:latin typeface="Consolas" panose="020B0609020204030204" pitchFamily="49" charset="0"/>
-              </a:rPr>
-              <a:t>   -0.0621 0.0142  -4.38 &lt;0.0001 </a:t>
-            </a:r>
-          </a:p>
-          <a:p>
-            <a:r>
-              <a:rPr lang="en-US" dirty="0">
-                <a:solidFill>
-                  <a:schemeClr val="bg1"/>
-                </a:solidFill>
-                <a:latin typeface="Consolas" panose="020B0609020204030204" pitchFamily="49" charset="0"/>
-              </a:rPr>
-              <a:t> </a:t>
-            </a:r>
-            <a:r>
-              <a:rPr lang="en-US" dirty="0" err="1">
-                <a:solidFill>
-                  <a:schemeClr val="bg1"/>
-                </a:solidFill>
-                <a:latin typeface="Consolas" panose="020B0609020204030204" pitchFamily="49" charset="0"/>
-              </a:rPr>
-              <a:t>seki_elev</a:t>
-            </a:r>
-            <a:r>
-              <a:rPr lang="en-US" dirty="0">
-                <a:solidFill>
-                  <a:schemeClr val="bg1"/>
-                </a:solidFill>
-                <a:latin typeface="Consolas" panose="020B0609020204030204" pitchFamily="49" charset="0"/>
-              </a:rPr>
-              <a:t>  -0.0057 0.0001 -46.14 &lt;0.0001 </a:t>
-            </a:r>
-          </a:p>
-          <a:p>
-            <a:r>
-              <a:rPr lang="en-US" dirty="0">
-                <a:solidFill>
-                  <a:schemeClr val="bg1"/>
-                </a:solidFill>
-                <a:latin typeface="Consolas" panose="020B0609020204030204" pitchFamily="49" charset="0"/>
-              </a:rPr>
-              <a:t> </a:t>
-            </a:r>
-            <a:r>
-              <a:rPr lang="en-US" dirty="0" err="1">
-                <a:solidFill>
-                  <a:schemeClr val="bg1"/>
-                </a:solidFill>
-                <a:latin typeface="Consolas" panose="020B0609020204030204" pitchFamily="49" charset="0"/>
-              </a:rPr>
-              <a:t>seki_elev</a:t>
-            </a:r>
-            <a:r>
-              <a:rPr lang="en-US" dirty="0">
-                <a:solidFill>
-                  <a:schemeClr val="bg1"/>
-                </a:solidFill>
-                <a:latin typeface="Consolas" panose="020B0609020204030204" pitchFamily="49" charset="0"/>
-              </a:rPr>
-              <a:t>'  0.0017 0.0002   9.09 &lt;0.0001</a:t>
-            </a:r>
-            <a:endParaRPr lang="en-US" dirty="0"/>
-          </a:p>
-        </p:txBody>
-      </p:sp>
-      <p:sp>
-        <p:nvSpPr>
-          <p:cNvPr id="6" name="Rectangle 5">
-            <a:extLst>
-              <a:ext uri="{FF2B5EF4-FFF2-40B4-BE49-F238E27FC236}">
-                <a16:creationId xmlns:a16="http://schemas.microsoft.com/office/drawing/2014/main" id="{D76C6AB6-8700-4B4E-87A1-384E29B0C8B1}"/>
-              </a:ext>
-            </a:extLst>
-          </p:cNvPr>
-          <p:cNvSpPr/>
-          <p:nvPr/>
-        </p:nvSpPr>
-        <p:spPr>
-          <a:xfrm>
-            <a:off x="247650" y="4905375"/>
-            <a:ext cx="5381625" cy="1847850"/>
-          </a:xfrm>
-          <a:prstGeom prst="rect">
-            <a:avLst/>
-          </a:prstGeom>
-          <a:noFill/>
-          <a:ln w="28575">
-            <a:solidFill>
-              <a:schemeClr val="bg1"/>
-            </a:solidFill>
-          </a:ln>
-        </p:spPr>
-        <p:style>
-          <a:lnRef idx="2">
-            <a:schemeClr val="accent1">
-              <a:shade val="50000"/>
-            </a:schemeClr>
-          </a:lnRef>
-          <a:fillRef idx="1">
-            <a:schemeClr val="accent1"/>
-          </a:fillRef>
-          <a:effectRef idx="0">
-            <a:schemeClr val="accent1"/>
-          </a:effectRef>
-          <a:fontRef idx="minor">
-            <a:schemeClr val="lt1"/>
-          </a:fontRef>
-        </p:style>
-        <p:txBody>
-          <a:bodyPr rtlCol="0" anchor="ctr"/>
-          <a:lstStyle/>
-          <a:p>
-            <a:pPr algn="ctr"/>
-            <a:endParaRPr lang="en-US"/>
+            <a:pPr marL="342900" indent="-342900">
+              <a:buFont typeface="Arial" panose="020B0604020202020204" pitchFamily="34" charset="0"/>
+              <a:buChar char="•"/>
+            </a:pPr>
+            <a:r>
+              <a:rPr lang="en-US" sz="3000" dirty="0">
+                <a:solidFill>
+                  <a:schemeClr val="bg1"/>
+                </a:solidFill>
+                <a:latin typeface="Candara" panose="020E0502030303020204" pitchFamily="34" charset="0"/>
+              </a:rPr>
+              <a:t>Ratio (continuous)</a:t>
+            </a:r>
+          </a:p>
+          <a:p>
+            <a:pPr marL="800100" lvl="1" indent="-342900">
+              <a:buFont typeface="Arial" panose="020B0604020202020204" pitchFamily="34" charset="0"/>
+              <a:buChar char="•"/>
+            </a:pPr>
+            <a:r>
+              <a:rPr lang="en-US" sz="3000" dirty="0">
+                <a:solidFill>
+                  <a:schemeClr val="bg1"/>
+                </a:solidFill>
+                <a:latin typeface="Candara" panose="020E0502030303020204" pitchFamily="34" charset="0"/>
+              </a:rPr>
+              <a:t>standard error of estimates (SE)</a:t>
+            </a:r>
+          </a:p>
+          <a:p>
+            <a:pPr marL="800100" lvl="1" indent="-342900">
+              <a:buFont typeface="Arial" panose="020B0604020202020204" pitchFamily="34" charset="0"/>
+              <a:buChar char="•"/>
+            </a:pPr>
+            <a:r>
+              <a:rPr lang="en-US" sz="3000" dirty="0">
+                <a:solidFill>
+                  <a:schemeClr val="bg1"/>
+                </a:solidFill>
+                <a:latin typeface="Candara" panose="020E0502030303020204" pitchFamily="34" charset="0"/>
+              </a:rPr>
+              <a:t>prediction intervals (percentiles)</a:t>
+            </a:r>
+          </a:p>
+          <a:p>
+            <a:pPr marL="800100" lvl="1" indent="-342900">
+              <a:buFont typeface="Arial" panose="020B0604020202020204" pitchFamily="34" charset="0"/>
+              <a:buChar char="•"/>
+            </a:pPr>
+            <a:r>
+              <a:rPr lang="en-US" sz="3000" dirty="0">
+                <a:solidFill>
+                  <a:schemeClr val="bg1"/>
+                </a:solidFill>
+                <a:latin typeface="Candara" panose="020E0502030303020204" pitchFamily="34" charset="0"/>
+              </a:rPr>
+              <a:t>distance / contrast (e.g. soil color)</a:t>
+            </a:r>
+            <a:br>
+              <a:rPr lang="en-US" sz="3000" dirty="0">
+                <a:solidFill>
+                  <a:schemeClr val="bg1"/>
+                </a:solidFill>
+                <a:latin typeface="Candara" panose="020E0502030303020204" pitchFamily="34" charset="0"/>
+              </a:rPr>
+            </a:br>
+            <a:endParaRPr lang="en-US" sz="3000" dirty="0">
+              <a:solidFill>
+                <a:schemeClr val="bg1"/>
+              </a:solidFill>
+              <a:latin typeface="Candara" panose="020E0502030303020204" pitchFamily="34" charset="0"/>
+            </a:endParaRPr>
+          </a:p>
+          <a:p>
+            <a:pPr marL="342900" indent="-342900">
+              <a:buFont typeface="Arial" panose="020B0604020202020204" pitchFamily="34" charset="0"/>
+              <a:buChar char="•"/>
+            </a:pPr>
+            <a:r>
+              <a:rPr lang="en-US" sz="3000" dirty="0">
+                <a:solidFill>
+                  <a:schemeClr val="bg1"/>
+                </a:solidFill>
+                <a:latin typeface="Candara" panose="020E0502030303020204" pitchFamily="34" charset="0"/>
+              </a:rPr>
+              <a:t>Nominal (categorical, without order)</a:t>
+            </a:r>
+          </a:p>
+          <a:p>
+            <a:pPr marL="800100" lvl="1" indent="-342900">
+              <a:buFont typeface="Arial" panose="020B0604020202020204" pitchFamily="34" charset="0"/>
+              <a:buChar char="•"/>
+            </a:pPr>
+            <a:r>
+              <a:rPr lang="en-US" sz="3000" dirty="0">
+                <a:solidFill>
+                  <a:schemeClr val="bg1"/>
+                </a:solidFill>
+                <a:latin typeface="Candara" panose="020E0502030303020204" pitchFamily="34" charset="0"/>
+              </a:rPr>
+              <a:t>Shannon entropy</a:t>
+            </a:r>
+          </a:p>
+          <a:p>
+            <a:pPr marL="800100" lvl="1" indent="-342900">
+              <a:buFont typeface="Arial" panose="020B0604020202020204" pitchFamily="34" charset="0"/>
+              <a:buChar char="•"/>
+            </a:pPr>
+            <a:r>
+              <a:rPr lang="en-US" sz="3000" dirty="0">
+                <a:solidFill>
+                  <a:schemeClr val="bg1"/>
+                </a:solidFill>
+                <a:latin typeface="Candara" panose="020E0502030303020204" pitchFamily="34" charset="0"/>
+              </a:rPr>
+              <a:t>confusion index</a:t>
+            </a:r>
+            <a:endParaRPr lang="en-US" sz="3000" dirty="0"/>
           </a:p>
         </p:txBody>
       </p:sp>
     </p:spTree>
     <p:extLst>
       <p:ext uri="{BB962C8B-B14F-4D97-AF65-F5344CB8AC3E}">
-        <p14:creationId xmlns:p14="http://schemas.microsoft.com/office/powerpoint/2010/main" val="934920822"/>
+        <p14:creationId xmlns:p14="http://schemas.microsoft.com/office/powerpoint/2010/main" val="2540044603"/>
       </p:ext>
     </p:extLst>
   </p:cSld>
@@ -12726,6 +12367,677 @@
           </a:p>
         </p:txBody>
       </p:sp>
+      <p:sp>
+        <p:nvSpPr>
+          <p:cNvPr id="5" name="Rectangle 4">
+            <a:extLst>
+              <a:ext uri="{FF2B5EF4-FFF2-40B4-BE49-F238E27FC236}">
+                <a16:creationId xmlns:a16="http://schemas.microsoft.com/office/drawing/2014/main" id="{F4765A25-D624-4AAC-9F72-CD6084DC8B9D}"/>
+              </a:ext>
+            </a:extLst>
+          </p:cNvPr>
+          <p:cNvSpPr/>
+          <p:nvPr/>
+        </p:nvSpPr>
+        <p:spPr>
+          <a:xfrm>
+            <a:off x="136188" y="607547"/>
+            <a:ext cx="8871624" cy="6186309"/>
+          </a:xfrm>
+          <a:prstGeom prst="rect">
+            <a:avLst/>
+          </a:prstGeom>
+        </p:spPr>
+        <p:txBody>
+          <a:bodyPr wrap="square">
+            <a:spAutoFit/>
+          </a:bodyPr>
+          <a:lstStyle/>
+          <a:p>
+            <a:r>
+              <a:rPr lang="en-US" dirty="0">
+                <a:solidFill>
+                  <a:schemeClr val="bg1"/>
+                </a:solidFill>
+                <a:latin typeface="Consolas" panose="020B0609020204030204" pitchFamily="49" charset="0"/>
+              </a:rPr>
+              <a:t>Linear Regression Model</a:t>
+            </a:r>
+          </a:p>
+          <a:p>
+            <a:r>
+              <a:rPr lang="en-US" dirty="0">
+                <a:solidFill>
+                  <a:schemeClr val="bg1"/>
+                </a:solidFill>
+                <a:latin typeface="Consolas" panose="020B0609020204030204" pitchFamily="49" charset="0"/>
+              </a:rPr>
+              <a:t> </a:t>
+            </a:r>
+          </a:p>
+          <a:p>
+            <a:r>
+              <a:rPr lang="en-US" dirty="0">
+                <a:solidFill>
+                  <a:schemeClr val="bg1"/>
+                </a:solidFill>
+                <a:latin typeface="Consolas" panose="020B0609020204030204" pitchFamily="49" charset="0"/>
+              </a:rPr>
+              <a:t> </a:t>
+            </a:r>
+            <a:r>
+              <a:rPr lang="en-US" dirty="0" err="1">
+                <a:solidFill>
+                  <a:schemeClr val="bg1"/>
+                </a:solidFill>
+                <a:latin typeface="Consolas" panose="020B0609020204030204" pitchFamily="49" charset="0"/>
+              </a:rPr>
+              <a:t>ols</a:t>
+            </a:r>
+            <a:r>
+              <a:rPr lang="en-US" dirty="0">
+                <a:solidFill>
+                  <a:schemeClr val="bg1"/>
+                </a:solidFill>
+                <a:latin typeface="Consolas" panose="020B0609020204030204" pitchFamily="49" charset="0"/>
+              </a:rPr>
+              <a:t>(formula = MAST ~ </a:t>
+            </a:r>
+            <a:r>
+              <a:rPr lang="en-US" dirty="0" err="1">
+                <a:solidFill>
+                  <a:schemeClr val="bg1"/>
+                </a:solidFill>
+                <a:latin typeface="Consolas" panose="020B0609020204030204" pitchFamily="49" charset="0"/>
+              </a:rPr>
+              <a:t>seki_abr</a:t>
+            </a:r>
+            <a:r>
+              <a:rPr lang="en-US" dirty="0">
+                <a:solidFill>
+                  <a:schemeClr val="bg1"/>
+                </a:solidFill>
+                <a:latin typeface="Consolas" panose="020B0609020204030204" pitchFamily="49" charset="0"/>
+              </a:rPr>
+              <a:t> + </a:t>
+            </a:r>
+            <a:r>
+              <a:rPr lang="en-US" dirty="0" err="1">
+                <a:solidFill>
+                  <a:schemeClr val="bg1"/>
+                </a:solidFill>
+                <a:latin typeface="Consolas" panose="020B0609020204030204" pitchFamily="49" charset="0"/>
+              </a:rPr>
+              <a:t>seki_tci</a:t>
+            </a:r>
+            <a:r>
+              <a:rPr lang="en-US" dirty="0">
+                <a:solidFill>
+                  <a:schemeClr val="bg1"/>
+                </a:solidFill>
+                <a:latin typeface="Consolas" panose="020B0609020204030204" pitchFamily="49" charset="0"/>
+              </a:rPr>
+              <a:t> + </a:t>
+            </a:r>
+            <a:r>
+              <a:rPr lang="en-US" dirty="0" err="1">
+                <a:solidFill>
+                  <a:schemeClr val="bg1"/>
+                </a:solidFill>
+                <a:latin typeface="Consolas" panose="020B0609020204030204" pitchFamily="49" charset="0"/>
+              </a:rPr>
+              <a:t>rcs</a:t>
+            </a:r>
+            <a:r>
+              <a:rPr lang="en-US" dirty="0">
+                <a:solidFill>
+                  <a:schemeClr val="bg1"/>
+                </a:solidFill>
+                <a:latin typeface="Consolas" panose="020B0609020204030204" pitchFamily="49" charset="0"/>
+              </a:rPr>
+              <a:t>(</a:t>
+            </a:r>
+            <a:r>
+              <a:rPr lang="en-US" dirty="0" err="1">
+                <a:solidFill>
+                  <a:schemeClr val="bg1"/>
+                </a:solidFill>
+                <a:latin typeface="Consolas" panose="020B0609020204030204" pitchFamily="49" charset="0"/>
+              </a:rPr>
+              <a:t>seki_elev</a:t>
+            </a:r>
+            <a:r>
+              <a:rPr lang="en-US" dirty="0">
+                <a:solidFill>
+                  <a:schemeClr val="bg1"/>
+                </a:solidFill>
+                <a:latin typeface="Consolas" panose="020B0609020204030204" pitchFamily="49" charset="0"/>
+              </a:rPr>
+              <a:t>, 3), </a:t>
+            </a:r>
+          </a:p>
+          <a:p>
+            <a:r>
+              <a:rPr lang="en-US" dirty="0">
+                <a:solidFill>
+                  <a:schemeClr val="bg1"/>
+                </a:solidFill>
+                <a:latin typeface="Consolas" panose="020B0609020204030204" pitchFamily="49" charset="0"/>
+              </a:rPr>
+              <a:t>     data = g, weights = weight, x = TRUE, y = TRUE)</a:t>
+            </a:r>
+          </a:p>
+          <a:p>
+            <a:r>
+              <a:rPr lang="en-US" dirty="0">
+                <a:solidFill>
+                  <a:schemeClr val="bg1"/>
+                </a:solidFill>
+                <a:latin typeface="Consolas" panose="020B0609020204030204" pitchFamily="49" charset="0"/>
+              </a:rPr>
+              <a:t> </a:t>
+            </a:r>
+          </a:p>
+          <a:p>
+            <a:r>
+              <a:rPr lang="en-US" dirty="0">
+                <a:solidFill>
+                  <a:schemeClr val="bg1"/>
+                </a:solidFill>
+                <a:latin typeface="Consolas" panose="020B0609020204030204" pitchFamily="49" charset="0"/>
+              </a:rPr>
+              <a:t>                 Model Likelihood     Discrimination    </a:t>
+            </a:r>
+          </a:p>
+          <a:p>
+            <a:r>
+              <a:rPr lang="en-US" dirty="0">
+                <a:solidFill>
+                  <a:schemeClr val="bg1"/>
+                </a:solidFill>
+                <a:latin typeface="Consolas" panose="020B0609020204030204" pitchFamily="49" charset="0"/>
+              </a:rPr>
+              <a:t>                    Ratio Test           Indexes        </a:t>
+            </a:r>
+          </a:p>
+          <a:p>
+            <a:r>
+              <a:rPr lang="en-US" dirty="0">
+                <a:solidFill>
+                  <a:schemeClr val="bg1"/>
+                </a:solidFill>
+                <a:latin typeface="Consolas" panose="020B0609020204030204" pitchFamily="49" charset="0"/>
+              </a:rPr>
+              <a:t> </a:t>
+            </a:r>
+            <a:r>
+              <a:rPr lang="en-US" dirty="0" err="1">
+                <a:solidFill>
+                  <a:schemeClr val="bg1"/>
+                </a:solidFill>
+                <a:latin typeface="Consolas" panose="020B0609020204030204" pitchFamily="49" charset="0"/>
+              </a:rPr>
+              <a:t>Obs</a:t>
+            </a:r>
+            <a:r>
+              <a:rPr lang="en-US" dirty="0">
+                <a:solidFill>
+                  <a:schemeClr val="bg1"/>
+                </a:solidFill>
+                <a:latin typeface="Consolas" panose="020B0609020204030204" pitchFamily="49" charset="0"/>
+              </a:rPr>
+              <a:t>     438    LR chi2    1265.63    R2       0.944    </a:t>
+            </a:r>
+          </a:p>
+          <a:p>
+            <a:r>
+              <a:rPr lang="en-US" dirty="0">
+                <a:solidFill>
+                  <a:schemeClr val="bg1"/>
+                </a:solidFill>
+                <a:latin typeface="Consolas" panose="020B0609020204030204" pitchFamily="49" charset="0"/>
+              </a:rPr>
+              <a:t> sigma0.8428    </a:t>
+            </a:r>
+            <a:r>
+              <a:rPr lang="en-US" dirty="0" err="1">
+                <a:solidFill>
+                  <a:schemeClr val="bg1"/>
+                </a:solidFill>
+                <a:latin typeface="Consolas" panose="020B0609020204030204" pitchFamily="49" charset="0"/>
+              </a:rPr>
+              <a:t>d.f.</a:t>
+            </a:r>
+            <a:r>
+              <a:rPr lang="en-US" dirty="0">
+                <a:solidFill>
+                  <a:schemeClr val="bg1"/>
+                </a:solidFill>
+                <a:latin typeface="Consolas" panose="020B0609020204030204" pitchFamily="49" charset="0"/>
+              </a:rPr>
+              <a:t>             4    R2 adj   0.944    </a:t>
+            </a:r>
+          </a:p>
+          <a:p>
+            <a:r>
+              <a:rPr lang="en-US" dirty="0">
+                <a:solidFill>
+                  <a:schemeClr val="bg1"/>
+                </a:solidFill>
+                <a:latin typeface="Consolas" panose="020B0609020204030204" pitchFamily="49" charset="0"/>
+              </a:rPr>
+              <a:t> </a:t>
+            </a:r>
+            <a:r>
+              <a:rPr lang="en-US" dirty="0" err="1">
+                <a:solidFill>
+                  <a:schemeClr val="bg1"/>
+                </a:solidFill>
+                <a:latin typeface="Consolas" panose="020B0609020204030204" pitchFamily="49" charset="0"/>
+              </a:rPr>
+              <a:t>d.f.</a:t>
+            </a:r>
+            <a:r>
+              <a:rPr lang="en-US" dirty="0">
+                <a:solidFill>
+                  <a:schemeClr val="bg1"/>
+                </a:solidFill>
+                <a:latin typeface="Consolas" panose="020B0609020204030204" pitchFamily="49" charset="0"/>
+              </a:rPr>
+              <a:t>    433    </a:t>
+            </a:r>
+            <a:r>
+              <a:rPr lang="en-US" dirty="0" err="1">
+                <a:solidFill>
+                  <a:schemeClr val="bg1"/>
+                </a:solidFill>
+                <a:latin typeface="Consolas" panose="020B0609020204030204" pitchFamily="49" charset="0"/>
+              </a:rPr>
+              <a:t>Pr</a:t>
+            </a:r>
+            <a:r>
+              <a:rPr lang="en-US" dirty="0">
+                <a:solidFill>
+                  <a:schemeClr val="bg1"/>
+                </a:solidFill>
+                <a:latin typeface="Consolas" panose="020B0609020204030204" pitchFamily="49" charset="0"/>
+              </a:rPr>
+              <a:t>(&gt; chi2)  0.0000    g        3.519    </a:t>
+            </a:r>
+          </a:p>
+          <a:p>
+            <a:r>
+              <a:rPr lang="en-US" dirty="0">
+                <a:solidFill>
+                  <a:schemeClr val="bg1"/>
+                </a:solidFill>
+                <a:latin typeface="Consolas" panose="020B0609020204030204" pitchFamily="49" charset="0"/>
+              </a:rPr>
+              <a:t> </a:t>
+            </a:r>
+          </a:p>
+          <a:p>
+            <a:r>
+              <a:rPr lang="en-US" dirty="0">
+                <a:solidFill>
+                  <a:schemeClr val="bg1"/>
+                </a:solidFill>
+                <a:latin typeface="Consolas" panose="020B0609020204030204" pitchFamily="49" charset="0"/>
+              </a:rPr>
+              <a:t> Residuals</a:t>
+            </a:r>
+          </a:p>
+          <a:p>
+            <a:r>
+              <a:rPr lang="en-US" dirty="0">
+                <a:solidFill>
+                  <a:schemeClr val="bg1"/>
+                </a:solidFill>
+                <a:latin typeface="Consolas" panose="020B0609020204030204" pitchFamily="49" charset="0"/>
+              </a:rPr>
+              <a:t> </a:t>
+            </a:r>
+          </a:p>
+          <a:p>
+            <a:r>
+              <a:rPr lang="en-US" dirty="0">
+                <a:solidFill>
+                  <a:schemeClr val="bg1"/>
+                </a:solidFill>
+                <a:latin typeface="Consolas" panose="020B0609020204030204" pitchFamily="49" charset="0"/>
+              </a:rPr>
+              <a:t>     Min      1Q  Median      3Q     Max </a:t>
+            </a:r>
+          </a:p>
+          <a:p>
+            <a:r>
+              <a:rPr lang="en-US" dirty="0">
+                <a:solidFill>
+                  <a:schemeClr val="bg1"/>
+                </a:solidFill>
+                <a:latin typeface="Consolas" panose="020B0609020204030204" pitchFamily="49" charset="0"/>
+              </a:rPr>
+              <a:t> -2.0637 -0.4328 -0.1113  0.1300  4.0204 </a:t>
+            </a:r>
+          </a:p>
+          <a:p>
+            <a:r>
+              <a:rPr lang="en-US" dirty="0">
+                <a:solidFill>
+                  <a:schemeClr val="bg1"/>
+                </a:solidFill>
+                <a:latin typeface="Consolas" panose="020B0609020204030204" pitchFamily="49" charset="0"/>
+              </a:rPr>
+              <a:t> </a:t>
+            </a:r>
+          </a:p>
+          <a:p>
+            <a:r>
+              <a:rPr lang="en-US" dirty="0">
+                <a:solidFill>
+                  <a:schemeClr val="bg1"/>
+                </a:solidFill>
+                <a:latin typeface="Consolas" panose="020B0609020204030204" pitchFamily="49" charset="0"/>
+              </a:rPr>
+              <a:t>            </a:t>
+            </a:r>
+            <a:r>
+              <a:rPr lang="en-US" dirty="0" err="1">
+                <a:solidFill>
+                  <a:schemeClr val="bg1"/>
+                </a:solidFill>
+                <a:latin typeface="Consolas" panose="020B0609020204030204" pitchFamily="49" charset="0"/>
+              </a:rPr>
+              <a:t>Coef</a:t>
+            </a:r>
+            <a:r>
+              <a:rPr lang="en-US" dirty="0">
+                <a:solidFill>
+                  <a:schemeClr val="bg1"/>
+                </a:solidFill>
+                <a:latin typeface="Consolas" panose="020B0609020204030204" pitchFamily="49" charset="0"/>
+              </a:rPr>
+              <a:t>    S.E.   t      </a:t>
+            </a:r>
+            <a:r>
+              <a:rPr lang="en-US" dirty="0" err="1">
+                <a:solidFill>
+                  <a:schemeClr val="bg1"/>
+                </a:solidFill>
+                <a:latin typeface="Consolas" panose="020B0609020204030204" pitchFamily="49" charset="0"/>
+              </a:rPr>
+              <a:t>Pr</a:t>
+            </a:r>
+            <a:r>
+              <a:rPr lang="en-US" dirty="0">
+                <a:solidFill>
+                  <a:schemeClr val="bg1"/>
+                </a:solidFill>
+                <a:latin typeface="Consolas" panose="020B0609020204030204" pitchFamily="49" charset="0"/>
+              </a:rPr>
+              <a:t>(&gt;|t|)</a:t>
+            </a:r>
+          </a:p>
+          <a:p>
+            <a:r>
+              <a:rPr lang="en-US" dirty="0">
+                <a:solidFill>
+                  <a:schemeClr val="bg1"/>
+                </a:solidFill>
+                <a:latin typeface="Consolas" panose="020B0609020204030204" pitchFamily="49" charset="0"/>
+              </a:rPr>
+              <a:t> Intercept  15.5143 0.3832  40.49 &lt;0.0001 </a:t>
+            </a:r>
+          </a:p>
+          <a:p>
+            <a:r>
+              <a:rPr lang="en-US" dirty="0">
+                <a:solidFill>
+                  <a:schemeClr val="bg1"/>
+                </a:solidFill>
+                <a:latin typeface="Consolas" panose="020B0609020204030204" pitchFamily="49" charset="0"/>
+              </a:rPr>
+              <a:t> </a:t>
+            </a:r>
+            <a:r>
+              <a:rPr lang="en-US" dirty="0" err="1">
+                <a:solidFill>
+                  <a:schemeClr val="bg1"/>
+                </a:solidFill>
+                <a:latin typeface="Consolas" panose="020B0609020204030204" pitchFamily="49" charset="0"/>
+              </a:rPr>
+              <a:t>seki_abr</a:t>
+            </a:r>
+            <a:r>
+              <a:rPr lang="en-US" dirty="0">
+                <a:solidFill>
+                  <a:schemeClr val="bg1"/>
+                </a:solidFill>
+                <a:latin typeface="Consolas" panose="020B0609020204030204" pitchFamily="49" charset="0"/>
+              </a:rPr>
+              <a:t>    0.0001 0.0000  18.90 &lt;0.0001 </a:t>
+            </a:r>
+          </a:p>
+          <a:p>
+            <a:r>
+              <a:rPr lang="en-US" dirty="0">
+                <a:solidFill>
+                  <a:schemeClr val="bg1"/>
+                </a:solidFill>
+                <a:latin typeface="Consolas" panose="020B0609020204030204" pitchFamily="49" charset="0"/>
+              </a:rPr>
+              <a:t> </a:t>
+            </a:r>
+            <a:r>
+              <a:rPr lang="en-US" dirty="0" err="1">
+                <a:solidFill>
+                  <a:schemeClr val="bg1"/>
+                </a:solidFill>
+                <a:latin typeface="Consolas" panose="020B0609020204030204" pitchFamily="49" charset="0"/>
+              </a:rPr>
+              <a:t>seki_tci</a:t>
+            </a:r>
+            <a:r>
+              <a:rPr lang="en-US" dirty="0">
+                <a:solidFill>
+                  <a:schemeClr val="bg1"/>
+                </a:solidFill>
+                <a:latin typeface="Consolas" panose="020B0609020204030204" pitchFamily="49" charset="0"/>
+              </a:rPr>
+              <a:t>   -0.0621 0.0142  -4.38 &lt;0.0001 </a:t>
+            </a:r>
+          </a:p>
+          <a:p>
+            <a:r>
+              <a:rPr lang="en-US" dirty="0">
+                <a:solidFill>
+                  <a:schemeClr val="bg1"/>
+                </a:solidFill>
+                <a:latin typeface="Consolas" panose="020B0609020204030204" pitchFamily="49" charset="0"/>
+              </a:rPr>
+              <a:t> </a:t>
+            </a:r>
+            <a:r>
+              <a:rPr lang="en-US" dirty="0" err="1">
+                <a:solidFill>
+                  <a:schemeClr val="bg1"/>
+                </a:solidFill>
+                <a:latin typeface="Consolas" panose="020B0609020204030204" pitchFamily="49" charset="0"/>
+              </a:rPr>
+              <a:t>seki_elev</a:t>
+            </a:r>
+            <a:r>
+              <a:rPr lang="en-US" dirty="0">
+                <a:solidFill>
+                  <a:schemeClr val="bg1"/>
+                </a:solidFill>
+                <a:latin typeface="Consolas" panose="020B0609020204030204" pitchFamily="49" charset="0"/>
+              </a:rPr>
+              <a:t>  -0.0057 0.0001 -46.14 &lt;0.0001 </a:t>
+            </a:r>
+          </a:p>
+          <a:p>
+            <a:r>
+              <a:rPr lang="en-US" dirty="0">
+                <a:solidFill>
+                  <a:schemeClr val="bg1"/>
+                </a:solidFill>
+                <a:latin typeface="Consolas" panose="020B0609020204030204" pitchFamily="49" charset="0"/>
+              </a:rPr>
+              <a:t> </a:t>
+            </a:r>
+            <a:r>
+              <a:rPr lang="en-US" dirty="0" err="1">
+                <a:solidFill>
+                  <a:schemeClr val="bg1"/>
+                </a:solidFill>
+                <a:latin typeface="Consolas" panose="020B0609020204030204" pitchFamily="49" charset="0"/>
+              </a:rPr>
+              <a:t>seki_elev</a:t>
+            </a:r>
+            <a:r>
+              <a:rPr lang="en-US" dirty="0">
+                <a:solidFill>
+                  <a:schemeClr val="bg1"/>
+                </a:solidFill>
+                <a:latin typeface="Consolas" panose="020B0609020204030204" pitchFamily="49" charset="0"/>
+              </a:rPr>
+              <a:t>'  0.0017 0.0002   9.09 &lt;0.0001</a:t>
+            </a:r>
+            <a:endParaRPr lang="en-US" dirty="0"/>
+          </a:p>
+        </p:txBody>
+      </p:sp>
+      <p:sp>
+        <p:nvSpPr>
+          <p:cNvPr id="6" name="Rectangle 5">
+            <a:extLst>
+              <a:ext uri="{FF2B5EF4-FFF2-40B4-BE49-F238E27FC236}">
+                <a16:creationId xmlns:a16="http://schemas.microsoft.com/office/drawing/2014/main" id="{D76C6AB6-8700-4B4E-87A1-384E29B0C8B1}"/>
+              </a:ext>
+            </a:extLst>
+          </p:cNvPr>
+          <p:cNvSpPr/>
+          <p:nvPr/>
+        </p:nvSpPr>
+        <p:spPr>
+          <a:xfrm>
+            <a:off x="247650" y="4905375"/>
+            <a:ext cx="5381625" cy="1847850"/>
+          </a:xfrm>
+          <a:prstGeom prst="rect">
+            <a:avLst/>
+          </a:prstGeom>
+          <a:noFill/>
+          <a:ln w="28575">
+            <a:solidFill>
+              <a:schemeClr val="bg1"/>
+            </a:solidFill>
+          </a:ln>
+        </p:spPr>
+        <p:style>
+          <a:lnRef idx="2">
+            <a:schemeClr val="accent1">
+              <a:shade val="50000"/>
+            </a:schemeClr>
+          </a:lnRef>
+          <a:fillRef idx="1">
+            <a:schemeClr val="accent1"/>
+          </a:fillRef>
+          <a:effectRef idx="0">
+            <a:schemeClr val="accent1"/>
+          </a:effectRef>
+          <a:fontRef idx="minor">
+            <a:schemeClr val="lt1"/>
+          </a:fontRef>
+        </p:style>
+        <p:txBody>
+          <a:bodyPr rtlCol="0" anchor="ctr"/>
+          <a:lstStyle/>
+          <a:p>
+            <a:pPr algn="ctr"/>
+            <a:endParaRPr lang="en-US"/>
+          </a:p>
+        </p:txBody>
+      </p:sp>
+    </p:spTree>
+    <p:extLst>
+      <p:ext uri="{BB962C8B-B14F-4D97-AF65-F5344CB8AC3E}">
+        <p14:creationId xmlns:p14="http://schemas.microsoft.com/office/powerpoint/2010/main" val="934920822"/>
+      </p:ext>
+    </p:extLst>
+  </p:cSld>
+  <p:clrMapOvr>
+    <a:masterClrMapping/>
+  </p:clrMapOvr>
+</p:sld>
+</file>
+
+<file path=ppt/slides/slide21.xml><?xml version="1.0" encoding="utf-8"?>
+<p:sld xmlns:a="http://schemas.openxmlformats.org/drawingml/2006/main" xmlns:r="http://schemas.openxmlformats.org/officeDocument/2006/relationships" xmlns:p="http://schemas.openxmlformats.org/presentationml/2006/main">
+  <p:cSld>
+    <p:bg>
+      <p:bgPr>
+        <a:solidFill>
+          <a:schemeClr val="tx1"/>
+        </a:solidFill>
+        <a:effectLst/>
+      </p:bgPr>
+    </p:bg>
+    <p:spTree>
+      <p:nvGrpSpPr>
+        <p:cNvPr id="1" name=""/>
+        <p:cNvGrpSpPr/>
+        <p:nvPr/>
+      </p:nvGrpSpPr>
+      <p:grpSpPr>
+        <a:xfrm>
+          <a:off x="0" y="0"/>
+          <a:ext cx="0" cy="0"/>
+          <a:chOff x="0" y="0"/>
+          <a:chExt cx="0" cy="0"/>
+        </a:xfrm>
+      </p:grpSpPr>
+      <p:sp>
+        <p:nvSpPr>
+          <p:cNvPr id="11" name="TextBox 10">
+            <a:extLst>
+              <a:ext uri="{FF2B5EF4-FFF2-40B4-BE49-F238E27FC236}">
+                <a16:creationId xmlns:a16="http://schemas.microsoft.com/office/drawing/2014/main" id="{94F7AF02-97E2-4C34-A6BC-ADE93CE4F163}"/>
+              </a:ext>
+            </a:extLst>
+          </p:cNvPr>
+          <p:cNvSpPr txBox="1"/>
+          <p:nvPr/>
+        </p:nvSpPr>
+        <p:spPr>
+          <a:xfrm>
+            <a:off x="9525" y="-38784"/>
+            <a:ext cx="6381875" cy="646331"/>
+          </a:xfrm>
+          <a:prstGeom prst="rect">
+            <a:avLst/>
+          </a:prstGeom>
+          <a:noFill/>
+        </p:spPr>
+        <p:txBody>
+          <a:bodyPr wrap="none" rtlCol="0">
+            <a:spAutoFit/>
+          </a:bodyPr>
+          <a:lstStyle/>
+          <a:p>
+            <a:r>
+              <a:rPr lang="en-US" sz="3600" b="1" dirty="0">
+                <a:solidFill>
+                  <a:schemeClr val="bg1"/>
+                </a:solidFill>
+                <a:latin typeface="Candara" panose="020E0502030303020204" pitchFamily="34" charset="0"/>
+              </a:rPr>
+              <a:t>Uncertainty: Model Parameters</a:t>
+            </a:r>
+          </a:p>
+        </p:txBody>
+      </p:sp>
       <p:pic>
         <p:nvPicPr>
           <p:cNvPr id="11270" name="Picture 6">
@@ -12826,7 +13138,7 @@
 </p:sld>
 </file>
 
-<file path=ppt/slides/slide21.xml><?xml version="1.0" encoding="utf-8"?>
+<file path=ppt/slides/slide22.xml><?xml version="1.0" encoding="utf-8"?>
 <p:sld xmlns:a="http://schemas.openxmlformats.org/drawingml/2006/main" xmlns:r="http://schemas.openxmlformats.org/officeDocument/2006/relationships" xmlns:p="http://schemas.openxmlformats.org/presentationml/2006/main">
   <p:cSld>
     <p:bg>
@@ -13337,7 +13649,7 @@
 </p:sld>
 </file>
 
-<file path=ppt/slides/slide22.xml><?xml version="1.0" encoding="utf-8"?>
+<file path=ppt/slides/slide23.xml><?xml version="1.0" encoding="utf-8"?>
 <p:sld xmlns:a="http://schemas.openxmlformats.org/drawingml/2006/main" xmlns:r="http://schemas.openxmlformats.org/officeDocument/2006/relationships" xmlns:p="http://schemas.openxmlformats.org/presentationml/2006/main">
   <p:cSld>
     <p:bg>
@@ -13500,7 +13812,7 @@
 </p:sld>
 </file>
 
-<file path=ppt/slides/slide23.xml><?xml version="1.0" encoding="utf-8"?>
+<file path=ppt/slides/slide24.xml><?xml version="1.0" encoding="utf-8"?>
 <p:sld xmlns:a="http://schemas.openxmlformats.org/drawingml/2006/main" xmlns:r="http://schemas.openxmlformats.org/officeDocument/2006/relationships" xmlns:p="http://schemas.openxmlformats.org/presentationml/2006/main">
   <p:cSld>
     <p:bg>
@@ -13690,7 +14002,7 @@
 </p:sld>
 </file>
 
-<file path=ppt/slides/slide24.xml><?xml version="1.0" encoding="utf-8"?>
+<file path=ppt/slides/slide25.xml><?xml version="1.0" encoding="utf-8"?>
 <p:sld xmlns:a="http://schemas.openxmlformats.org/drawingml/2006/main" xmlns:r="http://schemas.openxmlformats.org/officeDocument/2006/relationships" xmlns:p="http://schemas.openxmlformats.org/presentationml/2006/main">
   <p:cSld>
     <p:bg>
@@ -14240,7 +14552,7 @@
 </p:sld>
 </file>
 
-<file path=ppt/slides/slide25.xml><?xml version="1.0" encoding="utf-8"?>
+<file path=ppt/slides/slide26.xml><?xml version="1.0" encoding="utf-8"?>
 <p:sld xmlns:a="http://schemas.openxmlformats.org/drawingml/2006/main" xmlns:r="http://schemas.openxmlformats.org/officeDocument/2006/relationships" xmlns:p="http://schemas.openxmlformats.org/presentationml/2006/main">
   <p:cSld>
     <p:bg>
@@ -14318,7 +14630,7 @@
 </p:sld>
 </file>
 
-<file path=ppt/slides/slide26.xml><?xml version="1.0" encoding="utf-8"?>
+<file path=ppt/slides/slide27.xml><?xml version="1.0" encoding="utf-8"?>
 <p:sld xmlns:a="http://schemas.openxmlformats.org/drawingml/2006/main" xmlns:r="http://schemas.openxmlformats.org/officeDocument/2006/relationships" xmlns:p="http://schemas.openxmlformats.org/presentationml/2006/main">
   <p:cSld>
     <p:bg>
@@ -14910,7 +15222,7 @@
 </p:sld>
 </file>
 
-<file path=ppt/slides/slide27.xml><?xml version="1.0" encoding="utf-8"?>
+<file path=ppt/slides/slide28.xml><?xml version="1.0" encoding="utf-8"?>
 <p:sld xmlns:a="http://schemas.openxmlformats.org/drawingml/2006/main" xmlns:r="http://schemas.openxmlformats.org/officeDocument/2006/relationships" xmlns:p="http://schemas.openxmlformats.org/presentationml/2006/main">
   <p:cSld>
     <p:bg>
@@ -15448,7 +15760,7 @@
 </p:sld>
 </file>
 
-<file path=ppt/slides/slide28.xml><?xml version="1.0" encoding="utf-8"?>
+<file path=ppt/slides/slide29.xml><?xml version="1.0" encoding="utf-8"?>
 <p:sld xmlns:a="http://schemas.openxmlformats.org/drawingml/2006/main" xmlns:r="http://schemas.openxmlformats.org/officeDocument/2006/relationships" xmlns:p="http://schemas.openxmlformats.org/presentationml/2006/main">
   <p:cSld>
     <p:bg>
@@ -15836,7 +16148,261 @@
 </p:sld>
 </file>
 
-<file path=ppt/slides/slide29.xml><?xml version="1.0" encoding="utf-8"?>
+<file path=ppt/slides/slide3.xml><?xml version="1.0" encoding="utf-8"?>
+<p:sld xmlns:a="http://schemas.openxmlformats.org/drawingml/2006/main" xmlns:r="http://schemas.openxmlformats.org/officeDocument/2006/relationships" xmlns:p="http://schemas.openxmlformats.org/presentationml/2006/main">
+  <p:cSld>
+    <p:spTree>
+      <p:nvGrpSpPr>
+        <p:cNvPr id="1" name=""/>
+        <p:cNvGrpSpPr/>
+        <p:nvPr/>
+      </p:nvGrpSpPr>
+      <p:grpSpPr>
+        <a:xfrm>
+          <a:off x="0" y="0"/>
+          <a:ext cx="0" cy="0"/>
+          <a:chOff x="0" y="0"/>
+          <a:chExt cx="0" cy="0"/>
+        </a:xfrm>
+      </p:grpSpPr>
+      <p:sp>
+        <p:nvSpPr>
+          <p:cNvPr id="2" name="Title 1"/>
+          <p:cNvSpPr>
+            <a:spLocks noGrp="1"/>
+          </p:cNvSpPr>
+          <p:nvPr>
+            <p:ph type="title"/>
+          </p:nvPr>
+        </p:nvSpPr>
+        <p:spPr>
+          <a:xfrm>
+            <a:off x="465513" y="365126"/>
+            <a:ext cx="8162553" cy="1325563"/>
+          </a:xfrm>
+        </p:spPr>
+        <p:txBody>
+          <a:bodyPr>
+            <a:normAutofit/>
+          </a:bodyPr>
+          <a:lstStyle/>
+          <a:p>
+            <a:pPr algn="ctr"/>
+            <a:r>
+              <a:rPr lang="en-US" sz="4000" dirty="0"/>
+              <a:t>Precision vs. Accuracy vs. Uncertainty</a:t>
+            </a:r>
+          </a:p>
+        </p:txBody>
+      </p:sp>
+      <p:sp>
+        <p:nvSpPr>
+          <p:cNvPr id="5" name="Rectangle 4"/>
+          <p:cNvSpPr/>
+          <p:nvPr/>
+        </p:nvSpPr>
+        <p:spPr>
+          <a:xfrm>
+            <a:off x="4541841" y="5863235"/>
+            <a:ext cx="4572000" cy="923330"/>
+          </a:xfrm>
+          <a:prstGeom prst="rect">
+            <a:avLst/>
+          </a:prstGeom>
+        </p:spPr>
+        <p:txBody>
+          <a:bodyPr>
+            <a:spAutoFit/>
+          </a:bodyPr>
+          <a:lstStyle/>
+          <a:p>
+            <a:r>
+              <a:rPr lang="en-US" u="sng" dirty="0"/>
+              <a:t>Uncertainty</a:t>
+            </a:r>
+            <a:r>
+              <a:rPr lang="en-US" dirty="0"/>
+              <a:t>: The </a:t>
+            </a:r>
+            <a:r>
+              <a:rPr lang="en-US" i="1" dirty="0"/>
+              <a:t>estimated</a:t>
+            </a:r>
+            <a:r>
+              <a:rPr lang="en-US" dirty="0"/>
+              <a:t> amount or percentage by which an observed or calculated value may differ from the true value</a:t>
+            </a:r>
+          </a:p>
+        </p:txBody>
+      </p:sp>
+      <p:sp>
+        <p:nvSpPr>
+          <p:cNvPr id="6" name="Rectangle 5"/>
+          <p:cNvSpPr/>
+          <p:nvPr/>
+        </p:nvSpPr>
+        <p:spPr>
+          <a:xfrm>
+            <a:off x="4541841" y="3188365"/>
+            <a:ext cx="4572000" cy="923330"/>
+          </a:xfrm>
+          <a:prstGeom prst="rect">
+            <a:avLst/>
+          </a:prstGeom>
+        </p:spPr>
+        <p:txBody>
+          <a:bodyPr>
+            <a:spAutoFit/>
+          </a:bodyPr>
+          <a:lstStyle/>
+          <a:p>
+            <a:r>
+              <a:rPr lang="en-US" u="sng" dirty="0"/>
+              <a:t>Accuracy:</a:t>
+            </a:r>
+            <a:r>
+              <a:rPr lang="en-US" dirty="0"/>
+              <a:t> The ability of a measurement to match the actual value of the quantity being measured</a:t>
+            </a:r>
+          </a:p>
+        </p:txBody>
+      </p:sp>
+      <p:sp>
+        <p:nvSpPr>
+          <p:cNvPr id="7" name="Rectangle 6"/>
+          <p:cNvSpPr/>
+          <p:nvPr/>
+        </p:nvSpPr>
+        <p:spPr>
+          <a:xfrm>
+            <a:off x="4541841" y="2425664"/>
+            <a:ext cx="4572000" cy="646331"/>
+          </a:xfrm>
+          <a:prstGeom prst="rect">
+            <a:avLst/>
+          </a:prstGeom>
+        </p:spPr>
+        <p:txBody>
+          <a:bodyPr>
+            <a:spAutoFit/>
+          </a:bodyPr>
+          <a:lstStyle/>
+          <a:p>
+            <a:r>
+              <a:rPr lang="en-US" u="sng" dirty="0"/>
+              <a:t>Precision</a:t>
+            </a:r>
+            <a:r>
+              <a:rPr lang="en-US" dirty="0"/>
+              <a:t>: The ability of a measurement to be consistently reproduced</a:t>
+            </a:r>
+          </a:p>
+        </p:txBody>
+      </p:sp>
+      <p:sp>
+        <p:nvSpPr>
+          <p:cNvPr id="3" name="TextBox 2"/>
+          <p:cNvSpPr txBox="1"/>
+          <p:nvPr/>
+        </p:nvSpPr>
+        <p:spPr>
+          <a:xfrm>
+            <a:off x="4804756" y="1899652"/>
+            <a:ext cx="3823310" cy="523220"/>
+          </a:xfrm>
+          <a:prstGeom prst="rect">
+            <a:avLst/>
+          </a:prstGeom>
+          <a:noFill/>
+        </p:spPr>
+        <p:txBody>
+          <a:bodyPr wrap="square" rtlCol="0">
+            <a:spAutoFit/>
+          </a:bodyPr>
+          <a:lstStyle/>
+          <a:p>
+            <a:pPr algn="ctr"/>
+            <a:r>
+              <a:rPr lang="en-US" sz="2800" b="1" dirty="0"/>
+              <a:t>Measurements (Errors)</a:t>
+            </a:r>
+          </a:p>
+        </p:txBody>
+      </p:sp>
+      <p:sp>
+        <p:nvSpPr>
+          <p:cNvPr id="114" name="TextBox 113"/>
+          <p:cNvSpPr txBox="1"/>
+          <p:nvPr/>
+        </p:nvSpPr>
+        <p:spPr>
+          <a:xfrm>
+            <a:off x="4673299" y="5377190"/>
+            <a:ext cx="4086224" cy="523220"/>
+          </a:xfrm>
+          <a:prstGeom prst="rect">
+            <a:avLst/>
+          </a:prstGeom>
+          <a:noFill/>
+        </p:spPr>
+        <p:txBody>
+          <a:bodyPr wrap="square" rtlCol="0">
+            <a:spAutoFit/>
+          </a:bodyPr>
+          <a:lstStyle/>
+          <a:p>
+            <a:pPr algn="ctr"/>
+            <a:r>
+              <a:rPr lang="en-US" sz="2800" b="1" dirty="0"/>
+              <a:t>Modeling (Uncertainty)</a:t>
+            </a:r>
+          </a:p>
+        </p:txBody>
+      </p:sp>
+      <p:pic>
+        <p:nvPicPr>
+          <p:cNvPr id="9" name="Content Placeholder 3"/>
+          <p:cNvPicPr>
+            <a:picLocks noChangeAspect="1"/>
+          </p:cNvPicPr>
+          <p:nvPr/>
+        </p:nvPicPr>
+        <p:blipFill>
+          <a:blip r:embed="rId3" cstate="print">
+            <a:extLst>
+              <a:ext uri="{28A0092B-C50C-407E-A947-70E740481C1C}">
+                <a14:useLocalDpi xmlns:a14="http://schemas.microsoft.com/office/drawing/2010/main"/>
+              </a:ext>
+            </a:extLst>
+          </a:blip>
+          <a:stretch>
+            <a:fillRect/>
+          </a:stretch>
+        </p:blipFill>
+        <p:spPr>
+          <a:xfrm>
+            <a:off x="0" y="2501875"/>
+            <a:ext cx="5791200" cy="3118338"/>
+          </a:xfrm>
+          <a:prstGeom prst="rect">
+            <a:avLst/>
+          </a:prstGeom>
+        </p:spPr>
+      </p:pic>
+    </p:spTree>
+    <p:extLst>
+      <p:ext uri="{BB962C8B-B14F-4D97-AF65-F5344CB8AC3E}">
+        <p14:creationId xmlns:p14="http://schemas.microsoft.com/office/powerpoint/2010/main" val="1218573069"/>
+      </p:ext>
+    </p:extLst>
+  </p:cSld>
+  <p:clrMapOvr>
+    <a:masterClrMapping/>
+  </p:clrMapOvr>
+</p:sld>
+</file>
+
+<file path=ppt/slides/slide30.xml><?xml version="1.0" encoding="utf-8"?>
 <p:sld xmlns:a="http://schemas.openxmlformats.org/drawingml/2006/main" xmlns:r="http://schemas.openxmlformats.org/officeDocument/2006/relationships" xmlns:p="http://schemas.openxmlformats.org/presentationml/2006/main">
   <p:cSld>
     <p:bg>
@@ -16602,261 +17168,7 @@
 </p:sld>
 </file>
 
-<file path=ppt/slides/slide3.xml><?xml version="1.0" encoding="utf-8"?>
-<p:sld xmlns:a="http://schemas.openxmlformats.org/drawingml/2006/main" xmlns:r="http://schemas.openxmlformats.org/officeDocument/2006/relationships" xmlns:p="http://schemas.openxmlformats.org/presentationml/2006/main">
-  <p:cSld>
-    <p:spTree>
-      <p:nvGrpSpPr>
-        <p:cNvPr id="1" name=""/>
-        <p:cNvGrpSpPr/>
-        <p:nvPr/>
-      </p:nvGrpSpPr>
-      <p:grpSpPr>
-        <a:xfrm>
-          <a:off x="0" y="0"/>
-          <a:ext cx="0" cy="0"/>
-          <a:chOff x="0" y="0"/>
-          <a:chExt cx="0" cy="0"/>
-        </a:xfrm>
-      </p:grpSpPr>
-      <p:sp>
-        <p:nvSpPr>
-          <p:cNvPr id="2" name="Title 1"/>
-          <p:cNvSpPr>
-            <a:spLocks noGrp="1"/>
-          </p:cNvSpPr>
-          <p:nvPr>
-            <p:ph type="title"/>
-          </p:nvPr>
-        </p:nvSpPr>
-        <p:spPr>
-          <a:xfrm>
-            <a:off x="465513" y="365126"/>
-            <a:ext cx="8162553" cy="1325563"/>
-          </a:xfrm>
-        </p:spPr>
-        <p:txBody>
-          <a:bodyPr>
-            <a:normAutofit/>
-          </a:bodyPr>
-          <a:lstStyle/>
-          <a:p>
-            <a:pPr algn="ctr"/>
-            <a:r>
-              <a:rPr lang="en-US" sz="4000" dirty="0"/>
-              <a:t>Precision vs. Accuracy vs. Uncertainty</a:t>
-            </a:r>
-          </a:p>
-        </p:txBody>
-      </p:sp>
-      <p:sp>
-        <p:nvSpPr>
-          <p:cNvPr id="5" name="Rectangle 4"/>
-          <p:cNvSpPr/>
-          <p:nvPr/>
-        </p:nvSpPr>
-        <p:spPr>
-          <a:xfrm>
-            <a:off x="4541841" y="5863235"/>
-            <a:ext cx="4572000" cy="923330"/>
-          </a:xfrm>
-          <a:prstGeom prst="rect">
-            <a:avLst/>
-          </a:prstGeom>
-        </p:spPr>
-        <p:txBody>
-          <a:bodyPr>
-            <a:spAutoFit/>
-          </a:bodyPr>
-          <a:lstStyle/>
-          <a:p>
-            <a:r>
-              <a:rPr lang="en-US" u="sng" dirty="0"/>
-              <a:t>Uncertainty</a:t>
-            </a:r>
-            <a:r>
-              <a:rPr lang="en-US" dirty="0"/>
-              <a:t>: The </a:t>
-            </a:r>
-            <a:r>
-              <a:rPr lang="en-US" i="1" dirty="0"/>
-              <a:t>estimated</a:t>
-            </a:r>
-            <a:r>
-              <a:rPr lang="en-US" dirty="0"/>
-              <a:t> amount or percentage by which an observed or calculated value may differ from the true value</a:t>
-            </a:r>
-          </a:p>
-        </p:txBody>
-      </p:sp>
-      <p:sp>
-        <p:nvSpPr>
-          <p:cNvPr id="6" name="Rectangle 5"/>
-          <p:cNvSpPr/>
-          <p:nvPr/>
-        </p:nvSpPr>
-        <p:spPr>
-          <a:xfrm>
-            <a:off x="4541841" y="3188365"/>
-            <a:ext cx="4572000" cy="923330"/>
-          </a:xfrm>
-          <a:prstGeom prst="rect">
-            <a:avLst/>
-          </a:prstGeom>
-        </p:spPr>
-        <p:txBody>
-          <a:bodyPr>
-            <a:spAutoFit/>
-          </a:bodyPr>
-          <a:lstStyle/>
-          <a:p>
-            <a:r>
-              <a:rPr lang="en-US" u="sng" dirty="0"/>
-              <a:t>Accuracy:</a:t>
-            </a:r>
-            <a:r>
-              <a:rPr lang="en-US" dirty="0"/>
-              <a:t> The ability of a measurement to match the actual value of the quantity being measured</a:t>
-            </a:r>
-          </a:p>
-        </p:txBody>
-      </p:sp>
-      <p:sp>
-        <p:nvSpPr>
-          <p:cNvPr id="7" name="Rectangle 6"/>
-          <p:cNvSpPr/>
-          <p:nvPr/>
-        </p:nvSpPr>
-        <p:spPr>
-          <a:xfrm>
-            <a:off x="4541841" y="2425664"/>
-            <a:ext cx="4572000" cy="646331"/>
-          </a:xfrm>
-          <a:prstGeom prst="rect">
-            <a:avLst/>
-          </a:prstGeom>
-        </p:spPr>
-        <p:txBody>
-          <a:bodyPr>
-            <a:spAutoFit/>
-          </a:bodyPr>
-          <a:lstStyle/>
-          <a:p>
-            <a:r>
-              <a:rPr lang="en-US" u="sng" dirty="0"/>
-              <a:t>Precision</a:t>
-            </a:r>
-            <a:r>
-              <a:rPr lang="en-US" dirty="0"/>
-              <a:t>: The ability of a measurement to be consistently reproduced</a:t>
-            </a:r>
-          </a:p>
-        </p:txBody>
-      </p:sp>
-      <p:sp>
-        <p:nvSpPr>
-          <p:cNvPr id="3" name="TextBox 2"/>
-          <p:cNvSpPr txBox="1"/>
-          <p:nvPr/>
-        </p:nvSpPr>
-        <p:spPr>
-          <a:xfrm>
-            <a:off x="4804756" y="1899652"/>
-            <a:ext cx="3823310" cy="523220"/>
-          </a:xfrm>
-          <a:prstGeom prst="rect">
-            <a:avLst/>
-          </a:prstGeom>
-          <a:noFill/>
-        </p:spPr>
-        <p:txBody>
-          <a:bodyPr wrap="square" rtlCol="0">
-            <a:spAutoFit/>
-          </a:bodyPr>
-          <a:lstStyle/>
-          <a:p>
-            <a:pPr algn="ctr"/>
-            <a:r>
-              <a:rPr lang="en-US" sz="2800" b="1" dirty="0"/>
-              <a:t>Measurements (Errors)</a:t>
-            </a:r>
-          </a:p>
-        </p:txBody>
-      </p:sp>
-      <p:sp>
-        <p:nvSpPr>
-          <p:cNvPr id="114" name="TextBox 113"/>
-          <p:cNvSpPr txBox="1"/>
-          <p:nvPr/>
-        </p:nvSpPr>
-        <p:spPr>
-          <a:xfrm>
-            <a:off x="4673299" y="5377190"/>
-            <a:ext cx="4086224" cy="523220"/>
-          </a:xfrm>
-          <a:prstGeom prst="rect">
-            <a:avLst/>
-          </a:prstGeom>
-          <a:noFill/>
-        </p:spPr>
-        <p:txBody>
-          <a:bodyPr wrap="square" rtlCol="0">
-            <a:spAutoFit/>
-          </a:bodyPr>
-          <a:lstStyle/>
-          <a:p>
-            <a:pPr algn="ctr"/>
-            <a:r>
-              <a:rPr lang="en-US" sz="2800" b="1" dirty="0"/>
-              <a:t>Modeling (Uncertainty)</a:t>
-            </a:r>
-          </a:p>
-        </p:txBody>
-      </p:sp>
-      <p:pic>
-        <p:nvPicPr>
-          <p:cNvPr id="9" name="Content Placeholder 3"/>
-          <p:cNvPicPr>
-            <a:picLocks noChangeAspect="1"/>
-          </p:cNvPicPr>
-          <p:nvPr/>
-        </p:nvPicPr>
-        <p:blipFill>
-          <a:blip r:embed="rId3" cstate="print">
-            <a:extLst>
-              <a:ext uri="{28A0092B-C50C-407E-A947-70E740481C1C}">
-                <a14:useLocalDpi xmlns:a14="http://schemas.microsoft.com/office/drawing/2010/main"/>
-              </a:ext>
-            </a:extLst>
-          </a:blip>
-          <a:stretch>
-            <a:fillRect/>
-          </a:stretch>
-        </p:blipFill>
-        <p:spPr>
-          <a:xfrm>
-            <a:off x="0" y="2501875"/>
-            <a:ext cx="5791200" cy="3118338"/>
-          </a:xfrm>
-          <a:prstGeom prst="rect">
-            <a:avLst/>
-          </a:prstGeom>
-        </p:spPr>
-      </p:pic>
-    </p:spTree>
-    <p:extLst>
-      <p:ext uri="{BB962C8B-B14F-4D97-AF65-F5344CB8AC3E}">
-        <p14:creationId xmlns:p14="http://schemas.microsoft.com/office/powerpoint/2010/main" val="1218573069"/>
-      </p:ext>
-    </p:extLst>
-  </p:cSld>
-  <p:clrMapOvr>
-    <a:masterClrMapping/>
-  </p:clrMapOvr>
-</p:sld>
-</file>
-
-<file path=ppt/slides/slide30.xml><?xml version="1.0" encoding="utf-8"?>
+<file path=ppt/slides/slide31.xml><?xml version="1.0" encoding="utf-8"?>
 <p:sld xmlns:a="http://schemas.openxmlformats.org/drawingml/2006/main" xmlns:r="http://schemas.openxmlformats.org/officeDocument/2006/relationships" xmlns:p="http://schemas.openxmlformats.org/presentationml/2006/main">
   <p:cSld>
     <p:bg>
@@ -17510,7 +17822,7 @@
 </p:sld>
 </file>
 
-<file path=ppt/slides/slide31.xml><?xml version="1.0" encoding="utf-8"?>
+<file path=ppt/slides/slide32.xml><?xml version="1.0" encoding="utf-8"?>
 <p:sld xmlns:a="http://schemas.openxmlformats.org/drawingml/2006/main" xmlns:r="http://schemas.openxmlformats.org/officeDocument/2006/relationships" xmlns:p="http://schemas.openxmlformats.org/presentationml/2006/main">
   <p:cSld>
     <p:bg>
@@ -18276,7 +18588,7 @@
 </p:sld>
 </file>
 
-<file path=ppt/slides/slide32.xml><?xml version="1.0" encoding="utf-8"?>
+<file path=ppt/slides/slide33.xml><?xml version="1.0" encoding="utf-8"?>
 <p:sld xmlns:a="http://schemas.openxmlformats.org/drawingml/2006/main" xmlns:r="http://schemas.openxmlformats.org/officeDocument/2006/relationships" xmlns:p="http://schemas.openxmlformats.org/presentationml/2006/main">
   <p:cSld>
     <p:bg>
@@ -19105,7 +19417,7 @@
 </p:sld>
 </file>
 
-<file path=ppt/slides/slide33.xml><?xml version="1.0" encoding="utf-8"?>
+<file path=ppt/slides/slide34.xml><?xml version="1.0" encoding="utf-8"?>
 <p:sld xmlns:a="http://schemas.openxmlformats.org/drawingml/2006/main" xmlns:r="http://schemas.openxmlformats.org/officeDocument/2006/relationships" xmlns:p="http://schemas.openxmlformats.org/presentationml/2006/main">
   <p:cSld>
     <p:bg>
@@ -19702,7 +20014,7 @@
 </p:sld>
 </file>
 
-<file path=ppt/slides/slide34.xml><?xml version="1.0" encoding="utf-8"?>
+<file path=ppt/slides/slide35.xml><?xml version="1.0" encoding="utf-8"?>
 <p:sld xmlns:a="http://schemas.openxmlformats.org/drawingml/2006/main" xmlns:r="http://schemas.openxmlformats.org/officeDocument/2006/relationships" xmlns:p="http://schemas.openxmlformats.org/presentationml/2006/main">
   <p:cSld>
     <p:bg>
@@ -19810,7 +20122,7 @@
 </p:sld>
 </file>
 
-<file path=ppt/slides/slide35.xml><?xml version="1.0" encoding="utf-8"?>
+<file path=ppt/slides/slide36.xml><?xml version="1.0" encoding="utf-8"?>
 <p:sld xmlns:a="http://schemas.openxmlformats.org/drawingml/2006/main" xmlns:r="http://schemas.openxmlformats.org/officeDocument/2006/relationships" xmlns:p="http://schemas.openxmlformats.org/presentationml/2006/main">
   <p:cSld>
     <p:bg>
@@ -19979,7 +20291,7 @@
 </p:sld>
 </file>
 
-<file path=ppt/slides/slide36.xml><?xml version="1.0" encoding="utf-8"?>
+<file path=ppt/slides/slide37.xml><?xml version="1.0" encoding="utf-8"?>
 <p:sld xmlns:a="http://schemas.openxmlformats.org/drawingml/2006/main" xmlns:r="http://schemas.openxmlformats.org/officeDocument/2006/relationships" xmlns:p="http://schemas.openxmlformats.org/presentationml/2006/main" show="0">
   <p:cSld>
     <p:bg>

--- a/presentations/9_uncert_validation/9. Uncertainty_and_Validation_Beaudette.pptx
+++ b/presentations/9_uncert_validation/9. Uncertainty_and_Validation_Beaudette.pptx
@@ -5,7 +5,7 @@
     <p:sldMasterId id="2147483660" r:id="rId1"/>
   </p:sldMasterIdLst>
   <p:notesMasterIdLst>
-    <p:notesMasterId r:id="rId39"/>
+    <p:notesMasterId r:id="rId40"/>
   </p:notesMasterIdLst>
   <p:sldIdLst>
     <p:sldId id="257" r:id="rId2"/>
@@ -33,18 +33,19 @@
     <p:sldId id="334" r:id="rId24"/>
     <p:sldId id="366" r:id="rId25"/>
     <p:sldId id="343" r:id="rId26"/>
-    <p:sldId id="365" r:id="rId27"/>
-    <p:sldId id="357" r:id="rId28"/>
-    <p:sldId id="358" r:id="rId29"/>
-    <p:sldId id="364" r:id="rId30"/>
-    <p:sldId id="355" r:id="rId31"/>
-    <p:sldId id="362" r:id="rId32"/>
-    <p:sldId id="360" r:id="rId33"/>
-    <p:sldId id="363" r:id="rId34"/>
-    <p:sldId id="361" r:id="rId35"/>
-    <p:sldId id="317" r:id="rId36"/>
-    <p:sldId id="323" r:id="rId37"/>
-    <p:sldId id="332" r:id="rId38"/>
+    <p:sldId id="370" r:id="rId27"/>
+    <p:sldId id="365" r:id="rId28"/>
+    <p:sldId id="357" r:id="rId29"/>
+    <p:sldId id="358" r:id="rId30"/>
+    <p:sldId id="364" r:id="rId31"/>
+    <p:sldId id="355" r:id="rId32"/>
+    <p:sldId id="362" r:id="rId33"/>
+    <p:sldId id="360" r:id="rId34"/>
+    <p:sldId id="363" r:id="rId35"/>
+    <p:sldId id="361" r:id="rId36"/>
+    <p:sldId id="317" r:id="rId37"/>
+    <p:sldId id="323" r:id="rId38"/>
+    <p:sldId id="332" r:id="rId39"/>
   </p:sldIdLst>
   <p:sldSz cx="9144000" cy="6858000" type="screen4x3"/>
   <p:notesSz cx="6858000" cy="9144000"/>
@@ -2147,7 +2148,7 @@
     </p:spTree>
     <p:extLst>
       <p:ext uri="{BB962C8B-B14F-4D97-AF65-F5344CB8AC3E}">
-        <p14:creationId xmlns:p14="http://schemas.microsoft.com/office/powerpoint/2010/main" val="1426037521"/>
+        <p14:creationId xmlns:p14="http://schemas.microsoft.com/office/powerpoint/2010/main" val="3705925836"/>
       </p:ext>
     </p:extLst>
   </p:cSld>
@@ -2231,7 +2232,7 @@
     </p:spTree>
     <p:extLst>
       <p:ext uri="{BB962C8B-B14F-4D97-AF65-F5344CB8AC3E}">
-        <p14:creationId xmlns:p14="http://schemas.microsoft.com/office/powerpoint/2010/main" val="215829746"/>
+        <p14:creationId xmlns:p14="http://schemas.microsoft.com/office/powerpoint/2010/main" val="1426037521"/>
       </p:ext>
     </p:extLst>
   </p:cSld>
@@ -2315,7 +2316,7 @@
     </p:spTree>
     <p:extLst>
       <p:ext uri="{BB962C8B-B14F-4D97-AF65-F5344CB8AC3E}">
-        <p14:creationId xmlns:p14="http://schemas.microsoft.com/office/powerpoint/2010/main" val="1415862704"/>
+        <p14:creationId xmlns:p14="http://schemas.microsoft.com/office/powerpoint/2010/main" val="215829746"/>
       </p:ext>
     </p:extLst>
   </p:cSld>
@@ -2399,7 +2400,7 @@
     </p:spTree>
     <p:extLst>
       <p:ext uri="{BB962C8B-B14F-4D97-AF65-F5344CB8AC3E}">
-        <p14:creationId xmlns:p14="http://schemas.microsoft.com/office/powerpoint/2010/main" val="1499160887"/>
+        <p14:creationId xmlns:p14="http://schemas.microsoft.com/office/powerpoint/2010/main" val="1415862704"/>
       </p:ext>
     </p:extLst>
   </p:cSld>
@@ -2569,10 +2570,7 @@
           <a:bodyPr/>
           <a:lstStyle/>
           <a:p>
-            <a:r>
-              <a:rPr lang="en-US" dirty="0"/>
-              <a:t>using normalized Shannon entropy</a:t>
-            </a:r>
+            <a:endParaRPr lang="en-US" dirty="0"/>
           </a:p>
         </p:txBody>
       </p:sp>
@@ -2602,7 +2600,7 @@
     </p:spTree>
     <p:extLst>
       <p:ext uri="{BB962C8B-B14F-4D97-AF65-F5344CB8AC3E}">
-        <p14:creationId xmlns:p14="http://schemas.microsoft.com/office/powerpoint/2010/main" val="3494189358"/>
+        <p14:creationId xmlns:p14="http://schemas.microsoft.com/office/powerpoint/2010/main" val="1499160887"/>
       </p:ext>
     </p:extLst>
   </p:cSld>
@@ -2656,7 +2654,10 @@
           <a:bodyPr/>
           <a:lstStyle/>
           <a:p>
-            <a:endParaRPr lang="en-US" dirty="0"/>
+            <a:r>
+              <a:rPr lang="en-US" dirty="0"/>
+              <a:t>using normalized Shannon entropy</a:t>
+            </a:r>
           </a:p>
         </p:txBody>
       </p:sp>
@@ -2686,7 +2687,7 @@
     </p:spTree>
     <p:extLst>
       <p:ext uri="{BB962C8B-B14F-4D97-AF65-F5344CB8AC3E}">
-        <p14:creationId xmlns:p14="http://schemas.microsoft.com/office/powerpoint/2010/main" val="2394130383"/>
+        <p14:creationId xmlns:p14="http://schemas.microsoft.com/office/powerpoint/2010/main" val="3494189358"/>
       </p:ext>
     </p:extLst>
   </p:cSld>
@@ -2740,14 +2741,7 @@
           <a:bodyPr/>
           <a:lstStyle/>
           <a:p>
-            <a:r>
-              <a:rPr lang="en-US" dirty="0" err="1"/>
-              <a:t>DSMorph</a:t>
-            </a:r>
-            <a:r>
-              <a:rPr lang="en-US" dirty="0"/>
-              <a:t> Book chapter 18</a:t>
-            </a:r>
+            <a:endParaRPr lang="en-US" dirty="0"/>
           </a:p>
         </p:txBody>
       </p:sp>
@@ -2777,7 +2771,7 @@
     </p:spTree>
     <p:extLst>
       <p:ext uri="{BB962C8B-B14F-4D97-AF65-F5344CB8AC3E}">
-        <p14:creationId xmlns:p14="http://schemas.microsoft.com/office/powerpoint/2010/main" val="4268769645"/>
+        <p14:creationId xmlns:p14="http://schemas.microsoft.com/office/powerpoint/2010/main" val="2394130383"/>
       </p:ext>
     </p:extLst>
   </p:cSld>
@@ -2832,8 +2826,12 @@
           <a:lstStyle/>
           <a:p>
             <a:r>
+              <a:rPr lang="en-US" dirty="0" err="1"/>
+              <a:t>DSMorph</a:t>
+            </a:r>
+            <a:r>
               <a:rPr lang="en-US" dirty="0"/>
-              <a:t>https://acsess.onlinelibrary.wiley.com/doi/10.1002/saj2.20219</a:t>
+              <a:t> Book chapter 18</a:t>
             </a:r>
           </a:p>
         </p:txBody>
@@ -2864,7 +2862,7 @@
     </p:spTree>
     <p:extLst>
       <p:ext uri="{BB962C8B-B14F-4D97-AF65-F5344CB8AC3E}">
-        <p14:creationId xmlns:p14="http://schemas.microsoft.com/office/powerpoint/2010/main" val="1356851544"/>
+        <p14:creationId xmlns:p14="http://schemas.microsoft.com/office/powerpoint/2010/main" val="4268769645"/>
       </p:ext>
     </p:extLst>
   </p:cSld>
@@ -2918,7 +2916,10 @@
           <a:bodyPr/>
           <a:lstStyle/>
           <a:p>
-            <a:endParaRPr lang="en-US" dirty="0"/>
+            <a:r>
+              <a:rPr lang="en-US" dirty="0"/>
+              <a:t>https://acsess.onlinelibrary.wiley.com/doi/10.1002/saj2.20219</a:t>
+            </a:r>
           </a:p>
         </p:txBody>
       </p:sp>
@@ -2948,7 +2949,7 @@
     </p:spTree>
     <p:extLst>
       <p:ext uri="{BB962C8B-B14F-4D97-AF65-F5344CB8AC3E}">
-        <p14:creationId xmlns:p14="http://schemas.microsoft.com/office/powerpoint/2010/main" val="3508908563"/>
+        <p14:creationId xmlns:p14="http://schemas.microsoft.com/office/powerpoint/2010/main" val="1356851544"/>
       </p:ext>
     </p:extLst>
   </p:cSld>
@@ -3032,7 +3033,7 @@
     </p:spTree>
     <p:extLst>
       <p:ext uri="{BB962C8B-B14F-4D97-AF65-F5344CB8AC3E}">
-        <p14:creationId xmlns:p14="http://schemas.microsoft.com/office/powerpoint/2010/main" val="157695685"/>
+        <p14:creationId xmlns:p14="http://schemas.microsoft.com/office/powerpoint/2010/main" val="3508908563"/>
       </p:ext>
     </p:extLst>
   </p:cSld>
@@ -3116,7 +3117,7 @@
     </p:spTree>
     <p:extLst>
       <p:ext uri="{BB962C8B-B14F-4D97-AF65-F5344CB8AC3E}">
-        <p14:creationId xmlns:p14="http://schemas.microsoft.com/office/powerpoint/2010/main" val="945491892"/>
+        <p14:creationId xmlns:p14="http://schemas.microsoft.com/office/powerpoint/2010/main" val="157695685"/>
       </p:ext>
     </p:extLst>
   </p:cSld>
@@ -3192,6 +3193,90 @@
             <a:fld id="{459BFACE-0DFB-44A8-9511-CBB7B0A920B6}" type="slidenum">
               <a:rPr lang="en-US" smtClean="0"/>
               <a:t>37</a:t>
+            </a:fld>
+            <a:endParaRPr lang="en-US"/>
+          </a:p>
+        </p:txBody>
+      </p:sp>
+    </p:spTree>
+    <p:extLst>
+      <p:ext uri="{BB962C8B-B14F-4D97-AF65-F5344CB8AC3E}">
+        <p14:creationId xmlns:p14="http://schemas.microsoft.com/office/powerpoint/2010/main" val="945491892"/>
+      </p:ext>
+    </p:extLst>
+  </p:cSld>
+  <p:clrMapOvr>
+    <a:masterClrMapping/>
+  </p:clrMapOvr>
+</p:notes>
+</file>
+
+<file path=ppt/notesSlides/notesSlide38.xml><?xml version="1.0" encoding="utf-8"?>
+<p:notes xmlns:a="http://schemas.openxmlformats.org/drawingml/2006/main" xmlns:r="http://schemas.openxmlformats.org/officeDocument/2006/relationships" xmlns:p="http://schemas.openxmlformats.org/presentationml/2006/main">
+  <p:cSld>
+    <p:spTree>
+      <p:nvGrpSpPr>
+        <p:cNvPr id="1" name=""/>
+        <p:cNvGrpSpPr/>
+        <p:nvPr/>
+      </p:nvGrpSpPr>
+      <p:grpSpPr>
+        <a:xfrm>
+          <a:off x="0" y="0"/>
+          <a:ext cx="0" cy="0"/>
+          <a:chOff x="0" y="0"/>
+          <a:chExt cx="0" cy="0"/>
+        </a:xfrm>
+      </p:grpSpPr>
+      <p:sp>
+        <p:nvSpPr>
+          <p:cNvPr id="2" name="Slide Image Placeholder 1"/>
+          <p:cNvSpPr>
+            <a:spLocks noGrp="1" noRot="1" noChangeAspect="1"/>
+          </p:cNvSpPr>
+          <p:nvPr>
+            <p:ph type="sldImg"/>
+          </p:nvPr>
+        </p:nvSpPr>
+        <p:spPr/>
+      </p:sp>
+      <p:sp>
+        <p:nvSpPr>
+          <p:cNvPr id="3" name="Notes Placeholder 2"/>
+          <p:cNvSpPr>
+            <a:spLocks noGrp="1"/>
+          </p:cNvSpPr>
+          <p:nvPr>
+            <p:ph type="body" idx="1"/>
+          </p:nvPr>
+        </p:nvSpPr>
+        <p:spPr/>
+        <p:txBody>
+          <a:bodyPr/>
+          <a:lstStyle/>
+          <a:p>
+            <a:endParaRPr lang="en-US" dirty="0"/>
+          </a:p>
+        </p:txBody>
+      </p:sp>
+      <p:sp>
+        <p:nvSpPr>
+          <p:cNvPr id="4" name="Slide Number Placeholder 3"/>
+          <p:cNvSpPr>
+            <a:spLocks noGrp="1"/>
+          </p:cNvSpPr>
+          <p:nvPr>
+            <p:ph type="sldNum" sz="quarter" idx="10"/>
+          </p:nvPr>
+        </p:nvSpPr>
+        <p:spPr/>
+        <p:txBody>
+          <a:bodyPr/>
+          <a:lstStyle/>
+          <a:p>
+            <a:fld id="{459BFACE-0DFB-44A8-9511-CBB7B0A920B6}" type="slidenum">
+              <a:rPr lang="en-US" smtClean="0"/>
+              <a:t>38</a:t>
             </a:fld>
             <a:endParaRPr lang="en-US"/>
           </a:p>
@@ -8794,8 +8879,8 @@
           </a:p>
         </p:txBody>
       </p:sp>
-      <mc:AlternateContent xmlns:mc="http://schemas.openxmlformats.org/markup-compatibility/2006">
-        <mc:Choice xmlns:a14="http://schemas.microsoft.com/office/drawing/2010/main" Requires="a14">
+      <mc:AlternateContent xmlns:mc="http://schemas.openxmlformats.org/markup-compatibility/2006" xmlns:a14="http://schemas.microsoft.com/office/drawing/2010/main">
+        <mc:Choice Requires="a14">
           <p:sp>
             <p:nvSpPr>
               <p:cNvPr id="2" name="Rectangle 1">
@@ -8868,7 +8953,7 @@
             </p:txBody>
           </p:sp>
         </mc:Choice>
-        <mc:Fallback>
+        <mc:Fallback xmlns="">
           <p:sp>
             <p:nvSpPr>
               <p:cNvPr id="2" name="Rectangle 1">
@@ -14579,6 +14664,545 @@
       </p:grpSpPr>
       <p:sp>
         <p:nvSpPr>
+          <p:cNvPr id="11" name="TextBox 10">
+            <a:extLst>
+              <a:ext uri="{FF2B5EF4-FFF2-40B4-BE49-F238E27FC236}">
+                <a16:creationId xmlns:a16="http://schemas.microsoft.com/office/drawing/2014/main" id="{94F7AF02-97E2-4C34-A6BC-ADE93CE4F163}"/>
+              </a:ext>
+            </a:extLst>
+          </p:cNvPr>
+          <p:cNvSpPr txBox="1"/>
+          <p:nvPr/>
+        </p:nvSpPr>
+        <p:spPr>
+          <a:xfrm>
+            <a:off x="9525" y="-38784"/>
+            <a:ext cx="7552067" cy="646331"/>
+          </a:xfrm>
+          <a:prstGeom prst="rect">
+            <a:avLst/>
+          </a:prstGeom>
+          <a:noFill/>
+        </p:spPr>
+        <p:txBody>
+          <a:bodyPr wrap="none" rtlCol="0">
+            <a:spAutoFit/>
+          </a:bodyPr>
+          <a:lstStyle/>
+          <a:p>
+            <a:r>
+              <a:rPr lang="en-US" sz="3600" b="1" dirty="0">
+                <a:solidFill>
+                  <a:schemeClr val="bg1"/>
+                </a:solidFill>
+                <a:latin typeface="Candara" panose="020E0502030303020204" pitchFamily="34" charset="0"/>
+              </a:rPr>
+              <a:t>Uncertainty / Information / Confusion</a:t>
+            </a:r>
+          </a:p>
+        </p:txBody>
+      </p:sp>
+      <mc:AlternateContent xmlns:mc="http://schemas.openxmlformats.org/markup-compatibility/2006">
+        <mc:Choice xmlns:a14="http://schemas.microsoft.com/office/drawing/2010/main" Requires="a14">
+          <p:sp>
+            <p:nvSpPr>
+              <p:cNvPr id="3" name="TextBox 2">
+                <a:extLst>
+                  <a:ext uri="{FF2B5EF4-FFF2-40B4-BE49-F238E27FC236}">
+                    <a16:creationId xmlns:a16="http://schemas.microsoft.com/office/drawing/2014/main" id="{A0F82D33-7B75-4054-956B-B78518EEF823}"/>
+                  </a:ext>
+                </a:extLst>
+              </p:cNvPr>
+              <p:cNvSpPr txBox="1"/>
+              <p:nvPr/>
+            </p:nvSpPr>
+            <p:spPr>
+              <a:xfrm>
+                <a:off x="1194920" y="2225592"/>
+                <a:ext cx="2830518" cy="924164"/>
+              </a:xfrm>
+              <a:prstGeom prst="rect">
+                <a:avLst/>
+              </a:prstGeom>
+              <a:noFill/>
+            </p:spPr>
+            <p:txBody>
+              <a:bodyPr wrap="none" lIns="0" tIns="0" rIns="0" bIns="0" rtlCol="0">
+                <a:spAutoFit/>
+              </a:bodyPr>
+              <a:lstStyle/>
+              <a:p>
+                <a:pPr/>
+                <a14:m>
+                  <m:oMathPara xmlns:m="http://schemas.openxmlformats.org/officeDocument/2006/math">
+                    <m:oMathParaPr>
+                      <m:jc m:val="centerGroup"/>
+                    </m:oMathParaPr>
+                    <m:oMath xmlns:m="http://schemas.openxmlformats.org/officeDocument/2006/math">
+                      <m:r>
+                        <a:rPr lang="en-US" sz="2200" b="0" i="1" smtClean="0">
+                          <a:latin typeface="Cambria Math" panose="02040503050406030204" pitchFamily="18" charset="0"/>
+                        </a:rPr>
+                        <m:t>𝐻</m:t>
+                      </m:r>
+                      <m:r>
+                        <a:rPr lang="en-US" sz="2200" b="0" i="1" smtClean="0">
+                          <a:latin typeface="Cambria Math" panose="02040503050406030204" pitchFamily="18" charset="0"/>
+                        </a:rPr>
+                        <m:t>=−</m:t>
+                      </m:r>
+                      <m:nary>
+                        <m:naryPr>
+                          <m:chr m:val="∑"/>
+                          <m:ctrlPr>
+                            <a:rPr lang="en-US" sz="2200" b="0" i="1" smtClean="0">
+                              <a:latin typeface="Cambria Math" panose="02040503050406030204" pitchFamily="18" charset="0"/>
+                            </a:rPr>
+                          </m:ctrlPr>
+                        </m:naryPr>
+                        <m:sub>
+                          <m:r>
+                            <m:rPr>
+                              <m:brk m:alnAt="23"/>
+                            </m:rPr>
+                            <a:rPr lang="en-US" sz="2200" b="0" i="1" smtClean="0">
+                              <a:latin typeface="Cambria Math" panose="02040503050406030204" pitchFamily="18" charset="0"/>
+                            </a:rPr>
+                            <m:t>𝑖</m:t>
+                          </m:r>
+                          <m:r>
+                            <a:rPr lang="en-US" sz="2200" b="0" i="1" smtClean="0">
+                              <a:latin typeface="Cambria Math" panose="02040503050406030204" pitchFamily="18" charset="0"/>
+                            </a:rPr>
+                            <m:t>=1</m:t>
+                          </m:r>
+                        </m:sub>
+                        <m:sup>
+                          <m:r>
+                            <a:rPr lang="en-US" sz="2200" b="0" i="1" smtClean="0">
+                              <a:latin typeface="Cambria Math" panose="02040503050406030204" pitchFamily="18" charset="0"/>
+                            </a:rPr>
+                            <m:t>𝑛</m:t>
+                          </m:r>
+                        </m:sup>
+                        <m:e>
+                          <m:sSub>
+                            <m:sSubPr>
+                              <m:ctrlPr>
+                                <a:rPr lang="en-US" sz="2200" b="0" i="1" smtClean="0">
+                                  <a:latin typeface="Cambria Math" panose="02040503050406030204" pitchFamily="18" charset="0"/>
+                                </a:rPr>
+                              </m:ctrlPr>
+                            </m:sSubPr>
+                            <m:e>
+                              <m:r>
+                                <a:rPr lang="en-US" sz="2200" b="0" i="1" smtClean="0">
+                                  <a:latin typeface="Cambria Math" panose="02040503050406030204" pitchFamily="18" charset="0"/>
+                                </a:rPr>
+                                <m:t>𝑝</m:t>
+                              </m:r>
+                            </m:e>
+                            <m:sub>
+                              <m:r>
+                                <a:rPr lang="en-US" sz="2200" b="0" i="1" smtClean="0">
+                                  <a:latin typeface="Cambria Math" panose="02040503050406030204" pitchFamily="18" charset="0"/>
+                                </a:rPr>
+                                <m:t>𝑖</m:t>
+                              </m:r>
+                            </m:sub>
+                          </m:sSub>
+                          <m:r>
+                            <a:rPr lang="en-US" sz="2200" b="0" i="1" smtClean="0">
+                              <a:latin typeface="Cambria Math" panose="02040503050406030204" pitchFamily="18" charset="0"/>
+                            </a:rPr>
+                            <m:t>∗</m:t>
+                          </m:r>
+                          <m:sSub>
+                            <m:sSubPr>
+                              <m:ctrlPr>
+                                <a:rPr lang="en-US" sz="2200" b="0" i="1" smtClean="0">
+                                  <a:latin typeface="Cambria Math" panose="02040503050406030204" pitchFamily="18" charset="0"/>
+                                </a:rPr>
+                              </m:ctrlPr>
+                            </m:sSubPr>
+                            <m:e>
+                              <m:r>
+                                <a:rPr lang="en-US" sz="2200" b="0" i="1" smtClean="0">
+                                  <a:latin typeface="Cambria Math" panose="02040503050406030204" pitchFamily="18" charset="0"/>
+                                </a:rPr>
+                                <m:t>𝑙𝑜𝑔</m:t>
+                              </m:r>
+                            </m:e>
+                            <m:sub>
+                              <m:r>
+                                <a:rPr lang="en-US" sz="2200" b="0" i="1" smtClean="0">
+                                  <a:latin typeface="Cambria Math" panose="02040503050406030204" pitchFamily="18" charset="0"/>
+                                </a:rPr>
+                                <m:t>2</m:t>
+                              </m:r>
+                            </m:sub>
+                          </m:sSub>
+                          <m:d>
+                            <m:dPr>
+                              <m:ctrlPr>
+                                <a:rPr lang="en-US" sz="2200" b="0" i="1" smtClean="0">
+                                  <a:latin typeface="Cambria Math" panose="02040503050406030204" pitchFamily="18" charset="0"/>
+                                </a:rPr>
+                              </m:ctrlPr>
+                            </m:dPr>
+                            <m:e>
+                              <m:sSub>
+                                <m:sSubPr>
+                                  <m:ctrlPr>
+                                    <a:rPr lang="en-US" sz="2200" b="0" i="1" smtClean="0">
+                                      <a:latin typeface="Cambria Math" panose="02040503050406030204" pitchFamily="18" charset="0"/>
+                                    </a:rPr>
+                                  </m:ctrlPr>
+                                </m:sSubPr>
+                                <m:e>
+                                  <m:r>
+                                    <a:rPr lang="en-US" sz="2200" b="0" i="1" smtClean="0">
+                                      <a:latin typeface="Cambria Math" panose="02040503050406030204" pitchFamily="18" charset="0"/>
+                                    </a:rPr>
+                                    <m:t>𝑝</m:t>
+                                  </m:r>
+                                </m:e>
+                                <m:sub>
+                                  <m:r>
+                                    <a:rPr lang="en-US" sz="2200" b="0" i="1" smtClean="0">
+                                      <a:latin typeface="Cambria Math" panose="02040503050406030204" pitchFamily="18" charset="0"/>
+                                    </a:rPr>
+                                    <m:t>𝑖</m:t>
+                                  </m:r>
+                                </m:sub>
+                              </m:sSub>
+                            </m:e>
+                          </m:d>
+                        </m:e>
+                      </m:nary>
+                    </m:oMath>
+                  </m:oMathPara>
+                </a14:m>
+                <a:endParaRPr lang="en-US" sz="2200" dirty="0"/>
+              </a:p>
+            </p:txBody>
+          </p:sp>
+        </mc:Choice>
+        <mc:Fallback>
+          <p:sp>
+            <p:nvSpPr>
+              <p:cNvPr id="3" name="TextBox 2">
+                <a:extLst>
+                  <a:ext uri="{FF2B5EF4-FFF2-40B4-BE49-F238E27FC236}">
+                    <a16:creationId xmlns:a16="http://schemas.microsoft.com/office/drawing/2014/main" id="{A0F82D33-7B75-4054-956B-B78518EEF823}"/>
+                  </a:ext>
+                </a:extLst>
+              </p:cNvPr>
+              <p:cNvSpPr txBox="1">
+                <a:spLocks noRot="1" noChangeAspect="1" noMove="1" noResize="1" noEditPoints="1" noAdjustHandles="1" noChangeArrowheads="1" noChangeShapeType="1" noTextEdit="1"/>
+              </p:cNvSpPr>
+              <p:nvPr/>
+            </p:nvSpPr>
+            <p:spPr>
+              <a:xfrm>
+                <a:off x="1194920" y="2225592"/>
+                <a:ext cx="2830518" cy="924164"/>
+              </a:xfrm>
+              <a:prstGeom prst="rect">
+                <a:avLst/>
+              </a:prstGeom>
+              <a:blipFill>
+                <a:blip r:embed="rId3"/>
+                <a:stretch>
+                  <a:fillRect/>
+                </a:stretch>
+              </a:blipFill>
+            </p:spPr>
+            <p:txBody>
+              <a:bodyPr/>
+              <a:lstStyle/>
+              <a:p>
+                <a:r>
+                  <a:rPr lang="en-US">
+                    <a:noFill/>
+                  </a:rPr>
+                  <a:t> </a:t>
+                </a:r>
+              </a:p>
+            </p:txBody>
+          </p:sp>
+        </mc:Fallback>
+      </mc:AlternateContent>
+      <mc:AlternateContent xmlns:mc="http://schemas.openxmlformats.org/markup-compatibility/2006">
+        <mc:Choice xmlns:a14="http://schemas.microsoft.com/office/drawing/2010/main" Requires="a14">
+          <p:sp>
+            <p:nvSpPr>
+              <p:cNvPr id="5" name="TextBox 4">
+                <a:extLst>
+                  <a:ext uri="{FF2B5EF4-FFF2-40B4-BE49-F238E27FC236}">
+                    <a16:creationId xmlns:a16="http://schemas.microsoft.com/office/drawing/2014/main" id="{FF8BD252-EA54-49F5-A039-E4EF2A070D34}"/>
+                  </a:ext>
+                </a:extLst>
+              </p:cNvPr>
+              <p:cNvSpPr txBox="1"/>
+              <p:nvPr/>
+            </p:nvSpPr>
+            <p:spPr>
+              <a:xfrm>
+                <a:off x="4572000" y="4456132"/>
+                <a:ext cx="3517245" cy="338554"/>
+              </a:xfrm>
+              <a:prstGeom prst="rect">
+                <a:avLst/>
+              </a:prstGeom>
+              <a:noFill/>
+            </p:spPr>
+            <p:txBody>
+              <a:bodyPr wrap="none" lIns="0" tIns="0" rIns="0" bIns="0" rtlCol="0">
+                <a:spAutoFit/>
+              </a:bodyPr>
+              <a:lstStyle/>
+              <a:p>
+                <a:pPr/>
+                <a14:m>
+                  <m:oMathPara xmlns:m="http://schemas.openxmlformats.org/officeDocument/2006/math">
+                    <m:oMathParaPr>
+                      <m:jc m:val="centerGroup"/>
+                    </m:oMathParaPr>
+                    <m:oMath xmlns:m="http://schemas.openxmlformats.org/officeDocument/2006/math">
+                      <m:r>
+                        <a:rPr lang="en-US" sz="2200" b="0" i="1" smtClean="0">
+                          <a:latin typeface="Cambria Math" panose="02040503050406030204" pitchFamily="18" charset="0"/>
+                        </a:rPr>
+                        <m:t>𝐶𝐼</m:t>
+                      </m:r>
+                      <m:r>
+                        <a:rPr lang="en-US" sz="2200" b="0" i="1" smtClean="0">
+                          <a:latin typeface="Cambria Math" panose="02040503050406030204" pitchFamily="18" charset="0"/>
+                        </a:rPr>
+                        <m:t>= </m:t>
+                      </m:r>
+                      <m:d>
+                        <m:dPr>
+                          <m:begChr m:val="["/>
+                          <m:endChr m:val="]"/>
+                          <m:ctrlPr>
+                            <a:rPr lang="en-US" sz="2200" b="0" i="1" smtClean="0">
+                              <a:latin typeface="Cambria Math" panose="02040503050406030204" pitchFamily="18" charset="0"/>
+                            </a:rPr>
+                          </m:ctrlPr>
+                        </m:dPr>
+                        <m:e>
+                          <m:r>
+                            <a:rPr lang="en-US" sz="2200" b="0" i="1" smtClean="0">
+                              <a:latin typeface="Cambria Math" panose="02040503050406030204" pitchFamily="18" charset="0"/>
+                            </a:rPr>
+                            <m:t>1−</m:t>
+                          </m:r>
+                          <m:d>
+                            <m:dPr>
+                              <m:ctrlPr>
+                                <a:rPr lang="en-US" sz="2200" b="0" i="1" smtClean="0">
+                                  <a:latin typeface="Cambria Math" panose="02040503050406030204" pitchFamily="18" charset="0"/>
+                                </a:rPr>
+                              </m:ctrlPr>
+                            </m:dPr>
+                            <m:e>
+                              <m:sSub>
+                                <m:sSubPr>
+                                  <m:ctrlPr>
+                                    <a:rPr lang="en-US" sz="2200" b="0" i="1" smtClean="0">
+                                      <a:latin typeface="Cambria Math" panose="02040503050406030204" pitchFamily="18" charset="0"/>
+                                    </a:rPr>
+                                  </m:ctrlPr>
+                                </m:sSubPr>
+                                <m:e>
+                                  <m:r>
+                                    <a:rPr lang="en-US" sz="2200" b="0" i="1" smtClean="0">
+                                      <a:latin typeface="Cambria Math" panose="02040503050406030204" pitchFamily="18" charset="0"/>
+                                    </a:rPr>
+                                    <m:t>𝑝</m:t>
+                                  </m:r>
+                                </m:e>
+                                <m:sub>
+                                  <m:r>
+                                    <a:rPr lang="en-US" sz="2200" b="0" i="1" smtClean="0">
+                                      <a:latin typeface="Cambria Math" panose="02040503050406030204" pitchFamily="18" charset="0"/>
+                                    </a:rPr>
+                                    <m:t>𝑚𝑎𝑥</m:t>
+                                  </m:r>
+                                </m:sub>
+                              </m:sSub>
+                              <m:r>
+                                <a:rPr lang="en-US" sz="2200" b="0" i="1" smtClean="0">
+                                  <a:latin typeface="Cambria Math" panose="02040503050406030204" pitchFamily="18" charset="0"/>
+                                </a:rPr>
+                                <m:t>−</m:t>
+                              </m:r>
+                              <m:sSub>
+                                <m:sSubPr>
+                                  <m:ctrlPr>
+                                    <a:rPr lang="en-US" sz="2200" b="0" i="1" smtClean="0">
+                                      <a:latin typeface="Cambria Math" panose="02040503050406030204" pitchFamily="18" charset="0"/>
+                                    </a:rPr>
+                                  </m:ctrlPr>
+                                </m:sSubPr>
+                                <m:e>
+                                  <m:r>
+                                    <a:rPr lang="en-US" sz="2200" b="0" i="1" smtClean="0">
+                                      <a:latin typeface="Cambria Math" panose="02040503050406030204" pitchFamily="18" charset="0"/>
+                                    </a:rPr>
+                                    <m:t>𝑝</m:t>
+                                  </m:r>
+                                </m:e>
+                                <m:sub>
+                                  <m:r>
+                                    <a:rPr lang="en-US" sz="2200" b="0" i="1" smtClean="0">
+                                      <a:latin typeface="Cambria Math" panose="02040503050406030204" pitchFamily="18" charset="0"/>
+                                    </a:rPr>
+                                    <m:t>𝑚𝑎𝑥</m:t>
+                                  </m:r>
+                                  <m:r>
+                                    <a:rPr lang="en-US" sz="2200" b="0" i="1" smtClean="0">
+                                      <a:latin typeface="Cambria Math" panose="02040503050406030204" pitchFamily="18" charset="0"/>
+                                    </a:rPr>
+                                    <m:t>−1</m:t>
+                                  </m:r>
+                                </m:sub>
+                              </m:sSub>
+                            </m:e>
+                          </m:d>
+                        </m:e>
+                      </m:d>
+                    </m:oMath>
+                  </m:oMathPara>
+                </a14:m>
+                <a:endParaRPr lang="en-US" sz="2200" dirty="0"/>
+              </a:p>
+            </p:txBody>
+          </p:sp>
+        </mc:Choice>
+        <mc:Fallback>
+          <p:sp>
+            <p:nvSpPr>
+              <p:cNvPr id="5" name="TextBox 4">
+                <a:extLst>
+                  <a:ext uri="{FF2B5EF4-FFF2-40B4-BE49-F238E27FC236}">
+                    <a16:creationId xmlns:a16="http://schemas.microsoft.com/office/drawing/2014/main" id="{FF8BD252-EA54-49F5-A039-E4EF2A070D34}"/>
+                  </a:ext>
+                </a:extLst>
+              </p:cNvPr>
+              <p:cNvSpPr txBox="1">
+                <a:spLocks noRot="1" noChangeAspect="1" noMove="1" noResize="1" noEditPoints="1" noAdjustHandles="1" noChangeArrowheads="1" noChangeShapeType="1" noTextEdit="1"/>
+              </p:cNvSpPr>
+              <p:nvPr/>
+            </p:nvSpPr>
+            <p:spPr>
+              <a:xfrm>
+                <a:off x="4572000" y="4456132"/>
+                <a:ext cx="3517245" cy="338554"/>
+              </a:xfrm>
+              <a:prstGeom prst="rect">
+                <a:avLst/>
+              </a:prstGeom>
+              <a:blipFill>
+                <a:blip r:embed="rId4"/>
+                <a:stretch>
+                  <a:fillRect l="-1386" b="-23214"/>
+                </a:stretch>
+              </a:blipFill>
+            </p:spPr>
+            <p:txBody>
+              <a:bodyPr/>
+              <a:lstStyle/>
+              <a:p>
+                <a:r>
+                  <a:rPr lang="en-US">
+                    <a:noFill/>
+                  </a:rPr>
+                  <a:t> </a:t>
+                </a:r>
+              </a:p>
+            </p:txBody>
+          </p:sp>
+        </mc:Fallback>
+      </mc:AlternateContent>
+      <p:pic>
+        <p:nvPicPr>
+          <p:cNvPr id="4" name="Picture 3" descr="Chart, bar chart&#10;&#10;Description automatically generated">
+            <a:extLst>
+              <a:ext uri="{FF2B5EF4-FFF2-40B4-BE49-F238E27FC236}">
+                <a16:creationId xmlns:a16="http://schemas.microsoft.com/office/drawing/2014/main" id="{01D40417-6EBA-B78A-5156-AD77D7B70A4F}"/>
+              </a:ext>
+            </a:extLst>
+          </p:cNvPr>
+          <p:cNvPicPr>
+            <a:picLocks noChangeAspect="1"/>
+          </p:cNvPicPr>
+          <p:nvPr/>
+        </p:nvPicPr>
+        <p:blipFill>
+          <a:blip r:embed="rId5">
+            <a:extLst>
+              <a:ext uri="{28A0092B-C50C-407E-A947-70E740481C1C}">
+                <a14:useLocalDpi xmlns:a14="http://schemas.microsoft.com/office/drawing/2010/main" val="0"/>
+              </a:ext>
+            </a:extLst>
+          </a:blip>
+          <a:stretch>
+            <a:fillRect/>
+          </a:stretch>
+        </p:blipFill>
+        <p:spPr>
+          <a:xfrm>
+            <a:off x="0" y="685800"/>
+            <a:ext cx="9144000" cy="5486400"/>
+          </a:xfrm>
+          <a:prstGeom prst="rect">
+            <a:avLst/>
+          </a:prstGeom>
+        </p:spPr>
+      </p:pic>
+    </p:spTree>
+    <p:extLst>
+      <p:ext uri="{BB962C8B-B14F-4D97-AF65-F5344CB8AC3E}">
+        <p14:creationId xmlns:p14="http://schemas.microsoft.com/office/powerpoint/2010/main" val="3163143315"/>
+      </p:ext>
+    </p:extLst>
+  </p:cSld>
+  <p:clrMapOvr>
+    <a:masterClrMapping/>
+  </p:clrMapOvr>
+</p:sld>
+</file>
+
+<file path=ppt/slides/slide27.xml><?xml version="1.0" encoding="utf-8"?>
+<p:sld xmlns:a="http://schemas.openxmlformats.org/drawingml/2006/main" xmlns:r="http://schemas.openxmlformats.org/officeDocument/2006/relationships" xmlns:p="http://schemas.openxmlformats.org/presentationml/2006/main">
+  <p:cSld>
+    <p:bg>
+      <p:bgPr>
+        <a:solidFill>
+          <a:schemeClr val="tx1"/>
+        </a:solidFill>
+        <a:effectLst/>
+      </p:bgPr>
+    </p:bg>
+    <p:spTree>
+      <p:nvGrpSpPr>
+        <p:cNvPr id="1" name=""/>
+        <p:cNvGrpSpPr/>
+        <p:nvPr/>
+      </p:nvGrpSpPr>
+      <p:grpSpPr>
+        <a:xfrm>
+          <a:off x="0" y="0"/>
+          <a:ext cx="0" cy="0"/>
+          <a:chOff x="0" y="0"/>
+          <a:chExt cx="0" cy="0"/>
+        </a:xfrm>
+      </p:grpSpPr>
+      <p:sp>
+        <p:nvSpPr>
           <p:cNvPr id="2" name="TextBox 1">
             <a:extLst>
               <a:ext uri="{FF2B5EF4-FFF2-40B4-BE49-F238E27FC236}">
@@ -14630,7 +15254,7 @@
 </p:sld>
 </file>
 
-<file path=ppt/slides/slide27.xml><?xml version="1.0" encoding="utf-8"?>
+<file path=ppt/slides/slide28.xml><?xml version="1.0" encoding="utf-8"?>
 <p:sld xmlns:a="http://schemas.openxmlformats.org/drawingml/2006/main" xmlns:r="http://schemas.openxmlformats.org/officeDocument/2006/relationships" xmlns:p="http://schemas.openxmlformats.org/presentationml/2006/main">
   <p:cSld>
     <p:bg>
@@ -15222,7 +15846,7 @@
 </p:sld>
 </file>
 
-<file path=ppt/slides/slide28.xml><?xml version="1.0" encoding="utf-8"?>
+<file path=ppt/slides/slide29.xml><?xml version="1.0" encoding="utf-8"?>
 <p:sld xmlns:a="http://schemas.openxmlformats.org/drawingml/2006/main" xmlns:r="http://schemas.openxmlformats.org/officeDocument/2006/relationships" xmlns:p="http://schemas.openxmlformats.org/presentationml/2006/main">
   <p:cSld>
     <p:bg>
@@ -15760,7 +16384,261 @@
 </p:sld>
 </file>
 
-<file path=ppt/slides/slide29.xml><?xml version="1.0" encoding="utf-8"?>
+<file path=ppt/slides/slide3.xml><?xml version="1.0" encoding="utf-8"?>
+<p:sld xmlns:a="http://schemas.openxmlformats.org/drawingml/2006/main" xmlns:r="http://schemas.openxmlformats.org/officeDocument/2006/relationships" xmlns:p="http://schemas.openxmlformats.org/presentationml/2006/main">
+  <p:cSld>
+    <p:spTree>
+      <p:nvGrpSpPr>
+        <p:cNvPr id="1" name=""/>
+        <p:cNvGrpSpPr/>
+        <p:nvPr/>
+      </p:nvGrpSpPr>
+      <p:grpSpPr>
+        <a:xfrm>
+          <a:off x="0" y="0"/>
+          <a:ext cx="0" cy="0"/>
+          <a:chOff x="0" y="0"/>
+          <a:chExt cx="0" cy="0"/>
+        </a:xfrm>
+      </p:grpSpPr>
+      <p:sp>
+        <p:nvSpPr>
+          <p:cNvPr id="2" name="Title 1"/>
+          <p:cNvSpPr>
+            <a:spLocks noGrp="1"/>
+          </p:cNvSpPr>
+          <p:nvPr>
+            <p:ph type="title"/>
+          </p:nvPr>
+        </p:nvSpPr>
+        <p:spPr>
+          <a:xfrm>
+            <a:off x="465513" y="365126"/>
+            <a:ext cx="8162553" cy="1325563"/>
+          </a:xfrm>
+        </p:spPr>
+        <p:txBody>
+          <a:bodyPr>
+            <a:normAutofit/>
+          </a:bodyPr>
+          <a:lstStyle/>
+          <a:p>
+            <a:pPr algn="ctr"/>
+            <a:r>
+              <a:rPr lang="en-US" sz="4000" dirty="0"/>
+              <a:t>Precision vs. Accuracy vs. Uncertainty</a:t>
+            </a:r>
+          </a:p>
+        </p:txBody>
+      </p:sp>
+      <p:sp>
+        <p:nvSpPr>
+          <p:cNvPr id="5" name="Rectangle 4"/>
+          <p:cNvSpPr/>
+          <p:nvPr/>
+        </p:nvSpPr>
+        <p:spPr>
+          <a:xfrm>
+            <a:off x="4541841" y="5863235"/>
+            <a:ext cx="4572000" cy="923330"/>
+          </a:xfrm>
+          <a:prstGeom prst="rect">
+            <a:avLst/>
+          </a:prstGeom>
+        </p:spPr>
+        <p:txBody>
+          <a:bodyPr>
+            <a:spAutoFit/>
+          </a:bodyPr>
+          <a:lstStyle/>
+          <a:p>
+            <a:r>
+              <a:rPr lang="en-US" u="sng" dirty="0"/>
+              <a:t>Uncertainty</a:t>
+            </a:r>
+            <a:r>
+              <a:rPr lang="en-US" dirty="0"/>
+              <a:t>: The </a:t>
+            </a:r>
+            <a:r>
+              <a:rPr lang="en-US" i="1" dirty="0"/>
+              <a:t>estimated</a:t>
+            </a:r>
+            <a:r>
+              <a:rPr lang="en-US" dirty="0"/>
+              <a:t> amount or percentage by which an observed or calculated value may differ from the true value</a:t>
+            </a:r>
+          </a:p>
+        </p:txBody>
+      </p:sp>
+      <p:sp>
+        <p:nvSpPr>
+          <p:cNvPr id="6" name="Rectangle 5"/>
+          <p:cNvSpPr/>
+          <p:nvPr/>
+        </p:nvSpPr>
+        <p:spPr>
+          <a:xfrm>
+            <a:off x="4541841" y="3188365"/>
+            <a:ext cx="4572000" cy="923330"/>
+          </a:xfrm>
+          <a:prstGeom prst="rect">
+            <a:avLst/>
+          </a:prstGeom>
+        </p:spPr>
+        <p:txBody>
+          <a:bodyPr>
+            <a:spAutoFit/>
+          </a:bodyPr>
+          <a:lstStyle/>
+          <a:p>
+            <a:r>
+              <a:rPr lang="en-US" u="sng" dirty="0"/>
+              <a:t>Accuracy:</a:t>
+            </a:r>
+            <a:r>
+              <a:rPr lang="en-US" dirty="0"/>
+              <a:t> The ability of a measurement to match the actual value of the quantity being measured</a:t>
+            </a:r>
+          </a:p>
+        </p:txBody>
+      </p:sp>
+      <p:sp>
+        <p:nvSpPr>
+          <p:cNvPr id="7" name="Rectangle 6"/>
+          <p:cNvSpPr/>
+          <p:nvPr/>
+        </p:nvSpPr>
+        <p:spPr>
+          <a:xfrm>
+            <a:off x="4541841" y="2425664"/>
+            <a:ext cx="4572000" cy="646331"/>
+          </a:xfrm>
+          <a:prstGeom prst="rect">
+            <a:avLst/>
+          </a:prstGeom>
+        </p:spPr>
+        <p:txBody>
+          <a:bodyPr>
+            <a:spAutoFit/>
+          </a:bodyPr>
+          <a:lstStyle/>
+          <a:p>
+            <a:r>
+              <a:rPr lang="en-US" u="sng" dirty="0"/>
+              <a:t>Precision</a:t>
+            </a:r>
+            <a:r>
+              <a:rPr lang="en-US" dirty="0"/>
+              <a:t>: The ability of a measurement to be consistently reproduced</a:t>
+            </a:r>
+          </a:p>
+        </p:txBody>
+      </p:sp>
+      <p:sp>
+        <p:nvSpPr>
+          <p:cNvPr id="3" name="TextBox 2"/>
+          <p:cNvSpPr txBox="1"/>
+          <p:nvPr/>
+        </p:nvSpPr>
+        <p:spPr>
+          <a:xfrm>
+            <a:off x="4804756" y="1899652"/>
+            <a:ext cx="3823310" cy="523220"/>
+          </a:xfrm>
+          <a:prstGeom prst="rect">
+            <a:avLst/>
+          </a:prstGeom>
+          <a:noFill/>
+        </p:spPr>
+        <p:txBody>
+          <a:bodyPr wrap="square" rtlCol="0">
+            <a:spAutoFit/>
+          </a:bodyPr>
+          <a:lstStyle/>
+          <a:p>
+            <a:pPr algn="ctr"/>
+            <a:r>
+              <a:rPr lang="en-US" sz="2800" b="1" dirty="0"/>
+              <a:t>Measurements (Errors)</a:t>
+            </a:r>
+          </a:p>
+        </p:txBody>
+      </p:sp>
+      <p:sp>
+        <p:nvSpPr>
+          <p:cNvPr id="114" name="TextBox 113"/>
+          <p:cNvSpPr txBox="1"/>
+          <p:nvPr/>
+        </p:nvSpPr>
+        <p:spPr>
+          <a:xfrm>
+            <a:off x="4673299" y="5377190"/>
+            <a:ext cx="4086224" cy="523220"/>
+          </a:xfrm>
+          <a:prstGeom prst="rect">
+            <a:avLst/>
+          </a:prstGeom>
+          <a:noFill/>
+        </p:spPr>
+        <p:txBody>
+          <a:bodyPr wrap="square" rtlCol="0">
+            <a:spAutoFit/>
+          </a:bodyPr>
+          <a:lstStyle/>
+          <a:p>
+            <a:pPr algn="ctr"/>
+            <a:r>
+              <a:rPr lang="en-US" sz="2800" b="1" dirty="0"/>
+              <a:t>Modeling (Uncertainty)</a:t>
+            </a:r>
+          </a:p>
+        </p:txBody>
+      </p:sp>
+      <p:pic>
+        <p:nvPicPr>
+          <p:cNvPr id="9" name="Content Placeholder 3"/>
+          <p:cNvPicPr>
+            <a:picLocks noChangeAspect="1"/>
+          </p:cNvPicPr>
+          <p:nvPr/>
+        </p:nvPicPr>
+        <p:blipFill>
+          <a:blip r:embed="rId3" cstate="print">
+            <a:extLst>
+              <a:ext uri="{28A0092B-C50C-407E-A947-70E740481C1C}">
+                <a14:useLocalDpi xmlns:a14="http://schemas.microsoft.com/office/drawing/2010/main"/>
+              </a:ext>
+            </a:extLst>
+          </a:blip>
+          <a:stretch>
+            <a:fillRect/>
+          </a:stretch>
+        </p:blipFill>
+        <p:spPr>
+          <a:xfrm>
+            <a:off x="0" y="2501875"/>
+            <a:ext cx="5791200" cy="3118338"/>
+          </a:xfrm>
+          <a:prstGeom prst="rect">
+            <a:avLst/>
+          </a:prstGeom>
+        </p:spPr>
+      </p:pic>
+    </p:spTree>
+    <p:extLst>
+      <p:ext uri="{BB962C8B-B14F-4D97-AF65-F5344CB8AC3E}">
+        <p14:creationId xmlns:p14="http://schemas.microsoft.com/office/powerpoint/2010/main" val="1218573069"/>
+      </p:ext>
+    </p:extLst>
+  </p:cSld>
+  <p:clrMapOvr>
+    <a:masterClrMapping/>
+  </p:clrMapOvr>
+</p:sld>
+</file>
+
+<file path=ppt/slides/slide30.xml><?xml version="1.0" encoding="utf-8"?>
 <p:sld xmlns:a="http://schemas.openxmlformats.org/drawingml/2006/main" xmlns:r="http://schemas.openxmlformats.org/officeDocument/2006/relationships" xmlns:p="http://schemas.openxmlformats.org/presentationml/2006/main">
   <p:cSld>
     <p:bg>
@@ -16148,261 +17026,7 @@
 </p:sld>
 </file>
 
-<file path=ppt/slides/slide3.xml><?xml version="1.0" encoding="utf-8"?>
-<p:sld xmlns:a="http://schemas.openxmlformats.org/drawingml/2006/main" xmlns:r="http://schemas.openxmlformats.org/officeDocument/2006/relationships" xmlns:p="http://schemas.openxmlformats.org/presentationml/2006/main">
-  <p:cSld>
-    <p:spTree>
-      <p:nvGrpSpPr>
-        <p:cNvPr id="1" name=""/>
-        <p:cNvGrpSpPr/>
-        <p:nvPr/>
-      </p:nvGrpSpPr>
-      <p:grpSpPr>
-        <a:xfrm>
-          <a:off x="0" y="0"/>
-          <a:ext cx="0" cy="0"/>
-          <a:chOff x="0" y="0"/>
-          <a:chExt cx="0" cy="0"/>
-        </a:xfrm>
-      </p:grpSpPr>
-      <p:sp>
-        <p:nvSpPr>
-          <p:cNvPr id="2" name="Title 1"/>
-          <p:cNvSpPr>
-            <a:spLocks noGrp="1"/>
-          </p:cNvSpPr>
-          <p:nvPr>
-            <p:ph type="title"/>
-          </p:nvPr>
-        </p:nvSpPr>
-        <p:spPr>
-          <a:xfrm>
-            <a:off x="465513" y="365126"/>
-            <a:ext cx="8162553" cy="1325563"/>
-          </a:xfrm>
-        </p:spPr>
-        <p:txBody>
-          <a:bodyPr>
-            <a:normAutofit/>
-          </a:bodyPr>
-          <a:lstStyle/>
-          <a:p>
-            <a:pPr algn="ctr"/>
-            <a:r>
-              <a:rPr lang="en-US" sz="4000" dirty="0"/>
-              <a:t>Precision vs. Accuracy vs. Uncertainty</a:t>
-            </a:r>
-          </a:p>
-        </p:txBody>
-      </p:sp>
-      <p:sp>
-        <p:nvSpPr>
-          <p:cNvPr id="5" name="Rectangle 4"/>
-          <p:cNvSpPr/>
-          <p:nvPr/>
-        </p:nvSpPr>
-        <p:spPr>
-          <a:xfrm>
-            <a:off x="4541841" y="5863235"/>
-            <a:ext cx="4572000" cy="923330"/>
-          </a:xfrm>
-          <a:prstGeom prst="rect">
-            <a:avLst/>
-          </a:prstGeom>
-        </p:spPr>
-        <p:txBody>
-          <a:bodyPr>
-            <a:spAutoFit/>
-          </a:bodyPr>
-          <a:lstStyle/>
-          <a:p>
-            <a:r>
-              <a:rPr lang="en-US" u="sng" dirty="0"/>
-              <a:t>Uncertainty</a:t>
-            </a:r>
-            <a:r>
-              <a:rPr lang="en-US" dirty="0"/>
-              <a:t>: The </a:t>
-            </a:r>
-            <a:r>
-              <a:rPr lang="en-US" i="1" dirty="0"/>
-              <a:t>estimated</a:t>
-            </a:r>
-            <a:r>
-              <a:rPr lang="en-US" dirty="0"/>
-              <a:t> amount or percentage by which an observed or calculated value may differ from the true value</a:t>
-            </a:r>
-          </a:p>
-        </p:txBody>
-      </p:sp>
-      <p:sp>
-        <p:nvSpPr>
-          <p:cNvPr id="6" name="Rectangle 5"/>
-          <p:cNvSpPr/>
-          <p:nvPr/>
-        </p:nvSpPr>
-        <p:spPr>
-          <a:xfrm>
-            <a:off x="4541841" y="3188365"/>
-            <a:ext cx="4572000" cy="923330"/>
-          </a:xfrm>
-          <a:prstGeom prst="rect">
-            <a:avLst/>
-          </a:prstGeom>
-        </p:spPr>
-        <p:txBody>
-          <a:bodyPr>
-            <a:spAutoFit/>
-          </a:bodyPr>
-          <a:lstStyle/>
-          <a:p>
-            <a:r>
-              <a:rPr lang="en-US" u="sng" dirty="0"/>
-              <a:t>Accuracy:</a:t>
-            </a:r>
-            <a:r>
-              <a:rPr lang="en-US" dirty="0"/>
-              <a:t> The ability of a measurement to match the actual value of the quantity being measured</a:t>
-            </a:r>
-          </a:p>
-        </p:txBody>
-      </p:sp>
-      <p:sp>
-        <p:nvSpPr>
-          <p:cNvPr id="7" name="Rectangle 6"/>
-          <p:cNvSpPr/>
-          <p:nvPr/>
-        </p:nvSpPr>
-        <p:spPr>
-          <a:xfrm>
-            <a:off x="4541841" y="2425664"/>
-            <a:ext cx="4572000" cy="646331"/>
-          </a:xfrm>
-          <a:prstGeom prst="rect">
-            <a:avLst/>
-          </a:prstGeom>
-        </p:spPr>
-        <p:txBody>
-          <a:bodyPr>
-            <a:spAutoFit/>
-          </a:bodyPr>
-          <a:lstStyle/>
-          <a:p>
-            <a:r>
-              <a:rPr lang="en-US" u="sng" dirty="0"/>
-              <a:t>Precision</a:t>
-            </a:r>
-            <a:r>
-              <a:rPr lang="en-US" dirty="0"/>
-              <a:t>: The ability of a measurement to be consistently reproduced</a:t>
-            </a:r>
-          </a:p>
-        </p:txBody>
-      </p:sp>
-      <p:sp>
-        <p:nvSpPr>
-          <p:cNvPr id="3" name="TextBox 2"/>
-          <p:cNvSpPr txBox="1"/>
-          <p:nvPr/>
-        </p:nvSpPr>
-        <p:spPr>
-          <a:xfrm>
-            <a:off x="4804756" y="1899652"/>
-            <a:ext cx="3823310" cy="523220"/>
-          </a:xfrm>
-          <a:prstGeom prst="rect">
-            <a:avLst/>
-          </a:prstGeom>
-          <a:noFill/>
-        </p:spPr>
-        <p:txBody>
-          <a:bodyPr wrap="square" rtlCol="0">
-            <a:spAutoFit/>
-          </a:bodyPr>
-          <a:lstStyle/>
-          <a:p>
-            <a:pPr algn="ctr"/>
-            <a:r>
-              <a:rPr lang="en-US" sz="2800" b="1" dirty="0"/>
-              <a:t>Measurements (Errors)</a:t>
-            </a:r>
-          </a:p>
-        </p:txBody>
-      </p:sp>
-      <p:sp>
-        <p:nvSpPr>
-          <p:cNvPr id="114" name="TextBox 113"/>
-          <p:cNvSpPr txBox="1"/>
-          <p:nvPr/>
-        </p:nvSpPr>
-        <p:spPr>
-          <a:xfrm>
-            <a:off x="4673299" y="5377190"/>
-            <a:ext cx="4086224" cy="523220"/>
-          </a:xfrm>
-          <a:prstGeom prst="rect">
-            <a:avLst/>
-          </a:prstGeom>
-          <a:noFill/>
-        </p:spPr>
-        <p:txBody>
-          <a:bodyPr wrap="square" rtlCol="0">
-            <a:spAutoFit/>
-          </a:bodyPr>
-          <a:lstStyle/>
-          <a:p>
-            <a:pPr algn="ctr"/>
-            <a:r>
-              <a:rPr lang="en-US" sz="2800" b="1" dirty="0"/>
-              <a:t>Modeling (Uncertainty)</a:t>
-            </a:r>
-          </a:p>
-        </p:txBody>
-      </p:sp>
-      <p:pic>
-        <p:nvPicPr>
-          <p:cNvPr id="9" name="Content Placeholder 3"/>
-          <p:cNvPicPr>
-            <a:picLocks noChangeAspect="1"/>
-          </p:cNvPicPr>
-          <p:nvPr/>
-        </p:nvPicPr>
-        <p:blipFill>
-          <a:blip r:embed="rId3" cstate="print">
-            <a:extLst>
-              <a:ext uri="{28A0092B-C50C-407E-A947-70E740481C1C}">
-                <a14:useLocalDpi xmlns:a14="http://schemas.microsoft.com/office/drawing/2010/main"/>
-              </a:ext>
-            </a:extLst>
-          </a:blip>
-          <a:stretch>
-            <a:fillRect/>
-          </a:stretch>
-        </p:blipFill>
-        <p:spPr>
-          <a:xfrm>
-            <a:off x="0" y="2501875"/>
-            <a:ext cx="5791200" cy="3118338"/>
-          </a:xfrm>
-          <a:prstGeom prst="rect">
-            <a:avLst/>
-          </a:prstGeom>
-        </p:spPr>
-      </p:pic>
-    </p:spTree>
-    <p:extLst>
-      <p:ext uri="{BB962C8B-B14F-4D97-AF65-F5344CB8AC3E}">
-        <p14:creationId xmlns:p14="http://schemas.microsoft.com/office/powerpoint/2010/main" val="1218573069"/>
-      </p:ext>
-    </p:extLst>
-  </p:cSld>
-  <p:clrMapOvr>
-    <a:masterClrMapping/>
-  </p:clrMapOvr>
-</p:sld>
-</file>
-
-<file path=ppt/slides/slide30.xml><?xml version="1.0" encoding="utf-8"?>
+<file path=ppt/slides/slide31.xml><?xml version="1.0" encoding="utf-8"?>
 <p:sld xmlns:a="http://schemas.openxmlformats.org/drawingml/2006/main" xmlns:r="http://schemas.openxmlformats.org/officeDocument/2006/relationships" xmlns:p="http://schemas.openxmlformats.org/presentationml/2006/main">
   <p:cSld>
     <p:bg>
@@ -17168,7 +17792,7 @@
 </p:sld>
 </file>
 
-<file path=ppt/slides/slide31.xml><?xml version="1.0" encoding="utf-8"?>
+<file path=ppt/slides/slide32.xml><?xml version="1.0" encoding="utf-8"?>
 <p:sld xmlns:a="http://schemas.openxmlformats.org/drawingml/2006/main" xmlns:r="http://schemas.openxmlformats.org/officeDocument/2006/relationships" xmlns:p="http://schemas.openxmlformats.org/presentationml/2006/main">
   <p:cSld>
     <p:bg>
@@ -17822,7 +18446,7 @@
 </p:sld>
 </file>
 
-<file path=ppt/slides/slide32.xml><?xml version="1.0" encoding="utf-8"?>
+<file path=ppt/slides/slide33.xml><?xml version="1.0" encoding="utf-8"?>
 <p:sld xmlns:a="http://schemas.openxmlformats.org/drawingml/2006/main" xmlns:r="http://schemas.openxmlformats.org/officeDocument/2006/relationships" xmlns:p="http://schemas.openxmlformats.org/presentationml/2006/main">
   <p:cSld>
     <p:bg>
@@ -18588,7 +19212,7 @@
 </p:sld>
 </file>
 
-<file path=ppt/slides/slide33.xml><?xml version="1.0" encoding="utf-8"?>
+<file path=ppt/slides/slide34.xml><?xml version="1.0" encoding="utf-8"?>
 <p:sld xmlns:a="http://schemas.openxmlformats.org/drawingml/2006/main" xmlns:r="http://schemas.openxmlformats.org/officeDocument/2006/relationships" xmlns:p="http://schemas.openxmlformats.org/presentationml/2006/main">
   <p:cSld>
     <p:bg>
@@ -19417,7 +20041,7 @@
 </p:sld>
 </file>
 
-<file path=ppt/slides/slide34.xml><?xml version="1.0" encoding="utf-8"?>
+<file path=ppt/slides/slide35.xml><?xml version="1.0" encoding="utf-8"?>
 <p:sld xmlns:a="http://schemas.openxmlformats.org/drawingml/2006/main" xmlns:r="http://schemas.openxmlformats.org/officeDocument/2006/relationships" xmlns:p="http://schemas.openxmlformats.org/presentationml/2006/main">
   <p:cSld>
     <p:bg>
@@ -20014,7 +20638,7 @@
 </p:sld>
 </file>
 
-<file path=ppt/slides/slide35.xml><?xml version="1.0" encoding="utf-8"?>
+<file path=ppt/slides/slide36.xml><?xml version="1.0" encoding="utf-8"?>
 <p:sld xmlns:a="http://schemas.openxmlformats.org/drawingml/2006/main" xmlns:r="http://schemas.openxmlformats.org/officeDocument/2006/relationships" xmlns:p="http://schemas.openxmlformats.org/presentationml/2006/main">
   <p:cSld>
     <p:bg>
@@ -20122,7 +20746,7 @@
 </p:sld>
 </file>
 
-<file path=ppt/slides/slide36.xml><?xml version="1.0" encoding="utf-8"?>
+<file path=ppt/slides/slide37.xml><?xml version="1.0" encoding="utf-8"?>
 <p:sld xmlns:a="http://schemas.openxmlformats.org/drawingml/2006/main" xmlns:r="http://schemas.openxmlformats.org/officeDocument/2006/relationships" xmlns:p="http://schemas.openxmlformats.org/presentationml/2006/main">
   <p:cSld>
     <p:bg>
@@ -20291,7 +20915,7 @@
 </p:sld>
 </file>
 
-<file path=ppt/slides/slide37.xml><?xml version="1.0" encoding="utf-8"?>
+<file path=ppt/slides/slide38.xml><?xml version="1.0" encoding="utf-8"?>
 <p:sld xmlns:a="http://schemas.openxmlformats.org/drawingml/2006/main" xmlns:r="http://schemas.openxmlformats.org/officeDocument/2006/relationships" xmlns:p="http://schemas.openxmlformats.org/presentationml/2006/main" show="0">
   <p:cSld>
     <p:bg>
